--- a/plots.pptx
+++ b/plots.pptx
@@ -115,7 +115,7 @@
 <file path=ppt/revisionInfo.xml><?xml version="1.0" encoding="utf-8"?>
 <p1510:revInfo xmlns:a="http://schemas.openxmlformats.org/drawingml/2006/main" xmlns:r="http://schemas.openxmlformats.org/officeDocument/2006/relationships" xmlns:p1510="http://schemas.microsoft.com/office/powerpoint/2015/10/main">
   <p1510:revLst>
-    <p1510:client id="{26AAD9E8-4C42-4DE7-94A5-14A70A065374}" v="112" dt="2024-02-06T15:07:02.436"/>
+    <p1510:client id="{26AAD9E8-4C42-4DE7-94A5-14A70A065374}" v="115" dt="2024-02-07T12:38:46.059"/>
   </p1510:revLst>
 </p1510:revInfo>
 </file>
@@ -125,12 +125,12 @@
   <pc:docChgLst>
     <pc:chgData name="Sehgal, Vinit" userId="ef721694-8436-4df6-8b9b-be9691359d6c" providerId="ADAL" clId="{26AAD9E8-4C42-4DE7-94A5-14A70A065374}"/>
     <pc:docChg chg="undo custSel addSld modSld">
-      <pc:chgData name="Sehgal, Vinit" userId="ef721694-8436-4df6-8b9b-be9691359d6c" providerId="ADAL" clId="{26AAD9E8-4C42-4DE7-94A5-14A70A065374}" dt="2024-02-06T15:08:03.746" v="828" actId="20577"/>
+      <pc:chgData name="Sehgal, Vinit" userId="ef721694-8436-4df6-8b9b-be9691359d6c" providerId="ADAL" clId="{26AAD9E8-4C42-4DE7-94A5-14A70A065374}" dt="2024-02-07T12:39:06.825" v="866" actId="14100"/>
       <pc:docMkLst>
         <pc:docMk/>
       </pc:docMkLst>
       <pc:sldChg chg="addSp delSp modSp new mod">
-        <pc:chgData name="Sehgal, Vinit" userId="ef721694-8436-4df6-8b9b-be9691359d6c" providerId="ADAL" clId="{26AAD9E8-4C42-4DE7-94A5-14A70A065374}" dt="2024-02-06T15:08:03.746" v="828" actId="20577"/>
+        <pc:chgData name="Sehgal, Vinit" userId="ef721694-8436-4df6-8b9b-be9691359d6c" providerId="ADAL" clId="{26AAD9E8-4C42-4DE7-94A5-14A70A065374}" dt="2024-02-07T12:39:06.825" v="866" actId="14100"/>
         <pc:sldMkLst>
           <pc:docMk/>
           <pc:sldMk cId="232067652" sldId="256"/>
@@ -151,6 +151,14 @@
             <ac:spMk id="2" creationId="{5A35EEE2-3FEF-E3E4-EDF0-7B6110416FC8}"/>
           </ac:spMkLst>
         </pc:spChg>
+        <pc:spChg chg="add">
+          <ac:chgData name="Sehgal, Vinit" userId="ef721694-8436-4df6-8b9b-be9691359d6c" providerId="ADAL" clId="{26AAD9E8-4C42-4DE7-94A5-14A70A065374}" dt="2024-02-07T12:38:41.842" v="855"/>
+          <ac:spMkLst>
+            <pc:docMk/>
+            <pc:sldMk cId="232067652" sldId="256"/>
+            <ac:spMk id="3" creationId="{6C225487-988F-45CE-F517-0CB33C1D0A1E}"/>
+          </ac:spMkLst>
+        </pc:spChg>
         <pc:spChg chg="del">
           <ac:chgData name="Sehgal, Vinit" userId="ef721694-8436-4df6-8b9b-be9691359d6c" providerId="ADAL" clId="{26AAD9E8-4C42-4DE7-94A5-14A70A065374}" dt="2024-02-06T14:13:25.785" v="1" actId="478"/>
           <ac:spMkLst>
@@ -199,6 +207,14 @@
             <ac:spMk id="12" creationId="{C6A947DB-80FD-5F6C-0A75-11F77035F751}"/>
           </ac:spMkLst>
         </pc:spChg>
+        <pc:spChg chg="add mod">
+          <ac:chgData name="Sehgal, Vinit" userId="ef721694-8436-4df6-8b9b-be9691359d6c" providerId="ADAL" clId="{26AAD9E8-4C42-4DE7-94A5-14A70A065374}" dt="2024-02-07T12:39:06.825" v="866" actId="14100"/>
+          <ac:spMkLst>
+            <pc:docMk/>
+            <pc:sldMk cId="232067652" sldId="256"/>
+            <ac:spMk id="13" creationId="{482D95EE-F81B-FAB9-B402-BA9924FB746C}"/>
+          </ac:spMkLst>
+        </pc:spChg>
         <pc:spChg chg="add del mod">
           <ac:chgData name="Sehgal, Vinit" userId="ef721694-8436-4df6-8b9b-be9691359d6c" providerId="ADAL" clId="{26AAD9E8-4C42-4DE7-94A5-14A70A065374}" dt="2024-02-06T14:34:49.208" v="322" actId="478"/>
           <ac:spMkLst>
@@ -352,7 +368,7 @@
           </ac:spMkLst>
         </pc:spChg>
         <pc:spChg chg="add mod">
-          <ac:chgData name="Sehgal, Vinit" userId="ef721694-8436-4df6-8b9b-be9691359d6c" providerId="ADAL" clId="{26AAD9E8-4C42-4DE7-94A5-14A70A065374}" dt="2024-02-06T15:07:30" v="821" actId="1037"/>
+          <ac:chgData name="Sehgal, Vinit" userId="ef721694-8436-4df6-8b9b-be9691359d6c" providerId="ADAL" clId="{26AAD9E8-4C42-4DE7-94A5-14A70A065374}" dt="2024-02-07T12:38:24.263" v="844" actId="14100"/>
           <ac:spMkLst>
             <pc:docMk/>
             <pc:sldMk cId="232067652" sldId="256"/>
@@ -368,7 +384,7 @@
           </ac:spMkLst>
         </pc:spChg>
         <pc:spChg chg="add mod topLvl">
-          <ac:chgData name="Sehgal, Vinit" userId="ef721694-8436-4df6-8b9b-be9691359d6c" providerId="ADAL" clId="{26AAD9E8-4C42-4DE7-94A5-14A70A065374}" dt="2024-02-06T15:07:30" v="821" actId="1037"/>
+          <ac:chgData name="Sehgal, Vinit" userId="ef721694-8436-4df6-8b9b-be9691359d6c" providerId="ADAL" clId="{26AAD9E8-4C42-4DE7-94A5-14A70A065374}" dt="2024-02-07T12:38:31.059" v="854" actId="20577"/>
           <ac:spMkLst>
             <pc:docMk/>
             <pc:sldMk cId="232067652" sldId="256"/>
@@ -1088,7 +1104,7 @@
           <a:p>
             <a:fld id="{BE439EB3-F077-416F-BE9D-E5A16F54A2DF}" type="datetimeFigureOut">
               <a:rPr lang="en-US" smtClean="0"/>
-              <a:t>2/6/2024</a:t>
+              <a:t>2/7/2024</a:t>
             </a:fld>
             <a:endParaRPr lang="en-US"/>
           </a:p>
@@ -1286,7 +1302,7 @@
           <a:p>
             <a:fld id="{BE439EB3-F077-416F-BE9D-E5A16F54A2DF}" type="datetimeFigureOut">
               <a:rPr lang="en-US" smtClean="0"/>
-              <a:t>2/6/2024</a:t>
+              <a:t>2/7/2024</a:t>
             </a:fld>
             <a:endParaRPr lang="en-US"/>
           </a:p>
@@ -1494,7 +1510,7 @@
           <a:p>
             <a:fld id="{BE439EB3-F077-416F-BE9D-E5A16F54A2DF}" type="datetimeFigureOut">
               <a:rPr lang="en-US" smtClean="0"/>
-              <a:t>2/6/2024</a:t>
+              <a:t>2/7/2024</a:t>
             </a:fld>
             <a:endParaRPr lang="en-US"/>
           </a:p>
@@ -1692,7 +1708,7 @@
           <a:p>
             <a:fld id="{BE439EB3-F077-416F-BE9D-E5A16F54A2DF}" type="datetimeFigureOut">
               <a:rPr lang="en-US" smtClean="0"/>
-              <a:t>2/6/2024</a:t>
+              <a:t>2/7/2024</a:t>
             </a:fld>
             <a:endParaRPr lang="en-US"/>
           </a:p>
@@ -1967,7 +1983,7 @@
           <a:p>
             <a:fld id="{BE439EB3-F077-416F-BE9D-E5A16F54A2DF}" type="datetimeFigureOut">
               <a:rPr lang="en-US" smtClean="0"/>
-              <a:t>2/6/2024</a:t>
+              <a:t>2/7/2024</a:t>
             </a:fld>
             <a:endParaRPr lang="en-US"/>
           </a:p>
@@ -2232,7 +2248,7 @@
           <a:p>
             <a:fld id="{BE439EB3-F077-416F-BE9D-E5A16F54A2DF}" type="datetimeFigureOut">
               <a:rPr lang="en-US" smtClean="0"/>
-              <a:t>2/6/2024</a:t>
+              <a:t>2/7/2024</a:t>
             </a:fld>
             <a:endParaRPr lang="en-US"/>
           </a:p>
@@ -2644,7 +2660,7 @@
           <a:p>
             <a:fld id="{BE439EB3-F077-416F-BE9D-E5A16F54A2DF}" type="datetimeFigureOut">
               <a:rPr lang="en-US" smtClean="0"/>
-              <a:t>2/6/2024</a:t>
+              <a:t>2/7/2024</a:t>
             </a:fld>
             <a:endParaRPr lang="en-US"/>
           </a:p>
@@ -2785,7 +2801,7 @@
           <a:p>
             <a:fld id="{BE439EB3-F077-416F-BE9D-E5A16F54A2DF}" type="datetimeFigureOut">
               <a:rPr lang="en-US" smtClean="0"/>
-              <a:t>2/6/2024</a:t>
+              <a:t>2/7/2024</a:t>
             </a:fld>
             <a:endParaRPr lang="en-US"/>
           </a:p>
@@ -2898,7 +2914,7 @@
           <a:p>
             <a:fld id="{BE439EB3-F077-416F-BE9D-E5A16F54A2DF}" type="datetimeFigureOut">
               <a:rPr lang="en-US" smtClean="0"/>
-              <a:t>2/6/2024</a:t>
+              <a:t>2/7/2024</a:t>
             </a:fld>
             <a:endParaRPr lang="en-US"/>
           </a:p>
@@ -3209,7 +3225,7 @@
           <a:p>
             <a:fld id="{BE439EB3-F077-416F-BE9D-E5A16F54A2DF}" type="datetimeFigureOut">
               <a:rPr lang="en-US" smtClean="0"/>
-              <a:t>2/6/2024</a:t>
+              <a:t>2/7/2024</a:t>
             </a:fld>
             <a:endParaRPr lang="en-US"/>
           </a:p>
@@ -3497,7 +3513,7 @@
           <a:p>
             <a:fld id="{BE439EB3-F077-416F-BE9D-E5A16F54A2DF}" type="datetimeFigureOut">
               <a:rPr lang="en-US" smtClean="0"/>
-              <a:t>2/6/2024</a:t>
+              <a:t>2/7/2024</a:t>
             </a:fld>
             <a:endParaRPr lang="en-US"/>
           </a:p>
@@ -3738,7 +3754,7 @@
           <a:p>
             <a:fld id="{BE439EB3-F077-416F-BE9D-E5A16F54A2DF}" type="datetimeFigureOut">
               <a:rPr lang="en-US" smtClean="0"/>
-              <a:t>2/6/2024</a:t>
+              <a:t>2/7/2024</a:t>
             </a:fld>
             <a:endParaRPr lang="en-US"/>
           </a:p>
@@ -4424,7 +4440,7 @@
         <p:spPr>
           <a:xfrm>
             <a:off x="3080943" y="1211420"/>
-            <a:ext cx="1515347" cy="307777"/>
+            <a:ext cx="1759271" cy="307777"/>
           </a:xfrm>
           <a:prstGeom prst="rect">
             <a:avLst/>
@@ -4438,10 +4454,10 @@
           <a:lstStyle/>
           <a:p>
             <a:r>
-              <a:rPr lang="en-US" sz="1400" dirty="0">
+              <a:rPr lang="en-US" sz="1400" i="1" dirty="0">
                 <a:latin typeface="Consolas" panose="020B0609020204030204" pitchFamily="49" charset="0"/>
               </a:rPr>
-              <a:t>aggregate</a:t>
+              <a:t>terra::aggregate</a:t>
             </a:r>
             <a:r>
               <a:rPr lang="en-US" sz="1400" dirty="0"/>
@@ -5824,15 +5840,18 @@
           <a:lstStyle/>
           <a:p>
             <a:r>
-              <a:rPr lang="en-US" sz="1400" dirty="0">
+              <a:rPr lang="en-US" sz="1400" i="1" dirty="0">
                 <a:latin typeface="Consolas" panose="020B0609020204030204" pitchFamily="49" charset="0"/>
               </a:rPr>
-              <a:t>disaggregate</a:t>
-            </a:r>
-            <a:r>
-              <a:rPr lang="en-US" sz="1400" dirty="0"/>
-              <a:t> </a:t>
-            </a:r>
+              <a:t>terra::</a:t>
+            </a:r>
+            <a:r>
+              <a:rPr lang="en-US" sz="1400" i="1" dirty="0" err="1">
+                <a:latin typeface="Consolas" panose="020B0609020204030204" pitchFamily="49" charset="0"/>
+              </a:rPr>
+              <a:t>disagg</a:t>
+            </a:r>
+            <a:endParaRPr lang="en-US" sz="1400" i="1" dirty="0"/>
           </a:p>
         </p:txBody>
       </p:sp>
@@ -6574,6 +6593,44 @@
           </a:fontRef>
         </p:style>
       </p:cxnSp>
+      <p:sp>
+        <p:nvSpPr>
+          <p:cNvPr id="13" name="TextBox 12">
+            <a:extLst>
+              <a:ext uri="{FF2B5EF4-FFF2-40B4-BE49-F238E27FC236}">
+                <a16:creationId xmlns:a16="http://schemas.microsoft.com/office/drawing/2014/main" id="{482D95EE-F81B-FAB9-B402-BA9924FB746C}"/>
+              </a:ext>
+            </a:extLst>
+          </p:cNvPr>
+          <p:cNvSpPr txBox="1"/>
+          <p:nvPr/>
+        </p:nvSpPr>
+        <p:spPr>
+          <a:xfrm>
+            <a:off x="3079137" y="5739106"/>
+            <a:ext cx="1823055" cy="307777"/>
+          </a:xfrm>
+          <a:prstGeom prst="rect">
+            <a:avLst/>
+          </a:prstGeom>
+          <a:noFill/>
+        </p:spPr>
+        <p:txBody>
+          <a:bodyPr wrap="square" rtlCol="0">
+            <a:spAutoFit/>
+          </a:bodyPr>
+          <a:lstStyle/>
+          <a:p>
+            <a:r>
+              <a:rPr lang="en-US" sz="1400" i="1" dirty="0">
+                <a:latin typeface="Consolas" panose="020B0609020204030204" pitchFamily="49" charset="0"/>
+              </a:rPr>
+              <a:t>terra::resample</a:t>
+            </a:r>
+            <a:endParaRPr lang="en-US" sz="1400" i="1" dirty="0"/>
+          </a:p>
+        </p:txBody>
+      </p:sp>
     </p:spTree>
     <p:extLst>
       <p:ext uri="{BB962C8B-B14F-4D97-AF65-F5344CB8AC3E}">

--- a/plots.pptx
+++ b/plots.pptx
@@ -7,14 +7,15 @@
   <p:sldIdLst>
     <p:sldId id="256" r:id="rId2"/>
     <p:sldId id="257" r:id="rId3"/>
-    <p:sldId id="264" r:id="rId4"/>
-    <p:sldId id="260" r:id="rId5"/>
-    <p:sldId id="261" r:id="rId6"/>
-    <p:sldId id="262" r:id="rId7"/>
-    <p:sldId id="263" r:id="rId8"/>
-    <p:sldId id="265" r:id="rId9"/>
-    <p:sldId id="258" r:id="rId10"/>
-    <p:sldId id="259" r:id="rId11"/>
+    <p:sldId id="266" r:id="rId4"/>
+    <p:sldId id="264" r:id="rId5"/>
+    <p:sldId id="260" r:id="rId6"/>
+    <p:sldId id="261" r:id="rId7"/>
+    <p:sldId id="262" r:id="rId8"/>
+    <p:sldId id="263" r:id="rId9"/>
+    <p:sldId id="265" r:id="rId10"/>
+    <p:sldId id="258" r:id="rId11"/>
+    <p:sldId id="259" r:id="rId12"/>
   </p:sldIdLst>
   <p:sldSz cx="12192000" cy="6858000"/>
   <p:notesSz cx="6858000" cy="9144000"/>
@@ -134,7 +135,7 @@
   <pc:docChgLst>
     <pc:chgData name="Sehgal, Vinit" userId="ef721694-8436-4df6-8b9b-be9691359d6c" providerId="ADAL" clId="{26AAD9E8-4C42-4DE7-94A5-14A70A065374}"/>
     <pc:docChg chg="undo custSel addSld modSld">
-      <pc:chgData name="Sehgal, Vinit" userId="ef721694-8436-4df6-8b9b-be9691359d6c" providerId="ADAL" clId="{26AAD9E8-4C42-4DE7-94A5-14A70A065374}" dt="2024-02-20T19:22:12.364" v="2774" actId="21"/>
+      <pc:chgData name="Sehgal, Vinit" userId="ef721694-8436-4df6-8b9b-be9691359d6c" providerId="ADAL" clId="{26AAD9E8-4C42-4DE7-94A5-14A70A065374}" dt="2024-02-20T22:45:14.953" v="2780" actId="22"/>
       <pc:docMkLst>
         <pc:docMk/>
       </pc:docMkLst>
@@ -1775,6 +1776,45 @@
             <ac:picMk id="43" creationId="{1CC1B56D-CE8B-AE0A-7C30-993075202AC1}"/>
           </ac:picMkLst>
         </pc:picChg>
+      </pc:sldChg>
+      <pc:sldChg chg="addSp delSp new mod">
+        <pc:chgData name="Sehgal, Vinit" userId="ef721694-8436-4df6-8b9b-be9691359d6c" providerId="ADAL" clId="{26AAD9E8-4C42-4DE7-94A5-14A70A065374}" dt="2024-02-20T22:45:14.953" v="2780" actId="22"/>
+        <pc:sldMkLst>
+          <pc:docMk/>
+          <pc:sldMk cId="538476958" sldId="266"/>
+        </pc:sldMkLst>
+        <pc:spChg chg="del">
+          <ac:chgData name="Sehgal, Vinit" userId="ef721694-8436-4df6-8b9b-be9691359d6c" providerId="ADAL" clId="{26AAD9E8-4C42-4DE7-94A5-14A70A065374}" dt="2024-02-20T22:45:09.312" v="2776" actId="478"/>
+          <ac:spMkLst>
+            <pc:docMk/>
+            <pc:sldMk cId="538476958" sldId="266"/>
+            <ac:spMk id="2" creationId="{14ACCF9B-CE5A-54F2-96E4-A24CF34CC97D}"/>
+          </ac:spMkLst>
+        </pc:spChg>
+        <pc:spChg chg="del">
+          <ac:chgData name="Sehgal, Vinit" userId="ef721694-8436-4df6-8b9b-be9691359d6c" providerId="ADAL" clId="{26AAD9E8-4C42-4DE7-94A5-14A70A065374}" dt="2024-02-20T22:45:09.312" v="2776" actId="478"/>
+          <ac:spMkLst>
+            <pc:docMk/>
+            <pc:sldMk cId="538476958" sldId="266"/>
+            <ac:spMk id="3" creationId="{C23EED7E-B89E-2288-712B-7485EF99777F}"/>
+          </ac:spMkLst>
+        </pc:spChg>
+        <pc:spChg chg="add del">
+          <ac:chgData name="Sehgal, Vinit" userId="ef721694-8436-4df6-8b9b-be9691359d6c" providerId="ADAL" clId="{26AAD9E8-4C42-4DE7-94A5-14A70A065374}" dt="2024-02-20T22:45:11" v="2778" actId="22"/>
+          <ac:spMkLst>
+            <pc:docMk/>
+            <pc:sldMk cId="538476958" sldId="266"/>
+            <ac:spMk id="5" creationId="{5DB594D7-05BE-ACDB-B793-A958D165B2A9}"/>
+          </ac:spMkLst>
+        </pc:spChg>
+        <pc:spChg chg="add del">
+          <ac:chgData name="Sehgal, Vinit" userId="ef721694-8436-4df6-8b9b-be9691359d6c" providerId="ADAL" clId="{26AAD9E8-4C42-4DE7-94A5-14A70A065374}" dt="2024-02-20T22:45:14.953" v="2780" actId="22"/>
+          <ac:spMkLst>
+            <pc:docMk/>
+            <pc:sldMk cId="538476958" sldId="266"/>
+            <ac:spMk id="7" creationId="{5BAAC996-4B45-1844-63E0-8B4F4A756ADB}"/>
+          </ac:spMkLst>
+        </pc:spChg>
       </pc:sldChg>
     </pc:docChg>
   </pc:docChgLst>
@@ -7473,6 +7513,2259 @@
   <p:cSld>
     <p:spTree>
       <p:nvGrpSpPr>
+        <p:cNvPr id="1" name=""/>
+        <p:cNvGrpSpPr/>
+        <p:nvPr/>
+      </p:nvGrpSpPr>
+      <p:grpSpPr>
+        <a:xfrm>
+          <a:off x="0" y="0"/>
+          <a:ext cx="0" cy="0"/>
+          <a:chOff x="0" y="0"/>
+          <a:chExt cx="0" cy="0"/>
+        </a:xfrm>
+      </p:grpSpPr>
+      <mc:AlternateContent xmlns:mc="http://schemas.openxmlformats.org/markup-compatibility/2006" xmlns:a14="http://schemas.microsoft.com/office/drawing/2010/main">
+        <mc:Choice Requires="a14">
+          <p:sp>
+            <p:nvSpPr>
+              <p:cNvPr id="8" name="TextBox 7">
+                <a:extLst>
+                  <a:ext uri="{FF2B5EF4-FFF2-40B4-BE49-F238E27FC236}">
+                    <a16:creationId xmlns:a16="http://schemas.microsoft.com/office/drawing/2014/main" id="{C86D6E60-56E0-AFA5-3533-AD73667E987D}"/>
+                  </a:ext>
+                </a:extLst>
+              </p:cNvPr>
+              <p:cNvSpPr txBox="1"/>
+              <p:nvPr/>
+            </p:nvSpPr>
+            <p:spPr>
+              <a:xfrm>
+                <a:off x="202913" y="676606"/>
+                <a:ext cx="10040421" cy="1238929"/>
+              </a:xfrm>
+              <a:prstGeom prst="rect">
+                <a:avLst/>
+              </a:prstGeom>
+              <a:noFill/>
+            </p:spPr>
+            <p:txBody>
+              <a:bodyPr wrap="square">
+                <a:spAutoFit/>
+              </a:bodyPr>
+              <a:lstStyle/>
+              <a:p>
+                <a14:m>
+                  <m:oMath xmlns:m="http://schemas.openxmlformats.org/officeDocument/2006/math">
+                    <m:d>
+                      <m:dPr>
+                        <m:begChr m:val="["/>
+                        <m:endChr m:val="]"/>
+                        <m:ctrlPr>
+                          <a:rPr lang="en-US" sz="2800" i="1" smtClean="0">
+                            <a:solidFill>
+                              <a:schemeClr val="tx1"/>
+                            </a:solidFill>
+                            <a:latin typeface="Cambria Math" panose="02040503050406030204" pitchFamily="18" charset="0"/>
+                          </a:rPr>
+                        </m:ctrlPr>
+                      </m:dPr>
+                      <m:e>
+                        <m:m>
+                          <m:mPr>
+                            <m:plcHide m:val="on"/>
+                            <m:mcs>
+                              <m:mc>
+                                <m:mcPr>
+                                  <m:count m:val="3"/>
+                                  <m:mcJc m:val="center"/>
+                                </m:mcPr>
+                              </m:mc>
+                            </m:mcs>
+                            <m:ctrlPr>
+                              <a:rPr lang="en-US" sz="2800" i="1">
+                                <a:solidFill>
+                                  <a:schemeClr val="tx1"/>
+                                </a:solidFill>
+                                <a:latin typeface="Cambria Math" panose="02040503050406030204" pitchFamily="18" charset="0"/>
+                              </a:rPr>
+                            </m:ctrlPr>
+                          </m:mPr>
+                          <m:mr>
+                            <m:e>
+                              <m:r>
+                                <a:rPr lang="en-US" sz="2800" b="0" i="0" smtClean="0">
+                                  <a:solidFill>
+                                    <a:schemeClr val="tx1"/>
+                                  </a:solidFill>
+                                  <a:latin typeface="Cambria Math" panose="02040503050406030204" pitchFamily="18" charset="0"/>
+                                </a:rPr>
+                                <m:t>1</m:t>
+                              </m:r>
+                            </m:e>
+                            <m:e>
+                              <m:r>
+                                <a:rPr lang="en-US" sz="2800" i="0">
+                                  <a:solidFill>
+                                    <a:schemeClr val="tx1"/>
+                                  </a:solidFill>
+                                  <a:latin typeface="Cambria Math" panose="02040503050406030204" pitchFamily="18" charset="0"/>
+                                </a:rPr>
+                                <m:t>⋯</m:t>
+                              </m:r>
+                            </m:e>
+                            <m:e>
+                              <m:r>
+                                <a:rPr lang="en-US" sz="2800" b="0" i="0" smtClean="0">
+                                  <a:solidFill>
+                                    <a:schemeClr val="tx1"/>
+                                  </a:solidFill>
+                                  <a:latin typeface="Cambria Math" panose="02040503050406030204" pitchFamily="18" charset="0"/>
+                                </a:rPr>
+                                <m:t>2</m:t>
+                              </m:r>
+                            </m:e>
+                          </m:mr>
+                          <m:mr>
+                            <m:e>
+                              <m:r>
+                                <a:rPr lang="en-US" sz="2800" i="0">
+                                  <a:solidFill>
+                                    <a:schemeClr val="tx1"/>
+                                  </a:solidFill>
+                                  <a:latin typeface="Cambria Math" panose="02040503050406030204" pitchFamily="18" charset="0"/>
+                                </a:rPr>
+                                <m:t>⋮</m:t>
+                              </m:r>
+                            </m:e>
+                            <m:e>
+                              <m:r>
+                                <a:rPr lang="en-US" sz="2800" i="0">
+                                  <a:solidFill>
+                                    <a:schemeClr val="tx1"/>
+                                  </a:solidFill>
+                                  <a:latin typeface="Cambria Math" panose="02040503050406030204" pitchFamily="18" charset="0"/>
+                                </a:rPr>
+                                <m:t>⋱</m:t>
+                              </m:r>
+                            </m:e>
+                            <m:e>
+                              <m:r>
+                                <a:rPr lang="en-US" sz="2800" i="0">
+                                  <a:solidFill>
+                                    <a:schemeClr val="tx1"/>
+                                  </a:solidFill>
+                                  <a:latin typeface="Cambria Math" panose="02040503050406030204" pitchFamily="18" charset="0"/>
+                                </a:rPr>
+                                <m:t>⋮</m:t>
+                              </m:r>
+                            </m:e>
+                          </m:mr>
+                          <m:mr>
+                            <m:e>
+                              <m:r>
+                                <a:rPr lang="en-US" sz="2800" b="0" i="0" smtClean="0">
+                                  <a:solidFill>
+                                    <a:schemeClr val="tx1"/>
+                                  </a:solidFill>
+                                  <a:latin typeface="Cambria Math" panose="02040503050406030204" pitchFamily="18" charset="0"/>
+                                </a:rPr>
+                                <m:t>4</m:t>
+                              </m:r>
+                            </m:e>
+                            <m:e>
+                              <m:r>
+                                <a:rPr lang="en-US" sz="2800" i="0">
+                                  <a:solidFill>
+                                    <a:schemeClr val="tx1"/>
+                                  </a:solidFill>
+                                  <a:latin typeface="Cambria Math" panose="02040503050406030204" pitchFamily="18" charset="0"/>
+                                </a:rPr>
+                                <m:t>⋯</m:t>
+                              </m:r>
+                            </m:e>
+                            <m:e>
+                              <m:r>
+                                <a:rPr lang="en-US" sz="2800" b="0" i="0" smtClean="0">
+                                  <a:solidFill>
+                                    <a:schemeClr val="tx1"/>
+                                  </a:solidFill>
+                                  <a:latin typeface="Cambria Math" panose="02040503050406030204" pitchFamily="18" charset="0"/>
+                                </a:rPr>
+                                <m:t>3</m:t>
+                              </m:r>
+                            </m:e>
+                          </m:mr>
+                        </m:m>
+                      </m:e>
+                    </m:d>
+                  </m:oMath>
+                </a14:m>
+                <a:r>
+                  <a:rPr lang="en-US" sz="2800" dirty="0">
+                    <a:solidFill>
+                      <a:schemeClr val="tx1"/>
+                    </a:solidFill>
+                  </a:rPr>
+                  <a:t> </a:t>
+                </a:r>
+                <a:r>
+                  <a:rPr lang="en-US" sz="4000" dirty="0"/>
+                  <a:t>+</a:t>
+                </a:r>
+                <a:r>
+                  <a:rPr lang="en-US" sz="2800" dirty="0"/>
+                  <a:t>   1   </a:t>
+                </a:r>
+                <a:r>
+                  <a:rPr lang="en-US" sz="4000" dirty="0">
+                    <a:solidFill>
+                      <a:schemeClr val="tx1"/>
+                    </a:solidFill>
+                  </a:rPr>
+                  <a:t>=   </a:t>
+                </a:r>
+                <a14:m>
+                  <m:oMath xmlns:m="http://schemas.openxmlformats.org/officeDocument/2006/math">
+                    <m:d>
+                      <m:dPr>
+                        <m:begChr m:val="["/>
+                        <m:endChr m:val="]"/>
+                        <m:ctrlPr>
+                          <a:rPr lang="en-US" sz="2800" i="1">
+                            <a:latin typeface="Cambria Math" panose="02040503050406030204" pitchFamily="18" charset="0"/>
+                          </a:rPr>
+                        </m:ctrlPr>
+                      </m:dPr>
+                      <m:e>
+                        <m:m>
+                          <m:mPr>
+                            <m:plcHide m:val="on"/>
+                            <m:mcs>
+                              <m:mc>
+                                <m:mcPr>
+                                  <m:count m:val="3"/>
+                                  <m:mcJc m:val="center"/>
+                                </m:mcPr>
+                              </m:mc>
+                            </m:mcs>
+                            <m:ctrlPr>
+                              <a:rPr lang="en-US" sz="2800" i="1">
+                                <a:latin typeface="Cambria Math" panose="02040503050406030204" pitchFamily="18" charset="0"/>
+                              </a:rPr>
+                            </m:ctrlPr>
+                          </m:mPr>
+                          <m:mr>
+                            <m:e>
+                              <m:r>
+                                <a:rPr lang="en-US" sz="2800">
+                                  <a:latin typeface="Cambria Math" panose="02040503050406030204" pitchFamily="18" charset="0"/>
+                                </a:rPr>
+                                <m:t>1</m:t>
+                              </m:r>
+                              <m:r>
+                                <a:rPr lang="en-US" sz="2800" b="0" i="0" smtClean="0">
+                                  <a:latin typeface="Cambria Math" panose="02040503050406030204" pitchFamily="18" charset="0"/>
+                                </a:rPr>
+                                <m:t>+1</m:t>
+                              </m:r>
+                            </m:e>
+                            <m:e>
+                              <m:r>
+                                <a:rPr lang="en-US" sz="2800">
+                                  <a:latin typeface="Cambria Math" panose="02040503050406030204" pitchFamily="18" charset="0"/>
+                                </a:rPr>
+                                <m:t>⋯</m:t>
+                              </m:r>
+                            </m:e>
+                            <m:e>
+                              <m:r>
+                                <a:rPr lang="en-US" sz="2800">
+                                  <a:latin typeface="Cambria Math" panose="02040503050406030204" pitchFamily="18" charset="0"/>
+                                </a:rPr>
+                                <m:t>2</m:t>
+                              </m:r>
+                              <m:r>
+                                <a:rPr lang="en-US" sz="2800" b="0" i="0" smtClean="0">
+                                  <a:latin typeface="Cambria Math" panose="02040503050406030204" pitchFamily="18" charset="0"/>
+                                </a:rPr>
+                                <m:t>+2</m:t>
+                              </m:r>
+                            </m:e>
+                          </m:mr>
+                          <m:mr>
+                            <m:e>
+                              <m:r>
+                                <a:rPr lang="en-US" sz="2800">
+                                  <a:latin typeface="Cambria Math" panose="02040503050406030204" pitchFamily="18" charset="0"/>
+                                </a:rPr>
+                                <m:t>⋮</m:t>
+                              </m:r>
+                            </m:e>
+                            <m:e>
+                              <m:r>
+                                <a:rPr lang="en-US" sz="2800">
+                                  <a:latin typeface="Cambria Math" panose="02040503050406030204" pitchFamily="18" charset="0"/>
+                                </a:rPr>
+                                <m:t>⋱</m:t>
+                              </m:r>
+                            </m:e>
+                            <m:e>
+                              <m:r>
+                                <a:rPr lang="en-US" sz="2800">
+                                  <a:latin typeface="Cambria Math" panose="02040503050406030204" pitchFamily="18" charset="0"/>
+                                </a:rPr>
+                                <m:t>⋮</m:t>
+                              </m:r>
+                            </m:e>
+                          </m:mr>
+                          <m:mr>
+                            <m:e>
+                              <m:r>
+                                <a:rPr lang="en-US" sz="2800">
+                                  <a:latin typeface="Cambria Math" panose="02040503050406030204" pitchFamily="18" charset="0"/>
+                                </a:rPr>
+                                <m:t>4</m:t>
+                              </m:r>
+                              <m:r>
+                                <a:rPr lang="en-US" sz="2800" b="0" i="0" smtClean="0">
+                                  <a:latin typeface="Cambria Math" panose="02040503050406030204" pitchFamily="18" charset="0"/>
+                                </a:rPr>
+                                <m:t>+1</m:t>
+                              </m:r>
+                            </m:e>
+                            <m:e>
+                              <m:r>
+                                <a:rPr lang="en-US" sz="2800">
+                                  <a:latin typeface="Cambria Math" panose="02040503050406030204" pitchFamily="18" charset="0"/>
+                                </a:rPr>
+                                <m:t>⋯</m:t>
+                              </m:r>
+                            </m:e>
+                            <m:e>
+                              <m:r>
+                                <a:rPr lang="en-US" sz="2800">
+                                  <a:latin typeface="Cambria Math" panose="02040503050406030204" pitchFamily="18" charset="0"/>
+                                </a:rPr>
+                                <m:t>3</m:t>
+                              </m:r>
+                              <m:r>
+                                <a:rPr lang="en-US" sz="2800" b="0" i="0" smtClean="0">
+                                  <a:latin typeface="Cambria Math" panose="02040503050406030204" pitchFamily="18" charset="0"/>
+                                </a:rPr>
+                                <m:t>+1</m:t>
+                              </m:r>
+                            </m:e>
+                          </m:mr>
+                        </m:m>
+                      </m:e>
+                    </m:d>
+                  </m:oMath>
+                </a14:m>
+                <a:r>
+                  <a:rPr lang="en-US" sz="4000" dirty="0"/>
+                  <a:t>    =   </a:t>
+                </a:r>
+                <a14:m>
+                  <m:oMath xmlns:m="http://schemas.openxmlformats.org/officeDocument/2006/math">
+                    <m:d>
+                      <m:dPr>
+                        <m:begChr m:val="["/>
+                        <m:endChr m:val="]"/>
+                        <m:ctrlPr>
+                          <a:rPr lang="en-US" sz="2800" i="1">
+                            <a:latin typeface="Cambria Math" panose="02040503050406030204" pitchFamily="18" charset="0"/>
+                          </a:rPr>
+                        </m:ctrlPr>
+                      </m:dPr>
+                      <m:e>
+                        <m:m>
+                          <m:mPr>
+                            <m:plcHide m:val="on"/>
+                            <m:mcs>
+                              <m:mc>
+                                <m:mcPr>
+                                  <m:count m:val="3"/>
+                                  <m:mcJc m:val="center"/>
+                                </m:mcPr>
+                              </m:mc>
+                            </m:mcs>
+                            <m:ctrlPr>
+                              <a:rPr lang="en-US" sz="2800" i="1">
+                                <a:latin typeface="Cambria Math" panose="02040503050406030204" pitchFamily="18" charset="0"/>
+                              </a:rPr>
+                            </m:ctrlPr>
+                          </m:mPr>
+                          <m:mr>
+                            <m:e>
+                              <m:r>
+                                <a:rPr lang="en-US" sz="2800" b="0" i="0" smtClean="0">
+                                  <a:latin typeface="Cambria Math" panose="02040503050406030204" pitchFamily="18" charset="0"/>
+                                </a:rPr>
+                                <m:t>2</m:t>
+                              </m:r>
+                            </m:e>
+                            <m:e>
+                              <m:r>
+                                <a:rPr lang="en-US" sz="2800">
+                                  <a:latin typeface="Cambria Math" panose="02040503050406030204" pitchFamily="18" charset="0"/>
+                                </a:rPr>
+                                <m:t>⋯</m:t>
+                              </m:r>
+                            </m:e>
+                            <m:e>
+                              <m:r>
+                                <a:rPr lang="en-US" sz="2800" b="0" i="0" smtClean="0">
+                                  <a:latin typeface="Cambria Math" panose="02040503050406030204" pitchFamily="18" charset="0"/>
+                                </a:rPr>
+                                <m:t>3</m:t>
+                              </m:r>
+                            </m:e>
+                          </m:mr>
+                          <m:mr>
+                            <m:e>
+                              <m:r>
+                                <a:rPr lang="en-US" sz="2800">
+                                  <a:latin typeface="Cambria Math" panose="02040503050406030204" pitchFamily="18" charset="0"/>
+                                </a:rPr>
+                                <m:t>⋮</m:t>
+                              </m:r>
+                            </m:e>
+                            <m:e>
+                              <m:r>
+                                <a:rPr lang="en-US" sz="2800">
+                                  <a:latin typeface="Cambria Math" panose="02040503050406030204" pitchFamily="18" charset="0"/>
+                                </a:rPr>
+                                <m:t>⋱</m:t>
+                              </m:r>
+                            </m:e>
+                            <m:e>
+                              <m:r>
+                                <a:rPr lang="en-US" sz="2800">
+                                  <a:latin typeface="Cambria Math" panose="02040503050406030204" pitchFamily="18" charset="0"/>
+                                </a:rPr>
+                                <m:t>⋮</m:t>
+                              </m:r>
+                            </m:e>
+                          </m:mr>
+                          <m:mr>
+                            <m:e>
+                              <m:r>
+                                <a:rPr lang="en-US" sz="2800" b="0" i="0" smtClean="0">
+                                  <a:latin typeface="Cambria Math" panose="02040503050406030204" pitchFamily="18" charset="0"/>
+                                </a:rPr>
+                                <m:t>5</m:t>
+                              </m:r>
+                            </m:e>
+                            <m:e>
+                              <m:r>
+                                <a:rPr lang="en-US" sz="2800">
+                                  <a:latin typeface="Cambria Math" panose="02040503050406030204" pitchFamily="18" charset="0"/>
+                                </a:rPr>
+                                <m:t>⋯</m:t>
+                              </m:r>
+                            </m:e>
+                            <m:e>
+                              <m:r>
+                                <a:rPr lang="en-US" sz="2800" b="0" i="0" smtClean="0">
+                                  <a:latin typeface="Cambria Math" panose="02040503050406030204" pitchFamily="18" charset="0"/>
+                                </a:rPr>
+                                <m:t>4</m:t>
+                              </m:r>
+                            </m:e>
+                          </m:mr>
+                        </m:m>
+                      </m:e>
+                    </m:d>
+                  </m:oMath>
+                </a14:m>
+                <a:endParaRPr lang="en-US" sz="2800" dirty="0"/>
+              </a:p>
+            </p:txBody>
+          </p:sp>
+        </mc:Choice>
+        <mc:Fallback xmlns="">
+          <p:sp>
+            <p:nvSpPr>
+              <p:cNvPr id="8" name="TextBox 7">
+                <a:extLst>
+                  <a:ext uri="{FF2B5EF4-FFF2-40B4-BE49-F238E27FC236}">
+                    <a16:creationId xmlns:a16="http://schemas.microsoft.com/office/drawing/2014/main" id="{C86D6E60-56E0-AFA5-3533-AD73667E987D}"/>
+                  </a:ext>
+                </a:extLst>
+              </p:cNvPr>
+              <p:cNvSpPr txBox="1">
+                <a:spLocks noRot="1" noChangeAspect="1" noMove="1" noResize="1" noEditPoints="1" noAdjustHandles="1" noChangeArrowheads="1" noChangeShapeType="1" noTextEdit="1"/>
+              </p:cNvSpPr>
+              <p:nvPr/>
+            </p:nvSpPr>
+            <p:spPr>
+              <a:xfrm>
+                <a:off x="202913" y="676606"/>
+                <a:ext cx="10040421" cy="1238929"/>
+              </a:xfrm>
+              <a:prstGeom prst="rect">
+                <a:avLst/>
+              </a:prstGeom>
+              <a:blipFill>
+                <a:blip r:embed="rId2"/>
+                <a:stretch>
+                  <a:fillRect/>
+                </a:stretch>
+              </a:blipFill>
+            </p:spPr>
+            <p:txBody>
+              <a:bodyPr/>
+              <a:lstStyle/>
+              <a:p>
+                <a:r>
+                  <a:rPr lang="en-US">
+                    <a:noFill/>
+                  </a:rPr>
+                  <a:t> </a:t>
+                </a:r>
+              </a:p>
+            </p:txBody>
+          </p:sp>
+        </mc:Fallback>
+      </mc:AlternateContent>
+      <mc:AlternateContent xmlns:mc="http://schemas.openxmlformats.org/markup-compatibility/2006" xmlns:a14="http://schemas.microsoft.com/office/drawing/2010/main">
+        <mc:Choice Requires="a14">
+          <p:sp>
+            <p:nvSpPr>
+              <p:cNvPr id="14" name="TextBox 13">
+                <a:extLst>
+                  <a:ext uri="{FF2B5EF4-FFF2-40B4-BE49-F238E27FC236}">
+                    <a16:creationId xmlns:a16="http://schemas.microsoft.com/office/drawing/2014/main" id="{5C65C887-D470-DAA2-E8B0-FD7B5F8CC7D7}"/>
+                  </a:ext>
+                </a:extLst>
+              </p:cNvPr>
+              <p:cNvSpPr txBox="1"/>
+              <p:nvPr/>
+            </p:nvSpPr>
+            <p:spPr>
+              <a:xfrm>
+                <a:off x="202913" y="2216548"/>
+                <a:ext cx="10040421" cy="1231747"/>
+              </a:xfrm>
+              <a:prstGeom prst="rect">
+                <a:avLst/>
+              </a:prstGeom>
+              <a:noFill/>
+            </p:spPr>
+            <p:txBody>
+              <a:bodyPr wrap="square">
+                <a:spAutoFit/>
+              </a:bodyPr>
+              <a:lstStyle/>
+              <a:p>
+                <a14:m>
+                  <m:oMath xmlns:m="http://schemas.openxmlformats.org/officeDocument/2006/math">
+                    <m:d>
+                      <m:dPr>
+                        <m:begChr m:val="["/>
+                        <m:endChr m:val="]"/>
+                        <m:ctrlPr>
+                          <a:rPr lang="en-US" sz="2800" i="1" smtClean="0">
+                            <a:solidFill>
+                              <a:schemeClr val="tx1"/>
+                            </a:solidFill>
+                            <a:latin typeface="Cambria Math" panose="02040503050406030204" pitchFamily="18" charset="0"/>
+                          </a:rPr>
+                        </m:ctrlPr>
+                      </m:dPr>
+                      <m:e>
+                        <m:m>
+                          <m:mPr>
+                            <m:plcHide m:val="on"/>
+                            <m:mcs>
+                              <m:mc>
+                                <m:mcPr>
+                                  <m:count m:val="3"/>
+                                  <m:mcJc m:val="center"/>
+                                </m:mcPr>
+                              </m:mc>
+                            </m:mcs>
+                            <m:ctrlPr>
+                              <a:rPr lang="en-US" sz="2800" i="1">
+                                <a:solidFill>
+                                  <a:schemeClr val="tx1"/>
+                                </a:solidFill>
+                                <a:latin typeface="Cambria Math" panose="02040503050406030204" pitchFamily="18" charset="0"/>
+                              </a:rPr>
+                            </m:ctrlPr>
+                          </m:mPr>
+                          <m:mr>
+                            <m:e>
+                              <m:r>
+                                <a:rPr lang="en-US" sz="2800" b="0" i="0" smtClean="0">
+                                  <a:solidFill>
+                                    <a:schemeClr val="tx1"/>
+                                  </a:solidFill>
+                                  <a:latin typeface="Cambria Math" panose="02040503050406030204" pitchFamily="18" charset="0"/>
+                                </a:rPr>
+                                <m:t>1</m:t>
+                              </m:r>
+                            </m:e>
+                            <m:e>
+                              <m:r>
+                                <a:rPr lang="en-US" sz="2800" i="0">
+                                  <a:solidFill>
+                                    <a:schemeClr val="tx1"/>
+                                  </a:solidFill>
+                                  <a:latin typeface="Cambria Math" panose="02040503050406030204" pitchFamily="18" charset="0"/>
+                                </a:rPr>
+                                <m:t>⋯</m:t>
+                              </m:r>
+                            </m:e>
+                            <m:e>
+                              <m:r>
+                                <a:rPr lang="en-US" sz="2800" b="0" i="0" smtClean="0">
+                                  <a:solidFill>
+                                    <a:schemeClr val="tx1"/>
+                                  </a:solidFill>
+                                  <a:latin typeface="Cambria Math" panose="02040503050406030204" pitchFamily="18" charset="0"/>
+                                </a:rPr>
+                                <m:t>2</m:t>
+                              </m:r>
+                            </m:e>
+                          </m:mr>
+                          <m:mr>
+                            <m:e>
+                              <m:r>
+                                <a:rPr lang="en-US" sz="2800" i="0">
+                                  <a:solidFill>
+                                    <a:schemeClr val="tx1"/>
+                                  </a:solidFill>
+                                  <a:latin typeface="Cambria Math" panose="02040503050406030204" pitchFamily="18" charset="0"/>
+                                </a:rPr>
+                                <m:t>⋮</m:t>
+                              </m:r>
+                            </m:e>
+                            <m:e>
+                              <m:r>
+                                <a:rPr lang="en-US" sz="2800" i="0">
+                                  <a:solidFill>
+                                    <a:schemeClr val="tx1"/>
+                                  </a:solidFill>
+                                  <a:latin typeface="Cambria Math" panose="02040503050406030204" pitchFamily="18" charset="0"/>
+                                </a:rPr>
+                                <m:t>⋱</m:t>
+                              </m:r>
+                            </m:e>
+                            <m:e>
+                              <m:r>
+                                <a:rPr lang="en-US" sz="2800" i="0">
+                                  <a:solidFill>
+                                    <a:schemeClr val="tx1"/>
+                                  </a:solidFill>
+                                  <a:latin typeface="Cambria Math" panose="02040503050406030204" pitchFamily="18" charset="0"/>
+                                </a:rPr>
+                                <m:t>⋮</m:t>
+                              </m:r>
+                            </m:e>
+                          </m:mr>
+                          <m:mr>
+                            <m:e>
+                              <m:r>
+                                <a:rPr lang="en-US" sz="2800" b="0" i="0" smtClean="0">
+                                  <a:solidFill>
+                                    <a:schemeClr val="tx1"/>
+                                  </a:solidFill>
+                                  <a:latin typeface="Cambria Math" panose="02040503050406030204" pitchFamily="18" charset="0"/>
+                                </a:rPr>
+                                <m:t>4</m:t>
+                              </m:r>
+                            </m:e>
+                            <m:e>
+                              <m:r>
+                                <a:rPr lang="en-US" sz="2800" i="0">
+                                  <a:solidFill>
+                                    <a:schemeClr val="tx1"/>
+                                  </a:solidFill>
+                                  <a:latin typeface="Cambria Math" panose="02040503050406030204" pitchFamily="18" charset="0"/>
+                                </a:rPr>
+                                <m:t>⋯</m:t>
+                              </m:r>
+                            </m:e>
+                            <m:e>
+                              <m:r>
+                                <a:rPr lang="en-US" sz="2800" b="0" i="0" smtClean="0">
+                                  <a:solidFill>
+                                    <a:schemeClr val="tx1"/>
+                                  </a:solidFill>
+                                  <a:latin typeface="Cambria Math" panose="02040503050406030204" pitchFamily="18" charset="0"/>
+                                </a:rPr>
+                                <m:t>3</m:t>
+                              </m:r>
+                            </m:e>
+                          </m:mr>
+                        </m:m>
+                      </m:e>
+                    </m:d>
+                  </m:oMath>
+                </a14:m>
+                <a:r>
+                  <a:rPr lang="en-US" sz="2800" dirty="0">
+                    <a:solidFill>
+                      <a:schemeClr val="tx1"/>
+                    </a:solidFill>
+                  </a:rPr>
+                  <a:t> </a:t>
+                </a:r>
+                <a:r>
+                  <a:rPr lang="en-US" sz="4000" dirty="0"/>
+                  <a:t>x</a:t>
+                </a:r>
+                <a:r>
+                  <a:rPr lang="en-US" sz="2800" dirty="0"/>
+                  <a:t>   2   </a:t>
+                </a:r>
+                <a:r>
+                  <a:rPr lang="en-US" sz="4000" dirty="0">
+                    <a:solidFill>
+                      <a:schemeClr val="tx1"/>
+                    </a:solidFill>
+                  </a:rPr>
+                  <a:t>=   </a:t>
+                </a:r>
+                <a14:m>
+                  <m:oMath xmlns:m="http://schemas.openxmlformats.org/officeDocument/2006/math">
+                    <m:d>
+                      <m:dPr>
+                        <m:begChr m:val="["/>
+                        <m:endChr m:val="]"/>
+                        <m:ctrlPr>
+                          <a:rPr lang="en-US" sz="2800" i="1">
+                            <a:latin typeface="Cambria Math" panose="02040503050406030204" pitchFamily="18" charset="0"/>
+                          </a:rPr>
+                        </m:ctrlPr>
+                      </m:dPr>
+                      <m:e>
+                        <m:m>
+                          <m:mPr>
+                            <m:plcHide m:val="on"/>
+                            <m:mcs>
+                              <m:mc>
+                                <m:mcPr>
+                                  <m:count m:val="3"/>
+                                  <m:mcJc m:val="center"/>
+                                </m:mcPr>
+                              </m:mc>
+                            </m:mcs>
+                            <m:ctrlPr>
+                              <a:rPr lang="en-US" sz="2800" i="1">
+                                <a:latin typeface="Cambria Math" panose="02040503050406030204" pitchFamily="18" charset="0"/>
+                              </a:rPr>
+                            </m:ctrlPr>
+                          </m:mPr>
+                          <m:mr>
+                            <m:e>
+                              <m:r>
+                                <a:rPr lang="en-US" sz="2800">
+                                  <a:latin typeface="Cambria Math" panose="02040503050406030204" pitchFamily="18" charset="0"/>
+                                </a:rPr>
+                                <m:t>1</m:t>
+                              </m:r>
+                              <m:r>
+                                <m:rPr>
+                                  <m:nor/>
+                                </m:rPr>
+                                <a:rPr lang="en-US" sz="2800" b="0" i="0" smtClean="0">
+                                  <a:latin typeface="Cambria Math" panose="02040503050406030204" pitchFamily="18" charset="0"/>
+                                </a:rPr>
+                                <m:t> </m:t>
+                              </m:r>
+                              <m:r>
+                                <m:rPr>
+                                  <m:nor/>
+                                </m:rPr>
+                                <a:rPr lang="en-US" sz="2800" dirty="0"/>
+                                <m:t>x</m:t>
+                              </m:r>
+                              <m:r>
+                                <m:rPr>
+                                  <m:nor/>
+                                </m:rPr>
+                                <a:rPr lang="en-US" sz="2800" dirty="0"/>
+                                <m:t> 2</m:t>
+                              </m:r>
+                            </m:e>
+                            <m:e>
+                              <m:r>
+                                <a:rPr lang="en-US" sz="2800">
+                                  <a:latin typeface="Cambria Math" panose="02040503050406030204" pitchFamily="18" charset="0"/>
+                                </a:rPr>
+                                <m:t>⋯</m:t>
+                              </m:r>
+                            </m:e>
+                            <m:e>
+                              <m:r>
+                                <a:rPr lang="en-US" sz="2800">
+                                  <a:latin typeface="Cambria Math" panose="02040503050406030204" pitchFamily="18" charset="0"/>
+                                </a:rPr>
+                                <m:t>2</m:t>
+                              </m:r>
+                              <m:r>
+                                <a:rPr lang="en-US" sz="2800" b="0" i="0" smtClean="0">
+                                  <a:latin typeface="Cambria Math" panose="02040503050406030204" pitchFamily="18" charset="0"/>
+                                </a:rPr>
+                                <m:t> </m:t>
+                              </m:r>
+                              <m:r>
+                                <m:rPr>
+                                  <m:nor/>
+                                </m:rPr>
+                                <a:rPr lang="en-US" sz="2800" dirty="0"/>
+                                <m:t>x</m:t>
+                              </m:r>
+                              <m:r>
+                                <m:rPr>
+                                  <m:nor/>
+                                </m:rPr>
+                                <a:rPr lang="en-US" sz="2800" dirty="0"/>
+                                <m:t> 2</m:t>
+                              </m:r>
+                            </m:e>
+                          </m:mr>
+                          <m:mr>
+                            <m:e>
+                              <m:r>
+                                <a:rPr lang="en-US" sz="2800">
+                                  <a:latin typeface="Cambria Math" panose="02040503050406030204" pitchFamily="18" charset="0"/>
+                                </a:rPr>
+                                <m:t>⋮</m:t>
+                              </m:r>
+                            </m:e>
+                            <m:e>
+                              <m:r>
+                                <a:rPr lang="en-US" sz="2800">
+                                  <a:latin typeface="Cambria Math" panose="02040503050406030204" pitchFamily="18" charset="0"/>
+                                </a:rPr>
+                                <m:t>⋱</m:t>
+                              </m:r>
+                            </m:e>
+                            <m:e>
+                              <m:r>
+                                <a:rPr lang="en-US" sz="2800">
+                                  <a:latin typeface="Cambria Math" panose="02040503050406030204" pitchFamily="18" charset="0"/>
+                                </a:rPr>
+                                <m:t>⋮</m:t>
+                              </m:r>
+                            </m:e>
+                          </m:mr>
+                          <m:mr>
+                            <m:e>
+                              <m:r>
+                                <a:rPr lang="en-US" sz="2800">
+                                  <a:latin typeface="Cambria Math" panose="02040503050406030204" pitchFamily="18" charset="0"/>
+                                </a:rPr>
+                                <m:t>4</m:t>
+                              </m:r>
+                              <m:r>
+                                <a:rPr lang="en-US" sz="2800" b="0" i="0" smtClean="0">
+                                  <a:latin typeface="Cambria Math" panose="02040503050406030204" pitchFamily="18" charset="0"/>
+                                </a:rPr>
+                                <m:t> </m:t>
+                              </m:r>
+                              <m:r>
+                                <m:rPr>
+                                  <m:nor/>
+                                </m:rPr>
+                                <a:rPr lang="en-US" sz="2800" dirty="0"/>
+                                <m:t>x</m:t>
+                              </m:r>
+                              <m:r>
+                                <m:rPr>
+                                  <m:nor/>
+                                </m:rPr>
+                                <a:rPr lang="en-US" sz="2800" dirty="0"/>
+                                <m:t> 2</m:t>
+                              </m:r>
+                            </m:e>
+                            <m:e>
+                              <m:r>
+                                <a:rPr lang="en-US" sz="2800">
+                                  <a:latin typeface="Cambria Math" panose="02040503050406030204" pitchFamily="18" charset="0"/>
+                                </a:rPr>
+                                <m:t>⋯</m:t>
+                              </m:r>
+                            </m:e>
+                            <m:e>
+                              <m:r>
+                                <a:rPr lang="en-US" sz="2800">
+                                  <a:latin typeface="Cambria Math" panose="02040503050406030204" pitchFamily="18" charset="0"/>
+                                </a:rPr>
+                                <m:t>3</m:t>
+                              </m:r>
+                              <m:r>
+                                <m:rPr>
+                                  <m:nor/>
+                                </m:rPr>
+                                <a:rPr lang="en-US" sz="2800" b="0" i="0" smtClean="0">
+                                  <a:latin typeface="Cambria Math" panose="02040503050406030204" pitchFamily="18" charset="0"/>
+                                </a:rPr>
+                                <m:t> </m:t>
+                              </m:r>
+                              <m:r>
+                                <m:rPr>
+                                  <m:nor/>
+                                </m:rPr>
+                                <a:rPr lang="en-US" sz="2800" dirty="0"/>
+                                <m:t>x</m:t>
+                              </m:r>
+                              <m:r>
+                                <m:rPr>
+                                  <m:nor/>
+                                </m:rPr>
+                                <a:rPr lang="en-US" sz="2800" dirty="0"/>
+                                <m:t> 2</m:t>
+                              </m:r>
+                            </m:e>
+                          </m:mr>
+                        </m:m>
+                      </m:e>
+                    </m:d>
+                  </m:oMath>
+                </a14:m>
+                <a:r>
+                  <a:rPr lang="en-US" sz="4000" dirty="0"/>
+                  <a:t>       =   </a:t>
+                </a:r>
+                <a14:m>
+                  <m:oMath xmlns:m="http://schemas.openxmlformats.org/officeDocument/2006/math">
+                    <m:d>
+                      <m:dPr>
+                        <m:begChr m:val="["/>
+                        <m:endChr m:val="]"/>
+                        <m:ctrlPr>
+                          <a:rPr lang="en-US" sz="2800" i="1">
+                            <a:latin typeface="Cambria Math" panose="02040503050406030204" pitchFamily="18" charset="0"/>
+                          </a:rPr>
+                        </m:ctrlPr>
+                      </m:dPr>
+                      <m:e>
+                        <m:m>
+                          <m:mPr>
+                            <m:plcHide m:val="on"/>
+                            <m:mcs>
+                              <m:mc>
+                                <m:mcPr>
+                                  <m:count m:val="3"/>
+                                  <m:mcJc m:val="center"/>
+                                </m:mcPr>
+                              </m:mc>
+                            </m:mcs>
+                            <m:ctrlPr>
+                              <a:rPr lang="en-US" sz="2800" i="1">
+                                <a:latin typeface="Cambria Math" panose="02040503050406030204" pitchFamily="18" charset="0"/>
+                              </a:rPr>
+                            </m:ctrlPr>
+                          </m:mPr>
+                          <m:mr>
+                            <m:e>
+                              <m:r>
+                                <a:rPr lang="en-US" sz="2800" b="0" i="0" smtClean="0">
+                                  <a:latin typeface="Cambria Math" panose="02040503050406030204" pitchFamily="18" charset="0"/>
+                                </a:rPr>
+                                <m:t>2</m:t>
+                              </m:r>
+                            </m:e>
+                            <m:e>
+                              <m:r>
+                                <a:rPr lang="en-US" sz="2800">
+                                  <a:latin typeface="Cambria Math" panose="02040503050406030204" pitchFamily="18" charset="0"/>
+                                </a:rPr>
+                                <m:t>⋯</m:t>
+                              </m:r>
+                            </m:e>
+                            <m:e>
+                              <m:r>
+                                <a:rPr lang="en-US" sz="2800" b="0" i="0" smtClean="0">
+                                  <a:latin typeface="Cambria Math" panose="02040503050406030204" pitchFamily="18" charset="0"/>
+                                </a:rPr>
+                                <m:t>4</m:t>
+                              </m:r>
+                            </m:e>
+                          </m:mr>
+                          <m:mr>
+                            <m:e>
+                              <m:r>
+                                <a:rPr lang="en-US" sz="2800">
+                                  <a:latin typeface="Cambria Math" panose="02040503050406030204" pitchFamily="18" charset="0"/>
+                                </a:rPr>
+                                <m:t>⋮</m:t>
+                              </m:r>
+                            </m:e>
+                            <m:e>
+                              <m:r>
+                                <a:rPr lang="en-US" sz="2800">
+                                  <a:latin typeface="Cambria Math" panose="02040503050406030204" pitchFamily="18" charset="0"/>
+                                </a:rPr>
+                                <m:t>⋱</m:t>
+                              </m:r>
+                            </m:e>
+                            <m:e>
+                              <m:r>
+                                <a:rPr lang="en-US" sz="2800">
+                                  <a:latin typeface="Cambria Math" panose="02040503050406030204" pitchFamily="18" charset="0"/>
+                                </a:rPr>
+                                <m:t>⋮</m:t>
+                              </m:r>
+                            </m:e>
+                          </m:mr>
+                          <m:mr>
+                            <m:e>
+                              <m:r>
+                                <a:rPr lang="en-US" sz="2800" b="0" i="0" smtClean="0">
+                                  <a:latin typeface="Cambria Math" panose="02040503050406030204" pitchFamily="18" charset="0"/>
+                                </a:rPr>
+                                <m:t>8</m:t>
+                              </m:r>
+                            </m:e>
+                            <m:e>
+                              <m:r>
+                                <a:rPr lang="en-US" sz="2800">
+                                  <a:latin typeface="Cambria Math" panose="02040503050406030204" pitchFamily="18" charset="0"/>
+                                </a:rPr>
+                                <m:t>⋯</m:t>
+                              </m:r>
+                            </m:e>
+                            <m:e>
+                              <m:r>
+                                <a:rPr lang="en-US" sz="2800" b="0" i="0" smtClean="0">
+                                  <a:latin typeface="Cambria Math" panose="02040503050406030204" pitchFamily="18" charset="0"/>
+                                </a:rPr>
+                                <m:t>6</m:t>
+                              </m:r>
+                            </m:e>
+                          </m:mr>
+                        </m:m>
+                      </m:e>
+                    </m:d>
+                  </m:oMath>
+                </a14:m>
+                <a:endParaRPr lang="en-US" sz="2800" dirty="0"/>
+              </a:p>
+            </p:txBody>
+          </p:sp>
+        </mc:Choice>
+        <mc:Fallback xmlns="">
+          <p:sp>
+            <p:nvSpPr>
+              <p:cNvPr id="14" name="TextBox 13">
+                <a:extLst>
+                  <a:ext uri="{FF2B5EF4-FFF2-40B4-BE49-F238E27FC236}">
+                    <a16:creationId xmlns:a16="http://schemas.microsoft.com/office/drawing/2014/main" id="{5C65C887-D470-DAA2-E8B0-FD7B5F8CC7D7}"/>
+                  </a:ext>
+                </a:extLst>
+              </p:cNvPr>
+              <p:cNvSpPr txBox="1">
+                <a:spLocks noRot="1" noChangeAspect="1" noMove="1" noResize="1" noEditPoints="1" noAdjustHandles="1" noChangeArrowheads="1" noChangeShapeType="1" noTextEdit="1"/>
+              </p:cNvSpPr>
+              <p:nvPr/>
+            </p:nvSpPr>
+            <p:spPr>
+              <a:xfrm>
+                <a:off x="202913" y="2216548"/>
+                <a:ext cx="10040421" cy="1231747"/>
+              </a:xfrm>
+              <a:prstGeom prst="rect">
+                <a:avLst/>
+              </a:prstGeom>
+              <a:blipFill>
+                <a:blip r:embed="rId3"/>
+                <a:stretch>
+                  <a:fillRect/>
+                </a:stretch>
+              </a:blipFill>
+            </p:spPr>
+            <p:txBody>
+              <a:bodyPr/>
+              <a:lstStyle/>
+              <a:p>
+                <a:r>
+                  <a:rPr lang="en-US">
+                    <a:noFill/>
+                  </a:rPr>
+                  <a:t> </a:t>
+                </a:r>
+              </a:p>
+            </p:txBody>
+          </p:sp>
+        </mc:Fallback>
+      </mc:AlternateContent>
+      <mc:AlternateContent xmlns:mc="http://schemas.openxmlformats.org/markup-compatibility/2006" xmlns:a14="http://schemas.microsoft.com/office/drawing/2010/main">
+        <mc:Choice Requires="a14">
+          <p:sp>
+            <p:nvSpPr>
+              <p:cNvPr id="15" name="TextBox 14">
+                <a:extLst>
+                  <a:ext uri="{FF2B5EF4-FFF2-40B4-BE49-F238E27FC236}">
+                    <a16:creationId xmlns:a16="http://schemas.microsoft.com/office/drawing/2014/main" id="{AEADC1C3-DB48-CF12-E970-02311C1305B8}"/>
+                  </a:ext>
+                </a:extLst>
+              </p:cNvPr>
+              <p:cNvSpPr txBox="1"/>
+              <p:nvPr/>
+            </p:nvSpPr>
+            <p:spPr>
+              <a:xfrm>
+                <a:off x="202913" y="3756490"/>
+                <a:ext cx="10040421" cy="1231747"/>
+              </a:xfrm>
+              <a:prstGeom prst="rect">
+                <a:avLst/>
+              </a:prstGeom>
+              <a:noFill/>
+            </p:spPr>
+            <p:txBody>
+              <a:bodyPr wrap="square">
+                <a:spAutoFit/>
+              </a:bodyPr>
+              <a:lstStyle/>
+              <a:p>
+                <a14:m>
+                  <m:oMath xmlns:m="http://schemas.openxmlformats.org/officeDocument/2006/math">
+                    <m:d>
+                      <m:dPr>
+                        <m:begChr m:val="["/>
+                        <m:endChr m:val="]"/>
+                        <m:ctrlPr>
+                          <a:rPr lang="en-US" sz="2800" i="1" smtClean="0">
+                            <a:solidFill>
+                              <a:schemeClr val="tx1"/>
+                            </a:solidFill>
+                            <a:latin typeface="Cambria Math" panose="02040503050406030204" pitchFamily="18" charset="0"/>
+                          </a:rPr>
+                        </m:ctrlPr>
+                      </m:dPr>
+                      <m:e>
+                        <m:m>
+                          <m:mPr>
+                            <m:plcHide m:val="on"/>
+                            <m:mcs>
+                              <m:mc>
+                                <m:mcPr>
+                                  <m:count m:val="3"/>
+                                  <m:mcJc m:val="center"/>
+                                </m:mcPr>
+                              </m:mc>
+                            </m:mcs>
+                            <m:ctrlPr>
+                              <a:rPr lang="en-US" sz="2800" i="1">
+                                <a:solidFill>
+                                  <a:schemeClr val="tx1"/>
+                                </a:solidFill>
+                                <a:latin typeface="Cambria Math" panose="02040503050406030204" pitchFamily="18" charset="0"/>
+                              </a:rPr>
+                            </m:ctrlPr>
+                          </m:mPr>
+                          <m:mr>
+                            <m:e>
+                              <m:r>
+                                <a:rPr lang="en-US" sz="2800" b="0" i="0" smtClean="0">
+                                  <a:solidFill>
+                                    <a:schemeClr val="tx1"/>
+                                  </a:solidFill>
+                                  <a:latin typeface="Cambria Math" panose="02040503050406030204" pitchFamily="18" charset="0"/>
+                                </a:rPr>
+                                <m:t>1</m:t>
+                              </m:r>
+                            </m:e>
+                            <m:e>
+                              <m:r>
+                                <a:rPr lang="en-US" sz="2800" i="0">
+                                  <a:solidFill>
+                                    <a:schemeClr val="tx1"/>
+                                  </a:solidFill>
+                                  <a:latin typeface="Cambria Math" panose="02040503050406030204" pitchFamily="18" charset="0"/>
+                                </a:rPr>
+                                <m:t>⋯</m:t>
+                              </m:r>
+                            </m:e>
+                            <m:e>
+                              <m:r>
+                                <a:rPr lang="en-US" sz="2800" b="0" i="0" smtClean="0">
+                                  <a:solidFill>
+                                    <a:schemeClr val="tx1"/>
+                                  </a:solidFill>
+                                  <a:latin typeface="Cambria Math" panose="02040503050406030204" pitchFamily="18" charset="0"/>
+                                </a:rPr>
+                                <m:t>2</m:t>
+                              </m:r>
+                            </m:e>
+                          </m:mr>
+                          <m:mr>
+                            <m:e>
+                              <m:r>
+                                <a:rPr lang="en-US" sz="2800" i="0">
+                                  <a:solidFill>
+                                    <a:schemeClr val="tx1"/>
+                                  </a:solidFill>
+                                  <a:latin typeface="Cambria Math" panose="02040503050406030204" pitchFamily="18" charset="0"/>
+                                </a:rPr>
+                                <m:t>⋮</m:t>
+                              </m:r>
+                            </m:e>
+                            <m:e>
+                              <m:r>
+                                <a:rPr lang="en-US" sz="2800" i="0">
+                                  <a:solidFill>
+                                    <a:schemeClr val="tx1"/>
+                                  </a:solidFill>
+                                  <a:latin typeface="Cambria Math" panose="02040503050406030204" pitchFamily="18" charset="0"/>
+                                </a:rPr>
+                                <m:t>⋱</m:t>
+                              </m:r>
+                            </m:e>
+                            <m:e>
+                              <m:r>
+                                <a:rPr lang="en-US" sz="2800" i="0">
+                                  <a:solidFill>
+                                    <a:schemeClr val="tx1"/>
+                                  </a:solidFill>
+                                  <a:latin typeface="Cambria Math" panose="02040503050406030204" pitchFamily="18" charset="0"/>
+                                </a:rPr>
+                                <m:t>⋮</m:t>
+                              </m:r>
+                            </m:e>
+                          </m:mr>
+                          <m:mr>
+                            <m:e>
+                              <m:r>
+                                <a:rPr lang="en-US" sz="2800" b="0" i="0" smtClean="0">
+                                  <a:solidFill>
+                                    <a:schemeClr val="tx1"/>
+                                  </a:solidFill>
+                                  <a:latin typeface="Cambria Math" panose="02040503050406030204" pitchFamily="18" charset="0"/>
+                                </a:rPr>
+                                <m:t>4</m:t>
+                              </m:r>
+                            </m:e>
+                            <m:e>
+                              <m:r>
+                                <a:rPr lang="en-US" sz="2800" i="0">
+                                  <a:solidFill>
+                                    <a:schemeClr val="tx1"/>
+                                  </a:solidFill>
+                                  <a:latin typeface="Cambria Math" panose="02040503050406030204" pitchFamily="18" charset="0"/>
+                                </a:rPr>
+                                <m:t>⋯</m:t>
+                              </m:r>
+                            </m:e>
+                            <m:e>
+                              <m:r>
+                                <a:rPr lang="en-US" sz="2800" b="0" i="0" smtClean="0">
+                                  <a:solidFill>
+                                    <a:schemeClr val="tx1"/>
+                                  </a:solidFill>
+                                  <a:latin typeface="Cambria Math" panose="02040503050406030204" pitchFamily="18" charset="0"/>
+                                </a:rPr>
+                                <m:t>3</m:t>
+                              </m:r>
+                            </m:e>
+                          </m:mr>
+                        </m:m>
+                      </m:e>
+                    </m:d>
+                  </m:oMath>
+                </a14:m>
+                <a:r>
+                  <a:rPr lang="en-US" sz="2800" dirty="0">
+                    <a:solidFill>
+                      <a:schemeClr val="tx1"/>
+                    </a:solidFill>
+                  </a:rPr>
+                  <a:t> </a:t>
+                </a:r>
+                <a:r>
+                  <a:rPr lang="en-US" sz="4000" dirty="0">
+                    <a:solidFill>
+                      <a:schemeClr val="tx1"/>
+                    </a:solidFill>
+                  </a:rPr>
+                  <a:t>^</a:t>
+                </a:r>
+                <a:r>
+                  <a:rPr lang="en-US" sz="2800" dirty="0"/>
+                  <a:t>   2   </a:t>
+                </a:r>
+                <a:r>
+                  <a:rPr lang="en-US" sz="4000" dirty="0">
+                    <a:solidFill>
+                      <a:schemeClr val="tx1"/>
+                    </a:solidFill>
+                  </a:rPr>
+                  <a:t>=   </a:t>
+                </a:r>
+                <a14:m>
+                  <m:oMath xmlns:m="http://schemas.openxmlformats.org/officeDocument/2006/math">
+                    <m:d>
+                      <m:dPr>
+                        <m:begChr m:val="["/>
+                        <m:endChr m:val="]"/>
+                        <m:ctrlPr>
+                          <a:rPr lang="en-US" sz="2800" i="1">
+                            <a:latin typeface="Cambria Math" panose="02040503050406030204" pitchFamily="18" charset="0"/>
+                          </a:rPr>
+                        </m:ctrlPr>
+                      </m:dPr>
+                      <m:e>
+                        <m:m>
+                          <m:mPr>
+                            <m:plcHide m:val="on"/>
+                            <m:mcs>
+                              <m:mc>
+                                <m:mcPr>
+                                  <m:count m:val="3"/>
+                                  <m:mcJc m:val="center"/>
+                                </m:mcPr>
+                              </m:mc>
+                            </m:mcs>
+                            <m:ctrlPr>
+                              <a:rPr lang="en-US" sz="2800" i="1">
+                                <a:latin typeface="Cambria Math" panose="02040503050406030204" pitchFamily="18" charset="0"/>
+                              </a:rPr>
+                            </m:ctrlPr>
+                          </m:mPr>
+                          <m:mr>
+                            <m:e>
+                              <m:r>
+                                <a:rPr lang="en-US" sz="2800">
+                                  <a:latin typeface="Cambria Math" panose="02040503050406030204" pitchFamily="18" charset="0"/>
+                                </a:rPr>
+                                <m:t>1</m:t>
+                              </m:r>
+                              <m:r>
+                                <m:rPr>
+                                  <m:nor/>
+                                </m:rPr>
+                                <a:rPr lang="en-US" sz="2800" b="0" i="0" smtClean="0">
+                                  <a:latin typeface="Cambria Math" panose="02040503050406030204" pitchFamily="18" charset="0"/>
+                                </a:rPr>
+                                <m:t> ^</m:t>
+                              </m:r>
+                              <m:r>
+                                <m:rPr>
+                                  <m:nor/>
+                                </m:rPr>
+                                <a:rPr lang="en-US" sz="2800" dirty="0"/>
+                                <m:t> 2</m:t>
+                              </m:r>
+                            </m:e>
+                            <m:e>
+                              <m:r>
+                                <a:rPr lang="en-US" sz="2800">
+                                  <a:latin typeface="Cambria Math" panose="02040503050406030204" pitchFamily="18" charset="0"/>
+                                </a:rPr>
+                                <m:t>⋯</m:t>
+                              </m:r>
+                            </m:e>
+                            <m:e>
+                              <m:r>
+                                <a:rPr lang="en-US" sz="2800">
+                                  <a:latin typeface="Cambria Math" panose="02040503050406030204" pitchFamily="18" charset="0"/>
+                                </a:rPr>
+                                <m:t>2</m:t>
+                              </m:r>
+                              <m:r>
+                                <a:rPr lang="en-US" sz="2800" b="0" i="0" smtClean="0">
+                                  <a:latin typeface="Cambria Math" panose="02040503050406030204" pitchFamily="18" charset="0"/>
+                                </a:rPr>
+                                <m:t> </m:t>
+                              </m:r>
+                              <m:r>
+                                <m:rPr>
+                                  <m:nor/>
+                                </m:rPr>
+                                <a:rPr lang="en-US" sz="2800" b="0" i="0" dirty="0" smtClean="0"/>
+                                <m:t>^</m:t>
+                              </m:r>
+                              <m:r>
+                                <m:rPr>
+                                  <m:nor/>
+                                </m:rPr>
+                                <a:rPr lang="en-US" sz="2800" dirty="0"/>
+                                <m:t> 2</m:t>
+                              </m:r>
+                            </m:e>
+                          </m:mr>
+                          <m:mr>
+                            <m:e>
+                              <m:r>
+                                <a:rPr lang="en-US" sz="2800">
+                                  <a:latin typeface="Cambria Math" panose="02040503050406030204" pitchFamily="18" charset="0"/>
+                                </a:rPr>
+                                <m:t>⋮</m:t>
+                              </m:r>
+                            </m:e>
+                            <m:e>
+                              <m:r>
+                                <a:rPr lang="en-US" sz="2800">
+                                  <a:latin typeface="Cambria Math" panose="02040503050406030204" pitchFamily="18" charset="0"/>
+                                </a:rPr>
+                                <m:t>⋱</m:t>
+                              </m:r>
+                            </m:e>
+                            <m:e>
+                              <m:r>
+                                <a:rPr lang="en-US" sz="2800">
+                                  <a:latin typeface="Cambria Math" panose="02040503050406030204" pitchFamily="18" charset="0"/>
+                                </a:rPr>
+                                <m:t>⋮</m:t>
+                              </m:r>
+                            </m:e>
+                          </m:mr>
+                          <m:mr>
+                            <m:e>
+                              <m:r>
+                                <a:rPr lang="en-US" sz="2800">
+                                  <a:latin typeface="Cambria Math" panose="02040503050406030204" pitchFamily="18" charset="0"/>
+                                </a:rPr>
+                                <m:t>4</m:t>
+                              </m:r>
+                              <m:r>
+                                <a:rPr lang="en-US" sz="2800" b="0" i="0" smtClean="0">
+                                  <a:latin typeface="Cambria Math" panose="02040503050406030204" pitchFamily="18" charset="0"/>
+                                </a:rPr>
+                                <m:t> </m:t>
+                              </m:r>
+                              <m:r>
+                                <m:rPr>
+                                  <m:nor/>
+                                </m:rPr>
+                                <a:rPr lang="en-US" sz="2800" b="0" i="0" dirty="0" smtClean="0"/>
+                                <m:t>^</m:t>
+                              </m:r>
+                              <m:r>
+                                <m:rPr>
+                                  <m:nor/>
+                                </m:rPr>
+                                <a:rPr lang="en-US" sz="2800" dirty="0"/>
+                                <m:t> 2</m:t>
+                              </m:r>
+                            </m:e>
+                            <m:e>
+                              <m:r>
+                                <a:rPr lang="en-US" sz="2800">
+                                  <a:latin typeface="Cambria Math" panose="02040503050406030204" pitchFamily="18" charset="0"/>
+                                </a:rPr>
+                                <m:t>⋯</m:t>
+                              </m:r>
+                            </m:e>
+                            <m:e>
+                              <m:r>
+                                <a:rPr lang="en-US" sz="2800">
+                                  <a:latin typeface="Cambria Math" panose="02040503050406030204" pitchFamily="18" charset="0"/>
+                                </a:rPr>
+                                <m:t>3</m:t>
+                              </m:r>
+                              <m:r>
+                                <m:rPr>
+                                  <m:nor/>
+                                </m:rPr>
+                                <a:rPr lang="en-US" sz="2800" b="0" i="0" smtClean="0">
+                                  <a:latin typeface="Cambria Math" panose="02040503050406030204" pitchFamily="18" charset="0"/>
+                                </a:rPr>
+                                <m:t> </m:t>
+                              </m:r>
+                              <m:r>
+                                <m:rPr>
+                                  <m:nor/>
+                                </m:rPr>
+                                <a:rPr lang="en-US" sz="2800" b="0" i="0" dirty="0" smtClean="0"/>
+                                <m:t>^</m:t>
+                              </m:r>
+                              <m:r>
+                                <m:rPr>
+                                  <m:nor/>
+                                </m:rPr>
+                                <a:rPr lang="en-US" sz="2800" dirty="0"/>
+                                <m:t> 2</m:t>
+                              </m:r>
+                            </m:e>
+                          </m:mr>
+                        </m:m>
+                      </m:e>
+                    </m:d>
+                  </m:oMath>
+                </a14:m>
+                <a:r>
+                  <a:rPr lang="en-US" sz="4000" dirty="0"/>
+                  <a:t>      =   </a:t>
+                </a:r>
+                <a14:m>
+                  <m:oMath xmlns:m="http://schemas.openxmlformats.org/officeDocument/2006/math">
+                    <m:d>
+                      <m:dPr>
+                        <m:begChr m:val="["/>
+                        <m:endChr m:val="]"/>
+                        <m:ctrlPr>
+                          <a:rPr lang="en-US" sz="2800" i="1">
+                            <a:latin typeface="Cambria Math" panose="02040503050406030204" pitchFamily="18" charset="0"/>
+                          </a:rPr>
+                        </m:ctrlPr>
+                      </m:dPr>
+                      <m:e>
+                        <m:m>
+                          <m:mPr>
+                            <m:plcHide m:val="on"/>
+                            <m:mcs>
+                              <m:mc>
+                                <m:mcPr>
+                                  <m:count m:val="3"/>
+                                  <m:mcJc m:val="center"/>
+                                </m:mcPr>
+                              </m:mc>
+                            </m:mcs>
+                            <m:ctrlPr>
+                              <a:rPr lang="en-US" sz="2800" i="1">
+                                <a:latin typeface="Cambria Math" panose="02040503050406030204" pitchFamily="18" charset="0"/>
+                              </a:rPr>
+                            </m:ctrlPr>
+                          </m:mPr>
+                          <m:mr>
+                            <m:e>
+                              <m:r>
+                                <a:rPr lang="en-US" sz="2800" b="0" i="0" smtClean="0">
+                                  <a:latin typeface="Cambria Math" panose="02040503050406030204" pitchFamily="18" charset="0"/>
+                                </a:rPr>
+                                <m:t>2</m:t>
+                              </m:r>
+                            </m:e>
+                            <m:e>
+                              <m:r>
+                                <a:rPr lang="en-US" sz="2800">
+                                  <a:latin typeface="Cambria Math" panose="02040503050406030204" pitchFamily="18" charset="0"/>
+                                </a:rPr>
+                                <m:t>⋯</m:t>
+                              </m:r>
+                            </m:e>
+                            <m:e>
+                              <m:r>
+                                <a:rPr lang="en-US" sz="2800" b="0" i="0" smtClean="0">
+                                  <a:latin typeface="Cambria Math" panose="02040503050406030204" pitchFamily="18" charset="0"/>
+                                </a:rPr>
+                                <m:t>4</m:t>
+                              </m:r>
+                            </m:e>
+                          </m:mr>
+                          <m:mr>
+                            <m:e>
+                              <m:r>
+                                <a:rPr lang="en-US" sz="2800">
+                                  <a:latin typeface="Cambria Math" panose="02040503050406030204" pitchFamily="18" charset="0"/>
+                                </a:rPr>
+                                <m:t>⋮</m:t>
+                              </m:r>
+                            </m:e>
+                            <m:e>
+                              <m:r>
+                                <a:rPr lang="en-US" sz="2800">
+                                  <a:latin typeface="Cambria Math" panose="02040503050406030204" pitchFamily="18" charset="0"/>
+                                </a:rPr>
+                                <m:t>⋱</m:t>
+                              </m:r>
+                            </m:e>
+                            <m:e>
+                              <m:r>
+                                <a:rPr lang="en-US" sz="2800">
+                                  <a:latin typeface="Cambria Math" panose="02040503050406030204" pitchFamily="18" charset="0"/>
+                                </a:rPr>
+                                <m:t>⋮</m:t>
+                              </m:r>
+                            </m:e>
+                          </m:mr>
+                          <m:mr>
+                            <m:e>
+                              <m:r>
+                                <a:rPr lang="en-US" sz="2800" b="0" i="0" smtClean="0">
+                                  <a:latin typeface="Cambria Math" panose="02040503050406030204" pitchFamily="18" charset="0"/>
+                                </a:rPr>
+                                <m:t>1</m:t>
+                              </m:r>
+                              <m:r>
+                                <a:rPr lang="en-US" sz="2800" b="0" i="1" smtClean="0">
+                                  <a:latin typeface="Cambria Math" panose="02040503050406030204" pitchFamily="18" charset="0"/>
+                                </a:rPr>
+                                <m:t>6</m:t>
+                              </m:r>
+                            </m:e>
+                            <m:e>
+                              <m:r>
+                                <a:rPr lang="en-US" sz="2800">
+                                  <a:latin typeface="Cambria Math" panose="02040503050406030204" pitchFamily="18" charset="0"/>
+                                </a:rPr>
+                                <m:t>⋯</m:t>
+                              </m:r>
+                            </m:e>
+                            <m:e>
+                              <m:r>
+                                <a:rPr lang="en-US" sz="2800" b="0" i="0" smtClean="0">
+                                  <a:latin typeface="Cambria Math" panose="02040503050406030204" pitchFamily="18" charset="0"/>
+                                </a:rPr>
+                                <m:t>9</m:t>
+                              </m:r>
+                            </m:e>
+                          </m:mr>
+                        </m:m>
+                      </m:e>
+                    </m:d>
+                  </m:oMath>
+                </a14:m>
+                <a:endParaRPr lang="en-US" sz="2800" dirty="0"/>
+              </a:p>
+            </p:txBody>
+          </p:sp>
+        </mc:Choice>
+        <mc:Fallback xmlns="">
+          <p:sp>
+            <p:nvSpPr>
+              <p:cNvPr id="15" name="TextBox 14">
+                <a:extLst>
+                  <a:ext uri="{FF2B5EF4-FFF2-40B4-BE49-F238E27FC236}">
+                    <a16:creationId xmlns:a16="http://schemas.microsoft.com/office/drawing/2014/main" id="{AEADC1C3-DB48-CF12-E970-02311C1305B8}"/>
+                  </a:ext>
+                </a:extLst>
+              </p:cNvPr>
+              <p:cNvSpPr txBox="1">
+                <a:spLocks noRot="1" noChangeAspect="1" noMove="1" noResize="1" noEditPoints="1" noAdjustHandles="1" noChangeArrowheads="1" noChangeShapeType="1" noTextEdit="1"/>
+              </p:cNvSpPr>
+              <p:nvPr/>
+            </p:nvSpPr>
+            <p:spPr>
+              <a:xfrm>
+                <a:off x="202913" y="3756490"/>
+                <a:ext cx="10040421" cy="1231747"/>
+              </a:xfrm>
+              <a:prstGeom prst="rect">
+                <a:avLst/>
+              </a:prstGeom>
+              <a:blipFill>
+                <a:blip r:embed="rId4"/>
+                <a:stretch>
+                  <a:fillRect/>
+                </a:stretch>
+              </a:blipFill>
+            </p:spPr>
+            <p:txBody>
+              <a:bodyPr/>
+              <a:lstStyle/>
+              <a:p>
+                <a:r>
+                  <a:rPr lang="en-US">
+                    <a:noFill/>
+                  </a:rPr>
+                  <a:t> </a:t>
+                </a:r>
+              </a:p>
+            </p:txBody>
+          </p:sp>
+        </mc:Fallback>
+      </mc:AlternateContent>
+      <mc:AlternateContent xmlns:mc="http://schemas.openxmlformats.org/markup-compatibility/2006" xmlns:a14="http://schemas.microsoft.com/office/drawing/2010/main">
+        <mc:Choice Requires="a14">
+          <p:sp>
+            <p:nvSpPr>
+              <p:cNvPr id="23" name="TextBox 22">
+                <a:extLst>
+                  <a:ext uri="{FF2B5EF4-FFF2-40B4-BE49-F238E27FC236}">
+                    <a16:creationId xmlns:a16="http://schemas.microsoft.com/office/drawing/2014/main" id="{3496E5D2-802C-9A7B-1A0B-65C559AA0888}"/>
+                  </a:ext>
+                </a:extLst>
+              </p:cNvPr>
+              <p:cNvSpPr txBox="1"/>
+              <p:nvPr/>
+            </p:nvSpPr>
+            <p:spPr>
+              <a:xfrm>
+                <a:off x="226886" y="5426306"/>
+                <a:ext cx="8898703" cy="1850763"/>
+              </a:xfrm>
+              <a:prstGeom prst="rect">
+                <a:avLst/>
+              </a:prstGeom>
+              <a:noFill/>
+            </p:spPr>
+            <p:txBody>
+              <a:bodyPr wrap="square">
+                <a:spAutoFit/>
+              </a:bodyPr>
+              <a:lstStyle/>
+              <a:p>
+                <a:pPr/>
+                <a14:m>
+                  <m:oMathPara xmlns:m="http://schemas.openxmlformats.org/officeDocument/2006/math">
+                    <m:oMathParaPr>
+                      <m:jc m:val="left"/>
+                    </m:oMathParaPr>
+                    <m:oMath xmlns:m="http://schemas.openxmlformats.org/officeDocument/2006/math">
+                      <m:d>
+                        <m:dPr>
+                          <m:begChr m:val="["/>
+                          <m:endChr m:val="]"/>
+                          <m:ctrlPr>
+                            <a:rPr lang="en-US" sz="2800" i="1" smtClean="0">
+                              <a:solidFill>
+                                <a:schemeClr val="tx1"/>
+                              </a:solidFill>
+                              <a:latin typeface="Cambria Math" panose="02040503050406030204" pitchFamily="18" charset="0"/>
+                            </a:rPr>
+                          </m:ctrlPr>
+                        </m:dPr>
+                        <m:e>
+                          <m:m>
+                            <m:mPr>
+                              <m:plcHide m:val="on"/>
+                              <m:mcs>
+                                <m:mc>
+                                  <m:mcPr>
+                                    <m:count m:val="3"/>
+                                    <m:mcJc m:val="center"/>
+                                  </m:mcPr>
+                                </m:mc>
+                              </m:mcs>
+                              <m:ctrlPr>
+                                <a:rPr lang="en-US" sz="2800" i="1">
+                                  <a:solidFill>
+                                    <a:schemeClr val="tx1"/>
+                                  </a:solidFill>
+                                  <a:latin typeface="Cambria Math" panose="02040503050406030204" pitchFamily="18" charset="0"/>
+                                </a:rPr>
+                              </m:ctrlPr>
+                            </m:mPr>
+                            <m:mr>
+                              <m:e>
+                                <m:r>
+                                  <a:rPr lang="en-US" sz="2800" b="0" i="0" smtClean="0">
+                                    <a:solidFill>
+                                      <a:schemeClr val="tx1"/>
+                                    </a:solidFill>
+                                    <a:latin typeface="Cambria Math" panose="02040503050406030204" pitchFamily="18" charset="0"/>
+                                  </a:rPr>
+                                  <m:t>1</m:t>
+                                </m:r>
+                              </m:e>
+                              <m:e>
+                                <m:r>
+                                  <a:rPr lang="en-US" sz="2800" i="0">
+                                    <a:solidFill>
+                                      <a:schemeClr val="tx1"/>
+                                    </a:solidFill>
+                                    <a:latin typeface="Cambria Math" panose="02040503050406030204" pitchFamily="18" charset="0"/>
+                                  </a:rPr>
+                                  <m:t>⋯</m:t>
+                                </m:r>
+                              </m:e>
+                              <m:e>
+                                <m:r>
+                                  <a:rPr lang="en-US" sz="2800" b="0" i="0" smtClean="0">
+                                    <a:solidFill>
+                                      <a:schemeClr val="tx1"/>
+                                    </a:solidFill>
+                                    <a:latin typeface="Cambria Math" panose="02040503050406030204" pitchFamily="18" charset="0"/>
+                                  </a:rPr>
+                                  <m:t>2</m:t>
+                                </m:r>
+                              </m:e>
+                            </m:mr>
+                            <m:mr>
+                              <m:e>
+                                <m:r>
+                                  <a:rPr lang="en-US" sz="2800" i="0">
+                                    <a:solidFill>
+                                      <a:schemeClr val="tx1"/>
+                                    </a:solidFill>
+                                    <a:latin typeface="Cambria Math" panose="02040503050406030204" pitchFamily="18" charset="0"/>
+                                  </a:rPr>
+                                  <m:t>⋮</m:t>
+                                </m:r>
+                              </m:e>
+                              <m:e>
+                                <m:r>
+                                  <a:rPr lang="en-US" sz="2800" i="0">
+                                    <a:solidFill>
+                                      <a:schemeClr val="tx1"/>
+                                    </a:solidFill>
+                                    <a:latin typeface="Cambria Math" panose="02040503050406030204" pitchFamily="18" charset="0"/>
+                                  </a:rPr>
+                                  <m:t>⋱</m:t>
+                                </m:r>
+                              </m:e>
+                              <m:e>
+                                <m:r>
+                                  <a:rPr lang="en-US" sz="2800" i="0">
+                                    <a:solidFill>
+                                      <a:schemeClr val="tx1"/>
+                                    </a:solidFill>
+                                    <a:latin typeface="Cambria Math" panose="02040503050406030204" pitchFamily="18" charset="0"/>
+                                  </a:rPr>
+                                  <m:t>⋮</m:t>
+                                </m:r>
+                              </m:e>
+                            </m:mr>
+                            <m:mr>
+                              <m:e>
+                                <m:r>
+                                  <a:rPr lang="en-US" sz="2800" b="0" i="0" smtClean="0">
+                                    <a:solidFill>
+                                      <a:schemeClr val="tx1"/>
+                                    </a:solidFill>
+                                    <a:latin typeface="Cambria Math" panose="02040503050406030204" pitchFamily="18" charset="0"/>
+                                  </a:rPr>
+                                  <m:t>4</m:t>
+                                </m:r>
+                              </m:e>
+                              <m:e>
+                                <m:r>
+                                  <a:rPr lang="en-US" sz="2800" i="0">
+                                    <a:solidFill>
+                                      <a:schemeClr val="tx1"/>
+                                    </a:solidFill>
+                                    <a:latin typeface="Cambria Math" panose="02040503050406030204" pitchFamily="18" charset="0"/>
+                                  </a:rPr>
+                                  <m:t>⋯</m:t>
+                                </m:r>
+                              </m:e>
+                              <m:e>
+                                <m:r>
+                                  <a:rPr lang="en-US" sz="2800" b="0" i="0" smtClean="0">
+                                    <a:solidFill>
+                                      <a:schemeClr val="tx1"/>
+                                    </a:solidFill>
+                                    <a:latin typeface="Cambria Math" panose="02040503050406030204" pitchFamily="18" charset="0"/>
+                                  </a:rPr>
+                                  <m:t>3</m:t>
+                                </m:r>
+                              </m:e>
+                            </m:mr>
+                          </m:m>
+                        </m:e>
+                      </m:d>
+                      <m:r>
+                        <a:rPr lang="en-US" sz="2800" b="0" i="0" smtClean="0">
+                          <a:solidFill>
+                            <a:schemeClr val="tx1"/>
+                          </a:solidFill>
+                          <a:latin typeface="Cambria Math" panose="02040503050406030204" pitchFamily="18" charset="0"/>
+                        </a:rPr>
+                        <m:t>&gt;3=</m:t>
+                      </m:r>
+                      <m:d>
+                        <m:dPr>
+                          <m:begChr m:val="["/>
+                          <m:endChr m:val="]"/>
+                          <m:ctrlPr>
+                            <a:rPr lang="en-US" sz="2800" i="1">
+                              <a:latin typeface="Cambria Math" panose="02040503050406030204" pitchFamily="18" charset="0"/>
+                            </a:rPr>
+                          </m:ctrlPr>
+                        </m:dPr>
+                        <m:e>
+                          <m:m>
+                            <m:mPr>
+                              <m:plcHide m:val="on"/>
+                              <m:mcs>
+                                <m:mc>
+                                  <m:mcPr>
+                                    <m:count m:val="3"/>
+                                    <m:mcJc m:val="center"/>
+                                  </m:mcPr>
+                                </m:mc>
+                              </m:mcs>
+                              <m:ctrlPr>
+                                <a:rPr lang="en-US" sz="2800" i="1">
+                                  <a:latin typeface="Cambria Math" panose="02040503050406030204" pitchFamily="18" charset="0"/>
+                                </a:rPr>
+                              </m:ctrlPr>
+                            </m:mPr>
+                            <m:mr>
+                              <m:e>
+                                <m:r>
+                                  <a:rPr lang="en-US" sz="2800">
+                                    <a:latin typeface="Cambria Math" panose="02040503050406030204" pitchFamily="18" charset="0"/>
+                                  </a:rPr>
+                                  <m:t>1</m:t>
+                                </m:r>
+                                <m:r>
+                                  <a:rPr lang="en-US" sz="2800" b="0" i="0" smtClean="0">
+                                    <a:latin typeface="Cambria Math" panose="02040503050406030204" pitchFamily="18" charset="0"/>
+                                  </a:rPr>
+                                  <m:t>&gt;3</m:t>
+                                </m:r>
+                              </m:e>
+                              <m:e>
+                                <m:r>
+                                  <a:rPr lang="en-US" sz="2800">
+                                    <a:latin typeface="Cambria Math" panose="02040503050406030204" pitchFamily="18" charset="0"/>
+                                  </a:rPr>
+                                  <m:t>⋯</m:t>
+                                </m:r>
+                              </m:e>
+                              <m:e>
+                                <m:r>
+                                  <a:rPr lang="en-US" sz="2800">
+                                    <a:latin typeface="Cambria Math" panose="02040503050406030204" pitchFamily="18" charset="0"/>
+                                  </a:rPr>
+                                  <m:t>2</m:t>
+                                </m:r>
+                                <m:r>
+                                  <a:rPr lang="en-US" sz="2800" b="0" i="0" smtClean="0">
+                                    <a:latin typeface="Cambria Math" panose="02040503050406030204" pitchFamily="18" charset="0"/>
+                                  </a:rPr>
+                                  <m:t>&gt;3</m:t>
+                                </m:r>
+                              </m:e>
+                            </m:mr>
+                            <m:mr>
+                              <m:e>
+                                <m:r>
+                                  <a:rPr lang="en-US" sz="2800">
+                                    <a:latin typeface="Cambria Math" panose="02040503050406030204" pitchFamily="18" charset="0"/>
+                                  </a:rPr>
+                                  <m:t>⋮</m:t>
+                                </m:r>
+                              </m:e>
+                              <m:e>
+                                <m:r>
+                                  <a:rPr lang="en-US" sz="2800">
+                                    <a:latin typeface="Cambria Math" panose="02040503050406030204" pitchFamily="18" charset="0"/>
+                                  </a:rPr>
+                                  <m:t>⋱</m:t>
+                                </m:r>
+                              </m:e>
+                              <m:e>
+                                <m:r>
+                                  <a:rPr lang="en-US" sz="2800">
+                                    <a:latin typeface="Cambria Math" panose="02040503050406030204" pitchFamily="18" charset="0"/>
+                                  </a:rPr>
+                                  <m:t>⋮</m:t>
+                                </m:r>
+                              </m:e>
+                            </m:mr>
+                            <m:mr>
+                              <m:e>
+                                <m:r>
+                                  <a:rPr lang="en-US" sz="2800">
+                                    <a:latin typeface="Cambria Math" panose="02040503050406030204" pitchFamily="18" charset="0"/>
+                                  </a:rPr>
+                                  <m:t>4</m:t>
+                                </m:r>
+                                <m:r>
+                                  <a:rPr lang="en-US" sz="2800" b="0" i="0" smtClean="0">
+                                    <a:latin typeface="Cambria Math" panose="02040503050406030204" pitchFamily="18" charset="0"/>
+                                  </a:rPr>
+                                  <m:t>&gt;3</m:t>
+                                </m:r>
+                              </m:e>
+                              <m:e>
+                                <m:r>
+                                  <a:rPr lang="en-US" sz="2800">
+                                    <a:latin typeface="Cambria Math" panose="02040503050406030204" pitchFamily="18" charset="0"/>
+                                  </a:rPr>
+                                  <m:t>⋯</m:t>
+                                </m:r>
+                              </m:e>
+                              <m:e>
+                                <m:r>
+                                  <a:rPr lang="en-US" sz="2800">
+                                    <a:latin typeface="Cambria Math" panose="02040503050406030204" pitchFamily="18" charset="0"/>
+                                  </a:rPr>
+                                  <m:t>3</m:t>
+                                </m:r>
+                                <m:r>
+                                  <a:rPr lang="en-US" sz="2800" b="0" i="0" smtClean="0">
+                                    <a:latin typeface="Cambria Math" panose="02040503050406030204" pitchFamily="18" charset="0"/>
+                                  </a:rPr>
+                                  <m:t>&gt;3</m:t>
+                                </m:r>
+                              </m:e>
+                            </m:mr>
+                          </m:m>
+                        </m:e>
+                      </m:d>
+                      <m:r>
+                        <a:rPr lang="en-US" sz="2800">
+                          <a:latin typeface="Cambria Math" panose="02040503050406030204" pitchFamily="18" charset="0"/>
+                        </a:rPr>
+                        <m:t>=</m:t>
+                      </m:r>
+                      <m:d>
+                        <m:dPr>
+                          <m:begChr m:val="["/>
+                          <m:endChr m:val="]"/>
+                          <m:ctrlPr>
+                            <a:rPr lang="en-US" sz="2800" i="1">
+                              <a:latin typeface="Cambria Math" panose="02040503050406030204" pitchFamily="18" charset="0"/>
+                            </a:rPr>
+                          </m:ctrlPr>
+                        </m:dPr>
+                        <m:e>
+                          <m:m>
+                            <m:mPr>
+                              <m:plcHide m:val="on"/>
+                              <m:mcs>
+                                <m:mc>
+                                  <m:mcPr>
+                                    <m:count m:val="3"/>
+                                    <m:mcJc m:val="center"/>
+                                  </m:mcPr>
+                                </m:mc>
+                              </m:mcs>
+                              <m:ctrlPr>
+                                <a:rPr lang="en-US" sz="2800" i="1">
+                                  <a:latin typeface="Cambria Math" panose="02040503050406030204" pitchFamily="18" charset="0"/>
+                                </a:rPr>
+                              </m:ctrlPr>
+                            </m:mPr>
+                            <m:mr>
+                              <m:e>
+                                <m:r>
+                                  <a:rPr lang="en-US" sz="2800" b="0" i="0" smtClean="0">
+                                    <a:latin typeface="Cambria Math" panose="02040503050406030204" pitchFamily="18" charset="0"/>
+                                  </a:rPr>
+                                  <m:t>0</m:t>
+                                </m:r>
+                              </m:e>
+                              <m:e>
+                                <m:r>
+                                  <a:rPr lang="en-US" sz="2800">
+                                    <a:latin typeface="Cambria Math" panose="02040503050406030204" pitchFamily="18" charset="0"/>
+                                  </a:rPr>
+                                  <m:t>⋯</m:t>
+                                </m:r>
+                              </m:e>
+                              <m:e>
+                                <m:r>
+                                  <a:rPr lang="en-US" sz="2800" b="0" i="0" smtClean="0">
+                                    <a:latin typeface="Cambria Math" panose="02040503050406030204" pitchFamily="18" charset="0"/>
+                                  </a:rPr>
+                                  <m:t>0</m:t>
+                                </m:r>
+                              </m:e>
+                            </m:mr>
+                            <m:mr>
+                              <m:e>
+                                <m:r>
+                                  <a:rPr lang="en-US" sz="2800">
+                                    <a:latin typeface="Cambria Math" panose="02040503050406030204" pitchFamily="18" charset="0"/>
+                                  </a:rPr>
+                                  <m:t>⋮</m:t>
+                                </m:r>
+                              </m:e>
+                              <m:e>
+                                <m:r>
+                                  <a:rPr lang="en-US" sz="2800">
+                                    <a:latin typeface="Cambria Math" panose="02040503050406030204" pitchFamily="18" charset="0"/>
+                                  </a:rPr>
+                                  <m:t>⋱</m:t>
+                                </m:r>
+                              </m:e>
+                              <m:e>
+                                <m:r>
+                                  <a:rPr lang="en-US" sz="2800">
+                                    <a:latin typeface="Cambria Math" panose="02040503050406030204" pitchFamily="18" charset="0"/>
+                                  </a:rPr>
+                                  <m:t>⋮</m:t>
+                                </m:r>
+                              </m:e>
+                            </m:mr>
+                            <m:mr>
+                              <m:e>
+                                <m:r>
+                                  <a:rPr lang="en-US" sz="2800" b="0" i="0" smtClean="0">
+                                    <a:latin typeface="Cambria Math" panose="02040503050406030204" pitchFamily="18" charset="0"/>
+                                  </a:rPr>
+                                  <m:t>1</m:t>
+                                </m:r>
+                              </m:e>
+                              <m:e>
+                                <m:r>
+                                  <a:rPr lang="en-US" sz="2800">
+                                    <a:latin typeface="Cambria Math" panose="02040503050406030204" pitchFamily="18" charset="0"/>
+                                  </a:rPr>
+                                  <m:t>⋯</m:t>
+                                </m:r>
+                              </m:e>
+                              <m:e>
+                                <m:r>
+                                  <a:rPr lang="en-US" sz="2800" b="0" i="0" smtClean="0">
+                                    <a:latin typeface="Cambria Math" panose="02040503050406030204" pitchFamily="18" charset="0"/>
+                                  </a:rPr>
+                                  <m:t>0</m:t>
+                                </m:r>
+                              </m:e>
+                            </m:mr>
+                          </m:m>
+                        </m:e>
+                      </m:d>
+                    </m:oMath>
+                  </m:oMathPara>
+                </a14:m>
+                <a:endParaRPr lang="en-US" sz="2800" b="0" dirty="0"/>
+              </a:p>
+              <a:p>
+                <a:r>
+                  <a:rPr lang="en-US" sz="2000" dirty="0"/>
+                  <a:t>                                                                                                                         </a:t>
+                </a:r>
+                <a:br>
+                  <a:rPr lang="en-US" sz="2000" dirty="0"/>
+                </a:br>
+                <a:r>
+                  <a:rPr lang="en-US" sz="2000" dirty="0"/>
+                  <a:t>                                                                                                                        1=TRUE; 0= FALSE</a:t>
+                </a:r>
+              </a:p>
+            </p:txBody>
+          </p:sp>
+        </mc:Choice>
+        <mc:Fallback xmlns="">
+          <p:sp>
+            <p:nvSpPr>
+              <p:cNvPr id="23" name="TextBox 22">
+                <a:extLst>
+                  <a:ext uri="{FF2B5EF4-FFF2-40B4-BE49-F238E27FC236}">
+                    <a16:creationId xmlns:a16="http://schemas.microsoft.com/office/drawing/2014/main" id="{3496E5D2-802C-9A7B-1A0B-65C559AA0888}"/>
+                  </a:ext>
+                </a:extLst>
+              </p:cNvPr>
+              <p:cNvSpPr txBox="1">
+                <a:spLocks noRot="1" noChangeAspect="1" noMove="1" noResize="1" noEditPoints="1" noAdjustHandles="1" noChangeArrowheads="1" noChangeShapeType="1" noTextEdit="1"/>
+              </p:cNvSpPr>
+              <p:nvPr/>
+            </p:nvSpPr>
+            <p:spPr>
+              <a:xfrm>
+                <a:off x="226886" y="5426306"/>
+                <a:ext cx="8898703" cy="1850763"/>
+              </a:xfrm>
+              <a:prstGeom prst="rect">
+                <a:avLst/>
+              </a:prstGeom>
+              <a:blipFill>
+                <a:blip r:embed="rId5"/>
+                <a:stretch>
+                  <a:fillRect b="-4934"/>
+                </a:stretch>
+              </a:blipFill>
+            </p:spPr>
+            <p:txBody>
+              <a:bodyPr/>
+              <a:lstStyle/>
+              <a:p>
+                <a:r>
+                  <a:rPr lang="en-US">
+                    <a:noFill/>
+                  </a:rPr>
+                  <a:t> </a:t>
+                </a:r>
+              </a:p>
+            </p:txBody>
+          </p:sp>
+        </mc:Fallback>
+      </mc:AlternateContent>
+      <p:pic>
+        <p:nvPicPr>
+          <p:cNvPr id="1026" name="Picture 2" descr="Image result for always GIF">
+            <a:extLst>
+              <a:ext uri="{FF2B5EF4-FFF2-40B4-BE49-F238E27FC236}">
+                <a16:creationId xmlns:a16="http://schemas.microsoft.com/office/drawing/2014/main" id="{8B199BF9-E99E-C6BE-355E-2399C0840F97}"/>
+              </a:ext>
+            </a:extLst>
+          </p:cNvPr>
+          <p:cNvPicPr>
+            <a:picLocks noChangeAspect="1" noChangeArrowheads="1"/>
+          </p:cNvPicPr>
+          <p:nvPr/>
+        </p:nvPicPr>
+        <p:blipFill>
+          <a:blip r:embed="rId6">
+            <a:extLst>
+              <a:ext uri="{28A0092B-C50C-407E-A947-70E740481C1C}">
+                <a14:useLocalDpi xmlns:a14="http://schemas.microsoft.com/office/drawing/2010/main" val="0"/>
+              </a:ext>
+            </a:extLst>
+          </a:blip>
+          <a:srcRect/>
+          <a:stretch>
+            <a:fillRect/>
+          </a:stretch>
+        </p:blipFill>
+        <p:spPr bwMode="auto">
+          <a:xfrm>
+            <a:off x="10475362" y="609475"/>
+            <a:ext cx="1804078" cy="1804078"/>
+          </a:xfrm>
+          <a:prstGeom prst="rect">
+            <a:avLst/>
+          </a:prstGeom>
+          <a:noFill/>
+          <a:extLst>
+            <a:ext uri="{909E8E84-426E-40DD-AFC4-6F175D3DCCD1}">
+              <a14:hiddenFill xmlns:a14="http://schemas.microsoft.com/office/drawing/2010/main">
+                <a:solidFill>
+                  <a:srgbClr val="FFFFFF"/>
+                </a:solidFill>
+              </a14:hiddenFill>
+            </a:ext>
+          </a:extLst>
+        </p:spPr>
+      </p:pic>
+      <p:sp>
+        <p:nvSpPr>
+          <p:cNvPr id="25" name="TextBox 24">
+            <a:extLst>
+              <a:ext uri="{FF2B5EF4-FFF2-40B4-BE49-F238E27FC236}">
+                <a16:creationId xmlns:a16="http://schemas.microsoft.com/office/drawing/2014/main" id="{734C83C3-AAB1-BE3E-7164-FE1477E3A63B}"/>
+              </a:ext>
+            </a:extLst>
+          </p:cNvPr>
+          <p:cNvSpPr txBox="1"/>
+          <p:nvPr/>
+        </p:nvSpPr>
+        <p:spPr>
+          <a:xfrm>
+            <a:off x="336478" y="199947"/>
+            <a:ext cx="6097712" cy="369332"/>
+          </a:xfrm>
+          <a:prstGeom prst="rect">
+            <a:avLst/>
+          </a:prstGeom>
+          <a:noFill/>
+        </p:spPr>
+        <p:txBody>
+          <a:bodyPr wrap="square">
+            <a:spAutoFit/>
+          </a:bodyPr>
+          <a:lstStyle/>
+          <a:p>
+            <a:r>
+              <a:rPr lang="en-US" dirty="0"/>
+              <a:t>All operations are executed at grid level </a:t>
+            </a:r>
+          </a:p>
+        </p:txBody>
+      </p:sp>
+    </p:spTree>
+    <p:extLst>
+      <p:ext uri="{BB962C8B-B14F-4D97-AF65-F5344CB8AC3E}">
+        <p14:creationId xmlns:p14="http://schemas.microsoft.com/office/powerpoint/2010/main" val="3913206283"/>
+      </p:ext>
+    </p:extLst>
+  </p:cSld>
+  <p:clrMapOvr>
+    <a:masterClrMapping/>
+  </p:clrMapOvr>
+</p:sld>
+</file>
+
+<file path=ppt/slides/slide11.xml><?xml version="1.0" encoding="utf-8"?>
+<p:sld xmlns:a="http://schemas.openxmlformats.org/drawingml/2006/main" xmlns:r="http://schemas.openxmlformats.org/officeDocument/2006/relationships" xmlns:p="http://schemas.openxmlformats.org/presentationml/2006/main">
+  <p:cSld>
+    <p:spTree>
+      <p:nvGrpSpPr>
         <p:cNvPr id="1" name="">
           <a:extLst>
             <a:ext uri="{FF2B5EF4-FFF2-40B4-BE49-F238E27FC236}">
@@ -7491,8 +9784,8 @@
           <a:chExt cx="0" cy="0"/>
         </a:xfrm>
       </p:grpSpPr>
-      <mc:AlternateContent xmlns:mc="http://schemas.openxmlformats.org/markup-compatibility/2006">
-        <mc:Choice xmlns:a14="http://schemas.microsoft.com/office/drawing/2010/main" Requires="a14">
+      <mc:AlternateContent xmlns:mc="http://schemas.openxmlformats.org/markup-compatibility/2006" xmlns:a14="http://schemas.microsoft.com/office/drawing/2010/main">
+        <mc:Choice Requires="a14">
           <p:sp>
             <p:nvSpPr>
               <p:cNvPr id="8" name="TextBox 7">
@@ -8067,7 +10360,7 @@
             </p:txBody>
           </p:sp>
         </mc:Choice>
-        <mc:Fallback>
+        <mc:Fallback xmlns="">
           <p:sp>
             <p:nvSpPr>
               <p:cNvPr id="8" name="TextBox 7">
@@ -8767,8 +11060,8 @@
           </p:sp>
         </mc:Fallback>
       </mc:AlternateContent>
-      <mc:AlternateContent xmlns:mc="http://schemas.openxmlformats.org/markup-compatibility/2006">
-        <mc:Choice xmlns:a14="http://schemas.microsoft.com/office/drawing/2010/main" Requires="a14">
+      <mc:AlternateContent xmlns:mc="http://schemas.openxmlformats.org/markup-compatibility/2006" xmlns:a14="http://schemas.microsoft.com/office/drawing/2010/main">
+        <mc:Choice Requires="a14">
           <p:sp>
             <p:nvSpPr>
               <p:cNvPr id="5" name="TextBox 4">
@@ -9428,7 +11721,7 @@
             </p:txBody>
           </p:sp>
         </mc:Choice>
-        <mc:Fallback>
+        <mc:Fallback xmlns="">
           <p:sp>
             <p:nvSpPr>
               <p:cNvPr id="5" name="TextBox 4">
@@ -9624,6 +11917,36 @@
           <a:chExt cx="0" cy="0"/>
         </a:xfrm>
       </p:grpSpPr>
+    </p:spTree>
+    <p:extLst>
+      <p:ext uri="{BB962C8B-B14F-4D97-AF65-F5344CB8AC3E}">
+        <p14:creationId xmlns:p14="http://schemas.microsoft.com/office/powerpoint/2010/main" val="538476958"/>
+      </p:ext>
+    </p:extLst>
+  </p:cSld>
+  <p:clrMapOvr>
+    <a:masterClrMapping/>
+  </p:clrMapOvr>
+</p:sld>
+</file>
+
+<file path=ppt/slides/slide4.xml><?xml version="1.0" encoding="utf-8"?>
+<p:sld xmlns:a="http://schemas.openxmlformats.org/drawingml/2006/main" xmlns:r="http://schemas.openxmlformats.org/officeDocument/2006/relationships" xmlns:p="http://schemas.openxmlformats.org/presentationml/2006/main">
+  <p:cSld>
+    <p:spTree>
+      <p:nvGrpSpPr>
+        <p:cNvPr id="1" name=""/>
+        <p:cNvGrpSpPr/>
+        <p:nvPr/>
+      </p:nvGrpSpPr>
+      <p:grpSpPr>
+        <a:xfrm>
+          <a:off x="0" y="0"/>
+          <a:ext cx="0" cy="0"/>
+          <a:chOff x="0" y="0"/>
+          <a:chExt cx="0" cy="0"/>
+        </a:xfrm>
+      </p:grpSpPr>
       <p:pic>
         <p:nvPicPr>
           <p:cNvPr id="4" name="Picture 3">
@@ -9726,7 +12049,7 @@
 </p:sld>
 </file>
 
-<file path=ppt/slides/slide4.xml><?xml version="1.0" encoding="utf-8"?>
+<file path=ppt/slides/slide5.xml><?xml version="1.0" encoding="utf-8"?>
 <p:sld xmlns:a="http://schemas.openxmlformats.org/drawingml/2006/main" xmlns:r="http://schemas.openxmlformats.org/officeDocument/2006/relationships" xmlns:p="http://schemas.openxmlformats.org/presentationml/2006/main">
   <p:cSld>
     <p:bg>
@@ -10429,7 +12752,7 @@
 </p:sld>
 </file>
 
-<file path=ppt/slides/slide5.xml><?xml version="1.0" encoding="utf-8"?>
+<file path=ppt/slides/slide6.xml><?xml version="1.0" encoding="utf-8"?>
 <p:sld xmlns:a="http://schemas.openxmlformats.org/drawingml/2006/main" xmlns:r="http://schemas.openxmlformats.org/officeDocument/2006/relationships" xmlns:p="http://schemas.openxmlformats.org/presentationml/2006/main">
   <p:cSld>
     <p:bg>
@@ -11056,7 +13379,7 @@
 </p:sld>
 </file>
 
-<file path=ppt/slides/slide6.xml><?xml version="1.0" encoding="utf-8"?>
+<file path=ppt/slides/slide7.xml><?xml version="1.0" encoding="utf-8"?>
 <p:sld xmlns:a="http://schemas.openxmlformats.org/drawingml/2006/main" xmlns:r="http://schemas.openxmlformats.org/officeDocument/2006/relationships" xmlns:p="http://schemas.openxmlformats.org/presentationml/2006/main">
   <p:cSld>
     <p:bg>
@@ -11462,7 +13785,7 @@
 </p:sld>
 </file>
 
-<file path=ppt/slides/slide7.xml><?xml version="1.0" encoding="utf-8"?>
+<file path=ppt/slides/slide8.xml><?xml version="1.0" encoding="utf-8"?>
 <p:sld xmlns:a="http://schemas.openxmlformats.org/drawingml/2006/main" xmlns:r="http://schemas.openxmlformats.org/officeDocument/2006/relationships" xmlns:p="http://schemas.openxmlformats.org/presentationml/2006/main">
   <p:cSld>
     <p:bg>
@@ -11861,7 +14184,7 @@
 </p:sld>
 </file>
 
-<file path=ppt/slides/slide8.xml><?xml version="1.0" encoding="utf-8"?>
+<file path=ppt/slides/slide9.xml><?xml version="1.0" encoding="utf-8"?>
 <p:sld xmlns:a="http://schemas.openxmlformats.org/drawingml/2006/main" xmlns:r="http://schemas.openxmlformats.org/officeDocument/2006/relationships" xmlns:p="http://schemas.openxmlformats.org/presentationml/2006/main">
   <p:cSld>
     <p:spTree>
@@ -11878,8 +14201,8 @@
           <a:chExt cx="0" cy="0"/>
         </a:xfrm>
       </p:grpSpPr>
-      <mc:AlternateContent xmlns:mc="http://schemas.openxmlformats.org/markup-compatibility/2006">
-        <mc:Choice xmlns:a14="http://schemas.microsoft.com/office/drawing/2010/main" Requires="a14">
+      <mc:AlternateContent xmlns:mc="http://schemas.openxmlformats.org/markup-compatibility/2006" xmlns:a14="http://schemas.microsoft.com/office/drawing/2010/main">
+        <mc:Choice Requires="a14">
           <p:sp>
             <p:nvSpPr>
               <p:cNvPr id="6" name="TextBox 5">
@@ -11925,13 +14248,13 @@
                         <a:rPr lang="en-US" i="1" smtClean="0">
                           <a:latin typeface="Cambria Math" panose="02040503050406030204" pitchFamily="18" charset="0"/>
                         </a:rPr>
-                        <m:t>=    </m:t>
+                        <m:t>=        </m:t>
                       </m:r>
                       <m:r>
                         <a:rPr lang="en-US" b="0" i="1" smtClean="0">
                           <a:latin typeface="Cambria Math" panose="02040503050406030204" pitchFamily="18" charset="0"/>
                         </a:rPr>
-                        <m:t>                   =</m:t>
+                        <m:t>               =</m:t>
                       </m:r>
                       <m:d>
                         <m:dPr>
@@ -12083,7 +14406,7 @@
             </p:txBody>
           </p:sp>
         </mc:Choice>
-        <mc:Fallback>
+        <mc:Fallback xmlns="">
           <p:sp>
             <p:nvSpPr>
               <p:cNvPr id="6" name="TextBox 5">
@@ -12128,8 +14451,8 @@
           </p:sp>
         </mc:Fallback>
       </mc:AlternateContent>
-      <mc:AlternateContent xmlns:mc="http://schemas.openxmlformats.org/markup-compatibility/2006">
-        <mc:Choice xmlns:a14="http://schemas.microsoft.com/office/drawing/2010/main" Requires="a14">
+      <mc:AlternateContent xmlns:mc="http://schemas.openxmlformats.org/markup-compatibility/2006" xmlns:a14="http://schemas.microsoft.com/office/drawing/2010/main">
+        <mc:Choice Requires="a14">
           <p:sp>
             <p:nvSpPr>
               <p:cNvPr id="8" name="TextBox 7">
@@ -12294,7 +14617,7 @@
             </p:txBody>
           </p:sp>
         </mc:Choice>
-        <mc:Fallback>
+        <mc:Fallback xmlns="">
           <p:sp>
             <p:nvSpPr>
               <p:cNvPr id="8" name="TextBox 7">
@@ -12384,8 +14707,8 @@
           </a:ln>
         </p:spPr>
       </p:pic>
-      <mc:AlternateContent xmlns:mc="http://schemas.openxmlformats.org/markup-compatibility/2006">
-        <mc:Choice xmlns:a14="http://schemas.microsoft.com/office/drawing/2010/main" Requires="a14">
+      <mc:AlternateContent xmlns:mc="http://schemas.openxmlformats.org/markup-compatibility/2006" xmlns:a14="http://schemas.microsoft.com/office/drawing/2010/main">
+        <mc:Choice Requires="a14">
           <p:sp>
             <p:nvSpPr>
               <p:cNvPr id="12" name="TextBox 11">
@@ -12438,7 +14761,7 @@
             </p:txBody>
           </p:sp>
         </mc:Choice>
-        <mc:Fallback>
+        <mc:Fallback xmlns="">
           <p:sp>
             <p:nvSpPr>
               <p:cNvPr id="12" name="TextBox 11">
@@ -12511,7 +14834,6 @@
           </a:bodyPr>
           <a:lstStyle/>
           <a:p>
-            <a:pPr/>
             <a:r>
               <a:rPr lang="en-US" dirty="0"/>
               <a:t>4</a:t>
@@ -12547,7 +14869,6 @@
           </a:bodyPr>
           <a:lstStyle/>
           <a:p>
-            <a:pPr/>
             <a:r>
               <a:rPr lang="en-US" dirty="0"/>
               <a:t>3</a:t>
@@ -12583,7 +14904,6 @@
           </a:bodyPr>
           <a:lstStyle/>
           <a:p>
-            <a:pPr/>
             <a:r>
               <a:rPr lang="en-US" dirty="0"/>
               <a:t>2</a:t>
@@ -12591,8 +14911,8 @@
           </a:p>
         </p:txBody>
       </p:sp>
-      <mc:AlternateContent xmlns:mc="http://schemas.openxmlformats.org/markup-compatibility/2006">
-        <mc:Choice xmlns:a14="http://schemas.microsoft.com/office/drawing/2010/main" Requires="a14">
+      <mc:AlternateContent xmlns:mc="http://schemas.openxmlformats.org/markup-compatibility/2006" xmlns:a14="http://schemas.microsoft.com/office/drawing/2010/main">
+        <mc:Choice Requires="a14">
           <p:sp>
             <p:nvSpPr>
               <p:cNvPr id="20" name="TextBox 19">
@@ -12645,7 +14965,7 @@
             </p:txBody>
           </p:sp>
         </mc:Choice>
-        <mc:Fallback>
+        <mc:Fallback xmlns="">
           <p:sp>
             <p:nvSpPr>
               <p:cNvPr id="20" name="TextBox 19">
@@ -12690,8 +15010,8 @@
           </p:sp>
         </mc:Fallback>
       </mc:AlternateContent>
-      <mc:AlternateContent xmlns:mc="http://schemas.openxmlformats.org/markup-compatibility/2006">
-        <mc:Choice xmlns:a14="http://schemas.microsoft.com/office/drawing/2010/main" Requires="a14">
+      <mc:AlternateContent xmlns:mc="http://schemas.openxmlformats.org/markup-compatibility/2006" xmlns:a14="http://schemas.microsoft.com/office/drawing/2010/main">
+        <mc:Choice Requires="a14">
           <p:sp>
             <p:nvSpPr>
               <p:cNvPr id="25" name="TextBox 24">
@@ -12744,7 +15064,7 @@
             </p:txBody>
           </p:sp>
         </mc:Choice>
-        <mc:Fallback>
+        <mc:Fallback xmlns="">
           <p:sp>
             <p:nvSpPr>
               <p:cNvPr id="25" name="TextBox 24">
@@ -12789,8 +15109,8 @@
           </p:sp>
         </mc:Fallback>
       </mc:AlternateContent>
-      <mc:AlternateContent xmlns:mc="http://schemas.openxmlformats.org/markup-compatibility/2006">
-        <mc:Choice xmlns:a14="http://schemas.microsoft.com/office/drawing/2010/main" Requires="a14">
+      <mc:AlternateContent xmlns:mc="http://schemas.openxmlformats.org/markup-compatibility/2006" xmlns:a14="http://schemas.microsoft.com/office/drawing/2010/main">
+        <mc:Choice Requires="a14">
           <p:sp>
             <p:nvSpPr>
               <p:cNvPr id="26" name="TextBox 25">
@@ -12843,7 +15163,7 @@
             </p:txBody>
           </p:sp>
         </mc:Choice>
-        <mc:Fallback>
+        <mc:Fallback xmlns="">
           <p:sp>
             <p:nvSpPr>
               <p:cNvPr id="26" name="TextBox 25">
@@ -12888,8 +15208,8 @@
           </p:sp>
         </mc:Fallback>
       </mc:AlternateContent>
-      <mc:AlternateContent xmlns:mc="http://schemas.openxmlformats.org/markup-compatibility/2006">
-        <mc:Choice xmlns:a14="http://schemas.microsoft.com/office/drawing/2010/main" Requires="a14">
+      <mc:AlternateContent xmlns:mc="http://schemas.openxmlformats.org/markup-compatibility/2006" xmlns:a14="http://schemas.microsoft.com/office/drawing/2010/main">
+        <mc:Choice Requires="a14">
           <p:sp>
             <p:nvSpPr>
               <p:cNvPr id="27" name="TextBox 26">
@@ -12942,7 +15262,7 @@
             </p:txBody>
           </p:sp>
         </mc:Choice>
-        <mc:Fallback>
+        <mc:Fallback xmlns="">
           <p:sp>
             <p:nvSpPr>
               <p:cNvPr id="27" name="TextBox 26">
@@ -12987,8 +15307,8 @@
           </p:sp>
         </mc:Fallback>
       </mc:AlternateContent>
-      <mc:AlternateContent xmlns:mc="http://schemas.openxmlformats.org/markup-compatibility/2006">
-        <mc:Choice xmlns:a14="http://schemas.microsoft.com/office/drawing/2010/main" Requires="a14">
+      <mc:AlternateContent xmlns:mc="http://schemas.openxmlformats.org/markup-compatibility/2006" xmlns:a14="http://schemas.microsoft.com/office/drawing/2010/main">
+        <mc:Choice Requires="a14">
           <p:sp>
             <p:nvSpPr>
               <p:cNvPr id="28" name="TextBox 27">
@@ -13041,7 +15361,7 @@
             </p:txBody>
           </p:sp>
         </mc:Choice>
-        <mc:Fallback>
+        <mc:Fallback xmlns="">
           <p:sp>
             <p:nvSpPr>
               <p:cNvPr id="28" name="TextBox 27">
@@ -13086,8 +15406,8 @@
           </p:sp>
         </mc:Fallback>
       </mc:AlternateContent>
-      <mc:AlternateContent xmlns:mc="http://schemas.openxmlformats.org/markup-compatibility/2006">
-        <mc:Choice xmlns:a14="http://schemas.microsoft.com/office/drawing/2010/main" Requires="a14">
+      <mc:AlternateContent xmlns:mc="http://schemas.openxmlformats.org/markup-compatibility/2006" xmlns:a14="http://schemas.microsoft.com/office/drawing/2010/main">
+        <mc:Choice Requires="a14">
           <p:sp>
             <p:nvSpPr>
               <p:cNvPr id="29" name="TextBox 28">
@@ -13116,7 +15436,6 @@
               </a:bodyPr>
               <a:lstStyle/>
               <a:p>
-                <a:pPr/>
                 <a14:m>
                   <m:oMath xmlns:m="http://schemas.openxmlformats.org/officeDocument/2006/math">
                     <m:r>
@@ -13143,7 +15462,7 @@
             </p:txBody>
           </p:sp>
         </mc:Choice>
-        <mc:Fallback>
+        <mc:Fallback xmlns="">
           <p:sp>
             <p:nvSpPr>
               <p:cNvPr id="29" name="TextBox 28">
@@ -13188,8 +15507,8 @@
           </p:sp>
         </mc:Fallback>
       </mc:AlternateContent>
-      <mc:AlternateContent xmlns:mc="http://schemas.openxmlformats.org/markup-compatibility/2006">
-        <mc:Choice xmlns:a14="http://schemas.microsoft.com/office/drawing/2010/main" Requires="a14">
+      <mc:AlternateContent xmlns:mc="http://schemas.openxmlformats.org/markup-compatibility/2006" xmlns:a14="http://schemas.microsoft.com/office/drawing/2010/main">
+        <mc:Choice Requires="a14">
           <p:sp>
             <p:nvSpPr>
               <p:cNvPr id="30" name="TextBox 29">
@@ -13399,7 +15718,7 @@
             </p:txBody>
           </p:sp>
         </mc:Choice>
-        <mc:Fallback>
+        <mc:Fallback xmlns="">
           <p:sp>
             <p:nvSpPr>
               <p:cNvPr id="30" name="TextBox 29">
@@ -13507,8 +15826,8 @@
           </a:effectLst>
         </p:spPr>
       </p:pic>
-      <mc:AlternateContent xmlns:mc="http://schemas.openxmlformats.org/markup-compatibility/2006">
-        <mc:Choice xmlns:a14="http://schemas.microsoft.com/office/drawing/2010/main" Requires="a14">
+      <mc:AlternateContent xmlns:mc="http://schemas.openxmlformats.org/markup-compatibility/2006" xmlns:a14="http://schemas.microsoft.com/office/drawing/2010/main">
+        <mc:Choice Requires="a14">
           <p:sp>
             <p:nvSpPr>
               <p:cNvPr id="32" name="TextBox 31">
@@ -13558,7 +15877,7 @@
             </p:txBody>
           </p:sp>
         </mc:Choice>
-        <mc:Fallback>
+        <mc:Fallback xmlns="">
           <p:sp>
             <p:nvSpPr>
               <p:cNvPr id="32" name="TextBox 31">
@@ -13631,7 +15950,6 @@
           </a:bodyPr>
           <a:lstStyle/>
           <a:p>
-            <a:pPr/>
             <a:r>
               <a:rPr lang="en-US" dirty="0"/>
               <a:t>8</a:t>
@@ -13667,7 +15985,6 @@
           </a:bodyPr>
           <a:lstStyle/>
           <a:p>
-            <a:pPr/>
             <a:r>
               <a:rPr lang="en-US" dirty="0"/>
               <a:t>7</a:t>
@@ -13703,7 +16020,6 @@
           </a:bodyPr>
           <a:lstStyle/>
           <a:p>
-            <a:pPr/>
             <a:r>
               <a:rPr lang="en-US" dirty="0"/>
               <a:t>6</a:t>
@@ -13711,8 +16027,8 @@
           </a:p>
         </p:txBody>
       </p:sp>
-      <mc:AlternateContent xmlns:mc="http://schemas.openxmlformats.org/markup-compatibility/2006">
-        <mc:Choice xmlns:a14="http://schemas.microsoft.com/office/drawing/2010/main" Requires="a14">
+      <mc:AlternateContent xmlns:mc="http://schemas.openxmlformats.org/markup-compatibility/2006" xmlns:a14="http://schemas.microsoft.com/office/drawing/2010/main">
+        <mc:Choice Requires="a14">
           <p:sp>
             <p:nvSpPr>
               <p:cNvPr id="36" name="TextBox 35">
@@ -13765,7 +16081,7 @@
             </p:txBody>
           </p:sp>
         </mc:Choice>
-        <mc:Fallback>
+        <mc:Fallback xmlns="">
           <p:sp>
             <p:nvSpPr>
               <p:cNvPr id="36" name="TextBox 35">
@@ -13810,8 +16126,8 @@
           </p:sp>
         </mc:Fallback>
       </mc:AlternateContent>
-      <mc:AlternateContent xmlns:mc="http://schemas.openxmlformats.org/markup-compatibility/2006">
-        <mc:Choice xmlns:a14="http://schemas.microsoft.com/office/drawing/2010/main" Requires="a14">
+      <mc:AlternateContent xmlns:mc="http://schemas.openxmlformats.org/markup-compatibility/2006" xmlns:a14="http://schemas.microsoft.com/office/drawing/2010/main">
+        <mc:Choice Requires="a14">
           <p:sp>
             <p:nvSpPr>
               <p:cNvPr id="37" name="TextBox 36">
@@ -13864,7 +16180,7 @@
             </p:txBody>
           </p:sp>
         </mc:Choice>
-        <mc:Fallback>
+        <mc:Fallback xmlns="">
           <p:sp>
             <p:nvSpPr>
               <p:cNvPr id="37" name="TextBox 36">
@@ -13909,8 +16225,8 @@
           </p:sp>
         </mc:Fallback>
       </mc:AlternateContent>
-      <mc:AlternateContent xmlns:mc="http://schemas.openxmlformats.org/markup-compatibility/2006">
-        <mc:Choice xmlns:a14="http://schemas.microsoft.com/office/drawing/2010/main" Requires="a14">
+      <mc:AlternateContent xmlns:mc="http://schemas.openxmlformats.org/markup-compatibility/2006" xmlns:a14="http://schemas.microsoft.com/office/drawing/2010/main">
+        <mc:Choice Requires="a14">
           <p:sp>
             <p:nvSpPr>
               <p:cNvPr id="38" name="TextBox 37">
@@ -13963,7 +16279,7 @@
             </p:txBody>
           </p:sp>
         </mc:Choice>
-        <mc:Fallback>
+        <mc:Fallback xmlns="">
           <p:sp>
             <p:nvSpPr>
               <p:cNvPr id="38" name="TextBox 37">
@@ -14008,8 +16324,8 @@
           </p:sp>
         </mc:Fallback>
       </mc:AlternateContent>
-      <mc:AlternateContent xmlns:mc="http://schemas.openxmlformats.org/markup-compatibility/2006">
-        <mc:Choice xmlns:a14="http://schemas.microsoft.com/office/drawing/2010/main" Requires="a14">
+      <mc:AlternateContent xmlns:mc="http://schemas.openxmlformats.org/markup-compatibility/2006" xmlns:a14="http://schemas.microsoft.com/office/drawing/2010/main">
+        <mc:Choice Requires="a14">
           <p:sp>
             <p:nvSpPr>
               <p:cNvPr id="39" name="TextBox 38">
@@ -14062,7 +16378,7 @@
             </p:txBody>
           </p:sp>
         </mc:Choice>
-        <mc:Fallback>
+        <mc:Fallback xmlns="">
           <p:sp>
             <p:nvSpPr>
               <p:cNvPr id="39" name="TextBox 38">
@@ -14107,8 +16423,8 @@
           </p:sp>
         </mc:Fallback>
       </mc:AlternateContent>
-      <mc:AlternateContent xmlns:mc="http://schemas.openxmlformats.org/markup-compatibility/2006">
-        <mc:Choice xmlns:a14="http://schemas.microsoft.com/office/drawing/2010/main" Requires="a14">
+      <mc:AlternateContent xmlns:mc="http://schemas.openxmlformats.org/markup-compatibility/2006" xmlns:a14="http://schemas.microsoft.com/office/drawing/2010/main">
+        <mc:Choice Requires="a14">
           <p:sp>
             <p:nvSpPr>
               <p:cNvPr id="40" name="TextBox 39">
@@ -14161,7 +16477,7 @@
             </p:txBody>
           </p:sp>
         </mc:Choice>
-        <mc:Fallback>
+        <mc:Fallback xmlns="">
           <p:sp>
             <p:nvSpPr>
               <p:cNvPr id="40" name="TextBox 39">
@@ -14206,8 +16522,8 @@
           </p:sp>
         </mc:Fallback>
       </mc:AlternateContent>
-      <mc:AlternateContent xmlns:mc="http://schemas.openxmlformats.org/markup-compatibility/2006">
-        <mc:Choice xmlns:a14="http://schemas.microsoft.com/office/drawing/2010/main" Requires="a14">
+      <mc:AlternateContent xmlns:mc="http://schemas.openxmlformats.org/markup-compatibility/2006" xmlns:a14="http://schemas.microsoft.com/office/drawing/2010/main">
+        <mc:Choice Requires="a14">
           <p:sp>
             <p:nvSpPr>
               <p:cNvPr id="41" name="TextBox 40">
@@ -14236,7 +16552,6 @@
               </a:bodyPr>
               <a:lstStyle/>
               <a:p>
-                <a:pPr/>
                 <a14:m>
                   <m:oMath xmlns:m="http://schemas.openxmlformats.org/officeDocument/2006/math">
                     <m:r>
@@ -14263,7 +16578,7 @@
             </p:txBody>
           </p:sp>
         </mc:Choice>
-        <mc:Fallback>
+        <mc:Fallback xmlns="">
           <p:sp>
             <p:nvSpPr>
               <p:cNvPr id="41" name="TextBox 40">
@@ -14372,2259 +16687,6 @@
     <p:extLst>
       <p:ext uri="{BB962C8B-B14F-4D97-AF65-F5344CB8AC3E}">
         <p14:creationId xmlns:p14="http://schemas.microsoft.com/office/powerpoint/2010/main" val="3973621338"/>
-      </p:ext>
-    </p:extLst>
-  </p:cSld>
-  <p:clrMapOvr>
-    <a:masterClrMapping/>
-  </p:clrMapOvr>
-</p:sld>
-</file>
-
-<file path=ppt/slides/slide9.xml><?xml version="1.0" encoding="utf-8"?>
-<p:sld xmlns:a="http://schemas.openxmlformats.org/drawingml/2006/main" xmlns:r="http://schemas.openxmlformats.org/officeDocument/2006/relationships" xmlns:p="http://schemas.openxmlformats.org/presentationml/2006/main">
-  <p:cSld>
-    <p:spTree>
-      <p:nvGrpSpPr>
-        <p:cNvPr id="1" name=""/>
-        <p:cNvGrpSpPr/>
-        <p:nvPr/>
-      </p:nvGrpSpPr>
-      <p:grpSpPr>
-        <a:xfrm>
-          <a:off x="0" y="0"/>
-          <a:ext cx="0" cy="0"/>
-          <a:chOff x="0" y="0"/>
-          <a:chExt cx="0" cy="0"/>
-        </a:xfrm>
-      </p:grpSpPr>
-      <mc:AlternateContent xmlns:mc="http://schemas.openxmlformats.org/markup-compatibility/2006">
-        <mc:Choice xmlns:a14="http://schemas.microsoft.com/office/drawing/2010/main" Requires="a14">
-          <p:sp>
-            <p:nvSpPr>
-              <p:cNvPr id="8" name="TextBox 7">
-                <a:extLst>
-                  <a:ext uri="{FF2B5EF4-FFF2-40B4-BE49-F238E27FC236}">
-                    <a16:creationId xmlns:a16="http://schemas.microsoft.com/office/drawing/2014/main" id="{C86D6E60-56E0-AFA5-3533-AD73667E987D}"/>
-                  </a:ext>
-                </a:extLst>
-              </p:cNvPr>
-              <p:cNvSpPr txBox="1"/>
-              <p:nvPr/>
-            </p:nvSpPr>
-            <p:spPr>
-              <a:xfrm>
-                <a:off x="202913" y="676606"/>
-                <a:ext cx="10040421" cy="1238929"/>
-              </a:xfrm>
-              <a:prstGeom prst="rect">
-                <a:avLst/>
-              </a:prstGeom>
-              <a:noFill/>
-            </p:spPr>
-            <p:txBody>
-              <a:bodyPr wrap="square">
-                <a:spAutoFit/>
-              </a:bodyPr>
-              <a:lstStyle/>
-              <a:p>
-                <a14:m>
-                  <m:oMath xmlns:m="http://schemas.openxmlformats.org/officeDocument/2006/math">
-                    <m:d>
-                      <m:dPr>
-                        <m:begChr m:val="["/>
-                        <m:endChr m:val="]"/>
-                        <m:ctrlPr>
-                          <a:rPr lang="en-US" sz="2800" i="1" smtClean="0">
-                            <a:solidFill>
-                              <a:schemeClr val="tx1"/>
-                            </a:solidFill>
-                            <a:latin typeface="Cambria Math" panose="02040503050406030204" pitchFamily="18" charset="0"/>
-                          </a:rPr>
-                        </m:ctrlPr>
-                      </m:dPr>
-                      <m:e>
-                        <m:m>
-                          <m:mPr>
-                            <m:plcHide m:val="on"/>
-                            <m:mcs>
-                              <m:mc>
-                                <m:mcPr>
-                                  <m:count m:val="3"/>
-                                  <m:mcJc m:val="center"/>
-                                </m:mcPr>
-                              </m:mc>
-                            </m:mcs>
-                            <m:ctrlPr>
-                              <a:rPr lang="en-US" sz="2800" i="1">
-                                <a:solidFill>
-                                  <a:schemeClr val="tx1"/>
-                                </a:solidFill>
-                                <a:latin typeface="Cambria Math" panose="02040503050406030204" pitchFamily="18" charset="0"/>
-                              </a:rPr>
-                            </m:ctrlPr>
-                          </m:mPr>
-                          <m:mr>
-                            <m:e>
-                              <m:r>
-                                <a:rPr lang="en-US" sz="2800" b="0" i="0" smtClean="0">
-                                  <a:solidFill>
-                                    <a:schemeClr val="tx1"/>
-                                  </a:solidFill>
-                                  <a:latin typeface="Cambria Math" panose="02040503050406030204" pitchFamily="18" charset="0"/>
-                                </a:rPr>
-                                <m:t>1</m:t>
-                              </m:r>
-                            </m:e>
-                            <m:e>
-                              <m:r>
-                                <a:rPr lang="en-US" sz="2800" i="0">
-                                  <a:solidFill>
-                                    <a:schemeClr val="tx1"/>
-                                  </a:solidFill>
-                                  <a:latin typeface="Cambria Math" panose="02040503050406030204" pitchFamily="18" charset="0"/>
-                                </a:rPr>
-                                <m:t>⋯</m:t>
-                              </m:r>
-                            </m:e>
-                            <m:e>
-                              <m:r>
-                                <a:rPr lang="en-US" sz="2800" b="0" i="0" smtClean="0">
-                                  <a:solidFill>
-                                    <a:schemeClr val="tx1"/>
-                                  </a:solidFill>
-                                  <a:latin typeface="Cambria Math" panose="02040503050406030204" pitchFamily="18" charset="0"/>
-                                </a:rPr>
-                                <m:t>2</m:t>
-                              </m:r>
-                            </m:e>
-                          </m:mr>
-                          <m:mr>
-                            <m:e>
-                              <m:r>
-                                <a:rPr lang="en-US" sz="2800" i="0">
-                                  <a:solidFill>
-                                    <a:schemeClr val="tx1"/>
-                                  </a:solidFill>
-                                  <a:latin typeface="Cambria Math" panose="02040503050406030204" pitchFamily="18" charset="0"/>
-                                </a:rPr>
-                                <m:t>⋮</m:t>
-                              </m:r>
-                            </m:e>
-                            <m:e>
-                              <m:r>
-                                <a:rPr lang="en-US" sz="2800" i="0">
-                                  <a:solidFill>
-                                    <a:schemeClr val="tx1"/>
-                                  </a:solidFill>
-                                  <a:latin typeface="Cambria Math" panose="02040503050406030204" pitchFamily="18" charset="0"/>
-                                </a:rPr>
-                                <m:t>⋱</m:t>
-                              </m:r>
-                            </m:e>
-                            <m:e>
-                              <m:r>
-                                <a:rPr lang="en-US" sz="2800" i="0">
-                                  <a:solidFill>
-                                    <a:schemeClr val="tx1"/>
-                                  </a:solidFill>
-                                  <a:latin typeface="Cambria Math" panose="02040503050406030204" pitchFamily="18" charset="0"/>
-                                </a:rPr>
-                                <m:t>⋮</m:t>
-                              </m:r>
-                            </m:e>
-                          </m:mr>
-                          <m:mr>
-                            <m:e>
-                              <m:r>
-                                <a:rPr lang="en-US" sz="2800" b="0" i="0" smtClean="0">
-                                  <a:solidFill>
-                                    <a:schemeClr val="tx1"/>
-                                  </a:solidFill>
-                                  <a:latin typeface="Cambria Math" panose="02040503050406030204" pitchFamily="18" charset="0"/>
-                                </a:rPr>
-                                <m:t>4</m:t>
-                              </m:r>
-                            </m:e>
-                            <m:e>
-                              <m:r>
-                                <a:rPr lang="en-US" sz="2800" i="0">
-                                  <a:solidFill>
-                                    <a:schemeClr val="tx1"/>
-                                  </a:solidFill>
-                                  <a:latin typeface="Cambria Math" panose="02040503050406030204" pitchFamily="18" charset="0"/>
-                                </a:rPr>
-                                <m:t>⋯</m:t>
-                              </m:r>
-                            </m:e>
-                            <m:e>
-                              <m:r>
-                                <a:rPr lang="en-US" sz="2800" b="0" i="0" smtClean="0">
-                                  <a:solidFill>
-                                    <a:schemeClr val="tx1"/>
-                                  </a:solidFill>
-                                  <a:latin typeface="Cambria Math" panose="02040503050406030204" pitchFamily="18" charset="0"/>
-                                </a:rPr>
-                                <m:t>3</m:t>
-                              </m:r>
-                            </m:e>
-                          </m:mr>
-                        </m:m>
-                      </m:e>
-                    </m:d>
-                  </m:oMath>
-                </a14:m>
-                <a:r>
-                  <a:rPr lang="en-US" sz="2800" dirty="0">
-                    <a:solidFill>
-                      <a:schemeClr val="tx1"/>
-                    </a:solidFill>
-                  </a:rPr>
-                  <a:t> </a:t>
-                </a:r>
-                <a:r>
-                  <a:rPr lang="en-US" sz="4000" dirty="0"/>
-                  <a:t>+</a:t>
-                </a:r>
-                <a:r>
-                  <a:rPr lang="en-US" sz="2800" dirty="0"/>
-                  <a:t>   1   </a:t>
-                </a:r>
-                <a:r>
-                  <a:rPr lang="en-US" sz="4000" dirty="0">
-                    <a:solidFill>
-                      <a:schemeClr val="tx1"/>
-                    </a:solidFill>
-                  </a:rPr>
-                  <a:t>=   </a:t>
-                </a:r>
-                <a14:m>
-                  <m:oMath xmlns:m="http://schemas.openxmlformats.org/officeDocument/2006/math">
-                    <m:d>
-                      <m:dPr>
-                        <m:begChr m:val="["/>
-                        <m:endChr m:val="]"/>
-                        <m:ctrlPr>
-                          <a:rPr lang="en-US" sz="2800" i="1">
-                            <a:latin typeface="Cambria Math" panose="02040503050406030204" pitchFamily="18" charset="0"/>
-                          </a:rPr>
-                        </m:ctrlPr>
-                      </m:dPr>
-                      <m:e>
-                        <m:m>
-                          <m:mPr>
-                            <m:plcHide m:val="on"/>
-                            <m:mcs>
-                              <m:mc>
-                                <m:mcPr>
-                                  <m:count m:val="3"/>
-                                  <m:mcJc m:val="center"/>
-                                </m:mcPr>
-                              </m:mc>
-                            </m:mcs>
-                            <m:ctrlPr>
-                              <a:rPr lang="en-US" sz="2800" i="1">
-                                <a:latin typeface="Cambria Math" panose="02040503050406030204" pitchFamily="18" charset="0"/>
-                              </a:rPr>
-                            </m:ctrlPr>
-                          </m:mPr>
-                          <m:mr>
-                            <m:e>
-                              <m:r>
-                                <a:rPr lang="en-US" sz="2800">
-                                  <a:latin typeface="Cambria Math" panose="02040503050406030204" pitchFamily="18" charset="0"/>
-                                </a:rPr>
-                                <m:t>1</m:t>
-                              </m:r>
-                              <m:r>
-                                <a:rPr lang="en-US" sz="2800" b="0" i="0" smtClean="0">
-                                  <a:latin typeface="Cambria Math" panose="02040503050406030204" pitchFamily="18" charset="0"/>
-                                </a:rPr>
-                                <m:t>+1</m:t>
-                              </m:r>
-                            </m:e>
-                            <m:e>
-                              <m:r>
-                                <a:rPr lang="en-US" sz="2800">
-                                  <a:latin typeface="Cambria Math" panose="02040503050406030204" pitchFamily="18" charset="0"/>
-                                </a:rPr>
-                                <m:t>⋯</m:t>
-                              </m:r>
-                            </m:e>
-                            <m:e>
-                              <m:r>
-                                <a:rPr lang="en-US" sz="2800">
-                                  <a:latin typeface="Cambria Math" panose="02040503050406030204" pitchFamily="18" charset="0"/>
-                                </a:rPr>
-                                <m:t>2</m:t>
-                              </m:r>
-                              <m:r>
-                                <a:rPr lang="en-US" sz="2800" b="0" i="0" smtClean="0">
-                                  <a:latin typeface="Cambria Math" panose="02040503050406030204" pitchFamily="18" charset="0"/>
-                                </a:rPr>
-                                <m:t>+2</m:t>
-                              </m:r>
-                            </m:e>
-                          </m:mr>
-                          <m:mr>
-                            <m:e>
-                              <m:r>
-                                <a:rPr lang="en-US" sz="2800">
-                                  <a:latin typeface="Cambria Math" panose="02040503050406030204" pitchFamily="18" charset="0"/>
-                                </a:rPr>
-                                <m:t>⋮</m:t>
-                              </m:r>
-                            </m:e>
-                            <m:e>
-                              <m:r>
-                                <a:rPr lang="en-US" sz="2800">
-                                  <a:latin typeface="Cambria Math" panose="02040503050406030204" pitchFamily="18" charset="0"/>
-                                </a:rPr>
-                                <m:t>⋱</m:t>
-                              </m:r>
-                            </m:e>
-                            <m:e>
-                              <m:r>
-                                <a:rPr lang="en-US" sz="2800">
-                                  <a:latin typeface="Cambria Math" panose="02040503050406030204" pitchFamily="18" charset="0"/>
-                                </a:rPr>
-                                <m:t>⋮</m:t>
-                              </m:r>
-                            </m:e>
-                          </m:mr>
-                          <m:mr>
-                            <m:e>
-                              <m:r>
-                                <a:rPr lang="en-US" sz="2800">
-                                  <a:latin typeface="Cambria Math" panose="02040503050406030204" pitchFamily="18" charset="0"/>
-                                </a:rPr>
-                                <m:t>4</m:t>
-                              </m:r>
-                              <m:r>
-                                <a:rPr lang="en-US" sz="2800" b="0" i="0" smtClean="0">
-                                  <a:latin typeface="Cambria Math" panose="02040503050406030204" pitchFamily="18" charset="0"/>
-                                </a:rPr>
-                                <m:t>+1</m:t>
-                              </m:r>
-                            </m:e>
-                            <m:e>
-                              <m:r>
-                                <a:rPr lang="en-US" sz="2800">
-                                  <a:latin typeface="Cambria Math" panose="02040503050406030204" pitchFamily="18" charset="0"/>
-                                </a:rPr>
-                                <m:t>⋯</m:t>
-                              </m:r>
-                            </m:e>
-                            <m:e>
-                              <m:r>
-                                <a:rPr lang="en-US" sz="2800">
-                                  <a:latin typeface="Cambria Math" panose="02040503050406030204" pitchFamily="18" charset="0"/>
-                                </a:rPr>
-                                <m:t>3</m:t>
-                              </m:r>
-                              <m:r>
-                                <a:rPr lang="en-US" sz="2800" b="0" i="0" smtClean="0">
-                                  <a:latin typeface="Cambria Math" panose="02040503050406030204" pitchFamily="18" charset="0"/>
-                                </a:rPr>
-                                <m:t>+1</m:t>
-                              </m:r>
-                            </m:e>
-                          </m:mr>
-                        </m:m>
-                      </m:e>
-                    </m:d>
-                  </m:oMath>
-                </a14:m>
-                <a:r>
-                  <a:rPr lang="en-US" sz="4000" dirty="0"/>
-                  <a:t>    =   </a:t>
-                </a:r>
-                <a14:m>
-                  <m:oMath xmlns:m="http://schemas.openxmlformats.org/officeDocument/2006/math">
-                    <m:d>
-                      <m:dPr>
-                        <m:begChr m:val="["/>
-                        <m:endChr m:val="]"/>
-                        <m:ctrlPr>
-                          <a:rPr lang="en-US" sz="2800" i="1">
-                            <a:latin typeface="Cambria Math" panose="02040503050406030204" pitchFamily="18" charset="0"/>
-                          </a:rPr>
-                        </m:ctrlPr>
-                      </m:dPr>
-                      <m:e>
-                        <m:m>
-                          <m:mPr>
-                            <m:plcHide m:val="on"/>
-                            <m:mcs>
-                              <m:mc>
-                                <m:mcPr>
-                                  <m:count m:val="3"/>
-                                  <m:mcJc m:val="center"/>
-                                </m:mcPr>
-                              </m:mc>
-                            </m:mcs>
-                            <m:ctrlPr>
-                              <a:rPr lang="en-US" sz="2800" i="1">
-                                <a:latin typeface="Cambria Math" panose="02040503050406030204" pitchFamily="18" charset="0"/>
-                              </a:rPr>
-                            </m:ctrlPr>
-                          </m:mPr>
-                          <m:mr>
-                            <m:e>
-                              <m:r>
-                                <a:rPr lang="en-US" sz="2800" b="0" i="0" smtClean="0">
-                                  <a:latin typeface="Cambria Math" panose="02040503050406030204" pitchFamily="18" charset="0"/>
-                                </a:rPr>
-                                <m:t>2</m:t>
-                              </m:r>
-                            </m:e>
-                            <m:e>
-                              <m:r>
-                                <a:rPr lang="en-US" sz="2800">
-                                  <a:latin typeface="Cambria Math" panose="02040503050406030204" pitchFamily="18" charset="0"/>
-                                </a:rPr>
-                                <m:t>⋯</m:t>
-                              </m:r>
-                            </m:e>
-                            <m:e>
-                              <m:r>
-                                <a:rPr lang="en-US" sz="2800" b="0" i="0" smtClean="0">
-                                  <a:latin typeface="Cambria Math" panose="02040503050406030204" pitchFamily="18" charset="0"/>
-                                </a:rPr>
-                                <m:t>3</m:t>
-                              </m:r>
-                            </m:e>
-                          </m:mr>
-                          <m:mr>
-                            <m:e>
-                              <m:r>
-                                <a:rPr lang="en-US" sz="2800">
-                                  <a:latin typeface="Cambria Math" panose="02040503050406030204" pitchFamily="18" charset="0"/>
-                                </a:rPr>
-                                <m:t>⋮</m:t>
-                              </m:r>
-                            </m:e>
-                            <m:e>
-                              <m:r>
-                                <a:rPr lang="en-US" sz="2800">
-                                  <a:latin typeface="Cambria Math" panose="02040503050406030204" pitchFamily="18" charset="0"/>
-                                </a:rPr>
-                                <m:t>⋱</m:t>
-                              </m:r>
-                            </m:e>
-                            <m:e>
-                              <m:r>
-                                <a:rPr lang="en-US" sz="2800">
-                                  <a:latin typeface="Cambria Math" panose="02040503050406030204" pitchFamily="18" charset="0"/>
-                                </a:rPr>
-                                <m:t>⋮</m:t>
-                              </m:r>
-                            </m:e>
-                          </m:mr>
-                          <m:mr>
-                            <m:e>
-                              <m:r>
-                                <a:rPr lang="en-US" sz="2800" b="0" i="0" smtClean="0">
-                                  <a:latin typeface="Cambria Math" panose="02040503050406030204" pitchFamily="18" charset="0"/>
-                                </a:rPr>
-                                <m:t>5</m:t>
-                              </m:r>
-                            </m:e>
-                            <m:e>
-                              <m:r>
-                                <a:rPr lang="en-US" sz="2800">
-                                  <a:latin typeface="Cambria Math" panose="02040503050406030204" pitchFamily="18" charset="0"/>
-                                </a:rPr>
-                                <m:t>⋯</m:t>
-                              </m:r>
-                            </m:e>
-                            <m:e>
-                              <m:r>
-                                <a:rPr lang="en-US" sz="2800" b="0" i="0" smtClean="0">
-                                  <a:latin typeface="Cambria Math" panose="02040503050406030204" pitchFamily="18" charset="0"/>
-                                </a:rPr>
-                                <m:t>4</m:t>
-                              </m:r>
-                            </m:e>
-                          </m:mr>
-                        </m:m>
-                      </m:e>
-                    </m:d>
-                  </m:oMath>
-                </a14:m>
-                <a:endParaRPr lang="en-US" sz="2800" dirty="0"/>
-              </a:p>
-            </p:txBody>
-          </p:sp>
-        </mc:Choice>
-        <mc:Fallback>
-          <p:sp>
-            <p:nvSpPr>
-              <p:cNvPr id="8" name="TextBox 7">
-                <a:extLst>
-                  <a:ext uri="{FF2B5EF4-FFF2-40B4-BE49-F238E27FC236}">
-                    <a16:creationId xmlns:a16="http://schemas.microsoft.com/office/drawing/2014/main" id="{C86D6E60-56E0-AFA5-3533-AD73667E987D}"/>
-                  </a:ext>
-                </a:extLst>
-              </p:cNvPr>
-              <p:cNvSpPr txBox="1">
-                <a:spLocks noRot="1" noChangeAspect="1" noMove="1" noResize="1" noEditPoints="1" noAdjustHandles="1" noChangeArrowheads="1" noChangeShapeType="1" noTextEdit="1"/>
-              </p:cNvSpPr>
-              <p:nvPr/>
-            </p:nvSpPr>
-            <p:spPr>
-              <a:xfrm>
-                <a:off x="202913" y="676606"/>
-                <a:ext cx="10040421" cy="1238929"/>
-              </a:xfrm>
-              <a:prstGeom prst="rect">
-                <a:avLst/>
-              </a:prstGeom>
-              <a:blipFill>
-                <a:blip r:embed="rId2"/>
-                <a:stretch>
-                  <a:fillRect/>
-                </a:stretch>
-              </a:blipFill>
-            </p:spPr>
-            <p:txBody>
-              <a:bodyPr/>
-              <a:lstStyle/>
-              <a:p>
-                <a:r>
-                  <a:rPr lang="en-US">
-                    <a:noFill/>
-                  </a:rPr>
-                  <a:t> </a:t>
-                </a:r>
-              </a:p>
-            </p:txBody>
-          </p:sp>
-        </mc:Fallback>
-      </mc:AlternateContent>
-      <mc:AlternateContent xmlns:mc="http://schemas.openxmlformats.org/markup-compatibility/2006">
-        <mc:Choice xmlns:a14="http://schemas.microsoft.com/office/drawing/2010/main" Requires="a14">
-          <p:sp>
-            <p:nvSpPr>
-              <p:cNvPr id="14" name="TextBox 13">
-                <a:extLst>
-                  <a:ext uri="{FF2B5EF4-FFF2-40B4-BE49-F238E27FC236}">
-                    <a16:creationId xmlns:a16="http://schemas.microsoft.com/office/drawing/2014/main" id="{5C65C887-D470-DAA2-E8B0-FD7B5F8CC7D7}"/>
-                  </a:ext>
-                </a:extLst>
-              </p:cNvPr>
-              <p:cNvSpPr txBox="1"/>
-              <p:nvPr/>
-            </p:nvSpPr>
-            <p:spPr>
-              <a:xfrm>
-                <a:off x="202913" y="2216548"/>
-                <a:ext cx="10040421" cy="1231747"/>
-              </a:xfrm>
-              <a:prstGeom prst="rect">
-                <a:avLst/>
-              </a:prstGeom>
-              <a:noFill/>
-            </p:spPr>
-            <p:txBody>
-              <a:bodyPr wrap="square">
-                <a:spAutoFit/>
-              </a:bodyPr>
-              <a:lstStyle/>
-              <a:p>
-                <a14:m>
-                  <m:oMath xmlns:m="http://schemas.openxmlformats.org/officeDocument/2006/math">
-                    <m:d>
-                      <m:dPr>
-                        <m:begChr m:val="["/>
-                        <m:endChr m:val="]"/>
-                        <m:ctrlPr>
-                          <a:rPr lang="en-US" sz="2800" i="1" smtClean="0">
-                            <a:solidFill>
-                              <a:schemeClr val="tx1"/>
-                            </a:solidFill>
-                            <a:latin typeface="Cambria Math" panose="02040503050406030204" pitchFamily="18" charset="0"/>
-                          </a:rPr>
-                        </m:ctrlPr>
-                      </m:dPr>
-                      <m:e>
-                        <m:m>
-                          <m:mPr>
-                            <m:plcHide m:val="on"/>
-                            <m:mcs>
-                              <m:mc>
-                                <m:mcPr>
-                                  <m:count m:val="3"/>
-                                  <m:mcJc m:val="center"/>
-                                </m:mcPr>
-                              </m:mc>
-                            </m:mcs>
-                            <m:ctrlPr>
-                              <a:rPr lang="en-US" sz="2800" i="1">
-                                <a:solidFill>
-                                  <a:schemeClr val="tx1"/>
-                                </a:solidFill>
-                                <a:latin typeface="Cambria Math" panose="02040503050406030204" pitchFamily="18" charset="0"/>
-                              </a:rPr>
-                            </m:ctrlPr>
-                          </m:mPr>
-                          <m:mr>
-                            <m:e>
-                              <m:r>
-                                <a:rPr lang="en-US" sz="2800" b="0" i="0" smtClean="0">
-                                  <a:solidFill>
-                                    <a:schemeClr val="tx1"/>
-                                  </a:solidFill>
-                                  <a:latin typeface="Cambria Math" panose="02040503050406030204" pitchFamily="18" charset="0"/>
-                                </a:rPr>
-                                <m:t>1</m:t>
-                              </m:r>
-                            </m:e>
-                            <m:e>
-                              <m:r>
-                                <a:rPr lang="en-US" sz="2800" i="0">
-                                  <a:solidFill>
-                                    <a:schemeClr val="tx1"/>
-                                  </a:solidFill>
-                                  <a:latin typeface="Cambria Math" panose="02040503050406030204" pitchFamily="18" charset="0"/>
-                                </a:rPr>
-                                <m:t>⋯</m:t>
-                              </m:r>
-                            </m:e>
-                            <m:e>
-                              <m:r>
-                                <a:rPr lang="en-US" sz="2800" b="0" i="0" smtClean="0">
-                                  <a:solidFill>
-                                    <a:schemeClr val="tx1"/>
-                                  </a:solidFill>
-                                  <a:latin typeface="Cambria Math" panose="02040503050406030204" pitchFamily="18" charset="0"/>
-                                </a:rPr>
-                                <m:t>2</m:t>
-                              </m:r>
-                            </m:e>
-                          </m:mr>
-                          <m:mr>
-                            <m:e>
-                              <m:r>
-                                <a:rPr lang="en-US" sz="2800" i="0">
-                                  <a:solidFill>
-                                    <a:schemeClr val="tx1"/>
-                                  </a:solidFill>
-                                  <a:latin typeface="Cambria Math" panose="02040503050406030204" pitchFamily="18" charset="0"/>
-                                </a:rPr>
-                                <m:t>⋮</m:t>
-                              </m:r>
-                            </m:e>
-                            <m:e>
-                              <m:r>
-                                <a:rPr lang="en-US" sz="2800" i="0">
-                                  <a:solidFill>
-                                    <a:schemeClr val="tx1"/>
-                                  </a:solidFill>
-                                  <a:latin typeface="Cambria Math" panose="02040503050406030204" pitchFamily="18" charset="0"/>
-                                </a:rPr>
-                                <m:t>⋱</m:t>
-                              </m:r>
-                            </m:e>
-                            <m:e>
-                              <m:r>
-                                <a:rPr lang="en-US" sz="2800" i="0">
-                                  <a:solidFill>
-                                    <a:schemeClr val="tx1"/>
-                                  </a:solidFill>
-                                  <a:latin typeface="Cambria Math" panose="02040503050406030204" pitchFamily="18" charset="0"/>
-                                </a:rPr>
-                                <m:t>⋮</m:t>
-                              </m:r>
-                            </m:e>
-                          </m:mr>
-                          <m:mr>
-                            <m:e>
-                              <m:r>
-                                <a:rPr lang="en-US" sz="2800" b="0" i="0" smtClean="0">
-                                  <a:solidFill>
-                                    <a:schemeClr val="tx1"/>
-                                  </a:solidFill>
-                                  <a:latin typeface="Cambria Math" panose="02040503050406030204" pitchFamily="18" charset="0"/>
-                                </a:rPr>
-                                <m:t>4</m:t>
-                              </m:r>
-                            </m:e>
-                            <m:e>
-                              <m:r>
-                                <a:rPr lang="en-US" sz="2800" i="0">
-                                  <a:solidFill>
-                                    <a:schemeClr val="tx1"/>
-                                  </a:solidFill>
-                                  <a:latin typeface="Cambria Math" panose="02040503050406030204" pitchFamily="18" charset="0"/>
-                                </a:rPr>
-                                <m:t>⋯</m:t>
-                              </m:r>
-                            </m:e>
-                            <m:e>
-                              <m:r>
-                                <a:rPr lang="en-US" sz="2800" b="0" i="0" smtClean="0">
-                                  <a:solidFill>
-                                    <a:schemeClr val="tx1"/>
-                                  </a:solidFill>
-                                  <a:latin typeface="Cambria Math" panose="02040503050406030204" pitchFamily="18" charset="0"/>
-                                </a:rPr>
-                                <m:t>3</m:t>
-                              </m:r>
-                            </m:e>
-                          </m:mr>
-                        </m:m>
-                      </m:e>
-                    </m:d>
-                  </m:oMath>
-                </a14:m>
-                <a:r>
-                  <a:rPr lang="en-US" sz="2800" dirty="0">
-                    <a:solidFill>
-                      <a:schemeClr val="tx1"/>
-                    </a:solidFill>
-                  </a:rPr>
-                  <a:t> </a:t>
-                </a:r>
-                <a:r>
-                  <a:rPr lang="en-US" sz="4000" dirty="0"/>
-                  <a:t>x</a:t>
-                </a:r>
-                <a:r>
-                  <a:rPr lang="en-US" sz="2800" dirty="0"/>
-                  <a:t>   2   </a:t>
-                </a:r>
-                <a:r>
-                  <a:rPr lang="en-US" sz="4000" dirty="0">
-                    <a:solidFill>
-                      <a:schemeClr val="tx1"/>
-                    </a:solidFill>
-                  </a:rPr>
-                  <a:t>=   </a:t>
-                </a:r>
-                <a14:m>
-                  <m:oMath xmlns:m="http://schemas.openxmlformats.org/officeDocument/2006/math">
-                    <m:d>
-                      <m:dPr>
-                        <m:begChr m:val="["/>
-                        <m:endChr m:val="]"/>
-                        <m:ctrlPr>
-                          <a:rPr lang="en-US" sz="2800" i="1">
-                            <a:latin typeface="Cambria Math" panose="02040503050406030204" pitchFamily="18" charset="0"/>
-                          </a:rPr>
-                        </m:ctrlPr>
-                      </m:dPr>
-                      <m:e>
-                        <m:m>
-                          <m:mPr>
-                            <m:plcHide m:val="on"/>
-                            <m:mcs>
-                              <m:mc>
-                                <m:mcPr>
-                                  <m:count m:val="3"/>
-                                  <m:mcJc m:val="center"/>
-                                </m:mcPr>
-                              </m:mc>
-                            </m:mcs>
-                            <m:ctrlPr>
-                              <a:rPr lang="en-US" sz="2800" i="1">
-                                <a:latin typeface="Cambria Math" panose="02040503050406030204" pitchFamily="18" charset="0"/>
-                              </a:rPr>
-                            </m:ctrlPr>
-                          </m:mPr>
-                          <m:mr>
-                            <m:e>
-                              <m:r>
-                                <a:rPr lang="en-US" sz="2800">
-                                  <a:latin typeface="Cambria Math" panose="02040503050406030204" pitchFamily="18" charset="0"/>
-                                </a:rPr>
-                                <m:t>1</m:t>
-                              </m:r>
-                              <m:r>
-                                <m:rPr>
-                                  <m:nor/>
-                                </m:rPr>
-                                <a:rPr lang="en-US" sz="2800" b="0" i="0" smtClean="0">
-                                  <a:latin typeface="Cambria Math" panose="02040503050406030204" pitchFamily="18" charset="0"/>
-                                </a:rPr>
-                                <m:t> </m:t>
-                              </m:r>
-                              <m:r>
-                                <m:rPr>
-                                  <m:nor/>
-                                </m:rPr>
-                                <a:rPr lang="en-US" sz="2800" dirty="0"/>
-                                <m:t>x</m:t>
-                              </m:r>
-                              <m:r>
-                                <m:rPr>
-                                  <m:nor/>
-                                </m:rPr>
-                                <a:rPr lang="en-US" sz="2800" dirty="0"/>
-                                <m:t> 2</m:t>
-                              </m:r>
-                            </m:e>
-                            <m:e>
-                              <m:r>
-                                <a:rPr lang="en-US" sz="2800">
-                                  <a:latin typeface="Cambria Math" panose="02040503050406030204" pitchFamily="18" charset="0"/>
-                                </a:rPr>
-                                <m:t>⋯</m:t>
-                              </m:r>
-                            </m:e>
-                            <m:e>
-                              <m:r>
-                                <a:rPr lang="en-US" sz="2800">
-                                  <a:latin typeface="Cambria Math" panose="02040503050406030204" pitchFamily="18" charset="0"/>
-                                </a:rPr>
-                                <m:t>2</m:t>
-                              </m:r>
-                              <m:r>
-                                <a:rPr lang="en-US" sz="2800" b="0" i="0" smtClean="0">
-                                  <a:latin typeface="Cambria Math" panose="02040503050406030204" pitchFamily="18" charset="0"/>
-                                </a:rPr>
-                                <m:t> </m:t>
-                              </m:r>
-                              <m:r>
-                                <m:rPr>
-                                  <m:nor/>
-                                </m:rPr>
-                                <a:rPr lang="en-US" sz="2800" dirty="0"/>
-                                <m:t>x</m:t>
-                              </m:r>
-                              <m:r>
-                                <m:rPr>
-                                  <m:nor/>
-                                </m:rPr>
-                                <a:rPr lang="en-US" sz="2800" dirty="0"/>
-                                <m:t> 2</m:t>
-                              </m:r>
-                            </m:e>
-                          </m:mr>
-                          <m:mr>
-                            <m:e>
-                              <m:r>
-                                <a:rPr lang="en-US" sz="2800">
-                                  <a:latin typeface="Cambria Math" panose="02040503050406030204" pitchFamily="18" charset="0"/>
-                                </a:rPr>
-                                <m:t>⋮</m:t>
-                              </m:r>
-                            </m:e>
-                            <m:e>
-                              <m:r>
-                                <a:rPr lang="en-US" sz="2800">
-                                  <a:latin typeface="Cambria Math" panose="02040503050406030204" pitchFamily="18" charset="0"/>
-                                </a:rPr>
-                                <m:t>⋱</m:t>
-                              </m:r>
-                            </m:e>
-                            <m:e>
-                              <m:r>
-                                <a:rPr lang="en-US" sz="2800">
-                                  <a:latin typeface="Cambria Math" panose="02040503050406030204" pitchFamily="18" charset="0"/>
-                                </a:rPr>
-                                <m:t>⋮</m:t>
-                              </m:r>
-                            </m:e>
-                          </m:mr>
-                          <m:mr>
-                            <m:e>
-                              <m:r>
-                                <a:rPr lang="en-US" sz="2800">
-                                  <a:latin typeface="Cambria Math" panose="02040503050406030204" pitchFamily="18" charset="0"/>
-                                </a:rPr>
-                                <m:t>4</m:t>
-                              </m:r>
-                              <m:r>
-                                <a:rPr lang="en-US" sz="2800" b="0" i="0" smtClean="0">
-                                  <a:latin typeface="Cambria Math" panose="02040503050406030204" pitchFamily="18" charset="0"/>
-                                </a:rPr>
-                                <m:t> </m:t>
-                              </m:r>
-                              <m:r>
-                                <m:rPr>
-                                  <m:nor/>
-                                </m:rPr>
-                                <a:rPr lang="en-US" sz="2800" dirty="0"/>
-                                <m:t>x</m:t>
-                              </m:r>
-                              <m:r>
-                                <m:rPr>
-                                  <m:nor/>
-                                </m:rPr>
-                                <a:rPr lang="en-US" sz="2800" dirty="0"/>
-                                <m:t> 2</m:t>
-                              </m:r>
-                            </m:e>
-                            <m:e>
-                              <m:r>
-                                <a:rPr lang="en-US" sz="2800">
-                                  <a:latin typeface="Cambria Math" panose="02040503050406030204" pitchFamily="18" charset="0"/>
-                                </a:rPr>
-                                <m:t>⋯</m:t>
-                              </m:r>
-                            </m:e>
-                            <m:e>
-                              <m:r>
-                                <a:rPr lang="en-US" sz="2800">
-                                  <a:latin typeface="Cambria Math" panose="02040503050406030204" pitchFamily="18" charset="0"/>
-                                </a:rPr>
-                                <m:t>3</m:t>
-                              </m:r>
-                              <m:r>
-                                <m:rPr>
-                                  <m:nor/>
-                                </m:rPr>
-                                <a:rPr lang="en-US" sz="2800" b="0" i="0" smtClean="0">
-                                  <a:latin typeface="Cambria Math" panose="02040503050406030204" pitchFamily="18" charset="0"/>
-                                </a:rPr>
-                                <m:t> </m:t>
-                              </m:r>
-                              <m:r>
-                                <m:rPr>
-                                  <m:nor/>
-                                </m:rPr>
-                                <a:rPr lang="en-US" sz="2800" dirty="0"/>
-                                <m:t>x</m:t>
-                              </m:r>
-                              <m:r>
-                                <m:rPr>
-                                  <m:nor/>
-                                </m:rPr>
-                                <a:rPr lang="en-US" sz="2800" dirty="0"/>
-                                <m:t> 2</m:t>
-                              </m:r>
-                            </m:e>
-                          </m:mr>
-                        </m:m>
-                      </m:e>
-                    </m:d>
-                  </m:oMath>
-                </a14:m>
-                <a:r>
-                  <a:rPr lang="en-US" sz="4000" dirty="0"/>
-                  <a:t>       =   </a:t>
-                </a:r>
-                <a14:m>
-                  <m:oMath xmlns:m="http://schemas.openxmlformats.org/officeDocument/2006/math">
-                    <m:d>
-                      <m:dPr>
-                        <m:begChr m:val="["/>
-                        <m:endChr m:val="]"/>
-                        <m:ctrlPr>
-                          <a:rPr lang="en-US" sz="2800" i="1">
-                            <a:latin typeface="Cambria Math" panose="02040503050406030204" pitchFamily="18" charset="0"/>
-                          </a:rPr>
-                        </m:ctrlPr>
-                      </m:dPr>
-                      <m:e>
-                        <m:m>
-                          <m:mPr>
-                            <m:plcHide m:val="on"/>
-                            <m:mcs>
-                              <m:mc>
-                                <m:mcPr>
-                                  <m:count m:val="3"/>
-                                  <m:mcJc m:val="center"/>
-                                </m:mcPr>
-                              </m:mc>
-                            </m:mcs>
-                            <m:ctrlPr>
-                              <a:rPr lang="en-US" sz="2800" i="1">
-                                <a:latin typeface="Cambria Math" panose="02040503050406030204" pitchFamily="18" charset="0"/>
-                              </a:rPr>
-                            </m:ctrlPr>
-                          </m:mPr>
-                          <m:mr>
-                            <m:e>
-                              <m:r>
-                                <a:rPr lang="en-US" sz="2800" b="0" i="0" smtClean="0">
-                                  <a:latin typeface="Cambria Math" panose="02040503050406030204" pitchFamily="18" charset="0"/>
-                                </a:rPr>
-                                <m:t>2</m:t>
-                              </m:r>
-                            </m:e>
-                            <m:e>
-                              <m:r>
-                                <a:rPr lang="en-US" sz="2800">
-                                  <a:latin typeface="Cambria Math" panose="02040503050406030204" pitchFamily="18" charset="0"/>
-                                </a:rPr>
-                                <m:t>⋯</m:t>
-                              </m:r>
-                            </m:e>
-                            <m:e>
-                              <m:r>
-                                <a:rPr lang="en-US" sz="2800" b="0" i="0" smtClean="0">
-                                  <a:latin typeface="Cambria Math" panose="02040503050406030204" pitchFamily="18" charset="0"/>
-                                </a:rPr>
-                                <m:t>4</m:t>
-                              </m:r>
-                            </m:e>
-                          </m:mr>
-                          <m:mr>
-                            <m:e>
-                              <m:r>
-                                <a:rPr lang="en-US" sz="2800">
-                                  <a:latin typeface="Cambria Math" panose="02040503050406030204" pitchFamily="18" charset="0"/>
-                                </a:rPr>
-                                <m:t>⋮</m:t>
-                              </m:r>
-                            </m:e>
-                            <m:e>
-                              <m:r>
-                                <a:rPr lang="en-US" sz="2800">
-                                  <a:latin typeface="Cambria Math" panose="02040503050406030204" pitchFamily="18" charset="0"/>
-                                </a:rPr>
-                                <m:t>⋱</m:t>
-                              </m:r>
-                            </m:e>
-                            <m:e>
-                              <m:r>
-                                <a:rPr lang="en-US" sz="2800">
-                                  <a:latin typeface="Cambria Math" panose="02040503050406030204" pitchFamily="18" charset="0"/>
-                                </a:rPr>
-                                <m:t>⋮</m:t>
-                              </m:r>
-                            </m:e>
-                          </m:mr>
-                          <m:mr>
-                            <m:e>
-                              <m:r>
-                                <a:rPr lang="en-US" sz="2800" b="0" i="0" smtClean="0">
-                                  <a:latin typeface="Cambria Math" panose="02040503050406030204" pitchFamily="18" charset="0"/>
-                                </a:rPr>
-                                <m:t>8</m:t>
-                              </m:r>
-                            </m:e>
-                            <m:e>
-                              <m:r>
-                                <a:rPr lang="en-US" sz="2800">
-                                  <a:latin typeface="Cambria Math" panose="02040503050406030204" pitchFamily="18" charset="0"/>
-                                </a:rPr>
-                                <m:t>⋯</m:t>
-                              </m:r>
-                            </m:e>
-                            <m:e>
-                              <m:r>
-                                <a:rPr lang="en-US" sz="2800" b="0" i="0" smtClean="0">
-                                  <a:latin typeface="Cambria Math" panose="02040503050406030204" pitchFamily="18" charset="0"/>
-                                </a:rPr>
-                                <m:t>6</m:t>
-                              </m:r>
-                            </m:e>
-                          </m:mr>
-                        </m:m>
-                      </m:e>
-                    </m:d>
-                  </m:oMath>
-                </a14:m>
-                <a:endParaRPr lang="en-US" sz="2800" dirty="0"/>
-              </a:p>
-            </p:txBody>
-          </p:sp>
-        </mc:Choice>
-        <mc:Fallback>
-          <p:sp>
-            <p:nvSpPr>
-              <p:cNvPr id="14" name="TextBox 13">
-                <a:extLst>
-                  <a:ext uri="{FF2B5EF4-FFF2-40B4-BE49-F238E27FC236}">
-                    <a16:creationId xmlns:a16="http://schemas.microsoft.com/office/drawing/2014/main" id="{5C65C887-D470-DAA2-E8B0-FD7B5F8CC7D7}"/>
-                  </a:ext>
-                </a:extLst>
-              </p:cNvPr>
-              <p:cNvSpPr txBox="1">
-                <a:spLocks noRot="1" noChangeAspect="1" noMove="1" noResize="1" noEditPoints="1" noAdjustHandles="1" noChangeArrowheads="1" noChangeShapeType="1" noTextEdit="1"/>
-              </p:cNvSpPr>
-              <p:nvPr/>
-            </p:nvSpPr>
-            <p:spPr>
-              <a:xfrm>
-                <a:off x="202913" y="2216548"/>
-                <a:ext cx="10040421" cy="1231747"/>
-              </a:xfrm>
-              <a:prstGeom prst="rect">
-                <a:avLst/>
-              </a:prstGeom>
-              <a:blipFill>
-                <a:blip r:embed="rId3"/>
-                <a:stretch>
-                  <a:fillRect/>
-                </a:stretch>
-              </a:blipFill>
-            </p:spPr>
-            <p:txBody>
-              <a:bodyPr/>
-              <a:lstStyle/>
-              <a:p>
-                <a:r>
-                  <a:rPr lang="en-US">
-                    <a:noFill/>
-                  </a:rPr>
-                  <a:t> </a:t>
-                </a:r>
-              </a:p>
-            </p:txBody>
-          </p:sp>
-        </mc:Fallback>
-      </mc:AlternateContent>
-      <mc:AlternateContent xmlns:mc="http://schemas.openxmlformats.org/markup-compatibility/2006">
-        <mc:Choice xmlns:a14="http://schemas.microsoft.com/office/drawing/2010/main" Requires="a14">
-          <p:sp>
-            <p:nvSpPr>
-              <p:cNvPr id="15" name="TextBox 14">
-                <a:extLst>
-                  <a:ext uri="{FF2B5EF4-FFF2-40B4-BE49-F238E27FC236}">
-                    <a16:creationId xmlns:a16="http://schemas.microsoft.com/office/drawing/2014/main" id="{AEADC1C3-DB48-CF12-E970-02311C1305B8}"/>
-                  </a:ext>
-                </a:extLst>
-              </p:cNvPr>
-              <p:cNvSpPr txBox="1"/>
-              <p:nvPr/>
-            </p:nvSpPr>
-            <p:spPr>
-              <a:xfrm>
-                <a:off x="202913" y="3756490"/>
-                <a:ext cx="10040421" cy="1231747"/>
-              </a:xfrm>
-              <a:prstGeom prst="rect">
-                <a:avLst/>
-              </a:prstGeom>
-              <a:noFill/>
-            </p:spPr>
-            <p:txBody>
-              <a:bodyPr wrap="square">
-                <a:spAutoFit/>
-              </a:bodyPr>
-              <a:lstStyle/>
-              <a:p>
-                <a14:m>
-                  <m:oMath xmlns:m="http://schemas.openxmlformats.org/officeDocument/2006/math">
-                    <m:d>
-                      <m:dPr>
-                        <m:begChr m:val="["/>
-                        <m:endChr m:val="]"/>
-                        <m:ctrlPr>
-                          <a:rPr lang="en-US" sz="2800" i="1" smtClean="0">
-                            <a:solidFill>
-                              <a:schemeClr val="tx1"/>
-                            </a:solidFill>
-                            <a:latin typeface="Cambria Math" panose="02040503050406030204" pitchFamily="18" charset="0"/>
-                          </a:rPr>
-                        </m:ctrlPr>
-                      </m:dPr>
-                      <m:e>
-                        <m:m>
-                          <m:mPr>
-                            <m:plcHide m:val="on"/>
-                            <m:mcs>
-                              <m:mc>
-                                <m:mcPr>
-                                  <m:count m:val="3"/>
-                                  <m:mcJc m:val="center"/>
-                                </m:mcPr>
-                              </m:mc>
-                            </m:mcs>
-                            <m:ctrlPr>
-                              <a:rPr lang="en-US" sz="2800" i="1">
-                                <a:solidFill>
-                                  <a:schemeClr val="tx1"/>
-                                </a:solidFill>
-                                <a:latin typeface="Cambria Math" panose="02040503050406030204" pitchFamily="18" charset="0"/>
-                              </a:rPr>
-                            </m:ctrlPr>
-                          </m:mPr>
-                          <m:mr>
-                            <m:e>
-                              <m:r>
-                                <a:rPr lang="en-US" sz="2800" b="0" i="0" smtClean="0">
-                                  <a:solidFill>
-                                    <a:schemeClr val="tx1"/>
-                                  </a:solidFill>
-                                  <a:latin typeface="Cambria Math" panose="02040503050406030204" pitchFamily="18" charset="0"/>
-                                </a:rPr>
-                                <m:t>1</m:t>
-                              </m:r>
-                            </m:e>
-                            <m:e>
-                              <m:r>
-                                <a:rPr lang="en-US" sz="2800" i="0">
-                                  <a:solidFill>
-                                    <a:schemeClr val="tx1"/>
-                                  </a:solidFill>
-                                  <a:latin typeface="Cambria Math" panose="02040503050406030204" pitchFamily="18" charset="0"/>
-                                </a:rPr>
-                                <m:t>⋯</m:t>
-                              </m:r>
-                            </m:e>
-                            <m:e>
-                              <m:r>
-                                <a:rPr lang="en-US" sz="2800" b="0" i="0" smtClean="0">
-                                  <a:solidFill>
-                                    <a:schemeClr val="tx1"/>
-                                  </a:solidFill>
-                                  <a:latin typeface="Cambria Math" panose="02040503050406030204" pitchFamily="18" charset="0"/>
-                                </a:rPr>
-                                <m:t>2</m:t>
-                              </m:r>
-                            </m:e>
-                          </m:mr>
-                          <m:mr>
-                            <m:e>
-                              <m:r>
-                                <a:rPr lang="en-US" sz="2800" i="0">
-                                  <a:solidFill>
-                                    <a:schemeClr val="tx1"/>
-                                  </a:solidFill>
-                                  <a:latin typeface="Cambria Math" panose="02040503050406030204" pitchFamily="18" charset="0"/>
-                                </a:rPr>
-                                <m:t>⋮</m:t>
-                              </m:r>
-                            </m:e>
-                            <m:e>
-                              <m:r>
-                                <a:rPr lang="en-US" sz="2800" i="0">
-                                  <a:solidFill>
-                                    <a:schemeClr val="tx1"/>
-                                  </a:solidFill>
-                                  <a:latin typeface="Cambria Math" panose="02040503050406030204" pitchFamily="18" charset="0"/>
-                                </a:rPr>
-                                <m:t>⋱</m:t>
-                              </m:r>
-                            </m:e>
-                            <m:e>
-                              <m:r>
-                                <a:rPr lang="en-US" sz="2800" i="0">
-                                  <a:solidFill>
-                                    <a:schemeClr val="tx1"/>
-                                  </a:solidFill>
-                                  <a:latin typeface="Cambria Math" panose="02040503050406030204" pitchFamily="18" charset="0"/>
-                                </a:rPr>
-                                <m:t>⋮</m:t>
-                              </m:r>
-                            </m:e>
-                          </m:mr>
-                          <m:mr>
-                            <m:e>
-                              <m:r>
-                                <a:rPr lang="en-US" sz="2800" b="0" i="0" smtClean="0">
-                                  <a:solidFill>
-                                    <a:schemeClr val="tx1"/>
-                                  </a:solidFill>
-                                  <a:latin typeface="Cambria Math" panose="02040503050406030204" pitchFamily="18" charset="0"/>
-                                </a:rPr>
-                                <m:t>4</m:t>
-                              </m:r>
-                            </m:e>
-                            <m:e>
-                              <m:r>
-                                <a:rPr lang="en-US" sz="2800" i="0">
-                                  <a:solidFill>
-                                    <a:schemeClr val="tx1"/>
-                                  </a:solidFill>
-                                  <a:latin typeface="Cambria Math" panose="02040503050406030204" pitchFamily="18" charset="0"/>
-                                </a:rPr>
-                                <m:t>⋯</m:t>
-                              </m:r>
-                            </m:e>
-                            <m:e>
-                              <m:r>
-                                <a:rPr lang="en-US" sz="2800" b="0" i="0" smtClean="0">
-                                  <a:solidFill>
-                                    <a:schemeClr val="tx1"/>
-                                  </a:solidFill>
-                                  <a:latin typeface="Cambria Math" panose="02040503050406030204" pitchFamily="18" charset="0"/>
-                                </a:rPr>
-                                <m:t>3</m:t>
-                              </m:r>
-                            </m:e>
-                          </m:mr>
-                        </m:m>
-                      </m:e>
-                    </m:d>
-                  </m:oMath>
-                </a14:m>
-                <a:r>
-                  <a:rPr lang="en-US" sz="2800" dirty="0">
-                    <a:solidFill>
-                      <a:schemeClr val="tx1"/>
-                    </a:solidFill>
-                  </a:rPr>
-                  <a:t> </a:t>
-                </a:r>
-                <a:r>
-                  <a:rPr lang="en-US" sz="4000" dirty="0">
-                    <a:solidFill>
-                      <a:schemeClr val="tx1"/>
-                    </a:solidFill>
-                  </a:rPr>
-                  <a:t>^</a:t>
-                </a:r>
-                <a:r>
-                  <a:rPr lang="en-US" sz="2800" dirty="0"/>
-                  <a:t>   2   </a:t>
-                </a:r>
-                <a:r>
-                  <a:rPr lang="en-US" sz="4000" dirty="0">
-                    <a:solidFill>
-                      <a:schemeClr val="tx1"/>
-                    </a:solidFill>
-                  </a:rPr>
-                  <a:t>=   </a:t>
-                </a:r>
-                <a14:m>
-                  <m:oMath xmlns:m="http://schemas.openxmlformats.org/officeDocument/2006/math">
-                    <m:d>
-                      <m:dPr>
-                        <m:begChr m:val="["/>
-                        <m:endChr m:val="]"/>
-                        <m:ctrlPr>
-                          <a:rPr lang="en-US" sz="2800" i="1">
-                            <a:latin typeface="Cambria Math" panose="02040503050406030204" pitchFamily="18" charset="0"/>
-                          </a:rPr>
-                        </m:ctrlPr>
-                      </m:dPr>
-                      <m:e>
-                        <m:m>
-                          <m:mPr>
-                            <m:plcHide m:val="on"/>
-                            <m:mcs>
-                              <m:mc>
-                                <m:mcPr>
-                                  <m:count m:val="3"/>
-                                  <m:mcJc m:val="center"/>
-                                </m:mcPr>
-                              </m:mc>
-                            </m:mcs>
-                            <m:ctrlPr>
-                              <a:rPr lang="en-US" sz="2800" i="1">
-                                <a:latin typeface="Cambria Math" panose="02040503050406030204" pitchFamily="18" charset="0"/>
-                              </a:rPr>
-                            </m:ctrlPr>
-                          </m:mPr>
-                          <m:mr>
-                            <m:e>
-                              <m:r>
-                                <a:rPr lang="en-US" sz="2800">
-                                  <a:latin typeface="Cambria Math" panose="02040503050406030204" pitchFamily="18" charset="0"/>
-                                </a:rPr>
-                                <m:t>1</m:t>
-                              </m:r>
-                              <m:r>
-                                <m:rPr>
-                                  <m:nor/>
-                                </m:rPr>
-                                <a:rPr lang="en-US" sz="2800" b="0" i="0" smtClean="0">
-                                  <a:latin typeface="Cambria Math" panose="02040503050406030204" pitchFamily="18" charset="0"/>
-                                </a:rPr>
-                                <m:t> ^</m:t>
-                              </m:r>
-                              <m:r>
-                                <m:rPr>
-                                  <m:nor/>
-                                </m:rPr>
-                                <a:rPr lang="en-US" sz="2800" dirty="0"/>
-                                <m:t> 2</m:t>
-                              </m:r>
-                            </m:e>
-                            <m:e>
-                              <m:r>
-                                <a:rPr lang="en-US" sz="2800">
-                                  <a:latin typeface="Cambria Math" panose="02040503050406030204" pitchFamily="18" charset="0"/>
-                                </a:rPr>
-                                <m:t>⋯</m:t>
-                              </m:r>
-                            </m:e>
-                            <m:e>
-                              <m:r>
-                                <a:rPr lang="en-US" sz="2800">
-                                  <a:latin typeface="Cambria Math" panose="02040503050406030204" pitchFamily="18" charset="0"/>
-                                </a:rPr>
-                                <m:t>2</m:t>
-                              </m:r>
-                              <m:r>
-                                <a:rPr lang="en-US" sz="2800" b="0" i="0" smtClean="0">
-                                  <a:latin typeface="Cambria Math" panose="02040503050406030204" pitchFamily="18" charset="0"/>
-                                </a:rPr>
-                                <m:t> </m:t>
-                              </m:r>
-                              <m:r>
-                                <m:rPr>
-                                  <m:nor/>
-                                </m:rPr>
-                                <a:rPr lang="en-US" sz="2800" b="0" i="0" dirty="0" smtClean="0"/>
-                                <m:t>^</m:t>
-                              </m:r>
-                              <m:r>
-                                <m:rPr>
-                                  <m:nor/>
-                                </m:rPr>
-                                <a:rPr lang="en-US" sz="2800" dirty="0"/>
-                                <m:t> 2</m:t>
-                              </m:r>
-                            </m:e>
-                          </m:mr>
-                          <m:mr>
-                            <m:e>
-                              <m:r>
-                                <a:rPr lang="en-US" sz="2800">
-                                  <a:latin typeface="Cambria Math" panose="02040503050406030204" pitchFamily="18" charset="0"/>
-                                </a:rPr>
-                                <m:t>⋮</m:t>
-                              </m:r>
-                            </m:e>
-                            <m:e>
-                              <m:r>
-                                <a:rPr lang="en-US" sz="2800">
-                                  <a:latin typeface="Cambria Math" panose="02040503050406030204" pitchFamily="18" charset="0"/>
-                                </a:rPr>
-                                <m:t>⋱</m:t>
-                              </m:r>
-                            </m:e>
-                            <m:e>
-                              <m:r>
-                                <a:rPr lang="en-US" sz="2800">
-                                  <a:latin typeface="Cambria Math" panose="02040503050406030204" pitchFamily="18" charset="0"/>
-                                </a:rPr>
-                                <m:t>⋮</m:t>
-                              </m:r>
-                            </m:e>
-                          </m:mr>
-                          <m:mr>
-                            <m:e>
-                              <m:r>
-                                <a:rPr lang="en-US" sz="2800">
-                                  <a:latin typeface="Cambria Math" panose="02040503050406030204" pitchFamily="18" charset="0"/>
-                                </a:rPr>
-                                <m:t>4</m:t>
-                              </m:r>
-                              <m:r>
-                                <a:rPr lang="en-US" sz="2800" b="0" i="0" smtClean="0">
-                                  <a:latin typeface="Cambria Math" panose="02040503050406030204" pitchFamily="18" charset="0"/>
-                                </a:rPr>
-                                <m:t> </m:t>
-                              </m:r>
-                              <m:r>
-                                <m:rPr>
-                                  <m:nor/>
-                                </m:rPr>
-                                <a:rPr lang="en-US" sz="2800" b="0" i="0" dirty="0" smtClean="0"/>
-                                <m:t>^</m:t>
-                              </m:r>
-                              <m:r>
-                                <m:rPr>
-                                  <m:nor/>
-                                </m:rPr>
-                                <a:rPr lang="en-US" sz="2800" dirty="0"/>
-                                <m:t> 2</m:t>
-                              </m:r>
-                            </m:e>
-                            <m:e>
-                              <m:r>
-                                <a:rPr lang="en-US" sz="2800">
-                                  <a:latin typeface="Cambria Math" panose="02040503050406030204" pitchFamily="18" charset="0"/>
-                                </a:rPr>
-                                <m:t>⋯</m:t>
-                              </m:r>
-                            </m:e>
-                            <m:e>
-                              <m:r>
-                                <a:rPr lang="en-US" sz="2800">
-                                  <a:latin typeface="Cambria Math" panose="02040503050406030204" pitchFamily="18" charset="0"/>
-                                </a:rPr>
-                                <m:t>3</m:t>
-                              </m:r>
-                              <m:r>
-                                <m:rPr>
-                                  <m:nor/>
-                                </m:rPr>
-                                <a:rPr lang="en-US" sz="2800" b="0" i="0" smtClean="0">
-                                  <a:latin typeface="Cambria Math" panose="02040503050406030204" pitchFamily="18" charset="0"/>
-                                </a:rPr>
-                                <m:t> </m:t>
-                              </m:r>
-                              <m:r>
-                                <m:rPr>
-                                  <m:nor/>
-                                </m:rPr>
-                                <a:rPr lang="en-US" sz="2800" b="0" i="0" dirty="0" smtClean="0"/>
-                                <m:t>^</m:t>
-                              </m:r>
-                              <m:r>
-                                <m:rPr>
-                                  <m:nor/>
-                                </m:rPr>
-                                <a:rPr lang="en-US" sz="2800" dirty="0"/>
-                                <m:t> 2</m:t>
-                              </m:r>
-                            </m:e>
-                          </m:mr>
-                        </m:m>
-                      </m:e>
-                    </m:d>
-                  </m:oMath>
-                </a14:m>
-                <a:r>
-                  <a:rPr lang="en-US" sz="4000" dirty="0"/>
-                  <a:t>      =   </a:t>
-                </a:r>
-                <a14:m>
-                  <m:oMath xmlns:m="http://schemas.openxmlformats.org/officeDocument/2006/math">
-                    <m:d>
-                      <m:dPr>
-                        <m:begChr m:val="["/>
-                        <m:endChr m:val="]"/>
-                        <m:ctrlPr>
-                          <a:rPr lang="en-US" sz="2800" i="1">
-                            <a:latin typeface="Cambria Math" panose="02040503050406030204" pitchFamily="18" charset="0"/>
-                          </a:rPr>
-                        </m:ctrlPr>
-                      </m:dPr>
-                      <m:e>
-                        <m:m>
-                          <m:mPr>
-                            <m:plcHide m:val="on"/>
-                            <m:mcs>
-                              <m:mc>
-                                <m:mcPr>
-                                  <m:count m:val="3"/>
-                                  <m:mcJc m:val="center"/>
-                                </m:mcPr>
-                              </m:mc>
-                            </m:mcs>
-                            <m:ctrlPr>
-                              <a:rPr lang="en-US" sz="2800" i="1">
-                                <a:latin typeface="Cambria Math" panose="02040503050406030204" pitchFamily="18" charset="0"/>
-                              </a:rPr>
-                            </m:ctrlPr>
-                          </m:mPr>
-                          <m:mr>
-                            <m:e>
-                              <m:r>
-                                <a:rPr lang="en-US" sz="2800" b="0" i="0" smtClean="0">
-                                  <a:latin typeface="Cambria Math" panose="02040503050406030204" pitchFamily="18" charset="0"/>
-                                </a:rPr>
-                                <m:t>2</m:t>
-                              </m:r>
-                            </m:e>
-                            <m:e>
-                              <m:r>
-                                <a:rPr lang="en-US" sz="2800">
-                                  <a:latin typeface="Cambria Math" panose="02040503050406030204" pitchFamily="18" charset="0"/>
-                                </a:rPr>
-                                <m:t>⋯</m:t>
-                              </m:r>
-                            </m:e>
-                            <m:e>
-                              <m:r>
-                                <a:rPr lang="en-US" sz="2800" b="0" i="0" smtClean="0">
-                                  <a:latin typeface="Cambria Math" panose="02040503050406030204" pitchFamily="18" charset="0"/>
-                                </a:rPr>
-                                <m:t>4</m:t>
-                              </m:r>
-                            </m:e>
-                          </m:mr>
-                          <m:mr>
-                            <m:e>
-                              <m:r>
-                                <a:rPr lang="en-US" sz="2800">
-                                  <a:latin typeface="Cambria Math" panose="02040503050406030204" pitchFamily="18" charset="0"/>
-                                </a:rPr>
-                                <m:t>⋮</m:t>
-                              </m:r>
-                            </m:e>
-                            <m:e>
-                              <m:r>
-                                <a:rPr lang="en-US" sz="2800">
-                                  <a:latin typeface="Cambria Math" panose="02040503050406030204" pitchFamily="18" charset="0"/>
-                                </a:rPr>
-                                <m:t>⋱</m:t>
-                              </m:r>
-                            </m:e>
-                            <m:e>
-                              <m:r>
-                                <a:rPr lang="en-US" sz="2800">
-                                  <a:latin typeface="Cambria Math" panose="02040503050406030204" pitchFamily="18" charset="0"/>
-                                </a:rPr>
-                                <m:t>⋮</m:t>
-                              </m:r>
-                            </m:e>
-                          </m:mr>
-                          <m:mr>
-                            <m:e>
-                              <m:r>
-                                <a:rPr lang="en-US" sz="2800" b="0" i="0" smtClean="0">
-                                  <a:latin typeface="Cambria Math" panose="02040503050406030204" pitchFamily="18" charset="0"/>
-                                </a:rPr>
-                                <m:t>1</m:t>
-                              </m:r>
-                              <m:r>
-                                <a:rPr lang="en-US" sz="2800" b="0" i="1" smtClean="0">
-                                  <a:latin typeface="Cambria Math" panose="02040503050406030204" pitchFamily="18" charset="0"/>
-                                </a:rPr>
-                                <m:t>6</m:t>
-                              </m:r>
-                            </m:e>
-                            <m:e>
-                              <m:r>
-                                <a:rPr lang="en-US" sz="2800">
-                                  <a:latin typeface="Cambria Math" panose="02040503050406030204" pitchFamily="18" charset="0"/>
-                                </a:rPr>
-                                <m:t>⋯</m:t>
-                              </m:r>
-                            </m:e>
-                            <m:e>
-                              <m:r>
-                                <a:rPr lang="en-US" sz="2800" b="0" i="0" smtClean="0">
-                                  <a:latin typeface="Cambria Math" panose="02040503050406030204" pitchFamily="18" charset="0"/>
-                                </a:rPr>
-                                <m:t>9</m:t>
-                              </m:r>
-                            </m:e>
-                          </m:mr>
-                        </m:m>
-                      </m:e>
-                    </m:d>
-                  </m:oMath>
-                </a14:m>
-                <a:endParaRPr lang="en-US" sz="2800" dirty="0"/>
-              </a:p>
-            </p:txBody>
-          </p:sp>
-        </mc:Choice>
-        <mc:Fallback>
-          <p:sp>
-            <p:nvSpPr>
-              <p:cNvPr id="15" name="TextBox 14">
-                <a:extLst>
-                  <a:ext uri="{FF2B5EF4-FFF2-40B4-BE49-F238E27FC236}">
-                    <a16:creationId xmlns:a16="http://schemas.microsoft.com/office/drawing/2014/main" id="{AEADC1C3-DB48-CF12-E970-02311C1305B8}"/>
-                  </a:ext>
-                </a:extLst>
-              </p:cNvPr>
-              <p:cNvSpPr txBox="1">
-                <a:spLocks noRot="1" noChangeAspect="1" noMove="1" noResize="1" noEditPoints="1" noAdjustHandles="1" noChangeArrowheads="1" noChangeShapeType="1" noTextEdit="1"/>
-              </p:cNvSpPr>
-              <p:nvPr/>
-            </p:nvSpPr>
-            <p:spPr>
-              <a:xfrm>
-                <a:off x="202913" y="3756490"/>
-                <a:ext cx="10040421" cy="1231747"/>
-              </a:xfrm>
-              <a:prstGeom prst="rect">
-                <a:avLst/>
-              </a:prstGeom>
-              <a:blipFill>
-                <a:blip r:embed="rId4"/>
-                <a:stretch>
-                  <a:fillRect/>
-                </a:stretch>
-              </a:blipFill>
-            </p:spPr>
-            <p:txBody>
-              <a:bodyPr/>
-              <a:lstStyle/>
-              <a:p>
-                <a:r>
-                  <a:rPr lang="en-US">
-                    <a:noFill/>
-                  </a:rPr>
-                  <a:t> </a:t>
-                </a:r>
-              </a:p>
-            </p:txBody>
-          </p:sp>
-        </mc:Fallback>
-      </mc:AlternateContent>
-      <mc:AlternateContent xmlns:mc="http://schemas.openxmlformats.org/markup-compatibility/2006">
-        <mc:Choice xmlns:a14="http://schemas.microsoft.com/office/drawing/2010/main" Requires="a14">
-          <p:sp>
-            <p:nvSpPr>
-              <p:cNvPr id="23" name="TextBox 22">
-                <a:extLst>
-                  <a:ext uri="{FF2B5EF4-FFF2-40B4-BE49-F238E27FC236}">
-                    <a16:creationId xmlns:a16="http://schemas.microsoft.com/office/drawing/2014/main" id="{3496E5D2-802C-9A7B-1A0B-65C559AA0888}"/>
-                  </a:ext>
-                </a:extLst>
-              </p:cNvPr>
-              <p:cNvSpPr txBox="1"/>
-              <p:nvPr/>
-            </p:nvSpPr>
-            <p:spPr>
-              <a:xfrm>
-                <a:off x="226886" y="5426306"/>
-                <a:ext cx="8898703" cy="1850763"/>
-              </a:xfrm>
-              <a:prstGeom prst="rect">
-                <a:avLst/>
-              </a:prstGeom>
-              <a:noFill/>
-            </p:spPr>
-            <p:txBody>
-              <a:bodyPr wrap="square">
-                <a:spAutoFit/>
-              </a:bodyPr>
-              <a:lstStyle/>
-              <a:p>
-                <a:pPr/>
-                <a14:m>
-                  <m:oMathPara xmlns:m="http://schemas.openxmlformats.org/officeDocument/2006/math">
-                    <m:oMathParaPr>
-                      <m:jc m:val="left"/>
-                    </m:oMathParaPr>
-                    <m:oMath xmlns:m="http://schemas.openxmlformats.org/officeDocument/2006/math">
-                      <m:d>
-                        <m:dPr>
-                          <m:begChr m:val="["/>
-                          <m:endChr m:val="]"/>
-                          <m:ctrlPr>
-                            <a:rPr lang="en-US" sz="2800" i="1" smtClean="0">
-                              <a:solidFill>
-                                <a:schemeClr val="tx1"/>
-                              </a:solidFill>
-                              <a:latin typeface="Cambria Math" panose="02040503050406030204" pitchFamily="18" charset="0"/>
-                            </a:rPr>
-                          </m:ctrlPr>
-                        </m:dPr>
-                        <m:e>
-                          <m:m>
-                            <m:mPr>
-                              <m:plcHide m:val="on"/>
-                              <m:mcs>
-                                <m:mc>
-                                  <m:mcPr>
-                                    <m:count m:val="3"/>
-                                    <m:mcJc m:val="center"/>
-                                  </m:mcPr>
-                                </m:mc>
-                              </m:mcs>
-                              <m:ctrlPr>
-                                <a:rPr lang="en-US" sz="2800" i="1">
-                                  <a:solidFill>
-                                    <a:schemeClr val="tx1"/>
-                                  </a:solidFill>
-                                  <a:latin typeface="Cambria Math" panose="02040503050406030204" pitchFamily="18" charset="0"/>
-                                </a:rPr>
-                              </m:ctrlPr>
-                            </m:mPr>
-                            <m:mr>
-                              <m:e>
-                                <m:r>
-                                  <a:rPr lang="en-US" sz="2800" b="0" i="0" smtClean="0">
-                                    <a:solidFill>
-                                      <a:schemeClr val="tx1"/>
-                                    </a:solidFill>
-                                    <a:latin typeface="Cambria Math" panose="02040503050406030204" pitchFamily="18" charset="0"/>
-                                  </a:rPr>
-                                  <m:t>1</m:t>
-                                </m:r>
-                              </m:e>
-                              <m:e>
-                                <m:r>
-                                  <a:rPr lang="en-US" sz="2800" i="0">
-                                    <a:solidFill>
-                                      <a:schemeClr val="tx1"/>
-                                    </a:solidFill>
-                                    <a:latin typeface="Cambria Math" panose="02040503050406030204" pitchFamily="18" charset="0"/>
-                                  </a:rPr>
-                                  <m:t>⋯</m:t>
-                                </m:r>
-                              </m:e>
-                              <m:e>
-                                <m:r>
-                                  <a:rPr lang="en-US" sz="2800" b="0" i="0" smtClean="0">
-                                    <a:solidFill>
-                                      <a:schemeClr val="tx1"/>
-                                    </a:solidFill>
-                                    <a:latin typeface="Cambria Math" panose="02040503050406030204" pitchFamily="18" charset="0"/>
-                                  </a:rPr>
-                                  <m:t>2</m:t>
-                                </m:r>
-                              </m:e>
-                            </m:mr>
-                            <m:mr>
-                              <m:e>
-                                <m:r>
-                                  <a:rPr lang="en-US" sz="2800" i="0">
-                                    <a:solidFill>
-                                      <a:schemeClr val="tx1"/>
-                                    </a:solidFill>
-                                    <a:latin typeface="Cambria Math" panose="02040503050406030204" pitchFamily="18" charset="0"/>
-                                  </a:rPr>
-                                  <m:t>⋮</m:t>
-                                </m:r>
-                              </m:e>
-                              <m:e>
-                                <m:r>
-                                  <a:rPr lang="en-US" sz="2800" i="0">
-                                    <a:solidFill>
-                                      <a:schemeClr val="tx1"/>
-                                    </a:solidFill>
-                                    <a:latin typeface="Cambria Math" panose="02040503050406030204" pitchFamily="18" charset="0"/>
-                                  </a:rPr>
-                                  <m:t>⋱</m:t>
-                                </m:r>
-                              </m:e>
-                              <m:e>
-                                <m:r>
-                                  <a:rPr lang="en-US" sz="2800" i="0">
-                                    <a:solidFill>
-                                      <a:schemeClr val="tx1"/>
-                                    </a:solidFill>
-                                    <a:latin typeface="Cambria Math" panose="02040503050406030204" pitchFamily="18" charset="0"/>
-                                  </a:rPr>
-                                  <m:t>⋮</m:t>
-                                </m:r>
-                              </m:e>
-                            </m:mr>
-                            <m:mr>
-                              <m:e>
-                                <m:r>
-                                  <a:rPr lang="en-US" sz="2800" b="0" i="0" smtClean="0">
-                                    <a:solidFill>
-                                      <a:schemeClr val="tx1"/>
-                                    </a:solidFill>
-                                    <a:latin typeface="Cambria Math" panose="02040503050406030204" pitchFamily="18" charset="0"/>
-                                  </a:rPr>
-                                  <m:t>4</m:t>
-                                </m:r>
-                              </m:e>
-                              <m:e>
-                                <m:r>
-                                  <a:rPr lang="en-US" sz="2800" i="0">
-                                    <a:solidFill>
-                                      <a:schemeClr val="tx1"/>
-                                    </a:solidFill>
-                                    <a:latin typeface="Cambria Math" panose="02040503050406030204" pitchFamily="18" charset="0"/>
-                                  </a:rPr>
-                                  <m:t>⋯</m:t>
-                                </m:r>
-                              </m:e>
-                              <m:e>
-                                <m:r>
-                                  <a:rPr lang="en-US" sz="2800" b="0" i="0" smtClean="0">
-                                    <a:solidFill>
-                                      <a:schemeClr val="tx1"/>
-                                    </a:solidFill>
-                                    <a:latin typeface="Cambria Math" panose="02040503050406030204" pitchFamily="18" charset="0"/>
-                                  </a:rPr>
-                                  <m:t>3</m:t>
-                                </m:r>
-                              </m:e>
-                            </m:mr>
-                          </m:m>
-                        </m:e>
-                      </m:d>
-                      <m:r>
-                        <a:rPr lang="en-US" sz="2800" b="0" i="0" smtClean="0">
-                          <a:solidFill>
-                            <a:schemeClr val="tx1"/>
-                          </a:solidFill>
-                          <a:latin typeface="Cambria Math" panose="02040503050406030204" pitchFamily="18" charset="0"/>
-                        </a:rPr>
-                        <m:t>&gt;3=</m:t>
-                      </m:r>
-                      <m:d>
-                        <m:dPr>
-                          <m:begChr m:val="["/>
-                          <m:endChr m:val="]"/>
-                          <m:ctrlPr>
-                            <a:rPr lang="en-US" sz="2800" i="1">
-                              <a:latin typeface="Cambria Math" panose="02040503050406030204" pitchFamily="18" charset="0"/>
-                            </a:rPr>
-                          </m:ctrlPr>
-                        </m:dPr>
-                        <m:e>
-                          <m:m>
-                            <m:mPr>
-                              <m:plcHide m:val="on"/>
-                              <m:mcs>
-                                <m:mc>
-                                  <m:mcPr>
-                                    <m:count m:val="3"/>
-                                    <m:mcJc m:val="center"/>
-                                  </m:mcPr>
-                                </m:mc>
-                              </m:mcs>
-                              <m:ctrlPr>
-                                <a:rPr lang="en-US" sz="2800" i="1">
-                                  <a:latin typeface="Cambria Math" panose="02040503050406030204" pitchFamily="18" charset="0"/>
-                                </a:rPr>
-                              </m:ctrlPr>
-                            </m:mPr>
-                            <m:mr>
-                              <m:e>
-                                <m:r>
-                                  <a:rPr lang="en-US" sz="2800">
-                                    <a:latin typeface="Cambria Math" panose="02040503050406030204" pitchFamily="18" charset="0"/>
-                                  </a:rPr>
-                                  <m:t>1</m:t>
-                                </m:r>
-                                <m:r>
-                                  <a:rPr lang="en-US" sz="2800" b="0" i="0" smtClean="0">
-                                    <a:latin typeface="Cambria Math" panose="02040503050406030204" pitchFamily="18" charset="0"/>
-                                  </a:rPr>
-                                  <m:t>&gt;3</m:t>
-                                </m:r>
-                              </m:e>
-                              <m:e>
-                                <m:r>
-                                  <a:rPr lang="en-US" sz="2800">
-                                    <a:latin typeface="Cambria Math" panose="02040503050406030204" pitchFamily="18" charset="0"/>
-                                  </a:rPr>
-                                  <m:t>⋯</m:t>
-                                </m:r>
-                              </m:e>
-                              <m:e>
-                                <m:r>
-                                  <a:rPr lang="en-US" sz="2800">
-                                    <a:latin typeface="Cambria Math" panose="02040503050406030204" pitchFamily="18" charset="0"/>
-                                  </a:rPr>
-                                  <m:t>2</m:t>
-                                </m:r>
-                                <m:r>
-                                  <a:rPr lang="en-US" sz="2800" b="0" i="0" smtClean="0">
-                                    <a:latin typeface="Cambria Math" panose="02040503050406030204" pitchFamily="18" charset="0"/>
-                                  </a:rPr>
-                                  <m:t>&gt;3</m:t>
-                                </m:r>
-                              </m:e>
-                            </m:mr>
-                            <m:mr>
-                              <m:e>
-                                <m:r>
-                                  <a:rPr lang="en-US" sz="2800">
-                                    <a:latin typeface="Cambria Math" panose="02040503050406030204" pitchFamily="18" charset="0"/>
-                                  </a:rPr>
-                                  <m:t>⋮</m:t>
-                                </m:r>
-                              </m:e>
-                              <m:e>
-                                <m:r>
-                                  <a:rPr lang="en-US" sz="2800">
-                                    <a:latin typeface="Cambria Math" panose="02040503050406030204" pitchFamily="18" charset="0"/>
-                                  </a:rPr>
-                                  <m:t>⋱</m:t>
-                                </m:r>
-                              </m:e>
-                              <m:e>
-                                <m:r>
-                                  <a:rPr lang="en-US" sz="2800">
-                                    <a:latin typeface="Cambria Math" panose="02040503050406030204" pitchFamily="18" charset="0"/>
-                                  </a:rPr>
-                                  <m:t>⋮</m:t>
-                                </m:r>
-                              </m:e>
-                            </m:mr>
-                            <m:mr>
-                              <m:e>
-                                <m:r>
-                                  <a:rPr lang="en-US" sz="2800">
-                                    <a:latin typeface="Cambria Math" panose="02040503050406030204" pitchFamily="18" charset="0"/>
-                                  </a:rPr>
-                                  <m:t>4</m:t>
-                                </m:r>
-                                <m:r>
-                                  <a:rPr lang="en-US" sz="2800" b="0" i="0" smtClean="0">
-                                    <a:latin typeface="Cambria Math" panose="02040503050406030204" pitchFamily="18" charset="0"/>
-                                  </a:rPr>
-                                  <m:t>&gt;3</m:t>
-                                </m:r>
-                              </m:e>
-                              <m:e>
-                                <m:r>
-                                  <a:rPr lang="en-US" sz="2800">
-                                    <a:latin typeface="Cambria Math" panose="02040503050406030204" pitchFamily="18" charset="0"/>
-                                  </a:rPr>
-                                  <m:t>⋯</m:t>
-                                </m:r>
-                              </m:e>
-                              <m:e>
-                                <m:r>
-                                  <a:rPr lang="en-US" sz="2800">
-                                    <a:latin typeface="Cambria Math" panose="02040503050406030204" pitchFamily="18" charset="0"/>
-                                  </a:rPr>
-                                  <m:t>3</m:t>
-                                </m:r>
-                                <m:r>
-                                  <a:rPr lang="en-US" sz="2800" b="0" i="0" smtClean="0">
-                                    <a:latin typeface="Cambria Math" panose="02040503050406030204" pitchFamily="18" charset="0"/>
-                                  </a:rPr>
-                                  <m:t>&gt;3</m:t>
-                                </m:r>
-                              </m:e>
-                            </m:mr>
-                          </m:m>
-                        </m:e>
-                      </m:d>
-                      <m:r>
-                        <a:rPr lang="en-US" sz="2800">
-                          <a:latin typeface="Cambria Math" panose="02040503050406030204" pitchFamily="18" charset="0"/>
-                        </a:rPr>
-                        <m:t>=</m:t>
-                      </m:r>
-                      <m:d>
-                        <m:dPr>
-                          <m:begChr m:val="["/>
-                          <m:endChr m:val="]"/>
-                          <m:ctrlPr>
-                            <a:rPr lang="en-US" sz="2800" i="1">
-                              <a:latin typeface="Cambria Math" panose="02040503050406030204" pitchFamily="18" charset="0"/>
-                            </a:rPr>
-                          </m:ctrlPr>
-                        </m:dPr>
-                        <m:e>
-                          <m:m>
-                            <m:mPr>
-                              <m:plcHide m:val="on"/>
-                              <m:mcs>
-                                <m:mc>
-                                  <m:mcPr>
-                                    <m:count m:val="3"/>
-                                    <m:mcJc m:val="center"/>
-                                  </m:mcPr>
-                                </m:mc>
-                              </m:mcs>
-                              <m:ctrlPr>
-                                <a:rPr lang="en-US" sz="2800" i="1">
-                                  <a:latin typeface="Cambria Math" panose="02040503050406030204" pitchFamily="18" charset="0"/>
-                                </a:rPr>
-                              </m:ctrlPr>
-                            </m:mPr>
-                            <m:mr>
-                              <m:e>
-                                <m:r>
-                                  <a:rPr lang="en-US" sz="2800" b="0" i="0" smtClean="0">
-                                    <a:latin typeface="Cambria Math" panose="02040503050406030204" pitchFamily="18" charset="0"/>
-                                  </a:rPr>
-                                  <m:t>0</m:t>
-                                </m:r>
-                              </m:e>
-                              <m:e>
-                                <m:r>
-                                  <a:rPr lang="en-US" sz="2800">
-                                    <a:latin typeface="Cambria Math" panose="02040503050406030204" pitchFamily="18" charset="0"/>
-                                  </a:rPr>
-                                  <m:t>⋯</m:t>
-                                </m:r>
-                              </m:e>
-                              <m:e>
-                                <m:r>
-                                  <a:rPr lang="en-US" sz="2800" b="0" i="0" smtClean="0">
-                                    <a:latin typeface="Cambria Math" panose="02040503050406030204" pitchFamily="18" charset="0"/>
-                                  </a:rPr>
-                                  <m:t>0</m:t>
-                                </m:r>
-                              </m:e>
-                            </m:mr>
-                            <m:mr>
-                              <m:e>
-                                <m:r>
-                                  <a:rPr lang="en-US" sz="2800">
-                                    <a:latin typeface="Cambria Math" panose="02040503050406030204" pitchFamily="18" charset="0"/>
-                                  </a:rPr>
-                                  <m:t>⋮</m:t>
-                                </m:r>
-                              </m:e>
-                              <m:e>
-                                <m:r>
-                                  <a:rPr lang="en-US" sz="2800">
-                                    <a:latin typeface="Cambria Math" panose="02040503050406030204" pitchFamily="18" charset="0"/>
-                                  </a:rPr>
-                                  <m:t>⋱</m:t>
-                                </m:r>
-                              </m:e>
-                              <m:e>
-                                <m:r>
-                                  <a:rPr lang="en-US" sz="2800">
-                                    <a:latin typeface="Cambria Math" panose="02040503050406030204" pitchFamily="18" charset="0"/>
-                                  </a:rPr>
-                                  <m:t>⋮</m:t>
-                                </m:r>
-                              </m:e>
-                            </m:mr>
-                            <m:mr>
-                              <m:e>
-                                <m:r>
-                                  <a:rPr lang="en-US" sz="2800" b="0" i="0" smtClean="0">
-                                    <a:latin typeface="Cambria Math" panose="02040503050406030204" pitchFamily="18" charset="0"/>
-                                  </a:rPr>
-                                  <m:t>1</m:t>
-                                </m:r>
-                              </m:e>
-                              <m:e>
-                                <m:r>
-                                  <a:rPr lang="en-US" sz="2800">
-                                    <a:latin typeface="Cambria Math" panose="02040503050406030204" pitchFamily="18" charset="0"/>
-                                  </a:rPr>
-                                  <m:t>⋯</m:t>
-                                </m:r>
-                              </m:e>
-                              <m:e>
-                                <m:r>
-                                  <a:rPr lang="en-US" sz="2800" b="0" i="0" smtClean="0">
-                                    <a:latin typeface="Cambria Math" panose="02040503050406030204" pitchFamily="18" charset="0"/>
-                                  </a:rPr>
-                                  <m:t>0</m:t>
-                                </m:r>
-                              </m:e>
-                            </m:mr>
-                          </m:m>
-                        </m:e>
-                      </m:d>
-                    </m:oMath>
-                  </m:oMathPara>
-                </a14:m>
-                <a:endParaRPr lang="en-US" sz="2800" b="0" dirty="0"/>
-              </a:p>
-              <a:p>
-                <a:r>
-                  <a:rPr lang="en-US" sz="2000" dirty="0"/>
-                  <a:t>                                                                                                                         </a:t>
-                </a:r>
-                <a:br>
-                  <a:rPr lang="en-US" sz="2000" dirty="0"/>
-                </a:br>
-                <a:r>
-                  <a:rPr lang="en-US" sz="2000" dirty="0"/>
-                  <a:t>                                                                                                                        1=TRUE; 0= FALSE</a:t>
-                </a:r>
-              </a:p>
-            </p:txBody>
-          </p:sp>
-        </mc:Choice>
-        <mc:Fallback>
-          <p:sp>
-            <p:nvSpPr>
-              <p:cNvPr id="23" name="TextBox 22">
-                <a:extLst>
-                  <a:ext uri="{FF2B5EF4-FFF2-40B4-BE49-F238E27FC236}">
-                    <a16:creationId xmlns:a16="http://schemas.microsoft.com/office/drawing/2014/main" id="{3496E5D2-802C-9A7B-1A0B-65C559AA0888}"/>
-                  </a:ext>
-                </a:extLst>
-              </p:cNvPr>
-              <p:cNvSpPr txBox="1">
-                <a:spLocks noRot="1" noChangeAspect="1" noMove="1" noResize="1" noEditPoints="1" noAdjustHandles="1" noChangeArrowheads="1" noChangeShapeType="1" noTextEdit="1"/>
-              </p:cNvSpPr>
-              <p:nvPr/>
-            </p:nvSpPr>
-            <p:spPr>
-              <a:xfrm>
-                <a:off x="226886" y="5426306"/>
-                <a:ext cx="8898703" cy="1850763"/>
-              </a:xfrm>
-              <a:prstGeom prst="rect">
-                <a:avLst/>
-              </a:prstGeom>
-              <a:blipFill>
-                <a:blip r:embed="rId5"/>
-                <a:stretch>
-                  <a:fillRect b="-4934"/>
-                </a:stretch>
-              </a:blipFill>
-            </p:spPr>
-            <p:txBody>
-              <a:bodyPr/>
-              <a:lstStyle/>
-              <a:p>
-                <a:r>
-                  <a:rPr lang="en-US">
-                    <a:noFill/>
-                  </a:rPr>
-                  <a:t> </a:t>
-                </a:r>
-              </a:p>
-            </p:txBody>
-          </p:sp>
-        </mc:Fallback>
-      </mc:AlternateContent>
-      <p:pic>
-        <p:nvPicPr>
-          <p:cNvPr id="1026" name="Picture 2" descr="Image result for always GIF">
-            <a:extLst>
-              <a:ext uri="{FF2B5EF4-FFF2-40B4-BE49-F238E27FC236}">
-                <a16:creationId xmlns:a16="http://schemas.microsoft.com/office/drawing/2014/main" id="{8B199BF9-E99E-C6BE-355E-2399C0840F97}"/>
-              </a:ext>
-            </a:extLst>
-          </p:cNvPr>
-          <p:cNvPicPr>
-            <a:picLocks noChangeAspect="1" noChangeArrowheads="1"/>
-          </p:cNvPicPr>
-          <p:nvPr/>
-        </p:nvPicPr>
-        <p:blipFill>
-          <a:blip r:embed="rId6">
-            <a:extLst>
-              <a:ext uri="{28A0092B-C50C-407E-A947-70E740481C1C}">
-                <a14:useLocalDpi xmlns:a14="http://schemas.microsoft.com/office/drawing/2010/main" val="0"/>
-              </a:ext>
-            </a:extLst>
-          </a:blip>
-          <a:srcRect/>
-          <a:stretch>
-            <a:fillRect/>
-          </a:stretch>
-        </p:blipFill>
-        <p:spPr bwMode="auto">
-          <a:xfrm>
-            <a:off x="10475362" y="609475"/>
-            <a:ext cx="1804078" cy="1804078"/>
-          </a:xfrm>
-          <a:prstGeom prst="rect">
-            <a:avLst/>
-          </a:prstGeom>
-          <a:noFill/>
-          <a:extLst>
-            <a:ext uri="{909E8E84-426E-40DD-AFC4-6F175D3DCCD1}">
-              <a14:hiddenFill xmlns:a14="http://schemas.microsoft.com/office/drawing/2010/main">
-                <a:solidFill>
-                  <a:srgbClr val="FFFFFF"/>
-                </a:solidFill>
-              </a14:hiddenFill>
-            </a:ext>
-          </a:extLst>
-        </p:spPr>
-      </p:pic>
-      <p:sp>
-        <p:nvSpPr>
-          <p:cNvPr id="25" name="TextBox 24">
-            <a:extLst>
-              <a:ext uri="{FF2B5EF4-FFF2-40B4-BE49-F238E27FC236}">
-                <a16:creationId xmlns:a16="http://schemas.microsoft.com/office/drawing/2014/main" id="{734C83C3-AAB1-BE3E-7164-FE1477E3A63B}"/>
-              </a:ext>
-            </a:extLst>
-          </p:cNvPr>
-          <p:cNvSpPr txBox="1"/>
-          <p:nvPr/>
-        </p:nvSpPr>
-        <p:spPr>
-          <a:xfrm>
-            <a:off x="336478" y="199947"/>
-            <a:ext cx="6097712" cy="369332"/>
-          </a:xfrm>
-          <a:prstGeom prst="rect">
-            <a:avLst/>
-          </a:prstGeom>
-          <a:noFill/>
-        </p:spPr>
-        <p:txBody>
-          <a:bodyPr wrap="square">
-            <a:spAutoFit/>
-          </a:bodyPr>
-          <a:lstStyle/>
-          <a:p>
-            <a:r>
-              <a:rPr lang="en-US" dirty="0"/>
-              <a:t>All operations are executed at grid level </a:t>
-            </a:r>
-          </a:p>
-        </p:txBody>
-      </p:sp>
-    </p:spTree>
-    <p:extLst>
-      <p:ext uri="{BB962C8B-B14F-4D97-AF65-F5344CB8AC3E}">
-        <p14:creationId xmlns:p14="http://schemas.microsoft.com/office/powerpoint/2010/main" val="3913206283"/>
       </p:ext>
     </p:extLst>
   </p:cSld>

--- a/plots.pptx
+++ b/plots.pptx
@@ -125,7 +125,7 @@
 <file path=ppt/revisionInfo.xml><?xml version="1.0" encoding="utf-8"?>
 <p1510:revInfo xmlns:a="http://schemas.openxmlformats.org/drawingml/2006/main" xmlns:r="http://schemas.openxmlformats.org/officeDocument/2006/relationships" xmlns:p1510="http://schemas.microsoft.com/office/powerpoint/2015/10/main">
   <p1510:revLst>
-    <p1510:client id="{26AAD9E8-4C42-4DE7-94A5-14A70A065374}" v="652" dt="2024-02-20T19:22:10.145"/>
+    <p1510:client id="{26AAD9E8-4C42-4DE7-94A5-14A70A065374}" v="660" dt="2024-02-21T13:36:30.477"/>
   </p1510:revLst>
 </p1510:revInfo>
 </file>
@@ -134,8 +134,8 @@
 <pc:chgInfo xmlns:a="http://schemas.openxmlformats.org/drawingml/2006/main" xmlns:r="http://schemas.openxmlformats.org/officeDocument/2006/relationships" xmlns:ac="http://schemas.microsoft.com/office/drawing/2013/main/command" xmlns:pc="http://schemas.microsoft.com/office/powerpoint/2013/main/command">
   <pc:docChgLst>
     <pc:chgData name="Sehgal, Vinit" userId="ef721694-8436-4df6-8b9b-be9691359d6c" providerId="ADAL" clId="{26AAD9E8-4C42-4DE7-94A5-14A70A065374}"/>
-    <pc:docChg chg="undo custSel addSld modSld">
-      <pc:chgData name="Sehgal, Vinit" userId="ef721694-8436-4df6-8b9b-be9691359d6c" providerId="ADAL" clId="{26AAD9E8-4C42-4DE7-94A5-14A70A065374}" dt="2024-02-20T22:45:14.953" v="2780" actId="22"/>
+    <pc:docChg chg="undo redo custSel addSld modSld">
+      <pc:chgData name="Sehgal, Vinit" userId="ef721694-8436-4df6-8b9b-be9691359d6c" providerId="ADAL" clId="{26AAD9E8-4C42-4DE7-94A5-14A70A065374}" dt="2024-02-21T13:36:30.477" v="3407" actId="478"/>
       <pc:docMkLst>
         <pc:docMk/>
       </pc:docMkLst>
@@ -986,7 +986,7 @@
         </pc:spChg>
       </pc:sldChg>
       <pc:sldChg chg="addSp delSp modSp new mod">
-        <pc:chgData name="Sehgal, Vinit" userId="ef721694-8436-4df6-8b9b-be9691359d6c" providerId="ADAL" clId="{26AAD9E8-4C42-4DE7-94A5-14A70A065374}" dt="2024-02-20T19:22:12.364" v="2774" actId="21"/>
+        <pc:chgData name="Sehgal, Vinit" userId="ef721694-8436-4df6-8b9b-be9691359d6c" providerId="ADAL" clId="{26AAD9E8-4C42-4DE7-94A5-14A70A065374}" dt="2024-02-21T13:36:30.477" v="3407" actId="478"/>
         <pc:sldMkLst>
           <pc:docMk/>
           <pc:sldMk cId="3913206283" sldId="258"/>
@@ -1159,8 +1159,8 @@
             <ac:picMk id="20" creationId="{4674EE0D-BB38-9586-610C-66F18BE7C534}"/>
           </ac:picMkLst>
         </pc:picChg>
-        <pc:picChg chg="add mod">
-          <ac:chgData name="Sehgal, Vinit" userId="ef721694-8436-4df6-8b9b-be9691359d6c" providerId="ADAL" clId="{26AAD9E8-4C42-4DE7-94A5-14A70A065374}" dt="2024-02-18T20:05:14.292" v="1862" actId="1076"/>
+        <pc:picChg chg="add del mod">
+          <ac:chgData name="Sehgal, Vinit" userId="ef721694-8436-4df6-8b9b-be9691359d6c" providerId="ADAL" clId="{26AAD9E8-4C42-4DE7-94A5-14A70A065374}" dt="2024-02-21T13:36:30.477" v="3407" actId="478"/>
           <ac:picMkLst>
             <pc:docMk/>
             <pc:sldMk cId="3913206283" sldId="258"/>
@@ -1777,8 +1777,8 @@
           </ac:picMkLst>
         </pc:picChg>
       </pc:sldChg>
-      <pc:sldChg chg="addSp delSp new mod">
-        <pc:chgData name="Sehgal, Vinit" userId="ef721694-8436-4df6-8b9b-be9691359d6c" providerId="ADAL" clId="{26AAD9E8-4C42-4DE7-94A5-14A70A065374}" dt="2024-02-20T22:45:14.953" v="2780" actId="22"/>
+      <pc:sldChg chg="addSp delSp modSp new mod">
+        <pc:chgData name="Sehgal, Vinit" userId="ef721694-8436-4df6-8b9b-be9691359d6c" providerId="ADAL" clId="{26AAD9E8-4C42-4DE7-94A5-14A70A065374}" dt="2024-02-21T12:37:08.681" v="3406" actId="207"/>
         <pc:sldMkLst>
           <pc:docMk/>
           <pc:sldMk cId="538476958" sldId="266"/>
@@ -1791,6 +1791,14 @@
             <ac:spMk id="2" creationId="{14ACCF9B-CE5A-54F2-96E4-A24CF34CC97D}"/>
           </ac:spMkLst>
         </pc:spChg>
+        <pc:spChg chg="add mod">
+          <ac:chgData name="Sehgal, Vinit" userId="ef721694-8436-4df6-8b9b-be9691359d6c" providerId="ADAL" clId="{26AAD9E8-4C42-4DE7-94A5-14A70A065374}" dt="2024-02-21T12:37:08.681" v="3406" actId="207"/>
+          <ac:spMkLst>
+            <pc:docMk/>
+            <pc:sldMk cId="538476958" sldId="266"/>
+            <ac:spMk id="2" creationId="{EDC989B7-DE32-76F1-AA9D-91C298612DE1}"/>
+          </ac:spMkLst>
+        </pc:spChg>
         <pc:spChg chg="del">
           <ac:chgData name="Sehgal, Vinit" userId="ef721694-8436-4df6-8b9b-be9691359d6c" providerId="ADAL" clId="{26AAD9E8-4C42-4DE7-94A5-14A70A065374}" dt="2024-02-20T22:45:09.312" v="2776" actId="478"/>
           <ac:spMkLst>
@@ -1815,6 +1823,126 @@
             <ac:spMk id="7" creationId="{5BAAC996-4B45-1844-63E0-8B4F4A756ADB}"/>
           </ac:spMkLst>
         </pc:spChg>
+        <pc:spChg chg="add del mod">
+          <ac:chgData name="Sehgal, Vinit" userId="ef721694-8436-4df6-8b9b-be9691359d6c" providerId="ADAL" clId="{26AAD9E8-4C42-4DE7-94A5-14A70A065374}" dt="2024-02-21T12:24:09.057" v="3094" actId="478"/>
+          <ac:spMkLst>
+            <pc:docMk/>
+            <pc:sldMk cId="538476958" sldId="266"/>
+            <ac:spMk id="7" creationId="{6F8EA74F-4E0F-F3D0-32DC-C7109259932B}"/>
+          </ac:spMkLst>
+        </pc:spChg>
+        <pc:spChg chg="add del">
+          <ac:chgData name="Sehgal, Vinit" userId="ef721694-8436-4df6-8b9b-be9691359d6c" providerId="ADAL" clId="{26AAD9E8-4C42-4DE7-94A5-14A70A065374}" dt="2024-02-21T12:24:29.323" v="3098" actId="22"/>
+          <ac:spMkLst>
+            <pc:docMk/>
+            <pc:sldMk cId="538476958" sldId="266"/>
+            <ac:spMk id="11" creationId="{5DD197B8-D048-AFC9-DDD7-C00CA2BB1827}"/>
+          </ac:spMkLst>
+        </pc:spChg>
+        <pc:spChg chg="add mod">
+          <ac:chgData name="Sehgal, Vinit" userId="ef721694-8436-4df6-8b9b-be9691359d6c" providerId="ADAL" clId="{26AAD9E8-4C42-4DE7-94A5-14A70A065374}" dt="2024-02-21T12:29:19.469" v="3333" actId="1076"/>
+          <ac:spMkLst>
+            <pc:docMk/>
+            <pc:sldMk cId="538476958" sldId="266"/>
+            <ac:spMk id="13" creationId="{0BCC967F-6541-9805-4250-4BA47DC9A9C5}"/>
+          </ac:spMkLst>
+        </pc:spChg>
+        <pc:spChg chg="add mod">
+          <ac:chgData name="Sehgal, Vinit" userId="ef721694-8436-4df6-8b9b-be9691359d6c" providerId="ADAL" clId="{26AAD9E8-4C42-4DE7-94A5-14A70A065374}" dt="2024-02-21T12:29:19.469" v="3333" actId="1076"/>
+          <ac:spMkLst>
+            <pc:docMk/>
+            <pc:sldMk cId="538476958" sldId="266"/>
+            <ac:spMk id="15" creationId="{3F90897A-41CE-C08C-B08B-F14E50F88995}"/>
+          </ac:spMkLst>
+        </pc:spChg>
+        <pc:spChg chg="add mod">
+          <ac:chgData name="Sehgal, Vinit" userId="ef721694-8436-4df6-8b9b-be9691359d6c" providerId="ADAL" clId="{26AAD9E8-4C42-4DE7-94A5-14A70A065374}" dt="2024-02-21T12:31:12.919" v="3365" actId="1076"/>
+          <ac:spMkLst>
+            <pc:docMk/>
+            <pc:sldMk cId="538476958" sldId="266"/>
+            <ac:spMk id="17" creationId="{2137D7D3-1C8F-34A6-796E-401809407C0A}"/>
+          </ac:spMkLst>
+        </pc:spChg>
+        <pc:spChg chg="add mod">
+          <ac:chgData name="Sehgal, Vinit" userId="ef721694-8436-4df6-8b9b-be9691359d6c" providerId="ADAL" clId="{26AAD9E8-4C42-4DE7-94A5-14A70A065374}" dt="2024-02-21T12:33:14.107" v="3390" actId="693"/>
+          <ac:spMkLst>
+            <pc:docMk/>
+            <pc:sldMk cId="538476958" sldId="266"/>
+            <ac:spMk id="18" creationId="{AF10E00A-5397-AEDE-4442-186375F741A3}"/>
+          </ac:spMkLst>
+        </pc:spChg>
+        <pc:spChg chg="add mod">
+          <ac:chgData name="Sehgal, Vinit" userId="ef721694-8436-4df6-8b9b-be9691359d6c" providerId="ADAL" clId="{26AAD9E8-4C42-4DE7-94A5-14A70A065374}" dt="2024-02-21T12:31:05.478" v="3363" actId="1076"/>
+          <ac:spMkLst>
+            <pc:docMk/>
+            <pc:sldMk cId="538476958" sldId="266"/>
+            <ac:spMk id="19" creationId="{58757881-C686-6C67-EAF5-2D4E62F557E4}"/>
+          </ac:spMkLst>
+        </pc:spChg>
+        <pc:spChg chg="add del mod">
+          <ac:chgData name="Sehgal, Vinit" userId="ef721694-8436-4df6-8b9b-be9691359d6c" providerId="ADAL" clId="{26AAD9E8-4C42-4DE7-94A5-14A70A065374}" dt="2024-02-21T12:36:33.968" v="3403" actId="478"/>
+          <ac:spMkLst>
+            <pc:docMk/>
+            <pc:sldMk cId="538476958" sldId="266"/>
+            <ac:spMk id="39" creationId="{9A5EBA2A-F2C7-C555-1787-2546CCF9A2D3}"/>
+          </ac:spMkLst>
+        </pc:spChg>
+        <pc:cxnChg chg="add del">
+          <ac:chgData name="Sehgal, Vinit" userId="ef721694-8436-4df6-8b9b-be9691359d6c" providerId="ADAL" clId="{26AAD9E8-4C42-4DE7-94A5-14A70A065374}" dt="2024-02-21T12:23:40.686" v="3089" actId="478"/>
+          <ac:cxnSpMkLst>
+            <pc:docMk/>
+            <pc:sldMk cId="538476958" sldId="266"/>
+            <ac:cxnSpMk id="4" creationId="{5572683F-644B-4B07-3118-FE9A8FDE7B59}"/>
+          </ac:cxnSpMkLst>
+        </pc:cxnChg>
+        <pc:cxnChg chg="add del">
+          <ac:chgData name="Sehgal, Vinit" userId="ef721694-8436-4df6-8b9b-be9691359d6c" providerId="ADAL" clId="{26AAD9E8-4C42-4DE7-94A5-14A70A065374}" dt="2024-02-21T12:23:49.228" v="3091" actId="478"/>
+          <ac:cxnSpMkLst>
+            <pc:docMk/>
+            <pc:sldMk cId="538476958" sldId="266"/>
+            <ac:cxnSpMk id="6" creationId="{21C4E913-AC22-EFE7-E051-5123B43DCCC9}"/>
+          </ac:cxnSpMkLst>
+        </pc:cxnChg>
+        <pc:cxnChg chg="add mod">
+          <ac:chgData name="Sehgal, Vinit" userId="ef721694-8436-4df6-8b9b-be9691359d6c" providerId="ADAL" clId="{26AAD9E8-4C42-4DE7-94A5-14A70A065374}" dt="2024-02-21T12:29:19.469" v="3333" actId="1076"/>
+          <ac:cxnSpMkLst>
+            <pc:docMk/>
+            <pc:sldMk cId="538476958" sldId="266"/>
+            <ac:cxnSpMk id="9" creationId="{BEF4ECEC-6969-17FF-5CC1-3E553AE8AB7A}"/>
+          </ac:cxnSpMkLst>
+        </pc:cxnChg>
+        <pc:cxnChg chg="add mod">
+          <ac:chgData name="Sehgal, Vinit" userId="ef721694-8436-4df6-8b9b-be9691359d6c" providerId="ADAL" clId="{26AAD9E8-4C42-4DE7-94A5-14A70A065374}" dt="2024-02-21T12:29:19.469" v="3333" actId="1076"/>
+          <ac:cxnSpMkLst>
+            <pc:docMk/>
+            <pc:sldMk cId="538476958" sldId="266"/>
+            <ac:cxnSpMk id="14" creationId="{CB6781B9-2522-FAC9-B897-52A7F847EA23}"/>
+          </ac:cxnSpMkLst>
+        </pc:cxnChg>
+        <pc:cxnChg chg="add del mod">
+          <ac:chgData name="Sehgal, Vinit" userId="ef721694-8436-4df6-8b9b-be9691359d6c" providerId="ADAL" clId="{26AAD9E8-4C42-4DE7-94A5-14A70A065374}" dt="2024-02-21T12:26:44.058" v="3241" actId="478"/>
+          <ac:cxnSpMkLst>
+            <pc:docMk/>
+            <pc:sldMk cId="538476958" sldId="266"/>
+            <ac:cxnSpMk id="16" creationId="{AB69A2B0-BB27-D849-D5A9-A3CD7CCE2D5C}"/>
+          </ac:cxnSpMkLst>
+        </pc:cxnChg>
+        <pc:cxnChg chg="add del mod">
+          <ac:chgData name="Sehgal, Vinit" userId="ef721694-8436-4df6-8b9b-be9691359d6c" providerId="ADAL" clId="{26AAD9E8-4C42-4DE7-94A5-14A70A065374}" dt="2024-02-21T12:29:27.840" v="3337" actId="478"/>
+          <ac:cxnSpMkLst>
+            <pc:docMk/>
+            <pc:sldMk cId="538476958" sldId="266"/>
+            <ac:cxnSpMk id="20" creationId="{46342955-D33A-4BFC-B402-4AD97010FF05}"/>
+          </ac:cxnSpMkLst>
+        </pc:cxnChg>
+        <pc:cxnChg chg="add mod">
+          <ac:chgData name="Sehgal, Vinit" userId="ef721694-8436-4df6-8b9b-be9691359d6c" providerId="ADAL" clId="{26AAD9E8-4C42-4DE7-94A5-14A70A065374}" dt="2024-02-21T12:31:28.073" v="3368" actId="14100"/>
+          <ac:cxnSpMkLst>
+            <pc:docMk/>
+            <pc:sldMk cId="538476958" sldId="266"/>
+            <ac:cxnSpMk id="23" creationId="{69D2FE0C-D604-FA7F-1603-7111EFBDDEE7}"/>
+          </ac:cxnSpMkLst>
+        </pc:cxnChg>
       </pc:sldChg>
     </pc:docChg>
   </pc:docChgLst>
@@ -1968,7 +2096,7 @@
           <a:p>
             <a:fld id="{BE439EB3-F077-416F-BE9D-E5A16F54A2DF}" type="datetimeFigureOut">
               <a:rPr lang="en-US" smtClean="0"/>
-              <a:t>2/20/2024</a:t>
+              <a:t>2/21/2024</a:t>
             </a:fld>
             <a:endParaRPr lang="en-US" dirty="0"/>
           </a:p>
@@ -2166,7 +2294,7 @@
           <a:p>
             <a:fld id="{BE439EB3-F077-416F-BE9D-E5A16F54A2DF}" type="datetimeFigureOut">
               <a:rPr lang="en-US" smtClean="0"/>
-              <a:t>2/20/2024</a:t>
+              <a:t>2/21/2024</a:t>
             </a:fld>
             <a:endParaRPr lang="en-US" dirty="0"/>
           </a:p>
@@ -2374,7 +2502,7 @@
           <a:p>
             <a:fld id="{BE439EB3-F077-416F-BE9D-E5A16F54A2DF}" type="datetimeFigureOut">
               <a:rPr lang="en-US" smtClean="0"/>
-              <a:t>2/20/2024</a:t>
+              <a:t>2/21/2024</a:t>
             </a:fld>
             <a:endParaRPr lang="en-US" dirty="0"/>
           </a:p>
@@ -2572,7 +2700,7 @@
           <a:p>
             <a:fld id="{BE439EB3-F077-416F-BE9D-E5A16F54A2DF}" type="datetimeFigureOut">
               <a:rPr lang="en-US" smtClean="0"/>
-              <a:t>2/20/2024</a:t>
+              <a:t>2/21/2024</a:t>
             </a:fld>
             <a:endParaRPr lang="en-US" dirty="0"/>
           </a:p>
@@ -2847,7 +2975,7 @@
           <a:p>
             <a:fld id="{BE439EB3-F077-416F-BE9D-E5A16F54A2DF}" type="datetimeFigureOut">
               <a:rPr lang="en-US" smtClean="0"/>
-              <a:t>2/20/2024</a:t>
+              <a:t>2/21/2024</a:t>
             </a:fld>
             <a:endParaRPr lang="en-US" dirty="0"/>
           </a:p>
@@ -3112,7 +3240,7 @@
           <a:p>
             <a:fld id="{BE439EB3-F077-416F-BE9D-E5A16F54A2DF}" type="datetimeFigureOut">
               <a:rPr lang="en-US" smtClean="0"/>
-              <a:t>2/20/2024</a:t>
+              <a:t>2/21/2024</a:t>
             </a:fld>
             <a:endParaRPr lang="en-US" dirty="0"/>
           </a:p>
@@ -3524,7 +3652,7 @@
           <a:p>
             <a:fld id="{BE439EB3-F077-416F-BE9D-E5A16F54A2DF}" type="datetimeFigureOut">
               <a:rPr lang="en-US" smtClean="0"/>
-              <a:t>2/20/2024</a:t>
+              <a:t>2/21/2024</a:t>
             </a:fld>
             <a:endParaRPr lang="en-US" dirty="0"/>
           </a:p>
@@ -3665,7 +3793,7 @@
           <a:p>
             <a:fld id="{BE439EB3-F077-416F-BE9D-E5A16F54A2DF}" type="datetimeFigureOut">
               <a:rPr lang="en-US" smtClean="0"/>
-              <a:t>2/20/2024</a:t>
+              <a:t>2/21/2024</a:t>
             </a:fld>
             <a:endParaRPr lang="en-US" dirty="0"/>
           </a:p>
@@ -3778,7 +3906,7 @@
           <a:p>
             <a:fld id="{BE439EB3-F077-416F-BE9D-E5A16F54A2DF}" type="datetimeFigureOut">
               <a:rPr lang="en-US" smtClean="0"/>
-              <a:t>2/20/2024</a:t>
+              <a:t>2/21/2024</a:t>
             </a:fld>
             <a:endParaRPr lang="en-US" dirty="0"/>
           </a:p>
@@ -4089,7 +4217,7 @@
           <a:p>
             <a:fld id="{BE439EB3-F077-416F-BE9D-E5A16F54A2DF}" type="datetimeFigureOut">
               <a:rPr lang="en-US" smtClean="0"/>
-              <a:t>2/20/2024</a:t>
+              <a:t>2/21/2024</a:t>
             </a:fld>
             <a:endParaRPr lang="en-US" dirty="0"/>
           </a:p>
@@ -4377,7 +4505,7 @@
           <a:p>
             <a:fld id="{BE439EB3-F077-416F-BE9D-E5A16F54A2DF}" type="datetimeFigureOut">
               <a:rPr lang="en-US" smtClean="0"/>
-              <a:t>2/20/2024</a:t>
+              <a:t>2/21/2024</a:t>
             </a:fld>
             <a:endParaRPr lang="en-US" dirty="0"/>
           </a:p>
@@ -4618,7 +4746,7 @@
           <a:p>
             <a:fld id="{BE439EB3-F077-416F-BE9D-E5A16F54A2DF}" type="datetimeFigureOut">
               <a:rPr lang="en-US" smtClean="0"/>
-              <a:t>2/20/2024</a:t>
+              <a:t>2/21/2024</a:t>
             </a:fld>
             <a:endParaRPr lang="en-US" dirty="0"/>
           </a:p>
@@ -9666,53 +9794,6 @@
           </p:sp>
         </mc:Fallback>
       </mc:AlternateContent>
-      <p:pic>
-        <p:nvPicPr>
-          <p:cNvPr id="1026" name="Picture 2" descr="Image result for always GIF">
-            <a:extLst>
-              <a:ext uri="{FF2B5EF4-FFF2-40B4-BE49-F238E27FC236}">
-                <a16:creationId xmlns:a16="http://schemas.microsoft.com/office/drawing/2014/main" id="{8B199BF9-E99E-C6BE-355E-2399C0840F97}"/>
-              </a:ext>
-            </a:extLst>
-          </p:cNvPr>
-          <p:cNvPicPr>
-            <a:picLocks noChangeAspect="1" noChangeArrowheads="1"/>
-          </p:cNvPicPr>
-          <p:nvPr/>
-        </p:nvPicPr>
-        <p:blipFill>
-          <a:blip r:embed="rId6">
-            <a:extLst>
-              <a:ext uri="{28A0092B-C50C-407E-A947-70E740481C1C}">
-                <a14:useLocalDpi xmlns:a14="http://schemas.microsoft.com/office/drawing/2010/main" val="0"/>
-              </a:ext>
-            </a:extLst>
-          </a:blip>
-          <a:srcRect/>
-          <a:stretch>
-            <a:fillRect/>
-          </a:stretch>
-        </p:blipFill>
-        <p:spPr bwMode="auto">
-          <a:xfrm>
-            <a:off x="10475362" y="609475"/>
-            <a:ext cx="1804078" cy="1804078"/>
-          </a:xfrm>
-          <a:prstGeom prst="rect">
-            <a:avLst/>
-          </a:prstGeom>
-          <a:noFill/>
-          <a:extLst>
-            <a:ext uri="{909E8E84-426E-40DD-AFC4-6F175D3DCCD1}">
-              <a14:hiddenFill xmlns:a14="http://schemas.microsoft.com/office/drawing/2010/main">
-                <a:solidFill>
-                  <a:srgbClr val="FFFFFF"/>
-                </a:solidFill>
-              </a14:hiddenFill>
-            </a:ext>
-          </a:extLst>
-        </p:spPr>
-      </p:pic>
       <p:sp>
         <p:nvSpPr>
           <p:cNvPr id="25" name="TextBox 24">
@@ -11917,6 +11998,753 @@
           <a:chExt cx="0" cy="0"/>
         </a:xfrm>
       </p:grpSpPr>
+      <p:sp>
+        <p:nvSpPr>
+          <p:cNvPr id="2" name="TextBox 1">
+            <a:extLst>
+              <a:ext uri="{FF2B5EF4-FFF2-40B4-BE49-F238E27FC236}">
+                <a16:creationId xmlns:a16="http://schemas.microsoft.com/office/drawing/2014/main" id="{EDC989B7-DE32-76F1-AA9D-91C298612DE1}"/>
+              </a:ext>
+            </a:extLst>
+          </p:cNvPr>
+          <p:cNvSpPr txBox="1"/>
+          <p:nvPr/>
+        </p:nvSpPr>
+        <p:spPr>
+          <a:xfrm>
+            <a:off x="807868" y="870011"/>
+            <a:ext cx="5965794" cy="4247317"/>
+          </a:xfrm>
+          <a:prstGeom prst="rect">
+            <a:avLst/>
+          </a:prstGeom>
+          <a:solidFill>
+            <a:schemeClr val="bg1">
+              <a:lumMod val="95000"/>
+            </a:schemeClr>
+          </a:solidFill>
+        </p:spPr>
+        <p:txBody>
+          <a:bodyPr wrap="square" rtlCol="0">
+            <a:spAutoFit/>
+          </a:bodyPr>
+          <a:lstStyle/>
+          <a:p>
+            <a:r>
+              <a:rPr lang="en-US" dirty="0">
+                <a:latin typeface="Avenir Next LT Pro" panose="020B0504020202020204" pitchFamily="34" charset="0"/>
+                <a:ea typeface="CMU Bright" panose="02000603000000000000" pitchFamily="2" charset="0"/>
+                <a:cs typeface="CMU Bright" panose="02000603000000000000" pitchFamily="2" charset="0"/>
+              </a:rPr>
+              <a:t>How to define a function: </a:t>
+            </a:r>
+            <a:endParaRPr lang="en-US" dirty="0">
+              <a:solidFill>
+                <a:srgbClr val="002060"/>
+              </a:solidFill>
+              <a:latin typeface="Avenir Next LT Pro" panose="020B0504020202020204" pitchFamily="34" charset="0"/>
+              <a:ea typeface="CMU Bright" panose="02000603000000000000" pitchFamily="2" charset="0"/>
+              <a:cs typeface="CMU Bright" panose="02000603000000000000" pitchFamily="2" charset="0"/>
+            </a:endParaRPr>
+          </a:p>
+          <a:p>
+            <a:pPr lvl="1"/>
+            <a:br>
+              <a:rPr lang="en-US" dirty="0">
+                <a:solidFill>
+                  <a:srgbClr val="002060"/>
+                </a:solidFill>
+                <a:latin typeface="Avenir Next LT Pro" panose="020B0504020202020204" pitchFamily="34" charset="0"/>
+                <a:ea typeface="CMU Bright" panose="02000603000000000000" pitchFamily="2" charset="0"/>
+                <a:cs typeface="CMU Bright" panose="02000603000000000000" pitchFamily="2" charset="0"/>
+              </a:rPr>
+            </a:br>
+            <a:r>
+              <a:rPr lang="en-US" b="1" dirty="0">
+                <a:solidFill>
+                  <a:srgbClr val="002060"/>
+                </a:solidFill>
+                <a:latin typeface="Avenir Next LT Pro" panose="020B0504020202020204" pitchFamily="34" charset="0"/>
+                <a:ea typeface="CMU Bright" panose="02000603000000000000" pitchFamily="2" charset="0"/>
+                <a:cs typeface="CMU Bright" panose="02000603000000000000" pitchFamily="2" charset="0"/>
+              </a:rPr>
+              <a:t>function_name</a:t>
+            </a:r>
+            <a:r>
+              <a:rPr lang="en-US" dirty="0">
+                <a:latin typeface="Avenir Next LT Pro" panose="020B0504020202020204" pitchFamily="34" charset="0"/>
+                <a:ea typeface="CMU Bright" panose="02000603000000000000" pitchFamily="2" charset="0"/>
+                <a:cs typeface="CMU Bright" panose="02000603000000000000" pitchFamily="2" charset="0"/>
+              </a:rPr>
+              <a:t>= function (</a:t>
+            </a:r>
+            <a:r>
+              <a:rPr lang="en-US" i="1" dirty="0">
+                <a:solidFill>
+                  <a:schemeClr val="accent5">
+                    <a:lumMod val="75000"/>
+                  </a:schemeClr>
+                </a:solidFill>
+                <a:latin typeface="Avenir Next LT Pro" panose="020B0504020202020204" pitchFamily="34" charset="0"/>
+                <a:ea typeface="CMU Bright" panose="02000603000000000000" pitchFamily="2" charset="0"/>
+                <a:cs typeface="CMU Bright" panose="02000603000000000000" pitchFamily="2" charset="0"/>
+              </a:rPr>
+              <a:t>variable</a:t>
+            </a:r>
+            <a:r>
+              <a:rPr lang="en-US" dirty="0">
+                <a:latin typeface="Avenir Next LT Pro" panose="020B0504020202020204" pitchFamily="34" charset="0"/>
+                <a:ea typeface="CMU Bright" panose="02000603000000000000" pitchFamily="2" charset="0"/>
+                <a:cs typeface="CMU Bright" panose="02000603000000000000" pitchFamily="2" charset="0"/>
+              </a:rPr>
+              <a:t>, </a:t>
+            </a:r>
+            <a:r>
+              <a:rPr lang="en-US" i="1" dirty="0">
+                <a:solidFill>
+                  <a:schemeClr val="accent5">
+                    <a:lumMod val="75000"/>
+                  </a:schemeClr>
+                </a:solidFill>
+                <a:latin typeface="Avenir Next LT Pro" panose="020B0504020202020204" pitchFamily="34" charset="0"/>
+                <a:ea typeface="CMU Bright" panose="02000603000000000000" pitchFamily="2" charset="0"/>
+                <a:cs typeface="CMU Bright" panose="02000603000000000000" pitchFamily="2" charset="0"/>
+              </a:rPr>
+              <a:t>argument</a:t>
+            </a:r>
+            <a:r>
+              <a:rPr lang="en-US" dirty="0">
+                <a:latin typeface="Avenir Next LT Pro" panose="020B0504020202020204" pitchFamily="34" charset="0"/>
+                <a:ea typeface="CMU Bright" panose="02000603000000000000" pitchFamily="2" charset="0"/>
+                <a:cs typeface="CMU Bright" panose="02000603000000000000" pitchFamily="2" charset="0"/>
+              </a:rPr>
+              <a:t>) </a:t>
+            </a:r>
+            <a:r>
+              <a:rPr lang="en-US" b="1" dirty="0">
+                <a:solidFill>
+                  <a:srgbClr val="C00000"/>
+                </a:solidFill>
+                <a:latin typeface="Avenir Next LT Pro" panose="020B0504020202020204" pitchFamily="34" charset="0"/>
+                <a:ea typeface="CMU Bright" panose="02000603000000000000" pitchFamily="2" charset="0"/>
+                <a:cs typeface="CMU Bright" panose="02000603000000000000" pitchFamily="2" charset="0"/>
+              </a:rPr>
+              <a:t>{</a:t>
+            </a:r>
+          </a:p>
+          <a:p>
+            <a:pPr lvl="1"/>
+            <a:endParaRPr lang="en-US" dirty="0">
+              <a:latin typeface="Avenir Next LT Pro" panose="020B0504020202020204" pitchFamily="34" charset="0"/>
+              <a:ea typeface="CMU Bright" panose="02000603000000000000" pitchFamily="2" charset="0"/>
+              <a:cs typeface="CMU Bright" panose="02000603000000000000" pitchFamily="2" charset="0"/>
+            </a:endParaRPr>
+          </a:p>
+          <a:p>
+            <a:pPr lvl="1"/>
+            <a:r>
+              <a:rPr lang="en-US" dirty="0">
+                <a:solidFill>
+                  <a:schemeClr val="tx2">
+                    <a:lumMod val="50000"/>
+                    <a:lumOff val="50000"/>
+                  </a:schemeClr>
+                </a:solidFill>
+                <a:latin typeface="Avenir Next LT Pro" panose="020B0504020202020204" pitchFamily="34" charset="0"/>
+                <a:ea typeface="CMU Bright" panose="02000603000000000000" pitchFamily="2" charset="0"/>
+                <a:cs typeface="CMU Bright" panose="02000603000000000000" pitchFamily="2" charset="0"/>
+              </a:rPr>
+              <a:t>Execute line 1</a:t>
+            </a:r>
+          </a:p>
+          <a:p>
+            <a:pPr lvl="1"/>
+            <a:r>
+              <a:rPr lang="en-US" dirty="0">
+                <a:solidFill>
+                  <a:schemeClr val="tx2">
+                    <a:lumMod val="50000"/>
+                    <a:lumOff val="50000"/>
+                  </a:schemeClr>
+                </a:solidFill>
+                <a:latin typeface="Avenir Next LT Pro" panose="020B0504020202020204" pitchFamily="34" charset="0"/>
+                <a:ea typeface="CMU Bright" panose="02000603000000000000" pitchFamily="2" charset="0"/>
+                <a:cs typeface="CMU Bright" panose="02000603000000000000" pitchFamily="2" charset="0"/>
+              </a:rPr>
+              <a:t>Execute line 2</a:t>
+            </a:r>
+          </a:p>
+          <a:p>
+            <a:pPr lvl="1"/>
+            <a:r>
+              <a:rPr lang="en-US" dirty="0">
+                <a:solidFill>
+                  <a:schemeClr val="tx2">
+                    <a:lumMod val="50000"/>
+                    <a:lumOff val="50000"/>
+                  </a:schemeClr>
+                </a:solidFill>
+                <a:latin typeface="Avenir Next LT Pro" panose="020B0504020202020204" pitchFamily="34" charset="0"/>
+                <a:ea typeface="CMU Bright" panose="02000603000000000000" pitchFamily="2" charset="0"/>
+                <a:cs typeface="CMU Bright" panose="02000603000000000000" pitchFamily="2" charset="0"/>
+              </a:rPr>
+              <a:t>…</a:t>
+            </a:r>
+          </a:p>
+          <a:p>
+            <a:pPr lvl="1"/>
+            <a:r>
+              <a:rPr lang="en-US" dirty="0">
+                <a:solidFill>
+                  <a:schemeClr val="accent6">
+                    <a:lumMod val="75000"/>
+                  </a:schemeClr>
+                </a:solidFill>
+                <a:latin typeface="Avenir Next LT Pro" panose="020B0504020202020204" pitchFamily="34" charset="0"/>
+                <a:ea typeface="CMU Bright" panose="02000603000000000000" pitchFamily="2" charset="0"/>
+                <a:cs typeface="CMU Bright" panose="02000603000000000000" pitchFamily="2" charset="0"/>
+              </a:rPr>
+              <a:t>value=statement</a:t>
+            </a:r>
+            <a:endParaRPr lang="en-US" dirty="0">
+              <a:latin typeface="Avenir Next LT Pro" panose="020B0504020202020204" pitchFamily="34" charset="0"/>
+              <a:ea typeface="CMU Bright" panose="02000603000000000000" pitchFamily="2" charset="0"/>
+              <a:cs typeface="CMU Bright" panose="02000603000000000000" pitchFamily="2" charset="0"/>
+            </a:endParaRPr>
+          </a:p>
+          <a:p>
+            <a:pPr lvl="1"/>
+            <a:endParaRPr lang="en-US" dirty="0">
+              <a:solidFill>
+                <a:schemeClr val="accent3">
+                  <a:lumMod val="75000"/>
+                </a:schemeClr>
+              </a:solidFill>
+              <a:latin typeface="Avenir Next LT Pro" panose="020B0504020202020204" pitchFamily="34" charset="0"/>
+              <a:ea typeface="CMU Bright" panose="02000603000000000000" pitchFamily="2" charset="0"/>
+              <a:cs typeface="CMU Bright" panose="02000603000000000000" pitchFamily="2" charset="0"/>
+            </a:endParaRPr>
+          </a:p>
+          <a:p>
+            <a:pPr lvl="1"/>
+            <a:r>
+              <a:rPr lang="en-US" dirty="0">
+                <a:solidFill>
+                  <a:srgbClr val="BC4709"/>
+                </a:solidFill>
+                <a:latin typeface="Avenir Next LT Pro" panose="020B0504020202020204" pitchFamily="34" charset="0"/>
+                <a:ea typeface="CMU Bright" panose="02000603000000000000" pitchFamily="2" charset="0"/>
+                <a:cs typeface="CMU Bright" panose="02000603000000000000" pitchFamily="2" charset="0"/>
+              </a:rPr>
+              <a:t>return</a:t>
+            </a:r>
+            <a:r>
+              <a:rPr lang="en-US" dirty="0">
+                <a:solidFill>
+                  <a:schemeClr val="accent3">
+                    <a:lumMod val="75000"/>
+                  </a:schemeClr>
+                </a:solidFill>
+                <a:latin typeface="Avenir Next LT Pro" panose="020B0504020202020204" pitchFamily="34" charset="0"/>
+                <a:ea typeface="CMU Bright" panose="02000603000000000000" pitchFamily="2" charset="0"/>
+                <a:cs typeface="CMU Bright" panose="02000603000000000000" pitchFamily="2" charset="0"/>
+              </a:rPr>
+              <a:t> </a:t>
+            </a:r>
+            <a:r>
+              <a:rPr lang="en-US" dirty="0">
+                <a:latin typeface="Avenir Next LT Pro" panose="020B0504020202020204" pitchFamily="34" charset="0"/>
+                <a:ea typeface="CMU Bright" panose="02000603000000000000" pitchFamily="2" charset="0"/>
+                <a:cs typeface="CMU Bright" panose="02000603000000000000" pitchFamily="2" charset="0"/>
+              </a:rPr>
+              <a:t>(</a:t>
+            </a:r>
+            <a:r>
+              <a:rPr lang="en-US" dirty="0">
+                <a:solidFill>
+                  <a:schemeClr val="accent6">
+                    <a:lumMod val="75000"/>
+                  </a:schemeClr>
+                </a:solidFill>
+                <a:latin typeface="Avenir Next LT Pro" panose="020B0504020202020204" pitchFamily="34" charset="0"/>
+                <a:ea typeface="CMU Bright" panose="02000603000000000000" pitchFamily="2" charset="0"/>
+                <a:cs typeface="CMU Bright" panose="02000603000000000000" pitchFamily="2" charset="0"/>
+              </a:rPr>
+              <a:t>value</a:t>
+            </a:r>
+            <a:r>
+              <a:rPr lang="en-US" dirty="0">
+                <a:latin typeface="Avenir Next LT Pro" panose="020B0504020202020204" pitchFamily="34" charset="0"/>
+                <a:ea typeface="CMU Bright" panose="02000603000000000000" pitchFamily="2" charset="0"/>
+                <a:cs typeface="CMU Bright" panose="02000603000000000000" pitchFamily="2" charset="0"/>
+              </a:rPr>
+              <a:t>)</a:t>
+            </a:r>
+          </a:p>
+          <a:p>
+            <a:pPr lvl="1"/>
+            <a:endParaRPr lang="en-US" dirty="0">
+              <a:latin typeface="Avenir Next LT Pro" panose="020B0504020202020204" pitchFamily="34" charset="0"/>
+              <a:ea typeface="CMU Bright" panose="02000603000000000000" pitchFamily="2" charset="0"/>
+              <a:cs typeface="CMU Bright" panose="02000603000000000000" pitchFamily="2" charset="0"/>
+            </a:endParaRPr>
+          </a:p>
+          <a:p>
+            <a:pPr lvl="1"/>
+            <a:r>
+              <a:rPr lang="en-US" b="1" dirty="0">
+                <a:solidFill>
+                  <a:srgbClr val="C00000"/>
+                </a:solidFill>
+                <a:latin typeface="Avenir Next LT Pro" panose="020B0504020202020204" pitchFamily="34" charset="0"/>
+                <a:ea typeface="CMU Bright" panose="02000603000000000000" pitchFamily="2" charset="0"/>
+                <a:cs typeface="CMU Bright" panose="02000603000000000000" pitchFamily="2" charset="0"/>
+              </a:rPr>
+              <a:t>}</a:t>
+            </a:r>
+            <a:r>
+              <a:rPr lang="en-US" dirty="0">
+                <a:latin typeface="Avenir Next LT Pro" panose="020B0504020202020204" pitchFamily="34" charset="0"/>
+                <a:ea typeface="CMU Bright" panose="02000603000000000000" pitchFamily="2" charset="0"/>
+                <a:cs typeface="CMU Bright" panose="02000603000000000000" pitchFamily="2" charset="0"/>
+              </a:rPr>
+              <a:t> </a:t>
+            </a:r>
+          </a:p>
+          <a:p>
+            <a:endParaRPr lang="en-US" dirty="0">
+              <a:latin typeface="Avenir Next LT Pro" panose="020B0504020202020204" pitchFamily="34" charset="0"/>
+              <a:ea typeface="CMU Bright" panose="02000603000000000000" pitchFamily="2" charset="0"/>
+              <a:cs typeface="CMU Bright" panose="02000603000000000000" pitchFamily="2" charset="0"/>
+            </a:endParaRPr>
+          </a:p>
+          <a:p>
+            <a:r>
+              <a:rPr lang="en-US" dirty="0">
+                <a:latin typeface="Avenir Next LT Pro" panose="020B0504020202020204" pitchFamily="34" charset="0"/>
+                <a:ea typeface="CMU Bright" panose="02000603000000000000" pitchFamily="2" charset="0"/>
+                <a:cs typeface="CMU Bright" panose="02000603000000000000" pitchFamily="2" charset="0"/>
+              </a:rPr>
+              <a:t>How to call a function: </a:t>
+            </a:r>
+          </a:p>
+          <a:p>
+            <a:r>
+              <a:rPr lang="en-US" dirty="0">
+                <a:solidFill>
+                  <a:srgbClr val="002060"/>
+                </a:solidFill>
+                <a:latin typeface="Avenir Next LT Pro" panose="020B0504020202020204" pitchFamily="34" charset="0"/>
+                <a:ea typeface="CMU Bright" panose="02000603000000000000" pitchFamily="2" charset="0"/>
+                <a:cs typeface="CMU Bright" panose="02000603000000000000" pitchFamily="2" charset="0"/>
+              </a:rPr>
+              <a:t>	</a:t>
+            </a:r>
+            <a:r>
+              <a:rPr lang="en-US" b="1" dirty="0">
+                <a:solidFill>
+                  <a:srgbClr val="002060"/>
+                </a:solidFill>
+                <a:latin typeface="Avenir Next LT Pro" panose="020B0504020202020204" pitchFamily="34" charset="0"/>
+                <a:ea typeface="CMU Bright" panose="02000603000000000000" pitchFamily="2" charset="0"/>
+                <a:cs typeface="CMU Bright" panose="02000603000000000000" pitchFamily="2" charset="0"/>
+              </a:rPr>
+              <a:t>function_name</a:t>
+            </a:r>
+            <a:r>
+              <a:rPr lang="en-US" b="1" dirty="0">
+                <a:latin typeface="Avenir Next LT Pro" panose="020B0504020202020204" pitchFamily="34" charset="0"/>
+                <a:ea typeface="CMU Bright" panose="02000603000000000000" pitchFamily="2" charset="0"/>
+                <a:cs typeface="CMU Bright" panose="02000603000000000000" pitchFamily="2" charset="0"/>
+              </a:rPr>
+              <a:t> </a:t>
+            </a:r>
+            <a:r>
+              <a:rPr lang="en-US" dirty="0">
+                <a:latin typeface="Avenir Next LT Pro" panose="020B0504020202020204" pitchFamily="34" charset="0"/>
+                <a:ea typeface="CMU Bright" panose="02000603000000000000" pitchFamily="2" charset="0"/>
+                <a:cs typeface="CMU Bright" panose="02000603000000000000" pitchFamily="2" charset="0"/>
+              </a:rPr>
+              <a:t>(</a:t>
+            </a:r>
+            <a:r>
+              <a:rPr lang="en-US" i="1" dirty="0">
+                <a:solidFill>
+                  <a:schemeClr val="accent5">
+                    <a:lumMod val="75000"/>
+                  </a:schemeClr>
+                </a:solidFill>
+                <a:latin typeface="Avenir Next LT Pro" panose="020B0504020202020204" pitchFamily="34" charset="0"/>
+                <a:ea typeface="CMU Bright" panose="02000603000000000000" pitchFamily="2" charset="0"/>
+                <a:cs typeface="CMU Bright" panose="02000603000000000000" pitchFamily="2" charset="0"/>
+              </a:rPr>
+              <a:t>variable</a:t>
+            </a:r>
+            <a:r>
+              <a:rPr lang="en-US" dirty="0">
+                <a:latin typeface="Avenir Next LT Pro" panose="020B0504020202020204" pitchFamily="34" charset="0"/>
+                <a:ea typeface="CMU Bright" panose="02000603000000000000" pitchFamily="2" charset="0"/>
+                <a:cs typeface="CMU Bright" panose="02000603000000000000" pitchFamily="2" charset="0"/>
+              </a:rPr>
+              <a:t>, </a:t>
+            </a:r>
+            <a:r>
+              <a:rPr lang="en-US" i="1" dirty="0">
+                <a:solidFill>
+                  <a:schemeClr val="accent5">
+                    <a:lumMod val="75000"/>
+                  </a:schemeClr>
+                </a:solidFill>
+                <a:latin typeface="Avenir Next LT Pro" panose="020B0504020202020204" pitchFamily="34" charset="0"/>
+                <a:ea typeface="CMU Bright" panose="02000603000000000000" pitchFamily="2" charset="0"/>
+                <a:cs typeface="CMU Bright" panose="02000603000000000000" pitchFamily="2" charset="0"/>
+              </a:rPr>
+              <a:t>argument</a:t>
+            </a:r>
+            <a:r>
+              <a:rPr lang="en-US" dirty="0">
+                <a:latin typeface="Avenir Next LT Pro" panose="020B0504020202020204" pitchFamily="34" charset="0"/>
+                <a:ea typeface="CMU Bright" panose="02000603000000000000" pitchFamily="2" charset="0"/>
+                <a:cs typeface="CMU Bright" panose="02000603000000000000" pitchFamily="2" charset="0"/>
+              </a:rPr>
+              <a:t>)</a:t>
+            </a:r>
+          </a:p>
+        </p:txBody>
+      </p:sp>
+      <p:cxnSp>
+        <p:nvCxnSpPr>
+          <p:cNvPr id="9" name="Straight Arrow Connector 8">
+            <a:extLst>
+              <a:ext uri="{FF2B5EF4-FFF2-40B4-BE49-F238E27FC236}">
+                <a16:creationId xmlns:a16="http://schemas.microsoft.com/office/drawing/2014/main" id="{BEF4ECEC-6969-17FF-5CC1-3E553AE8AB7A}"/>
+              </a:ext>
+            </a:extLst>
+          </p:cNvPr>
+          <p:cNvCxnSpPr/>
+          <p:nvPr/>
+        </p:nvCxnSpPr>
+        <p:spPr>
+          <a:xfrm>
+            <a:off x="2991775" y="3514316"/>
+            <a:ext cx="1438182" cy="0"/>
+          </a:xfrm>
+          <a:prstGeom prst="straightConnector1">
+            <a:avLst/>
+          </a:prstGeom>
+          <a:ln>
+            <a:prstDash val="dash"/>
+            <a:tailEnd type="triangle"/>
+          </a:ln>
+        </p:spPr>
+        <p:style>
+          <a:lnRef idx="2">
+            <a:schemeClr val="dk1"/>
+          </a:lnRef>
+          <a:fillRef idx="0">
+            <a:schemeClr val="dk1"/>
+          </a:fillRef>
+          <a:effectRef idx="1">
+            <a:schemeClr val="dk1"/>
+          </a:effectRef>
+          <a:fontRef idx="minor">
+            <a:schemeClr val="tx1"/>
+          </a:fontRef>
+        </p:style>
+      </p:cxnSp>
+      <p:sp>
+        <p:nvSpPr>
+          <p:cNvPr id="13" name="TextBox 12">
+            <a:extLst>
+              <a:ext uri="{FF2B5EF4-FFF2-40B4-BE49-F238E27FC236}">
+                <a16:creationId xmlns:a16="http://schemas.microsoft.com/office/drawing/2014/main" id="{0BCC967F-6541-9805-4250-4BA47DC9A9C5}"/>
+              </a:ext>
+            </a:extLst>
+          </p:cNvPr>
+          <p:cNvSpPr txBox="1"/>
+          <p:nvPr/>
+        </p:nvSpPr>
+        <p:spPr>
+          <a:xfrm>
+            <a:off x="4429957" y="3252706"/>
+            <a:ext cx="1737804" cy="523220"/>
+          </a:xfrm>
+          <a:prstGeom prst="rect">
+            <a:avLst/>
+          </a:prstGeom>
+          <a:noFill/>
+        </p:spPr>
+        <p:txBody>
+          <a:bodyPr wrap="square">
+            <a:spAutoFit/>
+          </a:bodyPr>
+          <a:lstStyle/>
+          <a:p>
+            <a:r>
+              <a:rPr lang="en-US" sz="1400" dirty="0">
+                <a:latin typeface="Arial" panose="020B0604020202020204" pitchFamily="34" charset="0"/>
+                <a:ea typeface="CMU Bright" panose="02000603000000000000" pitchFamily="2" charset="0"/>
+                <a:cs typeface="Arial" panose="020B0604020202020204" pitchFamily="34" charset="0"/>
+              </a:rPr>
+              <a:t>Returns value as function output</a:t>
+            </a:r>
+          </a:p>
+        </p:txBody>
+      </p:sp>
+      <p:cxnSp>
+        <p:nvCxnSpPr>
+          <p:cNvPr id="14" name="Straight Arrow Connector 13">
+            <a:extLst>
+              <a:ext uri="{FF2B5EF4-FFF2-40B4-BE49-F238E27FC236}">
+                <a16:creationId xmlns:a16="http://schemas.microsoft.com/office/drawing/2014/main" id="{CB6781B9-2522-FAC9-B897-52A7F847EA23}"/>
+              </a:ext>
+            </a:extLst>
+          </p:cNvPr>
+          <p:cNvCxnSpPr/>
+          <p:nvPr/>
+        </p:nvCxnSpPr>
+        <p:spPr>
+          <a:xfrm>
+            <a:off x="3374995" y="2957744"/>
+            <a:ext cx="1438182" cy="0"/>
+          </a:xfrm>
+          <a:prstGeom prst="straightConnector1">
+            <a:avLst/>
+          </a:prstGeom>
+          <a:ln>
+            <a:prstDash val="dash"/>
+            <a:tailEnd type="triangle"/>
+          </a:ln>
+        </p:spPr>
+        <p:style>
+          <a:lnRef idx="2">
+            <a:schemeClr val="dk1"/>
+          </a:lnRef>
+          <a:fillRef idx="0">
+            <a:schemeClr val="dk1"/>
+          </a:fillRef>
+          <a:effectRef idx="1">
+            <a:schemeClr val="dk1"/>
+          </a:effectRef>
+          <a:fontRef idx="minor">
+            <a:schemeClr val="tx1"/>
+          </a:fontRef>
+        </p:style>
+      </p:cxnSp>
+      <p:sp>
+        <p:nvSpPr>
+          <p:cNvPr id="15" name="TextBox 14">
+            <a:extLst>
+              <a:ext uri="{FF2B5EF4-FFF2-40B4-BE49-F238E27FC236}">
+                <a16:creationId xmlns:a16="http://schemas.microsoft.com/office/drawing/2014/main" id="{3F90897A-41CE-C08C-B08B-F14E50F88995}"/>
+              </a:ext>
+            </a:extLst>
+          </p:cNvPr>
+          <p:cNvSpPr txBox="1"/>
+          <p:nvPr/>
+        </p:nvSpPr>
+        <p:spPr>
+          <a:xfrm>
+            <a:off x="4813177" y="2696134"/>
+            <a:ext cx="1737804" cy="523220"/>
+          </a:xfrm>
+          <a:prstGeom prst="rect">
+            <a:avLst/>
+          </a:prstGeom>
+          <a:noFill/>
+        </p:spPr>
+        <p:txBody>
+          <a:bodyPr wrap="square">
+            <a:spAutoFit/>
+          </a:bodyPr>
+          <a:lstStyle/>
+          <a:p>
+            <a:r>
+              <a:rPr lang="en-US" sz="1400" dirty="0">
+                <a:latin typeface="Arial" panose="020B0604020202020204" pitchFamily="34" charset="0"/>
+                <a:ea typeface="CMU Bright" panose="02000603000000000000" pitchFamily="2" charset="0"/>
+                <a:cs typeface="Arial" panose="020B0604020202020204" pitchFamily="34" charset="0"/>
+              </a:rPr>
+              <a:t>Stores the value of the function output</a:t>
+            </a:r>
+          </a:p>
+        </p:txBody>
+      </p:sp>
+      <p:sp>
+        <p:nvSpPr>
+          <p:cNvPr id="17" name="TextBox 16">
+            <a:extLst>
+              <a:ext uri="{FF2B5EF4-FFF2-40B4-BE49-F238E27FC236}">
+                <a16:creationId xmlns:a16="http://schemas.microsoft.com/office/drawing/2014/main" id="{2137D7D3-1C8F-34A6-796E-401809407C0A}"/>
+              </a:ext>
+            </a:extLst>
+          </p:cNvPr>
+          <p:cNvSpPr txBox="1"/>
+          <p:nvPr/>
+        </p:nvSpPr>
+        <p:spPr>
+          <a:xfrm>
+            <a:off x="3144452" y="2154565"/>
+            <a:ext cx="1737804" cy="523220"/>
+          </a:xfrm>
+          <a:prstGeom prst="rect">
+            <a:avLst/>
+          </a:prstGeom>
+          <a:noFill/>
+        </p:spPr>
+        <p:txBody>
+          <a:bodyPr wrap="square">
+            <a:spAutoFit/>
+          </a:bodyPr>
+          <a:lstStyle/>
+          <a:p>
+            <a:r>
+              <a:rPr lang="en-US" sz="1400" dirty="0">
+                <a:latin typeface="Arial" panose="020B0604020202020204" pitchFamily="34" charset="0"/>
+                <a:ea typeface="CMU Bright" panose="02000603000000000000" pitchFamily="2" charset="0"/>
+                <a:cs typeface="Arial" panose="020B0604020202020204" pitchFamily="34" charset="0"/>
+              </a:rPr>
+              <a:t>Instructions to be executed</a:t>
+            </a:r>
+          </a:p>
+        </p:txBody>
+      </p:sp>
+      <p:sp>
+        <p:nvSpPr>
+          <p:cNvPr id="18" name="Right Brace 17">
+            <a:extLst>
+              <a:ext uri="{FF2B5EF4-FFF2-40B4-BE49-F238E27FC236}">
+                <a16:creationId xmlns:a16="http://schemas.microsoft.com/office/drawing/2014/main" id="{AF10E00A-5397-AEDE-4442-186375F741A3}"/>
+              </a:ext>
+            </a:extLst>
+          </p:cNvPr>
+          <p:cNvSpPr/>
+          <p:nvPr/>
+        </p:nvSpPr>
+        <p:spPr>
+          <a:xfrm>
+            <a:off x="2885057" y="1998970"/>
+            <a:ext cx="239697" cy="834487"/>
+          </a:xfrm>
+          <a:prstGeom prst="rightBrace">
+            <a:avLst>
+              <a:gd name="adj1" fmla="val 71296"/>
+              <a:gd name="adj2" fmla="val 50000"/>
+            </a:avLst>
+          </a:prstGeom>
+          <a:ln>
+            <a:solidFill>
+              <a:schemeClr val="tx1"/>
+            </a:solidFill>
+            <a:prstDash val="dash"/>
+          </a:ln>
+        </p:spPr>
+        <p:style>
+          <a:lnRef idx="2">
+            <a:schemeClr val="accent1"/>
+          </a:lnRef>
+          <a:fillRef idx="0">
+            <a:schemeClr val="accent1"/>
+          </a:fillRef>
+          <a:effectRef idx="1">
+            <a:schemeClr val="accent1"/>
+          </a:effectRef>
+          <a:fontRef idx="minor">
+            <a:schemeClr val="tx1"/>
+          </a:fontRef>
+        </p:style>
+        <p:txBody>
+          <a:bodyPr rtlCol="0" anchor="ctr"/>
+          <a:lstStyle/>
+          <a:p>
+            <a:pPr algn="ctr"/>
+            <a:endParaRPr lang="en-US"/>
+          </a:p>
+        </p:txBody>
+      </p:sp>
+      <p:sp>
+        <p:nvSpPr>
+          <p:cNvPr id="19" name="TextBox 18">
+            <a:extLst>
+              <a:ext uri="{FF2B5EF4-FFF2-40B4-BE49-F238E27FC236}">
+                <a16:creationId xmlns:a16="http://schemas.microsoft.com/office/drawing/2014/main" id="{58757881-C686-6C67-EAF5-2D4E62F557E4}"/>
+              </a:ext>
+            </a:extLst>
+          </p:cNvPr>
+          <p:cNvSpPr txBox="1"/>
+          <p:nvPr/>
+        </p:nvSpPr>
+        <p:spPr>
+          <a:xfrm>
+            <a:off x="5298859" y="1716111"/>
+            <a:ext cx="1252122" cy="523220"/>
+          </a:xfrm>
+          <a:prstGeom prst="rect">
+            <a:avLst/>
+          </a:prstGeom>
+          <a:noFill/>
+        </p:spPr>
+        <p:txBody>
+          <a:bodyPr wrap="square">
+            <a:spAutoFit/>
+          </a:bodyPr>
+          <a:lstStyle/>
+          <a:p>
+            <a:r>
+              <a:rPr lang="en-US" sz="1400" dirty="0">
+                <a:latin typeface="Arial" panose="020B0604020202020204" pitchFamily="34" charset="0"/>
+                <a:ea typeface="CMU Bright" panose="02000603000000000000" pitchFamily="2" charset="0"/>
+                <a:cs typeface="Arial" panose="020B0604020202020204" pitchFamily="34" charset="0"/>
+              </a:rPr>
+              <a:t>Name of the function</a:t>
+            </a:r>
+          </a:p>
+        </p:txBody>
+      </p:sp>
+      <p:cxnSp>
+        <p:nvCxnSpPr>
+          <p:cNvPr id="23" name="Connector: Elbow 22">
+            <a:extLst>
+              <a:ext uri="{FF2B5EF4-FFF2-40B4-BE49-F238E27FC236}">
+                <a16:creationId xmlns:a16="http://schemas.microsoft.com/office/drawing/2014/main" id="{69D2FE0C-D604-FA7F-1603-7111EFBDDEE7}"/>
+              </a:ext>
+            </a:extLst>
+          </p:cNvPr>
+          <p:cNvCxnSpPr>
+            <a:cxnSpLocks/>
+          </p:cNvCxnSpPr>
+          <p:nvPr/>
+        </p:nvCxnSpPr>
+        <p:spPr>
+          <a:xfrm>
+            <a:off x="2148396" y="1737361"/>
+            <a:ext cx="3150463" cy="122282"/>
+          </a:xfrm>
+          <a:prstGeom prst="bentConnector3">
+            <a:avLst>
+              <a:gd name="adj1" fmla="val 123"/>
+            </a:avLst>
+          </a:prstGeom>
+          <a:ln>
+            <a:prstDash val="dash"/>
+            <a:tailEnd type="triangle"/>
+          </a:ln>
+        </p:spPr>
+        <p:style>
+          <a:lnRef idx="2">
+            <a:schemeClr val="dk1"/>
+          </a:lnRef>
+          <a:fillRef idx="0">
+            <a:schemeClr val="dk1"/>
+          </a:fillRef>
+          <a:effectRef idx="1">
+            <a:schemeClr val="dk1"/>
+          </a:effectRef>
+          <a:fontRef idx="minor">
+            <a:schemeClr val="tx1"/>
+          </a:fontRef>
+        </p:style>
+      </p:cxnSp>
     </p:spTree>
     <p:extLst>
       <p:ext uri="{BB962C8B-B14F-4D97-AF65-F5344CB8AC3E}">
@@ -14248,13 +15076,13 @@
                         <a:rPr lang="en-US" i="1" smtClean="0">
                           <a:latin typeface="Cambria Math" panose="02040503050406030204" pitchFamily="18" charset="0"/>
                         </a:rPr>
-                        <m:t>=        </m:t>
+                        <m:t>=            </m:t>
                       </m:r>
                       <m:r>
                         <a:rPr lang="en-US" b="0" i="1" smtClean="0">
                           <a:latin typeface="Cambria Math" panose="02040503050406030204" pitchFamily="18" charset="0"/>
                         </a:rPr>
-                        <m:t>               =</m:t>
+                        <m:t>           =</m:t>
                       </m:r>
                       <m:d>
                         <m:dPr>

--- a/plots.pptx
+++ b/plots.pptx
@@ -126,7 +126,7 @@
 <file path=ppt/revisionInfo.xml><?xml version="1.0" encoding="utf-8"?>
 <p1510:revInfo xmlns:a="http://schemas.openxmlformats.org/drawingml/2006/main" xmlns:r="http://schemas.openxmlformats.org/officeDocument/2006/relationships" xmlns:p1510="http://schemas.microsoft.com/office/powerpoint/2015/10/main">
   <p1510:revLst>
-    <p1510:client id="{26AAD9E8-4C42-4DE7-94A5-14A70A065374}" v="662" dt="2024-02-21T14:50:05.202"/>
+    <p1510:client id="{26AAD9E8-4C42-4DE7-94A5-14A70A065374}" v="663" dt="2024-02-21T22:39:23.346"/>
   </p1510:revLst>
 </p1510:revInfo>
 </file>
@@ -136,7 +136,7 @@
   <pc:docChgLst>
     <pc:chgData name="Sehgal, Vinit" userId="ef721694-8436-4df6-8b9b-be9691359d6c" providerId="ADAL" clId="{26AAD9E8-4C42-4DE7-94A5-14A70A065374}"/>
     <pc:docChg chg="undo redo custSel addSld modSld">
-      <pc:chgData name="Sehgal, Vinit" userId="ef721694-8436-4df6-8b9b-be9691359d6c" providerId="ADAL" clId="{26AAD9E8-4C42-4DE7-94A5-14A70A065374}" dt="2024-02-21T14:50:26.835" v="3641" actId="14100"/>
+      <pc:chgData name="Sehgal, Vinit" userId="ef721694-8436-4df6-8b9b-be9691359d6c" providerId="ADAL" clId="{26AAD9E8-4C42-4DE7-94A5-14A70A065374}" dt="2024-02-21T22:47:04.506" v="3915" actId="6549"/>
       <pc:docMkLst>
         <pc:docMk/>
       </pc:docMkLst>
@@ -987,7 +987,7 @@
         </pc:spChg>
       </pc:sldChg>
       <pc:sldChg chg="addSp delSp modSp new mod">
-        <pc:chgData name="Sehgal, Vinit" userId="ef721694-8436-4df6-8b9b-be9691359d6c" providerId="ADAL" clId="{26AAD9E8-4C42-4DE7-94A5-14A70A065374}" dt="2024-02-21T13:36:30.477" v="3407" actId="478"/>
+        <pc:chgData name="Sehgal, Vinit" userId="ef721694-8436-4df6-8b9b-be9691359d6c" providerId="ADAL" clId="{26AAD9E8-4C42-4DE7-94A5-14A70A065374}" dt="2024-02-21T22:39:23.346" v="3642" actId="20577"/>
         <pc:sldMkLst>
           <pc:docMk/>
           <pc:sldMk cId="3913206283" sldId="258"/>
@@ -1025,7 +1025,7 @@
           </ac:spMkLst>
         </pc:spChg>
         <pc:spChg chg="add mod">
-          <ac:chgData name="Sehgal, Vinit" userId="ef721694-8436-4df6-8b9b-be9691359d6c" providerId="ADAL" clId="{26AAD9E8-4C42-4DE7-94A5-14A70A065374}" dt="2024-02-20T16:56:55.426" v="1898" actId="20577"/>
+          <ac:chgData name="Sehgal, Vinit" userId="ef721694-8436-4df6-8b9b-be9691359d6c" providerId="ADAL" clId="{26AAD9E8-4C42-4DE7-94A5-14A70A065374}" dt="2024-02-21T22:39:23.346" v="3642" actId="20577"/>
           <ac:spMkLst>
             <pc:docMk/>
             <pc:sldMk cId="3913206283" sldId="258"/>
@@ -1946,7 +1946,7 @@
         </pc:cxnChg>
       </pc:sldChg>
       <pc:sldChg chg="addSp delSp modSp new mod">
-        <pc:chgData name="Sehgal, Vinit" userId="ef721694-8436-4df6-8b9b-be9691359d6c" providerId="ADAL" clId="{26AAD9E8-4C42-4DE7-94A5-14A70A065374}" dt="2024-02-21T14:50:26.835" v="3641" actId="14100"/>
+        <pc:chgData name="Sehgal, Vinit" userId="ef721694-8436-4df6-8b9b-be9691359d6c" providerId="ADAL" clId="{26AAD9E8-4C42-4DE7-94A5-14A70A065374}" dt="2024-02-21T22:47:04.506" v="3915" actId="6549"/>
         <pc:sldMkLst>
           <pc:docMk/>
           <pc:sldMk cId="789022678" sldId="267"/>
@@ -1968,7 +1968,7 @@
           </ac:spMkLst>
         </pc:spChg>
         <pc:spChg chg="add mod">
-          <ac:chgData name="Sehgal, Vinit" userId="ef721694-8436-4df6-8b9b-be9691359d6c" providerId="ADAL" clId="{26AAD9E8-4C42-4DE7-94A5-14A70A065374}" dt="2024-02-21T14:50:26.835" v="3641" actId="14100"/>
+          <ac:chgData name="Sehgal, Vinit" userId="ef721694-8436-4df6-8b9b-be9691359d6c" providerId="ADAL" clId="{26AAD9E8-4C42-4DE7-94A5-14A70A065374}" dt="2024-02-21T22:47:04.506" v="3915" actId="6549"/>
           <ac:spMkLst>
             <pc:docMk/>
             <pc:sldMk cId="789022678" sldId="267"/>
@@ -7732,13 +7732,13 @@
                         <a:rPr lang="en-US" i="1" smtClean="0">
                           <a:latin typeface="Cambria Math" panose="02040503050406030204" pitchFamily="18" charset="0"/>
                         </a:rPr>
-                        <m:t>=                </m:t>
+                        <m:t>=                    </m:t>
                       </m:r>
                       <m:r>
                         <a:rPr lang="en-US" b="0" i="1" smtClean="0">
                           <a:latin typeface="Cambria Math" panose="02040503050406030204" pitchFamily="18" charset="0"/>
                         </a:rPr>
-                        <m:t>       =</m:t>
+                        <m:t>   =</m:t>
                       </m:r>
                       <m:d>
                         <m:dPr>
@@ -10197,8 +10197,8 @@
           <a:chExt cx="0" cy="0"/>
         </a:xfrm>
       </p:grpSpPr>
-      <mc:AlternateContent xmlns:mc="http://schemas.openxmlformats.org/markup-compatibility/2006" xmlns:a14="http://schemas.microsoft.com/office/drawing/2010/main">
-        <mc:Choice Requires="a14">
+      <mc:AlternateContent xmlns:mc="http://schemas.openxmlformats.org/markup-compatibility/2006">
+        <mc:Choice xmlns:a14="http://schemas.microsoft.com/office/drawing/2010/main" Requires="a14">
           <p:sp>
             <p:nvSpPr>
               <p:cNvPr id="8" name="TextBox 7">
@@ -10461,7 +10461,13 @@
                                 <a:rPr lang="en-US" sz="2800" b="0" i="0" smtClean="0">
                                   <a:latin typeface="Cambria Math" panose="02040503050406030204" pitchFamily="18" charset="0"/>
                                 </a:rPr>
-                                <m:t>+2</m:t>
+                                <m:t>+</m:t>
+                              </m:r>
+                              <m:r>
+                                <a:rPr lang="en-US" sz="2800" b="0" i="0" smtClean="0">
+                                  <a:latin typeface="Cambria Math" panose="02040503050406030204" pitchFamily="18" charset="0"/>
+                                </a:rPr>
+                                <m:t>1</m:t>
                               </m:r>
                             </m:e>
                           </m:mr>
@@ -10656,7 +10662,7 @@
             </p:txBody>
           </p:sp>
         </mc:Choice>
-        <mc:Fallback xmlns="">
+        <mc:Fallback>
           <p:sp>
             <p:nvSpPr>
               <p:cNvPr id="8" name="TextBox 7">
@@ -15333,8 +15339,8 @@
         </p:nvSpPr>
         <p:spPr>
           <a:xfrm>
-            <a:off x="523783" y="1429305"/>
-            <a:ext cx="5237825" cy="1477328"/>
+            <a:off x="523784" y="1429305"/>
+            <a:ext cx="6604986" cy="2308324"/>
           </a:xfrm>
           <a:prstGeom prst="rect">
             <a:avLst/>
@@ -15358,7 +15364,7 @@
                 <a:ea typeface="CMU Bright" panose="02000603000000000000" pitchFamily="2" charset="0"/>
                 <a:cs typeface="CMU Bright" panose="02000603000000000000" pitchFamily="2" charset="0"/>
               </a:rPr>
-              <a:t>FLASH CARD</a:t>
+              <a:t>FLASH CARD (Raster Arithmetic &amp; Stats)</a:t>
             </a:r>
           </a:p>
           <a:p>
@@ -15381,7 +15387,29 @@
                 <a:ea typeface="CMU Bright" panose="02000603000000000000" pitchFamily="2" charset="0"/>
                 <a:cs typeface="CMU Bright" panose="02000603000000000000" pitchFamily="2" charset="0"/>
               </a:rPr>
-              <a:t>terra::rast                Import raster</a:t>
+              <a:t>terra::</a:t>
+            </a:r>
+            <a:r>
+              <a:rPr lang="en-US" dirty="0" err="1">
+                <a:solidFill>
+                  <a:schemeClr val="bg1"/>
+                </a:solidFill>
+                <a:latin typeface="Avenir Next LT Pro" panose="020B0504020202020204" pitchFamily="34" charset="0"/>
+                <a:ea typeface="CMU Bright" panose="02000603000000000000" pitchFamily="2" charset="0"/>
+                <a:cs typeface="CMU Bright" panose="02000603000000000000" pitchFamily="2" charset="0"/>
+              </a:rPr>
+              <a:t>rast</a:t>
+            </a:r>
+            <a:r>
+              <a:rPr lang="en-US" dirty="0">
+                <a:solidFill>
+                  <a:schemeClr val="bg1"/>
+                </a:solidFill>
+                <a:latin typeface="Avenir Next LT Pro" panose="020B0504020202020204" pitchFamily="34" charset="0"/>
+                <a:ea typeface="CMU Bright" panose="02000603000000000000" pitchFamily="2" charset="0"/>
+                <a:cs typeface="CMU Bright" panose="02000603000000000000" pitchFamily="2" charset="0"/>
+              </a:rPr>
+              <a:t>                                    Import raster</a:t>
             </a:r>
           </a:p>
           <a:p>
@@ -15394,7 +15422,7 @@
                 <a:ea typeface="CMU Bright" panose="02000603000000000000" pitchFamily="2" charset="0"/>
                 <a:cs typeface="CMU Bright" panose="02000603000000000000" pitchFamily="2" charset="0"/>
               </a:rPr>
-              <a:t>terra:: global          Apply function on raster layer</a:t>
+              <a:t>terra:: global                              Apply function on raster layer</a:t>
             </a:r>
             <a:br>
               <a:rPr lang="en-US" dirty="0">
@@ -15415,7 +15443,128 @@
                 <a:ea typeface="CMU Bright" panose="02000603000000000000" pitchFamily="2" charset="0"/>
                 <a:cs typeface="CMU Bright" panose="02000603000000000000" pitchFamily="2" charset="0"/>
               </a:rPr>
-              <a:t>terra::values           Generate array of raster cells</a:t>
+              <a:t>terra::values                               Generate array of raster cells</a:t>
+            </a:r>
+          </a:p>
+          <a:p>
+            <a:endParaRPr lang="en-US" dirty="0">
+              <a:solidFill>
+                <a:schemeClr val="bg1"/>
+              </a:solidFill>
+              <a:latin typeface="Avenir Next LT Pro" panose="020B0504020202020204" pitchFamily="34" charset="0"/>
+              <a:ea typeface="CMU Bright" panose="02000603000000000000" pitchFamily="2" charset="0"/>
+              <a:cs typeface="CMU Bright" panose="02000603000000000000" pitchFamily="2" charset="0"/>
+            </a:endParaRPr>
+          </a:p>
+          <a:p>
+            <a:r>
+              <a:rPr lang="en-US" b="1" i="1" dirty="0">
+                <a:solidFill>
+                  <a:schemeClr val="bg1"/>
+                </a:solidFill>
+                <a:latin typeface="Avenir Next LT Pro" panose="020B0504020202020204" pitchFamily="34" charset="0"/>
+                <a:ea typeface="CMU Bright" panose="02000603000000000000" pitchFamily="2" charset="0"/>
+                <a:cs typeface="CMU Bright" panose="02000603000000000000" pitchFamily="2" charset="0"/>
+              </a:rPr>
+              <a:t>A</a:t>
+            </a:r>
+            <a:r>
+              <a:rPr lang="en-US" dirty="0">
+                <a:solidFill>
+                  <a:schemeClr val="bg1"/>
+                </a:solidFill>
+                <a:latin typeface="Avenir Next LT Pro" panose="020B0504020202020204" pitchFamily="34" charset="0"/>
+                <a:ea typeface="CMU Bright" panose="02000603000000000000" pitchFamily="2" charset="0"/>
+                <a:cs typeface="CMU Bright" panose="02000603000000000000" pitchFamily="2" charset="0"/>
+              </a:rPr>
+              <a:t> [</a:t>
+            </a:r>
+            <a:r>
+              <a:rPr lang="en-US" b="1" i="1" dirty="0">
+                <a:solidFill>
+                  <a:schemeClr val="bg1"/>
+                </a:solidFill>
+                <a:latin typeface="Avenir Next LT Pro" panose="020B0504020202020204" pitchFamily="34" charset="0"/>
+                <a:ea typeface="CMU Bright" panose="02000603000000000000" pitchFamily="2" charset="0"/>
+                <a:cs typeface="CMU Bright" panose="02000603000000000000" pitchFamily="2" charset="0"/>
+              </a:rPr>
+              <a:t>A</a:t>
+            </a:r>
+            <a:r>
+              <a:rPr lang="en-US" dirty="0">
+                <a:solidFill>
+                  <a:schemeClr val="bg1"/>
+                </a:solidFill>
+                <a:latin typeface="Avenir Next LT Pro" panose="020B0504020202020204" pitchFamily="34" charset="0"/>
+                <a:ea typeface="CMU Bright" panose="02000603000000000000" pitchFamily="2" charset="0"/>
+                <a:cs typeface="CMU Bright" panose="02000603000000000000" pitchFamily="2" charset="0"/>
+              </a:rPr>
+              <a:t> &lt; value] = </a:t>
+            </a:r>
+            <a:r>
+              <a:rPr lang="en-US" dirty="0" err="1">
+                <a:solidFill>
+                  <a:schemeClr val="bg1"/>
+                </a:solidFill>
+                <a:latin typeface="Avenir Next LT Pro" panose="020B0504020202020204" pitchFamily="34" charset="0"/>
+                <a:ea typeface="CMU Bright" panose="02000603000000000000" pitchFamily="2" charset="0"/>
+                <a:cs typeface="CMU Bright" panose="02000603000000000000" pitchFamily="2" charset="0"/>
+              </a:rPr>
+              <a:t>new_value</a:t>
+            </a:r>
+            <a:r>
+              <a:rPr lang="en-US" dirty="0">
+                <a:solidFill>
+                  <a:schemeClr val="bg1"/>
+                </a:solidFill>
+                <a:latin typeface="Avenir Next LT Pro" panose="020B0504020202020204" pitchFamily="34" charset="0"/>
+                <a:ea typeface="CMU Bright" panose="02000603000000000000" pitchFamily="2" charset="0"/>
+                <a:cs typeface="CMU Bright" panose="02000603000000000000" pitchFamily="2" charset="0"/>
+              </a:rPr>
+              <a:t>     Replace raster cell values based</a:t>
+            </a:r>
+            <a:br>
+              <a:rPr lang="en-US" dirty="0">
+                <a:solidFill>
+                  <a:schemeClr val="bg1"/>
+                </a:solidFill>
+                <a:latin typeface="Avenir Next LT Pro" panose="020B0504020202020204" pitchFamily="34" charset="0"/>
+                <a:ea typeface="CMU Bright" panose="02000603000000000000" pitchFamily="2" charset="0"/>
+                <a:cs typeface="CMU Bright" panose="02000603000000000000" pitchFamily="2" charset="0"/>
+              </a:rPr>
+            </a:br>
+            <a:r>
+              <a:rPr lang="en-US" dirty="0">
+                <a:solidFill>
+                  <a:schemeClr val="bg1"/>
+                </a:solidFill>
+                <a:latin typeface="Avenir Next LT Pro" panose="020B0504020202020204" pitchFamily="34" charset="0"/>
+                <a:ea typeface="CMU Bright" panose="02000603000000000000" pitchFamily="2" charset="0"/>
+                <a:cs typeface="CMU Bright" panose="02000603000000000000" pitchFamily="2" charset="0"/>
+              </a:rPr>
+              <a:t>			</a:t>
+            </a:r>
+            <a:r>
+              <a:rPr lang="en-US">
+                <a:solidFill>
+                  <a:schemeClr val="bg1"/>
+                </a:solidFill>
+                <a:latin typeface="Avenir Next LT Pro" panose="020B0504020202020204" pitchFamily="34" charset="0"/>
+                <a:ea typeface="CMU Bright" panose="02000603000000000000" pitchFamily="2" charset="0"/>
+                <a:cs typeface="CMU Bright" panose="02000603000000000000" pitchFamily="2" charset="0"/>
+              </a:rPr>
+              <a:t>     on </a:t>
+            </a:r>
+            <a:r>
+              <a:rPr lang="en-US" dirty="0">
+                <a:solidFill>
+                  <a:schemeClr val="bg1"/>
+                </a:solidFill>
+                <a:latin typeface="Avenir Next LT Pro" panose="020B0504020202020204" pitchFamily="34" charset="0"/>
+                <a:ea typeface="CMU Bright" panose="02000603000000000000" pitchFamily="2" charset="0"/>
+                <a:cs typeface="CMU Bright" panose="02000603000000000000" pitchFamily="2" charset="0"/>
+              </a:rPr>
+              <a:t>logical operator        </a:t>
             </a:r>
           </a:p>
         </p:txBody>

--- a/plots.pptx
+++ b/plots.pptx
@@ -6,17 +6,21 @@
   </p:sldMasterIdLst>
   <p:sldIdLst>
     <p:sldId id="256" r:id="rId2"/>
-    <p:sldId id="257" r:id="rId3"/>
-    <p:sldId id="266" r:id="rId4"/>
-    <p:sldId id="267" r:id="rId5"/>
-    <p:sldId id="264" r:id="rId6"/>
-    <p:sldId id="260" r:id="rId7"/>
-    <p:sldId id="261" r:id="rId8"/>
-    <p:sldId id="262" r:id="rId9"/>
-    <p:sldId id="263" r:id="rId10"/>
-    <p:sldId id="265" r:id="rId11"/>
-    <p:sldId id="258" r:id="rId12"/>
-    <p:sldId id="259" r:id="rId13"/>
+    <p:sldId id="270" r:id="rId3"/>
+    <p:sldId id="257" r:id="rId4"/>
+    <p:sldId id="266" r:id="rId5"/>
+    <p:sldId id="267" r:id="rId6"/>
+    <p:sldId id="271" r:id="rId7"/>
+    <p:sldId id="264" r:id="rId8"/>
+    <p:sldId id="260" r:id="rId9"/>
+    <p:sldId id="261" r:id="rId10"/>
+    <p:sldId id="262" r:id="rId11"/>
+    <p:sldId id="263" r:id="rId12"/>
+    <p:sldId id="265" r:id="rId13"/>
+    <p:sldId id="258" r:id="rId14"/>
+    <p:sldId id="259" r:id="rId15"/>
+    <p:sldId id="268" r:id="rId16"/>
+    <p:sldId id="269" r:id="rId17"/>
   </p:sldIdLst>
   <p:sldSz cx="12192000" cy="6858000"/>
   <p:notesSz cx="6858000" cy="9144000"/>
@@ -126,7 +130,7 @@
 <file path=ppt/revisionInfo.xml><?xml version="1.0" encoding="utf-8"?>
 <p1510:revInfo xmlns:a="http://schemas.openxmlformats.org/drawingml/2006/main" xmlns:r="http://schemas.openxmlformats.org/officeDocument/2006/relationships" xmlns:p1510="http://schemas.microsoft.com/office/powerpoint/2015/10/main">
   <p1510:revLst>
-    <p1510:client id="{26AAD9E8-4C42-4DE7-94A5-14A70A065374}" v="663" dt="2024-02-21T22:39:23.346"/>
+    <p1510:client id="{26AAD9E8-4C42-4DE7-94A5-14A70A065374}" v="711" dt="2024-02-27T23:13:16.806"/>
   </p1510:revLst>
 </p1510:revInfo>
 </file>
@@ -136,7 +140,7 @@
   <pc:docChgLst>
     <pc:chgData name="Sehgal, Vinit" userId="ef721694-8436-4df6-8b9b-be9691359d6c" providerId="ADAL" clId="{26AAD9E8-4C42-4DE7-94A5-14A70A065374}"/>
     <pc:docChg chg="undo redo custSel addSld modSld">
-      <pc:chgData name="Sehgal, Vinit" userId="ef721694-8436-4df6-8b9b-be9691359d6c" providerId="ADAL" clId="{26AAD9E8-4C42-4DE7-94A5-14A70A065374}" dt="2024-02-21T22:47:04.506" v="3915" actId="6549"/>
+      <pc:chgData name="Sehgal, Vinit" userId="ef721694-8436-4df6-8b9b-be9691359d6c" providerId="ADAL" clId="{26AAD9E8-4C42-4DE7-94A5-14A70A065374}" dt="2024-02-27T23:13:18.611" v="4700" actId="21"/>
       <pc:docMkLst>
         <pc:docMk/>
       </pc:docMkLst>
@@ -1975,6 +1979,538 @@
             <ac:spMk id="4" creationId="{46BF93E8-58CE-2D87-3F07-3D1FE716BDE9}"/>
           </ac:spMkLst>
         </pc:spChg>
+      </pc:sldChg>
+      <pc:sldChg chg="addSp delSp modSp new mod setBg">
+        <pc:chgData name="Sehgal, Vinit" userId="ef721694-8436-4df6-8b9b-be9691359d6c" providerId="ADAL" clId="{26AAD9E8-4C42-4DE7-94A5-14A70A065374}" dt="2024-02-26T18:39:07.565" v="4037" actId="1036"/>
+        <pc:sldMkLst>
+          <pc:docMk/>
+          <pc:sldMk cId="3647367637" sldId="268"/>
+        </pc:sldMkLst>
+        <pc:spChg chg="del">
+          <ac:chgData name="Sehgal, Vinit" userId="ef721694-8436-4df6-8b9b-be9691359d6c" providerId="ADAL" clId="{26AAD9E8-4C42-4DE7-94A5-14A70A065374}" dt="2024-02-26T18:32:18.130" v="3917" actId="478"/>
+          <ac:spMkLst>
+            <pc:docMk/>
+            <pc:sldMk cId="3647367637" sldId="268"/>
+            <ac:spMk id="2" creationId="{A600D14A-D332-864B-8A0C-DD02015315C8}"/>
+          </ac:spMkLst>
+        </pc:spChg>
+        <pc:spChg chg="del">
+          <ac:chgData name="Sehgal, Vinit" userId="ef721694-8436-4df6-8b9b-be9691359d6c" providerId="ADAL" clId="{26AAD9E8-4C42-4DE7-94A5-14A70A065374}" dt="2024-02-26T18:32:18.130" v="3917" actId="478"/>
+          <ac:spMkLst>
+            <pc:docMk/>
+            <pc:sldMk cId="3647367637" sldId="268"/>
+            <ac:spMk id="3" creationId="{0B626288-3C45-0C04-0AAC-3A1F95C78CCC}"/>
+          </ac:spMkLst>
+        </pc:spChg>
+        <pc:spChg chg="add ord">
+          <ac:chgData name="Sehgal, Vinit" userId="ef721694-8436-4df6-8b9b-be9691359d6c" providerId="ADAL" clId="{26AAD9E8-4C42-4DE7-94A5-14A70A065374}" dt="2024-02-26T18:32:31.701" v="3922" actId="26606"/>
+          <ac:spMkLst>
+            <pc:docMk/>
+            <pc:sldMk cId="3647367637" sldId="268"/>
+            <ac:spMk id="4" creationId="{C9079DFA-CD78-091A-AB3B-645BA69E9A7E}"/>
+          </ac:spMkLst>
+        </pc:spChg>
+        <pc:spChg chg="add mod">
+          <ac:chgData name="Sehgal, Vinit" userId="ef721694-8436-4df6-8b9b-be9691359d6c" providerId="ADAL" clId="{26AAD9E8-4C42-4DE7-94A5-14A70A065374}" dt="2024-02-26T18:34:16.603" v="3939" actId="207"/>
+          <ac:spMkLst>
+            <pc:docMk/>
+            <pc:sldMk cId="3647367637" sldId="268"/>
+            <ac:spMk id="9" creationId="{0419739A-E8C5-B65E-314B-2F9762E03B7A}"/>
+          </ac:spMkLst>
+        </pc:spChg>
+        <pc:spChg chg="add mod">
+          <ac:chgData name="Sehgal, Vinit" userId="ef721694-8436-4df6-8b9b-be9691359d6c" providerId="ADAL" clId="{26AAD9E8-4C42-4DE7-94A5-14A70A065374}" dt="2024-02-26T18:35:01.428" v="3955" actId="1035"/>
+          <ac:spMkLst>
+            <pc:docMk/>
+            <pc:sldMk cId="3647367637" sldId="268"/>
+            <ac:spMk id="10" creationId="{D68B7BE7-CF23-AF3D-CC6E-66763554E0E4}"/>
+          </ac:spMkLst>
+        </pc:spChg>
+        <pc:spChg chg="add del">
+          <ac:chgData name="Sehgal, Vinit" userId="ef721694-8436-4df6-8b9b-be9691359d6c" providerId="ADAL" clId="{26AAD9E8-4C42-4DE7-94A5-14A70A065374}" dt="2024-02-26T18:32:31.701" v="3922" actId="26606"/>
+          <ac:spMkLst>
+            <pc:docMk/>
+            <pc:sldMk cId="3647367637" sldId="268"/>
+            <ac:spMk id="11" creationId="{1500B4A4-B1F1-41EA-886A-B8A210DBCA3B}"/>
+          </ac:spMkLst>
+        </pc:spChg>
+        <pc:spChg chg="add mod">
+          <ac:chgData name="Sehgal, Vinit" userId="ef721694-8436-4df6-8b9b-be9691359d6c" providerId="ADAL" clId="{26AAD9E8-4C42-4DE7-94A5-14A70A065374}" dt="2024-02-26T18:34:26.063" v="3943" actId="1076"/>
+          <ac:spMkLst>
+            <pc:docMk/>
+            <pc:sldMk cId="3647367637" sldId="268"/>
+            <ac:spMk id="12" creationId="{42A34E23-4B5C-20EA-4A02-36FC314DA829}"/>
+          </ac:spMkLst>
+        </pc:spChg>
+        <pc:spChg chg="add del">
+          <ac:chgData name="Sehgal, Vinit" userId="ef721694-8436-4df6-8b9b-be9691359d6c" providerId="ADAL" clId="{26AAD9E8-4C42-4DE7-94A5-14A70A065374}" dt="2024-02-26T18:32:31.701" v="3922" actId="26606"/>
+          <ac:spMkLst>
+            <pc:docMk/>
+            <pc:sldMk cId="3647367637" sldId="268"/>
+            <ac:spMk id="13" creationId="{5E55A99C-0BDC-4DBE-8E40-9FA66F629FA1}"/>
+          </ac:spMkLst>
+        </pc:spChg>
+        <pc:spChg chg="add mod">
+          <ac:chgData name="Sehgal, Vinit" userId="ef721694-8436-4df6-8b9b-be9691359d6c" providerId="ADAL" clId="{26AAD9E8-4C42-4DE7-94A5-14A70A065374}" dt="2024-02-26T18:34:29.014" v="3945" actId="1076"/>
+          <ac:spMkLst>
+            <pc:docMk/>
+            <pc:sldMk cId="3647367637" sldId="268"/>
+            <ac:spMk id="14" creationId="{A6BD6139-4215-E228-99B4-9E031C4B0579}"/>
+          </ac:spMkLst>
+        </pc:spChg>
+        <pc:spChg chg="add mod">
+          <ac:chgData name="Sehgal, Vinit" userId="ef721694-8436-4df6-8b9b-be9691359d6c" providerId="ADAL" clId="{26AAD9E8-4C42-4DE7-94A5-14A70A065374}" dt="2024-02-26T18:34:55.462" v="3953" actId="14100"/>
+          <ac:spMkLst>
+            <pc:docMk/>
+            <pc:sldMk cId="3647367637" sldId="268"/>
+            <ac:spMk id="15" creationId="{88A77B1D-F46D-A8AB-A7F2-AF51EA00BE42}"/>
+          </ac:spMkLst>
+        </pc:spChg>
+        <pc:spChg chg="add mod">
+          <ac:chgData name="Sehgal, Vinit" userId="ef721694-8436-4df6-8b9b-be9691359d6c" providerId="ADAL" clId="{26AAD9E8-4C42-4DE7-94A5-14A70A065374}" dt="2024-02-26T18:39:07.565" v="4037" actId="1036"/>
+          <ac:spMkLst>
+            <pc:docMk/>
+            <pc:sldMk cId="3647367637" sldId="268"/>
+            <ac:spMk id="16" creationId="{999266B6-37C9-60D2-13DB-21F4E763552C}"/>
+          </ac:spMkLst>
+        </pc:spChg>
+        <pc:spChg chg="add mod">
+          <ac:chgData name="Sehgal, Vinit" userId="ef721694-8436-4df6-8b9b-be9691359d6c" providerId="ADAL" clId="{26AAD9E8-4C42-4DE7-94A5-14A70A065374}" dt="2024-02-26T18:39:06.883" v="4036" actId="1036"/>
+          <ac:spMkLst>
+            <pc:docMk/>
+            <pc:sldMk cId="3647367637" sldId="268"/>
+            <ac:spMk id="17" creationId="{EDE408C2-7579-204E-C994-84873C7FEAF1}"/>
+          </ac:spMkLst>
+        </pc:spChg>
+        <pc:spChg chg="add mod">
+          <ac:chgData name="Sehgal, Vinit" userId="ef721694-8436-4df6-8b9b-be9691359d6c" providerId="ADAL" clId="{26AAD9E8-4C42-4DE7-94A5-14A70A065374}" dt="2024-02-26T18:35:54.319" v="3992"/>
+          <ac:spMkLst>
+            <pc:docMk/>
+            <pc:sldMk cId="3647367637" sldId="268"/>
+            <ac:spMk id="18" creationId="{70730E1C-B1DA-072A-1D86-F469F84F280E}"/>
+          </ac:spMkLst>
+        </pc:spChg>
+        <pc:spChg chg="add mod">
+          <ac:chgData name="Sehgal, Vinit" userId="ef721694-8436-4df6-8b9b-be9691359d6c" providerId="ADAL" clId="{26AAD9E8-4C42-4DE7-94A5-14A70A065374}" dt="2024-02-26T18:36:17.771" v="4000" actId="1076"/>
+          <ac:spMkLst>
+            <pc:docMk/>
+            <pc:sldMk cId="3647367637" sldId="268"/>
+            <ac:spMk id="20" creationId="{FE5DCE3F-EF89-8E44-AF32-1DCC62A34EC0}"/>
+          </ac:spMkLst>
+        </pc:spChg>
+        <pc:picChg chg="add del mod">
+          <ac:chgData name="Sehgal, Vinit" userId="ef721694-8436-4df6-8b9b-be9691359d6c" providerId="ADAL" clId="{26AAD9E8-4C42-4DE7-94A5-14A70A065374}" dt="2024-02-26T18:32:54.175" v="3924" actId="478"/>
+          <ac:picMkLst>
+            <pc:docMk/>
+            <pc:sldMk cId="3647367637" sldId="268"/>
+            <ac:picMk id="6" creationId="{F3499A92-E643-1483-0CC6-E412C0E2A3E1}"/>
+          </ac:picMkLst>
+        </pc:picChg>
+        <pc:picChg chg="add mod modCrop">
+          <ac:chgData name="Sehgal, Vinit" userId="ef721694-8436-4df6-8b9b-be9691359d6c" providerId="ADAL" clId="{26AAD9E8-4C42-4DE7-94A5-14A70A065374}" dt="2024-02-26T18:33:47.918" v="3936" actId="732"/>
+          <ac:picMkLst>
+            <pc:docMk/>
+            <pc:sldMk cId="3647367637" sldId="268"/>
+            <ac:picMk id="8" creationId="{62F28AD8-F351-1A93-7B48-71ABDCA4347C}"/>
+          </ac:picMkLst>
+        </pc:picChg>
+        <pc:picChg chg="add mod">
+          <ac:chgData name="Sehgal, Vinit" userId="ef721694-8436-4df6-8b9b-be9691359d6c" providerId="ADAL" clId="{26AAD9E8-4C42-4DE7-94A5-14A70A065374}" dt="2024-02-26T18:36:08.789" v="3998"/>
+          <ac:picMkLst>
+            <pc:docMk/>
+            <pc:sldMk cId="3647367637" sldId="268"/>
+            <ac:picMk id="19" creationId="{A0790A7C-FEAB-CCC6-BE27-DF0DCC8C8484}"/>
+          </ac:picMkLst>
+        </pc:picChg>
+        <pc:picChg chg="del mod">
+          <ac:chgData name="Sehgal, Vinit" userId="ef721694-8436-4df6-8b9b-be9691359d6c" providerId="ADAL" clId="{26AAD9E8-4C42-4DE7-94A5-14A70A065374}" dt="2024-02-26T18:36:49.050" v="4009" actId="21"/>
+          <ac:picMkLst>
+            <pc:docMk/>
+            <pc:sldMk cId="3647367637" sldId="268"/>
+            <ac:picMk id="21" creationId="{82DF98B5-270A-D46D-78DF-69F4209153B7}"/>
+          </ac:picMkLst>
+        </pc:picChg>
+        <pc:picChg chg="add del mod">
+          <ac:chgData name="Sehgal, Vinit" userId="ef721694-8436-4df6-8b9b-be9691359d6c" providerId="ADAL" clId="{26AAD9E8-4C42-4DE7-94A5-14A70A065374}" dt="2024-02-26T18:38:16.383" v="4026" actId="1076"/>
+          <ac:picMkLst>
+            <pc:docMk/>
+            <pc:sldMk cId="3647367637" sldId="268"/>
+            <ac:picMk id="22" creationId="{85E7C77E-A555-21C9-DD16-57A80C70330B}"/>
+          </ac:picMkLst>
+        </pc:picChg>
+        <pc:picChg chg="del">
+          <ac:chgData name="Sehgal, Vinit" userId="ef721694-8436-4df6-8b9b-be9691359d6c" providerId="ADAL" clId="{26AAD9E8-4C42-4DE7-94A5-14A70A065374}" dt="2024-02-26T18:38:36.226" v="4029" actId="478"/>
+          <ac:picMkLst>
+            <pc:docMk/>
+            <pc:sldMk cId="3647367637" sldId="268"/>
+            <ac:picMk id="24" creationId="{EF8C16F4-4862-4FA9-9DC5-C1BCFF2C9103}"/>
+          </ac:picMkLst>
+        </pc:picChg>
+        <pc:picChg chg="add del">
+          <ac:chgData name="Sehgal, Vinit" userId="ef721694-8436-4df6-8b9b-be9691359d6c" providerId="ADAL" clId="{26AAD9E8-4C42-4DE7-94A5-14A70A065374}" dt="2024-02-26T18:39:05.555" v="4035" actId="478"/>
+          <ac:picMkLst>
+            <pc:docMk/>
+            <pc:sldMk cId="3647367637" sldId="268"/>
+            <ac:picMk id="25" creationId="{860E39E5-C30F-E182-7CEE-B73D5E6A6F31}"/>
+          </ac:picMkLst>
+        </pc:picChg>
+      </pc:sldChg>
+      <pc:sldChg chg="delSp modSp new mod">
+        <pc:chgData name="Sehgal, Vinit" userId="ef721694-8436-4df6-8b9b-be9691359d6c" providerId="ADAL" clId="{26AAD9E8-4C42-4DE7-94A5-14A70A065374}" dt="2024-02-26T18:37:45.992" v="4018" actId="1076"/>
+        <pc:sldMkLst>
+          <pc:docMk/>
+          <pc:sldMk cId="3099942445" sldId="269"/>
+        </pc:sldMkLst>
+        <pc:spChg chg="del">
+          <ac:chgData name="Sehgal, Vinit" userId="ef721694-8436-4df6-8b9b-be9691359d6c" providerId="ADAL" clId="{26AAD9E8-4C42-4DE7-94A5-14A70A065374}" dt="2024-02-26T18:37:15.770" v="4011" actId="478"/>
+          <ac:spMkLst>
+            <pc:docMk/>
+            <pc:sldMk cId="3099942445" sldId="269"/>
+            <ac:spMk id="2" creationId="{ECE65048-FDFD-B9CD-6323-6F322C7465DF}"/>
+          </ac:spMkLst>
+        </pc:spChg>
+        <pc:spChg chg="del">
+          <ac:chgData name="Sehgal, Vinit" userId="ef721694-8436-4df6-8b9b-be9691359d6c" providerId="ADAL" clId="{26AAD9E8-4C42-4DE7-94A5-14A70A065374}" dt="2024-02-26T18:37:15.770" v="4011" actId="478"/>
+          <ac:spMkLst>
+            <pc:docMk/>
+            <pc:sldMk cId="3099942445" sldId="269"/>
+            <ac:spMk id="3" creationId="{A6F4F8FD-CB6D-6087-FD52-E6A35D6F671C}"/>
+          </ac:spMkLst>
+        </pc:spChg>
+        <pc:picChg chg="del mod">
+          <ac:chgData name="Sehgal, Vinit" userId="ef721694-8436-4df6-8b9b-be9691359d6c" providerId="ADAL" clId="{26AAD9E8-4C42-4DE7-94A5-14A70A065374}" dt="2024-02-26T18:37:21.664" v="4014" actId="478"/>
+          <ac:picMkLst>
+            <pc:docMk/>
+            <pc:sldMk cId="3099942445" sldId="269"/>
+            <ac:picMk id="4" creationId="{773C6CFE-87A1-41B0-A298-06F85609BB93}"/>
+          </ac:picMkLst>
+        </pc:picChg>
+        <pc:picChg chg="del mod">
+          <ac:chgData name="Sehgal, Vinit" userId="ef721694-8436-4df6-8b9b-be9691359d6c" providerId="ADAL" clId="{26AAD9E8-4C42-4DE7-94A5-14A70A065374}" dt="2024-02-26T18:37:32.139" v="4016" actId="21"/>
+          <ac:picMkLst>
+            <pc:docMk/>
+            <pc:sldMk cId="3099942445" sldId="269"/>
+            <ac:picMk id="5" creationId="{699E7852-F406-6DEA-27DC-1C5A51F504A3}"/>
+          </ac:picMkLst>
+        </pc:picChg>
+        <pc:picChg chg="mod">
+          <ac:chgData name="Sehgal, Vinit" userId="ef721694-8436-4df6-8b9b-be9691359d6c" providerId="ADAL" clId="{26AAD9E8-4C42-4DE7-94A5-14A70A065374}" dt="2024-02-26T18:37:45.992" v="4018" actId="1076"/>
+          <ac:picMkLst>
+            <pc:docMk/>
+            <pc:sldMk cId="3099942445" sldId="269"/>
+            <ac:picMk id="7" creationId="{27A01299-1CD3-5C0E-0E45-4D7AB5BCEDD8}"/>
+          </ac:picMkLst>
+        </pc:picChg>
+      </pc:sldChg>
+      <pc:sldChg chg="addSp modSp add mod">
+        <pc:chgData name="Sehgal, Vinit" userId="ef721694-8436-4df6-8b9b-be9691359d6c" providerId="ADAL" clId="{26AAD9E8-4C42-4DE7-94A5-14A70A065374}" dt="2024-02-27T16:29:01.036" v="4043" actId="1076"/>
+        <pc:sldMkLst>
+          <pc:docMk/>
+          <pc:sldMk cId="664011103" sldId="270"/>
+        </pc:sldMkLst>
+        <pc:spChg chg="mod">
+          <ac:chgData name="Sehgal, Vinit" userId="ef721694-8436-4df6-8b9b-be9691359d6c" providerId="ADAL" clId="{26AAD9E8-4C42-4DE7-94A5-14A70A065374}" dt="2024-02-27T16:28:47.919" v="4040" actId="164"/>
+          <ac:spMkLst>
+            <pc:docMk/>
+            <pc:sldMk cId="664011103" sldId="270"/>
+            <ac:spMk id="2" creationId="{76720344-02D2-9D26-943F-FF88AF3EBE59}"/>
+          </ac:spMkLst>
+        </pc:spChg>
+        <pc:spChg chg="mod">
+          <ac:chgData name="Sehgal, Vinit" userId="ef721694-8436-4df6-8b9b-be9691359d6c" providerId="ADAL" clId="{26AAD9E8-4C42-4DE7-94A5-14A70A065374}" dt="2024-02-27T16:28:47.919" v="4040" actId="164"/>
+          <ac:spMkLst>
+            <pc:docMk/>
+            <pc:sldMk cId="664011103" sldId="270"/>
+            <ac:spMk id="6" creationId="{E679476A-B65E-806C-81C7-770966239D7C}"/>
+          </ac:spMkLst>
+        </pc:spChg>
+        <pc:spChg chg="mod">
+          <ac:chgData name="Sehgal, Vinit" userId="ef721694-8436-4df6-8b9b-be9691359d6c" providerId="ADAL" clId="{26AAD9E8-4C42-4DE7-94A5-14A70A065374}" dt="2024-02-27T16:28:42.396" v="4039" actId="164"/>
+          <ac:spMkLst>
+            <pc:docMk/>
+            <pc:sldMk cId="664011103" sldId="270"/>
+            <ac:spMk id="10" creationId="{033F80DF-FECB-4B19-E66F-0D4D1481531E}"/>
+          </ac:spMkLst>
+        </pc:spChg>
+        <pc:spChg chg="mod">
+          <ac:chgData name="Sehgal, Vinit" userId="ef721694-8436-4df6-8b9b-be9691359d6c" providerId="ADAL" clId="{26AAD9E8-4C42-4DE7-94A5-14A70A065374}" dt="2024-02-27T16:28:42.396" v="4039" actId="164"/>
+          <ac:spMkLst>
+            <pc:docMk/>
+            <pc:sldMk cId="664011103" sldId="270"/>
+            <ac:spMk id="12" creationId="{76B4B058-3A39-2335-1054-81F7D9030C57}"/>
+          </ac:spMkLst>
+        </pc:spChg>
+        <pc:spChg chg="mod">
+          <ac:chgData name="Sehgal, Vinit" userId="ef721694-8436-4df6-8b9b-be9691359d6c" providerId="ADAL" clId="{26AAD9E8-4C42-4DE7-94A5-14A70A065374}" dt="2024-02-27T16:28:42.396" v="4039" actId="164"/>
+          <ac:spMkLst>
+            <pc:docMk/>
+            <pc:sldMk cId="664011103" sldId="270"/>
+            <ac:spMk id="13" creationId="{74E3FE1F-F601-FF5D-B9C2-D214EC8B2B94}"/>
+          </ac:spMkLst>
+        </pc:spChg>
+        <pc:spChg chg="mod">
+          <ac:chgData name="Sehgal, Vinit" userId="ef721694-8436-4df6-8b9b-be9691359d6c" providerId="ADAL" clId="{26AAD9E8-4C42-4DE7-94A5-14A70A065374}" dt="2024-02-27T16:28:47.919" v="4040" actId="164"/>
+          <ac:spMkLst>
+            <pc:docMk/>
+            <pc:sldMk cId="664011103" sldId="270"/>
+            <ac:spMk id="19" creationId="{DEBE9C84-3B2F-16AE-3776-A73206D5BE13}"/>
+          </ac:spMkLst>
+        </pc:spChg>
+        <pc:spChg chg="mod">
+          <ac:chgData name="Sehgal, Vinit" userId="ef721694-8436-4df6-8b9b-be9691359d6c" providerId="ADAL" clId="{26AAD9E8-4C42-4DE7-94A5-14A70A065374}" dt="2024-02-27T16:28:42.396" v="4039" actId="164"/>
+          <ac:spMkLst>
+            <pc:docMk/>
+            <pc:sldMk cId="664011103" sldId="270"/>
+            <ac:spMk id="22" creationId="{804C6D78-B82E-11E0-B2E0-272C6816BE9A}"/>
+          </ac:spMkLst>
+        </pc:spChg>
+        <pc:spChg chg="mod">
+          <ac:chgData name="Sehgal, Vinit" userId="ef721694-8436-4df6-8b9b-be9691359d6c" providerId="ADAL" clId="{26AAD9E8-4C42-4DE7-94A5-14A70A065374}" dt="2024-02-27T16:28:47.919" v="4040" actId="164"/>
+          <ac:spMkLst>
+            <pc:docMk/>
+            <pc:sldMk cId="664011103" sldId="270"/>
+            <ac:spMk id="24" creationId="{A36409F5-0276-63CC-3C33-7E0C67255D98}"/>
+          </ac:spMkLst>
+        </pc:spChg>
+        <pc:spChg chg="mod">
+          <ac:chgData name="Sehgal, Vinit" userId="ef721694-8436-4df6-8b9b-be9691359d6c" providerId="ADAL" clId="{26AAD9E8-4C42-4DE7-94A5-14A70A065374}" dt="2024-02-27T16:28:42.396" v="4039" actId="164"/>
+          <ac:spMkLst>
+            <pc:docMk/>
+            <pc:sldMk cId="664011103" sldId="270"/>
+            <ac:spMk id="25" creationId="{C4634C82-64DB-3CE3-A7A1-F56566396697}"/>
+          </ac:spMkLst>
+        </pc:spChg>
+        <pc:spChg chg="mod">
+          <ac:chgData name="Sehgal, Vinit" userId="ef721694-8436-4df6-8b9b-be9691359d6c" providerId="ADAL" clId="{26AAD9E8-4C42-4DE7-94A5-14A70A065374}" dt="2024-02-27T16:28:42.396" v="4039" actId="164"/>
+          <ac:spMkLst>
+            <pc:docMk/>
+            <pc:sldMk cId="664011103" sldId="270"/>
+            <ac:spMk id="26" creationId="{B3BA17A3-71D5-428A-3163-940F69DD2C83}"/>
+          </ac:spMkLst>
+        </pc:spChg>
+        <pc:spChg chg="mod">
+          <ac:chgData name="Sehgal, Vinit" userId="ef721694-8436-4df6-8b9b-be9691359d6c" providerId="ADAL" clId="{26AAD9E8-4C42-4DE7-94A5-14A70A065374}" dt="2024-02-27T16:28:42.396" v="4039" actId="164"/>
+          <ac:spMkLst>
+            <pc:docMk/>
+            <pc:sldMk cId="664011103" sldId="270"/>
+            <ac:spMk id="27" creationId="{079B1562-3FC0-C67A-B032-EB73B74509C1}"/>
+          </ac:spMkLst>
+        </pc:spChg>
+        <pc:spChg chg="mod">
+          <ac:chgData name="Sehgal, Vinit" userId="ef721694-8436-4df6-8b9b-be9691359d6c" providerId="ADAL" clId="{26AAD9E8-4C42-4DE7-94A5-14A70A065374}" dt="2024-02-27T16:28:47.919" v="4040" actId="164"/>
+          <ac:spMkLst>
+            <pc:docMk/>
+            <pc:sldMk cId="664011103" sldId="270"/>
+            <ac:spMk id="28" creationId="{EF898FD1-30CD-A210-F186-F5F3838DC8A7}"/>
+          </ac:spMkLst>
+        </pc:spChg>
+        <pc:spChg chg="mod">
+          <ac:chgData name="Sehgal, Vinit" userId="ef721694-8436-4df6-8b9b-be9691359d6c" providerId="ADAL" clId="{26AAD9E8-4C42-4DE7-94A5-14A70A065374}" dt="2024-02-27T16:28:47.919" v="4040" actId="164"/>
+          <ac:spMkLst>
+            <pc:docMk/>
+            <pc:sldMk cId="664011103" sldId="270"/>
+            <ac:spMk id="46" creationId="{027C068C-FEB7-99E1-F7BC-40952780A6F4}"/>
+          </ac:spMkLst>
+        </pc:spChg>
+        <pc:spChg chg="mod">
+          <ac:chgData name="Sehgal, Vinit" userId="ef721694-8436-4df6-8b9b-be9691359d6c" providerId="ADAL" clId="{26AAD9E8-4C42-4DE7-94A5-14A70A065374}" dt="2024-02-27T16:28:47.919" v="4040" actId="164"/>
+          <ac:spMkLst>
+            <pc:docMk/>
+            <pc:sldMk cId="664011103" sldId="270"/>
+            <ac:spMk id="47" creationId="{CB436B31-D7BA-EE7B-99E1-9A944D1A92C5}"/>
+          </ac:spMkLst>
+        </pc:spChg>
+        <pc:spChg chg="mod">
+          <ac:chgData name="Sehgal, Vinit" userId="ef721694-8436-4df6-8b9b-be9691359d6c" providerId="ADAL" clId="{26AAD9E8-4C42-4DE7-94A5-14A70A065374}" dt="2024-02-27T16:28:47.919" v="4040" actId="164"/>
+          <ac:spMkLst>
+            <pc:docMk/>
+            <pc:sldMk cId="664011103" sldId="270"/>
+            <ac:spMk id="49" creationId="{6198BD9D-BD69-5FDE-68E6-BA24E936C20A}"/>
+          </ac:spMkLst>
+        </pc:spChg>
+        <pc:spChg chg="mod">
+          <ac:chgData name="Sehgal, Vinit" userId="ef721694-8436-4df6-8b9b-be9691359d6c" providerId="ADAL" clId="{26AAD9E8-4C42-4DE7-94A5-14A70A065374}" dt="2024-02-27T16:28:42.396" v="4039" actId="164"/>
+          <ac:spMkLst>
+            <pc:docMk/>
+            <pc:sldMk cId="664011103" sldId="270"/>
+            <ac:spMk id="1034" creationId="{A44FFE0B-F835-1C96-CCB0-FB5F143F95A9}"/>
+          </ac:spMkLst>
+        </pc:spChg>
+        <pc:spChg chg="mod">
+          <ac:chgData name="Sehgal, Vinit" userId="ef721694-8436-4df6-8b9b-be9691359d6c" providerId="ADAL" clId="{26AAD9E8-4C42-4DE7-94A5-14A70A065374}" dt="2024-02-27T16:28:42.396" v="4039" actId="164"/>
+          <ac:spMkLst>
+            <pc:docMk/>
+            <pc:sldMk cId="664011103" sldId="270"/>
+            <ac:spMk id="1047" creationId="{12550FA1-7018-9C26-B668-B1C97461996B}"/>
+          </ac:spMkLst>
+        </pc:spChg>
+        <pc:spChg chg="mod">
+          <ac:chgData name="Sehgal, Vinit" userId="ef721694-8436-4df6-8b9b-be9691359d6c" providerId="ADAL" clId="{26AAD9E8-4C42-4DE7-94A5-14A70A065374}" dt="2024-02-27T16:28:42.396" v="4039" actId="164"/>
+          <ac:spMkLst>
+            <pc:docMk/>
+            <pc:sldMk cId="664011103" sldId="270"/>
+            <ac:spMk id="1049" creationId="{A367D058-87DF-0126-8D47-54E53A2659F9}"/>
+          </ac:spMkLst>
+        </pc:spChg>
+        <pc:spChg chg="mod">
+          <ac:chgData name="Sehgal, Vinit" userId="ef721694-8436-4df6-8b9b-be9691359d6c" providerId="ADAL" clId="{26AAD9E8-4C42-4DE7-94A5-14A70A065374}" dt="2024-02-27T16:28:47.919" v="4040" actId="164"/>
+          <ac:spMkLst>
+            <pc:docMk/>
+            <pc:sldMk cId="664011103" sldId="270"/>
+            <ac:spMk id="1052" creationId="{49C303C9-85DB-894A-338B-A29F13F12472}"/>
+          </ac:spMkLst>
+        </pc:spChg>
+        <pc:spChg chg="mod">
+          <ac:chgData name="Sehgal, Vinit" userId="ef721694-8436-4df6-8b9b-be9691359d6c" providerId="ADAL" clId="{26AAD9E8-4C42-4DE7-94A5-14A70A065374}" dt="2024-02-27T16:28:47.919" v="4040" actId="164"/>
+          <ac:spMkLst>
+            <pc:docMk/>
+            <pc:sldMk cId="664011103" sldId="270"/>
+            <ac:spMk id="1054" creationId="{C17EDABD-310A-A479-B278-0E0AA9D91101}"/>
+          </ac:spMkLst>
+        </pc:spChg>
+        <pc:spChg chg="mod">
+          <ac:chgData name="Sehgal, Vinit" userId="ef721694-8436-4df6-8b9b-be9691359d6c" providerId="ADAL" clId="{26AAD9E8-4C42-4DE7-94A5-14A70A065374}" dt="2024-02-27T16:28:42.396" v="4039" actId="164"/>
+          <ac:spMkLst>
+            <pc:docMk/>
+            <pc:sldMk cId="664011103" sldId="270"/>
+            <ac:spMk id="1055" creationId="{FE970491-45E3-2FAA-3603-ECDB73359D6E}"/>
+          </ac:spMkLst>
+        </pc:spChg>
+        <pc:grpChg chg="add mod">
+          <ac:chgData name="Sehgal, Vinit" userId="ef721694-8436-4df6-8b9b-be9691359d6c" providerId="ADAL" clId="{26AAD9E8-4C42-4DE7-94A5-14A70A065374}" dt="2024-02-27T16:29:01.036" v="4043" actId="1076"/>
+          <ac:grpSpMkLst>
+            <pc:docMk/>
+            <pc:sldMk cId="664011103" sldId="270"/>
+            <ac:grpSpMk id="3" creationId="{2036FD6B-571A-399B-27EE-D5246438145E}"/>
+          </ac:grpSpMkLst>
+        </pc:grpChg>
+        <pc:grpChg chg="add mod">
+          <ac:chgData name="Sehgal, Vinit" userId="ef721694-8436-4df6-8b9b-be9691359d6c" providerId="ADAL" clId="{26AAD9E8-4C42-4DE7-94A5-14A70A065374}" dt="2024-02-27T16:28:54.038" v="4042" actId="1076"/>
+          <ac:grpSpMkLst>
+            <pc:docMk/>
+            <pc:sldMk cId="664011103" sldId="270"/>
+            <ac:grpSpMk id="14" creationId="{91CE2D45-CEAF-E623-417D-81471EA1FC1A}"/>
+          </ac:grpSpMkLst>
+        </pc:grpChg>
+        <pc:grpChg chg="mod">
+          <ac:chgData name="Sehgal, Vinit" userId="ef721694-8436-4df6-8b9b-be9691359d6c" providerId="ADAL" clId="{26AAD9E8-4C42-4DE7-94A5-14A70A065374}" dt="2024-02-27T16:28:47.919" v="4040" actId="164"/>
+          <ac:grpSpMkLst>
+            <pc:docMk/>
+            <pc:sldMk cId="664011103" sldId="270"/>
+            <ac:grpSpMk id="55" creationId="{A79EE910-2929-20A3-BE6E-E43D44F27AA5}"/>
+          </ac:grpSpMkLst>
+        </pc:grpChg>
+        <pc:grpChg chg="mod">
+          <ac:chgData name="Sehgal, Vinit" userId="ef721694-8436-4df6-8b9b-be9691359d6c" providerId="ADAL" clId="{26AAD9E8-4C42-4DE7-94A5-14A70A065374}" dt="2024-02-27T16:28:47.919" v="4040" actId="164"/>
+          <ac:grpSpMkLst>
+            <pc:docMk/>
+            <pc:sldMk cId="664011103" sldId="270"/>
+            <ac:grpSpMk id="1044" creationId="{B2421F4D-9E5C-2A94-688F-5A19E30C5944}"/>
+          </ac:grpSpMkLst>
+        </pc:grpChg>
+        <pc:picChg chg="mod">
+          <ac:chgData name="Sehgal, Vinit" userId="ef721694-8436-4df6-8b9b-be9691359d6c" providerId="ADAL" clId="{26AAD9E8-4C42-4DE7-94A5-14A70A065374}" dt="2024-02-27T16:28:42.396" v="4039" actId="164"/>
+          <ac:picMkLst>
+            <pc:docMk/>
+            <pc:sldMk cId="664011103" sldId="270"/>
+            <ac:picMk id="11" creationId="{A9094393-1B06-91BA-9C4A-E6C392EE7C0A}"/>
+          </ac:picMkLst>
+        </pc:picChg>
+        <pc:picChg chg="mod">
+          <ac:chgData name="Sehgal, Vinit" userId="ef721694-8436-4df6-8b9b-be9691359d6c" providerId="ADAL" clId="{26AAD9E8-4C42-4DE7-94A5-14A70A065374}" dt="2024-02-27T16:28:42.396" v="4039" actId="164"/>
+          <ac:picMkLst>
+            <pc:docMk/>
+            <pc:sldMk cId="664011103" sldId="270"/>
+            <ac:picMk id="16" creationId="{C2907910-A76C-1627-A68C-98FA50DB1C46}"/>
+          </ac:picMkLst>
+        </pc:picChg>
+        <pc:picChg chg="mod">
+          <ac:chgData name="Sehgal, Vinit" userId="ef721694-8436-4df6-8b9b-be9691359d6c" providerId="ADAL" clId="{26AAD9E8-4C42-4DE7-94A5-14A70A065374}" dt="2024-02-27T16:28:42.396" v="4039" actId="164"/>
+          <ac:picMkLst>
+            <pc:docMk/>
+            <pc:sldMk cId="664011103" sldId="270"/>
+            <ac:picMk id="1031" creationId="{9FFAECE8-2E28-9B86-AE95-F1D9E7A26050}"/>
+          </ac:picMkLst>
+        </pc:picChg>
+        <pc:cxnChg chg="mod">
+          <ac:chgData name="Sehgal, Vinit" userId="ef721694-8436-4df6-8b9b-be9691359d6c" providerId="ADAL" clId="{26AAD9E8-4C42-4DE7-94A5-14A70A065374}" dt="2024-02-27T16:28:47.919" v="4040" actId="164"/>
+          <ac:cxnSpMkLst>
+            <pc:docMk/>
+            <pc:sldMk cId="664011103" sldId="270"/>
+            <ac:cxnSpMk id="4" creationId="{47E6E706-A4EA-002C-10D8-1FAEC456A657}"/>
+          </ac:cxnSpMkLst>
+        </pc:cxnChg>
+        <pc:cxnChg chg="mod">
+          <ac:chgData name="Sehgal, Vinit" userId="ef721694-8436-4df6-8b9b-be9691359d6c" providerId="ADAL" clId="{26AAD9E8-4C42-4DE7-94A5-14A70A065374}" dt="2024-02-27T16:28:47.919" v="4040" actId="164"/>
+          <ac:cxnSpMkLst>
+            <pc:docMk/>
+            <pc:sldMk cId="664011103" sldId="270"/>
+            <ac:cxnSpMk id="9" creationId="{746BF88D-2684-88DC-8C2D-8FBF53A113C1}"/>
+          </ac:cxnSpMkLst>
+        </pc:cxnChg>
+        <pc:cxnChg chg="mod">
+          <ac:chgData name="Sehgal, Vinit" userId="ef721694-8436-4df6-8b9b-be9691359d6c" providerId="ADAL" clId="{26AAD9E8-4C42-4DE7-94A5-14A70A065374}" dt="2024-02-27T16:28:42.396" v="4039" actId="164"/>
+          <ac:cxnSpMkLst>
+            <pc:docMk/>
+            <pc:sldMk cId="664011103" sldId="270"/>
+            <ac:cxnSpMk id="15" creationId="{1500E1A2-84EC-DF11-DA45-891CA712F039}"/>
+          </ac:cxnSpMkLst>
+        </pc:cxnChg>
+        <pc:cxnChg chg="mod">
+          <ac:chgData name="Sehgal, Vinit" userId="ef721694-8436-4df6-8b9b-be9691359d6c" providerId="ADAL" clId="{26AAD9E8-4C42-4DE7-94A5-14A70A065374}" dt="2024-02-27T16:28:47.919" v="4040" actId="164"/>
+          <ac:cxnSpMkLst>
+            <pc:docMk/>
+            <pc:sldMk cId="664011103" sldId="270"/>
+            <ac:cxnSpMk id="17" creationId="{EA55986F-BFF8-5961-DC8F-4FA498548455}"/>
+          </ac:cxnSpMkLst>
+        </pc:cxnChg>
+        <pc:cxnChg chg="mod">
+          <ac:chgData name="Sehgal, Vinit" userId="ef721694-8436-4df6-8b9b-be9691359d6c" providerId="ADAL" clId="{26AAD9E8-4C42-4DE7-94A5-14A70A065374}" dt="2024-02-27T16:28:42.396" v="4039" actId="164"/>
+          <ac:cxnSpMkLst>
+            <pc:docMk/>
+            <pc:sldMk cId="664011103" sldId="270"/>
+            <ac:cxnSpMk id="20" creationId="{0E32CB97-1FA1-8898-B3C4-71E67CDA2952}"/>
+          </ac:cxnSpMkLst>
+        </pc:cxnChg>
+        <pc:cxnChg chg="mod">
+          <ac:chgData name="Sehgal, Vinit" userId="ef721694-8436-4df6-8b9b-be9691359d6c" providerId="ADAL" clId="{26AAD9E8-4C42-4DE7-94A5-14A70A065374}" dt="2024-02-27T16:28:42.396" v="4039" actId="164"/>
+          <ac:cxnSpMkLst>
+            <pc:docMk/>
+            <pc:sldMk cId="664011103" sldId="270"/>
+            <ac:cxnSpMk id="23" creationId="{9E9B3A59-6EFC-4767-6B0C-ACF8E9400E4E}"/>
+          </ac:cxnSpMkLst>
+        </pc:cxnChg>
+        <pc:cxnChg chg="mod">
+          <ac:chgData name="Sehgal, Vinit" userId="ef721694-8436-4df6-8b9b-be9691359d6c" providerId="ADAL" clId="{26AAD9E8-4C42-4DE7-94A5-14A70A065374}" dt="2024-02-27T16:28:47.919" v="4040" actId="164"/>
+          <ac:cxnSpMkLst>
+            <pc:docMk/>
+            <pc:sldMk cId="664011103" sldId="270"/>
+            <ac:cxnSpMk id="29" creationId="{B815F16A-F901-2C9F-C93D-7F0D5C47AF2F}"/>
+          </ac:cxnSpMkLst>
+        </pc:cxnChg>
+      </pc:sldChg>
+      <pc:sldChg chg="delSp modSp add mod">
+        <pc:chgData name="Sehgal, Vinit" userId="ef721694-8436-4df6-8b9b-be9691359d6c" providerId="ADAL" clId="{26AAD9E8-4C42-4DE7-94A5-14A70A065374}" dt="2024-02-27T23:13:18.611" v="4700" actId="21"/>
+        <pc:sldMkLst>
+          <pc:docMk/>
+          <pc:sldMk cId="1029037540" sldId="271"/>
+        </pc:sldMkLst>
+        <pc:spChg chg="mod">
+          <ac:chgData name="Sehgal, Vinit" userId="ef721694-8436-4df6-8b9b-be9691359d6c" providerId="ADAL" clId="{26AAD9E8-4C42-4DE7-94A5-14A70A065374}" dt="2024-02-27T23:12:50.774" v="4698" actId="20577"/>
+          <ac:spMkLst>
+            <pc:docMk/>
+            <pc:sldMk cId="1029037540" sldId="271"/>
+            <ac:spMk id="4" creationId="{2B63E983-9F45-5C3A-B9DF-9F50DBE71149}"/>
+          </ac:spMkLst>
+        </pc:spChg>
+        <pc:picChg chg="del mod">
+          <ac:chgData name="Sehgal, Vinit" userId="ef721694-8436-4df6-8b9b-be9691359d6c" providerId="ADAL" clId="{26AAD9E8-4C42-4DE7-94A5-14A70A065374}" dt="2024-02-27T23:13:18.611" v="4700" actId="21"/>
+          <ac:picMkLst>
+            <pc:docMk/>
+            <pc:sldMk cId="1029037540" sldId="271"/>
+            <ac:picMk id="2" creationId="{D21022E1-E714-1EF2-38C1-8AD54D1D23A8}"/>
+          </ac:picMkLst>
+        </pc:picChg>
       </pc:sldChg>
     </pc:docChg>
   </pc:docChgLst>
@@ -2128,7 +2664,7 @@
           <a:p>
             <a:fld id="{BE439EB3-F077-416F-BE9D-E5A16F54A2DF}" type="datetimeFigureOut">
               <a:rPr lang="en-US" smtClean="0"/>
-              <a:t>2/21/2024</a:t>
+              <a:t>2/27/2024</a:t>
             </a:fld>
             <a:endParaRPr lang="en-US" dirty="0"/>
           </a:p>
@@ -2326,7 +2862,7 @@
           <a:p>
             <a:fld id="{BE439EB3-F077-416F-BE9D-E5A16F54A2DF}" type="datetimeFigureOut">
               <a:rPr lang="en-US" smtClean="0"/>
-              <a:t>2/21/2024</a:t>
+              <a:t>2/27/2024</a:t>
             </a:fld>
             <a:endParaRPr lang="en-US" dirty="0"/>
           </a:p>
@@ -2534,7 +3070,7 @@
           <a:p>
             <a:fld id="{BE439EB3-F077-416F-BE9D-E5A16F54A2DF}" type="datetimeFigureOut">
               <a:rPr lang="en-US" smtClean="0"/>
-              <a:t>2/21/2024</a:t>
+              <a:t>2/27/2024</a:t>
             </a:fld>
             <a:endParaRPr lang="en-US" dirty="0"/>
           </a:p>
@@ -2732,7 +3268,7 @@
           <a:p>
             <a:fld id="{BE439EB3-F077-416F-BE9D-E5A16F54A2DF}" type="datetimeFigureOut">
               <a:rPr lang="en-US" smtClean="0"/>
-              <a:t>2/21/2024</a:t>
+              <a:t>2/27/2024</a:t>
             </a:fld>
             <a:endParaRPr lang="en-US" dirty="0"/>
           </a:p>
@@ -3007,7 +3543,7 @@
           <a:p>
             <a:fld id="{BE439EB3-F077-416F-BE9D-E5A16F54A2DF}" type="datetimeFigureOut">
               <a:rPr lang="en-US" smtClean="0"/>
-              <a:t>2/21/2024</a:t>
+              <a:t>2/27/2024</a:t>
             </a:fld>
             <a:endParaRPr lang="en-US" dirty="0"/>
           </a:p>
@@ -3272,7 +3808,7 @@
           <a:p>
             <a:fld id="{BE439EB3-F077-416F-BE9D-E5A16F54A2DF}" type="datetimeFigureOut">
               <a:rPr lang="en-US" smtClean="0"/>
-              <a:t>2/21/2024</a:t>
+              <a:t>2/27/2024</a:t>
             </a:fld>
             <a:endParaRPr lang="en-US" dirty="0"/>
           </a:p>
@@ -3684,7 +4220,7 @@
           <a:p>
             <a:fld id="{BE439EB3-F077-416F-BE9D-E5A16F54A2DF}" type="datetimeFigureOut">
               <a:rPr lang="en-US" smtClean="0"/>
-              <a:t>2/21/2024</a:t>
+              <a:t>2/27/2024</a:t>
             </a:fld>
             <a:endParaRPr lang="en-US" dirty="0"/>
           </a:p>
@@ -3825,7 +4361,7 @@
           <a:p>
             <a:fld id="{BE439EB3-F077-416F-BE9D-E5A16F54A2DF}" type="datetimeFigureOut">
               <a:rPr lang="en-US" smtClean="0"/>
-              <a:t>2/21/2024</a:t>
+              <a:t>2/27/2024</a:t>
             </a:fld>
             <a:endParaRPr lang="en-US" dirty="0"/>
           </a:p>
@@ -3938,7 +4474,7 @@
           <a:p>
             <a:fld id="{BE439EB3-F077-416F-BE9D-E5A16F54A2DF}" type="datetimeFigureOut">
               <a:rPr lang="en-US" smtClean="0"/>
-              <a:t>2/21/2024</a:t>
+              <a:t>2/27/2024</a:t>
             </a:fld>
             <a:endParaRPr lang="en-US" dirty="0"/>
           </a:p>
@@ -4249,7 +4785,7 @@
           <a:p>
             <a:fld id="{BE439EB3-F077-416F-BE9D-E5A16F54A2DF}" type="datetimeFigureOut">
               <a:rPr lang="en-US" smtClean="0"/>
-              <a:t>2/21/2024</a:t>
+              <a:t>2/27/2024</a:t>
             </a:fld>
             <a:endParaRPr lang="en-US" dirty="0"/>
           </a:p>
@@ -4537,7 +5073,7 @@
           <a:p>
             <a:fld id="{BE439EB3-F077-416F-BE9D-E5A16F54A2DF}" type="datetimeFigureOut">
               <a:rPr lang="en-US" smtClean="0"/>
-              <a:t>2/21/2024</a:t>
+              <a:t>2/27/2024</a:t>
             </a:fld>
             <a:endParaRPr lang="en-US" dirty="0"/>
           </a:p>
@@ -4778,7 +5314,7 @@
           <a:p>
             <a:fld id="{BE439EB3-F077-416F-BE9D-E5A16F54A2DF}" type="datetimeFigureOut">
               <a:rPr lang="en-US" smtClean="0"/>
-              <a:t>2/21/2024</a:t>
+              <a:t>2/27/2024</a:t>
             </a:fld>
             <a:endParaRPr lang="en-US" dirty="0"/>
           </a:p>
@@ -7671,6 +8207,811 @@
 <file path=ppt/slides/slide10.xml><?xml version="1.0" encoding="utf-8"?>
 <p:sld xmlns:a="http://schemas.openxmlformats.org/drawingml/2006/main" xmlns:r="http://schemas.openxmlformats.org/officeDocument/2006/relationships" xmlns:p="http://schemas.openxmlformats.org/presentationml/2006/main">
   <p:cSld>
+    <p:bg>
+      <p:bgPr>
+        <a:solidFill>
+          <a:schemeClr val="bg1"/>
+        </a:solidFill>
+        <a:effectLst/>
+      </p:bgPr>
+    </p:bg>
+    <p:spTree>
+      <p:nvGrpSpPr>
+        <p:cNvPr id="1" name=""/>
+        <p:cNvGrpSpPr/>
+        <p:nvPr/>
+      </p:nvGrpSpPr>
+      <p:grpSpPr>
+        <a:xfrm>
+          <a:off x="0" y="0"/>
+          <a:ext cx="0" cy="0"/>
+          <a:chOff x="0" y="0"/>
+          <a:chExt cx="0" cy="0"/>
+        </a:xfrm>
+      </p:grpSpPr>
+      <p:graphicFrame>
+        <p:nvGraphicFramePr>
+          <p:cNvPr id="4" name="Table 3">
+            <a:extLst>
+              <a:ext uri="{FF2B5EF4-FFF2-40B4-BE49-F238E27FC236}">
+                <a16:creationId xmlns:a16="http://schemas.microsoft.com/office/drawing/2014/main" id="{D307A52A-B464-CD32-F87A-2BA9A8A50211}"/>
+              </a:ext>
+            </a:extLst>
+          </p:cNvPr>
+          <p:cNvGraphicFramePr>
+            <a:graphicFrameLocks noGrp="1"/>
+          </p:cNvGraphicFramePr>
+          <p:nvPr>
+            <p:extLst>
+              <p:ext uri="{D42A27DB-BD31-4B8C-83A1-F6EECF244321}">
+                <p14:modId xmlns:p14="http://schemas.microsoft.com/office/powerpoint/2010/main" val="2176799331"/>
+              </p:ext>
+            </p:extLst>
+          </p:nvPr>
+        </p:nvGraphicFramePr>
+        <p:xfrm>
+          <a:off x="1909978" y="643466"/>
+          <a:ext cx="8372045" cy="5571069"/>
+        </p:xfrm>
+        <a:graphic>
+          <a:graphicData uri="http://schemas.openxmlformats.org/drawingml/2006/table">
+            <a:tbl>
+              <a:tblPr firstRow="1" bandRow="1">
+                <a:tableStyleId>{5C22544A-7EE6-4342-B048-85BDC9FD1C3A}</a:tableStyleId>
+              </a:tblPr>
+              <a:tblGrid>
+                <a:gridCol w="1783133">
+                  <a:extLst>
+                    <a:ext uri="{9D8B030D-6E8A-4147-A177-3AD203B41FA5}">
+                      <a16:colId xmlns:a16="http://schemas.microsoft.com/office/drawing/2014/main" val="3773975104"/>
+                    </a:ext>
+                  </a:extLst>
+                </a:gridCol>
+                <a:gridCol w="6588912">
+                  <a:extLst>
+                    <a:ext uri="{9D8B030D-6E8A-4147-A177-3AD203B41FA5}">
+                      <a16:colId xmlns:a16="http://schemas.microsoft.com/office/drawing/2014/main" val="3888585185"/>
+                    </a:ext>
+                  </a:extLst>
+                </a:gridCol>
+              </a:tblGrid>
+              <a:tr h="399335">
+                <a:tc>
+                  <a:txBody>
+                    <a:bodyPr/>
+                    <a:lstStyle/>
+                    <a:p>
+                      <a:pPr algn="l" fontAlgn="t"/>
+                      <a:r>
+                        <a:rPr lang="en-US" sz="2100" u="none" strike="noStrike">
+                          <a:effectLst/>
+                        </a:rPr>
+                        <a:t>Operator</a:t>
+                      </a:r>
+                      <a:endParaRPr lang="en-US" sz="2100" b="1" i="0" u="none" strike="noStrike">
+                        <a:solidFill>
+                          <a:srgbClr val="000000"/>
+                        </a:solidFill>
+                        <a:effectLst/>
+                        <a:latin typeface="Verdana" panose="020B0604030504040204" pitchFamily="34" charset="0"/>
+                      </a:endParaRPr>
+                    </a:p>
+                  </a:txBody>
+                  <a:tcPr marL="155173" marR="17241" marT="17241" marB="0"/>
+                </a:tc>
+                <a:tc>
+                  <a:txBody>
+                    <a:bodyPr/>
+                    <a:lstStyle/>
+                    <a:p>
+                      <a:pPr algn="l" fontAlgn="t"/>
+                      <a:r>
+                        <a:rPr lang="en-US" sz="2100" u="none" strike="noStrike">
+                          <a:effectLst/>
+                        </a:rPr>
+                        <a:t>Description</a:t>
+                      </a:r>
+                      <a:endParaRPr lang="en-US" sz="2100" b="1" i="0" u="none" strike="noStrike">
+                        <a:solidFill>
+                          <a:srgbClr val="000000"/>
+                        </a:solidFill>
+                        <a:effectLst/>
+                        <a:latin typeface="Verdana" panose="020B0604030504040204" pitchFamily="34" charset="0"/>
+                      </a:endParaRPr>
+                    </a:p>
+                  </a:txBody>
+                  <a:tcPr marL="17241" marR="17241" marT="17241" marB="0"/>
+                </a:tc>
+                <a:extLst>
+                  <a:ext uri="{0D108BD9-81ED-4DB2-BD59-A6C34878D82A}">
+                    <a16:rowId xmlns:a16="http://schemas.microsoft.com/office/drawing/2014/main" val="623860507"/>
+                  </a:ext>
+                </a:extLst>
+              </a:tr>
+              <a:tr h="971615">
+                <a:tc>
+                  <a:txBody>
+                    <a:bodyPr/>
+                    <a:lstStyle/>
+                    <a:p>
+                      <a:pPr algn="l" fontAlgn="t"/>
+                      <a:r>
+                        <a:rPr lang="en-US" sz="2100" u="none" strike="noStrike" dirty="0">
+                          <a:effectLst/>
+                        </a:rPr>
+                        <a:t>&amp;</a:t>
+                      </a:r>
+                      <a:endParaRPr lang="en-US" sz="2100" b="0" i="0" u="none" strike="noStrike" dirty="0">
+                        <a:solidFill>
+                          <a:srgbClr val="000000"/>
+                        </a:solidFill>
+                        <a:effectLst/>
+                        <a:latin typeface="Verdana" panose="020B0604030504040204" pitchFamily="34" charset="0"/>
+                      </a:endParaRPr>
+                    </a:p>
+                  </a:txBody>
+                  <a:tcPr marL="155173" marR="17241" marT="17241" marB="0"/>
+                </a:tc>
+                <a:tc>
+                  <a:txBody>
+                    <a:bodyPr/>
+                    <a:lstStyle/>
+                    <a:p>
+                      <a:pPr algn="l" fontAlgn="t"/>
+                      <a:r>
+                        <a:rPr lang="en-US" sz="2100" u="none" strike="noStrike">
+                          <a:effectLst/>
+                        </a:rPr>
+                        <a:t>Element-wise Logical AND operator. It returns TRUE if both elements are TRUE</a:t>
+                      </a:r>
+                      <a:endParaRPr lang="en-US" sz="2100" b="0" i="0" u="none" strike="noStrike">
+                        <a:solidFill>
+                          <a:srgbClr val="000000"/>
+                        </a:solidFill>
+                        <a:effectLst/>
+                        <a:latin typeface="Verdana" panose="020B0604030504040204" pitchFamily="34" charset="0"/>
+                      </a:endParaRPr>
+                    </a:p>
+                  </a:txBody>
+                  <a:tcPr marL="17241" marR="17241" marT="137932" marB="137932"/>
+                </a:tc>
+                <a:extLst>
+                  <a:ext uri="{0D108BD9-81ED-4DB2-BD59-A6C34878D82A}">
+                    <a16:rowId xmlns:a16="http://schemas.microsoft.com/office/drawing/2014/main" val="2733256577"/>
+                  </a:ext>
+                </a:extLst>
+              </a:tr>
+              <a:tr h="971615">
+                <a:tc>
+                  <a:txBody>
+                    <a:bodyPr/>
+                    <a:lstStyle/>
+                    <a:p>
+                      <a:pPr algn="l" fontAlgn="t"/>
+                      <a:r>
+                        <a:rPr lang="en-US" sz="2100" u="none" strike="noStrike">
+                          <a:effectLst/>
+                        </a:rPr>
+                        <a:t>&amp;&amp;</a:t>
+                      </a:r>
+                      <a:endParaRPr lang="en-US" sz="2100" b="0" i="0" u="none" strike="noStrike">
+                        <a:solidFill>
+                          <a:srgbClr val="000000"/>
+                        </a:solidFill>
+                        <a:effectLst/>
+                        <a:latin typeface="Verdana" panose="020B0604030504040204" pitchFamily="34" charset="0"/>
+                      </a:endParaRPr>
+                    </a:p>
+                  </a:txBody>
+                  <a:tcPr marL="155173" marR="17241" marT="17241" marB="0"/>
+                </a:tc>
+                <a:tc>
+                  <a:txBody>
+                    <a:bodyPr/>
+                    <a:lstStyle/>
+                    <a:p>
+                      <a:pPr algn="l" fontAlgn="t"/>
+                      <a:r>
+                        <a:rPr lang="en-US" sz="2100" u="none" strike="noStrike" dirty="0">
+                          <a:effectLst/>
+                        </a:rPr>
+                        <a:t>Logical AND operator - Returns TRUE if both statements are TRUE</a:t>
+                      </a:r>
+                      <a:endParaRPr lang="en-US" sz="2100" b="0" i="0" u="none" strike="noStrike" dirty="0">
+                        <a:solidFill>
+                          <a:srgbClr val="000000"/>
+                        </a:solidFill>
+                        <a:effectLst/>
+                        <a:latin typeface="Verdana" panose="020B0604030504040204" pitchFamily="34" charset="0"/>
+                      </a:endParaRPr>
+                    </a:p>
+                  </a:txBody>
+                  <a:tcPr marL="17241" marR="17241" marT="137932" marB="137932"/>
+                </a:tc>
+                <a:extLst>
+                  <a:ext uri="{0D108BD9-81ED-4DB2-BD59-A6C34878D82A}">
+                    <a16:rowId xmlns:a16="http://schemas.microsoft.com/office/drawing/2014/main" val="1256523461"/>
+                  </a:ext>
+                </a:extLst>
+              </a:tr>
+              <a:tr h="1285274">
+                <a:tc>
+                  <a:txBody>
+                    <a:bodyPr/>
+                    <a:lstStyle/>
+                    <a:p>
+                      <a:pPr algn="l" fontAlgn="t"/>
+                      <a:r>
+                        <a:rPr lang="en-US" sz="2100" u="none" strike="noStrike">
+                          <a:effectLst/>
+                        </a:rPr>
+                        <a:t>|</a:t>
+                      </a:r>
+                      <a:endParaRPr lang="en-US" sz="2100" b="0" i="0" u="none" strike="noStrike">
+                        <a:solidFill>
+                          <a:srgbClr val="000000"/>
+                        </a:solidFill>
+                        <a:effectLst/>
+                        <a:latin typeface="Verdana" panose="020B0604030504040204" pitchFamily="34" charset="0"/>
+                      </a:endParaRPr>
+                    </a:p>
+                  </a:txBody>
+                  <a:tcPr marL="155173" marR="17241" marT="17241" marB="0"/>
+                </a:tc>
+                <a:tc>
+                  <a:txBody>
+                    <a:bodyPr/>
+                    <a:lstStyle/>
+                    <a:p>
+                      <a:pPr algn="l" fontAlgn="t"/>
+                      <a:r>
+                        <a:rPr lang="en-US" sz="2100" u="none" strike="noStrike" dirty="0">
+                          <a:effectLst/>
+                        </a:rPr>
+                        <a:t>Elementwise- Logical OR operator. It returns TRUE if one of the statement is TRUE</a:t>
+                      </a:r>
+                      <a:endParaRPr lang="en-US" sz="2100" b="0" i="0" u="none" strike="noStrike" dirty="0">
+                        <a:solidFill>
+                          <a:srgbClr val="000000"/>
+                        </a:solidFill>
+                        <a:effectLst/>
+                        <a:latin typeface="Verdana" panose="020B0604030504040204" pitchFamily="34" charset="0"/>
+                      </a:endParaRPr>
+                    </a:p>
+                  </a:txBody>
+                  <a:tcPr marL="17241" marR="17241" marT="137932" marB="137932"/>
+                </a:tc>
+                <a:extLst>
+                  <a:ext uri="{0D108BD9-81ED-4DB2-BD59-A6C34878D82A}">
+                    <a16:rowId xmlns:a16="http://schemas.microsoft.com/office/drawing/2014/main" val="1895393037"/>
+                  </a:ext>
+                </a:extLst>
+              </a:tr>
+              <a:tr h="971615">
+                <a:tc>
+                  <a:txBody>
+                    <a:bodyPr/>
+                    <a:lstStyle/>
+                    <a:p>
+                      <a:pPr algn="l" fontAlgn="t"/>
+                      <a:r>
+                        <a:rPr lang="en-US" sz="2100" u="none" strike="noStrike">
+                          <a:effectLst/>
+                        </a:rPr>
+                        <a:t>||</a:t>
+                      </a:r>
+                      <a:endParaRPr lang="en-US" sz="2100" b="0" i="0" u="none" strike="noStrike">
+                        <a:solidFill>
+                          <a:srgbClr val="000000"/>
+                        </a:solidFill>
+                        <a:effectLst/>
+                        <a:latin typeface="Verdana" panose="020B0604030504040204" pitchFamily="34" charset="0"/>
+                      </a:endParaRPr>
+                    </a:p>
+                  </a:txBody>
+                  <a:tcPr marL="155173" marR="17241" marT="17241" marB="0"/>
+                </a:tc>
+                <a:tc>
+                  <a:txBody>
+                    <a:bodyPr/>
+                    <a:lstStyle/>
+                    <a:p>
+                      <a:pPr algn="l" fontAlgn="t"/>
+                      <a:r>
+                        <a:rPr lang="en-US" sz="2100" u="none" strike="noStrike">
+                          <a:effectLst/>
+                        </a:rPr>
+                        <a:t>Logical OR operator. It returns TRUE if one of the statement is TRUE.</a:t>
+                      </a:r>
+                      <a:endParaRPr lang="en-US" sz="2100" b="0" i="0" u="none" strike="noStrike">
+                        <a:solidFill>
+                          <a:srgbClr val="000000"/>
+                        </a:solidFill>
+                        <a:effectLst/>
+                        <a:latin typeface="Verdana" panose="020B0604030504040204" pitchFamily="34" charset="0"/>
+                      </a:endParaRPr>
+                    </a:p>
+                  </a:txBody>
+                  <a:tcPr marL="17241" marR="17241" marT="137932" marB="137932"/>
+                </a:tc>
+                <a:extLst>
+                  <a:ext uri="{0D108BD9-81ED-4DB2-BD59-A6C34878D82A}">
+                    <a16:rowId xmlns:a16="http://schemas.microsoft.com/office/drawing/2014/main" val="895320962"/>
+                  </a:ext>
+                </a:extLst>
+              </a:tr>
+              <a:tr h="971615">
+                <a:tc>
+                  <a:txBody>
+                    <a:bodyPr/>
+                    <a:lstStyle/>
+                    <a:p>
+                      <a:pPr algn="l" fontAlgn="t"/>
+                      <a:r>
+                        <a:rPr lang="en-US" sz="2100" u="none" strike="noStrike">
+                          <a:effectLst/>
+                        </a:rPr>
+                        <a:t>!</a:t>
+                      </a:r>
+                      <a:endParaRPr lang="en-US" sz="2100" b="0" i="0" u="none" strike="noStrike">
+                        <a:solidFill>
+                          <a:srgbClr val="000000"/>
+                        </a:solidFill>
+                        <a:effectLst/>
+                        <a:latin typeface="Verdana" panose="020B0604030504040204" pitchFamily="34" charset="0"/>
+                      </a:endParaRPr>
+                    </a:p>
+                  </a:txBody>
+                  <a:tcPr marL="155173" marR="17241" marT="17241" marB="0"/>
+                </a:tc>
+                <a:tc>
+                  <a:txBody>
+                    <a:bodyPr/>
+                    <a:lstStyle/>
+                    <a:p>
+                      <a:pPr algn="l" fontAlgn="t"/>
+                      <a:r>
+                        <a:rPr lang="en-US" sz="2100" u="none" strike="noStrike" dirty="0">
+                          <a:effectLst/>
+                        </a:rPr>
+                        <a:t>Logical NOT - returns FALSE if statement is TRUE</a:t>
+                      </a:r>
+                      <a:endParaRPr lang="en-US" sz="2100" b="0" i="0" u="none" strike="noStrike" dirty="0">
+                        <a:solidFill>
+                          <a:srgbClr val="000000"/>
+                        </a:solidFill>
+                        <a:effectLst/>
+                        <a:latin typeface="Verdana" panose="020B0604030504040204" pitchFamily="34" charset="0"/>
+                      </a:endParaRPr>
+                    </a:p>
+                  </a:txBody>
+                  <a:tcPr marL="17241" marR="17241" marT="137932" marB="137932"/>
+                </a:tc>
+                <a:extLst>
+                  <a:ext uri="{0D108BD9-81ED-4DB2-BD59-A6C34878D82A}">
+                    <a16:rowId xmlns:a16="http://schemas.microsoft.com/office/drawing/2014/main" val="1060595567"/>
+                  </a:ext>
+                </a:extLst>
+              </a:tr>
+            </a:tbl>
+          </a:graphicData>
+        </a:graphic>
+      </p:graphicFrame>
+    </p:spTree>
+    <p:extLst>
+      <p:ext uri="{BB962C8B-B14F-4D97-AF65-F5344CB8AC3E}">
+        <p14:creationId xmlns:p14="http://schemas.microsoft.com/office/powerpoint/2010/main" val="3028515490"/>
+      </p:ext>
+    </p:extLst>
+  </p:cSld>
+  <p:clrMapOvr>
+    <a:masterClrMapping/>
+  </p:clrMapOvr>
+</p:sld>
+</file>
+
+<file path=ppt/slides/slide11.xml><?xml version="1.0" encoding="utf-8"?>
+<p:sld xmlns:a="http://schemas.openxmlformats.org/drawingml/2006/main" xmlns:r="http://schemas.openxmlformats.org/officeDocument/2006/relationships" xmlns:p="http://schemas.openxmlformats.org/presentationml/2006/main">
+  <p:cSld>
+    <p:bg>
+      <p:bgPr>
+        <a:solidFill>
+          <a:schemeClr val="bg1"/>
+        </a:solidFill>
+        <a:effectLst/>
+      </p:bgPr>
+    </p:bg>
+    <p:spTree>
+      <p:nvGrpSpPr>
+        <p:cNvPr id="1" name=""/>
+        <p:cNvGrpSpPr/>
+        <p:nvPr/>
+      </p:nvGrpSpPr>
+      <p:grpSpPr>
+        <a:xfrm>
+          <a:off x="0" y="0"/>
+          <a:ext cx="0" cy="0"/>
+          <a:chOff x="0" y="0"/>
+          <a:chExt cx="0" cy="0"/>
+        </a:xfrm>
+      </p:grpSpPr>
+      <p:graphicFrame>
+        <p:nvGraphicFramePr>
+          <p:cNvPr id="4" name="Table 3">
+            <a:extLst>
+              <a:ext uri="{FF2B5EF4-FFF2-40B4-BE49-F238E27FC236}">
+                <a16:creationId xmlns:a16="http://schemas.microsoft.com/office/drawing/2014/main" id="{4FAB23BF-ECC8-C455-2212-7DC3B361EC27}"/>
+              </a:ext>
+            </a:extLst>
+          </p:cNvPr>
+          <p:cNvGraphicFramePr>
+            <a:graphicFrameLocks noGrp="1"/>
+          </p:cNvGraphicFramePr>
+          <p:nvPr>
+            <p:extLst>
+              <p:ext uri="{D42A27DB-BD31-4B8C-83A1-F6EECF244321}">
+                <p14:modId xmlns:p14="http://schemas.microsoft.com/office/powerpoint/2010/main" val="2307680004"/>
+              </p:ext>
+            </p:extLst>
+          </p:nvPr>
+        </p:nvGraphicFramePr>
+        <p:xfrm>
+          <a:off x="643467" y="872307"/>
+          <a:ext cx="10905067" cy="5113389"/>
+        </p:xfrm>
+        <a:graphic>
+          <a:graphicData uri="http://schemas.openxmlformats.org/drawingml/2006/table">
+            <a:tbl>
+              <a:tblPr firstRow="1" bandRow="1">
+                <a:tableStyleId>{5C22544A-7EE6-4342-B048-85BDC9FD1C3A}</a:tableStyleId>
+              </a:tblPr>
+              <a:tblGrid>
+                <a:gridCol w="2980718">
+                  <a:extLst>
+                    <a:ext uri="{9D8B030D-6E8A-4147-A177-3AD203B41FA5}">
+                      <a16:colId xmlns:a16="http://schemas.microsoft.com/office/drawing/2014/main" val="4103445292"/>
+                    </a:ext>
+                  </a:extLst>
+                </a:gridCol>
+                <a:gridCol w="4543778">
+                  <a:extLst>
+                    <a:ext uri="{9D8B030D-6E8A-4147-A177-3AD203B41FA5}">
+                      <a16:colId xmlns:a16="http://schemas.microsoft.com/office/drawing/2014/main" val="3525332060"/>
+                    </a:ext>
+                  </a:extLst>
+                </a:gridCol>
+                <a:gridCol w="3380571">
+                  <a:extLst>
+                    <a:ext uri="{9D8B030D-6E8A-4147-A177-3AD203B41FA5}">
+                      <a16:colId xmlns:a16="http://schemas.microsoft.com/office/drawing/2014/main" val="806578343"/>
+                    </a:ext>
+                  </a:extLst>
+                </a:gridCol>
+              </a:tblGrid>
+              <a:tr h="611775">
+                <a:tc>
+                  <a:txBody>
+                    <a:bodyPr/>
+                    <a:lstStyle/>
+                    <a:p>
+                      <a:pPr algn="l" fontAlgn="t"/>
+                      <a:r>
+                        <a:rPr lang="en-US" sz="3100" u="none" strike="noStrike">
+                          <a:effectLst/>
+                        </a:rPr>
+                        <a:t>Operator</a:t>
+                      </a:r>
+                      <a:endParaRPr lang="en-US" sz="3100" b="1" i="0" u="none" strike="noStrike">
+                        <a:solidFill>
+                          <a:srgbClr val="000000"/>
+                        </a:solidFill>
+                        <a:effectLst/>
+                        <a:latin typeface="Verdana" panose="020B0604030504040204" pitchFamily="34" charset="0"/>
+                      </a:endParaRPr>
+                    </a:p>
+                  </a:txBody>
+                  <a:tcPr marL="245364" marR="27263" marT="27263" marB="0"/>
+                </a:tc>
+                <a:tc>
+                  <a:txBody>
+                    <a:bodyPr/>
+                    <a:lstStyle/>
+                    <a:p>
+                      <a:pPr algn="l" fontAlgn="t"/>
+                      <a:r>
+                        <a:rPr lang="en-US" sz="3100" u="none" strike="noStrike">
+                          <a:effectLst/>
+                        </a:rPr>
+                        <a:t>Description</a:t>
+                      </a:r>
+                      <a:endParaRPr lang="en-US" sz="3100" b="1" i="0" u="none" strike="noStrike">
+                        <a:solidFill>
+                          <a:srgbClr val="000000"/>
+                        </a:solidFill>
+                        <a:effectLst/>
+                        <a:latin typeface="Verdana" panose="020B0604030504040204" pitchFamily="34" charset="0"/>
+                      </a:endParaRPr>
+                    </a:p>
+                  </a:txBody>
+                  <a:tcPr marL="27263" marR="27263" marT="27263" marB="0"/>
+                </a:tc>
+                <a:tc>
+                  <a:txBody>
+                    <a:bodyPr/>
+                    <a:lstStyle/>
+                    <a:p>
+                      <a:pPr algn="l" fontAlgn="t"/>
+                      <a:r>
+                        <a:rPr lang="en-US" sz="3100" u="none" strike="noStrike">
+                          <a:effectLst/>
+                        </a:rPr>
+                        <a:t>Example</a:t>
+                      </a:r>
+                      <a:endParaRPr lang="en-US" sz="3100" b="1" i="0" u="none" strike="noStrike">
+                        <a:solidFill>
+                          <a:srgbClr val="000000"/>
+                        </a:solidFill>
+                        <a:effectLst/>
+                        <a:latin typeface="Verdana" panose="020B0604030504040204" pitchFamily="34" charset="0"/>
+                      </a:endParaRPr>
+                    </a:p>
+                  </a:txBody>
+                  <a:tcPr marL="27263" marR="27263" marT="27263" marB="0"/>
+                </a:tc>
+                <a:extLst>
+                  <a:ext uri="{0D108BD9-81ED-4DB2-BD59-A6C34878D82A}">
+                    <a16:rowId xmlns:a16="http://schemas.microsoft.com/office/drawing/2014/main" val="4186436921"/>
+                  </a:ext>
+                </a:extLst>
+              </a:tr>
+              <a:tr h="1500538">
+                <a:tc>
+                  <a:txBody>
+                    <a:bodyPr/>
+                    <a:lstStyle/>
+                    <a:p>
+                      <a:pPr algn="l" fontAlgn="t"/>
+                      <a:r>
+                        <a:rPr lang="en-US" sz="3100" u="none" strike="noStrike">
+                          <a:effectLst/>
+                        </a:rPr>
+                        <a:t>:</a:t>
+                      </a:r>
+                      <a:endParaRPr lang="en-US" sz="3100" b="0" i="0" u="none" strike="noStrike">
+                        <a:solidFill>
+                          <a:srgbClr val="000000"/>
+                        </a:solidFill>
+                        <a:effectLst/>
+                        <a:latin typeface="Verdana" panose="020B0604030504040204" pitchFamily="34" charset="0"/>
+                      </a:endParaRPr>
+                    </a:p>
+                  </a:txBody>
+                  <a:tcPr marL="245364" marR="27263" marT="27263" marB="0"/>
+                </a:tc>
+                <a:tc>
+                  <a:txBody>
+                    <a:bodyPr/>
+                    <a:lstStyle/>
+                    <a:p>
+                      <a:pPr algn="l" fontAlgn="t"/>
+                      <a:r>
+                        <a:rPr lang="en-US" sz="3100" u="none" strike="noStrike">
+                          <a:effectLst/>
+                        </a:rPr>
+                        <a:t>Creates a series of numbers in a sequence</a:t>
+                      </a:r>
+                      <a:endParaRPr lang="en-US" sz="3100" b="0" i="0" u="none" strike="noStrike">
+                        <a:solidFill>
+                          <a:srgbClr val="000000"/>
+                        </a:solidFill>
+                        <a:effectLst/>
+                        <a:latin typeface="Verdana" panose="020B0604030504040204" pitchFamily="34" charset="0"/>
+                      </a:endParaRPr>
+                    </a:p>
+                  </a:txBody>
+                  <a:tcPr marL="27263" marR="27263" marT="218101" marB="218101"/>
+                </a:tc>
+                <a:tc>
+                  <a:txBody>
+                    <a:bodyPr/>
+                    <a:lstStyle/>
+                    <a:p>
+                      <a:pPr algn="l" fontAlgn="t"/>
+                      <a:r>
+                        <a:rPr lang="en-US" sz="3100" u="none" strike="noStrike">
+                          <a:effectLst/>
+                        </a:rPr>
+                        <a:t>x &lt;- 1:10</a:t>
+                      </a:r>
+                      <a:endParaRPr lang="en-US" sz="3100" b="0" i="0" u="none" strike="noStrike">
+                        <a:solidFill>
+                          <a:srgbClr val="000000"/>
+                        </a:solidFill>
+                        <a:effectLst/>
+                        <a:latin typeface="Verdana" panose="020B0604030504040204" pitchFamily="34" charset="0"/>
+                      </a:endParaRPr>
+                    </a:p>
+                  </a:txBody>
+                  <a:tcPr marL="27263" marR="27263" marT="218101" marB="218101"/>
+                </a:tc>
+                <a:extLst>
+                  <a:ext uri="{0D108BD9-81ED-4DB2-BD59-A6C34878D82A}">
+                    <a16:rowId xmlns:a16="http://schemas.microsoft.com/office/drawing/2014/main" val="1996324649"/>
+                  </a:ext>
+                </a:extLst>
+              </a:tr>
+              <a:tr h="1500538">
+                <a:tc>
+                  <a:txBody>
+                    <a:bodyPr/>
+                    <a:lstStyle/>
+                    <a:p>
+                      <a:pPr algn="l" fontAlgn="t"/>
+                      <a:r>
+                        <a:rPr lang="en-US" sz="3100" u="none" strike="noStrike">
+                          <a:effectLst/>
+                        </a:rPr>
+                        <a:t>%in%</a:t>
+                      </a:r>
+                      <a:endParaRPr lang="en-US" sz="3100" b="0" i="0" u="none" strike="noStrike">
+                        <a:solidFill>
+                          <a:srgbClr val="000000"/>
+                        </a:solidFill>
+                        <a:effectLst/>
+                        <a:latin typeface="Verdana" panose="020B0604030504040204" pitchFamily="34" charset="0"/>
+                      </a:endParaRPr>
+                    </a:p>
+                  </a:txBody>
+                  <a:tcPr marL="245364" marR="27263" marT="27263" marB="0"/>
+                </a:tc>
+                <a:tc>
+                  <a:txBody>
+                    <a:bodyPr/>
+                    <a:lstStyle/>
+                    <a:p>
+                      <a:pPr algn="l" fontAlgn="t"/>
+                      <a:r>
+                        <a:rPr lang="en-US" sz="3100" u="none" strike="noStrike">
+                          <a:effectLst/>
+                        </a:rPr>
+                        <a:t>Find out if an element belongs to a vector</a:t>
+                      </a:r>
+                      <a:endParaRPr lang="en-US" sz="3100" b="0" i="0" u="none" strike="noStrike">
+                        <a:solidFill>
+                          <a:srgbClr val="000000"/>
+                        </a:solidFill>
+                        <a:effectLst/>
+                        <a:latin typeface="Verdana" panose="020B0604030504040204" pitchFamily="34" charset="0"/>
+                      </a:endParaRPr>
+                    </a:p>
+                  </a:txBody>
+                  <a:tcPr marL="27263" marR="27263" marT="218101" marB="218101"/>
+                </a:tc>
+                <a:tc>
+                  <a:txBody>
+                    <a:bodyPr/>
+                    <a:lstStyle/>
+                    <a:p>
+                      <a:pPr algn="l" fontAlgn="t"/>
+                      <a:r>
+                        <a:rPr lang="en-US" sz="3100" u="none" strike="noStrike">
+                          <a:effectLst/>
+                        </a:rPr>
+                        <a:t>x %in% y</a:t>
+                      </a:r>
+                      <a:endParaRPr lang="en-US" sz="3100" b="0" i="0" u="none" strike="noStrike">
+                        <a:solidFill>
+                          <a:srgbClr val="000000"/>
+                        </a:solidFill>
+                        <a:effectLst/>
+                        <a:latin typeface="Verdana" panose="020B0604030504040204" pitchFamily="34" charset="0"/>
+                      </a:endParaRPr>
+                    </a:p>
+                  </a:txBody>
+                  <a:tcPr marL="27263" marR="27263" marT="218101" marB="218101"/>
+                </a:tc>
+                <a:extLst>
+                  <a:ext uri="{0D108BD9-81ED-4DB2-BD59-A6C34878D82A}">
+                    <a16:rowId xmlns:a16="http://schemas.microsoft.com/office/drawing/2014/main" val="2435893394"/>
+                  </a:ext>
+                </a:extLst>
+              </a:tr>
+              <a:tr h="1500538">
+                <a:tc>
+                  <a:txBody>
+                    <a:bodyPr/>
+                    <a:lstStyle/>
+                    <a:p>
+                      <a:pPr algn="l" fontAlgn="t"/>
+                      <a:r>
+                        <a:rPr lang="en-US" sz="3100" u="none" strike="noStrike">
+                          <a:effectLst/>
+                        </a:rPr>
+                        <a:t>%*%</a:t>
+                      </a:r>
+                      <a:endParaRPr lang="en-US" sz="3100" b="0" i="0" u="none" strike="noStrike">
+                        <a:solidFill>
+                          <a:srgbClr val="000000"/>
+                        </a:solidFill>
+                        <a:effectLst/>
+                        <a:latin typeface="Verdana" panose="020B0604030504040204" pitchFamily="34" charset="0"/>
+                      </a:endParaRPr>
+                    </a:p>
+                  </a:txBody>
+                  <a:tcPr marL="245364" marR="27263" marT="27263" marB="0"/>
+                </a:tc>
+                <a:tc>
+                  <a:txBody>
+                    <a:bodyPr/>
+                    <a:lstStyle/>
+                    <a:p>
+                      <a:pPr algn="l" fontAlgn="t"/>
+                      <a:r>
+                        <a:rPr lang="en-US" sz="3100" u="none" strike="noStrike">
+                          <a:effectLst/>
+                        </a:rPr>
+                        <a:t>Matrix Multiplication</a:t>
+                      </a:r>
+                      <a:endParaRPr lang="en-US" sz="3100" b="0" i="0" u="none" strike="noStrike">
+                        <a:solidFill>
+                          <a:srgbClr val="000000"/>
+                        </a:solidFill>
+                        <a:effectLst/>
+                        <a:latin typeface="Verdana" panose="020B0604030504040204" pitchFamily="34" charset="0"/>
+                      </a:endParaRPr>
+                    </a:p>
+                  </a:txBody>
+                  <a:tcPr marL="27263" marR="27263" marT="218101" marB="218101"/>
+                </a:tc>
+                <a:tc>
+                  <a:txBody>
+                    <a:bodyPr/>
+                    <a:lstStyle/>
+                    <a:p>
+                      <a:pPr algn="l" fontAlgn="t"/>
+                      <a:r>
+                        <a:rPr lang="en-US" sz="3100" u="none" strike="noStrike">
+                          <a:effectLst/>
+                        </a:rPr>
+                        <a:t>x &lt;- Matrix1 %*% Matrix2</a:t>
+                      </a:r>
+                      <a:endParaRPr lang="en-US" sz="3100" b="0" i="0" u="none" strike="noStrike">
+                        <a:solidFill>
+                          <a:srgbClr val="000000"/>
+                        </a:solidFill>
+                        <a:effectLst/>
+                        <a:latin typeface="Verdana" panose="020B0604030504040204" pitchFamily="34" charset="0"/>
+                      </a:endParaRPr>
+                    </a:p>
+                  </a:txBody>
+                  <a:tcPr marL="27263" marR="27263" marT="218101" marB="218101"/>
+                </a:tc>
+                <a:extLst>
+                  <a:ext uri="{0D108BD9-81ED-4DB2-BD59-A6C34878D82A}">
+                    <a16:rowId xmlns:a16="http://schemas.microsoft.com/office/drawing/2014/main" val="4202967573"/>
+                  </a:ext>
+                </a:extLst>
+              </a:tr>
+            </a:tbl>
+          </a:graphicData>
+        </a:graphic>
+      </p:graphicFrame>
+    </p:spTree>
+    <p:extLst>
+      <p:ext uri="{BB962C8B-B14F-4D97-AF65-F5344CB8AC3E}">
+        <p14:creationId xmlns:p14="http://schemas.microsoft.com/office/powerpoint/2010/main" val="568072646"/>
+      </p:ext>
+    </p:extLst>
+  </p:cSld>
+  <p:clrMapOvr>
+    <a:masterClrMapping/>
+  </p:clrMapOvr>
+</p:sld>
+</file>
+
+<file path=ppt/slides/slide12.xml><?xml version="1.0" encoding="utf-8"?>
+<p:sld xmlns:a="http://schemas.openxmlformats.org/drawingml/2006/main" xmlns:r="http://schemas.openxmlformats.org/officeDocument/2006/relationships" xmlns:p="http://schemas.openxmlformats.org/presentationml/2006/main">
+  <p:cSld>
     <p:spTree>
       <p:nvGrpSpPr>
         <p:cNvPr id="1" name=""/>
@@ -7732,13 +9073,7 @@
                         <a:rPr lang="en-US" i="1" smtClean="0">
                           <a:latin typeface="Cambria Math" panose="02040503050406030204" pitchFamily="18" charset="0"/>
                         </a:rPr>
-                        <m:t>=                    </m:t>
-                      </m:r>
-                      <m:r>
-                        <a:rPr lang="en-US" b="0" i="1" smtClean="0">
-                          <a:latin typeface="Cambria Math" panose="02040503050406030204" pitchFamily="18" charset="0"/>
-                        </a:rPr>
-                        <m:t>   =</m:t>
+                        <m:t>=                       =</m:t>
                       </m:r>
                       <m:d>
                         <m:dPr>
@@ -10180,7 +11515,7 @@
 </p:sld>
 </file>
 
-<file path=ppt/slides/slide11.xml><?xml version="1.0" encoding="utf-8"?>
+<file path=ppt/slides/slide13.xml><?xml version="1.0" encoding="utf-8"?>
 <p:sld xmlns:a="http://schemas.openxmlformats.org/drawingml/2006/main" xmlns:r="http://schemas.openxmlformats.org/officeDocument/2006/relationships" xmlns:p="http://schemas.openxmlformats.org/presentationml/2006/main">
   <p:cSld>
     <p:spTree>
@@ -10197,8 +11532,8 @@
           <a:chExt cx="0" cy="0"/>
         </a:xfrm>
       </p:grpSpPr>
-      <mc:AlternateContent xmlns:mc="http://schemas.openxmlformats.org/markup-compatibility/2006">
-        <mc:Choice xmlns:a14="http://schemas.microsoft.com/office/drawing/2010/main" Requires="a14">
+      <mc:AlternateContent xmlns:mc="http://schemas.openxmlformats.org/markup-compatibility/2006" xmlns:a14="http://schemas.microsoft.com/office/drawing/2010/main">
+        <mc:Choice Requires="a14">
           <p:sp>
             <p:nvSpPr>
               <p:cNvPr id="8" name="TextBox 7">
@@ -10461,13 +11796,7 @@
                                 <a:rPr lang="en-US" sz="2800" b="0" i="0" smtClean="0">
                                   <a:latin typeface="Cambria Math" panose="02040503050406030204" pitchFamily="18" charset="0"/>
                                 </a:rPr>
-                                <m:t>+</m:t>
-                              </m:r>
-                              <m:r>
-                                <a:rPr lang="en-US" sz="2800" b="0" i="0" smtClean="0">
-                                  <a:latin typeface="Cambria Math" panose="02040503050406030204" pitchFamily="18" charset="0"/>
-                                </a:rPr>
-                                <m:t>1</m:t>
+                                <m:t>+1</m:t>
                               </m:r>
                             </m:e>
                           </m:mr>
@@ -10662,7 +11991,7 @@
             </p:txBody>
           </p:sp>
         </mc:Choice>
-        <mc:Fallback>
+        <mc:Fallback xmlns="">
           <p:sp>
             <p:nvSpPr>
               <p:cNvPr id="8" name="TextBox 7">
@@ -12392,7 +13721,7 @@
 </p:sld>
 </file>
 
-<file path=ppt/slides/slide12.xml><?xml version="1.0" encoding="utf-8"?>
+<file path=ppt/slides/slide14.xml><?xml version="1.0" encoding="utf-8"?>
 <p:sld xmlns:a="http://schemas.openxmlformats.org/drawingml/2006/main" xmlns:r="http://schemas.openxmlformats.org/officeDocument/2006/relationships" xmlns:p="http://schemas.openxmlformats.org/presentationml/2006/main">
   <p:cSld>
     <p:spTree>
@@ -14410,7 +15739,3195 @@
 </p:sld>
 </file>
 
+<file path=ppt/slides/slide15.xml><?xml version="1.0" encoding="utf-8"?>
+<p:sld xmlns:a="http://schemas.openxmlformats.org/drawingml/2006/main" xmlns:r="http://schemas.openxmlformats.org/officeDocument/2006/relationships" xmlns:p="http://schemas.openxmlformats.org/presentationml/2006/main">
+  <p:cSld>
+    <p:spTree>
+      <p:nvGrpSpPr>
+        <p:cNvPr id="1" name=""/>
+        <p:cNvGrpSpPr/>
+        <p:nvPr/>
+      </p:nvGrpSpPr>
+      <p:grpSpPr>
+        <a:xfrm>
+          <a:off x="0" y="0"/>
+          <a:ext cx="0" cy="0"/>
+          <a:chOff x="0" y="0"/>
+          <a:chExt cx="0" cy="0"/>
+        </a:xfrm>
+      </p:grpSpPr>
+      <p:sp>
+        <p:nvSpPr>
+          <p:cNvPr id="4" name="AutoShape 2">
+            <a:extLst>
+              <a:ext uri="{FF2B5EF4-FFF2-40B4-BE49-F238E27FC236}">
+                <a16:creationId xmlns:a16="http://schemas.microsoft.com/office/drawing/2014/main" id="{C9079DFA-CD78-091A-AB3B-645BA69E9A7E}"/>
+              </a:ext>
+            </a:extLst>
+          </p:cNvPr>
+          <p:cNvSpPr>
+            <a:spLocks noChangeAspect="1" noChangeArrowheads="1"/>
+          </p:cNvSpPr>
+          <p:nvPr/>
+        </p:nvSpPr>
+        <p:spPr bwMode="auto">
+          <a:xfrm>
+            <a:off x="4667250" y="2000250"/>
+            <a:ext cx="2857500" cy="2857500"/>
+          </a:xfrm>
+          <a:prstGeom prst="rect">
+            <a:avLst/>
+          </a:prstGeom>
+          <a:noFill/>
+          <a:extLst>
+            <a:ext uri="{909E8E84-426E-40DD-AFC4-6F175D3DCCD1}">
+              <a14:hiddenFill xmlns:a14="http://schemas.microsoft.com/office/drawing/2010/main">
+                <a:solidFill>
+                  <a:srgbClr val="FFFFFF"/>
+                </a:solidFill>
+              </a14:hiddenFill>
+            </a:ext>
+          </a:extLst>
+        </p:spPr>
+        <p:txBody>
+          <a:bodyPr vert="horz" wrap="square" lIns="91440" tIns="45720" rIns="91440" bIns="45720" numCol="1" anchor="t" anchorCtr="0" compatLnSpc="1">
+            <a:prstTxWarp prst="textNoShape">
+              <a:avLst/>
+            </a:prstTxWarp>
+          </a:bodyPr>
+          <a:lstStyle/>
+          <a:p>
+            <a:endParaRPr lang="en-US"/>
+          </a:p>
+        </p:txBody>
+      </p:sp>
+      <p:pic>
+        <p:nvPicPr>
+          <p:cNvPr id="8" name="Picture 7">
+            <a:extLst>
+              <a:ext uri="{FF2B5EF4-FFF2-40B4-BE49-F238E27FC236}">
+                <a16:creationId xmlns:a16="http://schemas.microsoft.com/office/drawing/2014/main" id="{62F28AD8-F351-1A93-7B48-71ABDCA4347C}"/>
+              </a:ext>
+            </a:extLst>
+          </p:cNvPr>
+          <p:cNvPicPr>
+            <a:picLocks noChangeAspect="1"/>
+          </p:cNvPicPr>
+          <p:nvPr/>
+        </p:nvPicPr>
+        <p:blipFill rotWithShape="1">
+          <a:blip r:embed="rId2"/>
+          <a:srcRect l="1731" r="23424"/>
+          <a:stretch/>
+        </p:blipFill>
+        <p:spPr>
+          <a:xfrm>
+            <a:off x="698499" y="1238250"/>
+            <a:ext cx="8369301" cy="4381500"/>
+          </a:xfrm>
+          <a:prstGeom prst="rect">
+            <a:avLst/>
+          </a:prstGeom>
+        </p:spPr>
+      </p:pic>
+      <p:sp>
+        <p:nvSpPr>
+          <p:cNvPr id="9" name="Rectangle 8">
+            <a:extLst>
+              <a:ext uri="{FF2B5EF4-FFF2-40B4-BE49-F238E27FC236}">
+                <a16:creationId xmlns:a16="http://schemas.microsoft.com/office/drawing/2014/main" id="{0419739A-E8C5-B65E-314B-2F9762E03B7A}"/>
+              </a:ext>
+            </a:extLst>
+          </p:cNvPr>
+          <p:cNvSpPr/>
+          <p:nvPr/>
+        </p:nvSpPr>
+        <p:spPr>
+          <a:xfrm>
+            <a:off x="698499" y="2628900"/>
+            <a:ext cx="8509001" cy="127000"/>
+          </a:xfrm>
+          <a:prstGeom prst="rect">
+            <a:avLst/>
+          </a:prstGeom>
+          <a:solidFill>
+            <a:schemeClr val="bg1"/>
+          </a:solidFill>
+          <a:ln>
+            <a:solidFill>
+              <a:schemeClr val="bg1"/>
+            </a:solidFill>
+          </a:ln>
+        </p:spPr>
+        <p:style>
+          <a:lnRef idx="2">
+            <a:schemeClr val="accent1">
+              <a:shade val="15000"/>
+            </a:schemeClr>
+          </a:lnRef>
+          <a:fillRef idx="1">
+            <a:schemeClr val="accent1"/>
+          </a:fillRef>
+          <a:effectRef idx="0">
+            <a:schemeClr val="accent1"/>
+          </a:effectRef>
+          <a:fontRef idx="minor">
+            <a:schemeClr val="lt1"/>
+          </a:fontRef>
+        </p:style>
+        <p:txBody>
+          <a:bodyPr rtlCol="0" anchor="ctr"/>
+          <a:lstStyle/>
+          <a:p>
+            <a:pPr algn="ctr"/>
+            <a:endParaRPr lang="en-US"/>
+          </a:p>
+        </p:txBody>
+      </p:sp>
+      <p:sp>
+        <p:nvSpPr>
+          <p:cNvPr id="10" name="Rectangle 9">
+            <a:extLst>
+              <a:ext uri="{FF2B5EF4-FFF2-40B4-BE49-F238E27FC236}">
+                <a16:creationId xmlns:a16="http://schemas.microsoft.com/office/drawing/2014/main" id="{D68B7BE7-CF23-AF3D-CC6E-66763554E0E4}"/>
+              </a:ext>
+            </a:extLst>
+          </p:cNvPr>
+          <p:cNvSpPr/>
+          <p:nvPr/>
+        </p:nvSpPr>
+        <p:spPr>
+          <a:xfrm>
+            <a:off x="628648" y="3413760"/>
+            <a:ext cx="8509001" cy="127000"/>
+          </a:xfrm>
+          <a:prstGeom prst="rect">
+            <a:avLst/>
+          </a:prstGeom>
+          <a:solidFill>
+            <a:schemeClr val="bg1"/>
+          </a:solidFill>
+          <a:ln>
+            <a:solidFill>
+              <a:schemeClr val="bg1"/>
+            </a:solidFill>
+          </a:ln>
+        </p:spPr>
+        <p:style>
+          <a:lnRef idx="2">
+            <a:schemeClr val="accent1">
+              <a:shade val="15000"/>
+            </a:schemeClr>
+          </a:lnRef>
+          <a:fillRef idx="1">
+            <a:schemeClr val="accent1"/>
+          </a:fillRef>
+          <a:effectRef idx="0">
+            <a:schemeClr val="accent1"/>
+          </a:effectRef>
+          <a:fontRef idx="minor">
+            <a:schemeClr val="lt1"/>
+          </a:fontRef>
+        </p:style>
+        <p:txBody>
+          <a:bodyPr rtlCol="0" anchor="ctr"/>
+          <a:lstStyle/>
+          <a:p>
+            <a:pPr algn="ctr"/>
+            <a:endParaRPr lang="en-US"/>
+          </a:p>
+        </p:txBody>
+      </p:sp>
+      <p:sp>
+        <p:nvSpPr>
+          <p:cNvPr id="12" name="Rectangle 11">
+            <a:extLst>
+              <a:ext uri="{FF2B5EF4-FFF2-40B4-BE49-F238E27FC236}">
+                <a16:creationId xmlns:a16="http://schemas.microsoft.com/office/drawing/2014/main" id="{42A34E23-4B5C-20EA-4A02-36FC314DA829}"/>
+              </a:ext>
+            </a:extLst>
+          </p:cNvPr>
+          <p:cNvSpPr/>
+          <p:nvPr/>
+        </p:nvSpPr>
+        <p:spPr>
+          <a:xfrm>
+            <a:off x="698499" y="4016376"/>
+            <a:ext cx="8509001" cy="127000"/>
+          </a:xfrm>
+          <a:prstGeom prst="rect">
+            <a:avLst/>
+          </a:prstGeom>
+          <a:solidFill>
+            <a:schemeClr val="bg1"/>
+          </a:solidFill>
+          <a:ln>
+            <a:solidFill>
+              <a:schemeClr val="bg1"/>
+            </a:solidFill>
+          </a:ln>
+        </p:spPr>
+        <p:style>
+          <a:lnRef idx="2">
+            <a:schemeClr val="accent1">
+              <a:shade val="15000"/>
+            </a:schemeClr>
+          </a:lnRef>
+          <a:fillRef idx="1">
+            <a:schemeClr val="accent1"/>
+          </a:fillRef>
+          <a:effectRef idx="0">
+            <a:schemeClr val="accent1"/>
+          </a:effectRef>
+          <a:fontRef idx="minor">
+            <a:schemeClr val="lt1"/>
+          </a:fontRef>
+        </p:style>
+        <p:txBody>
+          <a:bodyPr rtlCol="0" anchor="ctr"/>
+          <a:lstStyle/>
+          <a:p>
+            <a:pPr algn="ctr"/>
+            <a:endParaRPr lang="en-US"/>
+          </a:p>
+        </p:txBody>
+      </p:sp>
+      <p:sp>
+        <p:nvSpPr>
+          <p:cNvPr id="14" name="Rectangle 13">
+            <a:extLst>
+              <a:ext uri="{FF2B5EF4-FFF2-40B4-BE49-F238E27FC236}">
+                <a16:creationId xmlns:a16="http://schemas.microsoft.com/office/drawing/2014/main" id="{A6BD6139-4215-E228-99B4-9E031C4B0579}"/>
+              </a:ext>
+            </a:extLst>
+          </p:cNvPr>
+          <p:cNvSpPr/>
+          <p:nvPr/>
+        </p:nvSpPr>
+        <p:spPr>
+          <a:xfrm>
+            <a:off x="698499" y="4768850"/>
+            <a:ext cx="8509001" cy="127000"/>
+          </a:xfrm>
+          <a:prstGeom prst="rect">
+            <a:avLst/>
+          </a:prstGeom>
+          <a:solidFill>
+            <a:schemeClr val="bg1"/>
+          </a:solidFill>
+          <a:ln>
+            <a:solidFill>
+              <a:schemeClr val="bg1"/>
+            </a:solidFill>
+          </a:ln>
+        </p:spPr>
+        <p:style>
+          <a:lnRef idx="2">
+            <a:schemeClr val="accent1">
+              <a:shade val="15000"/>
+            </a:schemeClr>
+          </a:lnRef>
+          <a:fillRef idx="1">
+            <a:schemeClr val="accent1"/>
+          </a:fillRef>
+          <a:effectRef idx="0">
+            <a:schemeClr val="accent1"/>
+          </a:effectRef>
+          <a:fontRef idx="minor">
+            <a:schemeClr val="lt1"/>
+          </a:fontRef>
+        </p:style>
+        <p:txBody>
+          <a:bodyPr rtlCol="0" anchor="ctr"/>
+          <a:lstStyle/>
+          <a:p>
+            <a:pPr algn="ctr"/>
+            <a:endParaRPr lang="en-US"/>
+          </a:p>
+        </p:txBody>
+      </p:sp>
+      <p:sp>
+        <p:nvSpPr>
+          <p:cNvPr id="15" name="Rectangle 14">
+            <a:extLst>
+              <a:ext uri="{FF2B5EF4-FFF2-40B4-BE49-F238E27FC236}">
+                <a16:creationId xmlns:a16="http://schemas.microsoft.com/office/drawing/2014/main" id="{88A77B1D-F46D-A8AB-A7F2-AF51EA00BE42}"/>
+              </a:ext>
+            </a:extLst>
+          </p:cNvPr>
+          <p:cNvSpPr/>
+          <p:nvPr/>
+        </p:nvSpPr>
+        <p:spPr>
+          <a:xfrm rot="16200000">
+            <a:off x="4261488" y="3761741"/>
+            <a:ext cx="3425825" cy="80643"/>
+          </a:xfrm>
+          <a:prstGeom prst="rect">
+            <a:avLst/>
+          </a:prstGeom>
+          <a:solidFill>
+            <a:schemeClr val="bg1"/>
+          </a:solidFill>
+          <a:ln>
+            <a:solidFill>
+              <a:schemeClr val="bg1"/>
+            </a:solidFill>
+          </a:ln>
+        </p:spPr>
+        <p:style>
+          <a:lnRef idx="2">
+            <a:schemeClr val="accent1">
+              <a:shade val="15000"/>
+            </a:schemeClr>
+          </a:lnRef>
+          <a:fillRef idx="1">
+            <a:schemeClr val="accent1"/>
+          </a:fillRef>
+          <a:effectRef idx="0">
+            <a:schemeClr val="accent1"/>
+          </a:effectRef>
+          <a:fontRef idx="minor">
+            <a:schemeClr val="lt1"/>
+          </a:fontRef>
+        </p:style>
+        <p:txBody>
+          <a:bodyPr rtlCol="0" anchor="ctr"/>
+          <a:lstStyle/>
+          <a:p>
+            <a:pPr algn="ctr"/>
+            <a:endParaRPr lang="en-US"/>
+          </a:p>
+        </p:txBody>
+      </p:sp>
+      <p:sp>
+        <p:nvSpPr>
+          <p:cNvPr id="16" name="Rectangle 15">
+            <a:extLst>
+              <a:ext uri="{FF2B5EF4-FFF2-40B4-BE49-F238E27FC236}">
+                <a16:creationId xmlns:a16="http://schemas.microsoft.com/office/drawing/2014/main" id="{999266B6-37C9-60D2-13DB-21F4E763552C}"/>
+              </a:ext>
+            </a:extLst>
+          </p:cNvPr>
+          <p:cNvSpPr/>
+          <p:nvPr/>
+        </p:nvSpPr>
+        <p:spPr>
+          <a:xfrm rot="16200000">
+            <a:off x="5642854" y="1628375"/>
+            <a:ext cx="665474" cy="73501"/>
+          </a:xfrm>
+          <a:prstGeom prst="rect">
+            <a:avLst/>
+          </a:prstGeom>
+          <a:solidFill>
+            <a:schemeClr val="bg1"/>
+          </a:solidFill>
+          <a:ln>
+            <a:solidFill>
+              <a:schemeClr val="bg1"/>
+            </a:solidFill>
+          </a:ln>
+        </p:spPr>
+        <p:style>
+          <a:lnRef idx="2">
+            <a:schemeClr val="accent1">
+              <a:shade val="15000"/>
+            </a:schemeClr>
+          </a:lnRef>
+          <a:fillRef idx="1">
+            <a:schemeClr val="accent1"/>
+          </a:fillRef>
+          <a:effectRef idx="0">
+            <a:schemeClr val="accent1"/>
+          </a:effectRef>
+          <a:fontRef idx="minor">
+            <a:schemeClr val="lt1"/>
+          </a:fontRef>
+        </p:style>
+        <p:txBody>
+          <a:bodyPr rtlCol="0" anchor="ctr"/>
+          <a:lstStyle/>
+          <a:p>
+            <a:pPr algn="ctr"/>
+            <a:endParaRPr lang="en-US"/>
+          </a:p>
+        </p:txBody>
+      </p:sp>
+      <p:sp>
+        <p:nvSpPr>
+          <p:cNvPr id="17" name="Rectangle 16">
+            <a:extLst>
+              <a:ext uri="{FF2B5EF4-FFF2-40B4-BE49-F238E27FC236}">
+                <a16:creationId xmlns:a16="http://schemas.microsoft.com/office/drawing/2014/main" id="{EDE408C2-7579-204E-C994-84873C7FEAF1}"/>
+              </a:ext>
+            </a:extLst>
+          </p:cNvPr>
+          <p:cNvSpPr/>
+          <p:nvPr/>
+        </p:nvSpPr>
+        <p:spPr>
+          <a:xfrm rot="16200000">
+            <a:off x="5915510" y="2043514"/>
+            <a:ext cx="95244" cy="73501"/>
+          </a:xfrm>
+          <a:prstGeom prst="rect">
+            <a:avLst/>
+          </a:prstGeom>
+          <a:solidFill>
+            <a:schemeClr val="bg1"/>
+          </a:solidFill>
+          <a:ln>
+            <a:solidFill>
+              <a:schemeClr val="bg1"/>
+            </a:solidFill>
+          </a:ln>
+        </p:spPr>
+        <p:style>
+          <a:lnRef idx="2">
+            <a:schemeClr val="accent1">
+              <a:shade val="15000"/>
+            </a:schemeClr>
+          </a:lnRef>
+          <a:fillRef idx="1">
+            <a:schemeClr val="accent1"/>
+          </a:fillRef>
+          <a:effectRef idx="0">
+            <a:schemeClr val="accent1"/>
+          </a:effectRef>
+          <a:fontRef idx="minor">
+            <a:schemeClr val="lt1"/>
+          </a:fontRef>
+        </p:style>
+        <p:txBody>
+          <a:bodyPr rtlCol="0" anchor="ctr"/>
+          <a:lstStyle/>
+          <a:p>
+            <a:pPr algn="ctr"/>
+            <a:endParaRPr lang="en-US"/>
+          </a:p>
+        </p:txBody>
+      </p:sp>
+      <p:sp>
+        <p:nvSpPr>
+          <p:cNvPr id="18" name="Rectangle 17">
+            <a:extLst>
+              <a:ext uri="{FF2B5EF4-FFF2-40B4-BE49-F238E27FC236}">
+                <a16:creationId xmlns:a16="http://schemas.microsoft.com/office/drawing/2014/main" id="{70730E1C-B1DA-072A-1D86-F469F84F280E}"/>
+              </a:ext>
+            </a:extLst>
+          </p:cNvPr>
+          <p:cNvSpPr/>
+          <p:nvPr/>
+        </p:nvSpPr>
+        <p:spPr>
+          <a:xfrm rot="16200000">
+            <a:off x="6067910" y="2202411"/>
+            <a:ext cx="95244" cy="73501"/>
+          </a:xfrm>
+          <a:prstGeom prst="rect">
+            <a:avLst/>
+          </a:prstGeom>
+          <a:solidFill>
+            <a:schemeClr val="bg1"/>
+          </a:solidFill>
+          <a:ln>
+            <a:solidFill>
+              <a:schemeClr val="bg1"/>
+            </a:solidFill>
+          </a:ln>
+        </p:spPr>
+        <p:style>
+          <a:lnRef idx="2">
+            <a:schemeClr val="accent1">
+              <a:shade val="15000"/>
+            </a:schemeClr>
+          </a:lnRef>
+          <a:fillRef idx="1">
+            <a:schemeClr val="accent1"/>
+          </a:fillRef>
+          <a:effectRef idx="0">
+            <a:schemeClr val="accent1"/>
+          </a:effectRef>
+          <a:fontRef idx="minor">
+            <a:schemeClr val="lt1"/>
+          </a:fontRef>
+        </p:style>
+        <p:txBody>
+          <a:bodyPr rtlCol="0" anchor="ctr"/>
+          <a:lstStyle/>
+          <a:p>
+            <a:pPr algn="ctr"/>
+            <a:endParaRPr lang="en-US"/>
+          </a:p>
+        </p:txBody>
+      </p:sp>
+      <p:sp>
+        <p:nvSpPr>
+          <p:cNvPr id="20" name="Rectangle 19">
+            <a:extLst>
+              <a:ext uri="{FF2B5EF4-FFF2-40B4-BE49-F238E27FC236}">
+                <a16:creationId xmlns:a16="http://schemas.microsoft.com/office/drawing/2014/main" id="{FE5DCE3F-EF89-8E44-AF32-1DCC62A34EC0}"/>
+              </a:ext>
+            </a:extLst>
+          </p:cNvPr>
+          <p:cNvSpPr/>
+          <p:nvPr/>
+        </p:nvSpPr>
+        <p:spPr>
+          <a:xfrm rot="16200000">
+            <a:off x="5923208" y="1915877"/>
+            <a:ext cx="95244" cy="73501"/>
+          </a:xfrm>
+          <a:prstGeom prst="rect">
+            <a:avLst/>
+          </a:prstGeom>
+          <a:solidFill>
+            <a:schemeClr val="bg1"/>
+          </a:solidFill>
+          <a:ln>
+            <a:solidFill>
+              <a:schemeClr val="bg1"/>
+            </a:solidFill>
+          </a:ln>
+        </p:spPr>
+        <p:style>
+          <a:lnRef idx="2">
+            <a:schemeClr val="accent1">
+              <a:shade val="15000"/>
+            </a:schemeClr>
+          </a:lnRef>
+          <a:fillRef idx="1">
+            <a:schemeClr val="accent1"/>
+          </a:fillRef>
+          <a:effectRef idx="0">
+            <a:schemeClr val="accent1"/>
+          </a:effectRef>
+          <a:fontRef idx="minor">
+            <a:schemeClr val="lt1"/>
+          </a:fontRef>
+        </p:style>
+        <p:txBody>
+          <a:bodyPr rtlCol="0" anchor="ctr"/>
+          <a:lstStyle/>
+          <a:p>
+            <a:pPr algn="ctr"/>
+            <a:endParaRPr lang="en-US"/>
+          </a:p>
+        </p:txBody>
+      </p:sp>
+    </p:spTree>
+    <p:extLst>
+      <p:ext uri="{BB962C8B-B14F-4D97-AF65-F5344CB8AC3E}">
+        <p14:creationId xmlns:p14="http://schemas.microsoft.com/office/powerpoint/2010/main" val="3647367637"/>
+      </p:ext>
+    </p:extLst>
+  </p:cSld>
+  <p:clrMapOvr>
+    <a:masterClrMapping/>
+  </p:clrMapOvr>
+</p:sld>
+</file>
+
+<file path=ppt/slides/slide16.xml><?xml version="1.0" encoding="utf-8"?>
+<p:sld xmlns:a="http://schemas.openxmlformats.org/drawingml/2006/main" xmlns:r="http://schemas.openxmlformats.org/officeDocument/2006/relationships" xmlns:p="http://schemas.openxmlformats.org/presentationml/2006/main">
+  <p:cSld>
+    <p:spTree>
+      <p:nvGrpSpPr>
+        <p:cNvPr id="1" name=""/>
+        <p:cNvGrpSpPr/>
+        <p:nvPr/>
+      </p:nvGrpSpPr>
+      <p:grpSpPr>
+        <a:xfrm>
+          <a:off x="0" y="0"/>
+          <a:ext cx="0" cy="0"/>
+          <a:chOff x="0" y="0"/>
+          <a:chExt cx="0" cy="0"/>
+        </a:xfrm>
+      </p:grpSpPr>
+      <p:pic>
+        <p:nvPicPr>
+          <p:cNvPr id="7" name="Picture 6">
+            <a:extLst>
+              <a:ext uri="{FF2B5EF4-FFF2-40B4-BE49-F238E27FC236}">
+                <a16:creationId xmlns:a16="http://schemas.microsoft.com/office/drawing/2014/main" id="{27A01299-1CD3-5C0E-0E45-4D7AB5BCEDD8}"/>
+              </a:ext>
+            </a:extLst>
+          </p:cNvPr>
+          <p:cNvPicPr>
+            <a:picLocks noChangeAspect="1"/>
+          </p:cNvPicPr>
+          <p:nvPr/>
+        </p:nvPicPr>
+        <p:blipFill>
+          <a:blip r:embed="rId2"/>
+          <a:stretch>
+            <a:fillRect/>
+          </a:stretch>
+        </p:blipFill>
+        <p:spPr>
+          <a:xfrm>
+            <a:off x="874336" y="619125"/>
+            <a:ext cx="10003213" cy="5096636"/>
+          </a:xfrm>
+          <a:prstGeom prst="rect">
+            <a:avLst/>
+          </a:prstGeom>
+        </p:spPr>
+      </p:pic>
+    </p:spTree>
+    <p:extLst>
+      <p:ext uri="{BB962C8B-B14F-4D97-AF65-F5344CB8AC3E}">
+        <p14:creationId xmlns:p14="http://schemas.microsoft.com/office/powerpoint/2010/main" val="3099942445"/>
+      </p:ext>
+    </p:extLst>
+  </p:cSld>
+  <p:clrMapOvr>
+    <a:masterClrMapping/>
+  </p:clrMapOvr>
+</p:sld>
+</file>
+
 <file path=ppt/slides/slide2.xml><?xml version="1.0" encoding="utf-8"?>
+<p:sld xmlns:a="http://schemas.openxmlformats.org/drawingml/2006/main" xmlns:r="http://schemas.openxmlformats.org/officeDocument/2006/relationships" xmlns:p="http://schemas.openxmlformats.org/presentationml/2006/main">
+  <p:cSld>
+    <p:spTree>
+      <p:nvGrpSpPr>
+        <p:cNvPr id="1" name="">
+          <a:extLst>
+            <a:ext uri="{FF2B5EF4-FFF2-40B4-BE49-F238E27FC236}">
+              <a16:creationId xmlns:a16="http://schemas.microsoft.com/office/drawing/2014/main" id="{FF9963E6-FD82-8FDD-CD6A-2AFE4AC64758}"/>
+            </a:ext>
+          </a:extLst>
+        </p:cNvPr>
+        <p:cNvGrpSpPr/>
+        <p:nvPr/>
+      </p:nvGrpSpPr>
+      <p:grpSpPr>
+        <a:xfrm>
+          <a:off x="0" y="0"/>
+          <a:ext cx="0" cy="0"/>
+          <a:chOff x="0" y="0"/>
+          <a:chExt cx="0" cy="0"/>
+        </a:xfrm>
+      </p:grpSpPr>
+      <p:sp>
+        <p:nvSpPr>
+          <p:cNvPr id="1056" name="Rectangle 1055">
+            <a:extLst>
+              <a:ext uri="{FF2B5EF4-FFF2-40B4-BE49-F238E27FC236}">
+                <a16:creationId xmlns:a16="http://schemas.microsoft.com/office/drawing/2014/main" id="{1EF194C0-24DD-05CF-CE32-AC924665A939}"/>
+              </a:ext>
+            </a:extLst>
+          </p:cNvPr>
+          <p:cNvSpPr/>
+          <p:nvPr/>
+        </p:nvSpPr>
+        <p:spPr>
+          <a:xfrm rot="16200000">
+            <a:off x="-211382" y="2285462"/>
+            <a:ext cx="4176163" cy="2040810"/>
+          </a:xfrm>
+          <a:prstGeom prst="rect">
+            <a:avLst/>
+          </a:prstGeom>
+          <a:solidFill>
+            <a:schemeClr val="bg1">
+              <a:lumMod val="95000"/>
+            </a:schemeClr>
+          </a:solidFill>
+          <a:ln>
+            <a:noFill/>
+          </a:ln>
+        </p:spPr>
+        <p:style>
+          <a:lnRef idx="2">
+            <a:schemeClr val="accent1">
+              <a:shade val="15000"/>
+            </a:schemeClr>
+          </a:lnRef>
+          <a:fillRef idx="1">
+            <a:schemeClr val="accent1"/>
+          </a:fillRef>
+          <a:effectRef idx="0">
+            <a:schemeClr val="accent1"/>
+          </a:effectRef>
+          <a:fontRef idx="minor">
+            <a:schemeClr val="lt1"/>
+          </a:fontRef>
+        </p:style>
+        <p:txBody>
+          <a:bodyPr rtlCol="0" anchor="ctr"/>
+          <a:lstStyle/>
+          <a:p>
+            <a:pPr algn="ctr"/>
+            <a:endParaRPr lang="en-US" dirty="0"/>
+          </a:p>
+        </p:txBody>
+      </p:sp>
+      <p:grpSp>
+        <p:nvGrpSpPr>
+          <p:cNvPr id="1050" name="Group 1049">
+            <a:extLst>
+              <a:ext uri="{FF2B5EF4-FFF2-40B4-BE49-F238E27FC236}">
+                <a16:creationId xmlns:a16="http://schemas.microsoft.com/office/drawing/2014/main" id="{28A55198-83F7-1A18-765A-BB5E69306406}"/>
+              </a:ext>
+            </a:extLst>
+          </p:cNvPr>
+          <p:cNvGrpSpPr/>
+          <p:nvPr/>
+        </p:nvGrpSpPr>
+        <p:grpSpPr>
+          <a:xfrm>
+            <a:off x="1047656" y="1455159"/>
+            <a:ext cx="1849449" cy="3853242"/>
+            <a:chOff x="349785" y="1416796"/>
+            <a:chExt cx="1849449" cy="3853242"/>
+          </a:xfrm>
+        </p:grpSpPr>
+        <p:pic>
+          <p:nvPicPr>
+            <p:cNvPr id="1026" name="Picture 2" descr="1 Inch Grid Paper Printable 8 X 11 Pdf | Images and Photos finder">
+              <a:extLst>
+                <a:ext uri="{FF2B5EF4-FFF2-40B4-BE49-F238E27FC236}">
+                  <a16:creationId xmlns:a16="http://schemas.microsoft.com/office/drawing/2014/main" id="{C04E13A0-B29F-01A0-0723-24582B924DE8}"/>
+                </a:ext>
+              </a:extLst>
+            </p:cNvPr>
+            <p:cNvPicPr>
+              <a:picLocks noChangeAspect="1" noChangeArrowheads="1"/>
+            </p:cNvPicPr>
+            <p:nvPr/>
+          </p:nvPicPr>
+          <p:blipFill rotWithShape="1">
+            <a:blip r:embed="rId2">
+              <a:duotone>
+                <a:schemeClr val="accent4">
+                  <a:shade val="45000"/>
+                  <a:satMod val="135000"/>
+                </a:schemeClr>
+                <a:prstClr val="white"/>
+              </a:duotone>
+              <a:extLst>
+                <a:ext uri="{28A0092B-C50C-407E-A947-70E740481C1C}">
+                  <a14:useLocalDpi xmlns:a14="http://schemas.microsoft.com/office/drawing/2010/main" val="0"/>
+                </a:ext>
+              </a:extLst>
+            </a:blip>
+            <a:srcRect t="-1" r="74681" b="74677"/>
+            <a:stretch/>
+          </p:blipFill>
+          <p:spPr bwMode="auto">
+            <a:xfrm>
+              <a:off x="454328" y="3439061"/>
+              <a:ext cx="1203665" cy="1203908"/>
+            </a:xfrm>
+            <a:prstGeom prst="rect">
+              <a:avLst/>
+            </a:prstGeom>
+            <a:solidFill>
+              <a:srgbClr val="007AB1">
+                <a:alpha val="10000"/>
+              </a:srgbClr>
+            </a:solidFill>
+          </p:spPr>
+        </p:pic>
+        <p:pic>
+          <p:nvPicPr>
+            <p:cNvPr id="5" name="Picture 2" descr="1 Inch Grid Paper Printable 8 X 11 Pdf | Images and Photos finder">
+              <a:extLst>
+                <a:ext uri="{FF2B5EF4-FFF2-40B4-BE49-F238E27FC236}">
+                  <a16:creationId xmlns:a16="http://schemas.microsoft.com/office/drawing/2014/main" id="{F5726053-6567-DC3C-C369-50BC45D3BBBB}"/>
+                </a:ext>
+              </a:extLst>
+            </p:cNvPr>
+            <p:cNvPicPr>
+              <a:picLocks noChangeAspect="1" noChangeArrowheads="1"/>
+            </p:cNvPicPr>
+            <p:nvPr/>
+          </p:nvPicPr>
+          <p:blipFill rotWithShape="1">
+            <a:blip r:embed="rId2">
+              <a:duotone>
+                <a:schemeClr val="accent2">
+                  <a:shade val="45000"/>
+                  <a:satMod val="135000"/>
+                </a:schemeClr>
+                <a:prstClr val="white"/>
+              </a:duotone>
+              <a:extLst>
+                <a:ext uri="{28A0092B-C50C-407E-A947-70E740481C1C}">
+                  <a14:useLocalDpi xmlns:a14="http://schemas.microsoft.com/office/drawing/2010/main" val="0"/>
+                </a:ext>
+              </a:extLst>
+            </a:blip>
+            <a:srcRect r="49565" b="49555"/>
+            <a:stretch/>
+          </p:blipFill>
+          <p:spPr bwMode="auto">
+            <a:xfrm>
+              <a:off x="454328" y="1786128"/>
+              <a:ext cx="1203665" cy="1203908"/>
+            </a:xfrm>
+            <a:prstGeom prst="rect">
+              <a:avLst/>
+            </a:prstGeom>
+            <a:solidFill>
+              <a:srgbClr val="BC4709">
+                <a:alpha val="10000"/>
+              </a:srgbClr>
+            </a:solidFill>
+          </p:spPr>
+        </p:pic>
+        <p:sp>
+          <p:nvSpPr>
+            <p:cNvPr id="7" name="TextBox 6">
+              <a:extLst>
+                <a:ext uri="{FF2B5EF4-FFF2-40B4-BE49-F238E27FC236}">
+                  <a16:creationId xmlns:a16="http://schemas.microsoft.com/office/drawing/2014/main" id="{0E18316B-0E2B-29C0-A8E6-C702CDD2EE39}"/>
+                </a:ext>
+              </a:extLst>
+            </p:cNvPr>
+            <p:cNvSpPr txBox="1"/>
+            <p:nvPr/>
+          </p:nvSpPr>
+          <p:spPr>
+            <a:xfrm>
+              <a:off x="349785" y="1416796"/>
+              <a:ext cx="1020932" cy="369332"/>
+            </a:xfrm>
+            <a:prstGeom prst="rect">
+              <a:avLst/>
+            </a:prstGeom>
+            <a:noFill/>
+          </p:spPr>
+          <p:txBody>
+            <a:bodyPr wrap="square" rtlCol="0">
+              <a:spAutoFit/>
+            </a:bodyPr>
+            <a:lstStyle/>
+            <a:p>
+              <a:r>
+                <a:rPr lang="en-US" dirty="0"/>
+                <a:t>Raster A</a:t>
+              </a:r>
+            </a:p>
+          </p:txBody>
+        </p:sp>
+        <p:sp>
+          <p:nvSpPr>
+            <p:cNvPr id="8" name="TextBox 7">
+              <a:extLst>
+                <a:ext uri="{FF2B5EF4-FFF2-40B4-BE49-F238E27FC236}">
+                  <a16:creationId xmlns:a16="http://schemas.microsoft.com/office/drawing/2014/main" id="{88CADBCC-3C2A-23CF-6DA3-37383E3D0919}"/>
+                </a:ext>
+              </a:extLst>
+            </p:cNvPr>
+            <p:cNvSpPr txBox="1"/>
+            <p:nvPr/>
+          </p:nvSpPr>
+          <p:spPr>
+            <a:xfrm>
+              <a:off x="349785" y="3055879"/>
+              <a:ext cx="1020932" cy="369332"/>
+            </a:xfrm>
+            <a:prstGeom prst="rect">
+              <a:avLst/>
+            </a:prstGeom>
+            <a:noFill/>
+          </p:spPr>
+          <p:txBody>
+            <a:bodyPr wrap="square" rtlCol="0">
+              <a:spAutoFit/>
+            </a:bodyPr>
+            <a:lstStyle/>
+            <a:p>
+              <a:r>
+                <a:rPr lang="en-US" dirty="0"/>
+                <a:t>Raster B</a:t>
+              </a:r>
+            </a:p>
+          </p:txBody>
+        </p:sp>
+        <p:cxnSp>
+          <p:nvCxnSpPr>
+            <p:cNvPr id="50" name="Straight Arrow Connector 49">
+              <a:extLst>
+                <a:ext uri="{FF2B5EF4-FFF2-40B4-BE49-F238E27FC236}">
+                  <a16:creationId xmlns:a16="http://schemas.microsoft.com/office/drawing/2014/main" id="{96DD19F8-89F2-1C69-D09A-3D4DEB6CAF7B}"/>
+                </a:ext>
+              </a:extLst>
+            </p:cNvPr>
+            <p:cNvCxnSpPr/>
+            <p:nvPr/>
+          </p:nvCxnSpPr>
+          <p:spPr>
+            <a:xfrm>
+              <a:off x="1764906" y="3459354"/>
+              <a:ext cx="0" cy="588104"/>
+            </a:xfrm>
+            <a:prstGeom prst="straightConnector1">
+              <a:avLst/>
+            </a:prstGeom>
+            <a:ln>
+              <a:solidFill>
+                <a:srgbClr val="007AB1"/>
+              </a:solidFill>
+              <a:headEnd type="triangle"/>
+              <a:tailEnd type="triangle"/>
+            </a:ln>
+          </p:spPr>
+          <p:style>
+            <a:lnRef idx="2">
+              <a:schemeClr val="accent1"/>
+            </a:lnRef>
+            <a:fillRef idx="0">
+              <a:schemeClr val="accent1"/>
+            </a:fillRef>
+            <a:effectRef idx="1">
+              <a:schemeClr val="accent1"/>
+            </a:effectRef>
+            <a:fontRef idx="minor">
+              <a:schemeClr val="tx1"/>
+            </a:fontRef>
+          </p:style>
+        </p:cxnSp>
+        <p:sp>
+          <p:nvSpPr>
+            <p:cNvPr id="51" name="TextBox 50">
+              <a:extLst>
+                <a:ext uri="{FF2B5EF4-FFF2-40B4-BE49-F238E27FC236}">
+                  <a16:creationId xmlns:a16="http://schemas.microsoft.com/office/drawing/2014/main" id="{9654E972-FB70-F998-4804-8AD61324E7AB}"/>
+                </a:ext>
+              </a:extLst>
+            </p:cNvPr>
+            <p:cNvSpPr txBox="1"/>
+            <p:nvPr/>
+          </p:nvSpPr>
+          <p:spPr>
+            <a:xfrm>
+              <a:off x="1727363" y="3568740"/>
+              <a:ext cx="471871" cy="369332"/>
+            </a:xfrm>
+            <a:prstGeom prst="rect">
+              <a:avLst/>
+            </a:prstGeom>
+            <a:noFill/>
+          </p:spPr>
+          <p:txBody>
+            <a:bodyPr wrap="square" rtlCol="0">
+              <a:spAutoFit/>
+            </a:bodyPr>
+            <a:lstStyle/>
+            <a:p>
+              <a:r>
+                <a:rPr lang="en-US" i="1" dirty="0"/>
+                <a:t>L</a:t>
+              </a:r>
+              <a:r>
+                <a:rPr lang="en-US" i="1" baseline="-25000" dirty="0"/>
+                <a:t>B</a:t>
+              </a:r>
+            </a:p>
+          </p:txBody>
+        </p:sp>
+        <p:cxnSp>
+          <p:nvCxnSpPr>
+            <p:cNvPr id="52" name="Straight Arrow Connector 51">
+              <a:extLst>
+                <a:ext uri="{FF2B5EF4-FFF2-40B4-BE49-F238E27FC236}">
+                  <a16:creationId xmlns:a16="http://schemas.microsoft.com/office/drawing/2014/main" id="{3BA44A57-1FB4-2AA0-5990-76820A6D6A69}"/>
+                </a:ext>
+              </a:extLst>
+            </p:cNvPr>
+            <p:cNvCxnSpPr/>
+            <p:nvPr/>
+          </p:nvCxnSpPr>
+          <p:spPr>
+            <a:xfrm>
+              <a:off x="1757806" y="1799496"/>
+              <a:ext cx="0" cy="588104"/>
+            </a:xfrm>
+            <a:prstGeom prst="straightConnector1">
+              <a:avLst/>
+            </a:prstGeom>
+            <a:ln>
+              <a:solidFill>
+                <a:srgbClr val="C34909"/>
+              </a:solidFill>
+              <a:headEnd type="triangle"/>
+              <a:tailEnd type="triangle"/>
+            </a:ln>
+          </p:spPr>
+          <p:style>
+            <a:lnRef idx="2">
+              <a:schemeClr val="accent1"/>
+            </a:lnRef>
+            <a:fillRef idx="0">
+              <a:schemeClr val="accent1"/>
+            </a:fillRef>
+            <a:effectRef idx="1">
+              <a:schemeClr val="accent1"/>
+            </a:effectRef>
+            <a:fontRef idx="minor">
+              <a:schemeClr val="tx1"/>
+            </a:fontRef>
+          </p:style>
+        </p:cxnSp>
+        <p:sp>
+          <p:nvSpPr>
+            <p:cNvPr id="53" name="TextBox 52">
+              <a:extLst>
+                <a:ext uri="{FF2B5EF4-FFF2-40B4-BE49-F238E27FC236}">
+                  <a16:creationId xmlns:a16="http://schemas.microsoft.com/office/drawing/2014/main" id="{45A7AEC7-A994-6ABF-FDEC-59EC728C4016}"/>
+                </a:ext>
+              </a:extLst>
+            </p:cNvPr>
+            <p:cNvSpPr txBox="1"/>
+            <p:nvPr/>
+          </p:nvSpPr>
+          <p:spPr>
+            <a:xfrm>
+              <a:off x="1720263" y="1908882"/>
+              <a:ext cx="471871" cy="369332"/>
+            </a:xfrm>
+            <a:prstGeom prst="rect">
+              <a:avLst/>
+            </a:prstGeom>
+            <a:noFill/>
+          </p:spPr>
+          <p:txBody>
+            <a:bodyPr wrap="square" rtlCol="0">
+              <a:spAutoFit/>
+            </a:bodyPr>
+            <a:lstStyle/>
+            <a:p>
+              <a:r>
+                <a:rPr lang="en-US" i="1" dirty="0"/>
+                <a:t>L</a:t>
+              </a:r>
+              <a:r>
+                <a:rPr lang="en-US" i="1" baseline="-25000" dirty="0"/>
+                <a:t>A</a:t>
+              </a:r>
+            </a:p>
+          </p:txBody>
+        </p:sp>
+        <p:sp>
+          <p:nvSpPr>
+            <p:cNvPr id="54" name="TextBox 53">
+              <a:extLst>
+                <a:ext uri="{FF2B5EF4-FFF2-40B4-BE49-F238E27FC236}">
+                  <a16:creationId xmlns:a16="http://schemas.microsoft.com/office/drawing/2014/main" id="{66B37304-EE2A-E0E4-BA12-0E262E4B651A}"/>
+                </a:ext>
+              </a:extLst>
+            </p:cNvPr>
+            <p:cNvSpPr txBox="1"/>
+            <p:nvPr/>
+          </p:nvSpPr>
+          <p:spPr>
+            <a:xfrm>
+              <a:off x="389618" y="4808373"/>
+              <a:ext cx="1450388" cy="461665"/>
+            </a:xfrm>
+            <a:prstGeom prst="rect">
+              <a:avLst/>
+            </a:prstGeom>
+            <a:noFill/>
+          </p:spPr>
+          <p:txBody>
+            <a:bodyPr wrap="square" rtlCol="0">
+              <a:spAutoFit/>
+            </a:bodyPr>
+            <a:lstStyle/>
+            <a:p>
+              <a:r>
+                <a:rPr lang="en-US" sz="2400" i="1" dirty="0"/>
+                <a:t>L</a:t>
+              </a:r>
+              <a:r>
+                <a:rPr lang="en-US" sz="2400" i="1" baseline="-25000" dirty="0"/>
+                <a:t>B </a:t>
+              </a:r>
+              <a:r>
+                <a:rPr lang="en-US" sz="2400" i="1" dirty="0"/>
+                <a:t>= 2xL</a:t>
+              </a:r>
+              <a:r>
+                <a:rPr lang="en-US" sz="2400" i="1" baseline="-25000" dirty="0"/>
+                <a:t>A</a:t>
+              </a:r>
+            </a:p>
+          </p:txBody>
+        </p:sp>
+      </p:grpSp>
+      <p:grpSp>
+        <p:nvGrpSpPr>
+          <p:cNvPr id="14" name="Group 13">
+            <a:extLst>
+              <a:ext uri="{FF2B5EF4-FFF2-40B4-BE49-F238E27FC236}">
+                <a16:creationId xmlns:a16="http://schemas.microsoft.com/office/drawing/2014/main" id="{91CE2D45-CEAF-E623-417D-81471EA1FC1A}"/>
+              </a:ext>
+            </a:extLst>
+          </p:cNvPr>
+          <p:cNvGrpSpPr/>
+          <p:nvPr/>
+        </p:nvGrpSpPr>
+        <p:grpSpPr>
+          <a:xfrm>
+            <a:off x="2990023" y="2499924"/>
+            <a:ext cx="6038770" cy="4214576"/>
+            <a:chOff x="2989818" y="260196"/>
+            <a:chExt cx="6038770" cy="4214576"/>
+          </a:xfrm>
+        </p:grpSpPr>
+        <p:sp>
+          <p:nvSpPr>
+            <p:cNvPr id="1054" name="Rectangle 1053">
+              <a:extLst>
+                <a:ext uri="{FF2B5EF4-FFF2-40B4-BE49-F238E27FC236}">
+                  <a16:creationId xmlns:a16="http://schemas.microsoft.com/office/drawing/2014/main" id="{C17EDABD-310A-A479-B278-0E0AA9D91101}"/>
+                </a:ext>
+              </a:extLst>
+            </p:cNvPr>
+            <p:cNvSpPr/>
+            <p:nvPr/>
+          </p:nvSpPr>
+          <p:spPr>
+            <a:xfrm>
+              <a:off x="3071674" y="260196"/>
+              <a:ext cx="5956914" cy="2040810"/>
+            </a:xfrm>
+            <a:prstGeom prst="rect">
+              <a:avLst/>
+            </a:prstGeom>
+            <a:solidFill>
+              <a:schemeClr val="tx2">
+                <a:lumMod val="10000"/>
+                <a:lumOff val="90000"/>
+              </a:schemeClr>
+            </a:solidFill>
+            <a:ln>
+              <a:noFill/>
+            </a:ln>
+          </p:spPr>
+          <p:style>
+            <a:lnRef idx="2">
+              <a:schemeClr val="accent1">
+                <a:shade val="15000"/>
+              </a:schemeClr>
+            </a:lnRef>
+            <a:fillRef idx="1">
+              <a:schemeClr val="accent1"/>
+            </a:fillRef>
+            <a:effectRef idx="0">
+              <a:schemeClr val="accent1"/>
+            </a:effectRef>
+            <a:fontRef idx="minor">
+              <a:schemeClr val="lt1"/>
+            </a:fontRef>
+          </p:style>
+          <p:txBody>
+            <a:bodyPr rtlCol="0" anchor="ctr"/>
+            <a:lstStyle/>
+            <a:p>
+              <a:pPr algn="ctr"/>
+              <a:endParaRPr lang="en-US" dirty="0"/>
+            </a:p>
+          </p:txBody>
+        </p:sp>
+        <p:sp>
+          <p:nvSpPr>
+            <p:cNvPr id="1052" name="Rectangle 1051">
+              <a:extLst>
+                <a:ext uri="{FF2B5EF4-FFF2-40B4-BE49-F238E27FC236}">
+                  <a16:creationId xmlns:a16="http://schemas.microsoft.com/office/drawing/2014/main" id="{49C303C9-85DB-894A-338B-A29F13F12472}"/>
+                </a:ext>
+              </a:extLst>
+            </p:cNvPr>
+            <p:cNvSpPr/>
+            <p:nvPr/>
+          </p:nvSpPr>
+          <p:spPr>
+            <a:xfrm>
+              <a:off x="3071674" y="2433962"/>
+              <a:ext cx="5956914" cy="2040810"/>
+            </a:xfrm>
+            <a:prstGeom prst="rect">
+              <a:avLst/>
+            </a:prstGeom>
+            <a:solidFill>
+              <a:schemeClr val="accent6">
+                <a:lumMod val="20000"/>
+                <a:lumOff val="80000"/>
+              </a:schemeClr>
+            </a:solidFill>
+            <a:ln>
+              <a:noFill/>
+            </a:ln>
+          </p:spPr>
+          <p:style>
+            <a:lnRef idx="2">
+              <a:schemeClr val="accent1">
+                <a:shade val="15000"/>
+              </a:schemeClr>
+            </a:lnRef>
+            <a:fillRef idx="1">
+              <a:schemeClr val="accent1"/>
+            </a:fillRef>
+            <a:effectRef idx="0">
+              <a:schemeClr val="accent1"/>
+            </a:effectRef>
+            <a:fontRef idx="minor">
+              <a:schemeClr val="lt1"/>
+            </a:fontRef>
+          </p:style>
+          <p:txBody>
+            <a:bodyPr rtlCol="0" anchor="ctr"/>
+            <a:lstStyle/>
+            <a:p>
+              <a:pPr algn="ctr"/>
+              <a:endParaRPr lang="en-US" dirty="0"/>
+            </a:p>
+          </p:txBody>
+        </p:sp>
+        <p:sp>
+          <p:nvSpPr>
+            <p:cNvPr id="28" name="TextBox 27">
+              <a:extLst>
+                <a:ext uri="{FF2B5EF4-FFF2-40B4-BE49-F238E27FC236}">
+                  <a16:creationId xmlns:a16="http://schemas.microsoft.com/office/drawing/2014/main" id="{EF898FD1-30CD-A210-F186-F5F3838DC8A7}"/>
+                </a:ext>
+              </a:extLst>
+            </p:cNvPr>
+            <p:cNvSpPr txBox="1"/>
+            <p:nvPr/>
+          </p:nvSpPr>
+          <p:spPr>
+            <a:xfrm>
+              <a:off x="3080943" y="842088"/>
+              <a:ext cx="1515347" cy="369332"/>
+            </a:xfrm>
+            <a:prstGeom prst="rect">
+              <a:avLst/>
+            </a:prstGeom>
+            <a:noFill/>
+          </p:spPr>
+          <p:txBody>
+            <a:bodyPr wrap="square" rtlCol="0">
+              <a:spAutoFit/>
+            </a:bodyPr>
+            <a:lstStyle/>
+            <a:p>
+              <a:r>
+                <a:rPr lang="en-US" b="1" dirty="0"/>
+                <a:t>Upscaling</a:t>
+              </a:r>
+            </a:p>
+          </p:txBody>
+        </p:sp>
+        <p:sp>
+          <p:nvSpPr>
+            <p:cNvPr id="47" name="TextBox 46">
+              <a:extLst>
+                <a:ext uri="{FF2B5EF4-FFF2-40B4-BE49-F238E27FC236}">
+                  <a16:creationId xmlns:a16="http://schemas.microsoft.com/office/drawing/2014/main" id="{CB436B31-D7BA-EE7B-99E1-9A944D1A92C5}"/>
+                </a:ext>
+              </a:extLst>
+            </p:cNvPr>
+            <p:cNvSpPr txBox="1"/>
+            <p:nvPr/>
+          </p:nvSpPr>
+          <p:spPr>
+            <a:xfrm>
+              <a:off x="3080943" y="1211420"/>
+              <a:ext cx="1759271" cy="307777"/>
+            </a:xfrm>
+            <a:prstGeom prst="rect">
+              <a:avLst/>
+            </a:prstGeom>
+            <a:noFill/>
+          </p:spPr>
+          <p:txBody>
+            <a:bodyPr wrap="square" rtlCol="0">
+              <a:spAutoFit/>
+            </a:bodyPr>
+            <a:lstStyle/>
+            <a:p>
+              <a:r>
+                <a:rPr lang="en-US" sz="1400" i="1" dirty="0">
+                  <a:latin typeface="Consolas" panose="020B0609020204030204" pitchFamily="49" charset="0"/>
+                </a:rPr>
+                <a:t>terra::aggregate</a:t>
+              </a:r>
+              <a:r>
+                <a:rPr lang="en-US" sz="1400" dirty="0"/>
+                <a:t> </a:t>
+              </a:r>
+            </a:p>
+          </p:txBody>
+        </p:sp>
+        <p:grpSp>
+          <p:nvGrpSpPr>
+            <p:cNvPr id="55" name="Group 54">
+              <a:extLst>
+                <a:ext uri="{FF2B5EF4-FFF2-40B4-BE49-F238E27FC236}">
+                  <a16:creationId xmlns:a16="http://schemas.microsoft.com/office/drawing/2014/main" id="{A79EE910-2929-20A3-BE6E-E43D44F27AA5}"/>
+                </a:ext>
+              </a:extLst>
+            </p:cNvPr>
+            <p:cNvGrpSpPr/>
+            <p:nvPr/>
+          </p:nvGrpSpPr>
+          <p:grpSpPr>
+            <a:xfrm>
+              <a:off x="4773997" y="310366"/>
+              <a:ext cx="3900966" cy="1951690"/>
+              <a:chOff x="104509" y="2087642"/>
+              <a:chExt cx="3900966" cy="1951690"/>
+            </a:xfrm>
+          </p:grpSpPr>
+          <p:pic>
+            <p:nvPicPr>
+              <p:cNvPr id="56" name="Picture 2" descr="1 Inch Grid Paper Printable 8 X 11 Pdf | Images and Photos finder">
+                <a:extLst>
+                  <a:ext uri="{FF2B5EF4-FFF2-40B4-BE49-F238E27FC236}">
+                    <a16:creationId xmlns:a16="http://schemas.microsoft.com/office/drawing/2014/main" id="{32DE2D18-6433-2330-4ABF-EE84D8C5A6EB}"/>
+                  </a:ext>
+                </a:extLst>
+              </p:cNvPr>
+              <p:cNvPicPr>
+                <a:picLocks noChangeAspect="1" noChangeArrowheads="1"/>
+              </p:cNvPicPr>
+              <p:nvPr/>
+            </p:nvPicPr>
+            <p:blipFill rotWithShape="1">
+              <a:blip r:embed="rId2">
+                <a:duotone>
+                  <a:schemeClr val="accent2">
+                    <a:shade val="45000"/>
+                    <a:satMod val="135000"/>
+                  </a:schemeClr>
+                  <a:prstClr val="white"/>
+                </a:duotone>
+                <a:extLst>
+                  <a:ext uri="{28A0092B-C50C-407E-A947-70E740481C1C}">
+                    <a14:useLocalDpi xmlns:a14="http://schemas.microsoft.com/office/drawing/2010/main" val="0"/>
+                  </a:ext>
+                </a:extLst>
+              </a:blip>
+              <a:srcRect r="49565" b="49555"/>
+              <a:stretch/>
+            </p:blipFill>
+            <p:spPr bwMode="auto">
+              <a:xfrm>
+                <a:off x="476019" y="2456974"/>
+                <a:ext cx="1203665" cy="1203908"/>
+              </a:xfrm>
+              <a:prstGeom prst="rect">
+                <a:avLst/>
+              </a:prstGeom>
+              <a:solidFill>
+                <a:srgbClr val="BC4709">
+                  <a:alpha val="10000"/>
+                </a:srgbClr>
+              </a:solidFill>
+            </p:spPr>
+          </p:pic>
+          <p:sp>
+            <p:nvSpPr>
+              <p:cNvPr id="57" name="TextBox 56">
+                <a:extLst>
+                  <a:ext uri="{FF2B5EF4-FFF2-40B4-BE49-F238E27FC236}">
+                    <a16:creationId xmlns:a16="http://schemas.microsoft.com/office/drawing/2014/main" id="{332E3C8E-3B7C-C884-A373-BEDC3400EBD8}"/>
+                  </a:ext>
+                </a:extLst>
+              </p:cNvPr>
+              <p:cNvSpPr txBox="1"/>
+              <p:nvPr/>
+            </p:nvSpPr>
+            <p:spPr>
+              <a:xfrm>
+                <a:off x="365789" y="2087642"/>
+                <a:ext cx="1020932" cy="369332"/>
+              </a:xfrm>
+              <a:prstGeom prst="rect">
+                <a:avLst/>
+              </a:prstGeom>
+              <a:noFill/>
+            </p:spPr>
+            <p:txBody>
+              <a:bodyPr wrap="square" rtlCol="0">
+                <a:spAutoFit/>
+              </a:bodyPr>
+              <a:lstStyle/>
+              <a:p>
+                <a:r>
+                  <a:rPr lang="en-US" dirty="0"/>
+                  <a:t>Raster A</a:t>
+                </a:r>
+              </a:p>
+            </p:txBody>
+          </p:sp>
+          <p:pic>
+            <p:nvPicPr>
+              <p:cNvPr id="59" name="Picture 2">
+                <a:extLst>
+                  <a:ext uri="{FF2B5EF4-FFF2-40B4-BE49-F238E27FC236}">
+                    <a16:creationId xmlns:a16="http://schemas.microsoft.com/office/drawing/2014/main" id="{529F8B46-E818-2903-BB84-21987FC11180}"/>
+                  </a:ext>
+                </a:extLst>
+              </p:cNvPr>
+              <p:cNvPicPr>
+                <a:picLocks noChangeAspect="1" noChangeArrowheads="1"/>
+              </p:cNvPicPr>
+              <p:nvPr/>
+            </p:nvPicPr>
+            <p:blipFill rotWithShape="1">
+              <a:blip r:embed="rId3">
+                <a:extLst>
+                  <a:ext uri="{28A0092B-C50C-407E-A947-70E740481C1C}">
+                    <a14:useLocalDpi xmlns:a14="http://schemas.microsoft.com/office/drawing/2010/main" val="0"/>
+                  </a:ext>
+                </a:extLst>
+              </a:blip>
+              <a:srcRect l="10" r="10" b="1347"/>
+              <a:stretch/>
+            </p:blipFill>
+            <p:spPr bwMode="auto">
+              <a:xfrm>
+                <a:off x="2243439" y="2454608"/>
+                <a:ext cx="1203665" cy="1187694"/>
+              </a:xfrm>
+              <a:prstGeom prst="rect">
+                <a:avLst/>
+              </a:prstGeom>
+              <a:solidFill>
+                <a:srgbClr val="C34909">
+                  <a:alpha val="10000"/>
+                </a:srgbClr>
+              </a:solidFill>
+              <a:ln>
+                <a:solidFill>
+                  <a:srgbClr val="C34909"/>
+                </a:solidFill>
+              </a:ln>
+            </p:spPr>
+          </p:pic>
+          <p:sp>
+            <p:nvSpPr>
+              <p:cNvPr id="60" name="Arrow: Right 59">
+                <a:extLst>
+                  <a:ext uri="{FF2B5EF4-FFF2-40B4-BE49-F238E27FC236}">
+                    <a16:creationId xmlns:a16="http://schemas.microsoft.com/office/drawing/2014/main" id="{C9604B3E-F3C2-206D-7FF2-429754976E10}"/>
+                  </a:ext>
+                </a:extLst>
+              </p:cNvPr>
+              <p:cNvSpPr/>
+              <p:nvPr/>
+            </p:nvSpPr>
+            <p:spPr>
+              <a:xfrm>
+                <a:off x="1757711" y="2804928"/>
+                <a:ext cx="398102" cy="508000"/>
+              </a:xfrm>
+              <a:prstGeom prst="rightArrow">
+                <a:avLst/>
+              </a:prstGeom>
+              <a:ln>
+                <a:noFill/>
+              </a:ln>
+            </p:spPr>
+            <p:style>
+              <a:lnRef idx="2">
+                <a:schemeClr val="accent1">
+                  <a:shade val="15000"/>
+                </a:schemeClr>
+              </a:lnRef>
+              <a:fillRef idx="1">
+                <a:schemeClr val="accent1"/>
+              </a:fillRef>
+              <a:effectRef idx="0">
+                <a:schemeClr val="accent1"/>
+              </a:effectRef>
+              <a:fontRef idx="minor">
+                <a:schemeClr val="lt1"/>
+              </a:fontRef>
+            </p:style>
+            <p:txBody>
+              <a:bodyPr rtlCol="0" anchor="ctr"/>
+              <a:lstStyle/>
+              <a:p>
+                <a:pPr algn="ctr"/>
+                <a:endParaRPr lang="en-US" dirty="0"/>
+              </a:p>
+            </p:txBody>
+          </p:sp>
+          <p:cxnSp>
+            <p:nvCxnSpPr>
+              <p:cNvPr id="61" name="Straight Arrow Connector 60">
+                <a:extLst>
+                  <a:ext uri="{FF2B5EF4-FFF2-40B4-BE49-F238E27FC236}">
+                    <a16:creationId xmlns:a16="http://schemas.microsoft.com/office/drawing/2014/main" id="{AFC95596-AF4E-D857-08C2-82B1052E18E1}"/>
+                  </a:ext>
+                </a:extLst>
+              </p:cNvPr>
+              <p:cNvCxnSpPr>
+                <a:cxnSpLocks/>
+              </p:cNvCxnSpPr>
+              <p:nvPr/>
+            </p:nvCxnSpPr>
+            <p:spPr>
+              <a:xfrm>
+                <a:off x="3557333" y="2443124"/>
+                <a:ext cx="0" cy="420806"/>
+              </a:xfrm>
+              <a:prstGeom prst="straightConnector1">
+                <a:avLst/>
+              </a:prstGeom>
+              <a:ln>
+                <a:solidFill>
+                  <a:srgbClr val="C34909"/>
+                </a:solidFill>
+                <a:headEnd type="triangle"/>
+                <a:tailEnd type="triangle"/>
+              </a:ln>
+            </p:spPr>
+            <p:style>
+              <a:lnRef idx="2">
+                <a:schemeClr val="accent1"/>
+              </a:lnRef>
+              <a:fillRef idx="0">
+                <a:schemeClr val="accent1"/>
+              </a:fillRef>
+              <a:effectRef idx="1">
+                <a:schemeClr val="accent1"/>
+              </a:effectRef>
+              <a:fontRef idx="minor">
+                <a:schemeClr val="tx1"/>
+              </a:fontRef>
+            </p:style>
+          </p:cxnSp>
+          <p:sp>
+            <p:nvSpPr>
+              <p:cNvPr id="62" name="TextBox 61">
+                <a:extLst>
+                  <a:ext uri="{FF2B5EF4-FFF2-40B4-BE49-F238E27FC236}">
+                    <a16:creationId xmlns:a16="http://schemas.microsoft.com/office/drawing/2014/main" id="{76B5C681-A13B-DF67-903B-2420F31269DE}"/>
+                  </a:ext>
+                </a:extLst>
+              </p:cNvPr>
+              <p:cNvSpPr txBox="1"/>
+              <p:nvPr/>
+            </p:nvSpPr>
+            <p:spPr>
+              <a:xfrm>
+                <a:off x="2153363" y="2087642"/>
+                <a:ext cx="1347006" cy="369332"/>
+              </a:xfrm>
+              <a:prstGeom prst="rect">
+                <a:avLst/>
+              </a:prstGeom>
+              <a:noFill/>
+            </p:spPr>
+            <p:txBody>
+              <a:bodyPr wrap="square" rtlCol="0">
+                <a:spAutoFit/>
+              </a:bodyPr>
+              <a:lstStyle/>
+              <a:p>
+                <a:r>
+                  <a:rPr lang="en-US" dirty="0"/>
+                  <a:t>Raster A*</a:t>
+                </a:r>
+              </a:p>
+            </p:txBody>
+          </p:sp>
+          <p:cxnSp>
+            <p:nvCxnSpPr>
+              <p:cNvPr id="63" name="Straight Arrow Connector 62">
+                <a:extLst>
+                  <a:ext uri="{FF2B5EF4-FFF2-40B4-BE49-F238E27FC236}">
+                    <a16:creationId xmlns:a16="http://schemas.microsoft.com/office/drawing/2014/main" id="{51F7685B-5202-CF42-993B-EE475499A23F}"/>
+                  </a:ext>
+                </a:extLst>
+              </p:cNvPr>
+              <p:cNvCxnSpPr>
+                <a:cxnSpLocks/>
+              </p:cNvCxnSpPr>
+              <p:nvPr/>
+            </p:nvCxnSpPr>
+            <p:spPr>
+              <a:xfrm>
+                <a:off x="365789" y="2456974"/>
+                <a:ext cx="0" cy="280202"/>
+              </a:xfrm>
+              <a:prstGeom prst="straightConnector1">
+                <a:avLst/>
+              </a:prstGeom>
+              <a:ln>
+                <a:solidFill>
+                  <a:srgbClr val="C34909"/>
+                </a:solidFill>
+                <a:headEnd type="triangle"/>
+                <a:tailEnd type="triangle"/>
+              </a:ln>
+            </p:spPr>
+            <p:style>
+              <a:lnRef idx="2">
+                <a:schemeClr val="accent1"/>
+              </a:lnRef>
+              <a:fillRef idx="0">
+                <a:schemeClr val="accent1"/>
+              </a:fillRef>
+              <a:effectRef idx="1">
+                <a:schemeClr val="accent1"/>
+              </a:effectRef>
+              <a:fontRef idx="minor">
+                <a:schemeClr val="tx1"/>
+              </a:fontRef>
+            </p:style>
+          </p:cxnSp>
+          <p:sp>
+            <p:nvSpPr>
+              <p:cNvPr id="1024" name="TextBox 1023">
+                <a:extLst>
+                  <a:ext uri="{FF2B5EF4-FFF2-40B4-BE49-F238E27FC236}">
+                    <a16:creationId xmlns:a16="http://schemas.microsoft.com/office/drawing/2014/main" id="{E3A07807-DD23-9A34-4C42-21E22D440106}"/>
+                  </a:ext>
+                </a:extLst>
+              </p:cNvPr>
+              <p:cNvSpPr txBox="1"/>
+              <p:nvPr/>
+            </p:nvSpPr>
+            <p:spPr>
+              <a:xfrm>
+                <a:off x="104509" y="2435596"/>
+                <a:ext cx="188862" cy="369332"/>
+              </a:xfrm>
+              <a:prstGeom prst="rect">
+                <a:avLst/>
+              </a:prstGeom>
+              <a:noFill/>
+            </p:spPr>
+            <p:txBody>
+              <a:bodyPr wrap="square" rtlCol="0">
+                <a:spAutoFit/>
+              </a:bodyPr>
+              <a:lstStyle/>
+              <a:p>
+                <a:r>
+                  <a:rPr lang="en-US" i="1" dirty="0"/>
+                  <a:t>L</a:t>
+                </a:r>
+              </a:p>
+            </p:txBody>
+          </p:sp>
+          <p:sp>
+            <p:nvSpPr>
+              <p:cNvPr id="1025" name="TextBox 1024">
+                <a:extLst>
+                  <a:ext uri="{FF2B5EF4-FFF2-40B4-BE49-F238E27FC236}">
+                    <a16:creationId xmlns:a16="http://schemas.microsoft.com/office/drawing/2014/main" id="{0F6167BB-7A5B-B692-5485-AB618CB8C5C5}"/>
+                  </a:ext>
+                </a:extLst>
+              </p:cNvPr>
+              <p:cNvSpPr txBox="1"/>
+              <p:nvPr/>
+            </p:nvSpPr>
+            <p:spPr>
+              <a:xfrm>
+                <a:off x="3533604" y="2468861"/>
+                <a:ext cx="471871" cy="369332"/>
+              </a:xfrm>
+              <a:prstGeom prst="rect">
+                <a:avLst/>
+              </a:prstGeom>
+              <a:noFill/>
+            </p:spPr>
+            <p:txBody>
+              <a:bodyPr wrap="square" rtlCol="0">
+                <a:spAutoFit/>
+              </a:bodyPr>
+              <a:lstStyle/>
+              <a:p>
+                <a:r>
+                  <a:rPr lang="en-US" i="1" dirty="0"/>
+                  <a:t>L*</a:t>
+                </a:r>
+              </a:p>
+            </p:txBody>
+          </p:sp>
+          <p:sp>
+            <p:nvSpPr>
+              <p:cNvPr id="1027" name="TextBox 1026">
+                <a:extLst>
+                  <a:ext uri="{FF2B5EF4-FFF2-40B4-BE49-F238E27FC236}">
+                    <a16:creationId xmlns:a16="http://schemas.microsoft.com/office/drawing/2014/main" id="{6A23F6C3-973A-828B-862B-93FE5D933FA2}"/>
+                  </a:ext>
+                </a:extLst>
+              </p:cNvPr>
+              <p:cNvSpPr txBox="1"/>
+              <p:nvPr/>
+            </p:nvSpPr>
+            <p:spPr>
+              <a:xfrm>
+                <a:off x="2393640" y="3670000"/>
+                <a:ext cx="1450388" cy="369332"/>
+              </a:xfrm>
+              <a:prstGeom prst="rect">
+                <a:avLst/>
+              </a:prstGeom>
+              <a:noFill/>
+            </p:spPr>
+            <p:txBody>
+              <a:bodyPr wrap="square" rtlCol="0">
+                <a:spAutoFit/>
+              </a:bodyPr>
+              <a:lstStyle/>
+              <a:p>
+                <a:r>
+                  <a:rPr lang="en-US" i="1" dirty="0"/>
+                  <a:t>L*= </a:t>
+                </a:r>
+                <a:r>
+                  <a:rPr lang="en-US" i="1" dirty="0" err="1"/>
+                  <a:t>axL</a:t>
+                </a:r>
+                <a:endParaRPr lang="en-US" i="1" dirty="0"/>
+              </a:p>
+            </p:txBody>
+          </p:sp>
+        </p:grpSp>
+        <p:sp>
+          <p:nvSpPr>
+            <p:cNvPr id="46" name="TextBox 45">
+              <a:extLst>
+                <a:ext uri="{FF2B5EF4-FFF2-40B4-BE49-F238E27FC236}">
+                  <a16:creationId xmlns:a16="http://schemas.microsoft.com/office/drawing/2014/main" id="{027C068C-FEB7-99E1-F7BC-40952780A6F4}"/>
+                </a:ext>
+              </a:extLst>
+            </p:cNvPr>
+            <p:cNvSpPr txBox="1"/>
+            <p:nvPr/>
+          </p:nvSpPr>
+          <p:spPr>
+            <a:xfrm>
+              <a:off x="3080943" y="3050943"/>
+              <a:ext cx="1677351" cy="369332"/>
+            </a:xfrm>
+            <a:prstGeom prst="rect">
+              <a:avLst/>
+            </a:prstGeom>
+            <a:noFill/>
+          </p:spPr>
+          <p:txBody>
+            <a:bodyPr wrap="square" rtlCol="0">
+              <a:spAutoFit/>
+            </a:bodyPr>
+            <a:lstStyle/>
+            <a:p>
+              <a:r>
+                <a:rPr lang="en-US" b="1" dirty="0"/>
+                <a:t>Downscaling</a:t>
+              </a:r>
+            </a:p>
+          </p:txBody>
+        </p:sp>
+        <p:sp>
+          <p:nvSpPr>
+            <p:cNvPr id="49" name="TextBox 48">
+              <a:extLst>
+                <a:ext uri="{FF2B5EF4-FFF2-40B4-BE49-F238E27FC236}">
+                  <a16:creationId xmlns:a16="http://schemas.microsoft.com/office/drawing/2014/main" id="{6198BD9D-BD69-5FDE-68E6-BA24E936C20A}"/>
+                </a:ext>
+              </a:extLst>
+            </p:cNvPr>
+            <p:cNvSpPr txBox="1"/>
+            <p:nvPr/>
+          </p:nvSpPr>
+          <p:spPr>
+            <a:xfrm>
+              <a:off x="3080943" y="3387111"/>
+              <a:ext cx="1515347" cy="307777"/>
+            </a:xfrm>
+            <a:prstGeom prst="rect">
+              <a:avLst/>
+            </a:prstGeom>
+            <a:noFill/>
+          </p:spPr>
+          <p:txBody>
+            <a:bodyPr wrap="square" rtlCol="0">
+              <a:spAutoFit/>
+            </a:bodyPr>
+            <a:lstStyle/>
+            <a:p>
+              <a:r>
+                <a:rPr lang="en-US" sz="1400" i="1" dirty="0">
+                  <a:latin typeface="Consolas" panose="020B0609020204030204" pitchFamily="49" charset="0"/>
+                </a:rPr>
+                <a:t>terra::</a:t>
+              </a:r>
+              <a:r>
+                <a:rPr lang="en-US" sz="1400" i="1" dirty="0" err="1">
+                  <a:latin typeface="Consolas" panose="020B0609020204030204" pitchFamily="49" charset="0"/>
+                </a:rPr>
+                <a:t>disagg</a:t>
+              </a:r>
+              <a:endParaRPr lang="en-US" sz="1400" i="1" dirty="0"/>
+            </a:p>
+          </p:txBody>
+        </p:sp>
+        <p:grpSp>
+          <p:nvGrpSpPr>
+            <p:cNvPr id="1044" name="Group 1043">
+              <a:extLst>
+                <a:ext uri="{FF2B5EF4-FFF2-40B4-BE49-F238E27FC236}">
+                  <a16:creationId xmlns:a16="http://schemas.microsoft.com/office/drawing/2014/main" id="{B2421F4D-9E5C-2A94-688F-5A19E30C5944}"/>
+                </a:ext>
+              </a:extLst>
+            </p:cNvPr>
+            <p:cNvGrpSpPr/>
+            <p:nvPr/>
+          </p:nvGrpSpPr>
+          <p:grpSpPr>
+            <a:xfrm>
+              <a:off x="4979479" y="2459318"/>
+              <a:ext cx="3615039" cy="1928923"/>
+              <a:chOff x="4898477" y="4830588"/>
+              <a:chExt cx="3615039" cy="1928923"/>
+            </a:xfrm>
+          </p:grpSpPr>
+          <p:pic>
+            <p:nvPicPr>
+              <p:cNvPr id="18" name="Picture 2" descr="1 Inch Grid Paper Printable 8 X 11 Pdf | Images and Photos finder">
+                <a:extLst>
+                  <a:ext uri="{FF2B5EF4-FFF2-40B4-BE49-F238E27FC236}">
+                    <a16:creationId xmlns:a16="http://schemas.microsoft.com/office/drawing/2014/main" id="{FED05417-FA0C-9F53-4A1C-6E501E310314}"/>
+                  </a:ext>
+                </a:extLst>
+              </p:cNvPr>
+              <p:cNvPicPr>
+                <a:picLocks noChangeAspect="1" noChangeArrowheads="1"/>
+              </p:cNvPicPr>
+              <p:nvPr/>
+            </p:nvPicPr>
+            <p:blipFill rotWithShape="1">
+              <a:blip r:embed="rId2">
+                <a:duotone>
+                  <a:schemeClr val="accent4">
+                    <a:shade val="45000"/>
+                    <a:satMod val="135000"/>
+                  </a:schemeClr>
+                  <a:prstClr val="white"/>
+                </a:duotone>
+                <a:extLst>
+                  <a:ext uri="{28A0092B-C50C-407E-A947-70E740481C1C}">
+                    <a14:useLocalDpi xmlns:a14="http://schemas.microsoft.com/office/drawing/2010/main" val="0"/>
+                  </a:ext>
+                </a:extLst>
+              </a:blip>
+              <a:srcRect t="-1" r="74681" b="74677"/>
+              <a:stretch/>
+            </p:blipFill>
+            <p:spPr bwMode="auto">
+              <a:xfrm>
+                <a:off x="5008706" y="5199920"/>
+                <a:ext cx="1203665" cy="1203908"/>
+              </a:xfrm>
+              <a:prstGeom prst="rect">
+                <a:avLst/>
+              </a:prstGeom>
+              <a:solidFill>
+                <a:srgbClr val="007AB1">
+                  <a:alpha val="10000"/>
+                </a:srgbClr>
+              </a:solidFill>
+            </p:spPr>
+          </p:pic>
+          <p:sp>
+            <p:nvSpPr>
+              <p:cNvPr id="43" name="Arrow: Right 42">
+                <a:extLst>
+                  <a:ext uri="{FF2B5EF4-FFF2-40B4-BE49-F238E27FC236}">
+                    <a16:creationId xmlns:a16="http://schemas.microsoft.com/office/drawing/2014/main" id="{5483A450-F926-9FC3-692A-53552AE76D3C}"/>
+                  </a:ext>
+                </a:extLst>
+              </p:cNvPr>
+              <p:cNvSpPr/>
+              <p:nvPr/>
+            </p:nvSpPr>
+            <p:spPr>
+              <a:xfrm>
+                <a:off x="6287949" y="5547874"/>
+                <a:ext cx="398102" cy="508000"/>
+              </a:xfrm>
+              <a:prstGeom prst="rightArrow">
+                <a:avLst/>
+              </a:prstGeom>
+              <a:ln>
+                <a:noFill/>
+              </a:ln>
+            </p:spPr>
+            <p:style>
+              <a:lnRef idx="2">
+                <a:schemeClr val="accent1">
+                  <a:shade val="15000"/>
+                </a:schemeClr>
+              </a:lnRef>
+              <a:fillRef idx="1">
+                <a:schemeClr val="accent1"/>
+              </a:fillRef>
+              <a:effectRef idx="0">
+                <a:schemeClr val="accent1"/>
+              </a:effectRef>
+              <a:fontRef idx="minor">
+                <a:schemeClr val="lt1"/>
+              </a:fontRef>
+            </p:style>
+            <p:txBody>
+              <a:bodyPr rtlCol="0" anchor="ctr"/>
+              <a:lstStyle/>
+              <a:p>
+                <a:pPr algn="ctr"/>
+                <a:endParaRPr lang="en-US" dirty="0"/>
+              </a:p>
+            </p:txBody>
+          </p:sp>
+          <p:sp>
+            <p:nvSpPr>
+              <p:cNvPr id="44" name="TextBox 43">
+                <a:extLst>
+                  <a:ext uri="{FF2B5EF4-FFF2-40B4-BE49-F238E27FC236}">
+                    <a16:creationId xmlns:a16="http://schemas.microsoft.com/office/drawing/2014/main" id="{BAA9FA8C-84FA-ECDA-A0DA-1200DCF79C7A}"/>
+                  </a:ext>
+                </a:extLst>
+              </p:cNvPr>
+              <p:cNvSpPr txBox="1"/>
+              <p:nvPr/>
+            </p:nvSpPr>
+            <p:spPr>
+              <a:xfrm>
+                <a:off x="4898477" y="4830588"/>
+                <a:ext cx="1020932" cy="369332"/>
+              </a:xfrm>
+              <a:prstGeom prst="rect">
+                <a:avLst/>
+              </a:prstGeom>
+              <a:noFill/>
+            </p:spPr>
+            <p:txBody>
+              <a:bodyPr wrap="square" rtlCol="0">
+                <a:spAutoFit/>
+              </a:bodyPr>
+              <a:lstStyle/>
+              <a:p>
+                <a:r>
+                  <a:rPr lang="en-US" dirty="0"/>
+                  <a:t>Raster B</a:t>
+                </a:r>
+              </a:p>
+            </p:txBody>
+          </p:sp>
+          <p:sp>
+            <p:nvSpPr>
+              <p:cNvPr id="45" name="TextBox 44">
+                <a:extLst>
+                  <a:ext uri="{FF2B5EF4-FFF2-40B4-BE49-F238E27FC236}">
+                    <a16:creationId xmlns:a16="http://schemas.microsoft.com/office/drawing/2014/main" id="{2CEF6E16-00DD-BB99-751A-96EFF03DFEB0}"/>
+                  </a:ext>
+                </a:extLst>
+              </p:cNvPr>
+              <p:cNvSpPr txBox="1"/>
+              <p:nvPr/>
+            </p:nvSpPr>
+            <p:spPr>
+              <a:xfrm>
+                <a:off x="6715423" y="4830588"/>
+                <a:ext cx="1317633" cy="369332"/>
+              </a:xfrm>
+              <a:prstGeom prst="rect">
+                <a:avLst/>
+              </a:prstGeom>
+              <a:noFill/>
+            </p:spPr>
+            <p:txBody>
+              <a:bodyPr wrap="square" rtlCol="0">
+                <a:spAutoFit/>
+              </a:bodyPr>
+              <a:lstStyle/>
+              <a:p>
+                <a:r>
+                  <a:rPr lang="en-US" dirty="0"/>
+                  <a:t>Raster B*</a:t>
+                </a:r>
+              </a:p>
+            </p:txBody>
+          </p:sp>
+          <p:sp>
+            <p:nvSpPr>
+              <p:cNvPr id="1028" name="TextBox 1027">
+                <a:extLst>
+                  <a:ext uri="{FF2B5EF4-FFF2-40B4-BE49-F238E27FC236}">
+                    <a16:creationId xmlns:a16="http://schemas.microsoft.com/office/drawing/2014/main" id="{61ABA09B-4515-7CD9-98C7-3122B6CA910C}"/>
+                  </a:ext>
+                </a:extLst>
+              </p:cNvPr>
+              <p:cNvSpPr txBox="1"/>
+              <p:nvPr/>
+            </p:nvSpPr>
+            <p:spPr>
+              <a:xfrm>
+                <a:off x="7063128" y="6390179"/>
+                <a:ext cx="1450388" cy="369332"/>
+              </a:xfrm>
+              <a:prstGeom prst="rect">
+                <a:avLst/>
+              </a:prstGeom>
+              <a:noFill/>
+            </p:spPr>
+            <p:txBody>
+              <a:bodyPr wrap="square" rtlCol="0">
+                <a:spAutoFit/>
+              </a:bodyPr>
+              <a:lstStyle/>
+              <a:p>
+                <a:r>
+                  <a:rPr lang="en-US" i="1" dirty="0"/>
+                  <a:t>L*=L/a</a:t>
+                </a:r>
+              </a:p>
+            </p:txBody>
+          </p:sp>
+          <p:pic>
+            <p:nvPicPr>
+              <p:cNvPr id="1041" name="Picture 2">
+                <a:extLst>
+                  <a:ext uri="{FF2B5EF4-FFF2-40B4-BE49-F238E27FC236}">
+                    <a16:creationId xmlns:a16="http://schemas.microsoft.com/office/drawing/2014/main" id="{7BC29327-C985-1227-46BF-5974BC34C950}"/>
+                  </a:ext>
+                </a:extLst>
+              </p:cNvPr>
+              <p:cNvPicPr>
+                <a:picLocks noChangeAspect="1" noChangeArrowheads="1"/>
+              </p:cNvPicPr>
+              <p:nvPr/>
+            </p:nvPicPr>
+            <p:blipFill rotWithShape="1">
+              <a:blip r:embed="rId4">
+                <a:extLst>
+                  <a:ext uri="{28A0092B-C50C-407E-A947-70E740481C1C}">
+                    <a14:useLocalDpi xmlns:a14="http://schemas.microsoft.com/office/drawing/2010/main" val="0"/>
+                  </a:ext>
+                </a:extLst>
+              </a:blip>
+              <a:srcRect t="327" b="327"/>
+              <a:stretch/>
+            </p:blipFill>
+            <p:spPr bwMode="auto">
+              <a:xfrm>
+                <a:off x="6770166" y="5197698"/>
+                <a:ext cx="1203665" cy="1187694"/>
+              </a:xfrm>
+              <a:prstGeom prst="rect">
+                <a:avLst/>
+              </a:prstGeom>
+              <a:solidFill>
+                <a:srgbClr val="007AB1">
+                  <a:alpha val="10000"/>
+                </a:srgbClr>
+              </a:solidFill>
+            </p:spPr>
+          </p:pic>
+        </p:grpSp>
+        <p:sp>
+          <p:nvSpPr>
+            <p:cNvPr id="2" name="TextBox 1">
+              <a:extLst>
+                <a:ext uri="{FF2B5EF4-FFF2-40B4-BE49-F238E27FC236}">
+                  <a16:creationId xmlns:a16="http://schemas.microsoft.com/office/drawing/2014/main" id="{76720344-02D2-9D26-943F-FF88AF3EBE59}"/>
+                </a:ext>
+              </a:extLst>
+            </p:cNvPr>
+            <p:cNvSpPr txBox="1"/>
+            <p:nvPr/>
+          </p:nvSpPr>
+          <p:spPr>
+            <a:xfrm>
+              <a:off x="3007327" y="4132687"/>
+              <a:ext cx="1850396" cy="307777"/>
+            </a:xfrm>
+            <a:prstGeom prst="rect">
+              <a:avLst/>
+            </a:prstGeom>
+            <a:noFill/>
+          </p:spPr>
+          <p:txBody>
+            <a:bodyPr wrap="square" rtlCol="0">
+              <a:spAutoFit/>
+            </a:bodyPr>
+            <a:lstStyle/>
+            <a:p>
+              <a:pPr algn="ctr"/>
+              <a:r>
+                <a:rPr lang="en-US" sz="1400" dirty="0">
+                  <a:latin typeface="+mj-lt"/>
+                </a:rPr>
+                <a:t>Coarse                Fine </a:t>
+              </a:r>
+            </a:p>
+          </p:txBody>
+        </p:sp>
+        <p:cxnSp>
+          <p:nvCxnSpPr>
+            <p:cNvPr id="4" name="Straight Arrow Connector 3">
+              <a:extLst>
+                <a:ext uri="{FF2B5EF4-FFF2-40B4-BE49-F238E27FC236}">
+                  <a16:creationId xmlns:a16="http://schemas.microsoft.com/office/drawing/2014/main" id="{47E6E706-A4EA-002C-10D8-1FAEC456A657}"/>
+                </a:ext>
+              </a:extLst>
+            </p:cNvPr>
+            <p:cNvCxnSpPr/>
+            <p:nvPr/>
+          </p:nvCxnSpPr>
+          <p:spPr>
+            <a:xfrm>
+              <a:off x="3841033" y="4286575"/>
+              <a:ext cx="388235" cy="0"/>
+            </a:xfrm>
+            <a:prstGeom prst="straightConnector1">
+              <a:avLst/>
+            </a:prstGeom>
+            <a:ln>
+              <a:tailEnd type="triangle"/>
+            </a:ln>
+          </p:spPr>
+          <p:style>
+            <a:lnRef idx="2">
+              <a:schemeClr val="dk1"/>
+            </a:lnRef>
+            <a:fillRef idx="0">
+              <a:schemeClr val="dk1"/>
+            </a:fillRef>
+            <a:effectRef idx="1">
+              <a:schemeClr val="dk1"/>
+            </a:effectRef>
+            <a:fontRef idx="minor">
+              <a:schemeClr val="tx1"/>
+            </a:fontRef>
+          </p:style>
+        </p:cxnSp>
+        <p:sp>
+          <p:nvSpPr>
+            <p:cNvPr id="6" name="TextBox 5">
+              <a:extLst>
+                <a:ext uri="{FF2B5EF4-FFF2-40B4-BE49-F238E27FC236}">
+                  <a16:creationId xmlns:a16="http://schemas.microsoft.com/office/drawing/2014/main" id="{E679476A-B65E-806C-81C7-770966239D7C}"/>
+                </a:ext>
+              </a:extLst>
+            </p:cNvPr>
+            <p:cNvSpPr txBox="1"/>
+            <p:nvPr/>
+          </p:nvSpPr>
+          <p:spPr>
+            <a:xfrm>
+              <a:off x="2989818" y="1985541"/>
+              <a:ext cx="1850396" cy="307777"/>
+            </a:xfrm>
+            <a:prstGeom prst="rect">
+              <a:avLst/>
+            </a:prstGeom>
+            <a:noFill/>
+          </p:spPr>
+          <p:txBody>
+            <a:bodyPr wrap="square" rtlCol="0">
+              <a:spAutoFit/>
+            </a:bodyPr>
+            <a:lstStyle/>
+            <a:p>
+              <a:pPr algn="ctr"/>
+              <a:r>
+                <a:rPr lang="en-US" sz="1400" dirty="0">
+                  <a:latin typeface="+mj-lt"/>
+                </a:rPr>
+                <a:t>Fine                Coarse </a:t>
+              </a:r>
+            </a:p>
+          </p:txBody>
+        </p:sp>
+        <p:cxnSp>
+          <p:nvCxnSpPr>
+            <p:cNvPr id="9" name="Straight Arrow Connector 8">
+              <a:extLst>
+                <a:ext uri="{FF2B5EF4-FFF2-40B4-BE49-F238E27FC236}">
+                  <a16:creationId xmlns:a16="http://schemas.microsoft.com/office/drawing/2014/main" id="{746BF88D-2684-88DC-8C2D-8FBF53A113C1}"/>
+                </a:ext>
+              </a:extLst>
+            </p:cNvPr>
+            <p:cNvCxnSpPr/>
+            <p:nvPr/>
+          </p:nvCxnSpPr>
+          <p:spPr>
+            <a:xfrm>
+              <a:off x="3579037" y="2139430"/>
+              <a:ext cx="388235" cy="0"/>
+            </a:xfrm>
+            <a:prstGeom prst="straightConnector1">
+              <a:avLst/>
+            </a:prstGeom>
+            <a:ln>
+              <a:tailEnd type="triangle"/>
+            </a:ln>
+          </p:spPr>
+          <p:style>
+            <a:lnRef idx="2">
+              <a:schemeClr val="dk1"/>
+            </a:lnRef>
+            <a:fillRef idx="0">
+              <a:schemeClr val="dk1"/>
+            </a:fillRef>
+            <a:effectRef idx="1">
+              <a:schemeClr val="dk1"/>
+            </a:effectRef>
+            <a:fontRef idx="minor">
+              <a:schemeClr val="tx1"/>
+            </a:fontRef>
+          </p:style>
+        </p:cxnSp>
+        <p:cxnSp>
+          <p:nvCxnSpPr>
+            <p:cNvPr id="17" name="Straight Arrow Connector 16">
+              <a:extLst>
+                <a:ext uri="{FF2B5EF4-FFF2-40B4-BE49-F238E27FC236}">
+                  <a16:creationId xmlns:a16="http://schemas.microsoft.com/office/drawing/2014/main" id="{EA55986F-BFF8-5961-DC8F-4FA498548455}"/>
+                </a:ext>
+              </a:extLst>
+            </p:cNvPr>
+            <p:cNvCxnSpPr>
+              <a:cxnSpLocks/>
+            </p:cNvCxnSpPr>
+            <p:nvPr/>
+          </p:nvCxnSpPr>
+          <p:spPr>
+            <a:xfrm flipH="1">
+              <a:off x="5017810" y="2865111"/>
+              <a:ext cx="4692" cy="563889"/>
+            </a:xfrm>
+            <a:prstGeom prst="straightConnector1">
+              <a:avLst/>
+            </a:prstGeom>
+            <a:ln>
+              <a:solidFill>
+                <a:srgbClr val="007AB1"/>
+              </a:solidFill>
+              <a:headEnd type="triangle"/>
+              <a:tailEnd type="triangle"/>
+            </a:ln>
+          </p:spPr>
+          <p:style>
+            <a:lnRef idx="2">
+              <a:schemeClr val="accent1"/>
+            </a:lnRef>
+            <a:fillRef idx="0">
+              <a:schemeClr val="accent1"/>
+            </a:fillRef>
+            <a:effectRef idx="1">
+              <a:schemeClr val="accent1"/>
+            </a:effectRef>
+            <a:fontRef idx="minor">
+              <a:schemeClr val="tx1"/>
+            </a:fontRef>
+          </p:style>
+        </p:cxnSp>
+        <p:sp>
+          <p:nvSpPr>
+            <p:cNvPr id="19" name="TextBox 18">
+              <a:extLst>
+                <a:ext uri="{FF2B5EF4-FFF2-40B4-BE49-F238E27FC236}">
+                  <a16:creationId xmlns:a16="http://schemas.microsoft.com/office/drawing/2014/main" id="{DEBE9C84-3B2F-16AE-3776-A73206D5BE13}"/>
+                </a:ext>
+              </a:extLst>
+            </p:cNvPr>
+            <p:cNvSpPr txBox="1"/>
+            <p:nvPr/>
+          </p:nvSpPr>
+          <p:spPr>
+            <a:xfrm>
+              <a:off x="4751301" y="2861443"/>
+              <a:ext cx="188862" cy="369332"/>
+            </a:xfrm>
+            <a:prstGeom prst="rect">
+              <a:avLst/>
+            </a:prstGeom>
+            <a:noFill/>
+          </p:spPr>
+          <p:txBody>
+            <a:bodyPr wrap="square" rtlCol="0">
+              <a:spAutoFit/>
+            </a:bodyPr>
+            <a:lstStyle/>
+            <a:p>
+              <a:r>
+                <a:rPr lang="en-US" i="1" dirty="0"/>
+                <a:t>L</a:t>
+              </a:r>
+            </a:p>
+          </p:txBody>
+        </p:sp>
+        <p:sp>
+          <p:nvSpPr>
+            <p:cNvPr id="24" name="TextBox 23">
+              <a:extLst>
+                <a:ext uri="{FF2B5EF4-FFF2-40B4-BE49-F238E27FC236}">
+                  <a16:creationId xmlns:a16="http://schemas.microsoft.com/office/drawing/2014/main" id="{A36409F5-0276-63CC-3C33-7E0C67255D98}"/>
+                </a:ext>
+              </a:extLst>
+            </p:cNvPr>
+            <p:cNvSpPr txBox="1"/>
+            <p:nvPr/>
+          </p:nvSpPr>
+          <p:spPr>
+            <a:xfrm>
+              <a:off x="8109576" y="2849108"/>
+              <a:ext cx="471871" cy="369332"/>
+            </a:xfrm>
+            <a:prstGeom prst="rect">
+              <a:avLst/>
+            </a:prstGeom>
+            <a:noFill/>
+          </p:spPr>
+          <p:txBody>
+            <a:bodyPr wrap="square" rtlCol="0">
+              <a:spAutoFit/>
+            </a:bodyPr>
+            <a:lstStyle/>
+            <a:p>
+              <a:r>
+                <a:rPr lang="en-US" i="1" dirty="0"/>
+                <a:t>L*</a:t>
+              </a:r>
+            </a:p>
+          </p:txBody>
+        </p:sp>
+        <p:cxnSp>
+          <p:nvCxnSpPr>
+            <p:cNvPr id="29" name="Straight Arrow Connector 28">
+              <a:extLst>
+                <a:ext uri="{FF2B5EF4-FFF2-40B4-BE49-F238E27FC236}">
+                  <a16:creationId xmlns:a16="http://schemas.microsoft.com/office/drawing/2014/main" id="{B815F16A-F901-2C9F-C93D-7F0D5C47AF2F}"/>
+                </a:ext>
+              </a:extLst>
+            </p:cNvPr>
+            <p:cNvCxnSpPr>
+              <a:cxnSpLocks/>
+            </p:cNvCxnSpPr>
+            <p:nvPr/>
+          </p:nvCxnSpPr>
+          <p:spPr>
+            <a:xfrm>
+              <a:off x="8124760" y="2815850"/>
+              <a:ext cx="0" cy="402590"/>
+            </a:xfrm>
+            <a:prstGeom prst="straightConnector1">
+              <a:avLst/>
+            </a:prstGeom>
+            <a:ln>
+              <a:solidFill>
+                <a:srgbClr val="007AB1"/>
+              </a:solidFill>
+              <a:headEnd type="triangle"/>
+              <a:tailEnd type="triangle"/>
+            </a:ln>
+          </p:spPr>
+          <p:style>
+            <a:lnRef idx="2">
+              <a:schemeClr val="accent1"/>
+            </a:lnRef>
+            <a:fillRef idx="0">
+              <a:schemeClr val="accent1"/>
+            </a:fillRef>
+            <a:effectRef idx="1">
+              <a:schemeClr val="accent1"/>
+            </a:effectRef>
+            <a:fontRef idx="minor">
+              <a:schemeClr val="tx1"/>
+            </a:fontRef>
+          </p:style>
+        </p:cxnSp>
+      </p:grpSp>
+      <p:grpSp>
+        <p:nvGrpSpPr>
+          <p:cNvPr id="3" name="Group 2">
+            <a:extLst>
+              <a:ext uri="{FF2B5EF4-FFF2-40B4-BE49-F238E27FC236}">
+                <a16:creationId xmlns:a16="http://schemas.microsoft.com/office/drawing/2014/main" id="{2036FD6B-571A-399B-27EE-D5246438145E}"/>
+              </a:ext>
+            </a:extLst>
+          </p:cNvPr>
+          <p:cNvGrpSpPr/>
+          <p:nvPr/>
+        </p:nvGrpSpPr>
+        <p:grpSpPr>
+          <a:xfrm>
+            <a:off x="3052001" y="350695"/>
+            <a:ext cx="5976792" cy="2040810"/>
+            <a:chOff x="3051796" y="4621548"/>
+            <a:chExt cx="5976792" cy="2040810"/>
+          </a:xfrm>
+        </p:grpSpPr>
+        <p:sp>
+          <p:nvSpPr>
+            <p:cNvPr id="1055" name="Rectangle 1054">
+              <a:extLst>
+                <a:ext uri="{FF2B5EF4-FFF2-40B4-BE49-F238E27FC236}">
+                  <a16:creationId xmlns:a16="http://schemas.microsoft.com/office/drawing/2014/main" id="{FE970491-45E3-2FAA-3603-ECDB73359D6E}"/>
+                </a:ext>
+              </a:extLst>
+            </p:cNvPr>
+            <p:cNvSpPr/>
+            <p:nvPr/>
+          </p:nvSpPr>
+          <p:spPr>
+            <a:xfrm>
+              <a:off x="3071674" y="4621548"/>
+              <a:ext cx="5956914" cy="2040810"/>
+            </a:xfrm>
+            <a:prstGeom prst="rect">
+              <a:avLst/>
+            </a:prstGeom>
+            <a:solidFill>
+              <a:schemeClr val="tx2">
+                <a:lumMod val="10000"/>
+                <a:lumOff val="90000"/>
+              </a:schemeClr>
+            </a:solidFill>
+            <a:ln>
+              <a:noFill/>
+            </a:ln>
+          </p:spPr>
+          <p:style>
+            <a:lnRef idx="2">
+              <a:schemeClr val="accent1">
+                <a:shade val="15000"/>
+              </a:schemeClr>
+            </a:lnRef>
+            <a:fillRef idx="1">
+              <a:schemeClr val="accent1"/>
+            </a:fillRef>
+            <a:effectRef idx="0">
+              <a:schemeClr val="accent1"/>
+            </a:effectRef>
+            <a:fontRef idx="minor">
+              <a:schemeClr val="lt1"/>
+            </a:fontRef>
+          </p:style>
+          <p:txBody>
+            <a:bodyPr rtlCol="0" anchor="ctr"/>
+            <a:lstStyle/>
+            <a:p>
+              <a:pPr algn="ctr"/>
+              <a:endParaRPr lang="en-US" dirty="0"/>
+            </a:p>
+          </p:txBody>
+        </p:sp>
+        <p:pic>
+          <p:nvPicPr>
+            <p:cNvPr id="11" name="Picture 2" descr="1 Inch Grid Paper Printable 8 X 11 Pdf | Images and Photos finder">
+              <a:extLst>
+                <a:ext uri="{FF2B5EF4-FFF2-40B4-BE49-F238E27FC236}">
+                  <a16:creationId xmlns:a16="http://schemas.microsoft.com/office/drawing/2014/main" id="{A9094393-1B06-91BA-9C4A-E6C392EE7C0A}"/>
+                </a:ext>
+              </a:extLst>
+            </p:cNvPr>
+            <p:cNvPicPr>
+              <a:picLocks noChangeAspect="1" noChangeArrowheads="1"/>
+            </p:cNvPicPr>
+            <p:nvPr/>
+          </p:nvPicPr>
+          <p:blipFill rotWithShape="1">
+            <a:blip r:embed="rId2">
+              <a:duotone>
+                <a:schemeClr val="accent2">
+                  <a:shade val="45000"/>
+                  <a:satMod val="135000"/>
+                </a:schemeClr>
+                <a:prstClr val="white"/>
+              </a:duotone>
+              <a:extLst>
+                <a:ext uri="{28A0092B-C50C-407E-A947-70E740481C1C}">
+                  <a14:useLocalDpi xmlns:a14="http://schemas.microsoft.com/office/drawing/2010/main" val="0"/>
+                </a:ext>
+              </a:extLst>
+            </a:blip>
+            <a:srcRect r="49565" b="49555"/>
+            <a:stretch/>
+          </p:blipFill>
+          <p:spPr bwMode="auto">
+            <a:xfrm>
+              <a:off x="5103226" y="5012301"/>
+              <a:ext cx="1203665" cy="1203908"/>
+            </a:xfrm>
+            <a:prstGeom prst="rect">
+              <a:avLst/>
+            </a:prstGeom>
+            <a:solidFill>
+              <a:srgbClr val="BC4709">
+                <a:alpha val="10000"/>
+              </a:srgbClr>
+            </a:solidFill>
+          </p:spPr>
+        </p:pic>
+        <p:sp>
+          <p:nvSpPr>
+            <p:cNvPr id="12" name="TextBox 11">
+              <a:extLst>
+                <a:ext uri="{FF2B5EF4-FFF2-40B4-BE49-F238E27FC236}">
+                  <a16:creationId xmlns:a16="http://schemas.microsoft.com/office/drawing/2014/main" id="{76B4B058-3A39-2335-1054-81F7D9030C57}"/>
+                </a:ext>
+              </a:extLst>
+            </p:cNvPr>
+            <p:cNvSpPr txBox="1"/>
+            <p:nvPr/>
+          </p:nvSpPr>
+          <p:spPr>
+            <a:xfrm>
+              <a:off x="4992996" y="4642969"/>
+              <a:ext cx="1020932" cy="369332"/>
+            </a:xfrm>
+            <a:prstGeom prst="rect">
+              <a:avLst/>
+            </a:prstGeom>
+            <a:noFill/>
+          </p:spPr>
+          <p:txBody>
+            <a:bodyPr wrap="square" rtlCol="0">
+              <a:spAutoFit/>
+            </a:bodyPr>
+            <a:lstStyle/>
+            <a:p>
+              <a:r>
+                <a:rPr lang="en-US" dirty="0"/>
+                <a:t>Raster A</a:t>
+              </a:r>
+            </a:p>
+          </p:txBody>
+        </p:sp>
+        <p:pic>
+          <p:nvPicPr>
+            <p:cNvPr id="16" name="Picture 2" descr="1 Inch Grid Paper Printable 8 X 11 Pdf | Images and Photos finder">
+              <a:extLst>
+                <a:ext uri="{FF2B5EF4-FFF2-40B4-BE49-F238E27FC236}">
+                  <a16:creationId xmlns:a16="http://schemas.microsoft.com/office/drawing/2014/main" id="{C2907910-A76C-1627-A68C-98FA50DB1C46}"/>
+                </a:ext>
+              </a:extLst>
+            </p:cNvPr>
+            <p:cNvPicPr>
+              <a:picLocks noChangeAspect="1" noChangeArrowheads="1"/>
+            </p:cNvPicPr>
+            <p:nvPr/>
+          </p:nvPicPr>
+          <p:blipFill rotWithShape="1">
+            <a:blip r:embed="rId2">
+              <a:duotone>
+                <a:schemeClr val="accent2">
+                  <a:shade val="45000"/>
+                  <a:satMod val="135000"/>
+                </a:schemeClr>
+                <a:prstClr val="white"/>
+              </a:duotone>
+              <a:extLst>
+                <a:ext uri="{28A0092B-C50C-407E-A947-70E740481C1C}">
+                  <a14:useLocalDpi xmlns:a14="http://schemas.microsoft.com/office/drawing/2010/main" val="0"/>
+                </a:ext>
+              </a:extLst>
+            </a:blip>
+            <a:srcRect t="-1" r="74681" b="74677"/>
+            <a:stretch/>
+          </p:blipFill>
+          <p:spPr bwMode="auto">
+            <a:xfrm>
+              <a:off x="6978418" y="5026150"/>
+              <a:ext cx="1203665" cy="1203908"/>
+            </a:xfrm>
+            <a:prstGeom prst="rect">
+              <a:avLst/>
+            </a:prstGeom>
+            <a:solidFill>
+              <a:srgbClr val="C34909">
+                <a:alpha val="10000"/>
+              </a:srgbClr>
+            </a:solidFill>
+            <a:ln>
+              <a:solidFill>
+                <a:srgbClr val="C34909"/>
+              </a:solidFill>
+            </a:ln>
+          </p:spPr>
+        </p:pic>
+        <p:cxnSp>
+          <p:nvCxnSpPr>
+            <p:cNvPr id="20" name="Straight Arrow Connector 19">
+              <a:extLst>
+                <a:ext uri="{FF2B5EF4-FFF2-40B4-BE49-F238E27FC236}">
+                  <a16:creationId xmlns:a16="http://schemas.microsoft.com/office/drawing/2014/main" id="{0E32CB97-1FA1-8898-B3C4-71E67CDA2952}"/>
+                </a:ext>
+              </a:extLst>
+            </p:cNvPr>
+            <p:cNvCxnSpPr/>
+            <p:nvPr/>
+          </p:nvCxnSpPr>
+          <p:spPr>
+            <a:xfrm>
+              <a:off x="8291076" y="4998451"/>
+              <a:ext cx="0" cy="588104"/>
+            </a:xfrm>
+            <a:prstGeom prst="straightConnector1">
+              <a:avLst/>
+            </a:prstGeom>
+            <a:ln>
+              <a:solidFill>
+                <a:srgbClr val="C34909"/>
+              </a:solidFill>
+              <a:headEnd type="triangle"/>
+              <a:tailEnd type="triangle"/>
+            </a:ln>
+          </p:spPr>
+          <p:style>
+            <a:lnRef idx="2">
+              <a:schemeClr val="accent1"/>
+            </a:lnRef>
+            <a:fillRef idx="0">
+              <a:schemeClr val="accent1"/>
+            </a:fillRef>
+            <a:effectRef idx="1">
+              <a:schemeClr val="accent1"/>
+            </a:effectRef>
+            <a:fontRef idx="minor">
+              <a:schemeClr val="tx1"/>
+            </a:fontRef>
+          </p:style>
+        </p:cxnSp>
+        <p:sp>
+          <p:nvSpPr>
+            <p:cNvPr id="22" name="TextBox 21">
+              <a:extLst>
+                <a:ext uri="{FF2B5EF4-FFF2-40B4-BE49-F238E27FC236}">
+                  <a16:creationId xmlns:a16="http://schemas.microsoft.com/office/drawing/2014/main" id="{804C6D78-B82E-11E0-B2E0-272C6816BE9A}"/>
+                </a:ext>
+              </a:extLst>
+            </p:cNvPr>
+            <p:cNvSpPr txBox="1"/>
+            <p:nvPr/>
+          </p:nvSpPr>
+          <p:spPr>
+            <a:xfrm>
+              <a:off x="6887106" y="4642969"/>
+              <a:ext cx="1347006" cy="369332"/>
+            </a:xfrm>
+            <a:prstGeom prst="rect">
+              <a:avLst/>
+            </a:prstGeom>
+            <a:noFill/>
+          </p:spPr>
+          <p:txBody>
+            <a:bodyPr wrap="square" rtlCol="0">
+              <a:spAutoFit/>
+            </a:bodyPr>
+            <a:lstStyle/>
+            <a:p>
+              <a:r>
+                <a:rPr lang="en-US" dirty="0"/>
+                <a:t>Raster A*</a:t>
+              </a:r>
+            </a:p>
+          </p:txBody>
+        </p:sp>
+        <p:cxnSp>
+          <p:nvCxnSpPr>
+            <p:cNvPr id="23" name="Straight Arrow Connector 22">
+              <a:extLst>
+                <a:ext uri="{FF2B5EF4-FFF2-40B4-BE49-F238E27FC236}">
+                  <a16:creationId xmlns:a16="http://schemas.microsoft.com/office/drawing/2014/main" id="{9E9B3A59-6EFC-4767-6B0C-ACF8E9400E4E}"/>
+                </a:ext>
+              </a:extLst>
+            </p:cNvPr>
+            <p:cNvCxnSpPr>
+              <a:cxnSpLocks/>
+            </p:cNvCxnSpPr>
+            <p:nvPr/>
+          </p:nvCxnSpPr>
+          <p:spPr>
+            <a:xfrm>
+              <a:off x="4992996" y="5012301"/>
+              <a:ext cx="0" cy="280202"/>
+            </a:xfrm>
+            <a:prstGeom prst="straightConnector1">
+              <a:avLst/>
+            </a:prstGeom>
+            <a:ln>
+              <a:solidFill>
+                <a:srgbClr val="C34909"/>
+              </a:solidFill>
+              <a:headEnd type="triangle"/>
+              <a:tailEnd type="triangle"/>
+            </a:ln>
+          </p:spPr>
+          <p:style>
+            <a:lnRef idx="2">
+              <a:schemeClr val="accent1"/>
+            </a:lnRef>
+            <a:fillRef idx="0">
+              <a:schemeClr val="accent1"/>
+            </a:fillRef>
+            <a:effectRef idx="1">
+              <a:schemeClr val="accent1"/>
+            </a:effectRef>
+            <a:fontRef idx="minor">
+              <a:schemeClr val="tx1"/>
+            </a:fontRef>
+          </p:style>
+        </p:cxnSp>
+        <p:sp>
+          <p:nvSpPr>
+            <p:cNvPr id="25" name="TextBox 24">
+              <a:extLst>
+                <a:ext uri="{FF2B5EF4-FFF2-40B4-BE49-F238E27FC236}">
+                  <a16:creationId xmlns:a16="http://schemas.microsoft.com/office/drawing/2014/main" id="{C4634C82-64DB-3CE3-A7A1-F56566396697}"/>
+                </a:ext>
+              </a:extLst>
+            </p:cNvPr>
+            <p:cNvSpPr txBox="1"/>
+            <p:nvPr/>
+          </p:nvSpPr>
+          <p:spPr>
+            <a:xfrm>
+              <a:off x="4731716" y="4990923"/>
+              <a:ext cx="188862" cy="369332"/>
+            </a:xfrm>
+            <a:prstGeom prst="rect">
+              <a:avLst/>
+            </a:prstGeom>
+            <a:noFill/>
+          </p:spPr>
+          <p:txBody>
+            <a:bodyPr wrap="square" rtlCol="0">
+              <a:spAutoFit/>
+            </a:bodyPr>
+            <a:lstStyle/>
+            <a:p>
+              <a:r>
+                <a:rPr lang="en-US" i="1" dirty="0"/>
+                <a:t>L</a:t>
+              </a:r>
+            </a:p>
+          </p:txBody>
+        </p:sp>
+        <p:sp>
+          <p:nvSpPr>
+            <p:cNvPr id="26" name="TextBox 25">
+              <a:extLst>
+                <a:ext uri="{FF2B5EF4-FFF2-40B4-BE49-F238E27FC236}">
+                  <a16:creationId xmlns:a16="http://schemas.microsoft.com/office/drawing/2014/main" id="{B3BA17A3-71D5-428A-3163-940F69DD2C83}"/>
+                </a:ext>
+              </a:extLst>
+            </p:cNvPr>
+            <p:cNvSpPr txBox="1"/>
+            <p:nvPr/>
+          </p:nvSpPr>
+          <p:spPr>
+            <a:xfrm>
+              <a:off x="8253533" y="5107837"/>
+              <a:ext cx="694751" cy="369332"/>
+            </a:xfrm>
+            <a:prstGeom prst="rect">
+              <a:avLst/>
+            </a:prstGeom>
+            <a:noFill/>
+          </p:spPr>
+          <p:txBody>
+            <a:bodyPr wrap="square" rtlCol="0">
+              <a:spAutoFit/>
+            </a:bodyPr>
+            <a:lstStyle/>
+            <a:p>
+              <a:r>
+                <a:rPr lang="en-US" i="1" dirty="0"/>
+                <a:t>L</a:t>
+              </a:r>
+              <a:r>
+                <a:rPr lang="en-US" i="1" baseline="-25000" dirty="0"/>
+                <a:t>A</a:t>
+              </a:r>
+              <a:r>
+                <a:rPr lang="en-US" i="1" dirty="0"/>
+                <a:t>*</a:t>
+              </a:r>
+            </a:p>
+          </p:txBody>
+        </p:sp>
+        <p:sp>
+          <p:nvSpPr>
+            <p:cNvPr id="27" name="TextBox 26">
+              <a:extLst>
+                <a:ext uri="{FF2B5EF4-FFF2-40B4-BE49-F238E27FC236}">
+                  <a16:creationId xmlns:a16="http://schemas.microsoft.com/office/drawing/2014/main" id="{079B1562-3FC0-C67A-B032-EB73B74509C1}"/>
+                </a:ext>
+              </a:extLst>
+            </p:cNvPr>
+            <p:cNvSpPr txBox="1"/>
+            <p:nvPr/>
+          </p:nvSpPr>
+          <p:spPr>
+            <a:xfrm>
+              <a:off x="6803681" y="6243907"/>
+              <a:ext cx="1513856" cy="369332"/>
+            </a:xfrm>
+            <a:prstGeom prst="rect">
+              <a:avLst/>
+            </a:prstGeom>
+            <a:noFill/>
+          </p:spPr>
+          <p:txBody>
+            <a:bodyPr wrap="square" rtlCol="0">
+              <a:spAutoFit/>
+            </a:bodyPr>
+            <a:lstStyle/>
+            <a:p>
+              <a:r>
+                <a:rPr lang="en-US" i="1" dirty="0"/>
+                <a:t>L</a:t>
+              </a:r>
+              <a:r>
+                <a:rPr lang="en-US" i="1" baseline="-25000" dirty="0"/>
+                <a:t>A</a:t>
+              </a:r>
+              <a:r>
+                <a:rPr lang="en-US" i="1" dirty="0"/>
+                <a:t>* = L</a:t>
+              </a:r>
+              <a:r>
+                <a:rPr lang="en-US" i="1" baseline="-25000" dirty="0"/>
+                <a:t>B</a:t>
+              </a:r>
+              <a:r>
+                <a:rPr lang="en-US" i="1" dirty="0"/>
+                <a:t>= 2xL</a:t>
+              </a:r>
+              <a:r>
+                <a:rPr lang="en-US" i="1" baseline="-25000" dirty="0"/>
+                <a:t>A</a:t>
+              </a:r>
+            </a:p>
+          </p:txBody>
+        </p:sp>
+        <p:pic>
+          <p:nvPicPr>
+            <p:cNvPr id="1031" name="Picture 2" descr="1 Inch Grid Paper Printable 8 X 11 Pdf | Images and Photos finder">
+              <a:extLst>
+                <a:ext uri="{FF2B5EF4-FFF2-40B4-BE49-F238E27FC236}">
+                  <a16:creationId xmlns:a16="http://schemas.microsoft.com/office/drawing/2014/main" id="{9FFAECE8-2E28-9B86-AE95-F1D9E7A26050}"/>
+                </a:ext>
+              </a:extLst>
+            </p:cNvPr>
+            <p:cNvPicPr>
+              <a:picLocks noChangeAspect="1" noChangeArrowheads="1"/>
+            </p:cNvPicPr>
+            <p:nvPr/>
+          </p:nvPicPr>
+          <p:blipFill rotWithShape="1">
+            <a:blip r:embed="rId5">
+              <a:duotone>
+                <a:schemeClr val="accent4">
+                  <a:shade val="45000"/>
+                  <a:satMod val="135000"/>
+                </a:schemeClr>
+                <a:prstClr val="white"/>
+              </a:duotone>
+              <a:extLst>
+                <a:ext uri="{BEBA8EAE-BF5A-486C-A8C5-ECC9F3942E4B}">
+                  <a14:imgProps xmlns:a14="http://schemas.microsoft.com/office/drawing/2010/main">
+                    <a14:imgLayer r:embed="rId6">
+                      <a14:imgEffect>
+                        <a14:artisticLineDrawing/>
+                      </a14:imgEffect>
+                    </a14:imgLayer>
+                  </a14:imgProps>
+                </a:ext>
+                <a:ext uri="{28A0092B-C50C-407E-A947-70E740481C1C}">
+                  <a14:useLocalDpi xmlns:a14="http://schemas.microsoft.com/office/drawing/2010/main" val="0"/>
+                </a:ext>
+              </a:extLst>
+            </a:blip>
+            <a:srcRect t="-1" r="74681" b="74677"/>
+            <a:stretch/>
+          </p:blipFill>
+          <p:spPr bwMode="auto">
+            <a:xfrm>
+              <a:off x="6994493" y="5039999"/>
+              <a:ext cx="1203665" cy="1203908"/>
+            </a:xfrm>
+            <a:prstGeom prst="rect">
+              <a:avLst/>
+            </a:prstGeom>
+            <a:solidFill>
+              <a:srgbClr val="007AB1">
+                <a:alpha val="4000"/>
+              </a:srgbClr>
+            </a:solidFill>
+          </p:spPr>
+        </p:pic>
+        <p:sp>
+          <p:nvSpPr>
+            <p:cNvPr id="1034" name="TextBox 1033">
+              <a:extLst>
+                <a:ext uri="{FF2B5EF4-FFF2-40B4-BE49-F238E27FC236}">
+                  <a16:creationId xmlns:a16="http://schemas.microsoft.com/office/drawing/2014/main" id="{A44FFE0B-F835-1C96-CCB0-FB5F143F95A9}"/>
+                </a:ext>
+              </a:extLst>
+            </p:cNvPr>
+            <p:cNvSpPr txBox="1"/>
+            <p:nvPr/>
+          </p:nvSpPr>
+          <p:spPr>
+            <a:xfrm>
+              <a:off x="3342376" y="5432666"/>
+              <a:ext cx="1515347" cy="307777"/>
+            </a:xfrm>
+            <a:prstGeom prst="rect">
+              <a:avLst/>
+            </a:prstGeom>
+            <a:noFill/>
+          </p:spPr>
+          <p:txBody>
+            <a:bodyPr wrap="square" rtlCol="0">
+              <a:spAutoFit/>
+            </a:bodyPr>
+            <a:lstStyle/>
+            <a:p>
+              <a:pPr algn="ctr"/>
+              <a:r>
+                <a:rPr lang="en-US" sz="1400" dirty="0"/>
+                <a:t> </a:t>
+              </a:r>
+            </a:p>
+          </p:txBody>
+        </p:sp>
+        <p:sp>
+          <p:nvSpPr>
+            <p:cNvPr id="1047" name="Arrow: Left-Right 1046">
+              <a:extLst>
+                <a:ext uri="{FF2B5EF4-FFF2-40B4-BE49-F238E27FC236}">
+                  <a16:creationId xmlns:a16="http://schemas.microsoft.com/office/drawing/2014/main" id="{12550FA1-7018-9C26-B668-B1C97461996B}"/>
+                </a:ext>
+              </a:extLst>
+            </p:cNvPr>
+            <p:cNvSpPr/>
+            <p:nvPr/>
+          </p:nvSpPr>
+          <p:spPr>
+            <a:xfrm>
+              <a:off x="6319022" y="5420929"/>
+              <a:ext cx="612937" cy="414349"/>
+            </a:xfrm>
+            <a:prstGeom prst="leftRightArrow">
+              <a:avLst/>
+            </a:prstGeom>
+            <a:ln>
+              <a:noFill/>
+            </a:ln>
+          </p:spPr>
+          <p:style>
+            <a:lnRef idx="2">
+              <a:schemeClr val="accent1">
+                <a:shade val="15000"/>
+              </a:schemeClr>
+            </a:lnRef>
+            <a:fillRef idx="1">
+              <a:schemeClr val="accent1"/>
+            </a:fillRef>
+            <a:effectRef idx="0">
+              <a:schemeClr val="accent1"/>
+            </a:effectRef>
+            <a:fontRef idx="minor">
+              <a:schemeClr val="lt1"/>
+            </a:fontRef>
+          </p:style>
+          <p:txBody>
+            <a:bodyPr rtlCol="0" anchor="ctr"/>
+            <a:lstStyle/>
+            <a:p>
+              <a:pPr algn="ctr"/>
+              <a:endParaRPr lang="en-US"/>
+            </a:p>
+          </p:txBody>
+        </p:sp>
+        <p:sp>
+          <p:nvSpPr>
+            <p:cNvPr id="1049" name="TextBox 1048">
+              <a:extLst>
+                <a:ext uri="{FF2B5EF4-FFF2-40B4-BE49-F238E27FC236}">
+                  <a16:creationId xmlns:a16="http://schemas.microsoft.com/office/drawing/2014/main" id="{A367D058-87DF-0126-8D47-54E53A2659F9}"/>
+                </a:ext>
+              </a:extLst>
+            </p:cNvPr>
+            <p:cNvSpPr txBox="1"/>
+            <p:nvPr/>
+          </p:nvSpPr>
+          <p:spPr>
+            <a:xfrm>
+              <a:off x="3080943" y="5401888"/>
+              <a:ext cx="1631047" cy="369332"/>
+            </a:xfrm>
+            <a:prstGeom prst="rect">
+              <a:avLst/>
+            </a:prstGeom>
+            <a:noFill/>
+          </p:spPr>
+          <p:txBody>
+            <a:bodyPr wrap="square">
+              <a:spAutoFit/>
+            </a:bodyPr>
+            <a:lstStyle/>
+            <a:p>
+              <a:r>
+                <a:rPr lang="en-US" b="1" dirty="0"/>
+                <a:t>Resampling</a:t>
+              </a:r>
+            </a:p>
+          </p:txBody>
+        </p:sp>
+        <p:sp>
+          <p:nvSpPr>
+            <p:cNvPr id="10" name="TextBox 9">
+              <a:extLst>
+                <a:ext uri="{FF2B5EF4-FFF2-40B4-BE49-F238E27FC236}">
+                  <a16:creationId xmlns:a16="http://schemas.microsoft.com/office/drawing/2014/main" id="{033F80DF-FECB-4B19-E66F-0D4D1481531E}"/>
+                </a:ext>
+              </a:extLst>
+            </p:cNvPr>
+            <p:cNvSpPr txBox="1"/>
+            <p:nvPr/>
+          </p:nvSpPr>
+          <p:spPr>
+            <a:xfrm>
+              <a:off x="3051796" y="6354581"/>
+              <a:ext cx="1850396" cy="307777"/>
+            </a:xfrm>
+            <a:prstGeom prst="rect">
+              <a:avLst/>
+            </a:prstGeom>
+            <a:noFill/>
+          </p:spPr>
+          <p:txBody>
+            <a:bodyPr wrap="square" rtlCol="0">
+              <a:spAutoFit/>
+            </a:bodyPr>
+            <a:lstStyle/>
+            <a:p>
+              <a:pPr algn="ctr"/>
+              <a:r>
+                <a:rPr lang="en-US" sz="1400" dirty="0">
+                  <a:latin typeface="+mj-lt"/>
+                </a:rPr>
+                <a:t>Res A                  Res B </a:t>
+              </a:r>
+            </a:p>
+          </p:txBody>
+        </p:sp>
+        <p:cxnSp>
+          <p:nvCxnSpPr>
+            <p:cNvPr id="15" name="Straight Arrow Connector 14">
+              <a:extLst>
+                <a:ext uri="{FF2B5EF4-FFF2-40B4-BE49-F238E27FC236}">
+                  <a16:creationId xmlns:a16="http://schemas.microsoft.com/office/drawing/2014/main" id="{1500E1A2-84EC-DF11-DA45-891CA712F039}"/>
+                </a:ext>
+              </a:extLst>
+            </p:cNvPr>
+            <p:cNvCxnSpPr/>
+            <p:nvPr/>
+          </p:nvCxnSpPr>
+          <p:spPr>
+            <a:xfrm>
+              <a:off x="3726681" y="6505646"/>
+              <a:ext cx="497240" cy="0"/>
+            </a:xfrm>
+            <a:prstGeom prst="straightConnector1">
+              <a:avLst/>
+            </a:prstGeom>
+            <a:ln>
+              <a:headEnd type="triangle"/>
+              <a:tailEnd type="triangle"/>
+            </a:ln>
+          </p:spPr>
+          <p:style>
+            <a:lnRef idx="2">
+              <a:schemeClr val="dk1"/>
+            </a:lnRef>
+            <a:fillRef idx="0">
+              <a:schemeClr val="dk1"/>
+            </a:fillRef>
+            <a:effectRef idx="1">
+              <a:schemeClr val="dk1"/>
+            </a:effectRef>
+            <a:fontRef idx="minor">
+              <a:schemeClr val="tx1"/>
+            </a:fontRef>
+          </p:style>
+        </p:cxnSp>
+        <p:sp>
+          <p:nvSpPr>
+            <p:cNvPr id="13" name="TextBox 12">
+              <a:extLst>
+                <a:ext uri="{FF2B5EF4-FFF2-40B4-BE49-F238E27FC236}">
+                  <a16:creationId xmlns:a16="http://schemas.microsoft.com/office/drawing/2014/main" id="{74E3FE1F-F601-FF5D-B9C2-D214EC8B2B94}"/>
+                </a:ext>
+              </a:extLst>
+            </p:cNvPr>
+            <p:cNvSpPr txBox="1"/>
+            <p:nvPr/>
+          </p:nvSpPr>
+          <p:spPr>
+            <a:xfrm>
+              <a:off x="3079137" y="5739106"/>
+              <a:ext cx="1823055" cy="307777"/>
+            </a:xfrm>
+            <a:prstGeom prst="rect">
+              <a:avLst/>
+            </a:prstGeom>
+            <a:noFill/>
+          </p:spPr>
+          <p:txBody>
+            <a:bodyPr wrap="square" rtlCol="0">
+              <a:spAutoFit/>
+            </a:bodyPr>
+            <a:lstStyle/>
+            <a:p>
+              <a:r>
+                <a:rPr lang="en-US" sz="1400" i="1" dirty="0">
+                  <a:latin typeface="Consolas" panose="020B0609020204030204" pitchFamily="49" charset="0"/>
+                </a:rPr>
+                <a:t>terra::resample</a:t>
+              </a:r>
+              <a:endParaRPr lang="en-US" sz="1400" i="1" dirty="0"/>
+            </a:p>
+          </p:txBody>
+        </p:sp>
+      </p:grpSp>
+    </p:spTree>
+    <p:extLst>
+      <p:ext uri="{BB962C8B-B14F-4D97-AF65-F5344CB8AC3E}">
+        <p14:creationId xmlns:p14="http://schemas.microsoft.com/office/powerpoint/2010/main" val="664011103"/>
+      </p:ext>
+    </p:extLst>
+  </p:cSld>
+  <p:clrMapOvr>
+    <a:masterClrMapping/>
+  </p:clrMapOvr>
+</p:sld>
+</file>
+
+<file path=ppt/slides/slide3.xml><?xml version="1.0" encoding="utf-8"?>
 <p:sld xmlns:a="http://schemas.openxmlformats.org/drawingml/2006/main" xmlns:r="http://schemas.openxmlformats.org/officeDocument/2006/relationships" xmlns:p="http://schemas.openxmlformats.org/presentationml/2006/main">
   <p:cSld>
     <p:spTree>
@@ -14531,7 +19048,7 @@
 </p:sld>
 </file>
 
-<file path=ppt/slides/slide3.xml><?xml version="1.0" encoding="utf-8"?>
+<file path=ppt/slides/slide4.xml><?xml version="1.0" encoding="utf-8"?>
 <p:sld xmlns:a="http://schemas.openxmlformats.org/drawingml/2006/main" xmlns:r="http://schemas.openxmlformats.org/officeDocument/2006/relationships" xmlns:p="http://schemas.openxmlformats.org/presentationml/2006/main">
   <p:cSld>
     <p:spTree>
@@ -15308,7 +19825,7 @@
 </p:sld>
 </file>
 
-<file path=ppt/slides/slide4.xml><?xml version="1.0" encoding="utf-8"?>
+<file path=ppt/slides/slide5.xml><?xml version="1.0" encoding="utf-8"?>
 <p:sld xmlns:a="http://schemas.openxmlformats.org/drawingml/2006/main" xmlns:r="http://schemas.openxmlformats.org/officeDocument/2006/relationships" xmlns:p="http://schemas.openxmlformats.org/presentationml/2006/main">
   <p:cSld>
     <p:spTree>
@@ -15582,7 +20099,389 @@
 </p:sld>
 </file>
 
-<file path=ppt/slides/slide5.xml><?xml version="1.0" encoding="utf-8"?>
+<file path=ppt/slides/slide6.xml><?xml version="1.0" encoding="utf-8"?>
+<p:sld xmlns:a="http://schemas.openxmlformats.org/drawingml/2006/main" xmlns:r="http://schemas.openxmlformats.org/officeDocument/2006/relationships" xmlns:p="http://schemas.openxmlformats.org/presentationml/2006/main">
+  <p:cSld>
+    <p:spTree>
+      <p:nvGrpSpPr>
+        <p:cNvPr id="1" name="">
+          <a:extLst>
+            <a:ext uri="{FF2B5EF4-FFF2-40B4-BE49-F238E27FC236}">
+              <a16:creationId xmlns:a16="http://schemas.microsoft.com/office/drawing/2014/main" id="{25B1306F-E27B-1791-2678-C7421E5E0F0A}"/>
+            </a:ext>
+          </a:extLst>
+        </p:cNvPr>
+        <p:cNvGrpSpPr/>
+        <p:nvPr/>
+      </p:nvGrpSpPr>
+      <p:grpSpPr>
+        <a:xfrm>
+          <a:off x="0" y="0"/>
+          <a:ext cx="0" cy="0"/>
+          <a:chOff x="0" y="0"/>
+          <a:chExt cx="0" cy="0"/>
+        </a:xfrm>
+      </p:grpSpPr>
+      <p:sp>
+        <p:nvSpPr>
+          <p:cNvPr id="4" name="TextBox 3">
+            <a:extLst>
+              <a:ext uri="{FF2B5EF4-FFF2-40B4-BE49-F238E27FC236}">
+                <a16:creationId xmlns:a16="http://schemas.microsoft.com/office/drawing/2014/main" id="{2B63E983-9F45-5C3A-B9DF-9F50DBE71149}"/>
+              </a:ext>
+            </a:extLst>
+          </p:cNvPr>
+          <p:cNvSpPr txBox="1"/>
+          <p:nvPr/>
+        </p:nvSpPr>
+        <p:spPr>
+          <a:xfrm>
+            <a:off x="523783" y="1429305"/>
+            <a:ext cx="8291743" cy="3139321"/>
+          </a:xfrm>
+          <a:prstGeom prst="rect">
+            <a:avLst/>
+          </a:prstGeom>
+          <a:solidFill>
+            <a:schemeClr val="accent1"/>
+          </a:solidFill>
+        </p:spPr>
+        <p:txBody>
+          <a:bodyPr wrap="square" rtlCol="0">
+            <a:spAutoFit/>
+          </a:bodyPr>
+          <a:lstStyle/>
+          <a:p>
+            <a:r>
+              <a:rPr lang="en-US" b="1" dirty="0">
+                <a:solidFill>
+                  <a:schemeClr val="bg1"/>
+                </a:solidFill>
+                <a:latin typeface="Comic Sans MS" panose="030F0702030302020204" pitchFamily="66" charset="0"/>
+                <a:ea typeface="CMU Bright" panose="02000603000000000000" pitchFamily="2" charset="0"/>
+                <a:cs typeface="CMU Bright" panose="02000603000000000000" pitchFamily="2" charset="0"/>
+              </a:rPr>
+              <a:t>FLASH CARD (Raster Resampling, </a:t>
+            </a:r>
+            <a:r>
+              <a:rPr lang="en-US" b="1" dirty="0" err="1">
+                <a:solidFill>
+                  <a:schemeClr val="bg1"/>
+                </a:solidFill>
+                <a:latin typeface="Comic Sans MS" panose="030F0702030302020204" pitchFamily="66" charset="0"/>
+                <a:ea typeface="CMU Bright" panose="02000603000000000000" pitchFamily="2" charset="0"/>
+                <a:cs typeface="CMU Bright" panose="02000603000000000000" pitchFamily="2" charset="0"/>
+              </a:rPr>
+              <a:t>RATification</a:t>
+            </a:r>
+            <a:r>
+              <a:rPr lang="en-US" b="1" dirty="0">
+                <a:solidFill>
+                  <a:schemeClr val="bg1"/>
+                </a:solidFill>
+                <a:latin typeface="Comic Sans MS" panose="030F0702030302020204" pitchFamily="66" charset="0"/>
+                <a:ea typeface="CMU Bright" panose="02000603000000000000" pitchFamily="2" charset="0"/>
+                <a:cs typeface="CMU Bright" panose="02000603000000000000" pitchFamily="2" charset="0"/>
+              </a:rPr>
+              <a:t> and Zonal Statistics)</a:t>
+            </a:r>
+          </a:p>
+          <a:p>
+            <a:endParaRPr lang="en-US" b="1" dirty="0">
+              <a:solidFill>
+                <a:schemeClr val="bg1"/>
+              </a:solidFill>
+              <a:latin typeface="Avenir Next LT Pro" panose="020B0504020202020204" pitchFamily="34" charset="0"/>
+              <a:ea typeface="CMU Bright" panose="02000603000000000000" pitchFamily="2" charset="0"/>
+              <a:cs typeface="CMU Bright" panose="02000603000000000000" pitchFamily="2" charset="0"/>
+            </a:endParaRPr>
+          </a:p>
+          <a:p>
+            <a:r>
+              <a:rPr lang="en-US" dirty="0">
+                <a:solidFill>
+                  <a:schemeClr val="bg1"/>
+                </a:solidFill>
+                <a:latin typeface="Avenir Next LT Pro" panose="020B0504020202020204" pitchFamily="34" charset="0"/>
+                <a:ea typeface="CMU Bright" panose="02000603000000000000" pitchFamily="2" charset="0"/>
+                <a:cs typeface="CMU Bright" panose="02000603000000000000" pitchFamily="2" charset="0"/>
+              </a:rPr>
+              <a:t>terra::resample                                  </a:t>
+            </a:r>
+            <a:r>
+              <a:rPr lang="en-US" dirty="0" err="1">
+                <a:solidFill>
+                  <a:schemeClr val="bg1"/>
+                </a:solidFill>
+                <a:latin typeface="Avenir Next LT Pro" panose="020B0504020202020204" pitchFamily="34" charset="0"/>
+                <a:ea typeface="CMU Bright" panose="02000603000000000000" pitchFamily="2" charset="0"/>
+                <a:cs typeface="CMU Bright" panose="02000603000000000000" pitchFamily="2" charset="0"/>
+              </a:rPr>
+              <a:t>Resample</a:t>
+            </a:r>
+            <a:r>
+              <a:rPr lang="en-US" dirty="0">
+                <a:solidFill>
+                  <a:schemeClr val="bg1"/>
+                </a:solidFill>
+                <a:latin typeface="Avenir Next LT Pro" panose="020B0504020202020204" pitchFamily="34" charset="0"/>
+                <a:ea typeface="CMU Bright" panose="02000603000000000000" pitchFamily="2" charset="0"/>
+                <a:cs typeface="CMU Bright" panose="02000603000000000000" pitchFamily="2" charset="0"/>
+              </a:rPr>
+              <a:t> raster to target resolution</a:t>
+            </a:r>
+          </a:p>
+          <a:p>
+            <a:r>
+              <a:rPr lang="en-US" dirty="0">
+                <a:solidFill>
+                  <a:schemeClr val="bg1"/>
+                </a:solidFill>
+                <a:latin typeface="Avenir Next LT Pro" panose="020B0504020202020204" pitchFamily="34" charset="0"/>
+                <a:ea typeface="CMU Bright" panose="02000603000000000000" pitchFamily="2" charset="0"/>
+                <a:cs typeface="CMU Bright" panose="02000603000000000000" pitchFamily="2" charset="0"/>
+              </a:rPr>
+              <a:t>terra:: aggregate                               </a:t>
+            </a:r>
+            <a:r>
+              <a:rPr lang="en-US" b="0" i="0" u="none" strike="noStrike" kern="1200" baseline="0" dirty="0" err="1">
+                <a:solidFill>
+                  <a:srgbClr val="FFFFFF"/>
+                </a:solidFill>
+                <a:latin typeface="Avenir Next LT Pro" panose="020B0504020202020204" pitchFamily="34" charset="0"/>
+              </a:rPr>
+              <a:t>Aggregate</a:t>
+            </a:r>
+            <a:r>
+              <a:rPr lang="en-US" b="0" i="0" u="none" strike="noStrike" kern="1200" baseline="0" dirty="0">
+                <a:solidFill>
+                  <a:srgbClr val="FFFFFF"/>
+                </a:solidFill>
+                <a:latin typeface="Avenir Next LT Pro" panose="020B0504020202020204" pitchFamily="34" charset="0"/>
+              </a:rPr>
+              <a:t> (coarse) a raster</a:t>
+            </a:r>
+            <a:r>
+              <a:rPr lang="en-US" dirty="0">
+                <a:solidFill>
+                  <a:schemeClr val="bg1"/>
+                </a:solidFill>
+                <a:latin typeface="Avenir Next LT Pro" panose="020B0504020202020204" pitchFamily="34" charset="0"/>
+                <a:ea typeface="CMU Bright" panose="02000603000000000000" pitchFamily="2" charset="0"/>
+                <a:cs typeface="CMU Bright" panose="02000603000000000000" pitchFamily="2" charset="0"/>
+              </a:rPr>
+              <a:t> layer</a:t>
+            </a:r>
+            <a:br>
+              <a:rPr lang="en-US" dirty="0">
+                <a:solidFill>
+                  <a:schemeClr val="bg1"/>
+                </a:solidFill>
+                <a:latin typeface="Avenir Next LT Pro" panose="020B0504020202020204" pitchFamily="34" charset="0"/>
+                <a:ea typeface="CMU Bright" panose="02000603000000000000" pitchFamily="2" charset="0"/>
+                <a:cs typeface="CMU Bright" panose="02000603000000000000" pitchFamily="2" charset="0"/>
+              </a:rPr>
+            </a:br>
+            <a:r>
+              <a:rPr lang="en-US" dirty="0">
+                <a:solidFill>
+                  <a:schemeClr val="bg1"/>
+                </a:solidFill>
+                <a:latin typeface="Avenir Next LT Pro" panose="020B0504020202020204" pitchFamily="34" charset="0"/>
+                <a:ea typeface="CMU Bright" panose="02000603000000000000" pitchFamily="2" charset="0"/>
+                <a:cs typeface="CMU Bright" panose="02000603000000000000" pitchFamily="2" charset="0"/>
+              </a:rPr>
+              <a:t>terra::</a:t>
+            </a:r>
+            <a:r>
+              <a:rPr lang="en-US" dirty="0" err="1">
+                <a:solidFill>
+                  <a:schemeClr val="bg1"/>
+                </a:solidFill>
+                <a:latin typeface="Avenir Next LT Pro" panose="020B0504020202020204" pitchFamily="34" charset="0"/>
+                <a:ea typeface="CMU Bright" panose="02000603000000000000" pitchFamily="2" charset="0"/>
+                <a:cs typeface="CMU Bright" panose="02000603000000000000" pitchFamily="2" charset="0"/>
+              </a:rPr>
+              <a:t>disagg</a:t>
+            </a:r>
+            <a:r>
+              <a:rPr lang="en-US" dirty="0">
+                <a:solidFill>
+                  <a:schemeClr val="bg1"/>
+                </a:solidFill>
+                <a:latin typeface="Avenir Next LT Pro" panose="020B0504020202020204" pitchFamily="34" charset="0"/>
+                <a:ea typeface="CMU Bright" panose="02000603000000000000" pitchFamily="2" charset="0"/>
+                <a:cs typeface="CMU Bright" panose="02000603000000000000" pitchFamily="2" charset="0"/>
+              </a:rPr>
+              <a:t>                                      Disa</a:t>
+            </a:r>
+            <a:r>
+              <a:rPr lang="en-US" b="0" i="0" u="none" strike="noStrike" kern="1200" baseline="0" dirty="0">
+                <a:solidFill>
+                  <a:srgbClr val="FFFFFF"/>
+                </a:solidFill>
+                <a:latin typeface="Avenir Next LT Pro" panose="020B0504020202020204" pitchFamily="34" charset="0"/>
+              </a:rPr>
+              <a:t>ggregate (fine) a raster</a:t>
+            </a:r>
+            <a:r>
+              <a:rPr lang="en-US" dirty="0">
+                <a:solidFill>
+                  <a:schemeClr val="bg1"/>
+                </a:solidFill>
+                <a:latin typeface="Avenir Next LT Pro" panose="020B0504020202020204" pitchFamily="34" charset="0"/>
+                <a:ea typeface="CMU Bright" panose="02000603000000000000" pitchFamily="2" charset="0"/>
+                <a:cs typeface="CMU Bright" panose="02000603000000000000" pitchFamily="2" charset="0"/>
+              </a:rPr>
+              <a:t> layer</a:t>
+            </a:r>
+          </a:p>
+          <a:p>
+            <a:endParaRPr lang="en-US" dirty="0">
+              <a:solidFill>
+                <a:schemeClr val="bg1"/>
+              </a:solidFill>
+              <a:latin typeface="Avenir Next LT Pro" panose="020B0504020202020204" pitchFamily="34" charset="0"/>
+              <a:ea typeface="CMU Bright" panose="02000603000000000000" pitchFamily="2" charset="0"/>
+              <a:cs typeface="CMU Bright" panose="02000603000000000000" pitchFamily="2" charset="0"/>
+            </a:endParaRPr>
+          </a:p>
+          <a:p>
+            <a:r>
+              <a:rPr lang="en-US" dirty="0">
+                <a:solidFill>
+                  <a:schemeClr val="bg1"/>
+                </a:solidFill>
+                <a:latin typeface="Avenir Next LT Pro" panose="020B0504020202020204" pitchFamily="34" charset="0"/>
+                <a:ea typeface="CMU Bright" panose="02000603000000000000" pitchFamily="2" charset="0"/>
+                <a:cs typeface="CMU Bright" panose="02000603000000000000" pitchFamily="2" charset="0"/>
+              </a:rPr>
+              <a:t>base::cut                                             Assign discrete class to continuous values </a:t>
+            </a:r>
+          </a:p>
+          <a:p>
+            <a:r>
+              <a:rPr lang="en-US" dirty="0">
+                <a:solidFill>
+                  <a:schemeClr val="bg1"/>
+                </a:solidFill>
+                <a:latin typeface="Avenir Next LT Pro" panose="020B0504020202020204" pitchFamily="34" charset="0"/>
+                <a:ea typeface="CMU Bright" panose="02000603000000000000" pitchFamily="2" charset="0"/>
+                <a:cs typeface="CMU Bright" panose="02000603000000000000" pitchFamily="2" charset="0"/>
+              </a:rPr>
+              <a:t>                                 </a:t>
+            </a:r>
+          </a:p>
+          <a:p>
+            <a:r>
+              <a:rPr lang="en-US" dirty="0">
+                <a:solidFill>
+                  <a:schemeClr val="bg1"/>
+                </a:solidFill>
+                <a:latin typeface="Avenir Next LT Pro" panose="020B0504020202020204" pitchFamily="34" charset="0"/>
+                <a:ea typeface="CMU Bright" panose="02000603000000000000" pitchFamily="2" charset="0"/>
+                <a:cs typeface="CMU Bright" panose="02000603000000000000" pitchFamily="2" charset="0"/>
+              </a:rPr>
+              <a:t>terra:: </a:t>
+            </a:r>
+            <a:r>
+              <a:rPr lang="en-US" dirty="0" err="1">
+                <a:solidFill>
+                  <a:schemeClr val="bg1"/>
+                </a:solidFill>
+                <a:latin typeface="Avenir Next LT Pro" panose="020B0504020202020204" pitchFamily="34" charset="0"/>
+                <a:ea typeface="CMU Bright" panose="02000603000000000000" pitchFamily="2" charset="0"/>
+                <a:cs typeface="CMU Bright" panose="02000603000000000000" pitchFamily="2" charset="0"/>
+              </a:rPr>
+              <a:t>as.polygons</a:t>
+            </a:r>
+            <a:r>
+              <a:rPr lang="en-US" dirty="0">
+                <a:solidFill>
+                  <a:schemeClr val="bg1"/>
+                </a:solidFill>
+                <a:latin typeface="Avenir Next LT Pro" panose="020B0504020202020204" pitchFamily="34" charset="0"/>
+                <a:ea typeface="CMU Bright" panose="02000603000000000000" pitchFamily="2" charset="0"/>
+                <a:cs typeface="CMU Bright" panose="02000603000000000000" pitchFamily="2" charset="0"/>
+              </a:rPr>
+              <a:t>                            Create polygon from raster</a:t>
+            </a:r>
+          </a:p>
+          <a:p>
+            <a:r>
+              <a:rPr lang="en-US" dirty="0">
+                <a:solidFill>
+                  <a:schemeClr val="bg1"/>
+                </a:solidFill>
+                <a:latin typeface="Avenir Next LT Pro" panose="020B0504020202020204" pitchFamily="34" charset="0"/>
+                <a:ea typeface="CMU Bright" panose="02000603000000000000" pitchFamily="2" charset="0"/>
+                <a:cs typeface="CMU Bright" panose="02000603000000000000" pitchFamily="2" charset="0"/>
+              </a:rPr>
+              <a:t>terra:: extract                                      Zone-wise extract raster cells using polygon</a:t>
+            </a:r>
+          </a:p>
+          <a:p>
+            <a:r>
+              <a:rPr lang="en-US" dirty="0" err="1">
+                <a:solidFill>
+                  <a:schemeClr val="bg1"/>
+                </a:solidFill>
+                <a:latin typeface="Avenir Next LT Pro" panose="020B0504020202020204" pitchFamily="34" charset="0"/>
+                <a:ea typeface="CMU Bright" panose="02000603000000000000" pitchFamily="2" charset="0"/>
+                <a:cs typeface="CMU Bright" panose="02000603000000000000" pitchFamily="2" charset="0"/>
+              </a:rPr>
+              <a:t>exactextractr</a:t>
+            </a:r>
+            <a:r>
+              <a:rPr lang="en-US" dirty="0">
+                <a:solidFill>
+                  <a:schemeClr val="bg1"/>
+                </a:solidFill>
+                <a:latin typeface="Avenir Next LT Pro" panose="020B0504020202020204" pitchFamily="34" charset="0"/>
+                <a:ea typeface="CMU Bright" panose="02000603000000000000" pitchFamily="2" charset="0"/>
+                <a:cs typeface="CMU Bright" panose="02000603000000000000" pitchFamily="2" charset="0"/>
+              </a:rPr>
+              <a:t>:: </a:t>
+            </a:r>
+            <a:r>
+              <a:rPr lang="en-US" dirty="0" err="1">
+                <a:solidFill>
+                  <a:schemeClr val="bg1"/>
+                </a:solidFill>
+                <a:latin typeface="Avenir Next LT Pro" panose="020B0504020202020204" pitchFamily="34" charset="0"/>
+                <a:ea typeface="CMU Bright" panose="02000603000000000000" pitchFamily="2" charset="0"/>
+                <a:cs typeface="CMU Bright" panose="02000603000000000000" pitchFamily="2" charset="0"/>
+              </a:rPr>
+              <a:t>exact_extract</a:t>
+            </a:r>
+            <a:r>
+              <a:rPr lang="en-US" dirty="0">
+                <a:solidFill>
+                  <a:schemeClr val="bg1"/>
+                </a:solidFill>
+                <a:latin typeface="Avenir Next LT Pro" panose="020B0504020202020204" pitchFamily="34" charset="0"/>
+                <a:ea typeface="CMU Bright" panose="02000603000000000000" pitchFamily="2" charset="0"/>
+                <a:cs typeface="CMU Bright" panose="02000603000000000000" pitchFamily="2" charset="0"/>
+              </a:rPr>
+              <a:t>           Same as above, but faster</a:t>
+            </a:r>
+          </a:p>
+        </p:txBody>
+      </p:sp>
+    </p:spTree>
+    <p:extLst>
+      <p:ext uri="{BB962C8B-B14F-4D97-AF65-F5344CB8AC3E}">
+        <p14:creationId xmlns:p14="http://schemas.microsoft.com/office/powerpoint/2010/main" val="1029037540"/>
+      </p:ext>
+    </p:extLst>
+  </p:cSld>
+  <p:clrMapOvr>
+    <a:masterClrMapping/>
+  </p:clrMapOvr>
+</p:sld>
+</file>
+
+<file path=ppt/slides/slide7.xml><?xml version="1.0" encoding="utf-8"?>
 <p:sld xmlns:a="http://schemas.openxmlformats.org/drawingml/2006/main" xmlns:r="http://schemas.openxmlformats.org/officeDocument/2006/relationships" xmlns:p="http://schemas.openxmlformats.org/presentationml/2006/main">
   <p:cSld>
     <p:spTree>
@@ -15701,7 +20600,7 @@
 </p:sld>
 </file>
 
-<file path=ppt/slides/slide6.xml><?xml version="1.0" encoding="utf-8"?>
+<file path=ppt/slides/slide8.xml><?xml version="1.0" encoding="utf-8"?>
 <p:sld xmlns:a="http://schemas.openxmlformats.org/drawingml/2006/main" xmlns:r="http://schemas.openxmlformats.org/officeDocument/2006/relationships" xmlns:p="http://schemas.openxmlformats.org/presentationml/2006/main">
   <p:cSld>
     <p:bg>
@@ -16404,7 +21303,7 @@
 </p:sld>
 </file>
 
-<file path=ppt/slides/slide7.xml><?xml version="1.0" encoding="utf-8"?>
+<file path=ppt/slides/slide9.xml><?xml version="1.0" encoding="utf-8"?>
 <p:sld xmlns:a="http://schemas.openxmlformats.org/drawingml/2006/main" xmlns:r="http://schemas.openxmlformats.org/officeDocument/2006/relationships" xmlns:p="http://schemas.openxmlformats.org/presentationml/2006/main">
   <p:cSld>
     <p:bg>
@@ -17031,811 +21930,6 @@
 </p:sld>
 </file>
 
-<file path=ppt/slides/slide8.xml><?xml version="1.0" encoding="utf-8"?>
-<p:sld xmlns:a="http://schemas.openxmlformats.org/drawingml/2006/main" xmlns:r="http://schemas.openxmlformats.org/officeDocument/2006/relationships" xmlns:p="http://schemas.openxmlformats.org/presentationml/2006/main">
-  <p:cSld>
-    <p:bg>
-      <p:bgPr>
-        <a:solidFill>
-          <a:schemeClr val="bg1"/>
-        </a:solidFill>
-        <a:effectLst/>
-      </p:bgPr>
-    </p:bg>
-    <p:spTree>
-      <p:nvGrpSpPr>
-        <p:cNvPr id="1" name=""/>
-        <p:cNvGrpSpPr/>
-        <p:nvPr/>
-      </p:nvGrpSpPr>
-      <p:grpSpPr>
-        <a:xfrm>
-          <a:off x="0" y="0"/>
-          <a:ext cx="0" cy="0"/>
-          <a:chOff x="0" y="0"/>
-          <a:chExt cx="0" cy="0"/>
-        </a:xfrm>
-      </p:grpSpPr>
-      <p:graphicFrame>
-        <p:nvGraphicFramePr>
-          <p:cNvPr id="4" name="Table 3">
-            <a:extLst>
-              <a:ext uri="{FF2B5EF4-FFF2-40B4-BE49-F238E27FC236}">
-                <a16:creationId xmlns:a16="http://schemas.microsoft.com/office/drawing/2014/main" id="{D307A52A-B464-CD32-F87A-2BA9A8A50211}"/>
-              </a:ext>
-            </a:extLst>
-          </p:cNvPr>
-          <p:cNvGraphicFramePr>
-            <a:graphicFrameLocks noGrp="1"/>
-          </p:cNvGraphicFramePr>
-          <p:nvPr>
-            <p:extLst>
-              <p:ext uri="{D42A27DB-BD31-4B8C-83A1-F6EECF244321}">
-                <p14:modId xmlns:p14="http://schemas.microsoft.com/office/powerpoint/2010/main" val="2176799331"/>
-              </p:ext>
-            </p:extLst>
-          </p:nvPr>
-        </p:nvGraphicFramePr>
-        <p:xfrm>
-          <a:off x="1909978" y="643466"/>
-          <a:ext cx="8372045" cy="5571069"/>
-        </p:xfrm>
-        <a:graphic>
-          <a:graphicData uri="http://schemas.openxmlformats.org/drawingml/2006/table">
-            <a:tbl>
-              <a:tblPr firstRow="1" bandRow="1">
-                <a:tableStyleId>{5C22544A-7EE6-4342-B048-85BDC9FD1C3A}</a:tableStyleId>
-              </a:tblPr>
-              <a:tblGrid>
-                <a:gridCol w="1783133">
-                  <a:extLst>
-                    <a:ext uri="{9D8B030D-6E8A-4147-A177-3AD203B41FA5}">
-                      <a16:colId xmlns:a16="http://schemas.microsoft.com/office/drawing/2014/main" val="3773975104"/>
-                    </a:ext>
-                  </a:extLst>
-                </a:gridCol>
-                <a:gridCol w="6588912">
-                  <a:extLst>
-                    <a:ext uri="{9D8B030D-6E8A-4147-A177-3AD203B41FA5}">
-                      <a16:colId xmlns:a16="http://schemas.microsoft.com/office/drawing/2014/main" val="3888585185"/>
-                    </a:ext>
-                  </a:extLst>
-                </a:gridCol>
-              </a:tblGrid>
-              <a:tr h="399335">
-                <a:tc>
-                  <a:txBody>
-                    <a:bodyPr/>
-                    <a:lstStyle/>
-                    <a:p>
-                      <a:pPr algn="l" fontAlgn="t"/>
-                      <a:r>
-                        <a:rPr lang="en-US" sz="2100" u="none" strike="noStrike">
-                          <a:effectLst/>
-                        </a:rPr>
-                        <a:t>Operator</a:t>
-                      </a:r>
-                      <a:endParaRPr lang="en-US" sz="2100" b="1" i="0" u="none" strike="noStrike">
-                        <a:solidFill>
-                          <a:srgbClr val="000000"/>
-                        </a:solidFill>
-                        <a:effectLst/>
-                        <a:latin typeface="Verdana" panose="020B0604030504040204" pitchFamily="34" charset="0"/>
-                      </a:endParaRPr>
-                    </a:p>
-                  </a:txBody>
-                  <a:tcPr marL="155173" marR="17241" marT="17241" marB="0"/>
-                </a:tc>
-                <a:tc>
-                  <a:txBody>
-                    <a:bodyPr/>
-                    <a:lstStyle/>
-                    <a:p>
-                      <a:pPr algn="l" fontAlgn="t"/>
-                      <a:r>
-                        <a:rPr lang="en-US" sz="2100" u="none" strike="noStrike">
-                          <a:effectLst/>
-                        </a:rPr>
-                        <a:t>Description</a:t>
-                      </a:r>
-                      <a:endParaRPr lang="en-US" sz="2100" b="1" i="0" u="none" strike="noStrike">
-                        <a:solidFill>
-                          <a:srgbClr val="000000"/>
-                        </a:solidFill>
-                        <a:effectLst/>
-                        <a:latin typeface="Verdana" panose="020B0604030504040204" pitchFamily="34" charset="0"/>
-                      </a:endParaRPr>
-                    </a:p>
-                  </a:txBody>
-                  <a:tcPr marL="17241" marR="17241" marT="17241" marB="0"/>
-                </a:tc>
-                <a:extLst>
-                  <a:ext uri="{0D108BD9-81ED-4DB2-BD59-A6C34878D82A}">
-                    <a16:rowId xmlns:a16="http://schemas.microsoft.com/office/drawing/2014/main" val="623860507"/>
-                  </a:ext>
-                </a:extLst>
-              </a:tr>
-              <a:tr h="971615">
-                <a:tc>
-                  <a:txBody>
-                    <a:bodyPr/>
-                    <a:lstStyle/>
-                    <a:p>
-                      <a:pPr algn="l" fontAlgn="t"/>
-                      <a:r>
-                        <a:rPr lang="en-US" sz="2100" u="none" strike="noStrike" dirty="0">
-                          <a:effectLst/>
-                        </a:rPr>
-                        <a:t>&amp;</a:t>
-                      </a:r>
-                      <a:endParaRPr lang="en-US" sz="2100" b="0" i="0" u="none" strike="noStrike" dirty="0">
-                        <a:solidFill>
-                          <a:srgbClr val="000000"/>
-                        </a:solidFill>
-                        <a:effectLst/>
-                        <a:latin typeface="Verdana" panose="020B0604030504040204" pitchFamily="34" charset="0"/>
-                      </a:endParaRPr>
-                    </a:p>
-                  </a:txBody>
-                  <a:tcPr marL="155173" marR="17241" marT="17241" marB="0"/>
-                </a:tc>
-                <a:tc>
-                  <a:txBody>
-                    <a:bodyPr/>
-                    <a:lstStyle/>
-                    <a:p>
-                      <a:pPr algn="l" fontAlgn="t"/>
-                      <a:r>
-                        <a:rPr lang="en-US" sz="2100" u="none" strike="noStrike">
-                          <a:effectLst/>
-                        </a:rPr>
-                        <a:t>Element-wise Logical AND operator. It returns TRUE if both elements are TRUE</a:t>
-                      </a:r>
-                      <a:endParaRPr lang="en-US" sz="2100" b="0" i="0" u="none" strike="noStrike">
-                        <a:solidFill>
-                          <a:srgbClr val="000000"/>
-                        </a:solidFill>
-                        <a:effectLst/>
-                        <a:latin typeface="Verdana" panose="020B0604030504040204" pitchFamily="34" charset="0"/>
-                      </a:endParaRPr>
-                    </a:p>
-                  </a:txBody>
-                  <a:tcPr marL="17241" marR="17241" marT="137932" marB="137932"/>
-                </a:tc>
-                <a:extLst>
-                  <a:ext uri="{0D108BD9-81ED-4DB2-BD59-A6C34878D82A}">
-                    <a16:rowId xmlns:a16="http://schemas.microsoft.com/office/drawing/2014/main" val="2733256577"/>
-                  </a:ext>
-                </a:extLst>
-              </a:tr>
-              <a:tr h="971615">
-                <a:tc>
-                  <a:txBody>
-                    <a:bodyPr/>
-                    <a:lstStyle/>
-                    <a:p>
-                      <a:pPr algn="l" fontAlgn="t"/>
-                      <a:r>
-                        <a:rPr lang="en-US" sz="2100" u="none" strike="noStrike">
-                          <a:effectLst/>
-                        </a:rPr>
-                        <a:t>&amp;&amp;</a:t>
-                      </a:r>
-                      <a:endParaRPr lang="en-US" sz="2100" b="0" i="0" u="none" strike="noStrike">
-                        <a:solidFill>
-                          <a:srgbClr val="000000"/>
-                        </a:solidFill>
-                        <a:effectLst/>
-                        <a:latin typeface="Verdana" panose="020B0604030504040204" pitchFamily="34" charset="0"/>
-                      </a:endParaRPr>
-                    </a:p>
-                  </a:txBody>
-                  <a:tcPr marL="155173" marR="17241" marT="17241" marB="0"/>
-                </a:tc>
-                <a:tc>
-                  <a:txBody>
-                    <a:bodyPr/>
-                    <a:lstStyle/>
-                    <a:p>
-                      <a:pPr algn="l" fontAlgn="t"/>
-                      <a:r>
-                        <a:rPr lang="en-US" sz="2100" u="none" strike="noStrike" dirty="0">
-                          <a:effectLst/>
-                        </a:rPr>
-                        <a:t>Logical AND operator - Returns TRUE if both statements are TRUE</a:t>
-                      </a:r>
-                      <a:endParaRPr lang="en-US" sz="2100" b="0" i="0" u="none" strike="noStrike" dirty="0">
-                        <a:solidFill>
-                          <a:srgbClr val="000000"/>
-                        </a:solidFill>
-                        <a:effectLst/>
-                        <a:latin typeface="Verdana" panose="020B0604030504040204" pitchFamily="34" charset="0"/>
-                      </a:endParaRPr>
-                    </a:p>
-                  </a:txBody>
-                  <a:tcPr marL="17241" marR="17241" marT="137932" marB="137932"/>
-                </a:tc>
-                <a:extLst>
-                  <a:ext uri="{0D108BD9-81ED-4DB2-BD59-A6C34878D82A}">
-                    <a16:rowId xmlns:a16="http://schemas.microsoft.com/office/drawing/2014/main" val="1256523461"/>
-                  </a:ext>
-                </a:extLst>
-              </a:tr>
-              <a:tr h="1285274">
-                <a:tc>
-                  <a:txBody>
-                    <a:bodyPr/>
-                    <a:lstStyle/>
-                    <a:p>
-                      <a:pPr algn="l" fontAlgn="t"/>
-                      <a:r>
-                        <a:rPr lang="en-US" sz="2100" u="none" strike="noStrike">
-                          <a:effectLst/>
-                        </a:rPr>
-                        <a:t>|</a:t>
-                      </a:r>
-                      <a:endParaRPr lang="en-US" sz="2100" b="0" i="0" u="none" strike="noStrike">
-                        <a:solidFill>
-                          <a:srgbClr val="000000"/>
-                        </a:solidFill>
-                        <a:effectLst/>
-                        <a:latin typeface="Verdana" panose="020B0604030504040204" pitchFamily="34" charset="0"/>
-                      </a:endParaRPr>
-                    </a:p>
-                  </a:txBody>
-                  <a:tcPr marL="155173" marR="17241" marT="17241" marB="0"/>
-                </a:tc>
-                <a:tc>
-                  <a:txBody>
-                    <a:bodyPr/>
-                    <a:lstStyle/>
-                    <a:p>
-                      <a:pPr algn="l" fontAlgn="t"/>
-                      <a:r>
-                        <a:rPr lang="en-US" sz="2100" u="none" strike="noStrike" dirty="0">
-                          <a:effectLst/>
-                        </a:rPr>
-                        <a:t>Elementwise- Logical OR operator. It returns TRUE if one of the statement is TRUE</a:t>
-                      </a:r>
-                      <a:endParaRPr lang="en-US" sz="2100" b="0" i="0" u="none" strike="noStrike" dirty="0">
-                        <a:solidFill>
-                          <a:srgbClr val="000000"/>
-                        </a:solidFill>
-                        <a:effectLst/>
-                        <a:latin typeface="Verdana" panose="020B0604030504040204" pitchFamily="34" charset="0"/>
-                      </a:endParaRPr>
-                    </a:p>
-                  </a:txBody>
-                  <a:tcPr marL="17241" marR="17241" marT="137932" marB="137932"/>
-                </a:tc>
-                <a:extLst>
-                  <a:ext uri="{0D108BD9-81ED-4DB2-BD59-A6C34878D82A}">
-                    <a16:rowId xmlns:a16="http://schemas.microsoft.com/office/drawing/2014/main" val="1895393037"/>
-                  </a:ext>
-                </a:extLst>
-              </a:tr>
-              <a:tr h="971615">
-                <a:tc>
-                  <a:txBody>
-                    <a:bodyPr/>
-                    <a:lstStyle/>
-                    <a:p>
-                      <a:pPr algn="l" fontAlgn="t"/>
-                      <a:r>
-                        <a:rPr lang="en-US" sz="2100" u="none" strike="noStrike">
-                          <a:effectLst/>
-                        </a:rPr>
-                        <a:t>||</a:t>
-                      </a:r>
-                      <a:endParaRPr lang="en-US" sz="2100" b="0" i="0" u="none" strike="noStrike">
-                        <a:solidFill>
-                          <a:srgbClr val="000000"/>
-                        </a:solidFill>
-                        <a:effectLst/>
-                        <a:latin typeface="Verdana" panose="020B0604030504040204" pitchFamily="34" charset="0"/>
-                      </a:endParaRPr>
-                    </a:p>
-                  </a:txBody>
-                  <a:tcPr marL="155173" marR="17241" marT="17241" marB="0"/>
-                </a:tc>
-                <a:tc>
-                  <a:txBody>
-                    <a:bodyPr/>
-                    <a:lstStyle/>
-                    <a:p>
-                      <a:pPr algn="l" fontAlgn="t"/>
-                      <a:r>
-                        <a:rPr lang="en-US" sz="2100" u="none" strike="noStrike">
-                          <a:effectLst/>
-                        </a:rPr>
-                        <a:t>Logical OR operator. It returns TRUE if one of the statement is TRUE.</a:t>
-                      </a:r>
-                      <a:endParaRPr lang="en-US" sz="2100" b="0" i="0" u="none" strike="noStrike">
-                        <a:solidFill>
-                          <a:srgbClr val="000000"/>
-                        </a:solidFill>
-                        <a:effectLst/>
-                        <a:latin typeface="Verdana" panose="020B0604030504040204" pitchFamily="34" charset="0"/>
-                      </a:endParaRPr>
-                    </a:p>
-                  </a:txBody>
-                  <a:tcPr marL="17241" marR="17241" marT="137932" marB="137932"/>
-                </a:tc>
-                <a:extLst>
-                  <a:ext uri="{0D108BD9-81ED-4DB2-BD59-A6C34878D82A}">
-                    <a16:rowId xmlns:a16="http://schemas.microsoft.com/office/drawing/2014/main" val="895320962"/>
-                  </a:ext>
-                </a:extLst>
-              </a:tr>
-              <a:tr h="971615">
-                <a:tc>
-                  <a:txBody>
-                    <a:bodyPr/>
-                    <a:lstStyle/>
-                    <a:p>
-                      <a:pPr algn="l" fontAlgn="t"/>
-                      <a:r>
-                        <a:rPr lang="en-US" sz="2100" u="none" strike="noStrike">
-                          <a:effectLst/>
-                        </a:rPr>
-                        <a:t>!</a:t>
-                      </a:r>
-                      <a:endParaRPr lang="en-US" sz="2100" b="0" i="0" u="none" strike="noStrike">
-                        <a:solidFill>
-                          <a:srgbClr val="000000"/>
-                        </a:solidFill>
-                        <a:effectLst/>
-                        <a:latin typeface="Verdana" panose="020B0604030504040204" pitchFamily="34" charset="0"/>
-                      </a:endParaRPr>
-                    </a:p>
-                  </a:txBody>
-                  <a:tcPr marL="155173" marR="17241" marT="17241" marB="0"/>
-                </a:tc>
-                <a:tc>
-                  <a:txBody>
-                    <a:bodyPr/>
-                    <a:lstStyle/>
-                    <a:p>
-                      <a:pPr algn="l" fontAlgn="t"/>
-                      <a:r>
-                        <a:rPr lang="en-US" sz="2100" u="none" strike="noStrike" dirty="0">
-                          <a:effectLst/>
-                        </a:rPr>
-                        <a:t>Logical NOT - returns FALSE if statement is TRUE</a:t>
-                      </a:r>
-                      <a:endParaRPr lang="en-US" sz="2100" b="0" i="0" u="none" strike="noStrike" dirty="0">
-                        <a:solidFill>
-                          <a:srgbClr val="000000"/>
-                        </a:solidFill>
-                        <a:effectLst/>
-                        <a:latin typeface="Verdana" panose="020B0604030504040204" pitchFamily="34" charset="0"/>
-                      </a:endParaRPr>
-                    </a:p>
-                  </a:txBody>
-                  <a:tcPr marL="17241" marR="17241" marT="137932" marB="137932"/>
-                </a:tc>
-                <a:extLst>
-                  <a:ext uri="{0D108BD9-81ED-4DB2-BD59-A6C34878D82A}">
-                    <a16:rowId xmlns:a16="http://schemas.microsoft.com/office/drawing/2014/main" val="1060595567"/>
-                  </a:ext>
-                </a:extLst>
-              </a:tr>
-            </a:tbl>
-          </a:graphicData>
-        </a:graphic>
-      </p:graphicFrame>
-    </p:spTree>
-    <p:extLst>
-      <p:ext uri="{BB962C8B-B14F-4D97-AF65-F5344CB8AC3E}">
-        <p14:creationId xmlns:p14="http://schemas.microsoft.com/office/powerpoint/2010/main" val="3028515490"/>
-      </p:ext>
-    </p:extLst>
-  </p:cSld>
-  <p:clrMapOvr>
-    <a:masterClrMapping/>
-  </p:clrMapOvr>
-</p:sld>
-</file>
-
-<file path=ppt/slides/slide9.xml><?xml version="1.0" encoding="utf-8"?>
-<p:sld xmlns:a="http://schemas.openxmlformats.org/drawingml/2006/main" xmlns:r="http://schemas.openxmlformats.org/officeDocument/2006/relationships" xmlns:p="http://schemas.openxmlformats.org/presentationml/2006/main">
-  <p:cSld>
-    <p:bg>
-      <p:bgPr>
-        <a:solidFill>
-          <a:schemeClr val="bg1"/>
-        </a:solidFill>
-        <a:effectLst/>
-      </p:bgPr>
-    </p:bg>
-    <p:spTree>
-      <p:nvGrpSpPr>
-        <p:cNvPr id="1" name=""/>
-        <p:cNvGrpSpPr/>
-        <p:nvPr/>
-      </p:nvGrpSpPr>
-      <p:grpSpPr>
-        <a:xfrm>
-          <a:off x="0" y="0"/>
-          <a:ext cx="0" cy="0"/>
-          <a:chOff x="0" y="0"/>
-          <a:chExt cx="0" cy="0"/>
-        </a:xfrm>
-      </p:grpSpPr>
-      <p:graphicFrame>
-        <p:nvGraphicFramePr>
-          <p:cNvPr id="4" name="Table 3">
-            <a:extLst>
-              <a:ext uri="{FF2B5EF4-FFF2-40B4-BE49-F238E27FC236}">
-                <a16:creationId xmlns:a16="http://schemas.microsoft.com/office/drawing/2014/main" id="{4FAB23BF-ECC8-C455-2212-7DC3B361EC27}"/>
-              </a:ext>
-            </a:extLst>
-          </p:cNvPr>
-          <p:cNvGraphicFramePr>
-            <a:graphicFrameLocks noGrp="1"/>
-          </p:cNvGraphicFramePr>
-          <p:nvPr>
-            <p:extLst>
-              <p:ext uri="{D42A27DB-BD31-4B8C-83A1-F6EECF244321}">
-                <p14:modId xmlns:p14="http://schemas.microsoft.com/office/powerpoint/2010/main" val="2307680004"/>
-              </p:ext>
-            </p:extLst>
-          </p:nvPr>
-        </p:nvGraphicFramePr>
-        <p:xfrm>
-          <a:off x="643467" y="872307"/>
-          <a:ext cx="10905067" cy="5113389"/>
-        </p:xfrm>
-        <a:graphic>
-          <a:graphicData uri="http://schemas.openxmlformats.org/drawingml/2006/table">
-            <a:tbl>
-              <a:tblPr firstRow="1" bandRow="1">
-                <a:tableStyleId>{5C22544A-7EE6-4342-B048-85BDC9FD1C3A}</a:tableStyleId>
-              </a:tblPr>
-              <a:tblGrid>
-                <a:gridCol w="2980718">
-                  <a:extLst>
-                    <a:ext uri="{9D8B030D-6E8A-4147-A177-3AD203B41FA5}">
-                      <a16:colId xmlns:a16="http://schemas.microsoft.com/office/drawing/2014/main" val="4103445292"/>
-                    </a:ext>
-                  </a:extLst>
-                </a:gridCol>
-                <a:gridCol w="4543778">
-                  <a:extLst>
-                    <a:ext uri="{9D8B030D-6E8A-4147-A177-3AD203B41FA5}">
-                      <a16:colId xmlns:a16="http://schemas.microsoft.com/office/drawing/2014/main" val="3525332060"/>
-                    </a:ext>
-                  </a:extLst>
-                </a:gridCol>
-                <a:gridCol w="3380571">
-                  <a:extLst>
-                    <a:ext uri="{9D8B030D-6E8A-4147-A177-3AD203B41FA5}">
-                      <a16:colId xmlns:a16="http://schemas.microsoft.com/office/drawing/2014/main" val="806578343"/>
-                    </a:ext>
-                  </a:extLst>
-                </a:gridCol>
-              </a:tblGrid>
-              <a:tr h="611775">
-                <a:tc>
-                  <a:txBody>
-                    <a:bodyPr/>
-                    <a:lstStyle/>
-                    <a:p>
-                      <a:pPr algn="l" fontAlgn="t"/>
-                      <a:r>
-                        <a:rPr lang="en-US" sz="3100" u="none" strike="noStrike">
-                          <a:effectLst/>
-                        </a:rPr>
-                        <a:t>Operator</a:t>
-                      </a:r>
-                      <a:endParaRPr lang="en-US" sz="3100" b="1" i="0" u="none" strike="noStrike">
-                        <a:solidFill>
-                          <a:srgbClr val="000000"/>
-                        </a:solidFill>
-                        <a:effectLst/>
-                        <a:latin typeface="Verdana" panose="020B0604030504040204" pitchFamily="34" charset="0"/>
-                      </a:endParaRPr>
-                    </a:p>
-                  </a:txBody>
-                  <a:tcPr marL="245364" marR="27263" marT="27263" marB="0"/>
-                </a:tc>
-                <a:tc>
-                  <a:txBody>
-                    <a:bodyPr/>
-                    <a:lstStyle/>
-                    <a:p>
-                      <a:pPr algn="l" fontAlgn="t"/>
-                      <a:r>
-                        <a:rPr lang="en-US" sz="3100" u="none" strike="noStrike">
-                          <a:effectLst/>
-                        </a:rPr>
-                        <a:t>Description</a:t>
-                      </a:r>
-                      <a:endParaRPr lang="en-US" sz="3100" b="1" i="0" u="none" strike="noStrike">
-                        <a:solidFill>
-                          <a:srgbClr val="000000"/>
-                        </a:solidFill>
-                        <a:effectLst/>
-                        <a:latin typeface="Verdana" panose="020B0604030504040204" pitchFamily="34" charset="0"/>
-                      </a:endParaRPr>
-                    </a:p>
-                  </a:txBody>
-                  <a:tcPr marL="27263" marR="27263" marT="27263" marB="0"/>
-                </a:tc>
-                <a:tc>
-                  <a:txBody>
-                    <a:bodyPr/>
-                    <a:lstStyle/>
-                    <a:p>
-                      <a:pPr algn="l" fontAlgn="t"/>
-                      <a:r>
-                        <a:rPr lang="en-US" sz="3100" u="none" strike="noStrike">
-                          <a:effectLst/>
-                        </a:rPr>
-                        <a:t>Example</a:t>
-                      </a:r>
-                      <a:endParaRPr lang="en-US" sz="3100" b="1" i="0" u="none" strike="noStrike">
-                        <a:solidFill>
-                          <a:srgbClr val="000000"/>
-                        </a:solidFill>
-                        <a:effectLst/>
-                        <a:latin typeface="Verdana" panose="020B0604030504040204" pitchFamily="34" charset="0"/>
-                      </a:endParaRPr>
-                    </a:p>
-                  </a:txBody>
-                  <a:tcPr marL="27263" marR="27263" marT="27263" marB="0"/>
-                </a:tc>
-                <a:extLst>
-                  <a:ext uri="{0D108BD9-81ED-4DB2-BD59-A6C34878D82A}">
-                    <a16:rowId xmlns:a16="http://schemas.microsoft.com/office/drawing/2014/main" val="4186436921"/>
-                  </a:ext>
-                </a:extLst>
-              </a:tr>
-              <a:tr h="1500538">
-                <a:tc>
-                  <a:txBody>
-                    <a:bodyPr/>
-                    <a:lstStyle/>
-                    <a:p>
-                      <a:pPr algn="l" fontAlgn="t"/>
-                      <a:r>
-                        <a:rPr lang="en-US" sz="3100" u="none" strike="noStrike">
-                          <a:effectLst/>
-                        </a:rPr>
-                        <a:t>:</a:t>
-                      </a:r>
-                      <a:endParaRPr lang="en-US" sz="3100" b="0" i="0" u="none" strike="noStrike">
-                        <a:solidFill>
-                          <a:srgbClr val="000000"/>
-                        </a:solidFill>
-                        <a:effectLst/>
-                        <a:latin typeface="Verdana" panose="020B0604030504040204" pitchFamily="34" charset="0"/>
-                      </a:endParaRPr>
-                    </a:p>
-                  </a:txBody>
-                  <a:tcPr marL="245364" marR="27263" marT="27263" marB="0"/>
-                </a:tc>
-                <a:tc>
-                  <a:txBody>
-                    <a:bodyPr/>
-                    <a:lstStyle/>
-                    <a:p>
-                      <a:pPr algn="l" fontAlgn="t"/>
-                      <a:r>
-                        <a:rPr lang="en-US" sz="3100" u="none" strike="noStrike">
-                          <a:effectLst/>
-                        </a:rPr>
-                        <a:t>Creates a series of numbers in a sequence</a:t>
-                      </a:r>
-                      <a:endParaRPr lang="en-US" sz="3100" b="0" i="0" u="none" strike="noStrike">
-                        <a:solidFill>
-                          <a:srgbClr val="000000"/>
-                        </a:solidFill>
-                        <a:effectLst/>
-                        <a:latin typeface="Verdana" panose="020B0604030504040204" pitchFamily="34" charset="0"/>
-                      </a:endParaRPr>
-                    </a:p>
-                  </a:txBody>
-                  <a:tcPr marL="27263" marR="27263" marT="218101" marB="218101"/>
-                </a:tc>
-                <a:tc>
-                  <a:txBody>
-                    <a:bodyPr/>
-                    <a:lstStyle/>
-                    <a:p>
-                      <a:pPr algn="l" fontAlgn="t"/>
-                      <a:r>
-                        <a:rPr lang="en-US" sz="3100" u="none" strike="noStrike">
-                          <a:effectLst/>
-                        </a:rPr>
-                        <a:t>x &lt;- 1:10</a:t>
-                      </a:r>
-                      <a:endParaRPr lang="en-US" sz="3100" b="0" i="0" u="none" strike="noStrike">
-                        <a:solidFill>
-                          <a:srgbClr val="000000"/>
-                        </a:solidFill>
-                        <a:effectLst/>
-                        <a:latin typeface="Verdana" panose="020B0604030504040204" pitchFamily="34" charset="0"/>
-                      </a:endParaRPr>
-                    </a:p>
-                  </a:txBody>
-                  <a:tcPr marL="27263" marR="27263" marT="218101" marB="218101"/>
-                </a:tc>
-                <a:extLst>
-                  <a:ext uri="{0D108BD9-81ED-4DB2-BD59-A6C34878D82A}">
-                    <a16:rowId xmlns:a16="http://schemas.microsoft.com/office/drawing/2014/main" val="1996324649"/>
-                  </a:ext>
-                </a:extLst>
-              </a:tr>
-              <a:tr h="1500538">
-                <a:tc>
-                  <a:txBody>
-                    <a:bodyPr/>
-                    <a:lstStyle/>
-                    <a:p>
-                      <a:pPr algn="l" fontAlgn="t"/>
-                      <a:r>
-                        <a:rPr lang="en-US" sz="3100" u="none" strike="noStrike">
-                          <a:effectLst/>
-                        </a:rPr>
-                        <a:t>%in%</a:t>
-                      </a:r>
-                      <a:endParaRPr lang="en-US" sz="3100" b="0" i="0" u="none" strike="noStrike">
-                        <a:solidFill>
-                          <a:srgbClr val="000000"/>
-                        </a:solidFill>
-                        <a:effectLst/>
-                        <a:latin typeface="Verdana" panose="020B0604030504040204" pitchFamily="34" charset="0"/>
-                      </a:endParaRPr>
-                    </a:p>
-                  </a:txBody>
-                  <a:tcPr marL="245364" marR="27263" marT="27263" marB="0"/>
-                </a:tc>
-                <a:tc>
-                  <a:txBody>
-                    <a:bodyPr/>
-                    <a:lstStyle/>
-                    <a:p>
-                      <a:pPr algn="l" fontAlgn="t"/>
-                      <a:r>
-                        <a:rPr lang="en-US" sz="3100" u="none" strike="noStrike">
-                          <a:effectLst/>
-                        </a:rPr>
-                        <a:t>Find out if an element belongs to a vector</a:t>
-                      </a:r>
-                      <a:endParaRPr lang="en-US" sz="3100" b="0" i="0" u="none" strike="noStrike">
-                        <a:solidFill>
-                          <a:srgbClr val="000000"/>
-                        </a:solidFill>
-                        <a:effectLst/>
-                        <a:latin typeface="Verdana" panose="020B0604030504040204" pitchFamily="34" charset="0"/>
-                      </a:endParaRPr>
-                    </a:p>
-                  </a:txBody>
-                  <a:tcPr marL="27263" marR="27263" marT="218101" marB="218101"/>
-                </a:tc>
-                <a:tc>
-                  <a:txBody>
-                    <a:bodyPr/>
-                    <a:lstStyle/>
-                    <a:p>
-                      <a:pPr algn="l" fontAlgn="t"/>
-                      <a:r>
-                        <a:rPr lang="en-US" sz="3100" u="none" strike="noStrike">
-                          <a:effectLst/>
-                        </a:rPr>
-                        <a:t>x %in% y</a:t>
-                      </a:r>
-                      <a:endParaRPr lang="en-US" sz="3100" b="0" i="0" u="none" strike="noStrike">
-                        <a:solidFill>
-                          <a:srgbClr val="000000"/>
-                        </a:solidFill>
-                        <a:effectLst/>
-                        <a:latin typeface="Verdana" panose="020B0604030504040204" pitchFamily="34" charset="0"/>
-                      </a:endParaRPr>
-                    </a:p>
-                  </a:txBody>
-                  <a:tcPr marL="27263" marR="27263" marT="218101" marB="218101"/>
-                </a:tc>
-                <a:extLst>
-                  <a:ext uri="{0D108BD9-81ED-4DB2-BD59-A6C34878D82A}">
-                    <a16:rowId xmlns:a16="http://schemas.microsoft.com/office/drawing/2014/main" val="2435893394"/>
-                  </a:ext>
-                </a:extLst>
-              </a:tr>
-              <a:tr h="1500538">
-                <a:tc>
-                  <a:txBody>
-                    <a:bodyPr/>
-                    <a:lstStyle/>
-                    <a:p>
-                      <a:pPr algn="l" fontAlgn="t"/>
-                      <a:r>
-                        <a:rPr lang="en-US" sz="3100" u="none" strike="noStrike">
-                          <a:effectLst/>
-                        </a:rPr>
-                        <a:t>%*%</a:t>
-                      </a:r>
-                      <a:endParaRPr lang="en-US" sz="3100" b="0" i="0" u="none" strike="noStrike">
-                        <a:solidFill>
-                          <a:srgbClr val="000000"/>
-                        </a:solidFill>
-                        <a:effectLst/>
-                        <a:latin typeface="Verdana" panose="020B0604030504040204" pitchFamily="34" charset="0"/>
-                      </a:endParaRPr>
-                    </a:p>
-                  </a:txBody>
-                  <a:tcPr marL="245364" marR="27263" marT="27263" marB="0"/>
-                </a:tc>
-                <a:tc>
-                  <a:txBody>
-                    <a:bodyPr/>
-                    <a:lstStyle/>
-                    <a:p>
-                      <a:pPr algn="l" fontAlgn="t"/>
-                      <a:r>
-                        <a:rPr lang="en-US" sz="3100" u="none" strike="noStrike">
-                          <a:effectLst/>
-                        </a:rPr>
-                        <a:t>Matrix Multiplication</a:t>
-                      </a:r>
-                      <a:endParaRPr lang="en-US" sz="3100" b="0" i="0" u="none" strike="noStrike">
-                        <a:solidFill>
-                          <a:srgbClr val="000000"/>
-                        </a:solidFill>
-                        <a:effectLst/>
-                        <a:latin typeface="Verdana" panose="020B0604030504040204" pitchFamily="34" charset="0"/>
-                      </a:endParaRPr>
-                    </a:p>
-                  </a:txBody>
-                  <a:tcPr marL="27263" marR="27263" marT="218101" marB="218101"/>
-                </a:tc>
-                <a:tc>
-                  <a:txBody>
-                    <a:bodyPr/>
-                    <a:lstStyle/>
-                    <a:p>
-                      <a:pPr algn="l" fontAlgn="t"/>
-                      <a:r>
-                        <a:rPr lang="en-US" sz="3100" u="none" strike="noStrike">
-                          <a:effectLst/>
-                        </a:rPr>
-                        <a:t>x &lt;- Matrix1 %*% Matrix2</a:t>
-                      </a:r>
-                      <a:endParaRPr lang="en-US" sz="3100" b="0" i="0" u="none" strike="noStrike">
-                        <a:solidFill>
-                          <a:srgbClr val="000000"/>
-                        </a:solidFill>
-                        <a:effectLst/>
-                        <a:latin typeface="Verdana" panose="020B0604030504040204" pitchFamily="34" charset="0"/>
-                      </a:endParaRPr>
-                    </a:p>
-                  </a:txBody>
-                  <a:tcPr marL="27263" marR="27263" marT="218101" marB="218101"/>
-                </a:tc>
-                <a:extLst>
-                  <a:ext uri="{0D108BD9-81ED-4DB2-BD59-A6C34878D82A}">
-                    <a16:rowId xmlns:a16="http://schemas.microsoft.com/office/drawing/2014/main" val="4202967573"/>
-                  </a:ext>
-                </a:extLst>
-              </a:tr>
-            </a:tbl>
-          </a:graphicData>
-        </a:graphic>
-      </p:graphicFrame>
-    </p:spTree>
-    <p:extLst>
-      <p:ext uri="{BB962C8B-B14F-4D97-AF65-F5344CB8AC3E}">
-        <p14:creationId xmlns:p14="http://schemas.microsoft.com/office/powerpoint/2010/main" val="568072646"/>
-      </p:ext>
-    </p:extLst>
-  </p:cSld>
-  <p:clrMapOvr>
-    <a:masterClrMapping/>
-  </p:clrMapOvr>
-</p:sld>
-</file>
-
 <file path=ppt/theme/theme1.xml><?xml version="1.0" encoding="utf-8"?>
 <a:theme xmlns:a="http://schemas.openxmlformats.org/drawingml/2006/main" name="Office Theme">
   <a:themeElements>

--- a/plots.pptx
+++ b/plots.pptx
@@ -140,7 +140,7 @@
   <pc:docChgLst>
     <pc:chgData name="Sehgal, Vinit" userId="ef721694-8436-4df6-8b9b-be9691359d6c" providerId="ADAL" clId="{26AAD9E8-4C42-4DE7-94A5-14A70A065374}"/>
     <pc:docChg chg="undo redo custSel addSld modSld">
-      <pc:chgData name="Sehgal, Vinit" userId="ef721694-8436-4df6-8b9b-be9691359d6c" providerId="ADAL" clId="{26AAD9E8-4C42-4DE7-94A5-14A70A065374}" dt="2024-02-27T23:13:18.611" v="4700" actId="21"/>
+      <pc:chgData name="Sehgal, Vinit" userId="ef721694-8436-4df6-8b9b-be9691359d6c" providerId="ADAL" clId="{26AAD9E8-4C42-4DE7-94A5-14A70A065374}" dt="2024-02-28T14:47:21.999" v="4868"/>
       <pc:docMkLst>
         <pc:docMk/>
       </pc:docMkLst>
@@ -2490,13 +2490,13 @@
         </pc:cxnChg>
       </pc:sldChg>
       <pc:sldChg chg="delSp modSp add mod">
-        <pc:chgData name="Sehgal, Vinit" userId="ef721694-8436-4df6-8b9b-be9691359d6c" providerId="ADAL" clId="{26AAD9E8-4C42-4DE7-94A5-14A70A065374}" dt="2024-02-27T23:13:18.611" v="4700" actId="21"/>
+        <pc:chgData name="Sehgal, Vinit" userId="ef721694-8436-4df6-8b9b-be9691359d6c" providerId="ADAL" clId="{26AAD9E8-4C42-4DE7-94A5-14A70A065374}" dt="2024-02-28T14:47:21.999" v="4868"/>
         <pc:sldMkLst>
           <pc:docMk/>
           <pc:sldMk cId="1029037540" sldId="271"/>
         </pc:sldMkLst>
         <pc:spChg chg="mod">
-          <ac:chgData name="Sehgal, Vinit" userId="ef721694-8436-4df6-8b9b-be9691359d6c" providerId="ADAL" clId="{26AAD9E8-4C42-4DE7-94A5-14A70A065374}" dt="2024-02-27T23:12:50.774" v="4698" actId="20577"/>
+          <ac:chgData name="Sehgal, Vinit" userId="ef721694-8436-4df6-8b9b-be9691359d6c" providerId="ADAL" clId="{26AAD9E8-4C42-4DE7-94A5-14A70A065374}" dt="2024-02-28T14:47:21.999" v="4868"/>
           <ac:spMkLst>
             <pc:docMk/>
             <pc:sldMk cId="1029037540" sldId="271"/>
@@ -2664,7 +2664,7 @@
           <a:p>
             <a:fld id="{BE439EB3-F077-416F-BE9D-E5A16F54A2DF}" type="datetimeFigureOut">
               <a:rPr lang="en-US" smtClean="0"/>
-              <a:t>2/27/2024</a:t>
+              <a:t>2/28/2024</a:t>
             </a:fld>
             <a:endParaRPr lang="en-US" dirty="0"/>
           </a:p>
@@ -2862,7 +2862,7 @@
           <a:p>
             <a:fld id="{BE439EB3-F077-416F-BE9D-E5A16F54A2DF}" type="datetimeFigureOut">
               <a:rPr lang="en-US" smtClean="0"/>
-              <a:t>2/27/2024</a:t>
+              <a:t>2/28/2024</a:t>
             </a:fld>
             <a:endParaRPr lang="en-US" dirty="0"/>
           </a:p>
@@ -3070,7 +3070,7 @@
           <a:p>
             <a:fld id="{BE439EB3-F077-416F-BE9D-E5A16F54A2DF}" type="datetimeFigureOut">
               <a:rPr lang="en-US" smtClean="0"/>
-              <a:t>2/27/2024</a:t>
+              <a:t>2/28/2024</a:t>
             </a:fld>
             <a:endParaRPr lang="en-US" dirty="0"/>
           </a:p>
@@ -3268,7 +3268,7 @@
           <a:p>
             <a:fld id="{BE439EB3-F077-416F-BE9D-E5A16F54A2DF}" type="datetimeFigureOut">
               <a:rPr lang="en-US" smtClean="0"/>
-              <a:t>2/27/2024</a:t>
+              <a:t>2/28/2024</a:t>
             </a:fld>
             <a:endParaRPr lang="en-US" dirty="0"/>
           </a:p>
@@ -3543,7 +3543,7 @@
           <a:p>
             <a:fld id="{BE439EB3-F077-416F-BE9D-E5A16F54A2DF}" type="datetimeFigureOut">
               <a:rPr lang="en-US" smtClean="0"/>
-              <a:t>2/27/2024</a:t>
+              <a:t>2/28/2024</a:t>
             </a:fld>
             <a:endParaRPr lang="en-US" dirty="0"/>
           </a:p>
@@ -3808,7 +3808,7 @@
           <a:p>
             <a:fld id="{BE439EB3-F077-416F-BE9D-E5A16F54A2DF}" type="datetimeFigureOut">
               <a:rPr lang="en-US" smtClean="0"/>
-              <a:t>2/27/2024</a:t>
+              <a:t>2/28/2024</a:t>
             </a:fld>
             <a:endParaRPr lang="en-US" dirty="0"/>
           </a:p>
@@ -4220,7 +4220,7 @@
           <a:p>
             <a:fld id="{BE439EB3-F077-416F-BE9D-E5A16F54A2DF}" type="datetimeFigureOut">
               <a:rPr lang="en-US" smtClean="0"/>
-              <a:t>2/27/2024</a:t>
+              <a:t>2/28/2024</a:t>
             </a:fld>
             <a:endParaRPr lang="en-US" dirty="0"/>
           </a:p>
@@ -4361,7 +4361,7 @@
           <a:p>
             <a:fld id="{BE439EB3-F077-416F-BE9D-E5A16F54A2DF}" type="datetimeFigureOut">
               <a:rPr lang="en-US" smtClean="0"/>
-              <a:t>2/27/2024</a:t>
+              <a:t>2/28/2024</a:t>
             </a:fld>
             <a:endParaRPr lang="en-US" dirty="0"/>
           </a:p>
@@ -4474,7 +4474,7 @@
           <a:p>
             <a:fld id="{BE439EB3-F077-416F-BE9D-E5A16F54A2DF}" type="datetimeFigureOut">
               <a:rPr lang="en-US" smtClean="0"/>
-              <a:t>2/27/2024</a:t>
+              <a:t>2/28/2024</a:t>
             </a:fld>
             <a:endParaRPr lang="en-US" dirty="0"/>
           </a:p>
@@ -4785,7 +4785,7 @@
           <a:p>
             <a:fld id="{BE439EB3-F077-416F-BE9D-E5A16F54A2DF}" type="datetimeFigureOut">
               <a:rPr lang="en-US" smtClean="0"/>
-              <a:t>2/27/2024</a:t>
+              <a:t>2/28/2024</a:t>
             </a:fld>
             <a:endParaRPr lang="en-US" dirty="0"/>
           </a:p>
@@ -5073,7 +5073,7 @@
           <a:p>
             <a:fld id="{BE439EB3-F077-416F-BE9D-E5A16F54A2DF}" type="datetimeFigureOut">
               <a:rPr lang="en-US" smtClean="0"/>
-              <a:t>2/27/2024</a:t>
+              <a:t>2/28/2024</a:t>
             </a:fld>
             <a:endParaRPr lang="en-US" dirty="0"/>
           </a:p>
@@ -5314,7 +5314,7 @@
           <a:p>
             <a:fld id="{BE439EB3-F077-416F-BE9D-E5A16F54A2DF}" type="datetimeFigureOut">
               <a:rPr lang="en-US" smtClean="0"/>
-              <a:t>2/27/2024</a:t>
+              <a:t>2/28/2024</a:t>
             </a:fld>
             <a:endParaRPr lang="en-US" dirty="0"/>
           </a:p>
@@ -20137,7 +20137,7 @@
         <p:spPr>
           <a:xfrm>
             <a:off x="523783" y="1429305"/>
-            <a:ext cx="8291743" cy="3139321"/>
+            <a:ext cx="8291743" cy="3970318"/>
           </a:xfrm>
           <a:prstGeom prst="rect">
             <a:avLst/>
@@ -20334,6 +20334,75 @@
                 <a:cs typeface="CMU Bright" panose="02000603000000000000" pitchFamily="2" charset="0"/>
               </a:rPr>
               <a:t> layer</a:t>
+            </a:r>
+          </a:p>
+          <a:p>
+            <a:endParaRPr lang="en-US" dirty="0">
+              <a:solidFill>
+                <a:schemeClr val="bg1"/>
+              </a:solidFill>
+              <a:latin typeface="Avenir Next LT Pro" panose="020B0504020202020204" pitchFamily="34" charset="0"/>
+              <a:ea typeface="CMU Bright" panose="02000603000000000000" pitchFamily="2" charset="0"/>
+              <a:cs typeface="CMU Bright" panose="02000603000000000000" pitchFamily="2" charset="0"/>
+            </a:endParaRPr>
+          </a:p>
+          <a:p>
+            <a:r>
+              <a:rPr lang="en-US" dirty="0">
+                <a:solidFill>
+                  <a:schemeClr val="bg1"/>
+                </a:solidFill>
+                <a:latin typeface="Avenir Next LT Pro" panose="020B0504020202020204" pitchFamily="34" charset="0"/>
+                <a:ea typeface="CMU Bright" panose="02000603000000000000" pitchFamily="2" charset="0"/>
+                <a:cs typeface="CMU Bright" panose="02000603000000000000" pitchFamily="2" charset="0"/>
+              </a:rPr>
+              <a:t>terra::crop                                          Cut out raster/vector to the match </a:t>
+            </a:r>
+            <a:r>
+              <a:rPr lang="en-US" b="1" i="1" dirty="0">
+                <a:solidFill>
+                  <a:schemeClr val="bg1"/>
+                </a:solidFill>
+                <a:latin typeface="Avenir Next LT Pro" panose="020B0504020202020204" pitchFamily="34" charset="0"/>
+                <a:ea typeface="CMU Bright" panose="02000603000000000000" pitchFamily="2" charset="0"/>
+                <a:cs typeface="CMU Bright" panose="02000603000000000000" pitchFamily="2" charset="0"/>
+              </a:rPr>
+              <a:t>extent</a:t>
+            </a:r>
+          </a:p>
+          <a:p>
+            <a:r>
+              <a:rPr lang="en-US" dirty="0">
+                <a:solidFill>
+                  <a:schemeClr val="bg1"/>
+                </a:solidFill>
+                <a:latin typeface="Avenir Next LT Pro" panose="020B0504020202020204" pitchFamily="34" charset="0"/>
+                <a:ea typeface="CMU Bright" panose="02000603000000000000" pitchFamily="2" charset="0"/>
+                <a:cs typeface="CMU Bright" panose="02000603000000000000" pitchFamily="2" charset="0"/>
+              </a:rPr>
+              <a:t>terra::mask                                         Cut out raster/vector to </a:t>
+            </a:r>
+            <a:r>
+              <a:rPr lang="en-US">
+                <a:solidFill>
+                  <a:schemeClr val="bg1"/>
+                </a:solidFill>
+                <a:latin typeface="Avenir Next LT Pro" panose="020B0504020202020204" pitchFamily="34" charset="0"/>
+                <a:ea typeface="CMU Bright" panose="02000603000000000000" pitchFamily="2" charset="0"/>
+                <a:cs typeface="CMU Bright" panose="02000603000000000000" pitchFamily="2" charset="0"/>
+              </a:rPr>
+              <a:t>the match </a:t>
+            </a:r>
+            <a:r>
+              <a:rPr lang="en-US" b="1" i="1" dirty="0">
+                <a:solidFill>
+                  <a:schemeClr val="bg1"/>
+                </a:solidFill>
+                <a:latin typeface="Avenir Next LT Pro" panose="020B0504020202020204" pitchFamily="34" charset="0"/>
+                <a:ea typeface="CMU Bright" panose="02000603000000000000" pitchFamily="2" charset="0"/>
+                <a:cs typeface="CMU Bright" panose="02000603000000000000" pitchFamily="2" charset="0"/>
+              </a:rPr>
+              <a:t>shape</a:t>
             </a:r>
           </a:p>
           <a:p>

--- a/plots.pptx
+++ b/plots.pptx
@@ -10,17 +10,19 @@
     <p:sldId id="257" r:id="rId4"/>
     <p:sldId id="266" r:id="rId5"/>
     <p:sldId id="267" r:id="rId6"/>
-    <p:sldId id="271" r:id="rId7"/>
-    <p:sldId id="264" r:id="rId8"/>
-    <p:sldId id="260" r:id="rId9"/>
-    <p:sldId id="261" r:id="rId10"/>
-    <p:sldId id="262" r:id="rId11"/>
-    <p:sldId id="263" r:id="rId12"/>
-    <p:sldId id="265" r:id="rId13"/>
-    <p:sldId id="258" r:id="rId14"/>
-    <p:sldId id="259" r:id="rId15"/>
-    <p:sldId id="268" r:id="rId16"/>
-    <p:sldId id="269" r:id="rId17"/>
+    <p:sldId id="272" r:id="rId7"/>
+    <p:sldId id="273" r:id="rId8"/>
+    <p:sldId id="271" r:id="rId9"/>
+    <p:sldId id="264" r:id="rId10"/>
+    <p:sldId id="260" r:id="rId11"/>
+    <p:sldId id="261" r:id="rId12"/>
+    <p:sldId id="262" r:id="rId13"/>
+    <p:sldId id="263" r:id="rId14"/>
+    <p:sldId id="265" r:id="rId15"/>
+    <p:sldId id="258" r:id="rId16"/>
+    <p:sldId id="259" r:id="rId17"/>
+    <p:sldId id="268" r:id="rId18"/>
+    <p:sldId id="269" r:id="rId19"/>
   </p:sldIdLst>
   <p:sldSz cx="12192000" cy="6858000"/>
   <p:notesSz cx="6858000" cy="9144000"/>
@@ -130,7 +132,7 @@
 <file path=ppt/revisionInfo.xml><?xml version="1.0" encoding="utf-8"?>
 <p1510:revInfo xmlns:a="http://schemas.openxmlformats.org/drawingml/2006/main" xmlns:r="http://schemas.openxmlformats.org/officeDocument/2006/relationships" xmlns:p1510="http://schemas.microsoft.com/office/powerpoint/2015/10/main">
   <p1510:revLst>
-    <p1510:client id="{26AAD9E8-4C42-4DE7-94A5-14A70A065374}" v="711" dt="2024-02-27T23:13:16.806"/>
+    <p1510:client id="{26AAD9E8-4C42-4DE7-94A5-14A70A065374}" v="728" dt="2024-02-29T12:53:58.804"/>
   </p1510:revLst>
 </p1510:revInfo>
 </file>
@@ -140,7 +142,7 @@
   <pc:docChgLst>
     <pc:chgData name="Sehgal, Vinit" userId="ef721694-8436-4df6-8b9b-be9691359d6c" providerId="ADAL" clId="{26AAD9E8-4C42-4DE7-94A5-14A70A065374}"/>
     <pc:docChg chg="undo redo custSel addSld modSld">
-      <pc:chgData name="Sehgal, Vinit" userId="ef721694-8436-4df6-8b9b-be9691359d6c" providerId="ADAL" clId="{26AAD9E8-4C42-4DE7-94A5-14A70A065374}" dt="2024-02-28T14:47:21.999" v="4868"/>
+      <pc:chgData name="Sehgal, Vinit" userId="ef721694-8436-4df6-8b9b-be9691359d6c" providerId="ADAL" clId="{26AAD9E8-4C42-4DE7-94A5-14A70A065374}" dt="2024-02-29T12:55:59.258" v="5026"/>
       <pc:docMkLst>
         <pc:docMk/>
       </pc:docMkLst>
@@ -2509,6 +2511,212 @@
             <pc:docMk/>
             <pc:sldMk cId="1029037540" sldId="271"/>
             <ac:picMk id="2" creationId="{D21022E1-E714-1EF2-38C1-8AD54D1D23A8}"/>
+          </ac:picMkLst>
+        </pc:picChg>
+      </pc:sldChg>
+      <pc:sldChg chg="addSp delSp modSp new mod setBg">
+        <pc:chgData name="Sehgal, Vinit" userId="ef721694-8436-4df6-8b9b-be9691359d6c" providerId="ADAL" clId="{26AAD9E8-4C42-4DE7-94A5-14A70A065374}" dt="2024-02-29T12:25:32.245" v="5023" actId="1076"/>
+        <pc:sldMkLst>
+          <pc:docMk/>
+          <pc:sldMk cId="1777775388" sldId="272"/>
+        </pc:sldMkLst>
+        <pc:spChg chg="del">
+          <ac:chgData name="Sehgal, Vinit" userId="ef721694-8436-4df6-8b9b-be9691359d6c" providerId="ADAL" clId="{26AAD9E8-4C42-4DE7-94A5-14A70A065374}" dt="2024-02-29T12:22:32.887" v="4870" actId="478"/>
+          <ac:spMkLst>
+            <pc:docMk/>
+            <pc:sldMk cId="1777775388" sldId="272"/>
+            <ac:spMk id="2" creationId="{B29EA4D5-4486-31E0-3D52-7F762D1C0046}"/>
+          </ac:spMkLst>
+        </pc:spChg>
+        <pc:spChg chg="del">
+          <ac:chgData name="Sehgal, Vinit" userId="ef721694-8436-4df6-8b9b-be9691359d6c" providerId="ADAL" clId="{26AAD9E8-4C42-4DE7-94A5-14A70A065374}" dt="2024-02-29T12:22:32.887" v="4870" actId="478"/>
+          <ac:spMkLst>
+            <pc:docMk/>
+            <pc:sldMk cId="1777775388" sldId="272"/>
+            <ac:spMk id="3" creationId="{159EC69D-AD0D-16E6-63E0-25BA1DB0FB73}"/>
+          </ac:spMkLst>
+        </pc:spChg>
+        <pc:spChg chg="add mod">
+          <ac:chgData name="Sehgal, Vinit" userId="ef721694-8436-4df6-8b9b-be9691359d6c" providerId="ADAL" clId="{26AAD9E8-4C42-4DE7-94A5-14A70A065374}" dt="2024-02-29T12:23:49.379" v="4902" actId="1076"/>
+          <ac:spMkLst>
+            <pc:docMk/>
+            <pc:sldMk cId="1777775388" sldId="272"/>
+            <ac:spMk id="5" creationId="{50DCD57E-EC1A-2BFE-73F4-AB09D902E6A6}"/>
+          </ac:spMkLst>
+        </pc:spChg>
+        <pc:spChg chg="add mod">
+          <ac:chgData name="Sehgal, Vinit" userId="ef721694-8436-4df6-8b9b-be9691359d6c" providerId="ADAL" clId="{26AAD9E8-4C42-4DE7-94A5-14A70A065374}" dt="2024-02-29T12:23:56.341" v="4907" actId="20577"/>
+          <ac:spMkLst>
+            <pc:docMk/>
+            <pc:sldMk cId="1777775388" sldId="272"/>
+            <ac:spMk id="6" creationId="{38FB4390-5D31-C63E-D77B-942928D7B97B}"/>
+          </ac:spMkLst>
+        </pc:spChg>
+        <pc:spChg chg="add mod">
+          <ac:chgData name="Sehgal, Vinit" userId="ef721694-8436-4df6-8b9b-be9691359d6c" providerId="ADAL" clId="{26AAD9E8-4C42-4DE7-94A5-14A70A065374}" dt="2024-02-29T12:24:20.700" v="4941" actId="20577"/>
+          <ac:spMkLst>
+            <pc:docMk/>
+            <pc:sldMk cId="1777775388" sldId="272"/>
+            <ac:spMk id="7" creationId="{B5C7B165-C6B3-8855-6C66-56CAE7D886B1}"/>
+          </ac:spMkLst>
+        </pc:spChg>
+        <pc:spChg chg="add mod">
+          <ac:chgData name="Sehgal, Vinit" userId="ef721694-8436-4df6-8b9b-be9691359d6c" providerId="ADAL" clId="{26AAD9E8-4C42-4DE7-94A5-14A70A065374}" dt="2024-02-29T12:24:31.388" v="4951" actId="20577"/>
+          <ac:spMkLst>
+            <pc:docMk/>
+            <pc:sldMk cId="1777775388" sldId="272"/>
+            <ac:spMk id="8" creationId="{ABBA5D5D-B473-C632-5F55-82CFD1DC8011}"/>
+          </ac:spMkLst>
+        </pc:spChg>
+        <pc:spChg chg="add mod">
+          <ac:chgData name="Sehgal, Vinit" userId="ef721694-8436-4df6-8b9b-be9691359d6c" providerId="ADAL" clId="{26AAD9E8-4C42-4DE7-94A5-14A70A065374}" dt="2024-02-29T12:24:43.106" v="4955" actId="20577"/>
+          <ac:spMkLst>
+            <pc:docMk/>
+            <pc:sldMk cId="1777775388" sldId="272"/>
+            <ac:spMk id="9" creationId="{00BE221C-41D0-B073-890C-5CDA2467EE6A}"/>
+          </ac:spMkLst>
+        </pc:spChg>
+        <pc:spChg chg="add mod">
+          <ac:chgData name="Sehgal, Vinit" userId="ef721694-8436-4df6-8b9b-be9691359d6c" providerId="ADAL" clId="{26AAD9E8-4C42-4DE7-94A5-14A70A065374}" dt="2024-02-29T12:25:32.245" v="5023" actId="1076"/>
+          <ac:spMkLst>
+            <pc:docMk/>
+            <pc:sldMk cId="1777775388" sldId="272"/>
+            <ac:spMk id="10" creationId="{0DE8C7D2-CAE8-7913-752B-4DFA58EC1849}"/>
+          </ac:spMkLst>
+        </pc:spChg>
+        <pc:spChg chg="add del">
+          <ac:chgData name="Sehgal, Vinit" userId="ef721694-8436-4df6-8b9b-be9691359d6c" providerId="ADAL" clId="{26AAD9E8-4C42-4DE7-94A5-14A70A065374}" dt="2024-02-29T12:22:52.887" v="4878" actId="26606"/>
+          <ac:spMkLst>
+            <pc:docMk/>
+            <pc:sldMk cId="1777775388" sldId="272"/>
+            <ac:spMk id="1028" creationId="{7AA67C3D-6D28-4C64-81F8-295FC9396EB6}"/>
+          </ac:spMkLst>
+        </pc:spChg>
+        <pc:spChg chg="add del">
+          <ac:chgData name="Sehgal, Vinit" userId="ef721694-8436-4df6-8b9b-be9691359d6c" providerId="ADAL" clId="{26AAD9E8-4C42-4DE7-94A5-14A70A065374}" dt="2024-02-29T12:22:52.887" v="4878" actId="26606"/>
+          <ac:spMkLst>
+            <pc:docMk/>
+            <pc:sldMk cId="1777775388" sldId="272"/>
+            <ac:spMk id="1029" creationId="{8DBEAE55-3EA1-41D7-A212-5F7D8986C1F2}"/>
+          </ac:spMkLst>
+        </pc:spChg>
+        <pc:spChg chg="add del">
+          <ac:chgData name="Sehgal, Vinit" userId="ef721694-8436-4df6-8b9b-be9691359d6c" providerId="ADAL" clId="{26AAD9E8-4C42-4DE7-94A5-14A70A065374}" dt="2024-02-29T12:22:52.887" v="4878" actId="26606"/>
+          <ac:spMkLst>
+            <pc:docMk/>
+            <pc:sldMk cId="1777775388" sldId="272"/>
+            <ac:spMk id="1030" creationId="{CFC5F0E7-644F-4101-BE72-12825CF537E7}"/>
+          </ac:spMkLst>
+        </pc:spChg>
+        <pc:spChg chg="add del">
+          <ac:chgData name="Sehgal, Vinit" userId="ef721694-8436-4df6-8b9b-be9691359d6c" providerId="ADAL" clId="{26AAD9E8-4C42-4DE7-94A5-14A70A065374}" dt="2024-02-29T12:22:37.012" v="4873" actId="26606"/>
+          <ac:spMkLst>
+            <pc:docMk/>
+            <pc:sldMk cId="1777775388" sldId="272"/>
+            <ac:spMk id="1031" creationId="{F3060C83-F051-4F0E-ABAD-AA0DFC48B218}"/>
+          </ac:spMkLst>
+        </pc:spChg>
+        <pc:spChg chg="add del">
+          <ac:chgData name="Sehgal, Vinit" userId="ef721694-8436-4df6-8b9b-be9691359d6c" providerId="ADAL" clId="{26AAD9E8-4C42-4DE7-94A5-14A70A065374}" dt="2024-02-29T12:22:52.887" v="4878" actId="26606"/>
+          <ac:spMkLst>
+            <pc:docMk/>
+            <pc:sldMk cId="1777775388" sldId="272"/>
+            <ac:spMk id="1032" creationId="{74283919-7E00-4FC2-BFC9-3F56E58808F7}"/>
+          </ac:spMkLst>
+        </pc:spChg>
+        <pc:spChg chg="add del">
+          <ac:chgData name="Sehgal, Vinit" userId="ef721694-8436-4df6-8b9b-be9691359d6c" providerId="ADAL" clId="{26AAD9E8-4C42-4DE7-94A5-14A70A065374}" dt="2024-02-29T12:22:37.012" v="4873" actId="26606"/>
+          <ac:spMkLst>
+            <pc:docMk/>
+            <pc:sldMk cId="1777775388" sldId="272"/>
+            <ac:spMk id="1033" creationId="{83C98ABE-055B-441F-B07E-44F97F083C39}"/>
+          </ac:spMkLst>
+        </pc:spChg>
+        <pc:spChg chg="add del">
+          <ac:chgData name="Sehgal, Vinit" userId="ef721694-8436-4df6-8b9b-be9691359d6c" providerId="ADAL" clId="{26AAD9E8-4C42-4DE7-94A5-14A70A065374}" dt="2024-02-29T12:22:52.887" v="4878" actId="26606"/>
+          <ac:spMkLst>
+            <pc:docMk/>
+            <pc:sldMk cId="1777775388" sldId="272"/>
+            <ac:spMk id="1034" creationId="{2217FF4A-5EDF-43B7-90EE-BDD9F1E9EAC2}"/>
+          </ac:spMkLst>
+        </pc:spChg>
+        <pc:spChg chg="add del">
+          <ac:chgData name="Sehgal, Vinit" userId="ef721694-8436-4df6-8b9b-be9691359d6c" providerId="ADAL" clId="{26AAD9E8-4C42-4DE7-94A5-14A70A065374}" dt="2024-02-29T12:22:37.012" v="4873" actId="26606"/>
+          <ac:spMkLst>
+            <pc:docMk/>
+            <pc:sldMk cId="1777775388" sldId="272"/>
+            <ac:spMk id="1035" creationId="{29FDB030-9B49-4CED-8CCD-4D99382388AC}"/>
+          </ac:spMkLst>
+        </pc:spChg>
+        <pc:spChg chg="add del">
+          <ac:chgData name="Sehgal, Vinit" userId="ef721694-8436-4df6-8b9b-be9691359d6c" providerId="ADAL" clId="{26AAD9E8-4C42-4DE7-94A5-14A70A065374}" dt="2024-02-29T12:22:37.012" v="4873" actId="26606"/>
+          <ac:spMkLst>
+            <pc:docMk/>
+            <pc:sldMk cId="1777775388" sldId="272"/>
+            <ac:spMk id="1037" creationId="{3783CA14-24A1-485C-8B30-D6A5D87987AD}"/>
+          </ac:spMkLst>
+        </pc:spChg>
+        <pc:spChg chg="add del">
+          <ac:chgData name="Sehgal, Vinit" userId="ef721694-8436-4df6-8b9b-be9691359d6c" providerId="ADAL" clId="{26AAD9E8-4C42-4DE7-94A5-14A70A065374}" dt="2024-02-29T12:22:37.012" v="4873" actId="26606"/>
+          <ac:spMkLst>
+            <pc:docMk/>
+            <pc:sldMk cId="1777775388" sldId="272"/>
+            <ac:spMk id="1039" creationId="{9A97C86A-04D6-40F7-AE84-31AB43E6A846}"/>
+          </ac:spMkLst>
+        </pc:spChg>
+        <pc:spChg chg="add del">
+          <ac:chgData name="Sehgal, Vinit" userId="ef721694-8436-4df6-8b9b-be9691359d6c" providerId="ADAL" clId="{26AAD9E8-4C42-4DE7-94A5-14A70A065374}" dt="2024-02-29T12:22:37.012" v="4873" actId="26606"/>
+          <ac:spMkLst>
+            <pc:docMk/>
+            <pc:sldMk cId="1777775388" sldId="272"/>
+            <ac:spMk id="1041" creationId="{FF9F2414-84E8-453E-B1F3-389FDE8192D9}"/>
+          </ac:spMkLst>
+        </pc:spChg>
+        <pc:spChg chg="add del">
+          <ac:chgData name="Sehgal, Vinit" userId="ef721694-8436-4df6-8b9b-be9691359d6c" providerId="ADAL" clId="{26AAD9E8-4C42-4DE7-94A5-14A70A065374}" dt="2024-02-29T12:22:37.012" v="4873" actId="26606"/>
+          <ac:spMkLst>
+            <pc:docMk/>
+            <pc:sldMk cId="1777775388" sldId="272"/>
+            <ac:spMk id="1043" creationId="{3ECA69A1-7536-43AC-85EF-C7106179F5ED}"/>
+          </ac:spMkLst>
+        </pc:spChg>
+        <pc:picChg chg="add mod">
+          <ac:chgData name="Sehgal, Vinit" userId="ef721694-8436-4df6-8b9b-be9691359d6c" providerId="ADAL" clId="{26AAD9E8-4C42-4DE7-94A5-14A70A065374}" dt="2024-02-29T12:23:10.229" v="4883" actId="14100"/>
+          <ac:picMkLst>
+            <pc:docMk/>
+            <pc:sldMk cId="1777775388" sldId="272"/>
+            <ac:picMk id="4" creationId="{6B380357-F734-1DA0-B31F-0BE402AFAEA9}"/>
+          </ac:picMkLst>
+        </pc:picChg>
+        <pc:picChg chg="add mod">
+          <ac:chgData name="Sehgal, Vinit" userId="ef721694-8436-4df6-8b9b-be9691359d6c" providerId="ADAL" clId="{26AAD9E8-4C42-4DE7-94A5-14A70A065374}" dt="2024-02-29T12:23:15.272" v="4884" actId="732"/>
+          <ac:picMkLst>
+            <pc:docMk/>
+            <pc:sldMk cId="1777775388" sldId="272"/>
+            <ac:picMk id="1026" creationId="{B9B3B012-2ADB-7F9B-CBBC-9246AE9222FC}"/>
+          </ac:picMkLst>
+        </pc:picChg>
+      </pc:sldChg>
+      <pc:sldChg chg="addSp modSp new mod">
+        <pc:chgData name="Sehgal, Vinit" userId="ef721694-8436-4df6-8b9b-be9691359d6c" providerId="ADAL" clId="{26AAD9E8-4C42-4DE7-94A5-14A70A065374}" dt="2024-02-29T12:55:59.258" v="5026"/>
+        <pc:sldMkLst>
+          <pc:docMk/>
+          <pc:sldMk cId="2646407017" sldId="273"/>
+        </pc:sldMkLst>
+        <pc:spChg chg="mod">
+          <ac:chgData name="Sehgal, Vinit" userId="ef721694-8436-4df6-8b9b-be9691359d6c" providerId="ADAL" clId="{26AAD9E8-4C42-4DE7-94A5-14A70A065374}" dt="2024-02-29T12:55:59.258" v="5026"/>
+          <ac:spMkLst>
+            <pc:docMk/>
+            <pc:sldMk cId="2646407017" sldId="273"/>
+            <ac:spMk id="2" creationId="{6044F1F2-128D-B6AC-5B24-6EF2980A6695}"/>
+          </ac:spMkLst>
+        </pc:spChg>
+        <pc:picChg chg="add">
+          <ac:chgData name="Sehgal, Vinit" userId="ef721694-8436-4df6-8b9b-be9691359d6c" providerId="ADAL" clId="{26AAD9E8-4C42-4DE7-94A5-14A70A065374}" dt="2024-02-29T12:53:58.804" v="5025"/>
+          <ac:picMkLst>
+            <pc:docMk/>
+            <pc:sldMk cId="2646407017" sldId="273"/>
+            <ac:picMk id="1026" creationId="{956A9CEE-81CE-329D-23D5-3CD328E3239C}"/>
           </ac:picMkLst>
         </pc:picChg>
       </pc:sldChg>
@@ -2664,7 +2872,7 @@
           <a:p>
             <a:fld id="{BE439EB3-F077-416F-BE9D-E5A16F54A2DF}" type="datetimeFigureOut">
               <a:rPr lang="en-US" smtClean="0"/>
-              <a:t>2/28/2024</a:t>
+              <a:t>2/29/2024</a:t>
             </a:fld>
             <a:endParaRPr lang="en-US" dirty="0"/>
           </a:p>
@@ -2862,7 +3070,7 @@
           <a:p>
             <a:fld id="{BE439EB3-F077-416F-BE9D-E5A16F54A2DF}" type="datetimeFigureOut">
               <a:rPr lang="en-US" smtClean="0"/>
-              <a:t>2/28/2024</a:t>
+              <a:t>2/29/2024</a:t>
             </a:fld>
             <a:endParaRPr lang="en-US" dirty="0"/>
           </a:p>
@@ -3070,7 +3278,7 @@
           <a:p>
             <a:fld id="{BE439EB3-F077-416F-BE9D-E5A16F54A2DF}" type="datetimeFigureOut">
               <a:rPr lang="en-US" smtClean="0"/>
-              <a:t>2/28/2024</a:t>
+              <a:t>2/29/2024</a:t>
             </a:fld>
             <a:endParaRPr lang="en-US" dirty="0"/>
           </a:p>
@@ -3268,7 +3476,7 @@
           <a:p>
             <a:fld id="{BE439EB3-F077-416F-BE9D-E5A16F54A2DF}" type="datetimeFigureOut">
               <a:rPr lang="en-US" smtClean="0"/>
-              <a:t>2/28/2024</a:t>
+              <a:t>2/29/2024</a:t>
             </a:fld>
             <a:endParaRPr lang="en-US" dirty="0"/>
           </a:p>
@@ -3543,7 +3751,7 @@
           <a:p>
             <a:fld id="{BE439EB3-F077-416F-BE9D-E5A16F54A2DF}" type="datetimeFigureOut">
               <a:rPr lang="en-US" smtClean="0"/>
-              <a:t>2/28/2024</a:t>
+              <a:t>2/29/2024</a:t>
             </a:fld>
             <a:endParaRPr lang="en-US" dirty="0"/>
           </a:p>
@@ -3808,7 +4016,7 @@
           <a:p>
             <a:fld id="{BE439EB3-F077-416F-BE9D-E5A16F54A2DF}" type="datetimeFigureOut">
               <a:rPr lang="en-US" smtClean="0"/>
-              <a:t>2/28/2024</a:t>
+              <a:t>2/29/2024</a:t>
             </a:fld>
             <a:endParaRPr lang="en-US" dirty="0"/>
           </a:p>
@@ -4220,7 +4428,7 @@
           <a:p>
             <a:fld id="{BE439EB3-F077-416F-BE9D-E5A16F54A2DF}" type="datetimeFigureOut">
               <a:rPr lang="en-US" smtClean="0"/>
-              <a:t>2/28/2024</a:t>
+              <a:t>2/29/2024</a:t>
             </a:fld>
             <a:endParaRPr lang="en-US" dirty="0"/>
           </a:p>
@@ -4361,7 +4569,7 @@
           <a:p>
             <a:fld id="{BE439EB3-F077-416F-BE9D-E5A16F54A2DF}" type="datetimeFigureOut">
               <a:rPr lang="en-US" smtClean="0"/>
-              <a:t>2/28/2024</a:t>
+              <a:t>2/29/2024</a:t>
             </a:fld>
             <a:endParaRPr lang="en-US" dirty="0"/>
           </a:p>
@@ -4474,7 +4682,7 @@
           <a:p>
             <a:fld id="{BE439EB3-F077-416F-BE9D-E5A16F54A2DF}" type="datetimeFigureOut">
               <a:rPr lang="en-US" smtClean="0"/>
-              <a:t>2/28/2024</a:t>
+              <a:t>2/29/2024</a:t>
             </a:fld>
             <a:endParaRPr lang="en-US" dirty="0"/>
           </a:p>
@@ -4785,7 +4993,7 @@
           <a:p>
             <a:fld id="{BE439EB3-F077-416F-BE9D-E5A16F54A2DF}" type="datetimeFigureOut">
               <a:rPr lang="en-US" smtClean="0"/>
-              <a:t>2/28/2024</a:t>
+              <a:t>2/29/2024</a:t>
             </a:fld>
             <a:endParaRPr lang="en-US" dirty="0"/>
           </a:p>
@@ -5073,7 +5281,7 @@
           <a:p>
             <a:fld id="{BE439EB3-F077-416F-BE9D-E5A16F54A2DF}" type="datetimeFigureOut">
               <a:rPr lang="en-US" smtClean="0"/>
-              <a:t>2/28/2024</a:t>
+              <a:t>2/29/2024</a:t>
             </a:fld>
             <a:endParaRPr lang="en-US" dirty="0"/>
           </a:p>
@@ -5314,7 +5522,7 @@
           <a:p>
             <a:fld id="{BE439EB3-F077-416F-BE9D-E5A16F54A2DF}" type="datetimeFigureOut">
               <a:rPr lang="en-US" smtClean="0"/>
-              <a:t>2/28/2024</a:t>
+              <a:t>2/29/2024</a:t>
             </a:fld>
             <a:endParaRPr lang="en-US" dirty="0"/>
           </a:p>
@@ -8234,6 +8442,1336 @@
           <p:cNvPr id="4" name="Table 3">
             <a:extLst>
               <a:ext uri="{FF2B5EF4-FFF2-40B4-BE49-F238E27FC236}">
+                <a16:creationId xmlns:a16="http://schemas.microsoft.com/office/drawing/2014/main" id="{36079657-0AD0-07B5-D9D1-34B54CAECE47}"/>
+              </a:ext>
+            </a:extLst>
+          </p:cNvPr>
+          <p:cNvGraphicFramePr>
+            <a:graphicFrameLocks noGrp="1"/>
+          </p:cNvGraphicFramePr>
+          <p:nvPr>
+            <p:extLst>
+              <p:ext uri="{D42A27DB-BD31-4B8C-83A1-F6EECF244321}">
+                <p14:modId xmlns:p14="http://schemas.microsoft.com/office/powerpoint/2010/main" val="2094203613"/>
+              </p:ext>
+            </p:extLst>
+          </p:nvPr>
+        </p:nvGraphicFramePr>
+        <p:xfrm>
+          <a:off x="1458292" y="643466"/>
+          <a:ext cx="9275417" cy="5571070"/>
+        </p:xfrm>
+        <a:graphic>
+          <a:graphicData uri="http://schemas.openxmlformats.org/drawingml/2006/table">
+            <a:tbl>
+              <a:tblPr firstRow="1" bandRow="1">
+                <a:tableStyleId>{5C22544A-7EE6-4342-B048-85BDC9FD1C3A}</a:tableStyleId>
+              </a:tblPr>
+              <a:tblGrid>
+                <a:gridCol w="2256659">
+                  <a:extLst>
+                    <a:ext uri="{9D8B030D-6E8A-4147-A177-3AD203B41FA5}">
+                      <a16:colId xmlns:a16="http://schemas.microsoft.com/office/drawing/2014/main" val="2179890469"/>
+                    </a:ext>
+                  </a:extLst>
+                </a:gridCol>
+                <a:gridCol w="4739442">
+                  <a:extLst>
+                    <a:ext uri="{9D8B030D-6E8A-4147-A177-3AD203B41FA5}">
+                      <a16:colId xmlns:a16="http://schemas.microsoft.com/office/drawing/2014/main" val="2644522850"/>
+                    </a:ext>
+                  </a:extLst>
+                </a:gridCol>
+                <a:gridCol w="2279316">
+                  <a:extLst>
+                    <a:ext uri="{9D8B030D-6E8A-4147-A177-3AD203B41FA5}">
+                      <a16:colId xmlns:a16="http://schemas.microsoft.com/office/drawing/2014/main" val="1167237965"/>
+                    </a:ext>
+                  </a:extLst>
+                </a:gridCol>
+              </a:tblGrid>
+              <a:tr h="425482">
+                <a:tc>
+                  <a:txBody>
+                    <a:bodyPr/>
+                    <a:lstStyle/>
+                    <a:p>
+                      <a:pPr algn="l" fontAlgn="t"/>
+                      <a:r>
+                        <a:rPr lang="en-US" sz="2400" u="none" strike="noStrike" dirty="0">
+                          <a:effectLst/>
+                        </a:rPr>
+                        <a:t>Operator</a:t>
+                      </a:r>
+                      <a:endParaRPr lang="en-US" sz="2400" b="1" i="0" u="none" strike="noStrike" dirty="0">
+                        <a:solidFill>
+                          <a:srgbClr val="000000"/>
+                        </a:solidFill>
+                        <a:effectLst/>
+                        <a:latin typeface="Verdana" panose="020B0604030504040204" pitchFamily="34" charset="0"/>
+                      </a:endParaRPr>
+                    </a:p>
+                  </a:txBody>
+                  <a:tcPr marL="185762" marR="20641" marT="20641" marB="0"/>
+                </a:tc>
+                <a:tc>
+                  <a:txBody>
+                    <a:bodyPr/>
+                    <a:lstStyle/>
+                    <a:p>
+                      <a:pPr algn="l" fontAlgn="t"/>
+                      <a:r>
+                        <a:rPr lang="en-US" sz="2400" u="none" strike="noStrike" dirty="0">
+                          <a:effectLst/>
+                        </a:rPr>
+                        <a:t>Name</a:t>
+                      </a:r>
+                      <a:endParaRPr lang="en-US" sz="2400" b="1" i="0" u="none" strike="noStrike" dirty="0">
+                        <a:solidFill>
+                          <a:srgbClr val="000000"/>
+                        </a:solidFill>
+                        <a:effectLst/>
+                        <a:latin typeface="Verdana" panose="020B0604030504040204" pitchFamily="34" charset="0"/>
+                      </a:endParaRPr>
+                    </a:p>
+                  </a:txBody>
+                  <a:tcPr marL="20641" marR="20641" marT="20641" marB="0"/>
+                </a:tc>
+                <a:tc>
+                  <a:txBody>
+                    <a:bodyPr/>
+                    <a:lstStyle/>
+                    <a:p>
+                      <a:pPr algn="l" fontAlgn="t"/>
+                      <a:r>
+                        <a:rPr lang="en-US" sz="2400" u="none" strike="noStrike" dirty="0">
+                          <a:effectLst/>
+                        </a:rPr>
+                        <a:t>Example</a:t>
+                      </a:r>
+                      <a:endParaRPr lang="en-US" sz="2400" b="1" i="0" u="none" strike="noStrike" dirty="0">
+                        <a:solidFill>
+                          <a:srgbClr val="000000"/>
+                        </a:solidFill>
+                        <a:effectLst/>
+                        <a:latin typeface="Verdana" panose="020B0604030504040204" pitchFamily="34" charset="0"/>
+                      </a:endParaRPr>
+                    </a:p>
+                  </a:txBody>
+                  <a:tcPr marL="20641" marR="20641" marT="20641" marB="0"/>
+                </a:tc>
+                <a:extLst>
+                  <a:ext uri="{0D108BD9-81ED-4DB2-BD59-A6C34878D82A}">
+                    <a16:rowId xmlns:a16="http://schemas.microsoft.com/office/drawing/2014/main" val="4036138090"/>
+                  </a:ext>
+                </a:extLst>
+              </a:tr>
+              <a:tr h="735084">
+                <a:tc>
+                  <a:txBody>
+                    <a:bodyPr/>
+                    <a:lstStyle/>
+                    <a:p>
+                      <a:pPr algn="l" fontAlgn="t"/>
+                      <a:r>
+                        <a:rPr lang="en-US" sz="2400" u="none" strike="noStrike">
+                          <a:effectLst/>
+                        </a:rPr>
+                        <a:t>+</a:t>
+                      </a:r>
+                      <a:endParaRPr lang="en-US" sz="2400" b="0" i="0" u="none" strike="noStrike">
+                        <a:solidFill>
+                          <a:srgbClr val="000000"/>
+                        </a:solidFill>
+                        <a:effectLst/>
+                        <a:latin typeface="Verdana" panose="020B0604030504040204" pitchFamily="34" charset="0"/>
+                      </a:endParaRPr>
+                    </a:p>
+                  </a:txBody>
+                  <a:tcPr marL="185762" marR="20641" marT="20641" marB="0"/>
+                </a:tc>
+                <a:tc>
+                  <a:txBody>
+                    <a:bodyPr/>
+                    <a:lstStyle/>
+                    <a:p>
+                      <a:pPr algn="l" fontAlgn="t"/>
+                      <a:r>
+                        <a:rPr lang="en-US" sz="2400" u="none" strike="noStrike">
+                          <a:effectLst/>
+                        </a:rPr>
+                        <a:t>Addition</a:t>
+                      </a:r>
+                      <a:endParaRPr lang="en-US" sz="2400" b="0" i="0" u="none" strike="noStrike">
+                        <a:solidFill>
+                          <a:srgbClr val="000000"/>
+                        </a:solidFill>
+                        <a:effectLst/>
+                        <a:latin typeface="Verdana" panose="020B0604030504040204" pitchFamily="34" charset="0"/>
+                      </a:endParaRPr>
+                    </a:p>
+                  </a:txBody>
+                  <a:tcPr marL="20641" marR="20641" marT="165121" marB="165121"/>
+                </a:tc>
+                <a:tc>
+                  <a:txBody>
+                    <a:bodyPr/>
+                    <a:lstStyle/>
+                    <a:p>
+                      <a:pPr algn="l" fontAlgn="t"/>
+                      <a:r>
+                        <a:rPr lang="en-US" sz="2400" u="none" strike="noStrike" dirty="0">
+                          <a:effectLst/>
+                        </a:rPr>
+                        <a:t>x + y</a:t>
+                      </a:r>
+                      <a:endParaRPr lang="en-US" sz="2400" b="0" i="0" u="none" strike="noStrike" dirty="0">
+                        <a:solidFill>
+                          <a:srgbClr val="000000"/>
+                        </a:solidFill>
+                        <a:effectLst/>
+                        <a:latin typeface="Verdana" panose="020B0604030504040204" pitchFamily="34" charset="0"/>
+                      </a:endParaRPr>
+                    </a:p>
+                  </a:txBody>
+                  <a:tcPr marL="20641" marR="20641" marT="165121" marB="165121"/>
+                </a:tc>
+                <a:extLst>
+                  <a:ext uri="{0D108BD9-81ED-4DB2-BD59-A6C34878D82A}">
+                    <a16:rowId xmlns:a16="http://schemas.microsoft.com/office/drawing/2014/main" val="3571161190"/>
+                  </a:ext>
+                </a:extLst>
+              </a:tr>
+              <a:tr h="735084">
+                <a:tc>
+                  <a:txBody>
+                    <a:bodyPr/>
+                    <a:lstStyle/>
+                    <a:p>
+                      <a:pPr algn="l" fontAlgn="t"/>
+                      <a:r>
+                        <a:rPr lang="en-US" sz="2400" u="none" strike="noStrike">
+                          <a:effectLst/>
+                        </a:rPr>
+                        <a:t>-</a:t>
+                      </a:r>
+                      <a:endParaRPr lang="en-US" sz="2400" b="0" i="0" u="none" strike="noStrike">
+                        <a:solidFill>
+                          <a:srgbClr val="000000"/>
+                        </a:solidFill>
+                        <a:effectLst/>
+                        <a:latin typeface="Verdana" panose="020B0604030504040204" pitchFamily="34" charset="0"/>
+                      </a:endParaRPr>
+                    </a:p>
+                  </a:txBody>
+                  <a:tcPr marL="185762" marR="20641" marT="20641" marB="0"/>
+                </a:tc>
+                <a:tc>
+                  <a:txBody>
+                    <a:bodyPr/>
+                    <a:lstStyle/>
+                    <a:p>
+                      <a:pPr algn="l" fontAlgn="t"/>
+                      <a:r>
+                        <a:rPr lang="en-US" sz="2400" u="none" strike="noStrike">
+                          <a:effectLst/>
+                        </a:rPr>
+                        <a:t>Subtraction</a:t>
+                      </a:r>
+                      <a:endParaRPr lang="en-US" sz="2400" b="0" i="0" u="none" strike="noStrike">
+                        <a:solidFill>
+                          <a:srgbClr val="000000"/>
+                        </a:solidFill>
+                        <a:effectLst/>
+                        <a:latin typeface="Verdana" panose="020B0604030504040204" pitchFamily="34" charset="0"/>
+                      </a:endParaRPr>
+                    </a:p>
+                  </a:txBody>
+                  <a:tcPr marL="20641" marR="20641" marT="165121" marB="165121"/>
+                </a:tc>
+                <a:tc>
+                  <a:txBody>
+                    <a:bodyPr/>
+                    <a:lstStyle/>
+                    <a:p>
+                      <a:pPr algn="l" fontAlgn="t"/>
+                      <a:r>
+                        <a:rPr lang="en-US" sz="2400" u="none" strike="noStrike">
+                          <a:effectLst/>
+                        </a:rPr>
+                        <a:t>x - y</a:t>
+                      </a:r>
+                      <a:endParaRPr lang="en-US" sz="2400" b="0" i="0" u="none" strike="noStrike">
+                        <a:solidFill>
+                          <a:srgbClr val="000000"/>
+                        </a:solidFill>
+                        <a:effectLst/>
+                        <a:latin typeface="Verdana" panose="020B0604030504040204" pitchFamily="34" charset="0"/>
+                      </a:endParaRPr>
+                    </a:p>
+                  </a:txBody>
+                  <a:tcPr marL="20641" marR="20641" marT="165121" marB="165121"/>
+                </a:tc>
+                <a:extLst>
+                  <a:ext uri="{0D108BD9-81ED-4DB2-BD59-A6C34878D82A}">
+                    <a16:rowId xmlns:a16="http://schemas.microsoft.com/office/drawing/2014/main" val="2208088400"/>
+                  </a:ext>
+                </a:extLst>
+              </a:tr>
+              <a:tr h="735084">
+                <a:tc>
+                  <a:txBody>
+                    <a:bodyPr/>
+                    <a:lstStyle/>
+                    <a:p>
+                      <a:pPr algn="l" fontAlgn="t"/>
+                      <a:r>
+                        <a:rPr lang="en-US" sz="2400" u="none" strike="noStrike">
+                          <a:effectLst/>
+                        </a:rPr>
+                        <a:t>*</a:t>
+                      </a:r>
+                      <a:endParaRPr lang="en-US" sz="2400" b="0" i="0" u="none" strike="noStrike">
+                        <a:solidFill>
+                          <a:srgbClr val="000000"/>
+                        </a:solidFill>
+                        <a:effectLst/>
+                        <a:latin typeface="Verdana" panose="020B0604030504040204" pitchFamily="34" charset="0"/>
+                      </a:endParaRPr>
+                    </a:p>
+                  </a:txBody>
+                  <a:tcPr marL="185762" marR="20641" marT="20641" marB="0"/>
+                </a:tc>
+                <a:tc>
+                  <a:txBody>
+                    <a:bodyPr/>
+                    <a:lstStyle/>
+                    <a:p>
+                      <a:pPr algn="l" fontAlgn="t"/>
+                      <a:r>
+                        <a:rPr lang="en-US" sz="2400" u="none" strike="noStrike">
+                          <a:effectLst/>
+                        </a:rPr>
+                        <a:t>Multiplication</a:t>
+                      </a:r>
+                      <a:endParaRPr lang="en-US" sz="2400" b="0" i="0" u="none" strike="noStrike">
+                        <a:solidFill>
+                          <a:srgbClr val="000000"/>
+                        </a:solidFill>
+                        <a:effectLst/>
+                        <a:latin typeface="Verdana" panose="020B0604030504040204" pitchFamily="34" charset="0"/>
+                      </a:endParaRPr>
+                    </a:p>
+                  </a:txBody>
+                  <a:tcPr marL="20641" marR="20641" marT="165121" marB="165121"/>
+                </a:tc>
+                <a:tc>
+                  <a:txBody>
+                    <a:bodyPr/>
+                    <a:lstStyle/>
+                    <a:p>
+                      <a:pPr algn="l" fontAlgn="t"/>
+                      <a:r>
+                        <a:rPr lang="en-US" sz="2400" u="none" strike="noStrike">
+                          <a:effectLst/>
+                        </a:rPr>
+                        <a:t>x * y</a:t>
+                      </a:r>
+                      <a:endParaRPr lang="en-US" sz="2400" b="0" i="0" u="none" strike="noStrike">
+                        <a:solidFill>
+                          <a:srgbClr val="000000"/>
+                        </a:solidFill>
+                        <a:effectLst/>
+                        <a:latin typeface="Verdana" panose="020B0604030504040204" pitchFamily="34" charset="0"/>
+                      </a:endParaRPr>
+                    </a:p>
+                  </a:txBody>
+                  <a:tcPr marL="20641" marR="20641" marT="165121" marB="165121"/>
+                </a:tc>
+                <a:extLst>
+                  <a:ext uri="{0D108BD9-81ED-4DB2-BD59-A6C34878D82A}">
+                    <a16:rowId xmlns:a16="http://schemas.microsoft.com/office/drawing/2014/main" val="1471710350"/>
+                  </a:ext>
+                </a:extLst>
+              </a:tr>
+              <a:tr h="735084">
+                <a:tc>
+                  <a:txBody>
+                    <a:bodyPr/>
+                    <a:lstStyle/>
+                    <a:p>
+                      <a:pPr algn="l" fontAlgn="t"/>
+                      <a:r>
+                        <a:rPr lang="en-US" sz="2400" u="none" strike="noStrike">
+                          <a:effectLst/>
+                        </a:rPr>
+                        <a:t>/</a:t>
+                      </a:r>
+                      <a:endParaRPr lang="en-US" sz="2400" b="0" i="0" u="none" strike="noStrike">
+                        <a:solidFill>
+                          <a:srgbClr val="000000"/>
+                        </a:solidFill>
+                        <a:effectLst/>
+                        <a:latin typeface="Verdana" panose="020B0604030504040204" pitchFamily="34" charset="0"/>
+                      </a:endParaRPr>
+                    </a:p>
+                  </a:txBody>
+                  <a:tcPr marL="185762" marR="20641" marT="20641" marB="0"/>
+                </a:tc>
+                <a:tc>
+                  <a:txBody>
+                    <a:bodyPr/>
+                    <a:lstStyle/>
+                    <a:p>
+                      <a:pPr algn="l" fontAlgn="t"/>
+                      <a:r>
+                        <a:rPr lang="en-US" sz="2400" u="none" strike="noStrike">
+                          <a:effectLst/>
+                        </a:rPr>
+                        <a:t>Division</a:t>
+                      </a:r>
+                      <a:endParaRPr lang="en-US" sz="2400" b="0" i="0" u="none" strike="noStrike">
+                        <a:solidFill>
+                          <a:srgbClr val="000000"/>
+                        </a:solidFill>
+                        <a:effectLst/>
+                        <a:latin typeface="Verdana" panose="020B0604030504040204" pitchFamily="34" charset="0"/>
+                      </a:endParaRPr>
+                    </a:p>
+                  </a:txBody>
+                  <a:tcPr marL="20641" marR="20641" marT="165121" marB="165121"/>
+                </a:tc>
+                <a:tc>
+                  <a:txBody>
+                    <a:bodyPr/>
+                    <a:lstStyle/>
+                    <a:p>
+                      <a:pPr algn="l" fontAlgn="t"/>
+                      <a:r>
+                        <a:rPr lang="en-US" sz="2400" u="none" strike="noStrike">
+                          <a:effectLst/>
+                        </a:rPr>
+                        <a:t>x / y</a:t>
+                      </a:r>
+                      <a:endParaRPr lang="en-US" sz="2400" b="0" i="0" u="none" strike="noStrike">
+                        <a:solidFill>
+                          <a:srgbClr val="000000"/>
+                        </a:solidFill>
+                        <a:effectLst/>
+                        <a:latin typeface="Verdana" panose="020B0604030504040204" pitchFamily="34" charset="0"/>
+                      </a:endParaRPr>
+                    </a:p>
+                  </a:txBody>
+                  <a:tcPr marL="20641" marR="20641" marT="165121" marB="165121"/>
+                </a:tc>
+                <a:extLst>
+                  <a:ext uri="{0D108BD9-81ED-4DB2-BD59-A6C34878D82A}">
+                    <a16:rowId xmlns:a16="http://schemas.microsoft.com/office/drawing/2014/main" val="2162764166"/>
+                  </a:ext>
+                </a:extLst>
+              </a:tr>
+              <a:tr h="735084">
+                <a:tc>
+                  <a:txBody>
+                    <a:bodyPr/>
+                    <a:lstStyle/>
+                    <a:p>
+                      <a:pPr algn="l" fontAlgn="t"/>
+                      <a:r>
+                        <a:rPr lang="en-US" sz="2400" u="none" strike="noStrike">
+                          <a:effectLst/>
+                        </a:rPr>
+                        <a:t>^</a:t>
+                      </a:r>
+                      <a:endParaRPr lang="en-US" sz="2400" b="0" i="0" u="none" strike="noStrike">
+                        <a:solidFill>
+                          <a:srgbClr val="000000"/>
+                        </a:solidFill>
+                        <a:effectLst/>
+                        <a:latin typeface="Verdana" panose="020B0604030504040204" pitchFamily="34" charset="0"/>
+                      </a:endParaRPr>
+                    </a:p>
+                  </a:txBody>
+                  <a:tcPr marL="185762" marR="20641" marT="20641" marB="0"/>
+                </a:tc>
+                <a:tc>
+                  <a:txBody>
+                    <a:bodyPr/>
+                    <a:lstStyle/>
+                    <a:p>
+                      <a:pPr algn="l" fontAlgn="t"/>
+                      <a:r>
+                        <a:rPr lang="en-US" sz="2400" u="none" strike="noStrike">
+                          <a:effectLst/>
+                        </a:rPr>
+                        <a:t>Exponent</a:t>
+                      </a:r>
+                      <a:endParaRPr lang="en-US" sz="2400" b="0" i="0" u="none" strike="noStrike">
+                        <a:solidFill>
+                          <a:srgbClr val="000000"/>
+                        </a:solidFill>
+                        <a:effectLst/>
+                        <a:latin typeface="Verdana" panose="020B0604030504040204" pitchFamily="34" charset="0"/>
+                      </a:endParaRPr>
+                    </a:p>
+                  </a:txBody>
+                  <a:tcPr marL="20641" marR="20641" marT="165121" marB="165121"/>
+                </a:tc>
+                <a:tc>
+                  <a:txBody>
+                    <a:bodyPr/>
+                    <a:lstStyle/>
+                    <a:p>
+                      <a:pPr algn="l" fontAlgn="t"/>
+                      <a:r>
+                        <a:rPr lang="en-US" sz="2400" u="none" strike="noStrike">
+                          <a:effectLst/>
+                        </a:rPr>
+                        <a:t>x ^ y</a:t>
+                      </a:r>
+                      <a:endParaRPr lang="en-US" sz="2400" b="0" i="0" u="none" strike="noStrike">
+                        <a:solidFill>
+                          <a:srgbClr val="000000"/>
+                        </a:solidFill>
+                        <a:effectLst/>
+                        <a:latin typeface="Verdana" panose="020B0604030504040204" pitchFamily="34" charset="0"/>
+                      </a:endParaRPr>
+                    </a:p>
+                  </a:txBody>
+                  <a:tcPr marL="20641" marR="20641" marT="165121" marB="165121"/>
+                </a:tc>
+                <a:extLst>
+                  <a:ext uri="{0D108BD9-81ED-4DB2-BD59-A6C34878D82A}">
+                    <a16:rowId xmlns:a16="http://schemas.microsoft.com/office/drawing/2014/main" val="2506301313"/>
+                  </a:ext>
+                </a:extLst>
+              </a:tr>
+              <a:tr h="735084">
+                <a:tc>
+                  <a:txBody>
+                    <a:bodyPr/>
+                    <a:lstStyle/>
+                    <a:p>
+                      <a:pPr algn="l" fontAlgn="t"/>
+                      <a:r>
+                        <a:rPr lang="en-US" sz="2400" u="none" strike="noStrike">
+                          <a:effectLst/>
+                        </a:rPr>
+                        <a:t>%%</a:t>
+                      </a:r>
+                      <a:endParaRPr lang="en-US" sz="2400" b="0" i="0" u="none" strike="noStrike">
+                        <a:solidFill>
+                          <a:srgbClr val="000000"/>
+                        </a:solidFill>
+                        <a:effectLst/>
+                        <a:latin typeface="Verdana" panose="020B0604030504040204" pitchFamily="34" charset="0"/>
+                      </a:endParaRPr>
+                    </a:p>
+                  </a:txBody>
+                  <a:tcPr marL="185762" marR="20641" marT="20641" marB="0"/>
+                </a:tc>
+                <a:tc>
+                  <a:txBody>
+                    <a:bodyPr/>
+                    <a:lstStyle/>
+                    <a:p>
+                      <a:pPr algn="l" fontAlgn="t"/>
+                      <a:r>
+                        <a:rPr lang="en-US" sz="2400" u="none" strike="noStrike">
+                          <a:effectLst/>
+                        </a:rPr>
+                        <a:t>Modulus (Remainder from division)</a:t>
+                      </a:r>
+                      <a:endParaRPr lang="en-US" sz="2400" b="0" i="0" u="none" strike="noStrike">
+                        <a:solidFill>
+                          <a:srgbClr val="000000"/>
+                        </a:solidFill>
+                        <a:effectLst/>
+                        <a:latin typeface="Verdana" panose="020B0604030504040204" pitchFamily="34" charset="0"/>
+                      </a:endParaRPr>
+                    </a:p>
+                  </a:txBody>
+                  <a:tcPr marL="20641" marR="20641" marT="165121" marB="165121"/>
+                </a:tc>
+                <a:tc>
+                  <a:txBody>
+                    <a:bodyPr/>
+                    <a:lstStyle/>
+                    <a:p>
+                      <a:pPr algn="l" fontAlgn="t"/>
+                      <a:r>
+                        <a:rPr lang="en-US" sz="2400" u="none" strike="noStrike">
+                          <a:effectLst/>
+                        </a:rPr>
+                        <a:t>x %% y</a:t>
+                      </a:r>
+                      <a:endParaRPr lang="en-US" sz="2400" b="0" i="0" u="none" strike="noStrike">
+                        <a:solidFill>
+                          <a:srgbClr val="000000"/>
+                        </a:solidFill>
+                        <a:effectLst/>
+                        <a:latin typeface="Verdana" panose="020B0604030504040204" pitchFamily="34" charset="0"/>
+                      </a:endParaRPr>
+                    </a:p>
+                  </a:txBody>
+                  <a:tcPr marL="20641" marR="20641" marT="165121" marB="165121"/>
+                </a:tc>
+                <a:extLst>
+                  <a:ext uri="{0D108BD9-81ED-4DB2-BD59-A6C34878D82A}">
+                    <a16:rowId xmlns:a16="http://schemas.microsoft.com/office/drawing/2014/main" val="2249350350"/>
+                  </a:ext>
+                </a:extLst>
+              </a:tr>
+              <a:tr h="735084">
+                <a:tc>
+                  <a:txBody>
+                    <a:bodyPr/>
+                    <a:lstStyle/>
+                    <a:p>
+                      <a:pPr algn="l" fontAlgn="t"/>
+                      <a:r>
+                        <a:rPr lang="en-US" sz="2400" u="none" strike="noStrike">
+                          <a:effectLst/>
+                        </a:rPr>
+                        <a:t>%/%</a:t>
+                      </a:r>
+                      <a:endParaRPr lang="en-US" sz="2400" b="0" i="0" u="none" strike="noStrike">
+                        <a:solidFill>
+                          <a:srgbClr val="000000"/>
+                        </a:solidFill>
+                        <a:effectLst/>
+                        <a:latin typeface="Verdana" panose="020B0604030504040204" pitchFamily="34" charset="0"/>
+                      </a:endParaRPr>
+                    </a:p>
+                  </a:txBody>
+                  <a:tcPr marL="185762" marR="20641" marT="20641" marB="0"/>
+                </a:tc>
+                <a:tc>
+                  <a:txBody>
+                    <a:bodyPr/>
+                    <a:lstStyle/>
+                    <a:p>
+                      <a:pPr algn="l" fontAlgn="t"/>
+                      <a:r>
+                        <a:rPr lang="en-US" sz="2400" u="none" strike="noStrike">
+                          <a:effectLst/>
+                        </a:rPr>
+                        <a:t>Integer Division</a:t>
+                      </a:r>
+                      <a:endParaRPr lang="en-US" sz="2400" b="0" i="0" u="none" strike="noStrike">
+                        <a:solidFill>
+                          <a:srgbClr val="000000"/>
+                        </a:solidFill>
+                        <a:effectLst/>
+                        <a:latin typeface="Verdana" panose="020B0604030504040204" pitchFamily="34" charset="0"/>
+                      </a:endParaRPr>
+                    </a:p>
+                  </a:txBody>
+                  <a:tcPr marL="20641" marR="20641" marT="165121" marB="165121"/>
+                </a:tc>
+                <a:tc>
+                  <a:txBody>
+                    <a:bodyPr/>
+                    <a:lstStyle/>
+                    <a:p>
+                      <a:pPr algn="l" fontAlgn="t"/>
+                      <a:r>
+                        <a:rPr lang="en-US" sz="2400" u="none" strike="noStrike" dirty="0">
+                          <a:effectLst/>
+                        </a:rPr>
+                        <a:t>x%/%y</a:t>
+                      </a:r>
+                      <a:endParaRPr lang="en-US" sz="2400" b="0" i="0" u="none" strike="noStrike" dirty="0">
+                        <a:solidFill>
+                          <a:srgbClr val="000000"/>
+                        </a:solidFill>
+                        <a:effectLst/>
+                        <a:latin typeface="Verdana" panose="020B0604030504040204" pitchFamily="34" charset="0"/>
+                      </a:endParaRPr>
+                    </a:p>
+                  </a:txBody>
+                  <a:tcPr marL="20641" marR="20641" marT="165121" marB="165121"/>
+                </a:tc>
+                <a:extLst>
+                  <a:ext uri="{0D108BD9-81ED-4DB2-BD59-A6C34878D82A}">
+                    <a16:rowId xmlns:a16="http://schemas.microsoft.com/office/drawing/2014/main" val="1818358542"/>
+                  </a:ext>
+                </a:extLst>
+              </a:tr>
+            </a:tbl>
+          </a:graphicData>
+        </a:graphic>
+      </p:graphicFrame>
+    </p:spTree>
+    <p:extLst>
+      <p:ext uri="{BB962C8B-B14F-4D97-AF65-F5344CB8AC3E}">
+        <p14:creationId xmlns:p14="http://schemas.microsoft.com/office/powerpoint/2010/main" val="4182436610"/>
+      </p:ext>
+    </p:extLst>
+  </p:cSld>
+  <p:clrMapOvr>
+    <a:masterClrMapping/>
+  </p:clrMapOvr>
+</p:sld>
+</file>
+
+<file path=ppt/slides/slide11.xml><?xml version="1.0" encoding="utf-8"?>
+<p:sld xmlns:a="http://schemas.openxmlformats.org/drawingml/2006/main" xmlns:r="http://schemas.openxmlformats.org/officeDocument/2006/relationships" xmlns:p="http://schemas.openxmlformats.org/presentationml/2006/main">
+  <p:cSld>
+    <p:bg>
+      <p:bgPr>
+        <a:solidFill>
+          <a:schemeClr val="bg1"/>
+        </a:solidFill>
+        <a:effectLst/>
+      </p:bgPr>
+    </p:bg>
+    <p:spTree>
+      <p:nvGrpSpPr>
+        <p:cNvPr id="1" name=""/>
+        <p:cNvGrpSpPr/>
+        <p:nvPr/>
+      </p:nvGrpSpPr>
+      <p:grpSpPr>
+        <a:xfrm>
+          <a:off x="0" y="0"/>
+          <a:ext cx="0" cy="0"/>
+          <a:chOff x="0" y="0"/>
+          <a:chExt cx="0" cy="0"/>
+        </a:xfrm>
+      </p:grpSpPr>
+      <p:graphicFrame>
+        <p:nvGraphicFramePr>
+          <p:cNvPr id="4" name="Table 3">
+            <a:extLst>
+              <a:ext uri="{FF2B5EF4-FFF2-40B4-BE49-F238E27FC236}">
+                <a16:creationId xmlns:a16="http://schemas.microsoft.com/office/drawing/2014/main" id="{C9E2F4E2-13E5-D516-B2C6-ABE02F83D113}"/>
+              </a:ext>
+            </a:extLst>
+          </p:cNvPr>
+          <p:cNvGraphicFramePr>
+            <a:graphicFrameLocks noGrp="1"/>
+          </p:cNvGraphicFramePr>
+          <p:nvPr>
+            <p:extLst>
+              <p:ext uri="{D42A27DB-BD31-4B8C-83A1-F6EECF244321}">
+                <p14:modId xmlns:p14="http://schemas.microsoft.com/office/powerpoint/2010/main" val="2515222009"/>
+              </p:ext>
+            </p:extLst>
+          </p:nvPr>
+        </p:nvGraphicFramePr>
+        <p:xfrm>
+          <a:off x="1728228" y="643466"/>
+          <a:ext cx="8735543" cy="5571067"/>
+        </p:xfrm>
+        <a:graphic>
+          <a:graphicData uri="http://schemas.openxmlformats.org/drawingml/2006/table">
+            <a:tbl>
+              <a:tblPr firstRow="1" bandRow="1">
+                <a:tableStyleId>{5C22544A-7EE6-4342-B048-85BDC9FD1C3A}</a:tableStyleId>
+              </a:tblPr>
+              <a:tblGrid>
+                <a:gridCol w="2465207">
+                  <a:extLst>
+                    <a:ext uri="{9D8B030D-6E8A-4147-A177-3AD203B41FA5}">
+                      <a16:colId xmlns:a16="http://schemas.microsoft.com/office/drawing/2014/main" val="2572452434"/>
+                    </a:ext>
+                  </a:extLst>
+                </a:gridCol>
+                <a:gridCol w="3757938">
+                  <a:extLst>
+                    <a:ext uri="{9D8B030D-6E8A-4147-A177-3AD203B41FA5}">
+                      <a16:colId xmlns:a16="http://schemas.microsoft.com/office/drawing/2014/main" val="1768650271"/>
+                    </a:ext>
+                  </a:extLst>
+                </a:gridCol>
+                <a:gridCol w="2512398">
+                  <a:extLst>
+                    <a:ext uri="{9D8B030D-6E8A-4147-A177-3AD203B41FA5}">
+                      <a16:colId xmlns:a16="http://schemas.microsoft.com/office/drawing/2014/main" val="1721099963"/>
+                    </a:ext>
+                  </a:extLst>
+                </a:gridCol>
+              </a:tblGrid>
+              <a:tr h="505969">
+                <a:tc>
+                  <a:txBody>
+                    <a:bodyPr/>
+                    <a:lstStyle/>
+                    <a:p>
+                      <a:pPr algn="l" fontAlgn="t"/>
+                      <a:r>
+                        <a:rPr lang="en-US" sz="2600" u="none" strike="noStrike">
+                          <a:effectLst/>
+                        </a:rPr>
+                        <a:t>Operator</a:t>
+                      </a:r>
+                      <a:endParaRPr lang="en-US" sz="2600" b="1" i="0" u="none" strike="noStrike">
+                        <a:solidFill>
+                          <a:srgbClr val="000000"/>
+                        </a:solidFill>
+                        <a:effectLst/>
+                        <a:latin typeface="Verdana" panose="020B0604030504040204" pitchFamily="34" charset="0"/>
+                      </a:endParaRPr>
+                    </a:p>
+                  </a:txBody>
+                  <a:tcPr marL="202929" marR="22548" marT="22548" marB="0"/>
+                </a:tc>
+                <a:tc>
+                  <a:txBody>
+                    <a:bodyPr/>
+                    <a:lstStyle/>
+                    <a:p>
+                      <a:pPr algn="l" fontAlgn="t"/>
+                      <a:r>
+                        <a:rPr lang="en-US" sz="2600" u="none" strike="noStrike">
+                          <a:effectLst/>
+                        </a:rPr>
+                        <a:t>Name</a:t>
+                      </a:r>
+                      <a:endParaRPr lang="en-US" sz="2600" b="1" i="0" u="none" strike="noStrike">
+                        <a:solidFill>
+                          <a:srgbClr val="000000"/>
+                        </a:solidFill>
+                        <a:effectLst/>
+                        <a:latin typeface="Verdana" panose="020B0604030504040204" pitchFamily="34" charset="0"/>
+                      </a:endParaRPr>
+                    </a:p>
+                  </a:txBody>
+                  <a:tcPr marL="22548" marR="22548" marT="22548" marB="0"/>
+                </a:tc>
+                <a:tc>
+                  <a:txBody>
+                    <a:bodyPr/>
+                    <a:lstStyle/>
+                    <a:p>
+                      <a:pPr algn="l" fontAlgn="t"/>
+                      <a:r>
+                        <a:rPr lang="en-US" sz="2600" u="none" strike="noStrike">
+                          <a:effectLst/>
+                        </a:rPr>
+                        <a:t>Example</a:t>
+                      </a:r>
+                      <a:endParaRPr lang="en-US" sz="2600" b="1" i="0" u="none" strike="noStrike">
+                        <a:solidFill>
+                          <a:srgbClr val="000000"/>
+                        </a:solidFill>
+                        <a:effectLst/>
+                        <a:latin typeface="Verdana" panose="020B0604030504040204" pitchFamily="34" charset="0"/>
+                      </a:endParaRPr>
+                    </a:p>
+                  </a:txBody>
+                  <a:tcPr marL="22548" marR="22548" marT="22548" marB="0"/>
+                </a:tc>
+                <a:extLst>
+                  <a:ext uri="{0D108BD9-81ED-4DB2-BD59-A6C34878D82A}">
+                    <a16:rowId xmlns:a16="http://schemas.microsoft.com/office/drawing/2014/main" val="1542964264"/>
+                  </a:ext>
+                </a:extLst>
+              </a:tr>
+              <a:tr h="844183">
+                <a:tc>
+                  <a:txBody>
+                    <a:bodyPr/>
+                    <a:lstStyle/>
+                    <a:p>
+                      <a:pPr algn="l" fontAlgn="t"/>
+                      <a:r>
+                        <a:rPr lang="en-US" sz="2600" u="none" strike="noStrike">
+                          <a:effectLst/>
+                        </a:rPr>
+                        <a:t>==</a:t>
+                      </a:r>
+                      <a:endParaRPr lang="en-US" sz="2600" b="0" i="0" u="none" strike="noStrike">
+                        <a:solidFill>
+                          <a:srgbClr val="000000"/>
+                        </a:solidFill>
+                        <a:effectLst/>
+                        <a:latin typeface="Verdana" panose="020B0604030504040204" pitchFamily="34" charset="0"/>
+                      </a:endParaRPr>
+                    </a:p>
+                  </a:txBody>
+                  <a:tcPr marL="202929" marR="22548" marT="22548" marB="0"/>
+                </a:tc>
+                <a:tc>
+                  <a:txBody>
+                    <a:bodyPr/>
+                    <a:lstStyle/>
+                    <a:p>
+                      <a:pPr algn="l" fontAlgn="t"/>
+                      <a:r>
+                        <a:rPr lang="en-US" sz="2600" u="none" strike="noStrike">
+                          <a:effectLst/>
+                        </a:rPr>
+                        <a:t>Equal</a:t>
+                      </a:r>
+                      <a:endParaRPr lang="en-US" sz="2600" b="0" i="0" u="none" strike="noStrike">
+                        <a:solidFill>
+                          <a:srgbClr val="000000"/>
+                        </a:solidFill>
+                        <a:effectLst/>
+                        <a:latin typeface="Verdana" panose="020B0604030504040204" pitchFamily="34" charset="0"/>
+                      </a:endParaRPr>
+                    </a:p>
+                  </a:txBody>
+                  <a:tcPr marL="22548" marR="22548" marT="180381" marB="180381"/>
+                </a:tc>
+                <a:tc>
+                  <a:txBody>
+                    <a:bodyPr/>
+                    <a:lstStyle/>
+                    <a:p>
+                      <a:pPr algn="l" fontAlgn="t"/>
+                      <a:r>
+                        <a:rPr lang="en-US" sz="2600" u="none" strike="noStrike">
+                          <a:effectLst/>
+                        </a:rPr>
+                        <a:t>x == y</a:t>
+                      </a:r>
+                      <a:endParaRPr lang="en-US" sz="2600" b="0" i="0" u="none" strike="noStrike">
+                        <a:solidFill>
+                          <a:srgbClr val="000000"/>
+                        </a:solidFill>
+                        <a:effectLst/>
+                        <a:latin typeface="Verdana" panose="020B0604030504040204" pitchFamily="34" charset="0"/>
+                      </a:endParaRPr>
+                    </a:p>
+                  </a:txBody>
+                  <a:tcPr marL="22548" marR="22548" marT="180381" marB="180381"/>
+                </a:tc>
+                <a:extLst>
+                  <a:ext uri="{0D108BD9-81ED-4DB2-BD59-A6C34878D82A}">
+                    <a16:rowId xmlns:a16="http://schemas.microsoft.com/office/drawing/2014/main" val="1033745441"/>
+                  </a:ext>
+                </a:extLst>
+              </a:tr>
+              <a:tr h="844183">
+                <a:tc>
+                  <a:txBody>
+                    <a:bodyPr/>
+                    <a:lstStyle/>
+                    <a:p>
+                      <a:pPr algn="l" fontAlgn="t"/>
+                      <a:r>
+                        <a:rPr lang="en-US" sz="2600" u="none" strike="noStrike" dirty="0">
+                          <a:effectLst/>
+                        </a:rPr>
+                        <a:t>!=</a:t>
+                      </a:r>
+                      <a:endParaRPr lang="en-US" sz="2600" b="0" i="0" u="none" strike="noStrike" dirty="0">
+                        <a:solidFill>
+                          <a:srgbClr val="000000"/>
+                        </a:solidFill>
+                        <a:effectLst/>
+                        <a:latin typeface="Verdana" panose="020B0604030504040204" pitchFamily="34" charset="0"/>
+                      </a:endParaRPr>
+                    </a:p>
+                  </a:txBody>
+                  <a:tcPr marL="202929" marR="22548" marT="22548" marB="0"/>
+                </a:tc>
+                <a:tc>
+                  <a:txBody>
+                    <a:bodyPr/>
+                    <a:lstStyle/>
+                    <a:p>
+                      <a:pPr algn="l" fontAlgn="t"/>
+                      <a:r>
+                        <a:rPr lang="en-US" sz="2600" u="none" strike="noStrike" dirty="0">
+                          <a:effectLst/>
+                        </a:rPr>
+                        <a:t>Not equal</a:t>
+                      </a:r>
+                      <a:endParaRPr lang="en-US" sz="2600" b="0" i="0" u="none" strike="noStrike" dirty="0">
+                        <a:solidFill>
+                          <a:srgbClr val="000000"/>
+                        </a:solidFill>
+                        <a:effectLst/>
+                        <a:latin typeface="Verdana" panose="020B0604030504040204" pitchFamily="34" charset="0"/>
+                      </a:endParaRPr>
+                    </a:p>
+                  </a:txBody>
+                  <a:tcPr marL="22548" marR="22548" marT="180381" marB="180381"/>
+                </a:tc>
+                <a:tc>
+                  <a:txBody>
+                    <a:bodyPr/>
+                    <a:lstStyle/>
+                    <a:p>
+                      <a:pPr algn="l" fontAlgn="t"/>
+                      <a:r>
+                        <a:rPr lang="en-US" sz="2600" u="none" strike="noStrike">
+                          <a:effectLst/>
+                        </a:rPr>
+                        <a:t>x != y</a:t>
+                      </a:r>
+                      <a:endParaRPr lang="en-US" sz="2600" b="0" i="0" u="none" strike="noStrike">
+                        <a:solidFill>
+                          <a:srgbClr val="000000"/>
+                        </a:solidFill>
+                        <a:effectLst/>
+                        <a:latin typeface="Verdana" panose="020B0604030504040204" pitchFamily="34" charset="0"/>
+                      </a:endParaRPr>
+                    </a:p>
+                  </a:txBody>
+                  <a:tcPr marL="22548" marR="22548" marT="180381" marB="180381"/>
+                </a:tc>
+                <a:extLst>
+                  <a:ext uri="{0D108BD9-81ED-4DB2-BD59-A6C34878D82A}">
+                    <a16:rowId xmlns:a16="http://schemas.microsoft.com/office/drawing/2014/main" val="2239503667"/>
+                  </a:ext>
+                </a:extLst>
+              </a:tr>
+              <a:tr h="844183">
+                <a:tc>
+                  <a:txBody>
+                    <a:bodyPr/>
+                    <a:lstStyle/>
+                    <a:p>
+                      <a:pPr algn="l" fontAlgn="t"/>
+                      <a:r>
+                        <a:rPr lang="en-US" sz="2600" u="none" strike="noStrike">
+                          <a:effectLst/>
+                        </a:rPr>
+                        <a:t>&gt;</a:t>
+                      </a:r>
+                      <a:endParaRPr lang="en-US" sz="2600" b="0" i="0" u="none" strike="noStrike">
+                        <a:solidFill>
+                          <a:srgbClr val="000000"/>
+                        </a:solidFill>
+                        <a:effectLst/>
+                        <a:latin typeface="Verdana" panose="020B0604030504040204" pitchFamily="34" charset="0"/>
+                      </a:endParaRPr>
+                    </a:p>
+                  </a:txBody>
+                  <a:tcPr marL="202929" marR="22548" marT="22548" marB="0"/>
+                </a:tc>
+                <a:tc>
+                  <a:txBody>
+                    <a:bodyPr/>
+                    <a:lstStyle/>
+                    <a:p>
+                      <a:pPr algn="l" fontAlgn="t"/>
+                      <a:r>
+                        <a:rPr lang="en-US" sz="2600" u="none" strike="noStrike">
+                          <a:effectLst/>
+                        </a:rPr>
+                        <a:t>Greater than</a:t>
+                      </a:r>
+                      <a:endParaRPr lang="en-US" sz="2600" b="0" i="0" u="none" strike="noStrike">
+                        <a:solidFill>
+                          <a:srgbClr val="000000"/>
+                        </a:solidFill>
+                        <a:effectLst/>
+                        <a:latin typeface="Verdana" panose="020B0604030504040204" pitchFamily="34" charset="0"/>
+                      </a:endParaRPr>
+                    </a:p>
+                  </a:txBody>
+                  <a:tcPr marL="22548" marR="22548" marT="180381" marB="180381"/>
+                </a:tc>
+                <a:tc>
+                  <a:txBody>
+                    <a:bodyPr/>
+                    <a:lstStyle/>
+                    <a:p>
+                      <a:pPr algn="l" fontAlgn="t"/>
+                      <a:r>
+                        <a:rPr lang="en-US" sz="2600" u="none" strike="noStrike">
+                          <a:effectLst/>
+                        </a:rPr>
+                        <a:t>x &gt; y</a:t>
+                      </a:r>
+                      <a:endParaRPr lang="en-US" sz="2600" b="0" i="0" u="none" strike="noStrike">
+                        <a:solidFill>
+                          <a:srgbClr val="000000"/>
+                        </a:solidFill>
+                        <a:effectLst/>
+                        <a:latin typeface="Verdana" panose="020B0604030504040204" pitchFamily="34" charset="0"/>
+                      </a:endParaRPr>
+                    </a:p>
+                  </a:txBody>
+                  <a:tcPr marL="22548" marR="22548" marT="180381" marB="180381"/>
+                </a:tc>
+                <a:extLst>
+                  <a:ext uri="{0D108BD9-81ED-4DB2-BD59-A6C34878D82A}">
+                    <a16:rowId xmlns:a16="http://schemas.microsoft.com/office/drawing/2014/main" val="3563180102"/>
+                  </a:ext>
+                </a:extLst>
+              </a:tr>
+              <a:tr h="844183">
+                <a:tc>
+                  <a:txBody>
+                    <a:bodyPr/>
+                    <a:lstStyle/>
+                    <a:p>
+                      <a:pPr algn="l" fontAlgn="t"/>
+                      <a:r>
+                        <a:rPr lang="en-US" sz="2600" u="none" strike="noStrike">
+                          <a:effectLst/>
+                        </a:rPr>
+                        <a:t>&lt;</a:t>
+                      </a:r>
+                      <a:endParaRPr lang="en-US" sz="2600" b="0" i="0" u="none" strike="noStrike">
+                        <a:solidFill>
+                          <a:srgbClr val="000000"/>
+                        </a:solidFill>
+                        <a:effectLst/>
+                        <a:latin typeface="Verdana" panose="020B0604030504040204" pitchFamily="34" charset="0"/>
+                      </a:endParaRPr>
+                    </a:p>
+                  </a:txBody>
+                  <a:tcPr marL="202929" marR="22548" marT="22548" marB="0"/>
+                </a:tc>
+                <a:tc>
+                  <a:txBody>
+                    <a:bodyPr/>
+                    <a:lstStyle/>
+                    <a:p>
+                      <a:pPr algn="l" fontAlgn="t"/>
+                      <a:r>
+                        <a:rPr lang="en-US" sz="2600" u="none" strike="noStrike">
+                          <a:effectLst/>
+                        </a:rPr>
+                        <a:t>Less than</a:t>
+                      </a:r>
+                      <a:endParaRPr lang="en-US" sz="2600" b="0" i="0" u="none" strike="noStrike">
+                        <a:solidFill>
+                          <a:srgbClr val="000000"/>
+                        </a:solidFill>
+                        <a:effectLst/>
+                        <a:latin typeface="Verdana" panose="020B0604030504040204" pitchFamily="34" charset="0"/>
+                      </a:endParaRPr>
+                    </a:p>
+                  </a:txBody>
+                  <a:tcPr marL="22548" marR="22548" marT="180381" marB="180381"/>
+                </a:tc>
+                <a:tc>
+                  <a:txBody>
+                    <a:bodyPr/>
+                    <a:lstStyle/>
+                    <a:p>
+                      <a:pPr algn="l" fontAlgn="t"/>
+                      <a:r>
+                        <a:rPr lang="en-US" sz="2600" u="none" strike="noStrike">
+                          <a:effectLst/>
+                        </a:rPr>
+                        <a:t>x &lt; y</a:t>
+                      </a:r>
+                      <a:endParaRPr lang="en-US" sz="2600" b="0" i="0" u="none" strike="noStrike">
+                        <a:solidFill>
+                          <a:srgbClr val="000000"/>
+                        </a:solidFill>
+                        <a:effectLst/>
+                        <a:latin typeface="Verdana" panose="020B0604030504040204" pitchFamily="34" charset="0"/>
+                      </a:endParaRPr>
+                    </a:p>
+                  </a:txBody>
+                  <a:tcPr marL="22548" marR="22548" marT="180381" marB="180381"/>
+                </a:tc>
+                <a:extLst>
+                  <a:ext uri="{0D108BD9-81ED-4DB2-BD59-A6C34878D82A}">
+                    <a16:rowId xmlns:a16="http://schemas.microsoft.com/office/drawing/2014/main" val="3870440325"/>
+                  </a:ext>
+                </a:extLst>
+              </a:tr>
+              <a:tr h="844183">
+                <a:tc>
+                  <a:txBody>
+                    <a:bodyPr/>
+                    <a:lstStyle/>
+                    <a:p>
+                      <a:pPr algn="l" fontAlgn="t"/>
+                      <a:r>
+                        <a:rPr lang="en-US" sz="2600" u="none" strike="noStrike">
+                          <a:effectLst/>
+                        </a:rPr>
+                        <a:t>&gt;=</a:t>
+                      </a:r>
+                      <a:endParaRPr lang="en-US" sz="2600" b="0" i="0" u="none" strike="noStrike">
+                        <a:solidFill>
+                          <a:srgbClr val="000000"/>
+                        </a:solidFill>
+                        <a:effectLst/>
+                        <a:latin typeface="Verdana" panose="020B0604030504040204" pitchFamily="34" charset="0"/>
+                      </a:endParaRPr>
+                    </a:p>
+                  </a:txBody>
+                  <a:tcPr marL="202929" marR="22548" marT="22548" marB="0"/>
+                </a:tc>
+                <a:tc>
+                  <a:txBody>
+                    <a:bodyPr/>
+                    <a:lstStyle/>
+                    <a:p>
+                      <a:pPr algn="l" fontAlgn="t"/>
+                      <a:r>
+                        <a:rPr lang="en-US" sz="2600" u="none" strike="noStrike">
+                          <a:effectLst/>
+                        </a:rPr>
+                        <a:t>Greater than or equal to</a:t>
+                      </a:r>
+                      <a:endParaRPr lang="en-US" sz="2600" b="0" i="0" u="none" strike="noStrike">
+                        <a:solidFill>
+                          <a:srgbClr val="000000"/>
+                        </a:solidFill>
+                        <a:effectLst/>
+                        <a:latin typeface="Verdana" panose="020B0604030504040204" pitchFamily="34" charset="0"/>
+                      </a:endParaRPr>
+                    </a:p>
+                  </a:txBody>
+                  <a:tcPr marL="22548" marR="22548" marT="180381" marB="180381"/>
+                </a:tc>
+                <a:tc>
+                  <a:txBody>
+                    <a:bodyPr/>
+                    <a:lstStyle/>
+                    <a:p>
+                      <a:pPr algn="l" fontAlgn="t"/>
+                      <a:r>
+                        <a:rPr lang="en-US" sz="2600" u="none" strike="noStrike">
+                          <a:effectLst/>
+                        </a:rPr>
+                        <a:t>x &gt;= y</a:t>
+                      </a:r>
+                      <a:endParaRPr lang="en-US" sz="2600" b="0" i="0" u="none" strike="noStrike">
+                        <a:solidFill>
+                          <a:srgbClr val="000000"/>
+                        </a:solidFill>
+                        <a:effectLst/>
+                        <a:latin typeface="Verdana" panose="020B0604030504040204" pitchFamily="34" charset="0"/>
+                      </a:endParaRPr>
+                    </a:p>
+                  </a:txBody>
+                  <a:tcPr marL="22548" marR="22548" marT="180381" marB="180381"/>
+                </a:tc>
+                <a:extLst>
+                  <a:ext uri="{0D108BD9-81ED-4DB2-BD59-A6C34878D82A}">
+                    <a16:rowId xmlns:a16="http://schemas.microsoft.com/office/drawing/2014/main" val="2615708343"/>
+                  </a:ext>
+                </a:extLst>
+              </a:tr>
+              <a:tr h="844183">
+                <a:tc>
+                  <a:txBody>
+                    <a:bodyPr/>
+                    <a:lstStyle/>
+                    <a:p>
+                      <a:pPr algn="l" fontAlgn="t"/>
+                      <a:r>
+                        <a:rPr lang="en-US" sz="2600" u="none" strike="noStrike">
+                          <a:effectLst/>
+                        </a:rPr>
+                        <a:t>&lt;=</a:t>
+                      </a:r>
+                      <a:endParaRPr lang="en-US" sz="2600" b="0" i="0" u="none" strike="noStrike">
+                        <a:solidFill>
+                          <a:srgbClr val="000000"/>
+                        </a:solidFill>
+                        <a:effectLst/>
+                        <a:latin typeface="Verdana" panose="020B0604030504040204" pitchFamily="34" charset="0"/>
+                      </a:endParaRPr>
+                    </a:p>
+                  </a:txBody>
+                  <a:tcPr marL="202929" marR="22548" marT="22548" marB="0"/>
+                </a:tc>
+                <a:tc>
+                  <a:txBody>
+                    <a:bodyPr/>
+                    <a:lstStyle/>
+                    <a:p>
+                      <a:pPr algn="l" fontAlgn="t"/>
+                      <a:r>
+                        <a:rPr lang="en-US" sz="2600" u="none" strike="noStrike">
+                          <a:effectLst/>
+                        </a:rPr>
+                        <a:t>Less than or equal to</a:t>
+                      </a:r>
+                      <a:endParaRPr lang="en-US" sz="2600" b="0" i="0" u="none" strike="noStrike">
+                        <a:solidFill>
+                          <a:srgbClr val="000000"/>
+                        </a:solidFill>
+                        <a:effectLst/>
+                        <a:latin typeface="Verdana" panose="020B0604030504040204" pitchFamily="34" charset="0"/>
+                      </a:endParaRPr>
+                    </a:p>
+                  </a:txBody>
+                  <a:tcPr marL="22548" marR="22548" marT="180381" marB="180381"/>
+                </a:tc>
+                <a:tc>
+                  <a:txBody>
+                    <a:bodyPr/>
+                    <a:lstStyle/>
+                    <a:p>
+                      <a:pPr algn="l" fontAlgn="t"/>
+                      <a:r>
+                        <a:rPr lang="en-US" sz="2600" u="none" strike="noStrike" dirty="0">
+                          <a:effectLst/>
+                        </a:rPr>
+                        <a:t>x &lt;= y</a:t>
+                      </a:r>
+                      <a:endParaRPr lang="en-US" sz="2600" b="0" i="0" u="none" strike="noStrike" dirty="0">
+                        <a:solidFill>
+                          <a:srgbClr val="000000"/>
+                        </a:solidFill>
+                        <a:effectLst/>
+                        <a:latin typeface="Verdana" panose="020B0604030504040204" pitchFamily="34" charset="0"/>
+                      </a:endParaRPr>
+                    </a:p>
+                  </a:txBody>
+                  <a:tcPr marL="22548" marR="22548" marT="180381" marB="180381"/>
+                </a:tc>
+                <a:extLst>
+                  <a:ext uri="{0D108BD9-81ED-4DB2-BD59-A6C34878D82A}">
+                    <a16:rowId xmlns:a16="http://schemas.microsoft.com/office/drawing/2014/main" val="3199058790"/>
+                  </a:ext>
+                </a:extLst>
+              </a:tr>
+            </a:tbl>
+          </a:graphicData>
+        </a:graphic>
+      </p:graphicFrame>
+    </p:spTree>
+    <p:extLst>
+      <p:ext uri="{BB962C8B-B14F-4D97-AF65-F5344CB8AC3E}">
+        <p14:creationId xmlns:p14="http://schemas.microsoft.com/office/powerpoint/2010/main" val="3012818675"/>
+      </p:ext>
+    </p:extLst>
+  </p:cSld>
+  <p:clrMapOvr>
+    <a:masterClrMapping/>
+  </p:clrMapOvr>
+</p:sld>
+</file>
+
+<file path=ppt/slides/slide12.xml><?xml version="1.0" encoding="utf-8"?>
+<p:sld xmlns:a="http://schemas.openxmlformats.org/drawingml/2006/main" xmlns:r="http://schemas.openxmlformats.org/officeDocument/2006/relationships" xmlns:p="http://schemas.openxmlformats.org/presentationml/2006/main">
+  <p:cSld>
+    <p:bg>
+      <p:bgPr>
+        <a:solidFill>
+          <a:schemeClr val="bg1"/>
+        </a:solidFill>
+        <a:effectLst/>
+      </p:bgPr>
+    </p:bg>
+    <p:spTree>
+      <p:nvGrpSpPr>
+        <p:cNvPr id="1" name=""/>
+        <p:cNvGrpSpPr/>
+        <p:nvPr/>
+      </p:nvGrpSpPr>
+      <p:grpSpPr>
+        <a:xfrm>
+          <a:off x="0" y="0"/>
+          <a:ext cx="0" cy="0"/>
+          <a:chOff x="0" y="0"/>
+          <a:chExt cx="0" cy="0"/>
+        </a:xfrm>
+      </p:grpSpPr>
+      <p:graphicFrame>
+        <p:nvGraphicFramePr>
+          <p:cNvPr id="4" name="Table 3">
+            <a:extLst>
+              <a:ext uri="{FF2B5EF4-FFF2-40B4-BE49-F238E27FC236}">
                 <a16:creationId xmlns:a16="http://schemas.microsoft.com/office/drawing/2014/main" id="{D307A52A-B464-CD32-F87A-2BA9A8A50211}"/>
               </a:ext>
             </a:extLst>
@@ -8610,7 +10148,7 @@
 </p:sld>
 </file>
 
-<file path=ppt/slides/slide11.xml><?xml version="1.0" encoding="utf-8"?>
+<file path=ppt/slides/slide13.xml><?xml version="1.0" encoding="utf-8"?>
 <p:sld xmlns:a="http://schemas.openxmlformats.org/drawingml/2006/main" xmlns:r="http://schemas.openxmlformats.org/officeDocument/2006/relationships" xmlns:p="http://schemas.openxmlformats.org/presentationml/2006/main">
   <p:cSld>
     <p:bg>
@@ -9009,7 +10547,7 @@
 </p:sld>
 </file>
 
-<file path=ppt/slides/slide12.xml><?xml version="1.0" encoding="utf-8"?>
+<file path=ppt/slides/slide14.xml><?xml version="1.0" encoding="utf-8"?>
 <p:sld xmlns:a="http://schemas.openxmlformats.org/drawingml/2006/main" xmlns:r="http://schemas.openxmlformats.org/officeDocument/2006/relationships" xmlns:p="http://schemas.openxmlformats.org/presentationml/2006/main">
   <p:cSld>
     <p:spTree>
@@ -11515,7 +13053,7 @@
 </p:sld>
 </file>
 
-<file path=ppt/slides/slide13.xml><?xml version="1.0" encoding="utf-8"?>
+<file path=ppt/slides/slide15.xml><?xml version="1.0" encoding="utf-8"?>
 <p:sld xmlns:a="http://schemas.openxmlformats.org/drawingml/2006/main" xmlns:r="http://schemas.openxmlformats.org/officeDocument/2006/relationships" xmlns:p="http://schemas.openxmlformats.org/presentationml/2006/main">
   <p:cSld>
     <p:spTree>
@@ -13721,7 +15259,7 @@
 </p:sld>
 </file>
 
-<file path=ppt/slides/slide14.xml><?xml version="1.0" encoding="utf-8"?>
+<file path=ppt/slides/slide16.xml><?xml version="1.0" encoding="utf-8"?>
 <p:sld xmlns:a="http://schemas.openxmlformats.org/drawingml/2006/main" xmlns:r="http://schemas.openxmlformats.org/officeDocument/2006/relationships" xmlns:p="http://schemas.openxmlformats.org/presentationml/2006/main">
   <p:cSld>
     <p:spTree>
@@ -15739,7 +17277,7 @@
 </p:sld>
 </file>
 
-<file path=ppt/slides/slide15.xml><?xml version="1.0" encoding="utf-8"?>
+<file path=ppt/slides/slide17.xml><?xml version="1.0" encoding="utf-8"?>
 <p:sld xmlns:a="http://schemas.openxmlformats.org/drawingml/2006/main" xmlns:r="http://schemas.openxmlformats.org/officeDocument/2006/relationships" xmlns:p="http://schemas.openxmlformats.org/presentationml/2006/main">
   <p:cSld>
     <p:spTree>
@@ -16329,7 +17867,7 @@
 </p:sld>
 </file>
 
-<file path=ppt/slides/slide16.xml><?xml version="1.0" encoding="utf-8"?>
+<file path=ppt/slides/slide18.xml><?xml version="1.0" encoding="utf-8"?>
 <p:sld xmlns:a="http://schemas.openxmlformats.org/drawingml/2006/main" xmlns:r="http://schemas.openxmlformats.org/officeDocument/2006/relationships" xmlns:p="http://schemas.openxmlformats.org/presentationml/2006/main">
   <p:cSld>
     <p:spTree>
@@ -20104,6 +21642,492 @@
   <p:cSld>
     <p:spTree>
       <p:nvGrpSpPr>
+        <p:cNvPr id="1" name=""/>
+        <p:cNvGrpSpPr/>
+        <p:nvPr/>
+      </p:nvGrpSpPr>
+      <p:grpSpPr>
+        <a:xfrm>
+          <a:off x="0" y="0"/>
+          <a:ext cx="0" cy="0"/>
+          <a:chOff x="0" y="0"/>
+          <a:chExt cx="0" cy="0"/>
+        </a:xfrm>
+      </p:grpSpPr>
+      <p:pic>
+        <p:nvPicPr>
+          <p:cNvPr id="1026" name="Picture 2">
+            <a:extLst>
+              <a:ext uri="{FF2B5EF4-FFF2-40B4-BE49-F238E27FC236}">
+                <a16:creationId xmlns:a16="http://schemas.microsoft.com/office/drawing/2014/main" id="{B9B3B012-2ADB-7F9B-CBBC-9246AE9222FC}"/>
+              </a:ext>
+            </a:extLst>
+          </p:cNvPr>
+          <p:cNvPicPr>
+            <a:picLocks noChangeAspect="1" noChangeArrowheads="1"/>
+          </p:cNvPicPr>
+          <p:nvPr/>
+        </p:nvPicPr>
+        <p:blipFill rotWithShape="1">
+          <a:blip r:embed="rId2">
+            <a:extLst>
+              <a:ext uri="{28A0092B-C50C-407E-A947-70E740481C1C}">
+                <a14:useLocalDpi xmlns:a14="http://schemas.microsoft.com/office/drawing/2010/main" val="0"/>
+              </a:ext>
+            </a:extLst>
+          </a:blip>
+          <a:srcRect t="17217" r="9358" b="12362"/>
+          <a:stretch/>
+        </p:blipFill>
+        <p:spPr bwMode="auto">
+          <a:xfrm>
+            <a:off x="609600" y="1180730"/>
+            <a:ext cx="9945950" cy="4829453"/>
+          </a:xfrm>
+          <a:prstGeom prst="rect">
+            <a:avLst/>
+          </a:prstGeom>
+          <a:noFill/>
+          <a:extLst>
+            <a:ext uri="{909E8E84-426E-40DD-AFC4-6F175D3DCCD1}">
+              <a14:hiddenFill xmlns:a14="http://schemas.microsoft.com/office/drawing/2010/main">
+                <a:solidFill>
+                  <a:srgbClr val="FFFFFF"/>
+                </a:solidFill>
+              </a14:hiddenFill>
+            </a:ext>
+          </a:extLst>
+        </p:spPr>
+      </p:pic>
+      <p:pic>
+        <p:nvPicPr>
+          <p:cNvPr id="4" name="Picture 2">
+            <a:extLst>
+              <a:ext uri="{FF2B5EF4-FFF2-40B4-BE49-F238E27FC236}">
+                <a16:creationId xmlns:a16="http://schemas.microsoft.com/office/drawing/2014/main" id="{6B380357-F734-1DA0-B31F-0BE402AFAEA9}"/>
+              </a:ext>
+            </a:extLst>
+          </p:cNvPr>
+          <p:cNvPicPr>
+            <a:picLocks noChangeAspect="1" noChangeArrowheads="1"/>
+          </p:cNvPicPr>
+          <p:nvPr/>
+        </p:nvPicPr>
+        <p:blipFill rotWithShape="1">
+          <a:blip r:embed="rId2">
+            <a:extLst>
+              <a:ext uri="{28A0092B-C50C-407E-A947-70E740481C1C}">
+                <a14:useLocalDpi xmlns:a14="http://schemas.microsoft.com/office/drawing/2010/main" val="0"/>
+              </a:ext>
+            </a:extLst>
+          </a:blip>
+          <a:srcRect l="91195" t="19397" b="64293"/>
+          <a:stretch/>
+        </p:blipFill>
+        <p:spPr bwMode="auto">
+          <a:xfrm>
+            <a:off x="1287261" y="3577498"/>
+            <a:ext cx="1633491" cy="1891147"/>
+          </a:xfrm>
+          <a:prstGeom prst="rect">
+            <a:avLst/>
+          </a:prstGeom>
+          <a:noFill/>
+          <a:extLst>
+            <a:ext uri="{909E8E84-426E-40DD-AFC4-6F175D3DCCD1}">
+              <a14:hiddenFill xmlns:a14="http://schemas.microsoft.com/office/drawing/2010/main">
+                <a:solidFill>
+                  <a:srgbClr val="FFFFFF"/>
+                </a:solidFill>
+              </a14:hiddenFill>
+            </a:ext>
+          </a:extLst>
+        </p:spPr>
+      </p:pic>
+      <p:sp>
+        <p:nvSpPr>
+          <p:cNvPr id="5" name="TextBox 4">
+            <a:extLst>
+              <a:ext uri="{FF2B5EF4-FFF2-40B4-BE49-F238E27FC236}">
+                <a16:creationId xmlns:a16="http://schemas.microsoft.com/office/drawing/2014/main" id="{50DCD57E-EC1A-2BFE-73F4-AB09D902E6A6}"/>
+              </a:ext>
+            </a:extLst>
+          </p:cNvPr>
+          <p:cNvSpPr txBox="1"/>
+          <p:nvPr/>
+        </p:nvSpPr>
+        <p:spPr>
+          <a:xfrm>
+            <a:off x="1636450" y="3577498"/>
+            <a:ext cx="1633490" cy="400110"/>
+          </a:xfrm>
+          <a:prstGeom prst="rect">
+            <a:avLst/>
+          </a:prstGeom>
+          <a:solidFill>
+            <a:schemeClr val="bg1"/>
+          </a:solidFill>
+        </p:spPr>
+        <p:txBody>
+          <a:bodyPr wrap="square" rtlCol="0">
+            <a:spAutoFit/>
+          </a:bodyPr>
+          <a:lstStyle/>
+          <a:p>
+            <a:r>
+              <a:rPr lang="en-US" sz="2000" dirty="0"/>
+              <a:t>Hyper arid</a:t>
+            </a:r>
+            <a:endParaRPr lang="en-US" sz="2000" baseline="-25000" dirty="0"/>
+          </a:p>
+        </p:txBody>
+      </p:sp>
+      <p:sp>
+        <p:nvSpPr>
+          <p:cNvPr id="6" name="TextBox 5">
+            <a:extLst>
+              <a:ext uri="{FF2B5EF4-FFF2-40B4-BE49-F238E27FC236}">
+                <a16:creationId xmlns:a16="http://schemas.microsoft.com/office/drawing/2014/main" id="{38FB4390-5D31-C63E-D77B-942928D7B97B}"/>
+              </a:ext>
+            </a:extLst>
+          </p:cNvPr>
+          <p:cNvSpPr txBox="1"/>
+          <p:nvPr/>
+        </p:nvSpPr>
+        <p:spPr>
+          <a:xfrm>
+            <a:off x="1636450" y="3977608"/>
+            <a:ext cx="1633490" cy="400110"/>
+          </a:xfrm>
+          <a:prstGeom prst="rect">
+            <a:avLst/>
+          </a:prstGeom>
+          <a:solidFill>
+            <a:schemeClr val="bg1"/>
+          </a:solidFill>
+        </p:spPr>
+        <p:txBody>
+          <a:bodyPr wrap="square" rtlCol="0">
+            <a:spAutoFit/>
+          </a:bodyPr>
+          <a:lstStyle/>
+          <a:p>
+            <a:r>
+              <a:rPr lang="en-US" sz="2000" dirty="0"/>
+              <a:t>Arid</a:t>
+            </a:r>
+            <a:endParaRPr lang="en-US" sz="2000" baseline="-25000" dirty="0"/>
+          </a:p>
+        </p:txBody>
+      </p:sp>
+      <p:sp>
+        <p:nvSpPr>
+          <p:cNvPr id="7" name="TextBox 6">
+            <a:extLst>
+              <a:ext uri="{FF2B5EF4-FFF2-40B4-BE49-F238E27FC236}">
+                <a16:creationId xmlns:a16="http://schemas.microsoft.com/office/drawing/2014/main" id="{B5C7B165-C6B3-8855-6C66-56CAE7D886B1}"/>
+              </a:ext>
+            </a:extLst>
+          </p:cNvPr>
+          <p:cNvSpPr txBox="1"/>
+          <p:nvPr/>
+        </p:nvSpPr>
+        <p:spPr>
+          <a:xfrm>
+            <a:off x="1636450" y="4309598"/>
+            <a:ext cx="1633490" cy="400110"/>
+          </a:xfrm>
+          <a:prstGeom prst="rect">
+            <a:avLst/>
+          </a:prstGeom>
+          <a:solidFill>
+            <a:schemeClr val="bg1"/>
+          </a:solidFill>
+        </p:spPr>
+        <p:txBody>
+          <a:bodyPr wrap="square" rtlCol="0">
+            <a:spAutoFit/>
+          </a:bodyPr>
+          <a:lstStyle/>
+          <a:p>
+            <a:r>
+              <a:rPr lang="en-US" sz="2000" dirty="0"/>
+              <a:t>Semi arid </a:t>
+            </a:r>
+            <a:endParaRPr lang="en-US" sz="2000" baseline="-25000" dirty="0"/>
+          </a:p>
+        </p:txBody>
+      </p:sp>
+      <p:sp>
+        <p:nvSpPr>
+          <p:cNvPr id="8" name="TextBox 7">
+            <a:extLst>
+              <a:ext uri="{FF2B5EF4-FFF2-40B4-BE49-F238E27FC236}">
+                <a16:creationId xmlns:a16="http://schemas.microsoft.com/office/drawing/2014/main" id="{ABBA5D5D-B473-C632-5F55-82CFD1DC8011}"/>
+              </a:ext>
+            </a:extLst>
+          </p:cNvPr>
+          <p:cNvSpPr txBox="1"/>
+          <p:nvPr/>
+        </p:nvSpPr>
+        <p:spPr>
+          <a:xfrm>
+            <a:off x="1636450" y="4689066"/>
+            <a:ext cx="1633490" cy="400110"/>
+          </a:xfrm>
+          <a:prstGeom prst="rect">
+            <a:avLst/>
+          </a:prstGeom>
+          <a:solidFill>
+            <a:schemeClr val="bg1"/>
+          </a:solidFill>
+        </p:spPr>
+        <p:txBody>
+          <a:bodyPr wrap="square" rtlCol="0">
+            <a:spAutoFit/>
+          </a:bodyPr>
+          <a:lstStyle/>
+          <a:p>
+            <a:r>
+              <a:rPr lang="en-US" sz="2000" dirty="0"/>
+              <a:t>Sub humid </a:t>
+            </a:r>
+            <a:endParaRPr lang="en-US" sz="2000" baseline="-25000" dirty="0"/>
+          </a:p>
+        </p:txBody>
+      </p:sp>
+      <p:sp>
+        <p:nvSpPr>
+          <p:cNvPr id="9" name="TextBox 8">
+            <a:extLst>
+              <a:ext uri="{FF2B5EF4-FFF2-40B4-BE49-F238E27FC236}">
+                <a16:creationId xmlns:a16="http://schemas.microsoft.com/office/drawing/2014/main" id="{00BE221C-41D0-B073-890C-5CDA2467EE6A}"/>
+              </a:ext>
+            </a:extLst>
+          </p:cNvPr>
+          <p:cNvSpPr txBox="1"/>
+          <p:nvPr/>
+        </p:nvSpPr>
+        <p:spPr>
+          <a:xfrm>
+            <a:off x="1636450" y="5048312"/>
+            <a:ext cx="1633490" cy="400110"/>
+          </a:xfrm>
+          <a:prstGeom prst="rect">
+            <a:avLst/>
+          </a:prstGeom>
+          <a:solidFill>
+            <a:schemeClr val="bg1"/>
+          </a:solidFill>
+        </p:spPr>
+        <p:txBody>
+          <a:bodyPr wrap="square" rtlCol="0">
+            <a:spAutoFit/>
+          </a:bodyPr>
+          <a:lstStyle/>
+          <a:p>
+            <a:r>
+              <a:rPr lang="en-US" sz="2000" dirty="0"/>
+              <a:t>Humid</a:t>
+            </a:r>
+            <a:endParaRPr lang="en-US" sz="2000" baseline="-25000" dirty="0"/>
+          </a:p>
+        </p:txBody>
+      </p:sp>
+      <p:sp>
+        <p:nvSpPr>
+          <p:cNvPr id="10" name="TextBox 9">
+            <a:extLst>
+              <a:ext uri="{FF2B5EF4-FFF2-40B4-BE49-F238E27FC236}">
+                <a16:creationId xmlns:a16="http://schemas.microsoft.com/office/drawing/2014/main" id="{0DE8C7D2-CAE8-7913-752B-4DFA58EC1849}"/>
+              </a:ext>
+            </a:extLst>
+          </p:cNvPr>
+          <p:cNvSpPr txBox="1"/>
+          <p:nvPr/>
+        </p:nvSpPr>
+        <p:spPr>
+          <a:xfrm>
+            <a:off x="5428694" y="5048312"/>
+            <a:ext cx="4993690" cy="523220"/>
+          </a:xfrm>
+          <a:prstGeom prst="rect">
+            <a:avLst/>
+          </a:prstGeom>
+          <a:solidFill>
+            <a:schemeClr val="bg1"/>
+          </a:solidFill>
+        </p:spPr>
+        <p:txBody>
+          <a:bodyPr wrap="square" rtlCol="0">
+            <a:spAutoFit/>
+          </a:bodyPr>
+          <a:lstStyle/>
+          <a:p>
+            <a:pPr algn="ctr"/>
+            <a:r>
+              <a:rPr lang="en-US" sz="2800" dirty="0"/>
+              <a:t>Global Climate Classification</a:t>
+            </a:r>
+          </a:p>
+        </p:txBody>
+      </p:sp>
+    </p:spTree>
+    <p:extLst>
+      <p:ext uri="{BB962C8B-B14F-4D97-AF65-F5344CB8AC3E}">
+        <p14:creationId xmlns:p14="http://schemas.microsoft.com/office/powerpoint/2010/main" val="1777775388"/>
+      </p:ext>
+    </p:extLst>
+  </p:cSld>
+  <p:clrMapOvr>
+    <a:masterClrMapping/>
+  </p:clrMapOvr>
+</p:sld>
+</file>
+
+<file path=ppt/slides/slide7.xml><?xml version="1.0" encoding="utf-8"?>
+<p:sld xmlns:a="http://schemas.openxmlformats.org/drawingml/2006/main" xmlns:r="http://schemas.openxmlformats.org/officeDocument/2006/relationships" xmlns:p="http://schemas.openxmlformats.org/presentationml/2006/main">
+  <p:cSld>
+    <p:spTree>
+      <p:nvGrpSpPr>
+        <p:cNvPr id="1" name=""/>
+        <p:cNvGrpSpPr/>
+        <p:nvPr/>
+      </p:nvGrpSpPr>
+      <p:grpSpPr>
+        <a:xfrm>
+          <a:off x="0" y="0"/>
+          <a:ext cx="0" cy="0"/>
+          <a:chOff x="0" y="0"/>
+          <a:chExt cx="0" cy="0"/>
+        </a:xfrm>
+      </p:grpSpPr>
+      <p:sp>
+        <p:nvSpPr>
+          <p:cNvPr id="2" name="Title 1">
+            <a:extLst>
+              <a:ext uri="{FF2B5EF4-FFF2-40B4-BE49-F238E27FC236}">
+                <a16:creationId xmlns:a16="http://schemas.microsoft.com/office/drawing/2014/main" id="{6044F1F2-128D-B6AC-5B24-6EF2980A6695}"/>
+              </a:ext>
+            </a:extLst>
+          </p:cNvPr>
+          <p:cNvSpPr>
+            <a:spLocks noGrp="1"/>
+          </p:cNvSpPr>
+          <p:nvPr>
+            <p:ph type="title"/>
+          </p:nvPr>
+        </p:nvSpPr>
+        <p:spPr/>
+        <p:txBody>
+          <a:bodyPr/>
+          <a:lstStyle/>
+          <a:p>
+            <a:r>
+              <a:rPr lang="en-US" b="1" i="0" u="sng" dirty="0">
+                <a:solidFill>
+                  <a:srgbClr val="82C7FF"/>
+                </a:solidFill>
+                <a:effectLst/>
+                <a:latin typeface="Roboto" panose="02000000000000000000" pitchFamily="2" charset="0"/>
+                <a:hlinkClick r:id="rId2" tooltip="View page"/>
+              </a:rPr>
+              <a:t>US Moisture Index Map</a:t>
+            </a:r>
+            <a:endParaRPr lang="en-US" dirty="0"/>
+          </a:p>
+        </p:txBody>
+      </p:sp>
+      <p:sp>
+        <p:nvSpPr>
+          <p:cNvPr id="3" name="Content Placeholder 2">
+            <a:extLst>
+              <a:ext uri="{FF2B5EF4-FFF2-40B4-BE49-F238E27FC236}">
+                <a16:creationId xmlns:a16="http://schemas.microsoft.com/office/drawing/2014/main" id="{F3FADDC6-2048-9FB8-912B-79EBAD820C21}"/>
+              </a:ext>
+            </a:extLst>
+          </p:cNvPr>
+          <p:cNvSpPr>
+            <a:spLocks noGrp="1"/>
+          </p:cNvSpPr>
+          <p:nvPr>
+            <p:ph idx="1"/>
+          </p:nvPr>
+        </p:nvSpPr>
+        <p:spPr/>
+        <p:txBody>
+          <a:bodyPr/>
+          <a:lstStyle/>
+          <a:p>
+            <a:endParaRPr lang="en-US"/>
+          </a:p>
+        </p:txBody>
+      </p:sp>
+      <p:pic>
+        <p:nvPicPr>
+          <p:cNvPr id="1026" name="Picture 2" descr="r/MapPorn - US Moisture Index Map [3841 × 2419]">
+            <a:extLst>
+              <a:ext uri="{FF2B5EF4-FFF2-40B4-BE49-F238E27FC236}">
+                <a16:creationId xmlns:a16="http://schemas.microsoft.com/office/drawing/2014/main" id="{956A9CEE-81CE-329D-23D5-3CD328E3239C}"/>
+              </a:ext>
+            </a:extLst>
+          </p:cNvPr>
+          <p:cNvPicPr>
+            <a:picLocks noChangeAspect="1" noChangeArrowheads="1"/>
+          </p:cNvPicPr>
+          <p:nvPr/>
+        </p:nvPicPr>
+        <p:blipFill>
+          <a:blip r:embed="rId3">
+            <a:extLst>
+              <a:ext uri="{28A0092B-C50C-407E-A947-70E740481C1C}">
+                <a14:useLocalDpi xmlns:a14="http://schemas.microsoft.com/office/drawing/2010/main" val="0"/>
+              </a:ext>
+            </a:extLst>
+          </a:blip>
+          <a:srcRect/>
+          <a:stretch>
+            <a:fillRect/>
+          </a:stretch>
+        </p:blipFill>
+        <p:spPr bwMode="auto">
+          <a:xfrm>
+            <a:off x="3048000" y="1509713"/>
+            <a:ext cx="6096000" cy="3838575"/>
+          </a:xfrm>
+          <a:prstGeom prst="rect">
+            <a:avLst/>
+          </a:prstGeom>
+          <a:noFill/>
+          <a:extLst>
+            <a:ext uri="{909E8E84-426E-40DD-AFC4-6F175D3DCCD1}">
+              <a14:hiddenFill xmlns:a14="http://schemas.microsoft.com/office/drawing/2010/main">
+                <a:solidFill>
+                  <a:srgbClr val="FFFFFF"/>
+                </a:solidFill>
+              </a14:hiddenFill>
+            </a:ext>
+          </a:extLst>
+        </p:spPr>
+      </p:pic>
+    </p:spTree>
+    <p:extLst>
+      <p:ext uri="{BB962C8B-B14F-4D97-AF65-F5344CB8AC3E}">
+        <p14:creationId xmlns:p14="http://schemas.microsoft.com/office/powerpoint/2010/main" val="2646407017"/>
+      </p:ext>
+    </p:extLst>
+  </p:cSld>
+  <p:clrMapOvr>
+    <a:masterClrMapping/>
+  </p:clrMapOvr>
+</p:sld>
+</file>
+
+<file path=ppt/slides/slide8.xml><?xml version="1.0" encoding="utf-8"?>
+<p:sld xmlns:a="http://schemas.openxmlformats.org/drawingml/2006/main" xmlns:r="http://schemas.openxmlformats.org/officeDocument/2006/relationships" xmlns:p="http://schemas.openxmlformats.org/presentationml/2006/main">
+  <p:cSld>
+    <p:spTree>
+      <p:nvGrpSpPr>
         <p:cNvPr id="1" name="">
           <a:extLst>
             <a:ext uri="{FF2B5EF4-FFF2-40B4-BE49-F238E27FC236}">
@@ -20550,7 +22574,7 @@
 </p:sld>
 </file>
 
-<file path=ppt/slides/slide7.xml><?xml version="1.0" encoding="utf-8"?>
+<file path=ppt/slides/slide9.xml><?xml version="1.0" encoding="utf-8"?>
 <p:sld xmlns:a="http://schemas.openxmlformats.org/drawingml/2006/main" xmlns:r="http://schemas.openxmlformats.org/officeDocument/2006/relationships" xmlns:p="http://schemas.openxmlformats.org/presentationml/2006/main">
   <p:cSld>
     <p:spTree>
@@ -20660,1336 +22684,6 @@
     <p:extLst>
       <p:ext uri="{BB962C8B-B14F-4D97-AF65-F5344CB8AC3E}">
         <p14:creationId xmlns:p14="http://schemas.microsoft.com/office/powerpoint/2010/main" val="3162076565"/>
-      </p:ext>
-    </p:extLst>
-  </p:cSld>
-  <p:clrMapOvr>
-    <a:masterClrMapping/>
-  </p:clrMapOvr>
-</p:sld>
-</file>
-
-<file path=ppt/slides/slide8.xml><?xml version="1.0" encoding="utf-8"?>
-<p:sld xmlns:a="http://schemas.openxmlformats.org/drawingml/2006/main" xmlns:r="http://schemas.openxmlformats.org/officeDocument/2006/relationships" xmlns:p="http://schemas.openxmlformats.org/presentationml/2006/main">
-  <p:cSld>
-    <p:bg>
-      <p:bgPr>
-        <a:solidFill>
-          <a:schemeClr val="bg1"/>
-        </a:solidFill>
-        <a:effectLst/>
-      </p:bgPr>
-    </p:bg>
-    <p:spTree>
-      <p:nvGrpSpPr>
-        <p:cNvPr id="1" name=""/>
-        <p:cNvGrpSpPr/>
-        <p:nvPr/>
-      </p:nvGrpSpPr>
-      <p:grpSpPr>
-        <a:xfrm>
-          <a:off x="0" y="0"/>
-          <a:ext cx="0" cy="0"/>
-          <a:chOff x="0" y="0"/>
-          <a:chExt cx="0" cy="0"/>
-        </a:xfrm>
-      </p:grpSpPr>
-      <p:graphicFrame>
-        <p:nvGraphicFramePr>
-          <p:cNvPr id="4" name="Table 3">
-            <a:extLst>
-              <a:ext uri="{FF2B5EF4-FFF2-40B4-BE49-F238E27FC236}">
-                <a16:creationId xmlns:a16="http://schemas.microsoft.com/office/drawing/2014/main" id="{36079657-0AD0-07B5-D9D1-34B54CAECE47}"/>
-              </a:ext>
-            </a:extLst>
-          </p:cNvPr>
-          <p:cNvGraphicFramePr>
-            <a:graphicFrameLocks noGrp="1"/>
-          </p:cNvGraphicFramePr>
-          <p:nvPr>
-            <p:extLst>
-              <p:ext uri="{D42A27DB-BD31-4B8C-83A1-F6EECF244321}">
-                <p14:modId xmlns:p14="http://schemas.microsoft.com/office/powerpoint/2010/main" val="2094203613"/>
-              </p:ext>
-            </p:extLst>
-          </p:nvPr>
-        </p:nvGraphicFramePr>
-        <p:xfrm>
-          <a:off x="1458292" y="643466"/>
-          <a:ext cx="9275417" cy="5571070"/>
-        </p:xfrm>
-        <a:graphic>
-          <a:graphicData uri="http://schemas.openxmlformats.org/drawingml/2006/table">
-            <a:tbl>
-              <a:tblPr firstRow="1" bandRow="1">
-                <a:tableStyleId>{5C22544A-7EE6-4342-B048-85BDC9FD1C3A}</a:tableStyleId>
-              </a:tblPr>
-              <a:tblGrid>
-                <a:gridCol w="2256659">
-                  <a:extLst>
-                    <a:ext uri="{9D8B030D-6E8A-4147-A177-3AD203B41FA5}">
-                      <a16:colId xmlns:a16="http://schemas.microsoft.com/office/drawing/2014/main" val="2179890469"/>
-                    </a:ext>
-                  </a:extLst>
-                </a:gridCol>
-                <a:gridCol w="4739442">
-                  <a:extLst>
-                    <a:ext uri="{9D8B030D-6E8A-4147-A177-3AD203B41FA5}">
-                      <a16:colId xmlns:a16="http://schemas.microsoft.com/office/drawing/2014/main" val="2644522850"/>
-                    </a:ext>
-                  </a:extLst>
-                </a:gridCol>
-                <a:gridCol w="2279316">
-                  <a:extLst>
-                    <a:ext uri="{9D8B030D-6E8A-4147-A177-3AD203B41FA5}">
-                      <a16:colId xmlns:a16="http://schemas.microsoft.com/office/drawing/2014/main" val="1167237965"/>
-                    </a:ext>
-                  </a:extLst>
-                </a:gridCol>
-              </a:tblGrid>
-              <a:tr h="425482">
-                <a:tc>
-                  <a:txBody>
-                    <a:bodyPr/>
-                    <a:lstStyle/>
-                    <a:p>
-                      <a:pPr algn="l" fontAlgn="t"/>
-                      <a:r>
-                        <a:rPr lang="en-US" sz="2400" u="none" strike="noStrike" dirty="0">
-                          <a:effectLst/>
-                        </a:rPr>
-                        <a:t>Operator</a:t>
-                      </a:r>
-                      <a:endParaRPr lang="en-US" sz="2400" b="1" i="0" u="none" strike="noStrike" dirty="0">
-                        <a:solidFill>
-                          <a:srgbClr val="000000"/>
-                        </a:solidFill>
-                        <a:effectLst/>
-                        <a:latin typeface="Verdana" panose="020B0604030504040204" pitchFamily="34" charset="0"/>
-                      </a:endParaRPr>
-                    </a:p>
-                  </a:txBody>
-                  <a:tcPr marL="185762" marR="20641" marT="20641" marB="0"/>
-                </a:tc>
-                <a:tc>
-                  <a:txBody>
-                    <a:bodyPr/>
-                    <a:lstStyle/>
-                    <a:p>
-                      <a:pPr algn="l" fontAlgn="t"/>
-                      <a:r>
-                        <a:rPr lang="en-US" sz="2400" u="none" strike="noStrike" dirty="0">
-                          <a:effectLst/>
-                        </a:rPr>
-                        <a:t>Name</a:t>
-                      </a:r>
-                      <a:endParaRPr lang="en-US" sz="2400" b="1" i="0" u="none" strike="noStrike" dirty="0">
-                        <a:solidFill>
-                          <a:srgbClr val="000000"/>
-                        </a:solidFill>
-                        <a:effectLst/>
-                        <a:latin typeface="Verdana" panose="020B0604030504040204" pitchFamily="34" charset="0"/>
-                      </a:endParaRPr>
-                    </a:p>
-                  </a:txBody>
-                  <a:tcPr marL="20641" marR="20641" marT="20641" marB="0"/>
-                </a:tc>
-                <a:tc>
-                  <a:txBody>
-                    <a:bodyPr/>
-                    <a:lstStyle/>
-                    <a:p>
-                      <a:pPr algn="l" fontAlgn="t"/>
-                      <a:r>
-                        <a:rPr lang="en-US" sz="2400" u="none" strike="noStrike" dirty="0">
-                          <a:effectLst/>
-                        </a:rPr>
-                        <a:t>Example</a:t>
-                      </a:r>
-                      <a:endParaRPr lang="en-US" sz="2400" b="1" i="0" u="none" strike="noStrike" dirty="0">
-                        <a:solidFill>
-                          <a:srgbClr val="000000"/>
-                        </a:solidFill>
-                        <a:effectLst/>
-                        <a:latin typeface="Verdana" panose="020B0604030504040204" pitchFamily="34" charset="0"/>
-                      </a:endParaRPr>
-                    </a:p>
-                  </a:txBody>
-                  <a:tcPr marL="20641" marR="20641" marT="20641" marB="0"/>
-                </a:tc>
-                <a:extLst>
-                  <a:ext uri="{0D108BD9-81ED-4DB2-BD59-A6C34878D82A}">
-                    <a16:rowId xmlns:a16="http://schemas.microsoft.com/office/drawing/2014/main" val="4036138090"/>
-                  </a:ext>
-                </a:extLst>
-              </a:tr>
-              <a:tr h="735084">
-                <a:tc>
-                  <a:txBody>
-                    <a:bodyPr/>
-                    <a:lstStyle/>
-                    <a:p>
-                      <a:pPr algn="l" fontAlgn="t"/>
-                      <a:r>
-                        <a:rPr lang="en-US" sz="2400" u="none" strike="noStrike">
-                          <a:effectLst/>
-                        </a:rPr>
-                        <a:t>+</a:t>
-                      </a:r>
-                      <a:endParaRPr lang="en-US" sz="2400" b="0" i="0" u="none" strike="noStrike">
-                        <a:solidFill>
-                          <a:srgbClr val="000000"/>
-                        </a:solidFill>
-                        <a:effectLst/>
-                        <a:latin typeface="Verdana" panose="020B0604030504040204" pitchFamily="34" charset="0"/>
-                      </a:endParaRPr>
-                    </a:p>
-                  </a:txBody>
-                  <a:tcPr marL="185762" marR="20641" marT="20641" marB="0"/>
-                </a:tc>
-                <a:tc>
-                  <a:txBody>
-                    <a:bodyPr/>
-                    <a:lstStyle/>
-                    <a:p>
-                      <a:pPr algn="l" fontAlgn="t"/>
-                      <a:r>
-                        <a:rPr lang="en-US" sz="2400" u="none" strike="noStrike">
-                          <a:effectLst/>
-                        </a:rPr>
-                        <a:t>Addition</a:t>
-                      </a:r>
-                      <a:endParaRPr lang="en-US" sz="2400" b="0" i="0" u="none" strike="noStrike">
-                        <a:solidFill>
-                          <a:srgbClr val="000000"/>
-                        </a:solidFill>
-                        <a:effectLst/>
-                        <a:latin typeface="Verdana" panose="020B0604030504040204" pitchFamily="34" charset="0"/>
-                      </a:endParaRPr>
-                    </a:p>
-                  </a:txBody>
-                  <a:tcPr marL="20641" marR="20641" marT="165121" marB="165121"/>
-                </a:tc>
-                <a:tc>
-                  <a:txBody>
-                    <a:bodyPr/>
-                    <a:lstStyle/>
-                    <a:p>
-                      <a:pPr algn="l" fontAlgn="t"/>
-                      <a:r>
-                        <a:rPr lang="en-US" sz="2400" u="none" strike="noStrike" dirty="0">
-                          <a:effectLst/>
-                        </a:rPr>
-                        <a:t>x + y</a:t>
-                      </a:r>
-                      <a:endParaRPr lang="en-US" sz="2400" b="0" i="0" u="none" strike="noStrike" dirty="0">
-                        <a:solidFill>
-                          <a:srgbClr val="000000"/>
-                        </a:solidFill>
-                        <a:effectLst/>
-                        <a:latin typeface="Verdana" panose="020B0604030504040204" pitchFamily="34" charset="0"/>
-                      </a:endParaRPr>
-                    </a:p>
-                  </a:txBody>
-                  <a:tcPr marL="20641" marR="20641" marT="165121" marB="165121"/>
-                </a:tc>
-                <a:extLst>
-                  <a:ext uri="{0D108BD9-81ED-4DB2-BD59-A6C34878D82A}">
-                    <a16:rowId xmlns:a16="http://schemas.microsoft.com/office/drawing/2014/main" val="3571161190"/>
-                  </a:ext>
-                </a:extLst>
-              </a:tr>
-              <a:tr h="735084">
-                <a:tc>
-                  <a:txBody>
-                    <a:bodyPr/>
-                    <a:lstStyle/>
-                    <a:p>
-                      <a:pPr algn="l" fontAlgn="t"/>
-                      <a:r>
-                        <a:rPr lang="en-US" sz="2400" u="none" strike="noStrike">
-                          <a:effectLst/>
-                        </a:rPr>
-                        <a:t>-</a:t>
-                      </a:r>
-                      <a:endParaRPr lang="en-US" sz="2400" b="0" i="0" u="none" strike="noStrike">
-                        <a:solidFill>
-                          <a:srgbClr val="000000"/>
-                        </a:solidFill>
-                        <a:effectLst/>
-                        <a:latin typeface="Verdana" panose="020B0604030504040204" pitchFamily="34" charset="0"/>
-                      </a:endParaRPr>
-                    </a:p>
-                  </a:txBody>
-                  <a:tcPr marL="185762" marR="20641" marT="20641" marB="0"/>
-                </a:tc>
-                <a:tc>
-                  <a:txBody>
-                    <a:bodyPr/>
-                    <a:lstStyle/>
-                    <a:p>
-                      <a:pPr algn="l" fontAlgn="t"/>
-                      <a:r>
-                        <a:rPr lang="en-US" sz="2400" u="none" strike="noStrike">
-                          <a:effectLst/>
-                        </a:rPr>
-                        <a:t>Subtraction</a:t>
-                      </a:r>
-                      <a:endParaRPr lang="en-US" sz="2400" b="0" i="0" u="none" strike="noStrike">
-                        <a:solidFill>
-                          <a:srgbClr val="000000"/>
-                        </a:solidFill>
-                        <a:effectLst/>
-                        <a:latin typeface="Verdana" panose="020B0604030504040204" pitchFamily="34" charset="0"/>
-                      </a:endParaRPr>
-                    </a:p>
-                  </a:txBody>
-                  <a:tcPr marL="20641" marR="20641" marT="165121" marB="165121"/>
-                </a:tc>
-                <a:tc>
-                  <a:txBody>
-                    <a:bodyPr/>
-                    <a:lstStyle/>
-                    <a:p>
-                      <a:pPr algn="l" fontAlgn="t"/>
-                      <a:r>
-                        <a:rPr lang="en-US" sz="2400" u="none" strike="noStrike">
-                          <a:effectLst/>
-                        </a:rPr>
-                        <a:t>x - y</a:t>
-                      </a:r>
-                      <a:endParaRPr lang="en-US" sz="2400" b="0" i="0" u="none" strike="noStrike">
-                        <a:solidFill>
-                          <a:srgbClr val="000000"/>
-                        </a:solidFill>
-                        <a:effectLst/>
-                        <a:latin typeface="Verdana" panose="020B0604030504040204" pitchFamily="34" charset="0"/>
-                      </a:endParaRPr>
-                    </a:p>
-                  </a:txBody>
-                  <a:tcPr marL="20641" marR="20641" marT="165121" marB="165121"/>
-                </a:tc>
-                <a:extLst>
-                  <a:ext uri="{0D108BD9-81ED-4DB2-BD59-A6C34878D82A}">
-                    <a16:rowId xmlns:a16="http://schemas.microsoft.com/office/drawing/2014/main" val="2208088400"/>
-                  </a:ext>
-                </a:extLst>
-              </a:tr>
-              <a:tr h="735084">
-                <a:tc>
-                  <a:txBody>
-                    <a:bodyPr/>
-                    <a:lstStyle/>
-                    <a:p>
-                      <a:pPr algn="l" fontAlgn="t"/>
-                      <a:r>
-                        <a:rPr lang="en-US" sz="2400" u="none" strike="noStrike">
-                          <a:effectLst/>
-                        </a:rPr>
-                        <a:t>*</a:t>
-                      </a:r>
-                      <a:endParaRPr lang="en-US" sz="2400" b="0" i="0" u="none" strike="noStrike">
-                        <a:solidFill>
-                          <a:srgbClr val="000000"/>
-                        </a:solidFill>
-                        <a:effectLst/>
-                        <a:latin typeface="Verdana" panose="020B0604030504040204" pitchFamily="34" charset="0"/>
-                      </a:endParaRPr>
-                    </a:p>
-                  </a:txBody>
-                  <a:tcPr marL="185762" marR="20641" marT="20641" marB="0"/>
-                </a:tc>
-                <a:tc>
-                  <a:txBody>
-                    <a:bodyPr/>
-                    <a:lstStyle/>
-                    <a:p>
-                      <a:pPr algn="l" fontAlgn="t"/>
-                      <a:r>
-                        <a:rPr lang="en-US" sz="2400" u="none" strike="noStrike">
-                          <a:effectLst/>
-                        </a:rPr>
-                        <a:t>Multiplication</a:t>
-                      </a:r>
-                      <a:endParaRPr lang="en-US" sz="2400" b="0" i="0" u="none" strike="noStrike">
-                        <a:solidFill>
-                          <a:srgbClr val="000000"/>
-                        </a:solidFill>
-                        <a:effectLst/>
-                        <a:latin typeface="Verdana" panose="020B0604030504040204" pitchFamily="34" charset="0"/>
-                      </a:endParaRPr>
-                    </a:p>
-                  </a:txBody>
-                  <a:tcPr marL="20641" marR="20641" marT="165121" marB="165121"/>
-                </a:tc>
-                <a:tc>
-                  <a:txBody>
-                    <a:bodyPr/>
-                    <a:lstStyle/>
-                    <a:p>
-                      <a:pPr algn="l" fontAlgn="t"/>
-                      <a:r>
-                        <a:rPr lang="en-US" sz="2400" u="none" strike="noStrike">
-                          <a:effectLst/>
-                        </a:rPr>
-                        <a:t>x * y</a:t>
-                      </a:r>
-                      <a:endParaRPr lang="en-US" sz="2400" b="0" i="0" u="none" strike="noStrike">
-                        <a:solidFill>
-                          <a:srgbClr val="000000"/>
-                        </a:solidFill>
-                        <a:effectLst/>
-                        <a:latin typeface="Verdana" panose="020B0604030504040204" pitchFamily="34" charset="0"/>
-                      </a:endParaRPr>
-                    </a:p>
-                  </a:txBody>
-                  <a:tcPr marL="20641" marR="20641" marT="165121" marB="165121"/>
-                </a:tc>
-                <a:extLst>
-                  <a:ext uri="{0D108BD9-81ED-4DB2-BD59-A6C34878D82A}">
-                    <a16:rowId xmlns:a16="http://schemas.microsoft.com/office/drawing/2014/main" val="1471710350"/>
-                  </a:ext>
-                </a:extLst>
-              </a:tr>
-              <a:tr h="735084">
-                <a:tc>
-                  <a:txBody>
-                    <a:bodyPr/>
-                    <a:lstStyle/>
-                    <a:p>
-                      <a:pPr algn="l" fontAlgn="t"/>
-                      <a:r>
-                        <a:rPr lang="en-US" sz="2400" u="none" strike="noStrike">
-                          <a:effectLst/>
-                        </a:rPr>
-                        <a:t>/</a:t>
-                      </a:r>
-                      <a:endParaRPr lang="en-US" sz="2400" b="0" i="0" u="none" strike="noStrike">
-                        <a:solidFill>
-                          <a:srgbClr val="000000"/>
-                        </a:solidFill>
-                        <a:effectLst/>
-                        <a:latin typeface="Verdana" panose="020B0604030504040204" pitchFamily="34" charset="0"/>
-                      </a:endParaRPr>
-                    </a:p>
-                  </a:txBody>
-                  <a:tcPr marL="185762" marR="20641" marT="20641" marB="0"/>
-                </a:tc>
-                <a:tc>
-                  <a:txBody>
-                    <a:bodyPr/>
-                    <a:lstStyle/>
-                    <a:p>
-                      <a:pPr algn="l" fontAlgn="t"/>
-                      <a:r>
-                        <a:rPr lang="en-US" sz="2400" u="none" strike="noStrike">
-                          <a:effectLst/>
-                        </a:rPr>
-                        <a:t>Division</a:t>
-                      </a:r>
-                      <a:endParaRPr lang="en-US" sz="2400" b="0" i="0" u="none" strike="noStrike">
-                        <a:solidFill>
-                          <a:srgbClr val="000000"/>
-                        </a:solidFill>
-                        <a:effectLst/>
-                        <a:latin typeface="Verdana" panose="020B0604030504040204" pitchFamily="34" charset="0"/>
-                      </a:endParaRPr>
-                    </a:p>
-                  </a:txBody>
-                  <a:tcPr marL="20641" marR="20641" marT="165121" marB="165121"/>
-                </a:tc>
-                <a:tc>
-                  <a:txBody>
-                    <a:bodyPr/>
-                    <a:lstStyle/>
-                    <a:p>
-                      <a:pPr algn="l" fontAlgn="t"/>
-                      <a:r>
-                        <a:rPr lang="en-US" sz="2400" u="none" strike="noStrike">
-                          <a:effectLst/>
-                        </a:rPr>
-                        <a:t>x / y</a:t>
-                      </a:r>
-                      <a:endParaRPr lang="en-US" sz="2400" b="0" i="0" u="none" strike="noStrike">
-                        <a:solidFill>
-                          <a:srgbClr val="000000"/>
-                        </a:solidFill>
-                        <a:effectLst/>
-                        <a:latin typeface="Verdana" panose="020B0604030504040204" pitchFamily="34" charset="0"/>
-                      </a:endParaRPr>
-                    </a:p>
-                  </a:txBody>
-                  <a:tcPr marL="20641" marR="20641" marT="165121" marB="165121"/>
-                </a:tc>
-                <a:extLst>
-                  <a:ext uri="{0D108BD9-81ED-4DB2-BD59-A6C34878D82A}">
-                    <a16:rowId xmlns:a16="http://schemas.microsoft.com/office/drawing/2014/main" val="2162764166"/>
-                  </a:ext>
-                </a:extLst>
-              </a:tr>
-              <a:tr h="735084">
-                <a:tc>
-                  <a:txBody>
-                    <a:bodyPr/>
-                    <a:lstStyle/>
-                    <a:p>
-                      <a:pPr algn="l" fontAlgn="t"/>
-                      <a:r>
-                        <a:rPr lang="en-US" sz="2400" u="none" strike="noStrike">
-                          <a:effectLst/>
-                        </a:rPr>
-                        <a:t>^</a:t>
-                      </a:r>
-                      <a:endParaRPr lang="en-US" sz="2400" b="0" i="0" u="none" strike="noStrike">
-                        <a:solidFill>
-                          <a:srgbClr val="000000"/>
-                        </a:solidFill>
-                        <a:effectLst/>
-                        <a:latin typeface="Verdana" panose="020B0604030504040204" pitchFamily="34" charset="0"/>
-                      </a:endParaRPr>
-                    </a:p>
-                  </a:txBody>
-                  <a:tcPr marL="185762" marR="20641" marT="20641" marB="0"/>
-                </a:tc>
-                <a:tc>
-                  <a:txBody>
-                    <a:bodyPr/>
-                    <a:lstStyle/>
-                    <a:p>
-                      <a:pPr algn="l" fontAlgn="t"/>
-                      <a:r>
-                        <a:rPr lang="en-US" sz="2400" u="none" strike="noStrike">
-                          <a:effectLst/>
-                        </a:rPr>
-                        <a:t>Exponent</a:t>
-                      </a:r>
-                      <a:endParaRPr lang="en-US" sz="2400" b="0" i="0" u="none" strike="noStrike">
-                        <a:solidFill>
-                          <a:srgbClr val="000000"/>
-                        </a:solidFill>
-                        <a:effectLst/>
-                        <a:latin typeface="Verdana" panose="020B0604030504040204" pitchFamily="34" charset="0"/>
-                      </a:endParaRPr>
-                    </a:p>
-                  </a:txBody>
-                  <a:tcPr marL="20641" marR="20641" marT="165121" marB="165121"/>
-                </a:tc>
-                <a:tc>
-                  <a:txBody>
-                    <a:bodyPr/>
-                    <a:lstStyle/>
-                    <a:p>
-                      <a:pPr algn="l" fontAlgn="t"/>
-                      <a:r>
-                        <a:rPr lang="en-US" sz="2400" u="none" strike="noStrike">
-                          <a:effectLst/>
-                        </a:rPr>
-                        <a:t>x ^ y</a:t>
-                      </a:r>
-                      <a:endParaRPr lang="en-US" sz="2400" b="0" i="0" u="none" strike="noStrike">
-                        <a:solidFill>
-                          <a:srgbClr val="000000"/>
-                        </a:solidFill>
-                        <a:effectLst/>
-                        <a:latin typeface="Verdana" panose="020B0604030504040204" pitchFamily="34" charset="0"/>
-                      </a:endParaRPr>
-                    </a:p>
-                  </a:txBody>
-                  <a:tcPr marL="20641" marR="20641" marT="165121" marB="165121"/>
-                </a:tc>
-                <a:extLst>
-                  <a:ext uri="{0D108BD9-81ED-4DB2-BD59-A6C34878D82A}">
-                    <a16:rowId xmlns:a16="http://schemas.microsoft.com/office/drawing/2014/main" val="2506301313"/>
-                  </a:ext>
-                </a:extLst>
-              </a:tr>
-              <a:tr h="735084">
-                <a:tc>
-                  <a:txBody>
-                    <a:bodyPr/>
-                    <a:lstStyle/>
-                    <a:p>
-                      <a:pPr algn="l" fontAlgn="t"/>
-                      <a:r>
-                        <a:rPr lang="en-US" sz="2400" u="none" strike="noStrike">
-                          <a:effectLst/>
-                        </a:rPr>
-                        <a:t>%%</a:t>
-                      </a:r>
-                      <a:endParaRPr lang="en-US" sz="2400" b="0" i="0" u="none" strike="noStrike">
-                        <a:solidFill>
-                          <a:srgbClr val="000000"/>
-                        </a:solidFill>
-                        <a:effectLst/>
-                        <a:latin typeface="Verdana" panose="020B0604030504040204" pitchFamily="34" charset="0"/>
-                      </a:endParaRPr>
-                    </a:p>
-                  </a:txBody>
-                  <a:tcPr marL="185762" marR="20641" marT="20641" marB="0"/>
-                </a:tc>
-                <a:tc>
-                  <a:txBody>
-                    <a:bodyPr/>
-                    <a:lstStyle/>
-                    <a:p>
-                      <a:pPr algn="l" fontAlgn="t"/>
-                      <a:r>
-                        <a:rPr lang="en-US" sz="2400" u="none" strike="noStrike">
-                          <a:effectLst/>
-                        </a:rPr>
-                        <a:t>Modulus (Remainder from division)</a:t>
-                      </a:r>
-                      <a:endParaRPr lang="en-US" sz="2400" b="0" i="0" u="none" strike="noStrike">
-                        <a:solidFill>
-                          <a:srgbClr val="000000"/>
-                        </a:solidFill>
-                        <a:effectLst/>
-                        <a:latin typeface="Verdana" panose="020B0604030504040204" pitchFamily="34" charset="0"/>
-                      </a:endParaRPr>
-                    </a:p>
-                  </a:txBody>
-                  <a:tcPr marL="20641" marR="20641" marT="165121" marB="165121"/>
-                </a:tc>
-                <a:tc>
-                  <a:txBody>
-                    <a:bodyPr/>
-                    <a:lstStyle/>
-                    <a:p>
-                      <a:pPr algn="l" fontAlgn="t"/>
-                      <a:r>
-                        <a:rPr lang="en-US" sz="2400" u="none" strike="noStrike">
-                          <a:effectLst/>
-                        </a:rPr>
-                        <a:t>x %% y</a:t>
-                      </a:r>
-                      <a:endParaRPr lang="en-US" sz="2400" b="0" i="0" u="none" strike="noStrike">
-                        <a:solidFill>
-                          <a:srgbClr val="000000"/>
-                        </a:solidFill>
-                        <a:effectLst/>
-                        <a:latin typeface="Verdana" panose="020B0604030504040204" pitchFamily="34" charset="0"/>
-                      </a:endParaRPr>
-                    </a:p>
-                  </a:txBody>
-                  <a:tcPr marL="20641" marR="20641" marT="165121" marB="165121"/>
-                </a:tc>
-                <a:extLst>
-                  <a:ext uri="{0D108BD9-81ED-4DB2-BD59-A6C34878D82A}">
-                    <a16:rowId xmlns:a16="http://schemas.microsoft.com/office/drawing/2014/main" val="2249350350"/>
-                  </a:ext>
-                </a:extLst>
-              </a:tr>
-              <a:tr h="735084">
-                <a:tc>
-                  <a:txBody>
-                    <a:bodyPr/>
-                    <a:lstStyle/>
-                    <a:p>
-                      <a:pPr algn="l" fontAlgn="t"/>
-                      <a:r>
-                        <a:rPr lang="en-US" sz="2400" u="none" strike="noStrike">
-                          <a:effectLst/>
-                        </a:rPr>
-                        <a:t>%/%</a:t>
-                      </a:r>
-                      <a:endParaRPr lang="en-US" sz="2400" b="0" i="0" u="none" strike="noStrike">
-                        <a:solidFill>
-                          <a:srgbClr val="000000"/>
-                        </a:solidFill>
-                        <a:effectLst/>
-                        <a:latin typeface="Verdana" panose="020B0604030504040204" pitchFamily="34" charset="0"/>
-                      </a:endParaRPr>
-                    </a:p>
-                  </a:txBody>
-                  <a:tcPr marL="185762" marR="20641" marT="20641" marB="0"/>
-                </a:tc>
-                <a:tc>
-                  <a:txBody>
-                    <a:bodyPr/>
-                    <a:lstStyle/>
-                    <a:p>
-                      <a:pPr algn="l" fontAlgn="t"/>
-                      <a:r>
-                        <a:rPr lang="en-US" sz="2400" u="none" strike="noStrike">
-                          <a:effectLst/>
-                        </a:rPr>
-                        <a:t>Integer Division</a:t>
-                      </a:r>
-                      <a:endParaRPr lang="en-US" sz="2400" b="0" i="0" u="none" strike="noStrike">
-                        <a:solidFill>
-                          <a:srgbClr val="000000"/>
-                        </a:solidFill>
-                        <a:effectLst/>
-                        <a:latin typeface="Verdana" panose="020B0604030504040204" pitchFamily="34" charset="0"/>
-                      </a:endParaRPr>
-                    </a:p>
-                  </a:txBody>
-                  <a:tcPr marL="20641" marR="20641" marT="165121" marB="165121"/>
-                </a:tc>
-                <a:tc>
-                  <a:txBody>
-                    <a:bodyPr/>
-                    <a:lstStyle/>
-                    <a:p>
-                      <a:pPr algn="l" fontAlgn="t"/>
-                      <a:r>
-                        <a:rPr lang="en-US" sz="2400" u="none" strike="noStrike" dirty="0">
-                          <a:effectLst/>
-                        </a:rPr>
-                        <a:t>x%/%y</a:t>
-                      </a:r>
-                      <a:endParaRPr lang="en-US" sz="2400" b="0" i="0" u="none" strike="noStrike" dirty="0">
-                        <a:solidFill>
-                          <a:srgbClr val="000000"/>
-                        </a:solidFill>
-                        <a:effectLst/>
-                        <a:latin typeface="Verdana" panose="020B0604030504040204" pitchFamily="34" charset="0"/>
-                      </a:endParaRPr>
-                    </a:p>
-                  </a:txBody>
-                  <a:tcPr marL="20641" marR="20641" marT="165121" marB="165121"/>
-                </a:tc>
-                <a:extLst>
-                  <a:ext uri="{0D108BD9-81ED-4DB2-BD59-A6C34878D82A}">
-                    <a16:rowId xmlns:a16="http://schemas.microsoft.com/office/drawing/2014/main" val="1818358542"/>
-                  </a:ext>
-                </a:extLst>
-              </a:tr>
-            </a:tbl>
-          </a:graphicData>
-        </a:graphic>
-      </p:graphicFrame>
-    </p:spTree>
-    <p:extLst>
-      <p:ext uri="{BB962C8B-B14F-4D97-AF65-F5344CB8AC3E}">
-        <p14:creationId xmlns:p14="http://schemas.microsoft.com/office/powerpoint/2010/main" val="4182436610"/>
-      </p:ext>
-    </p:extLst>
-  </p:cSld>
-  <p:clrMapOvr>
-    <a:masterClrMapping/>
-  </p:clrMapOvr>
-</p:sld>
-</file>
-
-<file path=ppt/slides/slide9.xml><?xml version="1.0" encoding="utf-8"?>
-<p:sld xmlns:a="http://schemas.openxmlformats.org/drawingml/2006/main" xmlns:r="http://schemas.openxmlformats.org/officeDocument/2006/relationships" xmlns:p="http://schemas.openxmlformats.org/presentationml/2006/main">
-  <p:cSld>
-    <p:bg>
-      <p:bgPr>
-        <a:solidFill>
-          <a:schemeClr val="bg1"/>
-        </a:solidFill>
-        <a:effectLst/>
-      </p:bgPr>
-    </p:bg>
-    <p:spTree>
-      <p:nvGrpSpPr>
-        <p:cNvPr id="1" name=""/>
-        <p:cNvGrpSpPr/>
-        <p:nvPr/>
-      </p:nvGrpSpPr>
-      <p:grpSpPr>
-        <a:xfrm>
-          <a:off x="0" y="0"/>
-          <a:ext cx="0" cy="0"/>
-          <a:chOff x="0" y="0"/>
-          <a:chExt cx="0" cy="0"/>
-        </a:xfrm>
-      </p:grpSpPr>
-      <p:graphicFrame>
-        <p:nvGraphicFramePr>
-          <p:cNvPr id="4" name="Table 3">
-            <a:extLst>
-              <a:ext uri="{FF2B5EF4-FFF2-40B4-BE49-F238E27FC236}">
-                <a16:creationId xmlns:a16="http://schemas.microsoft.com/office/drawing/2014/main" id="{C9E2F4E2-13E5-D516-B2C6-ABE02F83D113}"/>
-              </a:ext>
-            </a:extLst>
-          </p:cNvPr>
-          <p:cNvGraphicFramePr>
-            <a:graphicFrameLocks noGrp="1"/>
-          </p:cNvGraphicFramePr>
-          <p:nvPr>
-            <p:extLst>
-              <p:ext uri="{D42A27DB-BD31-4B8C-83A1-F6EECF244321}">
-                <p14:modId xmlns:p14="http://schemas.microsoft.com/office/powerpoint/2010/main" val="2515222009"/>
-              </p:ext>
-            </p:extLst>
-          </p:nvPr>
-        </p:nvGraphicFramePr>
-        <p:xfrm>
-          <a:off x="1728228" y="643466"/>
-          <a:ext cx="8735543" cy="5571067"/>
-        </p:xfrm>
-        <a:graphic>
-          <a:graphicData uri="http://schemas.openxmlformats.org/drawingml/2006/table">
-            <a:tbl>
-              <a:tblPr firstRow="1" bandRow="1">
-                <a:tableStyleId>{5C22544A-7EE6-4342-B048-85BDC9FD1C3A}</a:tableStyleId>
-              </a:tblPr>
-              <a:tblGrid>
-                <a:gridCol w="2465207">
-                  <a:extLst>
-                    <a:ext uri="{9D8B030D-6E8A-4147-A177-3AD203B41FA5}">
-                      <a16:colId xmlns:a16="http://schemas.microsoft.com/office/drawing/2014/main" val="2572452434"/>
-                    </a:ext>
-                  </a:extLst>
-                </a:gridCol>
-                <a:gridCol w="3757938">
-                  <a:extLst>
-                    <a:ext uri="{9D8B030D-6E8A-4147-A177-3AD203B41FA5}">
-                      <a16:colId xmlns:a16="http://schemas.microsoft.com/office/drawing/2014/main" val="1768650271"/>
-                    </a:ext>
-                  </a:extLst>
-                </a:gridCol>
-                <a:gridCol w="2512398">
-                  <a:extLst>
-                    <a:ext uri="{9D8B030D-6E8A-4147-A177-3AD203B41FA5}">
-                      <a16:colId xmlns:a16="http://schemas.microsoft.com/office/drawing/2014/main" val="1721099963"/>
-                    </a:ext>
-                  </a:extLst>
-                </a:gridCol>
-              </a:tblGrid>
-              <a:tr h="505969">
-                <a:tc>
-                  <a:txBody>
-                    <a:bodyPr/>
-                    <a:lstStyle/>
-                    <a:p>
-                      <a:pPr algn="l" fontAlgn="t"/>
-                      <a:r>
-                        <a:rPr lang="en-US" sz="2600" u="none" strike="noStrike">
-                          <a:effectLst/>
-                        </a:rPr>
-                        <a:t>Operator</a:t>
-                      </a:r>
-                      <a:endParaRPr lang="en-US" sz="2600" b="1" i="0" u="none" strike="noStrike">
-                        <a:solidFill>
-                          <a:srgbClr val="000000"/>
-                        </a:solidFill>
-                        <a:effectLst/>
-                        <a:latin typeface="Verdana" panose="020B0604030504040204" pitchFamily="34" charset="0"/>
-                      </a:endParaRPr>
-                    </a:p>
-                  </a:txBody>
-                  <a:tcPr marL="202929" marR="22548" marT="22548" marB="0"/>
-                </a:tc>
-                <a:tc>
-                  <a:txBody>
-                    <a:bodyPr/>
-                    <a:lstStyle/>
-                    <a:p>
-                      <a:pPr algn="l" fontAlgn="t"/>
-                      <a:r>
-                        <a:rPr lang="en-US" sz="2600" u="none" strike="noStrike">
-                          <a:effectLst/>
-                        </a:rPr>
-                        <a:t>Name</a:t>
-                      </a:r>
-                      <a:endParaRPr lang="en-US" sz="2600" b="1" i="0" u="none" strike="noStrike">
-                        <a:solidFill>
-                          <a:srgbClr val="000000"/>
-                        </a:solidFill>
-                        <a:effectLst/>
-                        <a:latin typeface="Verdana" panose="020B0604030504040204" pitchFamily="34" charset="0"/>
-                      </a:endParaRPr>
-                    </a:p>
-                  </a:txBody>
-                  <a:tcPr marL="22548" marR="22548" marT="22548" marB="0"/>
-                </a:tc>
-                <a:tc>
-                  <a:txBody>
-                    <a:bodyPr/>
-                    <a:lstStyle/>
-                    <a:p>
-                      <a:pPr algn="l" fontAlgn="t"/>
-                      <a:r>
-                        <a:rPr lang="en-US" sz="2600" u="none" strike="noStrike">
-                          <a:effectLst/>
-                        </a:rPr>
-                        <a:t>Example</a:t>
-                      </a:r>
-                      <a:endParaRPr lang="en-US" sz="2600" b="1" i="0" u="none" strike="noStrike">
-                        <a:solidFill>
-                          <a:srgbClr val="000000"/>
-                        </a:solidFill>
-                        <a:effectLst/>
-                        <a:latin typeface="Verdana" panose="020B0604030504040204" pitchFamily="34" charset="0"/>
-                      </a:endParaRPr>
-                    </a:p>
-                  </a:txBody>
-                  <a:tcPr marL="22548" marR="22548" marT="22548" marB="0"/>
-                </a:tc>
-                <a:extLst>
-                  <a:ext uri="{0D108BD9-81ED-4DB2-BD59-A6C34878D82A}">
-                    <a16:rowId xmlns:a16="http://schemas.microsoft.com/office/drawing/2014/main" val="1542964264"/>
-                  </a:ext>
-                </a:extLst>
-              </a:tr>
-              <a:tr h="844183">
-                <a:tc>
-                  <a:txBody>
-                    <a:bodyPr/>
-                    <a:lstStyle/>
-                    <a:p>
-                      <a:pPr algn="l" fontAlgn="t"/>
-                      <a:r>
-                        <a:rPr lang="en-US" sz="2600" u="none" strike="noStrike">
-                          <a:effectLst/>
-                        </a:rPr>
-                        <a:t>==</a:t>
-                      </a:r>
-                      <a:endParaRPr lang="en-US" sz="2600" b="0" i="0" u="none" strike="noStrike">
-                        <a:solidFill>
-                          <a:srgbClr val="000000"/>
-                        </a:solidFill>
-                        <a:effectLst/>
-                        <a:latin typeface="Verdana" panose="020B0604030504040204" pitchFamily="34" charset="0"/>
-                      </a:endParaRPr>
-                    </a:p>
-                  </a:txBody>
-                  <a:tcPr marL="202929" marR="22548" marT="22548" marB="0"/>
-                </a:tc>
-                <a:tc>
-                  <a:txBody>
-                    <a:bodyPr/>
-                    <a:lstStyle/>
-                    <a:p>
-                      <a:pPr algn="l" fontAlgn="t"/>
-                      <a:r>
-                        <a:rPr lang="en-US" sz="2600" u="none" strike="noStrike">
-                          <a:effectLst/>
-                        </a:rPr>
-                        <a:t>Equal</a:t>
-                      </a:r>
-                      <a:endParaRPr lang="en-US" sz="2600" b="0" i="0" u="none" strike="noStrike">
-                        <a:solidFill>
-                          <a:srgbClr val="000000"/>
-                        </a:solidFill>
-                        <a:effectLst/>
-                        <a:latin typeface="Verdana" panose="020B0604030504040204" pitchFamily="34" charset="0"/>
-                      </a:endParaRPr>
-                    </a:p>
-                  </a:txBody>
-                  <a:tcPr marL="22548" marR="22548" marT="180381" marB="180381"/>
-                </a:tc>
-                <a:tc>
-                  <a:txBody>
-                    <a:bodyPr/>
-                    <a:lstStyle/>
-                    <a:p>
-                      <a:pPr algn="l" fontAlgn="t"/>
-                      <a:r>
-                        <a:rPr lang="en-US" sz="2600" u="none" strike="noStrike">
-                          <a:effectLst/>
-                        </a:rPr>
-                        <a:t>x == y</a:t>
-                      </a:r>
-                      <a:endParaRPr lang="en-US" sz="2600" b="0" i="0" u="none" strike="noStrike">
-                        <a:solidFill>
-                          <a:srgbClr val="000000"/>
-                        </a:solidFill>
-                        <a:effectLst/>
-                        <a:latin typeface="Verdana" panose="020B0604030504040204" pitchFamily="34" charset="0"/>
-                      </a:endParaRPr>
-                    </a:p>
-                  </a:txBody>
-                  <a:tcPr marL="22548" marR="22548" marT="180381" marB="180381"/>
-                </a:tc>
-                <a:extLst>
-                  <a:ext uri="{0D108BD9-81ED-4DB2-BD59-A6C34878D82A}">
-                    <a16:rowId xmlns:a16="http://schemas.microsoft.com/office/drawing/2014/main" val="1033745441"/>
-                  </a:ext>
-                </a:extLst>
-              </a:tr>
-              <a:tr h="844183">
-                <a:tc>
-                  <a:txBody>
-                    <a:bodyPr/>
-                    <a:lstStyle/>
-                    <a:p>
-                      <a:pPr algn="l" fontAlgn="t"/>
-                      <a:r>
-                        <a:rPr lang="en-US" sz="2600" u="none" strike="noStrike" dirty="0">
-                          <a:effectLst/>
-                        </a:rPr>
-                        <a:t>!=</a:t>
-                      </a:r>
-                      <a:endParaRPr lang="en-US" sz="2600" b="0" i="0" u="none" strike="noStrike" dirty="0">
-                        <a:solidFill>
-                          <a:srgbClr val="000000"/>
-                        </a:solidFill>
-                        <a:effectLst/>
-                        <a:latin typeface="Verdana" panose="020B0604030504040204" pitchFamily="34" charset="0"/>
-                      </a:endParaRPr>
-                    </a:p>
-                  </a:txBody>
-                  <a:tcPr marL="202929" marR="22548" marT="22548" marB="0"/>
-                </a:tc>
-                <a:tc>
-                  <a:txBody>
-                    <a:bodyPr/>
-                    <a:lstStyle/>
-                    <a:p>
-                      <a:pPr algn="l" fontAlgn="t"/>
-                      <a:r>
-                        <a:rPr lang="en-US" sz="2600" u="none" strike="noStrike" dirty="0">
-                          <a:effectLst/>
-                        </a:rPr>
-                        <a:t>Not equal</a:t>
-                      </a:r>
-                      <a:endParaRPr lang="en-US" sz="2600" b="0" i="0" u="none" strike="noStrike" dirty="0">
-                        <a:solidFill>
-                          <a:srgbClr val="000000"/>
-                        </a:solidFill>
-                        <a:effectLst/>
-                        <a:latin typeface="Verdana" panose="020B0604030504040204" pitchFamily="34" charset="0"/>
-                      </a:endParaRPr>
-                    </a:p>
-                  </a:txBody>
-                  <a:tcPr marL="22548" marR="22548" marT="180381" marB="180381"/>
-                </a:tc>
-                <a:tc>
-                  <a:txBody>
-                    <a:bodyPr/>
-                    <a:lstStyle/>
-                    <a:p>
-                      <a:pPr algn="l" fontAlgn="t"/>
-                      <a:r>
-                        <a:rPr lang="en-US" sz="2600" u="none" strike="noStrike">
-                          <a:effectLst/>
-                        </a:rPr>
-                        <a:t>x != y</a:t>
-                      </a:r>
-                      <a:endParaRPr lang="en-US" sz="2600" b="0" i="0" u="none" strike="noStrike">
-                        <a:solidFill>
-                          <a:srgbClr val="000000"/>
-                        </a:solidFill>
-                        <a:effectLst/>
-                        <a:latin typeface="Verdana" panose="020B0604030504040204" pitchFamily="34" charset="0"/>
-                      </a:endParaRPr>
-                    </a:p>
-                  </a:txBody>
-                  <a:tcPr marL="22548" marR="22548" marT="180381" marB="180381"/>
-                </a:tc>
-                <a:extLst>
-                  <a:ext uri="{0D108BD9-81ED-4DB2-BD59-A6C34878D82A}">
-                    <a16:rowId xmlns:a16="http://schemas.microsoft.com/office/drawing/2014/main" val="2239503667"/>
-                  </a:ext>
-                </a:extLst>
-              </a:tr>
-              <a:tr h="844183">
-                <a:tc>
-                  <a:txBody>
-                    <a:bodyPr/>
-                    <a:lstStyle/>
-                    <a:p>
-                      <a:pPr algn="l" fontAlgn="t"/>
-                      <a:r>
-                        <a:rPr lang="en-US" sz="2600" u="none" strike="noStrike">
-                          <a:effectLst/>
-                        </a:rPr>
-                        <a:t>&gt;</a:t>
-                      </a:r>
-                      <a:endParaRPr lang="en-US" sz="2600" b="0" i="0" u="none" strike="noStrike">
-                        <a:solidFill>
-                          <a:srgbClr val="000000"/>
-                        </a:solidFill>
-                        <a:effectLst/>
-                        <a:latin typeface="Verdana" panose="020B0604030504040204" pitchFamily="34" charset="0"/>
-                      </a:endParaRPr>
-                    </a:p>
-                  </a:txBody>
-                  <a:tcPr marL="202929" marR="22548" marT="22548" marB="0"/>
-                </a:tc>
-                <a:tc>
-                  <a:txBody>
-                    <a:bodyPr/>
-                    <a:lstStyle/>
-                    <a:p>
-                      <a:pPr algn="l" fontAlgn="t"/>
-                      <a:r>
-                        <a:rPr lang="en-US" sz="2600" u="none" strike="noStrike">
-                          <a:effectLst/>
-                        </a:rPr>
-                        <a:t>Greater than</a:t>
-                      </a:r>
-                      <a:endParaRPr lang="en-US" sz="2600" b="0" i="0" u="none" strike="noStrike">
-                        <a:solidFill>
-                          <a:srgbClr val="000000"/>
-                        </a:solidFill>
-                        <a:effectLst/>
-                        <a:latin typeface="Verdana" panose="020B0604030504040204" pitchFamily="34" charset="0"/>
-                      </a:endParaRPr>
-                    </a:p>
-                  </a:txBody>
-                  <a:tcPr marL="22548" marR="22548" marT="180381" marB="180381"/>
-                </a:tc>
-                <a:tc>
-                  <a:txBody>
-                    <a:bodyPr/>
-                    <a:lstStyle/>
-                    <a:p>
-                      <a:pPr algn="l" fontAlgn="t"/>
-                      <a:r>
-                        <a:rPr lang="en-US" sz="2600" u="none" strike="noStrike">
-                          <a:effectLst/>
-                        </a:rPr>
-                        <a:t>x &gt; y</a:t>
-                      </a:r>
-                      <a:endParaRPr lang="en-US" sz="2600" b="0" i="0" u="none" strike="noStrike">
-                        <a:solidFill>
-                          <a:srgbClr val="000000"/>
-                        </a:solidFill>
-                        <a:effectLst/>
-                        <a:latin typeface="Verdana" panose="020B0604030504040204" pitchFamily="34" charset="0"/>
-                      </a:endParaRPr>
-                    </a:p>
-                  </a:txBody>
-                  <a:tcPr marL="22548" marR="22548" marT="180381" marB="180381"/>
-                </a:tc>
-                <a:extLst>
-                  <a:ext uri="{0D108BD9-81ED-4DB2-BD59-A6C34878D82A}">
-                    <a16:rowId xmlns:a16="http://schemas.microsoft.com/office/drawing/2014/main" val="3563180102"/>
-                  </a:ext>
-                </a:extLst>
-              </a:tr>
-              <a:tr h="844183">
-                <a:tc>
-                  <a:txBody>
-                    <a:bodyPr/>
-                    <a:lstStyle/>
-                    <a:p>
-                      <a:pPr algn="l" fontAlgn="t"/>
-                      <a:r>
-                        <a:rPr lang="en-US" sz="2600" u="none" strike="noStrike">
-                          <a:effectLst/>
-                        </a:rPr>
-                        <a:t>&lt;</a:t>
-                      </a:r>
-                      <a:endParaRPr lang="en-US" sz="2600" b="0" i="0" u="none" strike="noStrike">
-                        <a:solidFill>
-                          <a:srgbClr val="000000"/>
-                        </a:solidFill>
-                        <a:effectLst/>
-                        <a:latin typeface="Verdana" panose="020B0604030504040204" pitchFamily="34" charset="0"/>
-                      </a:endParaRPr>
-                    </a:p>
-                  </a:txBody>
-                  <a:tcPr marL="202929" marR="22548" marT="22548" marB="0"/>
-                </a:tc>
-                <a:tc>
-                  <a:txBody>
-                    <a:bodyPr/>
-                    <a:lstStyle/>
-                    <a:p>
-                      <a:pPr algn="l" fontAlgn="t"/>
-                      <a:r>
-                        <a:rPr lang="en-US" sz="2600" u="none" strike="noStrike">
-                          <a:effectLst/>
-                        </a:rPr>
-                        <a:t>Less than</a:t>
-                      </a:r>
-                      <a:endParaRPr lang="en-US" sz="2600" b="0" i="0" u="none" strike="noStrike">
-                        <a:solidFill>
-                          <a:srgbClr val="000000"/>
-                        </a:solidFill>
-                        <a:effectLst/>
-                        <a:latin typeface="Verdana" panose="020B0604030504040204" pitchFamily="34" charset="0"/>
-                      </a:endParaRPr>
-                    </a:p>
-                  </a:txBody>
-                  <a:tcPr marL="22548" marR="22548" marT="180381" marB="180381"/>
-                </a:tc>
-                <a:tc>
-                  <a:txBody>
-                    <a:bodyPr/>
-                    <a:lstStyle/>
-                    <a:p>
-                      <a:pPr algn="l" fontAlgn="t"/>
-                      <a:r>
-                        <a:rPr lang="en-US" sz="2600" u="none" strike="noStrike">
-                          <a:effectLst/>
-                        </a:rPr>
-                        <a:t>x &lt; y</a:t>
-                      </a:r>
-                      <a:endParaRPr lang="en-US" sz="2600" b="0" i="0" u="none" strike="noStrike">
-                        <a:solidFill>
-                          <a:srgbClr val="000000"/>
-                        </a:solidFill>
-                        <a:effectLst/>
-                        <a:latin typeface="Verdana" panose="020B0604030504040204" pitchFamily="34" charset="0"/>
-                      </a:endParaRPr>
-                    </a:p>
-                  </a:txBody>
-                  <a:tcPr marL="22548" marR="22548" marT="180381" marB="180381"/>
-                </a:tc>
-                <a:extLst>
-                  <a:ext uri="{0D108BD9-81ED-4DB2-BD59-A6C34878D82A}">
-                    <a16:rowId xmlns:a16="http://schemas.microsoft.com/office/drawing/2014/main" val="3870440325"/>
-                  </a:ext>
-                </a:extLst>
-              </a:tr>
-              <a:tr h="844183">
-                <a:tc>
-                  <a:txBody>
-                    <a:bodyPr/>
-                    <a:lstStyle/>
-                    <a:p>
-                      <a:pPr algn="l" fontAlgn="t"/>
-                      <a:r>
-                        <a:rPr lang="en-US" sz="2600" u="none" strike="noStrike">
-                          <a:effectLst/>
-                        </a:rPr>
-                        <a:t>&gt;=</a:t>
-                      </a:r>
-                      <a:endParaRPr lang="en-US" sz="2600" b="0" i="0" u="none" strike="noStrike">
-                        <a:solidFill>
-                          <a:srgbClr val="000000"/>
-                        </a:solidFill>
-                        <a:effectLst/>
-                        <a:latin typeface="Verdana" panose="020B0604030504040204" pitchFamily="34" charset="0"/>
-                      </a:endParaRPr>
-                    </a:p>
-                  </a:txBody>
-                  <a:tcPr marL="202929" marR="22548" marT="22548" marB="0"/>
-                </a:tc>
-                <a:tc>
-                  <a:txBody>
-                    <a:bodyPr/>
-                    <a:lstStyle/>
-                    <a:p>
-                      <a:pPr algn="l" fontAlgn="t"/>
-                      <a:r>
-                        <a:rPr lang="en-US" sz="2600" u="none" strike="noStrike">
-                          <a:effectLst/>
-                        </a:rPr>
-                        <a:t>Greater than or equal to</a:t>
-                      </a:r>
-                      <a:endParaRPr lang="en-US" sz="2600" b="0" i="0" u="none" strike="noStrike">
-                        <a:solidFill>
-                          <a:srgbClr val="000000"/>
-                        </a:solidFill>
-                        <a:effectLst/>
-                        <a:latin typeface="Verdana" panose="020B0604030504040204" pitchFamily="34" charset="0"/>
-                      </a:endParaRPr>
-                    </a:p>
-                  </a:txBody>
-                  <a:tcPr marL="22548" marR="22548" marT="180381" marB="180381"/>
-                </a:tc>
-                <a:tc>
-                  <a:txBody>
-                    <a:bodyPr/>
-                    <a:lstStyle/>
-                    <a:p>
-                      <a:pPr algn="l" fontAlgn="t"/>
-                      <a:r>
-                        <a:rPr lang="en-US" sz="2600" u="none" strike="noStrike">
-                          <a:effectLst/>
-                        </a:rPr>
-                        <a:t>x &gt;= y</a:t>
-                      </a:r>
-                      <a:endParaRPr lang="en-US" sz="2600" b="0" i="0" u="none" strike="noStrike">
-                        <a:solidFill>
-                          <a:srgbClr val="000000"/>
-                        </a:solidFill>
-                        <a:effectLst/>
-                        <a:latin typeface="Verdana" panose="020B0604030504040204" pitchFamily="34" charset="0"/>
-                      </a:endParaRPr>
-                    </a:p>
-                  </a:txBody>
-                  <a:tcPr marL="22548" marR="22548" marT="180381" marB="180381"/>
-                </a:tc>
-                <a:extLst>
-                  <a:ext uri="{0D108BD9-81ED-4DB2-BD59-A6C34878D82A}">
-                    <a16:rowId xmlns:a16="http://schemas.microsoft.com/office/drawing/2014/main" val="2615708343"/>
-                  </a:ext>
-                </a:extLst>
-              </a:tr>
-              <a:tr h="844183">
-                <a:tc>
-                  <a:txBody>
-                    <a:bodyPr/>
-                    <a:lstStyle/>
-                    <a:p>
-                      <a:pPr algn="l" fontAlgn="t"/>
-                      <a:r>
-                        <a:rPr lang="en-US" sz="2600" u="none" strike="noStrike">
-                          <a:effectLst/>
-                        </a:rPr>
-                        <a:t>&lt;=</a:t>
-                      </a:r>
-                      <a:endParaRPr lang="en-US" sz="2600" b="0" i="0" u="none" strike="noStrike">
-                        <a:solidFill>
-                          <a:srgbClr val="000000"/>
-                        </a:solidFill>
-                        <a:effectLst/>
-                        <a:latin typeface="Verdana" panose="020B0604030504040204" pitchFamily="34" charset="0"/>
-                      </a:endParaRPr>
-                    </a:p>
-                  </a:txBody>
-                  <a:tcPr marL="202929" marR="22548" marT="22548" marB="0"/>
-                </a:tc>
-                <a:tc>
-                  <a:txBody>
-                    <a:bodyPr/>
-                    <a:lstStyle/>
-                    <a:p>
-                      <a:pPr algn="l" fontAlgn="t"/>
-                      <a:r>
-                        <a:rPr lang="en-US" sz="2600" u="none" strike="noStrike">
-                          <a:effectLst/>
-                        </a:rPr>
-                        <a:t>Less than or equal to</a:t>
-                      </a:r>
-                      <a:endParaRPr lang="en-US" sz="2600" b="0" i="0" u="none" strike="noStrike">
-                        <a:solidFill>
-                          <a:srgbClr val="000000"/>
-                        </a:solidFill>
-                        <a:effectLst/>
-                        <a:latin typeface="Verdana" panose="020B0604030504040204" pitchFamily="34" charset="0"/>
-                      </a:endParaRPr>
-                    </a:p>
-                  </a:txBody>
-                  <a:tcPr marL="22548" marR="22548" marT="180381" marB="180381"/>
-                </a:tc>
-                <a:tc>
-                  <a:txBody>
-                    <a:bodyPr/>
-                    <a:lstStyle/>
-                    <a:p>
-                      <a:pPr algn="l" fontAlgn="t"/>
-                      <a:r>
-                        <a:rPr lang="en-US" sz="2600" u="none" strike="noStrike" dirty="0">
-                          <a:effectLst/>
-                        </a:rPr>
-                        <a:t>x &lt;= y</a:t>
-                      </a:r>
-                      <a:endParaRPr lang="en-US" sz="2600" b="0" i="0" u="none" strike="noStrike" dirty="0">
-                        <a:solidFill>
-                          <a:srgbClr val="000000"/>
-                        </a:solidFill>
-                        <a:effectLst/>
-                        <a:latin typeface="Verdana" panose="020B0604030504040204" pitchFamily="34" charset="0"/>
-                      </a:endParaRPr>
-                    </a:p>
-                  </a:txBody>
-                  <a:tcPr marL="22548" marR="22548" marT="180381" marB="180381"/>
-                </a:tc>
-                <a:extLst>
-                  <a:ext uri="{0D108BD9-81ED-4DB2-BD59-A6C34878D82A}">
-                    <a16:rowId xmlns:a16="http://schemas.microsoft.com/office/drawing/2014/main" val="3199058790"/>
-                  </a:ext>
-                </a:extLst>
-              </a:tr>
-            </a:tbl>
-          </a:graphicData>
-        </a:graphic>
-      </p:graphicFrame>
-    </p:spTree>
-    <p:extLst>
-      <p:ext uri="{BB962C8B-B14F-4D97-AF65-F5344CB8AC3E}">
-        <p14:creationId xmlns:p14="http://schemas.microsoft.com/office/powerpoint/2010/main" val="3012818675"/>
       </p:ext>
     </p:extLst>
   </p:cSld>

--- a/plots.pptx
+++ b/plots.pptx
@@ -7,22 +7,23 @@
   <p:sldIdLst>
     <p:sldId id="256" r:id="rId2"/>
     <p:sldId id="270" r:id="rId3"/>
-    <p:sldId id="257" r:id="rId4"/>
-    <p:sldId id="266" r:id="rId5"/>
-    <p:sldId id="267" r:id="rId6"/>
-    <p:sldId id="272" r:id="rId7"/>
-    <p:sldId id="273" r:id="rId8"/>
-    <p:sldId id="271" r:id="rId9"/>
-    <p:sldId id="264" r:id="rId10"/>
-    <p:sldId id="260" r:id="rId11"/>
-    <p:sldId id="261" r:id="rId12"/>
-    <p:sldId id="262" r:id="rId13"/>
-    <p:sldId id="263" r:id="rId14"/>
-    <p:sldId id="265" r:id="rId15"/>
-    <p:sldId id="258" r:id="rId16"/>
-    <p:sldId id="259" r:id="rId17"/>
-    <p:sldId id="268" r:id="rId18"/>
-    <p:sldId id="269" r:id="rId19"/>
+    <p:sldId id="275" r:id="rId4"/>
+    <p:sldId id="257" r:id="rId5"/>
+    <p:sldId id="266" r:id="rId6"/>
+    <p:sldId id="267" r:id="rId7"/>
+    <p:sldId id="272" r:id="rId8"/>
+    <p:sldId id="273" r:id="rId9"/>
+    <p:sldId id="271" r:id="rId10"/>
+    <p:sldId id="264" r:id="rId11"/>
+    <p:sldId id="260" r:id="rId12"/>
+    <p:sldId id="261" r:id="rId13"/>
+    <p:sldId id="262" r:id="rId14"/>
+    <p:sldId id="263" r:id="rId15"/>
+    <p:sldId id="265" r:id="rId16"/>
+    <p:sldId id="258" r:id="rId17"/>
+    <p:sldId id="259" r:id="rId18"/>
+    <p:sldId id="268" r:id="rId19"/>
+    <p:sldId id="269" r:id="rId20"/>
   </p:sldIdLst>
   <p:sldSz cx="12192000" cy="6858000"/>
   <p:notesSz cx="6858000" cy="9144000"/>
@@ -132,7 +133,7 @@
 <file path=ppt/revisionInfo.xml><?xml version="1.0" encoding="utf-8"?>
 <p1510:revInfo xmlns:a="http://schemas.openxmlformats.org/drawingml/2006/main" xmlns:r="http://schemas.openxmlformats.org/officeDocument/2006/relationships" xmlns:p1510="http://schemas.microsoft.com/office/powerpoint/2015/10/main">
   <p1510:revLst>
-    <p1510:client id="{26AAD9E8-4C42-4DE7-94A5-14A70A065374}" v="728" dt="2024-02-29T12:53:58.804"/>
+    <p1510:client id="{26AAD9E8-4C42-4DE7-94A5-14A70A065374}" v="731" dt="2024-03-12T12:15:31.558"/>
   </p1510:revLst>
 </p1510:revInfo>
 </file>
@@ -141,8 +142,8 @@
 <pc:chgInfo xmlns:a="http://schemas.openxmlformats.org/drawingml/2006/main" xmlns:r="http://schemas.openxmlformats.org/officeDocument/2006/relationships" xmlns:ac="http://schemas.microsoft.com/office/drawing/2013/main/command" xmlns:pc="http://schemas.microsoft.com/office/powerpoint/2013/main/command">
   <pc:docChgLst>
     <pc:chgData name="Sehgal, Vinit" userId="ef721694-8436-4df6-8b9b-be9691359d6c" providerId="ADAL" clId="{26AAD9E8-4C42-4DE7-94A5-14A70A065374}"/>
-    <pc:docChg chg="undo redo custSel addSld modSld">
-      <pc:chgData name="Sehgal, Vinit" userId="ef721694-8436-4df6-8b9b-be9691359d6c" providerId="ADAL" clId="{26AAD9E8-4C42-4DE7-94A5-14A70A065374}" dt="2024-02-29T12:55:59.258" v="5026"/>
+    <pc:docChg chg="undo redo custSel addSld delSld modSld">
+      <pc:chgData name="Sehgal, Vinit" userId="ef721694-8436-4df6-8b9b-be9691359d6c" providerId="ADAL" clId="{26AAD9E8-4C42-4DE7-94A5-14A70A065374}" dt="2024-03-12T12:15:34.619" v="5030" actId="47"/>
       <pc:docMkLst>
         <pc:docMk/>
       </pc:docMkLst>
@@ -2205,7 +2206,7 @@
         </pc:picChg>
       </pc:sldChg>
       <pc:sldChg chg="addSp modSp add mod">
-        <pc:chgData name="Sehgal, Vinit" userId="ef721694-8436-4df6-8b9b-be9691359d6c" providerId="ADAL" clId="{26AAD9E8-4C42-4DE7-94A5-14A70A065374}" dt="2024-02-27T16:29:01.036" v="4043" actId="1076"/>
+        <pc:chgData name="Sehgal, Vinit" userId="ef721694-8436-4df6-8b9b-be9691359d6c" providerId="ADAL" clId="{26AAD9E8-4C42-4DE7-94A5-14A70A065374}" dt="2024-03-12T12:15:22.100" v="5027"/>
         <pc:sldMkLst>
           <pc:docMk/>
           <pc:sldMk cId="664011103" sldId="270"/>
@@ -2306,6 +2307,54 @@
             <ac:spMk id="28" creationId="{EF898FD1-30CD-A210-F186-F5F3838DC8A7}"/>
           </ac:spMkLst>
         </pc:spChg>
+        <pc:spChg chg="add mod">
+          <ac:chgData name="Sehgal, Vinit" userId="ef721694-8436-4df6-8b9b-be9691359d6c" providerId="ADAL" clId="{26AAD9E8-4C42-4DE7-94A5-14A70A065374}" dt="2024-03-12T12:15:22.100" v="5027"/>
+          <ac:spMkLst>
+            <pc:docMk/>
+            <pc:sldMk cId="664011103" sldId="270"/>
+            <ac:spMk id="31" creationId="{A4A4189B-EFE6-1DA0-EEC6-FF680B8D50D2}"/>
+          </ac:spMkLst>
+        </pc:spChg>
+        <pc:spChg chg="add mod">
+          <ac:chgData name="Sehgal, Vinit" userId="ef721694-8436-4df6-8b9b-be9691359d6c" providerId="ADAL" clId="{26AAD9E8-4C42-4DE7-94A5-14A70A065374}" dt="2024-03-12T12:15:22.100" v="5027"/>
+          <ac:spMkLst>
+            <pc:docMk/>
+            <pc:sldMk cId="664011103" sldId="270"/>
+            <ac:spMk id="32" creationId="{63AC08F8-F38D-DAD7-B65A-E180783E486D}"/>
+          </ac:spMkLst>
+        </pc:spChg>
+        <pc:spChg chg="add mod">
+          <ac:chgData name="Sehgal, Vinit" userId="ef721694-8436-4df6-8b9b-be9691359d6c" providerId="ADAL" clId="{26AAD9E8-4C42-4DE7-94A5-14A70A065374}" dt="2024-03-12T12:15:22.100" v="5027"/>
+          <ac:spMkLst>
+            <pc:docMk/>
+            <pc:sldMk cId="664011103" sldId="270"/>
+            <ac:spMk id="33" creationId="{F107407A-629B-02B7-024B-EF0F919C25B6}"/>
+          </ac:spMkLst>
+        </pc:spChg>
+        <pc:spChg chg="add mod">
+          <ac:chgData name="Sehgal, Vinit" userId="ef721694-8436-4df6-8b9b-be9691359d6c" providerId="ADAL" clId="{26AAD9E8-4C42-4DE7-94A5-14A70A065374}" dt="2024-03-12T12:15:22.100" v="5027"/>
+          <ac:spMkLst>
+            <pc:docMk/>
+            <pc:sldMk cId="664011103" sldId="270"/>
+            <ac:spMk id="34" creationId="{F2EEE123-33E8-025E-DD73-6AC8789AA65A}"/>
+          </ac:spMkLst>
+        </pc:spChg>
+        <pc:spChg chg="add mod">
+          <ac:chgData name="Sehgal, Vinit" userId="ef721694-8436-4df6-8b9b-be9691359d6c" providerId="ADAL" clId="{26AAD9E8-4C42-4DE7-94A5-14A70A065374}" dt="2024-03-12T12:15:22.100" v="5027"/>
+          <ac:spMkLst>
+            <pc:docMk/>
+            <pc:sldMk cId="664011103" sldId="270"/>
+            <ac:spMk id="35" creationId="{4BB82E19-B516-DCEB-F17C-0DCC7914F6A6}"/>
+          </ac:spMkLst>
+        </pc:spChg>
+        <pc:spChg chg="add mod">
+          <ac:chgData name="Sehgal, Vinit" userId="ef721694-8436-4df6-8b9b-be9691359d6c" providerId="ADAL" clId="{26AAD9E8-4C42-4DE7-94A5-14A70A065374}" dt="2024-03-12T12:15:22.100" v="5027"/>
+          <ac:spMkLst>
+            <pc:docMk/>
+            <pc:sldMk cId="664011103" sldId="270"/>
+            <ac:spMk id="36" creationId="{D90C0966-E314-17E4-4F01-4FD1C12A3EDC}"/>
+          </ac:spMkLst>
+        </pc:spChg>
         <pc:spChg chg="mod">
           <ac:chgData name="Sehgal, Vinit" userId="ef721694-8436-4df6-8b9b-be9691359d6c" providerId="ADAL" clId="{26AAD9E8-4C42-4DE7-94A5-14A70A065374}" dt="2024-02-27T16:28:47.919" v="4040" actId="164"/>
           <ac:spMkLst>
@@ -2424,6 +2473,22 @@
             <pc:docMk/>
             <pc:sldMk cId="664011103" sldId="270"/>
             <ac:picMk id="16" creationId="{C2907910-A76C-1627-A68C-98FA50DB1C46}"/>
+          </ac:picMkLst>
+        </pc:picChg>
+        <pc:picChg chg="add mod">
+          <ac:chgData name="Sehgal, Vinit" userId="ef721694-8436-4df6-8b9b-be9691359d6c" providerId="ADAL" clId="{26AAD9E8-4C42-4DE7-94A5-14A70A065374}" dt="2024-03-12T12:15:22.100" v="5027"/>
+          <ac:picMkLst>
+            <pc:docMk/>
+            <pc:sldMk cId="664011103" sldId="270"/>
+            <ac:picMk id="21" creationId="{2AFAC9D0-1AE4-97F4-A66A-5936B4887B05}"/>
+          </ac:picMkLst>
+        </pc:picChg>
+        <pc:picChg chg="add mod">
+          <ac:chgData name="Sehgal, Vinit" userId="ef721694-8436-4df6-8b9b-be9691359d6c" providerId="ADAL" clId="{26AAD9E8-4C42-4DE7-94A5-14A70A065374}" dt="2024-03-12T12:15:22.100" v="5027"/>
+          <ac:picMkLst>
+            <pc:docMk/>
+            <pc:sldMk cId="664011103" sldId="270"/>
+            <ac:picMk id="30" creationId="{F2E554DA-7CE9-A43C-8DBF-FC92A96BC6E0}"/>
           </ac:picMkLst>
         </pc:picChg>
         <pc:picChg chg="mod">
@@ -2719,6 +2784,20 @@
             <ac:picMk id="1026" creationId="{956A9CEE-81CE-329D-23D5-3CD328E3239C}"/>
           </ac:picMkLst>
         </pc:picChg>
+      </pc:sldChg>
+      <pc:sldChg chg="new del">
+        <pc:chgData name="Sehgal, Vinit" userId="ef721694-8436-4df6-8b9b-be9691359d6c" providerId="ADAL" clId="{26AAD9E8-4C42-4DE7-94A5-14A70A065374}" dt="2024-03-12T12:15:34.619" v="5030" actId="47"/>
+        <pc:sldMkLst>
+          <pc:docMk/>
+          <pc:sldMk cId="747760892" sldId="274"/>
+        </pc:sldMkLst>
+      </pc:sldChg>
+      <pc:sldChg chg="add">
+        <pc:chgData name="Sehgal, Vinit" userId="ef721694-8436-4df6-8b9b-be9691359d6c" providerId="ADAL" clId="{26AAD9E8-4C42-4DE7-94A5-14A70A065374}" dt="2024-03-12T12:15:31.557" v="5029"/>
+        <pc:sldMkLst>
+          <pc:docMk/>
+          <pc:sldMk cId="3122660725" sldId="275"/>
+        </pc:sldMkLst>
       </pc:sldChg>
     </pc:docChg>
   </pc:docChgLst>
@@ -2872,7 +2951,7 @@
           <a:p>
             <a:fld id="{BE439EB3-F077-416F-BE9D-E5A16F54A2DF}" type="datetimeFigureOut">
               <a:rPr lang="en-US" smtClean="0"/>
-              <a:t>2/29/2024</a:t>
+              <a:t>3/12/2024</a:t>
             </a:fld>
             <a:endParaRPr lang="en-US" dirty="0"/>
           </a:p>
@@ -3070,7 +3149,7 @@
           <a:p>
             <a:fld id="{BE439EB3-F077-416F-BE9D-E5A16F54A2DF}" type="datetimeFigureOut">
               <a:rPr lang="en-US" smtClean="0"/>
-              <a:t>2/29/2024</a:t>
+              <a:t>3/12/2024</a:t>
             </a:fld>
             <a:endParaRPr lang="en-US" dirty="0"/>
           </a:p>
@@ -3278,7 +3357,7 @@
           <a:p>
             <a:fld id="{BE439EB3-F077-416F-BE9D-E5A16F54A2DF}" type="datetimeFigureOut">
               <a:rPr lang="en-US" smtClean="0"/>
-              <a:t>2/29/2024</a:t>
+              <a:t>3/12/2024</a:t>
             </a:fld>
             <a:endParaRPr lang="en-US" dirty="0"/>
           </a:p>
@@ -3476,7 +3555,7 @@
           <a:p>
             <a:fld id="{BE439EB3-F077-416F-BE9D-E5A16F54A2DF}" type="datetimeFigureOut">
               <a:rPr lang="en-US" smtClean="0"/>
-              <a:t>2/29/2024</a:t>
+              <a:t>3/12/2024</a:t>
             </a:fld>
             <a:endParaRPr lang="en-US" dirty="0"/>
           </a:p>
@@ -3751,7 +3830,7 @@
           <a:p>
             <a:fld id="{BE439EB3-F077-416F-BE9D-E5A16F54A2DF}" type="datetimeFigureOut">
               <a:rPr lang="en-US" smtClean="0"/>
-              <a:t>2/29/2024</a:t>
+              <a:t>3/12/2024</a:t>
             </a:fld>
             <a:endParaRPr lang="en-US" dirty="0"/>
           </a:p>
@@ -4016,7 +4095,7 @@
           <a:p>
             <a:fld id="{BE439EB3-F077-416F-BE9D-E5A16F54A2DF}" type="datetimeFigureOut">
               <a:rPr lang="en-US" smtClean="0"/>
-              <a:t>2/29/2024</a:t>
+              <a:t>3/12/2024</a:t>
             </a:fld>
             <a:endParaRPr lang="en-US" dirty="0"/>
           </a:p>
@@ -4428,7 +4507,7 @@
           <a:p>
             <a:fld id="{BE439EB3-F077-416F-BE9D-E5A16F54A2DF}" type="datetimeFigureOut">
               <a:rPr lang="en-US" smtClean="0"/>
-              <a:t>2/29/2024</a:t>
+              <a:t>3/12/2024</a:t>
             </a:fld>
             <a:endParaRPr lang="en-US" dirty="0"/>
           </a:p>
@@ -4569,7 +4648,7 @@
           <a:p>
             <a:fld id="{BE439EB3-F077-416F-BE9D-E5A16F54A2DF}" type="datetimeFigureOut">
               <a:rPr lang="en-US" smtClean="0"/>
-              <a:t>2/29/2024</a:t>
+              <a:t>3/12/2024</a:t>
             </a:fld>
             <a:endParaRPr lang="en-US" dirty="0"/>
           </a:p>
@@ -4682,7 +4761,7 @@
           <a:p>
             <a:fld id="{BE439EB3-F077-416F-BE9D-E5A16F54A2DF}" type="datetimeFigureOut">
               <a:rPr lang="en-US" smtClean="0"/>
-              <a:t>2/29/2024</a:t>
+              <a:t>3/12/2024</a:t>
             </a:fld>
             <a:endParaRPr lang="en-US" dirty="0"/>
           </a:p>
@@ -4993,7 +5072,7 @@
           <a:p>
             <a:fld id="{BE439EB3-F077-416F-BE9D-E5A16F54A2DF}" type="datetimeFigureOut">
               <a:rPr lang="en-US" smtClean="0"/>
-              <a:t>2/29/2024</a:t>
+              <a:t>3/12/2024</a:t>
             </a:fld>
             <a:endParaRPr lang="en-US" dirty="0"/>
           </a:p>
@@ -5281,7 +5360,7 @@
           <a:p>
             <a:fld id="{BE439EB3-F077-416F-BE9D-E5A16F54A2DF}" type="datetimeFigureOut">
               <a:rPr lang="en-US" smtClean="0"/>
-              <a:t>2/29/2024</a:t>
+              <a:t>3/12/2024</a:t>
             </a:fld>
             <a:endParaRPr lang="en-US" dirty="0"/>
           </a:p>
@@ -5522,7 +5601,7 @@
           <a:p>
             <a:fld id="{BE439EB3-F077-416F-BE9D-E5A16F54A2DF}" type="datetimeFigureOut">
               <a:rPr lang="en-US" smtClean="0"/>
-              <a:t>2/29/2024</a:t>
+              <a:t>3/12/2024</a:t>
             </a:fld>
             <a:endParaRPr lang="en-US" dirty="0"/>
           </a:p>
@@ -8415,6 +8494,125 @@
 <file path=ppt/slides/slide10.xml><?xml version="1.0" encoding="utf-8"?>
 <p:sld xmlns:a="http://schemas.openxmlformats.org/drawingml/2006/main" xmlns:r="http://schemas.openxmlformats.org/officeDocument/2006/relationships" xmlns:p="http://schemas.openxmlformats.org/presentationml/2006/main">
   <p:cSld>
+    <p:spTree>
+      <p:nvGrpSpPr>
+        <p:cNvPr id="1" name=""/>
+        <p:cNvGrpSpPr/>
+        <p:nvPr/>
+      </p:nvGrpSpPr>
+      <p:grpSpPr>
+        <a:xfrm>
+          <a:off x="0" y="0"/>
+          <a:ext cx="0" cy="0"/>
+          <a:chOff x="0" y="0"/>
+          <a:chExt cx="0" cy="0"/>
+        </a:xfrm>
+      </p:grpSpPr>
+      <p:pic>
+        <p:nvPicPr>
+          <p:cNvPr id="4" name="Picture 3">
+            <a:extLst>
+              <a:ext uri="{FF2B5EF4-FFF2-40B4-BE49-F238E27FC236}">
+                <a16:creationId xmlns:a16="http://schemas.microsoft.com/office/drawing/2014/main" id="{4B97C8FE-71B0-E7E1-7637-49072EAC7695}"/>
+              </a:ext>
+            </a:extLst>
+          </p:cNvPr>
+          <p:cNvPicPr>
+            <a:picLocks noChangeAspect="1"/>
+          </p:cNvPicPr>
+          <p:nvPr/>
+        </p:nvPicPr>
+        <p:blipFill rotWithShape="1">
+          <a:blip r:embed="rId2"/>
+          <a:srcRect l="10864"/>
+          <a:stretch/>
+        </p:blipFill>
+        <p:spPr>
+          <a:xfrm>
+            <a:off x="65314" y="0"/>
+            <a:ext cx="4746172" cy="2995127"/>
+          </a:xfrm>
+          <a:prstGeom prst="rect">
+            <a:avLst/>
+          </a:prstGeom>
+        </p:spPr>
+      </p:pic>
+      <p:pic>
+        <p:nvPicPr>
+          <p:cNvPr id="5" name="Picture 4">
+            <a:extLst>
+              <a:ext uri="{FF2B5EF4-FFF2-40B4-BE49-F238E27FC236}">
+                <a16:creationId xmlns:a16="http://schemas.microsoft.com/office/drawing/2014/main" id="{0FE4CD18-2300-F742-EA20-2B8282D483D1}"/>
+              </a:ext>
+            </a:extLst>
+          </p:cNvPr>
+          <p:cNvPicPr>
+            <a:picLocks noChangeAspect="1"/>
+          </p:cNvPicPr>
+          <p:nvPr/>
+        </p:nvPicPr>
+        <p:blipFill>
+          <a:blip r:embed="rId3"/>
+          <a:stretch>
+            <a:fillRect/>
+          </a:stretch>
+        </p:blipFill>
+        <p:spPr>
+          <a:xfrm>
+            <a:off x="4447668" y="249378"/>
+            <a:ext cx="3866819" cy="2496369"/>
+          </a:xfrm>
+          <a:prstGeom prst="rect">
+            <a:avLst/>
+          </a:prstGeom>
+        </p:spPr>
+      </p:pic>
+      <p:pic>
+        <p:nvPicPr>
+          <p:cNvPr id="6" name="Picture 5">
+            <a:extLst>
+              <a:ext uri="{FF2B5EF4-FFF2-40B4-BE49-F238E27FC236}">
+                <a16:creationId xmlns:a16="http://schemas.microsoft.com/office/drawing/2014/main" id="{6B2107BB-1850-F3CA-4643-0531893D7703}"/>
+              </a:ext>
+            </a:extLst>
+          </p:cNvPr>
+          <p:cNvPicPr>
+            <a:picLocks noChangeAspect="1"/>
+          </p:cNvPicPr>
+          <p:nvPr/>
+        </p:nvPicPr>
+        <p:blipFill>
+          <a:blip r:embed="rId4"/>
+          <a:stretch>
+            <a:fillRect/>
+          </a:stretch>
+        </p:blipFill>
+        <p:spPr>
+          <a:xfrm>
+            <a:off x="167951" y="2873829"/>
+            <a:ext cx="3713584" cy="2496369"/>
+          </a:xfrm>
+          <a:prstGeom prst="rect">
+            <a:avLst/>
+          </a:prstGeom>
+        </p:spPr>
+      </p:pic>
+    </p:spTree>
+    <p:extLst>
+      <p:ext uri="{BB962C8B-B14F-4D97-AF65-F5344CB8AC3E}">
+        <p14:creationId xmlns:p14="http://schemas.microsoft.com/office/powerpoint/2010/main" val="3162076565"/>
+      </p:ext>
+    </p:extLst>
+  </p:cSld>
+  <p:clrMapOvr>
+    <a:masterClrMapping/>
+  </p:clrMapOvr>
+</p:sld>
+</file>
+
+<file path=ppt/slides/slide11.xml><?xml version="1.0" encoding="utf-8"?>
+<p:sld xmlns:a="http://schemas.openxmlformats.org/drawingml/2006/main" xmlns:r="http://schemas.openxmlformats.org/officeDocument/2006/relationships" xmlns:p="http://schemas.openxmlformats.org/presentationml/2006/main">
+  <p:cSld>
     <p:bg>
       <p:bgPr>
         <a:solidFill>
@@ -9115,7 +9313,7 @@
 </p:sld>
 </file>
 
-<file path=ppt/slides/slide11.xml><?xml version="1.0" encoding="utf-8"?>
+<file path=ppt/slides/slide12.xml><?xml version="1.0" encoding="utf-8"?>
 <p:sld xmlns:a="http://schemas.openxmlformats.org/drawingml/2006/main" xmlns:r="http://schemas.openxmlformats.org/officeDocument/2006/relationships" xmlns:p="http://schemas.openxmlformats.org/presentationml/2006/main">
   <p:cSld>
     <p:bg>
@@ -9742,7 +9940,7 @@
 </p:sld>
 </file>
 
-<file path=ppt/slides/slide12.xml><?xml version="1.0" encoding="utf-8"?>
+<file path=ppt/slides/slide13.xml><?xml version="1.0" encoding="utf-8"?>
 <p:sld xmlns:a="http://schemas.openxmlformats.org/drawingml/2006/main" xmlns:r="http://schemas.openxmlformats.org/officeDocument/2006/relationships" xmlns:p="http://schemas.openxmlformats.org/presentationml/2006/main">
   <p:cSld>
     <p:bg>
@@ -10148,7 +10346,7 @@
 </p:sld>
 </file>
 
-<file path=ppt/slides/slide13.xml><?xml version="1.0" encoding="utf-8"?>
+<file path=ppt/slides/slide14.xml><?xml version="1.0" encoding="utf-8"?>
 <p:sld xmlns:a="http://schemas.openxmlformats.org/drawingml/2006/main" xmlns:r="http://schemas.openxmlformats.org/officeDocument/2006/relationships" xmlns:p="http://schemas.openxmlformats.org/presentationml/2006/main">
   <p:cSld>
     <p:bg>
@@ -10547,7 +10745,7 @@
 </p:sld>
 </file>
 
-<file path=ppt/slides/slide14.xml><?xml version="1.0" encoding="utf-8"?>
+<file path=ppt/slides/slide15.xml><?xml version="1.0" encoding="utf-8"?>
 <p:sld xmlns:a="http://schemas.openxmlformats.org/drawingml/2006/main" xmlns:r="http://schemas.openxmlformats.org/officeDocument/2006/relationships" xmlns:p="http://schemas.openxmlformats.org/presentationml/2006/main">
   <p:cSld>
     <p:spTree>
@@ -13053,7 +13251,7 @@
 </p:sld>
 </file>
 
-<file path=ppt/slides/slide15.xml><?xml version="1.0" encoding="utf-8"?>
+<file path=ppt/slides/slide16.xml><?xml version="1.0" encoding="utf-8"?>
 <p:sld xmlns:a="http://schemas.openxmlformats.org/drawingml/2006/main" xmlns:r="http://schemas.openxmlformats.org/officeDocument/2006/relationships" xmlns:p="http://schemas.openxmlformats.org/presentationml/2006/main">
   <p:cSld>
     <p:spTree>
@@ -15259,7 +15457,7 @@
 </p:sld>
 </file>
 
-<file path=ppt/slides/slide16.xml><?xml version="1.0" encoding="utf-8"?>
+<file path=ppt/slides/slide17.xml><?xml version="1.0" encoding="utf-8"?>
 <p:sld xmlns:a="http://schemas.openxmlformats.org/drawingml/2006/main" xmlns:r="http://schemas.openxmlformats.org/officeDocument/2006/relationships" xmlns:p="http://schemas.openxmlformats.org/presentationml/2006/main">
   <p:cSld>
     <p:spTree>
@@ -17277,7 +17475,7 @@
 </p:sld>
 </file>
 
-<file path=ppt/slides/slide17.xml><?xml version="1.0" encoding="utf-8"?>
+<file path=ppt/slides/slide18.xml><?xml version="1.0" encoding="utf-8"?>
 <p:sld xmlns:a="http://schemas.openxmlformats.org/drawingml/2006/main" xmlns:r="http://schemas.openxmlformats.org/officeDocument/2006/relationships" xmlns:p="http://schemas.openxmlformats.org/presentationml/2006/main">
   <p:cSld>
     <p:spTree>
@@ -17867,7 +18065,7 @@
 </p:sld>
 </file>
 
-<file path=ppt/slides/slide18.xml><?xml version="1.0" encoding="utf-8"?>
+<file path=ppt/slides/slide19.xml><?xml version="1.0" encoding="utf-8"?>
 <p:sld xmlns:a="http://schemas.openxmlformats.org/drawingml/2006/main" xmlns:r="http://schemas.openxmlformats.org/officeDocument/2006/relationships" xmlns:p="http://schemas.openxmlformats.org/presentationml/2006/main">
   <p:cSld>
     <p:spTree>
@@ -20482,6 +20680,378 @@
           <a:chExt cx="0" cy="0"/>
         </a:xfrm>
       </p:grpSpPr>
+      <p:pic>
+        <p:nvPicPr>
+          <p:cNvPr id="21" name="Picture 20" descr="A diagram of a diagram of a time and latitude&#10;&#10;Description automatically generated">
+            <a:extLst>
+              <a:ext uri="{FF2B5EF4-FFF2-40B4-BE49-F238E27FC236}">
+                <a16:creationId xmlns:a16="http://schemas.microsoft.com/office/drawing/2014/main" id="{6341C687-7898-2239-C58E-9932E69226CC}"/>
+              </a:ext>
+            </a:extLst>
+          </p:cNvPr>
+          <p:cNvPicPr>
+            <a:picLocks noChangeAspect="1"/>
+          </p:cNvPicPr>
+          <p:nvPr/>
+        </p:nvPicPr>
+        <p:blipFill>
+          <a:blip r:embed="rId2">
+            <a:extLst>
+              <a:ext uri="{28A0092B-C50C-407E-A947-70E740481C1C}">
+                <a14:useLocalDpi xmlns:a14="http://schemas.microsoft.com/office/drawing/2010/main" val="0"/>
+              </a:ext>
+            </a:extLst>
+          </a:blip>
+          <a:stretch>
+            <a:fillRect/>
+          </a:stretch>
+        </p:blipFill>
+        <p:spPr>
+          <a:xfrm>
+            <a:off x="6151900" y="1160454"/>
+            <a:ext cx="5886886" cy="4537092"/>
+          </a:xfrm>
+          <a:prstGeom prst="rect">
+            <a:avLst/>
+          </a:prstGeom>
+        </p:spPr>
+      </p:pic>
+      <p:pic>
+        <p:nvPicPr>
+          <p:cNvPr id="22" name="Picture 21">
+            <a:extLst>
+              <a:ext uri="{FF2B5EF4-FFF2-40B4-BE49-F238E27FC236}">
+                <a16:creationId xmlns:a16="http://schemas.microsoft.com/office/drawing/2014/main" id="{CA424066-D5CC-A6CB-4E61-C834513A7C73}"/>
+              </a:ext>
+            </a:extLst>
+          </p:cNvPr>
+          <p:cNvPicPr>
+            <a:picLocks noChangeAspect="1"/>
+          </p:cNvPicPr>
+          <p:nvPr/>
+        </p:nvPicPr>
+        <p:blipFill>
+          <a:blip r:embed="rId3"/>
+          <a:stretch>
+            <a:fillRect/>
+          </a:stretch>
+        </p:blipFill>
+        <p:spPr>
+          <a:xfrm>
+            <a:off x="153215" y="1193555"/>
+            <a:ext cx="5404437" cy="4521445"/>
+          </a:xfrm>
+          <a:prstGeom prst="rect">
+            <a:avLst/>
+          </a:prstGeom>
+        </p:spPr>
+      </p:pic>
+      <p:sp>
+        <p:nvSpPr>
+          <p:cNvPr id="23" name="TextBox 22">
+            <a:extLst>
+              <a:ext uri="{FF2B5EF4-FFF2-40B4-BE49-F238E27FC236}">
+                <a16:creationId xmlns:a16="http://schemas.microsoft.com/office/drawing/2014/main" id="{60EB84F5-F6D2-47AA-5086-01EAEAACD277}"/>
+              </a:ext>
+            </a:extLst>
+          </p:cNvPr>
+          <p:cNvSpPr txBox="1"/>
+          <p:nvPr/>
+        </p:nvSpPr>
+        <p:spPr>
+          <a:xfrm>
+            <a:off x="6360053" y="2411426"/>
+            <a:ext cx="210962" cy="338554"/>
+          </a:xfrm>
+          <a:prstGeom prst="rect">
+            <a:avLst/>
+          </a:prstGeom>
+          <a:noFill/>
+        </p:spPr>
+        <p:txBody>
+          <a:bodyPr wrap="square">
+            <a:spAutoFit/>
+          </a:bodyPr>
+          <a:lstStyle/>
+          <a:p>
+            <a:pPr algn="r"/>
+            <a:r>
+              <a:rPr lang="en-US" sz="1600" b="1" i="1" dirty="0">
+                <a:latin typeface="Arial" panose="020B0604020202020204" pitchFamily="34" charset="0"/>
+                <a:cs typeface="Arial" panose="020B0604020202020204" pitchFamily="34" charset="0"/>
+              </a:rPr>
+              <a:t>t</a:t>
+            </a:r>
+            <a:endParaRPr lang="en-US" sz="1600" b="1" i="1" dirty="0"/>
+          </a:p>
+        </p:txBody>
+      </p:sp>
+      <p:sp>
+        <p:nvSpPr>
+          <p:cNvPr id="25" name="TextBox 24">
+            <a:extLst>
+              <a:ext uri="{FF2B5EF4-FFF2-40B4-BE49-F238E27FC236}">
+                <a16:creationId xmlns:a16="http://schemas.microsoft.com/office/drawing/2014/main" id="{D96FD468-E8FE-88EB-2BD7-C253BE699F0D}"/>
+              </a:ext>
+            </a:extLst>
+          </p:cNvPr>
+          <p:cNvSpPr txBox="1"/>
+          <p:nvPr/>
+        </p:nvSpPr>
+        <p:spPr>
+          <a:xfrm>
+            <a:off x="6085524" y="2681815"/>
+            <a:ext cx="485491" cy="338554"/>
+          </a:xfrm>
+          <a:prstGeom prst="rect">
+            <a:avLst/>
+          </a:prstGeom>
+          <a:noFill/>
+        </p:spPr>
+        <p:txBody>
+          <a:bodyPr wrap="square">
+            <a:spAutoFit/>
+          </a:bodyPr>
+          <a:lstStyle/>
+          <a:p>
+            <a:pPr algn="r"/>
+            <a:r>
+              <a:rPr lang="en-US" sz="1600" b="1" i="1" dirty="0">
+                <a:latin typeface="Arial" panose="020B0604020202020204" pitchFamily="34" charset="0"/>
+                <a:cs typeface="Arial" panose="020B0604020202020204" pitchFamily="34" charset="0"/>
+              </a:rPr>
+              <a:t>t-1</a:t>
+            </a:r>
+            <a:endParaRPr lang="en-US" sz="1600" b="1" i="1" dirty="0"/>
+          </a:p>
+        </p:txBody>
+      </p:sp>
+      <p:sp>
+        <p:nvSpPr>
+          <p:cNvPr id="26" name="TextBox 25">
+            <a:extLst>
+              <a:ext uri="{FF2B5EF4-FFF2-40B4-BE49-F238E27FC236}">
+                <a16:creationId xmlns:a16="http://schemas.microsoft.com/office/drawing/2014/main" id="{C8A8C516-AE5B-3BFF-76DA-200C526092A5}"/>
+              </a:ext>
+            </a:extLst>
+          </p:cNvPr>
+          <p:cNvSpPr txBox="1"/>
+          <p:nvPr/>
+        </p:nvSpPr>
+        <p:spPr>
+          <a:xfrm>
+            <a:off x="6085524" y="2895000"/>
+            <a:ext cx="485491" cy="338554"/>
+          </a:xfrm>
+          <a:prstGeom prst="rect">
+            <a:avLst/>
+          </a:prstGeom>
+          <a:noFill/>
+        </p:spPr>
+        <p:txBody>
+          <a:bodyPr wrap="square">
+            <a:spAutoFit/>
+          </a:bodyPr>
+          <a:lstStyle/>
+          <a:p>
+            <a:pPr algn="r"/>
+            <a:r>
+              <a:rPr lang="en-US" sz="1600" b="1" i="1" dirty="0">
+                <a:latin typeface="Arial" panose="020B0604020202020204" pitchFamily="34" charset="0"/>
+                <a:cs typeface="Arial" panose="020B0604020202020204" pitchFamily="34" charset="0"/>
+              </a:rPr>
+              <a:t>t-2</a:t>
+            </a:r>
+            <a:endParaRPr lang="en-US" sz="1600" b="1" i="1" dirty="0"/>
+          </a:p>
+        </p:txBody>
+      </p:sp>
+      <p:sp>
+        <p:nvSpPr>
+          <p:cNvPr id="28" name="TextBox 27">
+            <a:extLst>
+              <a:ext uri="{FF2B5EF4-FFF2-40B4-BE49-F238E27FC236}">
+                <a16:creationId xmlns:a16="http://schemas.microsoft.com/office/drawing/2014/main" id="{F05A803D-976A-3CBF-3A28-50235BD1D744}"/>
+              </a:ext>
+            </a:extLst>
+          </p:cNvPr>
+          <p:cNvSpPr txBox="1"/>
+          <p:nvPr/>
+        </p:nvSpPr>
+        <p:spPr>
+          <a:xfrm rot="5400000">
+            <a:off x="6217987" y="3068608"/>
+            <a:ext cx="485491" cy="338554"/>
+          </a:xfrm>
+          <a:prstGeom prst="rect">
+            <a:avLst/>
+          </a:prstGeom>
+          <a:noFill/>
+        </p:spPr>
+        <p:txBody>
+          <a:bodyPr wrap="square">
+            <a:spAutoFit/>
+          </a:bodyPr>
+          <a:lstStyle/>
+          <a:p>
+            <a:pPr algn="r"/>
+            <a:r>
+              <a:rPr lang="en-US" sz="1600" b="1" i="1" dirty="0">
+                <a:latin typeface="Arial" panose="020B0604020202020204" pitchFamily="34" charset="0"/>
+                <a:cs typeface="Arial" panose="020B0604020202020204" pitchFamily="34" charset="0"/>
+              </a:rPr>
+              <a:t>…</a:t>
+            </a:r>
+            <a:endParaRPr lang="en-US" sz="1600" b="1" i="1" dirty="0"/>
+          </a:p>
+        </p:txBody>
+      </p:sp>
+      <p:sp>
+        <p:nvSpPr>
+          <p:cNvPr id="30" name="TextBox 29">
+            <a:extLst>
+              <a:ext uri="{FF2B5EF4-FFF2-40B4-BE49-F238E27FC236}">
+                <a16:creationId xmlns:a16="http://schemas.microsoft.com/office/drawing/2014/main" id="{DCEF1A88-89EF-18B3-CFA4-0A7A62349287}"/>
+              </a:ext>
+            </a:extLst>
+          </p:cNvPr>
+          <p:cNvSpPr txBox="1"/>
+          <p:nvPr/>
+        </p:nvSpPr>
+        <p:spPr>
+          <a:xfrm>
+            <a:off x="153215" y="1193555"/>
+            <a:ext cx="1801402" cy="748988"/>
+          </a:xfrm>
+          <a:prstGeom prst="rect">
+            <a:avLst/>
+          </a:prstGeom>
+          <a:noFill/>
+        </p:spPr>
+        <p:txBody>
+          <a:bodyPr wrap="square">
+            <a:spAutoFit/>
+          </a:bodyPr>
+          <a:lstStyle/>
+          <a:p>
+            <a:r>
+              <a:rPr lang="en-US" sz="1600" b="1" dirty="0">
+                <a:solidFill>
+                  <a:srgbClr val="202124"/>
+                </a:solidFill>
+                <a:latin typeface="Roboto" panose="02000000000000000000" pitchFamily="2" charset="0"/>
+              </a:rPr>
+              <a:t> </a:t>
+            </a:r>
+            <a:r>
+              <a:rPr lang="en-US" sz="2667" b="1" dirty="0">
+                <a:solidFill>
+                  <a:srgbClr val="202124"/>
+                </a:solidFill>
+                <a:latin typeface="Roboto" panose="02000000000000000000" pitchFamily="2" charset="0"/>
+              </a:rPr>
+              <a:t>Raster</a:t>
+            </a:r>
+            <a:br>
+              <a:rPr lang="en-US" sz="1600" dirty="0">
+                <a:solidFill>
+                  <a:srgbClr val="202124"/>
+                </a:solidFill>
+                <a:latin typeface="Roboto" panose="02000000000000000000" pitchFamily="2" charset="0"/>
+              </a:rPr>
+            </a:br>
+            <a:endParaRPr lang="en-US" sz="1600" dirty="0"/>
+          </a:p>
+        </p:txBody>
+      </p:sp>
+      <p:sp>
+        <p:nvSpPr>
+          <p:cNvPr id="31" name="TextBox 30">
+            <a:extLst>
+              <a:ext uri="{FF2B5EF4-FFF2-40B4-BE49-F238E27FC236}">
+                <a16:creationId xmlns:a16="http://schemas.microsoft.com/office/drawing/2014/main" id="{26AE709A-4700-8046-D36C-061AE07946E5}"/>
+              </a:ext>
+            </a:extLst>
+          </p:cNvPr>
+          <p:cNvSpPr txBox="1"/>
+          <p:nvPr/>
+        </p:nvSpPr>
+        <p:spPr>
+          <a:xfrm>
+            <a:off x="6151900" y="1193555"/>
+            <a:ext cx="1801402" cy="748988"/>
+          </a:xfrm>
+          <a:prstGeom prst="rect">
+            <a:avLst/>
+          </a:prstGeom>
+          <a:noFill/>
+        </p:spPr>
+        <p:txBody>
+          <a:bodyPr wrap="square">
+            <a:spAutoFit/>
+          </a:bodyPr>
+          <a:lstStyle/>
+          <a:p>
+            <a:r>
+              <a:rPr lang="en-US" sz="1600" b="1" dirty="0">
+                <a:solidFill>
+                  <a:srgbClr val="202124"/>
+                </a:solidFill>
+                <a:latin typeface="Roboto" panose="02000000000000000000" pitchFamily="2" charset="0"/>
+              </a:rPr>
+              <a:t> </a:t>
+            </a:r>
+            <a:r>
+              <a:rPr lang="en-US" sz="2667" b="1" dirty="0">
+                <a:solidFill>
+                  <a:srgbClr val="202124"/>
+                </a:solidFill>
+                <a:latin typeface="Roboto" panose="02000000000000000000" pitchFamily="2" charset="0"/>
+              </a:rPr>
+              <a:t>netCDF</a:t>
+            </a:r>
+            <a:br>
+              <a:rPr lang="en-US" sz="1600" dirty="0">
+                <a:solidFill>
+                  <a:srgbClr val="202124"/>
+                </a:solidFill>
+                <a:latin typeface="Roboto" panose="02000000000000000000" pitchFamily="2" charset="0"/>
+              </a:rPr>
+            </a:br>
+            <a:endParaRPr lang="en-US" sz="1600" dirty="0"/>
+          </a:p>
+        </p:txBody>
+      </p:sp>
+    </p:spTree>
+    <p:extLst>
+      <p:ext uri="{BB962C8B-B14F-4D97-AF65-F5344CB8AC3E}">
+        <p14:creationId xmlns:p14="http://schemas.microsoft.com/office/powerpoint/2010/main" val="3122660725"/>
+      </p:ext>
+    </p:extLst>
+  </p:cSld>
+  <p:clrMapOvr>
+    <a:masterClrMapping/>
+  </p:clrMapOvr>
+</p:sld>
+</file>
+
+<file path=ppt/slides/slide4.xml><?xml version="1.0" encoding="utf-8"?>
+<p:sld xmlns:a="http://schemas.openxmlformats.org/drawingml/2006/main" xmlns:r="http://schemas.openxmlformats.org/officeDocument/2006/relationships" xmlns:p="http://schemas.openxmlformats.org/presentationml/2006/main">
+  <p:cSld>
+    <p:spTree>
+      <p:nvGrpSpPr>
+        <p:cNvPr id="1" name=""/>
+        <p:cNvGrpSpPr/>
+        <p:nvPr/>
+      </p:nvGrpSpPr>
+      <p:grpSpPr>
+        <a:xfrm>
+          <a:off x="0" y="0"/>
+          <a:ext cx="0" cy="0"/>
+          <a:chOff x="0" y="0"/>
+          <a:chExt cx="0" cy="0"/>
+        </a:xfrm>
+      </p:grpSpPr>
       <p:sp>
         <p:nvSpPr>
           <p:cNvPr id="3" name="Content Placeholder 2">
@@ -20586,7 +21156,7 @@
 </p:sld>
 </file>
 
-<file path=ppt/slides/slide4.xml><?xml version="1.0" encoding="utf-8"?>
+<file path=ppt/slides/slide5.xml><?xml version="1.0" encoding="utf-8"?>
 <p:sld xmlns:a="http://schemas.openxmlformats.org/drawingml/2006/main" xmlns:r="http://schemas.openxmlformats.org/officeDocument/2006/relationships" xmlns:p="http://schemas.openxmlformats.org/presentationml/2006/main">
   <p:cSld>
     <p:spTree>
@@ -21363,7 +21933,7 @@
 </p:sld>
 </file>
 
-<file path=ppt/slides/slide5.xml><?xml version="1.0" encoding="utf-8"?>
+<file path=ppt/slides/slide6.xml><?xml version="1.0" encoding="utf-8"?>
 <p:sld xmlns:a="http://schemas.openxmlformats.org/drawingml/2006/main" xmlns:r="http://schemas.openxmlformats.org/officeDocument/2006/relationships" xmlns:p="http://schemas.openxmlformats.org/presentationml/2006/main">
   <p:cSld>
     <p:spTree>
@@ -21637,7 +22207,7 @@
 </p:sld>
 </file>
 
-<file path=ppt/slides/slide6.xml><?xml version="1.0" encoding="utf-8"?>
+<file path=ppt/slides/slide7.xml><?xml version="1.0" encoding="utf-8"?>
 <p:sld xmlns:a="http://schemas.openxmlformats.org/drawingml/2006/main" xmlns:r="http://schemas.openxmlformats.org/officeDocument/2006/relationships" xmlns:p="http://schemas.openxmlformats.org/presentationml/2006/main">
   <p:cSld>
     <p:spTree>
@@ -21985,7 +22555,7 @@
 </p:sld>
 </file>
 
-<file path=ppt/slides/slide7.xml><?xml version="1.0" encoding="utf-8"?>
+<file path=ppt/slides/slide8.xml><?xml version="1.0" encoding="utf-8"?>
 <p:sld xmlns:a="http://schemas.openxmlformats.org/drawingml/2006/main" xmlns:r="http://schemas.openxmlformats.org/officeDocument/2006/relationships" xmlns:p="http://schemas.openxmlformats.org/presentationml/2006/main">
   <p:cSld>
     <p:spTree>
@@ -22123,7 +22693,7 @@
 </p:sld>
 </file>
 
-<file path=ppt/slides/slide8.xml><?xml version="1.0" encoding="utf-8"?>
+<file path=ppt/slides/slide9.xml><?xml version="1.0" encoding="utf-8"?>
 <p:sld xmlns:a="http://schemas.openxmlformats.org/drawingml/2006/main" xmlns:r="http://schemas.openxmlformats.org/officeDocument/2006/relationships" xmlns:p="http://schemas.openxmlformats.org/presentationml/2006/main">
   <p:cSld>
     <p:spTree>
@@ -22574,125 +23144,6 @@
 </p:sld>
 </file>
 
-<file path=ppt/slides/slide9.xml><?xml version="1.0" encoding="utf-8"?>
-<p:sld xmlns:a="http://schemas.openxmlformats.org/drawingml/2006/main" xmlns:r="http://schemas.openxmlformats.org/officeDocument/2006/relationships" xmlns:p="http://schemas.openxmlformats.org/presentationml/2006/main">
-  <p:cSld>
-    <p:spTree>
-      <p:nvGrpSpPr>
-        <p:cNvPr id="1" name=""/>
-        <p:cNvGrpSpPr/>
-        <p:nvPr/>
-      </p:nvGrpSpPr>
-      <p:grpSpPr>
-        <a:xfrm>
-          <a:off x="0" y="0"/>
-          <a:ext cx="0" cy="0"/>
-          <a:chOff x="0" y="0"/>
-          <a:chExt cx="0" cy="0"/>
-        </a:xfrm>
-      </p:grpSpPr>
-      <p:pic>
-        <p:nvPicPr>
-          <p:cNvPr id="4" name="Picture 3">
-            <a:extLst>
-              <a:ext uri="{FF2B5EF4-FFF2-40B4-BE49-F238E27FC236}">
-                <a16:creationId xmlns:a16="http://schemas.microsoft.com/office/drawing/2014/main" id="{4B97C8FE-71B0-E7E1-7637-49072EAC7695}"/>
-              </a:ext>
-            </a:extLst>
-          </p:cNvPr>
-          <p:cNvPicPr>
-            <a:picLocks noChangeAspect="1"/>
-          </p:cNvPicPr>
-          <p:nvPr/>
-        </p:nvPicPr>
-        <p:blipFill rotWithShape="1">
-          <a:blip r:embed="rId2"/>
-          <a:srcRect l="10864"/>
-          <a:stretch/>
-        </p:blipFill>
-        <p:spPr>
-          <a:xfrm>
-            <a:off x="65314" y="0"/>
-            <a:ext cx="4746172" cy="2995127"/>
-          </a:xfrm>
-          <a:prstGeom prst="rect">
-            <a:avLst/>
-          </a:prstGeom>
-        </p:spPr>
-      </p:pic>
-      <p:pic>
-        <p:nvPicPr>
-          <p:cNvPr id="5" name="Picture 4">
-            <a:extLst>
-              <a:ext uri="{FF2B5EF4-FFF2-40B4-BE49-F238E27FC236}">
-                <a16:creationId xmlns:a16="http://schemas.microsoft.com/office/drawing/2014/main" id="{0FE4CD18-2300-F742-EA20-2B8282D483D1}"/>
-              </a:ext>
-            </a:extLst>
-          </p:cNvPr>
-          <p:cNvPicPr>
-            <a:picLocks noChangeAspect="1"/>
-          </p:cNvPicPr>
-          <p:nvPr/>
-        </p:nvPicPr>
-        <p:blipFill>
-          <a:blip r:embed="rId3"/>
-          <a:stretch>
-            <a:fillRect/>
-          </a:stretch>
-        </p:blipFill>
-        <p:spPr>
-          <a:xfrm>
-            <a:off x="4447668" y="249378"/>
-            <a:ext cx="3866819" cy="2496369"/>
-          </a:xfrm>
-          <a:prstGeom prst="rect">
-            <a:avLst/>
-          </a:prstGeom>
-        </p:spPr>
-      </p:pic>
-      <p:pic>
-        <p:nvPicPr>
-          <p:cNvPr id="6" name="Picture 5">
-            <a:extLst>
-              <a:ext uri="{FF2B5EF4-FFF2-40B4-BE49-F238E27FC236}">
-                <a16:creationId xmlns:a16="http://schemas.microsoft.com/office/drawing/2014/main" id="{6B2107BB-1850-F3CA-4643-0531893D7703}"/>
-              </a:ext>
-            </a:extLst>
-          </p:cNvPr>
-          <p:cNvPicPr>
-            <a:picLocks noChangeAspect="1"/>
-          </p:cNvPicPr>
-          <p:nvPr/>
-        </p:nvPicPr>
-        <p:blipFill>
-          <a:blip r:embed="rId4"/>
-          <a:stretch>
-            <a:fillRect/>
-          </a:stretch>
-        </p:blipFill>
-        <p:spPr>
-          <a:xfrm>
-            <a:off x="167951" y="2873829"/>
-            <a:ext cx="3713584" cy="2496369"/>
-          </a:xfrm>
-          <a:prstGeom prst="rect">
-            <a:avLst/>
-          </a:prstGeom>
-        </p:spPr>
-      </p:pic>
-    </p:spTree>
-    <p:extLst>
-      <p:ext uri="{BB962C8B-B14F-4D97-AF65-F5344CB8AC3E}">
-        <p14:creationId xmlns:p14="http://schemas.microsoft.com/office/powerpoint/2010/main" val="3162076565"/>
-      </p:ext>
-    </p:extLst>
-  </p:cSld>
-  <p:clrMapOvr>
-    <a:masterClrMapping/>
-  </p:clrMapOvr>
-</p:sld>
-</file>
-
 <file path=ppt/theme/theme1.xml><?xml version="1.0" encoding="utf-8"?>
 <a:theme xmlns:a="http://schemas.openxmlformats.org/drawingml/2006/main" name="Office Theme">
   <a:themeElements>

--- a/plots.pptx
+++ b/plots.pptx
@@ -133,7 +133,7 @@
 <file path=ppt/revisionInfo.xml><?xml version="1.0" encoding="utf-8"?>
 <p1510:revInfo xmlns:a="http://schemas.openxmlformats.org/drawingml/2006/main" xmlns:r="http://schemas.openxmlformats.org/officeDocument/2006/relationships" xmlns:p1510="http://schemas.microsoft.com/office/powerpoint/2015/10/main">
   <p1510:revLst>
-    <p1510:client id="{26AAD9E8-4C42-4DE7-94A5-14A70A065374}" v="731" dt="2024-03-12T12:15:31.558"/>
+    <p1510:client id="{26AAD9E8-4C42-4DE7-94A5-14A70A065374}" v="732" dt="2024-03-12T16:50:35.939"/>
   </p1510:revLst>
 </p1510:revInfo>
 </file>
@@ -143,7 +143,7 @@
   <pc:docChgLst>
     <pc:chgData name="Sehgal, Vinit" userId="ef721694-8436-4df6-8b9b-be9691359d6c" providerId="ADAL" clId="{26AAD9E8-4C42-4DE7-94A5-14A70A065374}"/>
     <pc:docChg chg="undo redo custSel addSld delSld modSld">
-      <pc:chgData name="Sehgal, Vinit" userId="ef721694-8436-4df6-8b9b-be9691359d6c" providerId="ADAL" clId="{26AAD9E8-4C42-4DE7-94A5-14A70A065374}" dt="2024-03-12T12:15:34.619" v="5030" actId="47"/>
+      <pc:chgData name="Sehgal, Vinit" userId="ef721694-8436-4df6-8b9b-be9691359d6c" providerId="ADAL" clId="{26AAD9E8-4C42-4DE7-94A5-14A70A065374}" dt="2024-03-12T16:50:37.274" v="5059" actId="21"/>
       <pc:docMkLst>
         <pc:docMk/>
       </pc:docMkLst>
@@ -2792,12 +2792,68 @@
           <pc:sldMk cId="747760892" sldId="274"/>
         </pc:sldMkLst>
       </pc:sldChg>
-      <pc:sldChg chg="add">
-        <pc:chgData name="Sehgal, Vinit" userId="ef721694-8436-4df6-8b9b-be9691359d6c" providerId="ADAL" clId="{26AAD9E8-4C42-4DE7-94A5-14A70A065374}" dt="2024-03-12T12:15:31.557" v="5029"/>
+      <pc:sldChg chg="delSp modSp add mod">
+        <pc:chgData name="Sehgal, Vinit" userId="ef721694-8436-4df6-8b9b-be9691359d6c" providerId="ADAL" clId="{26AAD9E8-4C42-4DE7-94A5-14A70A065374}" dt="2024-03-12T16:50:37.274" v="5059" actId="21"/>
         <pc:sldMkLst>
           <pc:docMk/>
           <pc:sldMk cId="3122660725" sldId="275"/>
         </pc:sldMkLst>
+        <pc:spChg chg="mod">
+          <ac:chgData name="Sehgal, Vinit" userId="ef721694-8436-4df6-8b9b-be9691359d6c" providerId="ADAL" clId="{26AAD9E8-4C42-4DE7-94A5-14A70A065374}" dt="2024-03-12T16:50:27.032" v="5058" actId="1037"/>
+          <ac:spMkLst>
+            <pc:docMk/>
+            <pc:sldMk cId="3122660725" sldId="275"/>
+            <ac:spMk id="23" creationId="{60EB84F5-F6D2-47AA-5086-01EAEAACD277}"/>
+          </ac:spMkLst>
+        </pc:spChg>
+        <pc:spChg chg="mod">
+          <ac:chgData name="Sehgal, Vinit" userId="ef721694-8436-4df6-8b9b-be9691359d6c" providerId="ADAL" clId="{26AAD9E8-4C42-4DE7-94A5-14A70A065374}" dt="2024-03-12T16:50:27.032" v="5058" actId="1037"/>
+          <ac:spMkLst>
+            <pc:docMk/>
+            <pc:sldMk cId="3122660725" sldId="275"/>
+            <ac:spMk id="25" creationId="{D96FD468-E8FE-88EB-2BD7-C253BE699F0D}"/>
+          </ac:spMkLst>
+        </pc:spChg>
+        <pc:spChg chg="mod">
+          <ac:chgData name="Sehgal, Vinit" userId="ef721694-8436-4df6-8b9b-be9691359d6c" providerId="ADAL" clId="{26AAD9E8-4C42-4DE7-94A5-14A70A065374}" dt="2024-03-12T16:50:27.032" v="5058" actId="1037"/>
+          <ac:spMkLst>
+            <pc:docMk/>
+            <pc:sldMk cId="3122660725" sldId="275"/>
+            <ac:spMk id="26" creationId="{C8A8C516-AE5B-3BFF-76DA-200C526092A5}"/>
+          </ac:spMkLst>
+        </pc:spChg>
+        <pc:spChg chg="mod">
+          <ac:chgData name="Sehgal, Vinit" userId="ef721694-8436-4df6-8b9b-be9691359d6c" providerId="ADAL" clId="{26AAD9E8-4C42-4DE7-94A5-14A70A065374}" dt="2024-03-12T16:50:27.032" v="5058" actId="1037"/>
+          <ac:spMkLst>
+            <pc:docMk/>
+            <pc:sldMk cId="3122660725" sldId="275"/>
+            <ac:spMk id="28" creationId="{F05A803D-976A-3CBF-3A28-50235BD1D744}"/>
+          </ac:spMkLst>
+        </pc:spChg>
+        <pc:spChg chg="mod">
+          <ac:chgData name="Sehgal, Vinit" userId="ef721694-8436-4df6-8b9b-be9691359d6c" providerId="ADAL" clId="{26AAD9E8-4C42-4DE7-94A5-14A70A065374}" dt="2024-03-12T15:43:47.471" v="5035" actId="207"/>
+          <ac:spMkLst>
+            <pc:docMk/>
+            <pc:sldMk cId="3122660725" sldId="275"/>
+            <ac:spMk id="30" creationId="{DCEF1A88-89EF-18B3-CFA4-0A7A62349287}"/>
+          </ac:spMkLst>
+        </pc:spChg>
+        <pc:spChg chg="mod">
+          <ac:chgData name="Sehgal, Vinit" userId="ef721694-8436-4df6-8b9b-be9691359d6c" providerId="ADAL" clId="{26AAD9E8-4C42-4DE7-94A5-14A70A065374}" dt="2024-03-12T15:43:52.622" v="5036" actId="108"/>
+          <ac:spMkLst>
+            <pc:docMk/>
+            <pc:sldMk cId="3122660725" sldId="275"/>
+            <ac:spMk id="31" creationId="{26AE709A-4700-8046-D36C-061AE07946E5}"/>
+          </ac:spMkLst>
+        </pc:spChg>
+        <pc:picChg chg="del">
+          <ac:chgData name="Sehgal, Vinit" userId="ef721694-8436-4df6-8b9b-be9691359d6c" providerId="ADAL" clId="{26AAD9E8-4C42-4DE7-94A5-14A70A065374}" dt="2024-03-12T16:50:37.274" v="5059" actId="21"/>
+          <ac:picMkLst>
+            <pc:docMk/>
+            <pc:sldMk cId="3122660725" sldId="275"/>
+            <ac:picMk id="2" creationId="{B5EEF8E8-461A-9822-3816-14B075564B0E}"/>
+          </ac:picMkLst>
+        </pc:picChg>
       </pc:sldChg>
     </pc:docChg>
   </pc:docChgLst>
@@ -20760,7 +20816,7 @@
         </p:nvSpPr>
         <p:spPr>
           <a:xfrm>
-            <a:off x="6360053" y="2411426"/>
+            <a:off x="6332182" y="2411426"/>
             <a:ext cx="210962" cy="338554"/>
           </a:xfrm>
           <a:prstGeom prst="rect">
@@ -20774,7 +20830,7 @@
           </a:bodyPr>
           <a:lstStyle/>
           <a:p>
-            <a:pPr algn="r"/>
+            <a:pPr algn="ctr"/>
             <a:r>
               <a:rPr lang="en-US" sz="1600" b="1" i="1" dirty="0">
                 <a:latin typeface="Arial" panose="020B0604020202020204" pitchFamily="34" charset="0"/>
@@ -20800,7 +20856,7 @@
         </p:nvSpPr>
         <p:spPr>
           <a:xfrm>
-            <a:off x="6085524" y="2681815"/>
+            <a:off x="6194918" y="2681815"/>
             <a:ext cx="485491" cy="338554"/>
           </a:xfrm>
           <a:prstGeom prst="rect">
@@ -20814,7 +20870,7 @@
           </a:bodyPr>
           <a:lstStyle/>
           <a:p>
-            <a:pPr algn="r"/>
+            <a:pPr algn="ctr"/>
             <a:r>
               <a:rPr lang="en-US" sz="1600" b="1" i="1" dirty="0">
                 <a:latin typeface="Arial" panose="020B0604020202020204" pitchFamily="34" charset="0"/>
@@ -20840,7 +20896,7 @@
         </p:nvSpPr>
         <p:spPr>
           <a:xfrm>
-            <a:off x="6085524" y="2895000"/>
+            <a:off x="6194918" y="2895000"/>
             <a:ext cx="485491" cy="338554"/>
           </a:xfrm>
           <a:prstGeom prst="rect">
@@ -20854,7 +20910,7 @@
           </a:bodyPr>
           <a:lstStyle/>
           <a:p>
-            <a:pPr algn="r"/>
+            <a:pPr algn="ctr"/>
             <a:r>
               <a:rPr lang="en-US" sz="1600" b="1" i="1" dirty="0">
                 <a:latin typeface="Arial" panose="020B0604020202020204" pitchFamily="34" charset="0"/>
@@ -20880,7 +20936,7 @@
         </p:nvSpPr>
         <p:spPr>
           <a:xfrm rot="5400000">
-            <a:off x="6217987" y="3068608"/>
+            <a:off x="6194918" y="3068608"/>
             <a:ext cx="485491" cy="338554"/>
           </a:xfrm>
           <a:prstGeom prst="rect">
@@ -20894,7 +20950,7 @@
           </a:bodyPr>
           <a:lstStyle/>
           <a:p>
-            <a:pPr algn="r"/>
+            <a:pPr algn="ctr"/>
             <a:r>
               <a:rPr lang="en-US" sz="1600" b="1" i="1" dirty="0">
                 <a:latin typeface="Arial" panose="020B0604020202020204" pitchFamily="34" charset="0"/>
@@ -20935,7 +20991,7 @@
           <a:lstStyle/>
           <a:p>
             <a:r>
-              <a:rPr lang="en-US" sz="1600" b="1" dirty="0">
+              <a:rPr lang="en-US" sz="1600" dirty="0">
                 <a:solidFill>
                   <a:srgbClr val="202124"/>
                 </a:solidFill>
@@ -20944,9 +21000,9 @@
               <a:t> </a:t>
             </a:r>
             <a:r>
-              <a:rPr lang="en-US" sz="2667" b="1" dirty="0">
+              <a:rPr lang="en-US" sz="2667" dirty="0">
                 <a:solidFill>
-                  <a:srgbClr val="202124"/>
+                  <a:schemeClr val="accent1"/>
                 </a:solidFill>
                 <a:latin typeface="Roboto" panose="02000000000000000000" pitchFamily="2" charset="0"/>
               </a:rPr>
@@ -20993,7 +21049,7 @@
           <a:lstStyle/>
           <a:p>
             <a:r>
-              <a:rPr lang="en-US" sz="1600" b="1" dirty="0">
+              <a:rPr lang="en-US" sz="1600" dirty="0">
                 <a:solidFill>
                   <a:srgbClr val="202124"/>
                 </a:solidFill>
@@ -21002,9 +21058,9 @@
               <a:t> </a:t>
             </a:r>
             <a:r>
-              <a:rPr lang="en-US" sz="2667" b="1" dirty="0">
+              <a:rPr lang="en-US" sz="2667" dirty="0">
                 <a:solidFill>
-                  <a:srgbClr val="202124"/>
+                  <a:schemeClr val="accent1"/>
                 </a:solidFill>
                 <a:latin typeface="Roboto" panose="02000000000000000000" pitchFamily="2" charset="0"/>
               </a:rPr>
